--- a/CISC879/ChapterPresentation/LectureSlidesCh8.pptx
+++ b/CISC879/ChapterPresentation/LectureSlidesCh8.pptx
@@ -6,11 +6,16 @@
   </p:sldMasterIdLst>
   <p:sldIdLst>
     <p:sldId id="256" r:id="rId2"/>
-    <p:sldId id="257" r:id="rId3"/>
-    <p:sldId id="258" r:id="rId4"/>
-    <p:sldId id="259" r:id="rId5"/>
-    <p:sldId id="260" r:id="rId6"/>
-    <p:sldId id="261" r:id="rId7"/>
+    <p:sldId id="262" r:id="rId3"/>
+    <p:sldId id="263" r:id="rId4"/>
+    <p:sldId id="257" r:id="rId5"/>
+    <p:sldId id="264" r:id="rId6"/>
+    <p:sldId id="259" r:id="rId7"/>
+    <p:sldId id="258" r:id="rId8"/>
+    <p:sldId id="265" r:id="rId9"/>
+    <p:sldId id="261" r:id="rId10"/>
+    <p:sldId id="260" r:id="rId11"/>
+    <p:sldId id="266" r:id="rId12"/>
   </p:sldIdLst>
   <p:sldSz cx="12192000" cy="6858000"/>
   <p:notesSz cx="6858000" cy="9144000"/>
@@ -159,7 +164,7 @@
           </a:lstStyle>
           <a:p>
             <a:r>
-              <a:rPr lang="en-US" smtClean="0"/>
+              <a:rPr lang="en-US"/>
               <a:t>Click to edit Master title style</a:t>
             </a:r>
             <a:endParaRPr lang="en-CA"/>
@@ -224,7 +229,7 @@
           </a:lstStyle>
           <a:p>
             <a:r>
-              <a:rPr lang="en-US" smtClean="0"/>
+              <a:rPr lang="en-US"/>
               <a:t>Click to edit Master subtitle style</a:t>
             </a:r>
             <a:endParaRPr lang="en-CA"/>
@@ -248,7 +253,7 @@
           <a:p>
             <a:fld id="{A16762DA-0EF7-46B5-B462-6D59499F3413}" type="datetimeFigureOut">
               <a:rPr lang="en-CA" smtClean="0"/>
-              <a:t>20/10/2016</a:t>
+              <a:t>24/10/2016</a:t>
             </a:fld>
             <a:endParaRPr lang="en-CA"/>
           </a:p>
@@ -342,7 +347,7 @@
           <a:lstStyle/>
           <a:p>
             <a:r>
-              <a:rPr lang="en-US" smtClean="0"/>
+              <a:rPr lang="en-US"/>
               <a:t>Click to edit Master title style</a:t>
             </a:r>
             <a:endParaRPr lang="en-CA"/>
@@ -366,35 +371,35 @@
           <a:p>
             <a:pPr lvl="0"/>
             <a:r>
-              <a:rPr lang="en-US" smtClean="0"/>
+              <a:rPr lang="en-US"/>
               <a:t>Click to edit Master text styles</a:t>
             </a:r>
           </a:p>
           <a:p>
             <a:pPr lvl="1"/>
             <a:r>
-              <a:rPr lang="en-US" smtClean="0"/>
+              <a:rPr lang="en-US"/>
               <a:t>Second level</a:t>
             </a:r>
           </a:p>
           <a:p>
             <a:pPr lvl="2"/>
             <a:r>
-              <a:rPr lang="en-US" smtClean="0"/>
+              <a:rPr lang="en-US"/>
               <a:t>Third level</a:t>
             </a:r>
           </a:p>
           <a:p>
             <a:pPr lvl="3"/>
             <a:r>
-              <a:rPr lang="en-US" smtClean="0"/>
+              <a:rPr lang="en-US"/>
               <a:t>Fourth level</a:t>
             </a:r>
           </a:p>
           <a:p>
             <a:pPr lvl="4"/>
             <a:r>
-              <a:rPr lang="en-US" smtClean="0"/>
+              <a:rPr lang="en-US"/>
               <a:t>Fifth level</a:t>
             </a:r>
             <a:endParaRPr lang="en-CA"/>
@@ -418,7 +423,7 @@
           <a:p>
             <a:fld id="{A16762DA-0EF7-46B5-B462-6D59499F3413}" type="datetimeFigureOut">
               <a:rPr lang="en-CA" smtClean="0"/>
-              <a:t>20/10/2016</a:t>
+              <a:t>24/10/2016</a:t>
             </a:fld>
             <a:endParaRPr lang="en-CA"/>
           </a:p>
@@ -517,7 +522,7 @@
           <a:lstStyle/>
           <a:p>
             <a:r>
-              <a:rPr lang="en-US" smtClean="0"/>
+              <a:rPr lang="en-US"/>
               <a:t>Click to edit Master title style</a:t>
             </a:r>
             <a:endParaRPr lang="en-CA"/>
@@ -546,35 +551,35 @@
           <a:p>
             <a:pPr lvl="0"/>
             <a:r>
-              <a:rPr lang="en-US" smtClean="0"/>
+              <a:rPr lang="en-US"/>
               <a:t>Click to edit Master text styles</a:t>
             </a:r>
           </a:p>
           <a:p>
             <a:pPr lvl="1"/>
             <a:r>
-              <a:rPr lang="en-US" smtClean="0"/>
+              <a:rPr lang="en-US"/>
               <a:t>Second level</a:t>
             </a:r>
           </a:p>
           <a:p>
             <a:pPr lvl="2"/>
             <a:r>
-              <a:rPr lang="en-US" smtClean="0"/>
+              <a:rPr lang="en-US"/>
               <a:t>Third level</a:t>
             </a:r>
           </a:p>
           <a:p>
             <a:pPr lvl="3"/>
             <a:r>
-              <a:rPr lang="en-US" smtClean="0"/>
+              <a:rPr lang="en-US"/>
               <a:t>Fourth level</a:t>
             </a:r>
           </a:p>
           <a:p>
             <a:pPr lvl="4"/>
             <a:r>
-              <a:rPr lang="en-US" smtClean="0"/>
+              <a:rPr lang="en-US"/>
               <a:t>Fifth level</a:t>
             </a:r>
             <a:endParaRPr lang="en-CA"/>
@@ -598,7 +603,7 @@
           <a:p>
             <a:fld id="{A16762DA-0EF7-46B5-B462-6D59499F3413}" type="datetimeFigureOut">
               <a:rPr lang="en-CA" smtClean="0"/>
-              <a:t>20/10/2016</a:t>
+              <a:t>24/10/2016</a:t>
             </a:fld>
             <a:endParaRPr lang="en-CA"/>
           </a:p>
@@ -692,7 +697,7 @@
           <a:lstStyle/>
           <a:p>
             <a:r>
-              <a:rPr lang="en-US" smtClean="0"/>
+              <a:rPr lang="en-US"/>
               <a:t>Click to edit Master title style</a:t>
             </a:r>
             <a:endParaRPr lang="en-CA"/>
@@ -716,35 +721,35 @@
           <a:p>
             <a:pPr lvl="0"/>
             <a:r>
-              <a:rPr lang="en-US" smtClean="0"/>
+              <a:rPr lang="en-US"/>
               <a:t>Click to edit Master text styles</a:t>
             </a:r>
           </a:p>
           <a:p>
             <a:pPr lvl="1"/>
             <a:r>
-              <a:rPr lang="en-US" smtClean="0"/>
+              <a:rPr lang="en-US"/>
               <a:t>Second level</a:t>
             </a:r>
           </a:p>
           <a:p>
             <a:pPr lvl="2"/>
             <a:r>
-              <a:rPr lang="en-US" smtClean="0"/>
+              <a:rPr lang="en-US"/>
               <a:t>Third level</a:t>
             </a:r>
           </a:p>
           <a:p>
             <a:pPr lvl="3"/>
             <a:r>
-              <a:rPr lang="en-US" smtClean="0"/>
+              <a:rPr lang="en-US"/>
               <a:t>Fourth level</a:t>
             </a:r>
           </a:p>
           <a:p>
             <a:pPr lvl="4"/>
             <a:r>
-              <a:rPr lang="en-US" smtClean="0"/>
+              <a:rPr lang="en-US"/>
               <a:t>Fifth level</a:t>
             </a:r>
             <a:endParaRPr lang="en-CA"/>
@@ -768,7 +773,7 @@
           <a:p>
             <a:fld id="{A16762DA-0EF7-46B5-B462-6D59499F3413}" type="datetimeFigureOut">
               <a:rPr lang="en-CA" smtClean="0"/>
-              <a:t>20/10/2016</a:t>
+              <a:t>24/10/2016</a:t>
             </a:fld>
             <a:endParaRPr lang="en-CA"/>
           </a:p>
@@ -871,7 +876,7 @@
           </a:lstStyle>
           <a:p>
             <a:r>
-              <a:rPr lang="en-US" smtClean="0"/>
+              <a:rPr lang="en-US"/>
               <a:t>Click to edit Master title style</a:t>
             </a:r>
             <a:endParaRPr lang="en-CA"/>
@@ -991,7 +996,7 @@
           <a:p>
             <a:pPr lvl="0"/>
             <a:r>
-              <a:rPr lang="en-US" smtClean="0"/>
+              <a:rPr lang="en-US"/>
               <a:t>Click to edit Master text styles</a:t>
             </a:r>
           </a:p>
@@ -1014,7 +1019,7 @@
           <a:p>
             <a:fld id="{A16762DA-0EF7-46B5-B462-6D59499F3413}" type="datetimeFigureOut">
               <a:rPr lang="en-CA" smtClean="0"/>
-              <a:t>20/10/2016</a:t>
+              <a:t>24/10/2016</a:t>
             </a:fld>
             <a:endParaRPr lang="en-CA"/>
           </a:p>
@@ -1108,7 +1113,7 @@
           <a:lstStyle/>
           <a:p>
             <a:r>
-              <a:rPr lang="en-US" smtClean="0"/>
+              <a:rPr lang="en-US"/>
               <a:t>Click to edit Master title style</a:t>
             </a:r>
             <a:endParaRPr lang="en-CA"/>
@@ -1137,35 +1142,35 @@
           <a:p>
             <a:pPr lvl="0"/>
             <a:r>
-              <a:rPr lang="en-US" smtClean="0"/>
+              <a:rPr lang="en-US"/>
               <a:t>Click to edit Master text styles</a:t>
             </a:r>
           </a:p>
           <a:p>
             <a:pPr lvl="1"/>
             <a:r>
-              <a:rPr lang="en-US" smtClean="0"/>
+              <a:rPr lang="en-US"/>
               <a:t>Second level</a:t>
             </a:r>
           </a:p>
           <a:p>
             <a:pPr lvl="2"/>
             <a:r>
-              <a:rPr lang="en-US" smtClean="0"/>
+              <a:rPr lang="en-US"/>
               <a:t>Third level</a:t>
             </a:r>
           </a:p>
           <a:p>
             <a:pPr lvl="3"/>
             <a:r>
-              <a:rPr lang="en-US" smtClean="0"/>
+              <a:rPr lang="en-US"/>
               <a:t>Fourth level</a:t>
             </a:r>
           </a:p>
           <a:p>
             <a:pPr lvl="4"/>
             <a:r>
-              <a:rPr lang="en-US" smtClean="0"/>
+              <a:rPr lang="en-US"/>
               <a:t>Fifth level</a:t>
             </a:r>
             <a:endParaRPr lang="en-CA"/>
@@ -1194,35 +1199,35 @@
           <a:p>
             <a:pPr lvl="0"/>
             <a:r>
-              <a:rPr lang="en-US" smtClean="0"/>
+              <a:rPr lang="en-US"/>
               <a:t>Click to edit Master text styles</a:t>
             </a:r>
           </a:p>
           <a:p>
             <a:pPr lvl="1"/>
             <a:r>
-              <a:rPr lang="en-US" smtClean="0"/>
+              <a:rPr lang="en-US"/>
               <a:t>Second level</a:t>
             </a:r>
           </a:p>
           <a:p>
             <a:pPr lvl="2"/>
             <a:r>
-              <a:rPr lang="en-US" smtClean="0"/>
+              <a:rPr lang="en-US"/>
               <a:t>Third level</a:t>
             </a:r>
           </a:p>
           <a:p>
             <a:pPr lvl="3"/>
             <a:r>
-              <a:rPr lang="en-US" smtClean="0"/>
+              <a:rPr lang="en-US"/>
               <a:t>Fourth level</a:t>
             </a:r>
           </a:p>
           <a:p>
             <a:pPr lvl="4"/>
             <a:r>
-              <a:rPr lang="en-US" smtClean="0"/>
+              <a:rPr lang="en-US"/>
               <a:t>Fifth level</a:t>
             </a:r>
             <a:endParaRPr lang="en-CA"/>
@@ -1246,7 +1251,7 @@
           <a:p>
             <a:fld id="{A16762DA-0EF7-46B5-B462-6D59499F3413}" type="datetimeFigureOut">
               <a:rPr lang="en-CA" smtClean="0"/>
-              <a:t>20/10/2016</a:t>
+              <a:t>24/10/2016</a:t>
             </a:fld>
             <a:endParaRPr lang="en-CA"/>
           </a:p>
@@ -1345,7 +1350,7 @@
           <a:lstStyle/>
           <a:p>
             <a:r>
-              <a:rPr lang="en-US" smtClean="0"/>
+              <a:rPr lang="en-US"/>
               <a:t>Click to edit Master title style</a:t>
             </a:r>
             <a:endParaRPr lang="en-CA"/>
@@ -1411,7 +1416,7 @@
           <a:p>
             <a:pPr lvl="0"/>
             <a:r>
-              <a:rPr lang="en-US" smtClean="0"/>
+              <a:rPr lang="en-US"/>
               <a:t>Click to edit Master text styles</a:t>
             </a:r>
           </a:p>
@@ -1439,35 +1444,35 @@
           <a:p>
             <a:pPr lvl="0"/>
             <a:r>
-              <a:rPr lang="en-US" smtClean="0"/>
+              <a:rPr lang="en-US"/>
               <a:t>Click to edit Master text styles</a:t>
             </a:r>
           </a:p>
           <a:p>
             <a:pPr lvl="1"/>
             <a:r>
-              <a:rPr lang="en-US" smtClean="0"/>
+              <a:rPr lang="en-US"/>
               <a:t>Second level</a:t>
             </a:r>
           </a:p>
           <a:p>
             <a:pPr lvl="2"/>
             <a:r>
-              <a:rPr lang="en-US" smtClean="0"/>
+              <a:rPr lang="en-US"/>
               <a:t>Third level</a:t>
             </a:r>
           </a:p>
           <a:p>
             <a:pPr lvl="3"/>
             <a:r>
-              <a:rPr lang="en-US" smtClean="0"/>
+              <a:rPr lang="en-US"/>
               <a:t>Fourth level</a:t>
             </a:r>
           </a:p>
           <a:p>
             <a:pPr lvl="4"/>
             <a:r>
-              <a:rPr lang="en-US" smtClean="0"/>
+              <a:rPr lang="en-US"/>
               <a:t>Fifth level</a:t>
             </a:r>
             <a:endParaRPr lang="en-CA"/>
@@ -1533,7 +1538,7 @@
           <a:p>
             <a:pPr lvl="0"/>
             <a:r>
-              <a:rPr lang="en-US" smtClean="0"/>
+              <a:rPr lang="en-US"/>
               <a:t>Click to edit Master text styles</a:t>
             </a:r>
           </a:p>
@@ -1561,35 +1566,35 @@
           <a:p>
             <a:pPr lvl="0"/>
             <a:r>
-              <a:rPr lang="en-US" smtClean="0"/>
+              <a:rPr lang="en-US"/>
               <a:t>Click to edit Master text styles</a:t>
             </a:r>
           </a:p>
           <a:p>
             <a:pPr lvl="1"/>
             <a:r>
-              <a:rPr lang="en-US" smtClean="0"/>
+              <a:rPr lang="en-US"/>
               <a:t>Second level</a:t>
             </a:r>
           </a:p>
           <a:p>
             <a:pPr lvl="2"/>
             <a:r>
-              <a:rPr lang="en-US" smtClean="0"/>
+              <a:rPr lang="en-US"/>
               <a:t>Third level</a:t>
             </a:r>
           </a:p>
           <a:p>
             <a:pPr lvl="3"/>
             <a:r>
-              <a:rPr lang="en-US" smtClean="0"/>
+              <a:rPr lang="en-US"/>
               <a:t>Fourth level</a:t>
             </a:r>
           </a:p>
           <a:p>
             <a:pPr lvl="4"/>
             <a:r>
-              <a:rPr lang="en-US" smtClean="0"/>
+              <a:rPr lang="en-US"/>
               <a:t>Fifth level</a:t>
             </a:r>
             <a:endParaRPr lang="en-CA"/>
@@ -1613,7 +1618,7 @@
           <a:p>
             <a:fld id="{A16762DA-0EF7-46B5-B462-6D59499F3413}" type="datetimeFigureOut">
               <a:rPr lang="en-CA" smtClean="0"/>
-              <a:t>20/10/2016</a:t>
+              <a:t>24/10/2016</a:t>
             </a:fld>
             <a:endParaRPr lang="en-CA"/>
           </a:p>
@@ -1707,7 +1712,7 @@
           <a:lstStyle/>
           <a:p>
             <a:r>
-              <a:rPr lang="en-US" smtClean="0"/>
+              <a:rPr lang="en-US"/>
               <a:t>Click to edit Master title style</a:t>
             </a:r>
             <a:endParaRPr lang="en-CA"/>
@@ -1731,7 +1736,7 @@
           <a:p>
             <a:fld id="{A16762DA-0EF7-46B5-B462-6D59499F3413}" type="datetimeFigureOut">
               <a:rPr lang="en-CA" smtClean="0"/>
-              <a:t>20/10/2016</a:t>
+              <a:t>24/10/2016</a:t>
             </a:fld>
             <a:endParaRPr lang="en-CA"/>
           </a:p>
@@ -1826,7 +1831,7 @@
           <a:p>
             <a:fld id="{A16762DA-0EF7-46B5-B462-6D59499F3413}" type="datetimeFigureOut">
               <a:rPr lang="en-CA" smtClean="0"/>
-              <a:t>20/10/2016</a:t>
+              <a:t>24/10/2016</a:t>
             </a:fld>
             <a:endParaRPr lang="en-CA"/>
           </a:p>
@@ -1929,7 +1934,7 @@
           </a:lstStyle>
           <a:p>
             <a:r>
-              <a:rPr lang="en-US" smtClean="0"/>
+              <a:rPr lang="en-US"/>
               <a:t>Click to edit Master title style</a:t>
             </a:r>
             <a:endParaRPr lang="en-CA"/>
@@ -1986,35 +1991,35 @@
           <a:p>
             <a:pPr lvl="0"/>
             <a:r>
-              <a:rPr lang="en-US" smtClean="0"/>
+              <a:rPr lang="en-US"/>
               <a:t>Click to edit Master text styles</a:t>
             </a:r>
           </a:p>
           <a:p>
             <a:pPr lvl="1"/>
             <a:r>
-              <a:rPr lang="en-US" smtClean="0"/>
+              <a:rPr lang="en-US"/>
               <a:t>Second level</a:t>
             </a:r>
           </a:p>
           <a:p>
             <a:pPr lvl="2"/>
             <a:r>
-              <a:rPr lang="en-US" smtClean="0"/>
+              <a:rPr lang="en-US"/>
               <a:t>Third level</a:t>
             </a:r>
           </a:p>
           <a:p>
             <a:pPr lvl="3"/>
             <a:r>
-              <a:rPr lang="en-US" smtClean="0"/>
+              <a:rPr lang="en-US"/>
               <a:t>Fourth level</a:t>
             </a:r>
           </a:p>
           <a:p>
             <a:pPr lvl="4"/>
             <a:r>
-              <a:rPr lang="en-US" smtClean="0"/>
+              <a:rPr lang="en-US"/>
               <a:t>Fifth level</a:t>
             </a:r>
             <a:endParaRPr lang="en-CA"/>
@@ -2080,7 +2085,7 @@
           <a:p>
             <a:pPr lvl="0"/>
             <a:r>
-              <a:rPr lang="en-US" smtClean="0"/>
+              <a:rPr lang="en-US"/>
               <a:t>Click to edit Master text styles</a:t>
             </a:r>
           </a:p>
@@ -2103,7 +2108,7 @@
           <a:p>
             <a:fld id="{A16762DA-0EF7-46B5-B462-6D59499F3413}" type="datetimeFigureOut">
               <a:rPr lang="en-CA" smtClean="0"/>
-              <a:t>20/10/2016</a:t>
+              <a:t>24/10/2016</a:t>
             </a:fld>
             <a:endParaRPr lang="en-CA"/>
           </a:p>
@@ -2206,7 +2211,7 @@
           </a:lstStyle>
           <a:p>
             <a:r>
-              <a:rPr lang="en-US" smtClean="0"/>
+              <a:rPr lang="en-US"/>
               <a:t>Click to edit Master title style</a:t>
             </a:r>
             <a:endParaRPr lang="en-CA"/>
@@ -2333,7 +2338,7 @@
           <a:p>
             <a:pPr lvl="0"/>
             <a:r>
-              <a:rPr lang="en-US" smtClean="0"/>
+              <a:rPr lang="en-US"/>
               <a:t>Click to edit Master text styles</a:t>
             </a:r>
           </a:p>
@@ -2356,7 +2361,7 @@
           <a:p>
             <a:fld id="{A16762DA-0EF7-46B5-B462-6D59499F3413}" type="datetimeFigureOut">
               <a:rPr lang="en-CA" smtClean="0"/>
-              <a:t>20/10/2016</a:t>
+              <a:t>24/10/2016</a:t>
             </a:fld>
             <a:endParaRPr lang="en-CA"/>
           </a:p>
@@ -2465,7 +2470,7 @@
           <a:lstStyle/>
           <a:p>
             <a:r>
-              <a:rPr lang="en-US" smtClean="0"/>
+              <a:rPr lang="en-US"/>
               <a:t>Click to edit Master title style</a:t>
             </a:r>
             <a:endParaRPr lang="en-CA"/>
@@ -2499,35 +2504,35 @@
           <a:p>
             <a:pPr lvl="0"/>
             <a:r>
-              <a:rPr lang="en-US" smtClean="0"/>
+              <a:rPr lang="en-US"/>
               <a:t>Click to edit Master text styles</a:t>
             </a:r>
           </a:p>
           <a:p>
             <a:pPr lvl="1"/>
             <a:r>
-              <a:rPr lang="en-US" smtClean="0"/>
+              <a:rPr lang="en-US"/>
               <a:t>Second level</a:t>
             </a:r>
           </a:p>
           <a:p>
             <a:pPr lvl="2"/>
             <a:r>
-              <a:rPr lang="en-US" smtClean="0"/>
+              <a:rPr lang="en-US"/>
               <a:t>Third level</a:t>
             </a:r>
           </a:p>
           <a:p>
             <a:pPr lvl="3"/>
             <a:r>
-              <a:rPr lang="en-US" smtClean="0"/>
+              <a:rPr lang="en-US"/>
               <a:t>Fourth level</a:t>
             </a:r>
           </a:p>
           <a:p>
             <a:pPr lvl="4"/>
             <a:r>
-              <a:rPr lang="en-US" smtClean="0"/>
+              <a:rPr lang="en-US"/>
               <a:t>Fifth level</a:t>
             </a:r>
             <a:endParaRPr lang="en-CA"/>
@@ -2569,7 +2574,7 @@
           <a:p>
             <a:fld id="{A16762DA-0EF7-46B5-B462-6D59499F3413}" type="datetimeFigureOut">
               <a:rPr lang="en-CA" smtClean="0"/>
-              <a:t>20/10/2016</a:t>
+              <a:t>24/10/2016</a:t>
             </a:fld>
             <a:endParaRPr lang="en-CA"/>
           </a:p>
@@ -2990,10 +2995,9 @@
           <a:lstStyle/>
           <a:p>
             <a:r>
-              <a:rPr lang="en-CA" dirty="0" smtClean="0"/>
+              <a:rPr lang="en-CA" dirty="0"/>
               <a:t>Chapter 8 – Artificial Life</a:t>
             </a:r>
-            <a:endParaRPr lang="en-CA" dirty="0"/>
           </a:p>
         </p:txBody>
       </p:sp>
@@ -3013,19 +3017,19 @@
           <a:lstStyle/>
           <a:p>
             <a:r>
-              <a:rPr lang="en-CA" dirty="0" smtClean="0"/>
+              <a:rPr lang="en-CA" dirty="0"/>
               <a:t>Ben Church &amp; </a:t>
             </a:r>
             <a:r>
-              <a:rPr lang="en-CA" dirty="0" err="1" smtClean="0"/>
+              <a:rPr lang="en-CA" dirty="0" err="1"/>
               <a:t>Itamar</a:t>
             </a:r>
             <a:r>
-              <a:rPr lang="en-CA" dirty="0" smtClean="0"/>
+              <a:rPr lang="en-CA" dirty="0"/>
               <a:t> </a:t>
             </a:r>
             <a:r>
-              <a:rPr lang="en-CA" dirty="0" err="1" smtClean="0"/>
+              <a:rPr lang="en-CA" dirty="0" err="1"/>
               <a:t>Tzadok</a:t>
             </a:r>
             <a:endParaRPr lang="en-CA" dirty="0"/>
@@ -3042,6 +3046,280 @@
   <p:clrMapOvr>
     <a:masterClrMapping/>
   </p:clrMapOvr>
+  <p:timing>
+    <p:tnLst>
+      <p:par>
+        <p:cTn id="1" dur="indefinite" restart="never" nodeType="tmRoot"/>
+      </p:par>
+    </p:tnLst>
+  </p:timing>
+</p:sld>
+</file>
+
+<file path=ppt/slides/slide10.xml><?xml version="1.0" encoding="utf-8"?>
+<p:sld xmlns:a="http://schemas.openxmlformats.org/drawingml/2006/main" xmlns:r="http://schemas.openxmlformats.org/officeDocument/2006/relationships" xmlns:p="http://schemas.openxmlformats.org/presentationml/2006/main">
+  <p:cSld>
+    <p:spTree>
+      <p:nvGrpSpPr>
+        <p:cNvPr id="1" name=""/>
+        <p:cNvGrpSpPr/>
+        <p:nvPr/>
+      </p:nvGrpSpPr>
+      <p:grpSpPr>
+        <a:xfrm>
+          <a:off x="0" y="0"/>
+          <a:ext cx="0" cy="0"/>
+          <a:chOff x="0" y="0"/>
+          <a:chExt cx="0" cy="0"/>
+        </a:xfrm>
+      </p:grpSpPr>
+      <p:sp>
+        <p:nvSpPr>
+          <p:cNvPr id="2" name="Title 1"/>
+          <p:cNvSpPr>
+            <a:spLocks noGrp="1"/>
+          </p:cNvSpPr>
+          <p:nvPr>
+            <p:ph type="title"/>
+          </p:nvPr>
+        </p:nvSpPr>
+        <p:spPr/>
+        <p:txBody>
+          <a:bodyPr/>
+          <a:lstStyle/>
+          <a:p>
+            <a:r>
+              <a:rPr lang="en-CA" dirty="0"/>
+              <a:t>The meaning of life</a:t>
+            </a:r>
+          </a:p>
+        </p:txBody>
+      </p:sp>
+      <p:sp>
+        <p:nvSpPr>
+          <p:cNvPr id="3" name="Content Placeholder 2"/>
+          <p:cNvSpPr>
+            <a:spLocks noGrp="1"/>
+          </p:cNvSpPr>
+          <p:nvPr>
+            <p:ph idx="1"/>
+          </p:nvPr>
+        </p:nvSpPr>
+        <p:spPr>
+          <a:xfrm>
+            <a:off x="838200" y="1825625"/>
+            <a:ext cx="5599545" cy="4351338"/>
+          </a:xfrm>
+        </p:spPr>
+        <p:txBody>
+          <a:bodyPr/>
+          <a:lstStyle/>
+          <a:p>
+            <a:r>
+              <a:rPr lang="en-CA" dirty="0"/>
+              <a:t>AL asks us to consider an age old question: </a:t>
+            </a:r>
+            <a:br>
+              <a:rPr lang="en-CA" dirty="0"/>
+            </a:br>
+            <a:r>
+              <a:rPr lang="en-CA" dirty="0"/>
+              <a:t>	What does it mean to be alive?</a:t>
+            </a:r>
+          </a:p>
+          <a:p>
+            <a:r>
+              <a:rPr lang="en-CA" dirty="0"/>
+              <a:t>To see past the details of life’s </a:t>
+            </a:r>
+            <a:r>
+              <a:rPr lang="en-CA" dirty="0" smtClean="0"/>
+              <a:t>various implementations </a:t>
+            </a:r>
+            <a:r>
+              <a:rPr lang="en-CA" dirty="0"/>
+              <a:t>is to know </a:t>
+            </a:r>
+            <a:r>
+              <a:rPr lang="en-CA" dirty="0" smtClean="0"/>
+              <a:t>this.</a:t>
+            </a:r>
+            <a:endParaRPr lang="en-CA" dirty="0"/>
+          </a:p>
+        </p:txBody>
+      </p:sp>
+    </p:spTree>
+    <p:extLst>
+      <p:ext uri="{BB962C8B-B14F-4D97-AF65-F5344CB8AC3E}">
+        <p14:creationId xmlns:p14="http://schemas.microsoft.com/office/powerpoint/2010/main" val="1754329738"/>
+      </p:ext>
+    </p:extLst>
+  </p:cSld>
+  <p:clrMapOvr>
+    <a:masterClrMapping/>
+  </p:clrMapOvr>
+  <p:timing>
+    <p:tnLst>
+      <p:par>
+        <p:cTn id="1" dur="indefinite" restart="never" nodeType="tmRoot"/>
+      </p:par>
+    </p:tnLst>
+  </p:timing>
+</p:sld>
+</file>
+
+<file path=ppt/slides/slide11.xml><?xml version="1.0" encoding="utf-8"?>
+<p:sld xmlns:a="http://schemas.openxmlformats.org/drawingml/2006/main" xmlns:r="http://schemas.openxmlformats.org/officeDocument/2006/relationships" xmlns:p="http://schemas.openxmlformats.org/presentationml/2006/main">
+  <p:cSld>
+    <p:spTree>
+      <p:nvGrpSpPr>
+        <p:cNvPr id="1" name=""/>
+        <p:cNvGrpSpPr/>
+        <p:nvPr/>
+      </p:nvGrpSpPr>
+      <p:grpSpPr>
+        <a:xfrm>
+          <a:off x="0" y="0"/>
+          <a:ext cx="0" cy="0"/>
+          <a:chOff x="0" y="0"/>
+          <a:chExt cx="0" cy="0"/>
+        </a:xfrm>
+      </p:grpSpPr>
+      <p:sp>
+        <p:nvSpPr>
+          <p:cNvPr id="2" name="Title 1"/>
+          <p:cNvSpPr>
+            <a:spLocks noGrp="1"/>
+          </p:cNvSpPr>
+          <p:nvPr>
+            <p:ph type="title"/>
+          </p:nvPr>
+        </p:nvSpPr>
+        <p:spPr/>
+        <p:txBody>
+          <a:bodyPr/>
+          <a:lstStyle/>
+          <a:p>
+            <a:r>
+              <a:rPr lang="en-CA" dirty="0" smtClean="0"/>
+              <a:t>Some case studies</a:t>
+            </a:r>
+            <a:endParaRPr lang="en-CA" dirty="0"/>
+          </a:p>
+        </p:txBody>
+      </p:sp>
+      <p:sp>
+        <p:nvSpPr>
+          <p:cNvPr id="3" name="Content Placeholder 2"/>
+          <p:cNvSpPr>
+            <a:spLocks noGrp="1"/>
+          </p:cNvSpPr>
+          <p:nvPr>
+            <p:ph idx="1"/>
+          </p:nvPr>
+        </p:nvSpPr>
+        <p:spPr/>
+        <p:txBody>
+          <a:bodyPr/>
+          <a:lstStyle/>
+          <a:p>
+            <a:r>
+              <a:rPr lang="en-CA" dirty="0" smtClean="0"/>
+              <a:t>Reynolds’ </a:t>
+            </a:r>
+            <a:r>
+              <a:rPr lang="en-CA" dirty="0" err="1" smtClean="0"/>
+              <a:t>boids</a:t>
+            </a:r>
+            <a:endParaRPr lang="en-CA" dirty="0"/>
+          </a:p>
+          <a:p>
+            <a:r>
+              <a:rPr lang="en-CA" dirty="0" smtClean="0"/>
+              <a:t>Dawkins’ </a:t>
+            </a:r>
+            <a:r>
+              <a:rPr lang="en-CA" dirty="0" err="1" smtClean="0"/>
+              <a:t>biomorphs</a:t>
+            </a:r>
+            <a:endParaRPr lang="en-CA" dirty="0" smtClean="0"/>
+          </a:p>
+          <a:p>
+            <a:r>
+              <a:rPr lang="en-CA" dirty="0" smtClean="0"/>
+              <a:t>Computer viruses</a:t>
+            </a:r>
+          </a:p>
+          <a:p>
+            <a:r>
+              <a:rPr lang="en-CA" dirty="0" smtClean="0"/>
+              <a:t>Synthesizing emotional behaviour</a:t>
+            </a:r>
+          </a:p>
+          <a:p>
+            <a:r>
+              <a:rPr lang="en-CA" dirty="0" smtClean="0"/>
+              <a:t>Sony’s AIBO</a:t>
+            </a:r>
+          </a:p>
+          <a:p>
+            <a:r>
+              <a:rPr lang="en-CA" dirty="0" err="1" smtClean="0"/>
+              <a:t>Theraulaz</a:t>
+            </a:r>
+            <a:r>
+              <a:rPr lang="en-CA" dirty="0" smtClean="0"/>
+              <a:t> and </a:t>
+            </a:r>
+            <a:r>
+              <a:rPr lang="en-CA" dirty="0" err="1" smtClean="0"/>
+              <a:t>Bonabeau’s</a:t>
+            </a:r>
+            <a:r>
+              <a:rPr lang="en-CA" dirty="0" smtClean="0"/>
+              <a:t> nest building</a:t>
+            </a:r>
+          </a:p>
+          <a:p>
+            <a:r>
+              <a:rPr lang="en-CA" dirty="0" smtClean="0"/>
+              <a:t>+ Any others</a:t>
+            </a:r>
+          </a:p>
+          <a:p>
+            <a:r>
+              <a:rPr lang="en-CA" dirty="0" smtClean="0"/>
+              <a:t>+ </a:t>
+            </a:r>
+            <a:r>
+              <a:rPr lang="en-CA" dirty="0" err="1" smtClean="0"/>
+              <a:t>Itamar’s</a:t>
+            </a:r>
+            <a:r>
+              <a:rPr lang="en-CA" smtClean="0"/>
+              <a:t> studies</a:t>
+            </a:r>
+            <a:endParaRPr lang="en-CA" dirty="0"/>
+          </a:p>
+        </p:txBody>
+      </p:sp>
+    </p:spTree>
+    <p:extLst>
+      <p:ext uri="{BB962C8B-B14F-4D97-AF65-F5344CB8AC3E}">
+        <p14:creationId xmlns:p14="http://schemas.microsoft.com/office/powerpoint/2010/main" val="1781542368"/>
+      </p:ext>
+    </p:extLst>
+  </p:cSld>
+  <p:clrMapOvr>
+    <a:masterClrMapping/>
+  </p:clrMapOvr>
+  <p:timing>
+    <p:tnLst>
+      <p:par>
+        <p:cTn id="1" dur="indefinite" restart="never" nodeType="tmRoot"/>
+      </p:par>
+    </p:tnLst>
+  </p:timing>
 </p:sld>
 </file>
 
@@ -3078,10 +3356,1436 @@
           <a:lstStyle/>
           <a:p>
             <a:r>
+              <a:rPr lang="en-CA" dirty="0"/>
+              <a:t>What is artificial life (AL)?</a:t>
+            </a:r>
+          </a:p>
+        </p:txBody>
+      </p:sp>
+      <p:sp>
+        <p:nvSpPr>
+          <p:cNvPr id="3" name="Content Placeholder 2"/>
+          <p:cNvSpPr>
+            <a:spLocks noGrp="1"/>
+          </p:cNvSpPr>
+          <p:nvPr>
+            <p:ph idx="1"/>
+          </p:nvPr>
+        </p:nvSpPr>
+        <p:spPr>
+          <a:xfrm>
+            <a:off x="838200" y="1513114"/>
+            <a:ext cx="10515600" cy="5094515"/>
+          </a:xfrm>
+        </p:spPr>
+        <p:txBody>
+          <a:bodyPr/>
+          <a:lstStyle/>
+          <a:p>
+            <a:pPr marL="0" indent="0">
+              <a:buNone/>
+            </a:pPr>
+            <a:r>
               <a:rPr lang="en-CA" dirty="0" smtClean="0"/>
+              <a:t>So far we’ve seen evolutionary computing, </a:t>
+            </a:r>
+            <a:r>
+              <a:rPr lang="en-CA" dirty="0" err="1" smtClean="0"/>
+              <a:t>neurocomputing</a:t>
+            </a:r>
+            <a:r>
+              <a:rPr lang="en-CA" dirty="0" smtClean="0"/>
+              <a:t>, swarm intelligence, and </a:t>
+            </a:r>
+            <a:r>
+              <a:rPr lang="en-CA" dirty="0" err="1" smtClean="0"/>
+              <a:t>immunocomputing</a:t>
+            </a:r>
+            <a:endParaRPr lang="en-CA" dirty="0" smtClean="0"/>
+          </a:p>
+          <a:p>
+            <a:pPr marL="457200" lvl="1" indent="0">
+              <a:buNone/>
+            </a:pPr>
+            <a:r>
+              <a:rPr lang="en-CA" dirty="0" smtClean="0"/>
+              <a:t>All fields using algorithms inspired by life.</a:t>
+            </a:r>
+          </a:p>
+          <a:p>
+            <a:pPr marL="457200" lvl="1" indent="0">
+              <a:buNone/>
+            </a:pPr>
+            <a:endParaRPr lang="en-CA" dirty="0" smtClean="0"/>
+          </a:p>
+          <a:p>
+            <a:pPr marL="457200" lvl="1" indent="0">
+              <a:buNone/>
+            </a:pPr>
+            <a:endParaRPr lang="en-CA" dirty="0"/>
+          </a:p>
+          <a:p>
+            <a:pPr marL="457200" lvl="1" indent="0">
+              <a:buNone/>
+            </a:pPr>
+            <a:endParaRPr lang="en-CA" dirty="0" smtClean="0"/>
+          </a:p>
+          <a:p>
+            <a:pPr marL="457200" lvl="1" indent="0">
+              <a:buNone/>
+            </a:pPr>
+            <a:endParaRPr lang="en-CA" dirty="0"/>
+          </a:p>
+          <a:p>
+            <a:pPr marL="457200" lvl="1" indent="0">
+              <a:buNone/>
+            </a:pPr>
+            <a:endParaRPr lang="en-CA" dirty="0" smtClean="0"/>
+          </a:p>
+          <a:p>
+            <a:pPr marL="457200" lvl="1" indent="0">
+              <a:buNone/>
+            </a:pPr>
+            <a:endParaRPr lang="en-CA" dirty="0" smtClean="0"/>
+          </a:p>
+          <a:p>
+            <a:pPr marL="457200" lvl="1" indent="0">
+              <a:buNone/>
+            </a:pPr>
+            <a:endParaRPr lang="en-CA" dirty="0" smtClean="0"/>
+          </a:p>
+          <a:p>
+            <a:pPr marL="0" indent="0">
+              <a:buNone/>
+            </a:pPr>
+            <a:endParaRPr lang="en-CA" dirty="0" smtClean="0"/>
+          </a:p>
+          <a:p>
+            <a:pPr marL="0" indent="0">
+              <a:spcBef>
+                <a:spcPts val="0"/>
+              </a:spcBef>
+              <a:buNone/>
+            </a:pPr>
+            <a:r>
+              <a:rPr lang="en-CA" dirty="0" smtClean="0"/>
+              <a:t>What makes AL a field in its own right?</a:t>
+            </a:r>
+            <a:endParaRPr lang="en-CA" dirty="0"/>
+          </a:p>
+        </p:txBody>
+      </p:sp>
+      <p:grpSp>
+        <p:nvGrpSpPr>
+          <p:cNvPr id="8" name="Group 7"/>
+          <p:cNvGrpSpPr/>
+          <p:nvPr/>
+        </p:nvGrpSpPr>
+        <p:grpSpPr>
+          <a:xfrm>
+            <a:off x="598129" y="3008114"/>
+            <a:ext cx="2943566" cy="2601886"/>
+            <a:chOff x="1203891" y="2906486"/>
+            <a:chExt cx="2812938" cy="2545936"/>
+          </a:xfrm>
+        </p:grpSpPr>
+        <p:grpSp>
+          <p:nvGrpSpPr>
+            <p:cNvPr id="6" name="Group 5"/>
+            <p:cNvGrpSpPr/>
+            <p:nvPr/>
+          </p:nvGrpSpPr>
+          <p:grpSpPr>
+            <a:xfrm>
+              <a:off x="1203891" y="2906486"/>
+              <a:ext cx="2812938" cy="2545936"/>
+              <a:chOff x="1203891" y="3196431"/>
+              <a:chExt cx="2273072" cy="2247892"/>
+            </a:xfrm>
+          </p:grpSpPr>
+          <p:pic>
+            <p:nvPicPr>
+              <p:cNvPr id="4" name="Picture 3"/>
+              <p:cNvPicPr>
+                <a:picLocks noChangeAspect="1"/>
+              </p:cNvPicPr>
+              <p:nvPr/>
+            </p:nvPicPr>
+            <p:blipFill>
+              <a:blip r:embed="rId2">
+                <a:extLst>
+                  <a:ext uri="{28A0092B-C50C-407E-A947-70E740481C1C}">
+                    <a14:useLocalDpi xmlns:a14="http://schemas.microsoft.com/office/drawing/2010/main" val="0"/>
+                  </a:ext>
+                </a:extLst>
+              </a:blip>
+              <a:stretch>
+                <a:fillRect/>
+              </a:stretch>
+            </p:blipFill>
+            <p:spPr>
+              <a:xfrm>
+                <a:off x="1297440" y="3196431"/>
+                <a:ext cx="2085975" cy="1609725"/>
+              </a:xfrm>
+              <a:prstGeom prst="rect">
+                <a:avLst/>
+              </a:prstGeom>
+            </p:spPr>
+          </p:pic>
+          <p:sp>
+            <p:nvSpPr>
+              <p:cNvPr id="5" name="TextBox 4"/>
+              <p:cNvSpPr txBox="1"/>
+              <p:nvPr/>
+            </p:nvSpPr>
+            <p:spPr>
+              <a:xfrm>
+                <a:off x="1203891" y="4806156"/>
+                <a:ext cx="2273072" cy="638167"/>
+              </a:xfrm>
+              <a:prstGeom prst="rect">
+                <a:avLst/>
+              </a:prstGeom>
+              <a:noFill/>
+            </p:spPr>
+            <p:txBody>
+              <a:bodyPr wrap="square" rtlCol="0">
+                <a:spAutoFit/>
+              </a:bodyPr>
+              <a:lstStyle/>
+              <a:p>
+                <a:r>
+                  <a:rPr lang="en-CA" sz="1050" dirty="0">
+                    <a:solidFill>
+                      <a:schemeClr val="bg1">
+                        <a:lumMod val="50000"/>
+                      </a:schemeClr>
+                    </a:solidFill>
+                  </a:rPr>
+                  <a:t>http://</a:t>
+                </a:r>
+                <a:r>
+                  <a:rPr lang="en-CA" sz="1050" dirty="0" smtClean="0">
+                    <a:solidFill>
+                      <a:schemeClr val="bg1">
+                        <a:lumMod val="50000"/>
+                      </a:schemeClr>
+                    </a:solidFill>
+                  </a:rPr>
+                  <a:t>www.lakeshorelearning.com/media/images/free_resources/clip_art/school/computer.jpg</a:t>
+                </a:r>
+              </a:p>
+              <a:p>
+                <a:r>
+                  <a:rPr lang="en-CA" sz="1050" dirty="0">
+                    <a:solidFill>
+                      <a:schemeClr val="bg1">
+                        <a:lumMod val="50000"/>
+                      </a:schemeClr>
+                    </a:solidFill>
+                  </a:rPr>
+                  <a:t>http://images.fanpop.com/images/image_uploads/Darwin-Fish-debate-761620_500_306.jpg</a:t>
+                </a:r>
+              </a:p>
+            </p:txBody>
+          </p:sp>
+        </p:grpSp>
+        <p:pic>
+          <p:nvPicPr>
+            <p:cNvPr id="7" name="Picture 6"/>
+            <p:cNvPicPr>
+              <a:picLocks noChangeAspect="1"/>
+            </p:cNvPicPr>
+            <p:nvPr/>
+          </p:nvPicPr>
+          <p:blipFill>
+            <a:blip r:embed="rId3" cstate="print">
+              <a:extLst>
+                <a:ext uri="{28A0092B-C50C-407E-A947-70E740481C1C}">
+                  <a14:useLocalDpi xmlns:a14="http://schemas.microsoft.com/office/drawing/2010/main" val="0"/>
+                </a:ext>
+              </a:extLst>
+            </a:blip>
+            <a:stretch>
+              <a:fillRect/>
+            </a:stretch>
+          </p:blipFill>
+          <p:spPr>
+            <a:xfrm>
+              <a:off x="1788887" y="3118061"/>
+              <a:ext cx="1052286" cy="643998"/>
+            </a:xfrm>
+            <a:prstGeom prst="rect">
+              <a:avLst/>
+            </a:prstGeom>
+          </p:spPr>
+        </p:pic>
+      </p:grpSp>
+      <p:grpSp>
+        <p:nvGrpSpPr>
+          <p:cNvPr id="16" name="Group 15"/>
+          <p:cNvGrpSpPr/>
+          <p:nvPr/>
+        </p:nvGrpSpPr>
+        <p:grpSpPr>
+          <a:xfrm>
+            <a:off x="3470714" y="2561275"/>
+            <a:ext cx="2907094" cy="3042906"/>
+            <a:chOff x="3470714" y="2561275"/>
+            <a:chExt cx="2907094" cy="3042906"/>
+          </a:xfrm>
+        </p:grpSpPr>
+        <p:sp>
+          <p:nvSpPr>
+            <p:cNvPr id="10" name="TextBox 9"/>
+            <p:cNvSpPr txBox="1"/>
+            <p:nvPr/>
+          </p:nvSpPr>
+          <p:spPr>
+            <a:xfrm>
+              <a:off x="3470714" y="4896295"/>
+              <a:ext cx="2699657" cy="707886"/>
+            </a:xfrm>
+            <a:prstGeom prst="rect">
+              <a:avLst/>
+            </a:prstGeom>
+            <a:noFill/>
+          </p:spPr>
+          <p:txBody>
+            <a:bodyPr wrap="square" rtlCol="0">
+              <a:spAutoFit/>
+            </a:bodyPr>
+            <a:lstStyle/>
+            <a:p>
+              <a:r>
+                <a:rPr lang="en-CA" sz="1000" dirty="0">
+                  <a:solidFill>
+                    <a:schemeClr val="bg1">
+                      <a:lumMod val="50000"/>
+                    </a:schemeClr>
+                  </a:solidFill>
+                </a:rPr>
+                <a:t>http://</a:t>
+              </a:r>
+              <a:r>
+                <a:rPr lang="en-CA" sz="1000" dirty="0" smtClean="0">
+                  <a:solidFill>
+                    <a:schemeClr val="bg1">
+                      <a:lumMod val="50000"/>
+                    </a:schemeClr>
+                  </a:solidFill>
+                </a:rPr>
+                <a:t>www.clker.com/cliparts/o/R/Q/f/z/T/brain-hi.png</a:t>
+              </a:r>
+            </a:p>
+            <a:p>
+              <a:r>
+                <a:rPr lang="en-CA" sz="1000" dirty="0">
+                  <a:solidFill>
+                    <a:schemeClr val="bg1">
+                      <a:lumMod val="50000"/>
+                    </a:schemeClr>
+                  </a:solidFill>
+                </a:rPr>
+                <a:t>http://images.clipartpanda.com/clipart-computer-clip-art-computers-420136.jpg</a:t>
+              </a:r>
+            </a:p>
+          </p:txBody>
+        </p:sp>
+        <p:grpSp>
+          <p:nvGrpSpPr>
+            <p:cNvPr id="13" name="Group 12"/>
+            <p:cNvGrpSpPr/>
+            <p:nvPr/>
+          </p:nvGrpSpPr>
+          <p:grpSpPr>
+            <a:xfrm>
+              <a:off x="3477675" y="2561275"/>
+              <a:ext cx="2900133" cy="2525764"/>
+              <a:chOff x="5790749" y="1370574"/>
+              <a:chExt cx="4667250" cy="4314825"/>
+            </a:xfrm>
+          </p:grpSpPr>
+          <p:pic>
+            <p:nvPicPr>
+              <p:cNvPr id="12" name="Picture 11"/>
+              <p:cNvPicPr>
+                <a:picLocks noChangeAspect="1"/>
+              </p:cNvPicPr>
+              <p:nvPr/>
+            </p:nvPicPr>
+            <p:blipFill>
+              <a:blip r:embed="rId4">
+                <a:extLst>
+                  <a:ext uri="{28A0092B-C50C-407E-A947-70E740481C1C}">
+                    <a14:useLocalDpi xmlns:a14="http://schemas.microsoft.com/office/drawing/2010/main" val="0"/>
+                  </a:ext>
+                </a:extLst>
+              </a:blip>
+              <a:stretch>
+                <a:fillRect/>
+              </a:stretch>
+            </p:blipFill>
+            <p:spPr>
+              <a:xfrm>
+                <a:off x="5790749" y="1370574"/>
+                <a:ext cx="4667250" cy="4314825"/>
+              </a:xfrm>
+              <a:prstGeom prst="rect">
+                <a:avLst/>
+              </a:prstGeom>
+            </p:spPr>
+          </p:pic>
+          <p:pic>
+            <p:nvPicPr>
+              <p:cNvPr id="11" name="Picture 10"/>
+              <p:cNvPicPr>
+                <a:picLocks noChangeAspect="1"/>
+              </p:cNvPicPr>
+              <p:nvPr/>
+            </p:nvPicPr>
+            <p:blipFill>
+              <a:blip r:embed="rId5" cstate="print">
+                <a:extLst>
+                  <a:ext uri="{28A0092B-C50C-407E-A947-70E740481C1C}">
+                    <a14:useLocalDpi xmlns:a14="http://schemas.microsoft.com/office/drawing/2010/main" val="0"/>
+                  </a:ext>
+                </a:extLst>
+              </a:blip>
+              <a:stretch>
+                <a:fillRect/>
+              </a:stretch>
+            </p:blipFill>
+            <p:spPr>
+              <a:xfrm rot="5400000">
+                <a:off x="7509739" y="2146253"/>
+                <a:ext cx="884236" cy="1099769"/>
+              </a:xfrm>
+              <a:prstGeom prst="rect">
+                <a:avLst/>
+              </a:prstGeom>
+            </p:spPr>
+          </p:pic>
+        </p:grpSp>
+      </p:grpSp>
+      <p:grpSp>
+        <p:nvGrpSpPr>
+          <p:cNvPr id="19" name="Group 18"/>
+          <p:cNvGrpSpPr/>
+          <p:nvPr/>
+        </p:nvGrpSpPr>
+        <p:grpSpPr>
+          <a:xfrm>
+            <a:off x="5943118" y="2009068"/>
+            <a:ext cx="3635829" cy="3435423"/>
+            <a:chOff x="5889504" y="1948157"/>
+            <a:chExt cx="3635829" cy="3435423"/>
+          </a:xfrm>
+        </p:grpSpPr>
+        <p:sp>
+          <p:nvSpPr>
+            <p:cNvPr id="15" name="TextBox 14"/>
+            <p:cNvSpPr txBox="1"/>
+            <p:nvPr/>
+          </p:nvSpPr>
+          <p:spPr>
+            <a:xfrm>
+              <a:off x="6227493" y="4983470"/>
+              <a:ext cx="3124200" cy="400110"/>
+            </a:xfrm>
+            <a:prstGeom prst="rect">
+              <a:avLst/>
+            </a:prstGeom>
+            <a:noFill/>
+          </p:spPr>
+          <p:txBody>
+            <a:bodyPr wrap="square" rtlCol="0">
+              <a:spAutoFit/>
+            </a:bodyPr>
+            <a:lstStyle/>
+            <a:p>
+              <a:r>
+                <a:rPr lang="en-CA" sz="1000" dirty="0">
+                  <a:solidFill>
+                    <a:schemeClr val="bg1">
+                      <a:lumMod val="50000"/>
+                    </a:schemeClr>
+                  </a:solidFill>
+                </a:rPr>
+                <a:t>http://www.clipartbest.com/cliparts/LiK/rk9/LiKrk9RaT.jpeg</a:t>
+              </a:r>
+            </a:p>
+          </p:txBody>
+        </p:sp>
+        <p:grpSp>
+          <p:nvGrpSpPr>
+            <p:cNvPr id="18" name="Group 17"/>
+            <p:cNvGrpSpPr/>
+            <p:nvPr/>
+          </p:nvGrpSpPr>
+          <p:grpSpPr>
+            <a:xfrm>
+              <a:off x="5889504" y="1948157"/>
+              <a:ext cx="3635829" cy="2970015"/>
+              <a:chOff x="5889504" y="1948157"/>
+              <a:chExt cx="3635829" cy="2970015"/>
+            </a:xfrm>
+          </p:grpSpPr>
+          <p:pic>
+            <p:nvPicPr>
+              <p:cNvPr id="14" name="Picture 13"/>
+              <p:cNvPicPr>
+                <a:picLocks noChangeAspect="1"/>
+              </p:cNvPicPr>
+              <p:nvPr/>
+            </p:nvPicPr>
+            <p:blipFill rotWithShape="1">
+              <a:blip r:embed="rId6" cstate="print">
+                <a:extLst>
+                  <a:ext uri="{28A0092B-C50C-407E-A947-70E740481C1C}">
+                    <a14:useLocalDpi xmlns:a14="http://schemas.microsoft.com/office/drawing/2010/main" val="0"/>
+                  </a:ext>
+                </a:extLst>
+              </a:blip>
+              <a:srcRect t="15747" b="26257"/>
+              <a:stretch/>
+            </p:blipFill>
+            <p:spPr>
+              <a:xfrm>
+                <a:off x="5889504" y="2730142"/>
+                <a:ext cx="3635829" cy="2188030"/>
+              </a:xfrm>
+              <a:prstGeom prst="rect">
+                <a:avLst/>
+              </a:prstGeom>
+            </p:spPr>
+          </p:pic>
+          <p:sp>
+            <p:nvSpPr>
+              <p:cNvPr id="17" name="Cloud Callout 16"/>
+              <p:cNvSpPr/>
+              <p:nvPr/>
+            </p:nvSpPr>
+            <p:spPr>
+              <a:xfrm flipH="1">
+                <a:off x="6496736" y="1948157"/>
+                <a:ext cx="2073431" cy="888570"/>
+              </a:xfrm>
+              <a:prstGeom prst="cloudCallout">
+                <a:avLst/>
+              </a:prstGeom>
+              <a:noFill/>
+              <a:ln w="28575">
+                <a:solidFill>
+                  <a:schemeClr val="tx1"/>
+                </a:solidFill>
+              </a:ln>
+            </p:spPr>
+            <p:style>
+              <a:lnRef idx="2">
+                <a:schemeClr val="accent1">
+                  <a:shade val="50000"/>
+                </a:schemeClr>
+              </a:lnRef>
+              <a:fillRef idx="1">
+                <a:schemeClr val="accent1"/>
+              </a:fillRef>
+              <a:effectRef idx="0">
+                <a:schemeClr val="accent1"/>
+              </a:effectRef>
+              <a:fontRef idx="minor">
+                <a:schemeClr val="lt1"/>
+              </a:fontRef>
+            </p:style>
+            <p:txBody>
+              <a:bodyPr rtlCol="0" anchor="ctr"/>
+              <a:lstStyle/>
+              <a:p>
+                <a:pPr algn="ctr"/>
+                <a:endParaRPr lang="en-CA"/>
+              </a:p>
+            </p:txBody>
+          </p:sp>
+        </p:grpSp>
+      </p:grpSp>
+      <p:grpSp>
+        <p:nvGrpSpPr>
+          <p:cNvPr id="22" name="Group 21"/>
+          <p:cNvGrpSpPr/>
+          <p:nvPr/>
+        </p:nvGrpSpPr>
+        <p:grpSpPr>
+          <a:xfrm>
+            <a:off x="9351693" y="2270269"/>
+            <a:ext cx="2401176" cy="3338912"/>
+            <a:chOff x="9351693" y="2143498"/>
+            <a:chExt cx="2401176" cy="3338912"/>
+          </a:xfrm>
+        </p:grpSpPr>
+        <p:pic>
+          <p:nvPicPr>
+            <p:cNvPr id="20" name="Picture 19"/>
+            <p:cNvPicPr>
+              <a:picLocks noChangeAspect="1"/>
+            </p:cNvPicPr>
+            <p:nvPr/>
+          </p:nvPicPr>
+          <p:blipFill>
+            <a:blip r:embed="rId7">
+              <a:extLst>
+                <a:ext uri="{28A0092B-C50C-407E-A947-70E740481C1C}">
+                  <a14:useLocalDpi xmlns:a14="http://schemas.microsoft.com/office/drawing/2010/main" val="0"/>
+                </a:ext>
+              </a:extLst>
+            </a:blip>
+            <a:stretch>
+              <a:fillRect/>
+            </a:stretch>
+          </p:blipFill>
+          <p:spPr>
+            <a:xfrm>
+              <a:off x="9503928" y="2143498"/>
+              <a:ext cx="2008060" cy="2644359"/>
+            </a:xfrm>
+            <a:prstGeom prst="rect">
+              <a:avLst/>
+            </a:prstGeom>
+          </p:spPr>
+        </p:pic>
+        <p:sp>
+          <p:nvSpPr>
+            <p:cNvPr id="21" name="TextBox 20"/>
+            <p:cNvSpPr txBox="1"/>
+            <p:nvPr/>
+          </p:nvSpPr>
+          <p:spPr>
+            <a:xfrm>
+              <a:off x="9351693" y="4928412"/>
+              <a:ext cx="2401176" cy="553998"/>
+            </a:xfrm>
+            <a:prstGeom prst="rect">
+              <a:avLst/>
+            </a:prstGeom>
+            <a:noFill/>
+          </p:spPr>
+          <p:txBody>
+            <a:bodyPr wrap="square" rtlCol="0">
+              <a:spAutoFit/>
+            </a:bodyPr>
+            <a:lstStyle/>
+            <a:p>
+              <a:r>
+                <a:rPr lang="en-CA" sz="1000" dirty="0">
+                  <a:solidFill>
+                    <a:schemeClr val="bg1">
+                      <a:lumMod val="50000"/>
+                    </a:schemeClr>
+                  </a:solidFill>
+                </a:rPr>
+                <a:t>http://4.bp.blogspot.com/_tgM9xSZdl34/TQN7Fg1wEWI/AAAAAAAAGKk/_J2FFfLgQtQ/s320/computer%2Bvirus.jpg</a:t>
+              </a:r>
+            </a:p>
+          </p:txBody>
+        </p:sp>
+      </p:grpSp>
+    </p:spTree>
+    <p:extLst>
+      <p:ext uri="{BB962C8B-B14F-4D97-AF65-F5344CB8AC3E}">
+        <p14:creationId xmlns:p14="http://schemas.microsoft.com/office/powerpoint/2010/main" val="1674726484"/>
+      </p:ext>
+    </p:extLst>
+  </p:cSld>
+  <p:clrMapOvr>
+    <a:masterClrMapping/>
+  </p:clrMapOvr>
+  <p:timing>
+    <p:tnLst>
+      <p:par>
+        <p:cTn id="1" dur="indefinite" restart="never" nodeType="tmRoot">
+          <p:childTnLst>
+            <p:seq concurrent="1" nextAc="seek">
+              <p:cTn id="2" dur="indefinite" nodeType="mainSeq">
+                <p:childTnLst>
+                  <p:par>
+                    <p:cTn id="3" fill="hold">
+                      <p:stCondLst>
+                        <p:cond delay="indefinite"/>
+                      </p:stCondLst>
+                      <p:childTnLst>
+                        <p:par>
+                          <p:cTn id="4" fill="hold">
+                            <p:stCondLst>
+                              <p:cond delay="0"/>
+                            </p:stCondLst>
+                            <p:childTnLst>
+                              <p:par>
+                                <p:cTn id="5" presetID="10" presetClass="entr" presetSubtype="0" fill="hold" nodeType="clickEffect">
+                                  <p:stCondLst>
+                                    <p:cond delay="0"/>
+                                  </p:stCondLst>
+                                  <p:childTnLst>
+                                    <p:set>
+                                      <p:cBhvr>
+                                        <p:cTn id="6" dur="1" fill="hold">
+                                          <p:stCondLst>
+                                            <p:cond delay="0"/>
+                                          </p:stCondLst>
+                                        </p:cTn>
+                                        <p:tgtEl>
+                                          <p:spTgt spid="3">
+                                            <p:txEl>
+                                              <p:pRg st="0" end="0"/>
+                                            </p:txEl>
+                                          </p:spTgt>
+                                        </p:tgtEl>
+                                        <p:attrNameLst>
+                                          <p:attrName>style.visibility</p:attrName>
+                                        </p:attrNameLst>
+                                      </p:cBhvr>
+                                      <p:to>
+                                        <p:strVal val="visible"/>
+                                      </p:to>
+                                    </p:set>
+                                    <p:animEffect transition="in" filter="fade">
+                                      <p:cBhvr>
+                                        <p:cTn id="7" dur="1000"/>
+                                        <p:tgtEl>
+                                          <p:spTgt spid="3">
+                                            <p:txEl>
+                                              <p:pRg st="0" end="0"/>
+                                            </p:txEl>
+                                          </p:spTgt>
+                                        </p:tgtEl>
+                                      </p:cBhvr>
+                                    </p:animEffect>
+                                  </p:childTnLst>
+                                </p:cTn>
+                              </p:par>
+                              <p:par>
+                                <p:cTn id="8" presetID="10" presetClass="entr" presetSubtype="0" fill="hold" nodeType="withEffect">
+                                  <p:stCondLst>
+                                    <p:cond delay="0"/>
+                                  </p:stCondLst>
+                                  <p:childTnLst>
+                                    <p:set>
+                                      <p:cBhvr>
+                                        <p:cTn id="9" dur="1" fill="hold">
+                                          <p:stCondLst>
+                                            <p:cond delay="0"/>
+                                          </p:stCondLst>
+                                        </p:cTn>
+                                        <p:tgtEl>
+                                          <p:spTgt spid="8"/>
+                                        </p:tgtEl>
+                                        <p:attrNameLst>
+                                          <p:attrName>style.visibility</p:attrName>
+                                        </p:attrNameLst>
+                                      </p:cBhvr>
+                                      <p:to>
+                                        <p:strVal val="visible"/>
+                                      </p:to>
+                                    </p:set>
+                                    <p:animEffect transition="in" filter="fade">
+                                      <p:cBhvr>
+                                        <p:cTn id="10" dur="1000"/>
+                                        <p:tgtEl>
+                                          <p:spTgt spid="8"/>
+                                        </p:tgtEl>
+                                      </p:cBhvr>
+                                    </p:animEffect>
+                                  </p:childTnLst>
+                                </p:cTn>
+                              </p:par>
+                              <p:par>
+                                <p:cTn id="11" presetID="10" presetClass="entr" presetSubtype="0" fill="hold" nodeType="withEffect">
+                                  <p:stCondLst>
+                                    <p:cond delay="0"/>
+                                  </p:stCondLst>
+                                  <p:childTnLst>
+                                    <p:set>
+                                      <p:cBhvr>
+                                        <p:cTn id="12" dur="1" fill="hold">
+                                          <p:stCondLst>
+                                            <p:cond delay="0"/>
+                                          </p:stCondLst>
+                                        </p:cTn>
+                                        <p:tgtEl>
+                                          <p:spTgt spid="16"/>
+                                        </p:tgtEl>
+                                        <p:attrNameLst>
+                                          <p:attrName>style.visibility</p:attrName>
+                                        </p:attrNameLst>
+                                      </p:cBhvr>
+                                      <p:to>
+                                        <p:strVal val="visible"/>
+                                      </p:to>
+                                    </p:set>
+                                    <p:animEffect transition="in" filter="fade">
+                                      <p:cBhvr>
+                                        <p:cTn id="13" dur="1000"/>
+                                        <p:tgtEl>
+                                          <p:spTgt spid="16"/>
+                                        </p:tgtEl>
+                                      </p:cBhvr>
+                                    </p:animEffect>
+                                  </p:childTnLst>
+                                </p:cTn>
+                              </p:par>
+                              <p:par>
+                                <p:cTn id="14" presetID="10" presetClass="entr" presetSubtype="0" fill="hold" nodeType="withEffect">
+                                  <p:stCondLst>
+                                    <p:cond delay="0"/>
+                                  </p:stCondLst>
+                                  <p:childTnLst>
+                                    <p:set>
+                                      <p:cBhvr>
+                                        <p:cTn id="15" dur="1" fill="hold">
+                                          <p:stCondLst>
+                                            <p:cond delay="0"/>
+                                          </p:stCondLst>
+                                        </p:cTn>
+                                        <p:tgtEl>
+                                          <p:spTgt spid="19"/>
+                                        </p:tgtEl>
+                                        <p:attrNameLst>
+                                          <p:attrName>style.visibility</p:attrName>
+                                        </p:attrNameLst>
+                                      </p:cBhvr>
+                                      <p:to>
+                                        <p:strVal val="visible"/>
+                                      </p:to>
+                                    </p:set>
+                                    <p:animEffect transition="in" filter="fade">
+                                      <p:cBhvr>
+                                        <p:cTn id="16" dur="1000"/>
+                                        <p:tgtEl>
+                                          <p:spTgt spid="19"/>
+                                        </p:tgtEl>
+                                      </p:cBhvr>
+                                    </p:animEffect>
+                                  </p:childTnLst>
+                                </p:cTn>
+                              </p:par>
+                              <p:par>
+                                <p:cTn id="17" presetID="10" presetClass="entr" presetSubtype="0" fill="hold" nodeType="withEffect">
+                                  <p:stCondLst>
+                                    <p:cond delay="0"/>
+                                  </p:stCondLst>
+                                  <p:childTnLst>
+                                    <p:set>
+                                      <p:cBhvr>
+                                        <p:cTn id="18" dur="1" fill="hold">
+                                          <p:stCondLst>
+                                            <p:cond delay="0"/>
+                                          </p:stCondLst>
+                                        </p:cTn>
+                                        <p:tgtEl>
+                                          <p:spTgt spid="22"/>
+                                        </p:tgtEl>
+                                        <p:attrNameLst>
+                                          <p:attrName>style.visibility</p:attrName>
+                                        </p:attrNameLst>
+                                      </p:cBhvr>
+                                      <p:to>
+                                        <p:strVal val="visible"/>
+                                      </p:to>
+                                    </p:set>
+                                    <p:animEffect transition="in" filter="fade">
+                                      <p:cBhvr>
+                                        <p:cTn id="19" dur="1000"/>
+                                        <p:tgtEl>
+                                          <p:spTgt spid="22"/>
+                                        </p:tgtEl>
+                                      </p:cBhvr>
+                                    </p:animEffect>
+                                  </p:childTnLst>
+                                </p:cTn>
+                              </p:par>
+                            </p:childTnLst>
+                          </p:cTn>
+                        </p:par>
+                      </p:childTnLst>
+                    </p:cTn>
+                  </p:par>
+                  <p:par>
+                    <p:cTn id="20" fill="hold">
+                      <p:stCondLst>
+                        <p:cond delay="indefinite"/>
+                      </p:stCondLst>
+                      <p:childTnLst>
+                        <p:par>
+                          <p:cTn id="21" fill="hold">
+                            <p:stCondLst>
+                              <p:cond delay="0"/>
+                            </p:stCondLst>
+                            <p:childTnLst>
+                              <p:par>
+                                <p:cTn id="22" presetID="10" presetClass="entr" presetSubtype="0" fill="hold" nodeType="clickEffect">
+                                  <p:stCondLst>
+                                    <p:cond delay="0"/>
+                                  </p:stCondLst>
+                                  <p:childTnLst>
+                                    <p:set>
+                                      <p:cBhvr>
+                                        <p:cTn id="23" dur="1" fill="hold">
+                                          <p:stCondLst>
+                                            <p:cond delay="0"/>
+                                          </p:stCondLst>
+                                        </p:cTn>
+                                        <p:tgtEl>
+                                          <p:spTgt spid="3">
+                                            <p:txEl>
+                                              <p:pRg st="1" end="1"/>
+                                            </p:txEl>
+                                          </p:spTgt>
+                                        </p:tgtEl>
+                                        <p:attrNameLst>
+                                          <p:attrName>style.visibility</p:attrName>
+                                        </p:attrNameLst>
+                                      </p:cBhvr>
+                                      <p:to>
+                                        <p:strVal val="visible"/>
+                                      </p:to>
+                                    </p:set>
+                                    <p:animEffect transition="in" filter="fade">
+                                      <p:cBhvr>
+                                        <p:cTn id="24" dur="1000"/>
+                                        <p:tgtEl>
+                                          <p:spTgt spid="3">
+                                            <p:txEl>
+                                              <p:pRg st="1" end="1"/>
+                                            </p:txEl>
+                                          </p:spTgt>
+                                        </p:tgtEl>
+                                      </p:cBhvr>
+                                    </p:animEffect>
+                                  </p:childTnLst>
+                                </p:cTn>
+                              </p:par>
+                            </p:childTnLst>
+                          </p:cTn>
+                        </p:par>
+                      </p:childTnLst>
+                    </p:cTn>
+                  </p:par>
+                  <p:par>
+                    <p:cTn id="25" fill="hold">
+                      <p:stCondLst>
+                        <p:cond delay="indefinite"/>
+                      </p:stCondLst>
+                      <p:childTnLst>
+                        <p:par>
+                          <p:cTn id="26" fill="hold">
+                            <p:stCondLst>
+                              <p:cond delay="0"/>
+                            </p:stCondLst>
+                            <p:childTnLst>
+                              <p:par>
+                                <p:cTn id="27" presetID="10" presetClass="entr" presetSubtype="0" fill="hold" nodeType="clickEffect">
+                                  <p:stCondLst>
+                                    <p:cond delay="0"/>
+                                  </p:stCondLst>
+                                  <p:childTnLst>
+                                    <p:set>
+                                      <p:cBhvr>
+                                        <p:cTn id="28" dur="1" fill="hold">
+                                          <p:stCondLst>
+                                            <p:cond delay="0"/>
+                                          </p:stCondLst>
+                                        </p:cTn>
+                                        <p:tgtEl>
+                                          <p:spTgt spid="3">
+                                            <p:txEl>
+                                              <p:pRg st="10" end="10"/>
+                                            </p:txEl>
+                                          </p:spTgt>
+                                        </p:tgtEl>
+                                        <p:attrNameLst>
+                                          <p:attrName>style.visibility</p:attrName>
+                                        </p:attrNameLst>
+                                      </p:cBhvr>
+                                      <p:to>
+                                        <p:strVal val="visible"/>
+                                      </p:to>
+                                    </p:set>
+                                    <p:animEffect transition="in" filter="fade">
+                                      <p:cBhvr>
+                                        <p:cTn id="29" dur="1000"/>
+                                        <p:tgtEl>
+                                          <p:spTgt spid="3">
+                                            <p:txEl>
+                                              <p:pRg st="10" end="10"/>
+                                            </p:txEl>
+                                          </p:spTgt>
+                                        </p:tgtEl>
+                                      </p:cBhvr>
+                                    </p:animEffect>
+                                  </p:childTnLst>
+                                </p:cTn>
+                              </p:par>
+                            </p:childTnLst>
+                          </p:cTn>
+                        </p:par>
+                      </p:childTnLst>
+                    </p:cTn>
+                  </p:par>
+                </p:childTnLst>
+              </p:cTn>
+              <p:prevCondLst>
+                <p:cond evt="onPrev" delay="0">
+                  <p:tgtEl>
+                    <p:sldTgt/>
+                  </p:tgtEl>
+                </p:cond>
+              </p:prevCondLst>
+              <p:nextCondLst>
+                <p:cond evt="onNext" delay="0">
+                  <p:tgtEl>
+                    <p:sldTgt/>
+                  </p:tgtEl>
+                </p:cond>
+              </p:nextCondLst>
+            </p:seq>
+          </p:childTnLst>
+        </p:cTn>
+      </p:par>
+    </p:tnLst>
+  </p:timing>
+</p:sld>
+</file>
+
+<file path=ppt/slides/slide3.xml><?xml version="1.0" encoding="utf-8"?>
+<p:sld xmlns:a="http://schemas.openxmlformats.org/drawingml/2006/main" xmlns:r="http://schemas.openxmlformats.org/officeDocument/2006/relationships" xmlns:p="http://schemas.openxmlformats.org/presentationml/2006/main">
+  <p:cSld>
+    <p:spTree>
+      <p:nvGrpSpPr>
+        <p:cNvPr id="1" name=""/>
+        <p:cNvGrpSpPr/>
+        <p:nvPr/>
+      </p:nvGrpSpPr>
+      <p:grpSpPr>
+        <a:xfrm>
+          <a:off x="0" y="0"/>
+          <a:ext cx="0" cy="0"/>
+          <a:chOff x="0" y="0"/>
+          <a:chExt cx="0" cy="0"/>
+        </a:xfrm>
+      </p:grpSpPr>
+      <p:sp>
+        <p:nvSpPr>
+          <p:cNvPr id="2" name="Title 1"/>
+          <p:cNvSpPr>
+            <a:spLocks noGrp="1"/>
+          </p:cNvSpPr>
+          <p:nvPr>
+            <p:ph type="title"/>
+          </p:nvPr>
+        </p:nvSpPr>
+        <p:spPr/>
+        <p:txBody>
+          <a:bodyPr/>
+          <a:lstStyle/>
+          <a:p>
+            <a:r>
+              <a:rPr lang="en-CA" dirty="0"/>
               <a:t>What is artificial life (AL)?</a:t>
             </a:r>
-            <a:endParaRPr lang="en-CA" dirty="0"/>
+          </a:p>
+        </p:txBody>
+      </p:sp>
+      <p:sp>
+        <p:nvSpPr>
+          <p:cNvPr id="3" name="Content Placeholder 2"/>
+          <p:cNvSpPr>
+            <a:spLocks noGrp="1"/>
+          </p:cNvSpPr>
+          <p:nvPr>
+            <p:ph idx="1"/>
+          </p:nvPr>
+        </p:nvSpPr>
+        <p:spPr>
+          <a:xfrm>
+            <a:off x="838200" y="1825625"/>
+            <a:ext cx="10515600" cy="743404"/>
+          </a:xfrm>
+        </p:spPr>
+        <p:txBody>
+          <a:bodyPr>
+            <a:normAutofit/>
+          </a:bodyPr>
+          <a:lstStyle/>
+          <a:p>
+            <a:pPr marL="0" indent="0">
+              <a:buNone/>
+            </a:pPr>
+            <a:r>
+              <a:rPr lang="en-CA" sz="3200" dirty="0" smtClean="0"/>
+              <a:t>AL differs from the listed fields mainly by intention.</a:t>
+            </a:r>
+            <a:endParaRPr lang="en-CA" sz="3200" dirty="0"/>
+          </a:p>
+        </p:txBody>
+      </p:sp>
+      <p:sp>
+        <p:nvSpPr>
+          <p:cNvPr id="4" name="TextBox 3"/>
+          <p:cNvSpPr txBox="1"/>
+          <p:nvPr/>
+        </p:nvSpPr>
+        <p:spPr>
+          <a:xfrm>
+            <a:off x="949234" y="2569029"/>
+            <a:ext cx="4267200" cy="2000548"/>
+          </a:xfrm>
+          <a:prstGeom prst="rect">
+            <a:avLst/>
+          </a:prstGeom>
+          <a:noFill/>
+        </p:spPr>
+        <p:txBody>
+          <a:bodyPr wrap="square" rtlCol="0">
+            <a:spAutoFit/>
+          </a:bodyPr>
+          <a:lstStyle/>
+          <a:p>
+            <a:r>
+              <a:rPr lang="en-CA" sz="4000" dirty="0" smtClean="0">
+                <a:solidFill>
+                  <a:sysClr val="windowText" lastClr="000000"/>
+                </a:solidFill>
+              </a:rPr>
+              <a:t>Other fields:</a:t>
+            </a:r>
+          </a:p>
+          <a:p>
+            <a:r>
+              <a:rPr lang="en-CA" sz="2800" dirty="0" smtClean="0">
+                <a:solidFill>
+                  <a:sysClr val="windowText" lastClr="000000"/>
+                </a:solidFill>
+              </a:rPr>
+              <a:t>Seek mainly to solve other problems using algorithms inspired by nature.</a:t>
+            </a:r>
+            <a:endParaRPr lang="en-CA" sz="2400" dirty="0">
+              <a:solidFill>
+                <a:sysClr val="windowText" lastClr="000000"/>
+              </a:solidFill>
+            </a:endParaRPr>
+          </a:p>
+        </p:txBody>
+      </p:sp>
+      <p:sp>
+        <p:nvSpPr>
+          <p:cNvPr id="5" name="TextBox 4"/>
+          <p:cNvSpPr txBox="1"/>
+          <p:nvPr/>
+        </p:nvSpPr>
+        <p:spPr>
+          <a:xfrm>
+            <a:off x="6683829" y="2569029"/>
+            <a:ext cx="4267200" cy="2554545"/>
+          </a:xfrm>
+          <a:prstGeom prst="rect">
+            <a:avLst/>
+          </a:prstGeom>
+          <a:noFill/>
+        </p:spPr>
+        <p:txBody>
+          <a:bodyPr wrap="square" rtlCol="0">
+            <a:spAutoFit/>
+          </a:bodyPr>
+          <a:lstStyle/>
+          <a:p>
+            <a:r>
+              <a:rPr lang="en-CA" sz="4000" dirty="0" smtClean="0">
+                <a:solidFill>
+                  <a:sysClr val="windowText" lastClr="000000"/>
+                </a:solidFill>
+              </a:rPr>
+              <a:t>Artificial life:</a:t>
+            </a:r>
+            <a:endParaRPr lang="en-CA" sz="3600" dirty="0" smtClean="0">
+              <a:solidFill>
+                <a:sysClr val="windowText" lastClr="000000"/>
+              </a:solidFill>
+            </a:endParaRPr>
+          </a:p>
+          <a:p>
+            <a:r>
+              <a:rPr lang="en-CA" sz="2800" dirty="0" smtClean="0">
+                <a:solidFill>
+                  <a:sysClr val="windowText" lastClr="000000"/>
+                </a:solidFill>
+              </a:rPr>
+              <a:t>Develops and studies models of life for the sake of understanding life and those models.</a:t>
+            </a:r>
+            <a:r>
+              <a:rPr lang="en-CA" sz="3200" dirty="0" smtClean="0">
+                <a:solidFill>
+                  <a:sysClr val="windowText" lastClr="000000"/>
+                </a:solidFill>
+              </a:rPr>
+              <a:t>	</a:t>
+            </a:r>
+            <a:endParaRPr lang="en-CA" sz="3200" dirty="0">
+              <a:solidFill>
+                <a:sysClr val="windowText" lastClr="000000"/>
+              </a:solidFill>
+            </a:endParaRPr>
+          </a:p>
+        </p:txBody>
+      </p:sp>
+    </p:spTree>
+    <p:extLst>
+      <p:ext uri="{BB962C8B-B14F-4D97-AF65-F5344CB8AC3E}">
+        <p14:creationId xmlns:p14="http://schemas.microsoft.com/office/powerpoint/2010/main" val="496347590"/>
+      </p:ext>
+    </p:extLst>
+  </p:cSld>
+  <p:clrMapOvr>
+    <a:masterClrMapping/>
+  </p:clrMapOvr>
+  <p:timing>
+    <p:tnLst>
+      <p:par>
+        <p:cTn id="1" dur="indefinite" restart="never" nodeType="tmRoot">
+          <p:childTnLst>
+            <p:seq concurrent="1" nextAc="seek">
+              <p:cTn id="2" dur="indefinite" nodeType="mainSeq">
+                <p:childTnLst>
+                  <p:par>
+                    <p:cTn id="3" fill="hold">
+                      <p:stCondLst>
+                        <p:cond delay="indefinite"/>
+                      </p:stCondLst>
+                      <p:childTnLst>
+                        <p:par>
+                          <p:cTn id="4" fill="hold">
+                            <p:stCondLst>
+                              <p:cond delay="0"/>
+                            </p:stCondLst>
+                            <p:childTnLst>
+                              <p:par>
+                                <p:cTn id="5" presetID="10" presetClass="entr" presetSubtype="0" fill="hold" nodeType="clickEffect">
+                                  <p:stCondLst>
+                                    <p:cond delay="0"/>
+                                  </p:stCondLst>
+                                  <p:childTnLst>
+                                    <p:set>
+                                      <p:cBhvr>
+                                        <p:cTn id="6" dur="1" fill="hold">
+                                          <p:stCondLst>
+                                            <p:cond delay="0"/>
+                                          </p:stCondLst>
+                                        </p:cTn>
+                                        <p:tgtEl>
+                                          <p:spTgt spid="3">
+                                            <p:txEl>
+                                              <p:pRg st="0" end="0"/>
+                                            </p:txEl>
+                                          </p:spTgt>
+                                        </p:tgtEl>
+                                        <p:attrNameLst>
+                                          <p:attrName>style.visibility</p:attrName>
+                                        </p:attrNameLst>
+                                      </p:cBhvr>
+                                      <p:to>
+                                        <p:strVal val="visible"/>
+                                      </p:to>
+                                    </p:set>
+                                    <p:animEffect transition="in" filter="fade">
+                                      <p:cBhvr>
+                                        <p:cTn id="7" dur="1000"/>
+                                        <p:tgtEl>
+                                          <p:spTgt spid="3">
+                                            <p:txEl>
+                                              <p:pRg st="0" end="0"/>
+                                            </p:txEl>
+                                          </p:spTgt>
+                                        </p:tgtEl>
+                                      </p:cBhvr>
+                                    </p:animEffect>
+                                  </p:childTnLst>
+                                </p:cTn>
+                              </p:par>
+                            </p:childTnLst>
+                          </p:cTn>
+                        </p:par>
+                      </p:childTnLst>
+                    </p:cTn>
+                  </p:par>
+                  <p:par>
+                    <p:cTn id="8" fill="hold">
+                      <p:stCondLst>
+                        <p:cond delay="indefinite"/>
+                      </p:stCondLst>
+                      <p:childTnLst>
+                        <p:par>
+                          <p:cTn id="9" fill="hold">
+                            <p:stCondLst>
+                              <p:cond delay="0"/>
+                            </p:stCondLst>
+                            <p:childTnLst>
+                              <p:par>
+                                <p:cTn id="10" presetID="10" presetClass="entr" presetSubtype="0" fill="hold" grpId="0" nodeType="clickEffect">
+                                  <p:stCondLst>
+                                    <p:cond delay="0"/>
+                                  </p:stCondLst>
+                                  <p:childTnLst>
+                                    <p:set>
+                                      <p:cBhvr>
+                                        <p:cTn id="11" dur="1" fill="hold">
+                                          <p:stCondLst>
+                                            <p:cond delay="0"/>
+                                          </p:stCondLst>
+                                        </p:cTn>
+                                        <p:tgtEl>
+                                          <p:spTgt spid="4"/>
+                                        </p:tgtEl>
+                                        <p:attrNameLst>
+                                          <p:attrName>style.visibility</p:attrName>
+                                        </p:attrNameLst>
+                                      </p:cBhvr>
+                                      <p:to>
+                                        <p:strVal val="visible"/>
+                                      </p:to>
+                                    </p:set>
+                                    <p:animEffect transition="in" filter="fade">
+                                      <p:cBhvr>
+                                        <p:cTn id="12" dur="1000"/>
+                                        <p:tgtEl>
+                                          <p:spTgt spid="4"/>
+                                        </p:tgtEl>
+                                      </p:cBhvr>
+                                    </p:animEffect>
+                                  </p:childTnLst>
+                                </p:cTn>
+                              </p:par>
+                            </p:childTnLst>
+                          </p:cTn>
+                        </p:par>
+                      </p:childTnLst>
+                    </p:cTn>
+                  </p:par>
+                  <p:par>
+                    <p:cTn id="13" fill="hold">
+                      <p:stCondLst>
+                        <p:cond delay="indefinite"/>
+                      </p:stCondLst>
+                      <p:childTnLst>
+                        <p:par>
+                          <p:cTn id="14" fill="hold">
+                            <p:stCondLst>
+                              <p:cond delay="0"/>
+                            </p:stCondLst>
+                            <p:childTnLst>
+                              <p:par>
+                                <p:cTn id="15" presetID="10" presetClass="entr" presetSubtype="0" fill="hold" grpId="0" nodeType="clickEffect">
+                                  <p:stCondLst>
+                                    <p:cond delay="0"/>
+                                  </p:stCondLst>
+                                  <p:childTnLst>
+                                    <p:set>
+                                      <p:cBhvr>
+                                        <p:cTn id="16" dur="1" fill="hold">
+                                          <p:stCondLst>
+                                            <p:cond delay="0"/>
+                                          </p:stCondLst>
+                                        </p:cTn>
+                                        <p:tgtEl>
+                                          <p:spTgt spid="5"/>
+                                        </p:tgtEl>
+                                        <p:attrNameLst>
+                                          <p:attrName>style.visibility</p:attrName>
+                                        </p:attrNameLst>
+                                      </p:cBhvr>
+                                      <p:to>
+                                        <p:strVal val="visible"/>
+                                      </p:to>
+                                    </p:set>
+                                    <p:animEffect transition="in" filter="fade">
+                                      <p:cBhvr>
+                                        <p:cTn id="17" dur="1000"/>
+                                        <p:tgtEl>
+                                          <p:spTgt spid="5"/>
+                                        </p:tgtEl>
+                                      </p:cBhvr>
+                                    </p:animEffect>
+                                  </p:childTnLst>
+                                </p:cTn>
+                              </p:par>
+                            </p:childTnLst>
+                          </p:cTn>
+                        </p:par>
+                      </p:childTnLst>
+                    </p:cTn>
+                  </p:par>
+                </p:childTnLst>
+              </p:cTn>
+              <p:prevCondLst>
+                <p:cond evt="onPrev" delay="0">
+                  <p:tgtEl>
+                    <p:sldTgt/>
+                  </p:tgtEl>
+                </p:cond>
+              </p:prevCondLst>
+              <p:nextCondLst>
+                <p:cond evt="onNext" delay="0">
+                  <p:tgtEl>
+                    <p:sldTgt/>
+                  </p:tgtEl>
+                </p:cond>
+              </p:nextCondLst>
+            </p:seq>
+          </p:childTnLst>
+        </p:cTn>
+      </p:par>
+    </p:tnLst>
+    <p:bldLst>
+      <p:bldP spid="4" grpId="0"/>
+      <p:bldP spid="5" grpId="0"/>
+    </p:bldLst>
+  </p:timing>
+</p:sld>
+</file>
+
+<file path=ppt/slides/slide4.xml><?xml version="1.0" encoding="utf-8"?>
+<p:sld xmlns:a="http://schemas.openxmlformats.org/drawingml/2006/main" xmlns:r="http://schemas.openxmlformats.org/officeDocument/2006/relationships" xmlns:p="http://schemas.openxmlformats.org/presentationml/2006/main">
+  <p:cSld>
+    <p:spTree>
+      <p:nvGrpSpPr>
+        <p:cNvPr id="1" name=""/>
+        <p:cNvGrpSpPr/>
+        <p:nvPr/>
+      </p:nvGrpSpPr>
+      <p:grpSpPr>
+        <a:xfrm>
+          <a:off x="0" y="0"/>
+          <a:ext cx="0" cy="0"/>
+          <a:chOff x="0" y="0"/>
+          <a:chExt cx="0" cy="0"/>
+        </a:xfrm>
+      </p:grpSpPr>
+      <p:sp>
+        <p:nvSpPr>
+          <p:cNvPr id="2" name="Title 1"/>
+          <p:cNvSpPr>
+            <a:spLocks noGrp="1"/>
+          </p:cNvSpPr>
+          <p:nvPr>
+            <p:ph type="title"/>
+          </p:nvPr>
+        </p:nvSpPr>
+        <p:spPr/>
+        <p:txBody>
+          <a:bodyPr/>
+          <a:lstStyle/>
+          <a:p>
+            <a:r>
+              <a:rPr lang="en-CA" dirty="0"/>
+              <a:t>What is artificial life (AL)?</a:t>
+            </a:r>
           </a:p>
         </p:txBody>
       </p:sp>
@@ -3111,7 +4815,7 @@
               <a:buNone/>
             </a:pPr>
             <a:r>
-              <a:rPr lang="en-CA" dirty="0" smtClean="0"/>
+              <a:rPr lang="en-CA" dirty="0"/>
               <a:t>Natural life sciences employ reductionist method to explain life</a:t>
             </a:r>
           </a:p>
@@ -3183,7 +4887,7 @@
             <a:lstStyle/>
             <a:p>
               <a:r>
-                <a:rPr lang="en-CA" sz="1000" dirty="0" smtClean="0">
+                <a:rPr lang="en-CA" sz="1000" dirty="0">
                   <a:solidFill>
                     <a:schemeClr val="tx1">
                       <a:lumMod val="50000"/>
@@ -3193,14 +4897,6 @@
                 </a:rPr>
                 <a:t>By Unknown - [1], Public Domain, https://commons.wikimedia.org/w/index.php?curid=1493624</a:t>
               </a:r>
-              <a:endParaRPr lang="en-CA" sz="1000" dirty="0">
-                <a:solidFill>
-                  <a:schemeClr val="tx1">
-                    <a:lumMod val="50000"/>
-                    <a:lumOff val="50000"/>
-                  </a:schemeClr>
-                </a:solidFill>
-              </a:endParaRPr>
             </a:p>
           </p:txBody>
         </p:sp>
@@ -3273,7 +4969,7 @@
             <a:p>
               <a:pPr algn="ctr"/>
               <a:r>
-                <a:rPr lang="en-CA" sz="1000" dirty="0" smtClean="0">
+                <a:rPr lang="en-CA" sz="1000" dirty="0">
                   <a:solidFill>
                     <a:schemeClr val="tx1">
                       <a:lumMod val="50000"/>
@@ -3283,14 +4979,6 @@
                 </a:rPr>
                 <a:t>By Universal Studios - Dr. Macro, Public Domain, https://commons.wikimedia.org/w/index.php?curid=3558176</a:t>
               </a:r>
-              <a:endParaRPr lang="en-CA" sz="1000" dirty="0">
-                <a:solidFill>
-                  <a:schemeClr val="tx1">
-                    <a:lumMod val="50000"/>
-                    <a:lumOff val="50000"/>
-                  </a:schemeClr>
-                </a:solidFill>
-              </a:endParaRPr>
             </a:p>
           </p:txBody>
         </p:sp>
@@ -3485,10 +5173,9 @@
               <a:buNone/>
             </a:pPr>
             <a:r>
-              <a:rPr lang="en-CA" dirty="0" smtClean="0"/>
+              <a:rPr lang="en-CA" dirty="0"/>
               <a:t>Artificial life uses a constructive approach to explain and explore life</a:t>
             </a:r>
-            <a:endParaRPr lang="en-CA" dirty="0"/>
           </a:p>
         </p:txBody>
       </p:sp>
@@ -3739,184 +5426,6 @@
 </p:sld>
 </file>
 
-<file path=ppt/slides/slide3.xml><?xml version="1.0" encoding="utf-8"?>
-<p:sld xmlns:a="http://schemas.openxmlformats.org/drawingml/2006/main" xmlns:r="http://schemas.openxmlformats.org/officeDocument/2006/relationships" xmlns:p="http://schemas.openxmlformats.org/presentationml/2006/main">
-  <p:cSld>
-    <p:spTree>
-      <p:nvGrpSpPr>
-        <p:cNvPr id="1" name=""/>
-        <p:cNvGrpSpPr/>
-        <p:nvPr/>
-      </p:nvGrpSpPr>
-      <p:grpSpPr>
-        <a:xfrm>
-          <a:off x="0" y="0"/>
-          <a:ext cx="0" cy="0"/>
-          <a:chOff x="0" y="0"/>
-          <a:chExt cx="0" cy="0"/>
-        </a:xfrm>
-      </p:grpSpPr>
-      <p:sp>
-        <p:nvSpPr>
-          <p:cNvPr id="2" name="Title 1"/>
-          <p:cNvSpPr>
-            <a:spLocks noGrp="1"/>
-          </p:cNvSpPr>
-          <p:nvPr>
-            <p:ph type="title"/>
-          </p:nvPr>
-        </p:nvSpPr>
-        <p:spPr/>
-        <p:txBody>
-          <a:bodyPr/>
-          <a:lstStyle/>
-          <a:p>
-            <a:r>
-              <a:rPr lang="en-CA" dirty="0" smtClean="0"/>
-              <a:t>A few ideas behind AL</a:t>
-            </a:r>
-            <a:endParaRPr lang="en-CA" dirty="0"/>
-          </a:p>
-        </p:txBody>
-      </p:sp>
-      <p:sp>
-        <p:nvSpPr>
-          <p:cNvPr id="3" name="Content Placeholder 2"/>
-          <p:cNvSpPr>
-            <a:spLocks noGrp="1"/>
-          </p:cNvSpPr>
-          <p:nvPr>
-            <p:ph idx="1"/>
-          </p:nvPr>
-        </p:nvSpPr>
-        <p:spPr/>
-        <p:txBody>
-          <a:bodyPr/>
-          <a:lstStyle/>
-          <a:p>
-            <a:r>
-              <a:rPr lang="en-CA" dirty="0" smtClean="0"/>
-              <a:t>Life is a process</a:t>
-            </a:r>
-          </a:p>
-          <a:p>
-            <a:r>
-              <a:rPr lang="en-CA" dirty="0" smtClean="0"/>
-              <a:t>Life can be explored constructively</a:t>
-            </a:r>
-          </a:p>
-          <a:p>
-            <a:r>
-              <a:rPr lang="en-CA" dirty="0" smtClean="0"/>
-              <a:t>‘Life’ is independent of substrate</a:t>
-            </a:r>
-            <a:endParaRPr lang="en-CA" dirty="0"/>
-          </a:p>
-        </p:txBody>
-      </p:sp>
-    </p:spTree>
-    <p:extLst>
-      <p:ext uri="{BB962C8B-B14F-4D97-AF65-F5344CB8AC3E}">
-        <p14:creationId xmlns:p14="http://schemas.microsoft.com/office/powerpoint/2010/main" val="198058602"/>
-      </p:ext>
-    </p:extLst>
-  </p:cSld>
-  <p:clrMapOvr>
-    <a:masterClrMapping/>
-  </p:clrMapOvr>
-  <p:timing>
-    <p:tnLst>
-      <p:par>
-        <p:cTn id="1" dur="indefinite" restart="never" nodeType="tmRoot"/>
-      </p:par>
-    </p:tnLst>
-  </p:timing>
-</p:sld>
-</file>
-
-<file path=ppt/slides/slide4.xml><?xml version="1.0" encoding="utf-8"?>
-<p:sld xmlns:a="http://schemas.openxmlformats.org/drawingml/2006/main" xmlns:r="http://schemas.openxmlformats.org/officeDocument/2006/relationships" xmlns:p="http://schemas.openxmlformats.org/presentationml/2006/main">
-  <p:cSld>
-    <p:spTree>
-      <p:nvGrpSpPr>
-        <p:cNvPr id="1" name=""/>
-        <p:cNvGrpSpPr/>
-        <p:nvPr/>
-      </p:nvGrpSpPr>
-      <p:grpSpPr>
-        <a:xfrm>
-          <a:off x="0" y="0"/>
-          <a:ext cx="0" cy="0"/>
-          <a:chOff x="0" y="0"/>
-          <a:chExt cx="0" cy="0"/>
-        </a:xfrm>
-      </p:grpSpPr>
-      <p:sp>
-        <p:nvSpPr>
-          <p:cNvPr id="2" name="Title 1"/>
-          <p:cNvSpPr>
-            <a:spLocks noGrp="1"/>
-          </p:cNvSpPr>
-          <p:nvPr>
-            <p:ph type="title"/>
-          </p:nvPr>
-        </p:nvSpPr>
-        <p:spPr/>
-        <p:txBody>
-          <a:bodyPr/>
-          <a:lstStyle/>
-          <a:p>
-            <a:r>
-              <a:rPr lang="en-CA" dirty="0" smtClean="0"/>
-              <a:t>Life-as-it-could-be</a:t>
-            </a:r>
-            <a:endParaRPr lang="en-CA" dirty="0"/>
-          </a:p>
-        </p:txBody>
-      </p:sp>
-      <p:sp>
-        <p:nvSpPr>
-          <p:cNvPr id="3" name="Content Placeholder 2"/>
-          <p:cNvSpPr>
-            <a:spLocks noGrp="1"/>
-          </p:cNvSpPr>
-          <p:nvPr>
-            <p:ph idx="1"/>
-          </p:nvPr>
-        </p:nvSpPr>
-        <p:spPr/>
-        <p:txBody>
-          <a:bodyPr/>
-          <a:lstStyle/>
-          <a:p>
-            <a:r>
-              <a:rPr lang="en-CA" dirty="0" smtClean="0"/>
-              <a:t>The constructive nature of AL allows us investigate novel forms of life</a:t>
-            </a:r>
-            <a:endParaRPr lang="en-CA" dirty="0"/>
-          </a:p>
-        </p:txBody>
-      </p:sp>
-    </p:spTree>
-    <p:extLst>
-      <p:ext uri="{BB962C8B-B14F-4D97-AF65-F5344CB8AC3E}">
-        <p14:creationId xmlns:p14="http://schemas.microsoft.com/office/powerpoint/2010/main" val="2241344431"/>
-      </p:ext>
-    </p:extLst>
-  </p:cSld>
-  <p:clrMapOvr>
-    <a:masterClrMapping/>
-  </p:clrMapOvr>
-  <p:timing>
-    <p:tnLst>
-      <p:par>
-        <p:cTn id="1" dur="indefinite" restart="never" nodeType="tmRoot"/>
-      </p:par>
-    </p:tnLst>
-  </p:timing>
-</p:sld>
-</file>
-
 <file path=ppt/slides/slide5.xml><?xml version="1.0" encoding="utf-8"?>
 <p:sld xmlns:a="http://schemas.openxmlformats.org/drawingml/2006/main" xmlns:r="http://schemas.openxmlformats.org/officeDocument/2006/relationships" xmlns:p="http://schemas.openxmlformats.org/presentationml/2006/main">
   <p:cSld>
@@ -3951,7 +5460,7 @@
           <a:p>
             <a:r>
               <a:rPr lang="en-CA" dirty="0" smtClean="0"/>
-              <a:t>The meaning of life</a:t>
+              <a:t>Life-as-it-is</a:t>
             </a:r>
             <a:endParaRPr lang="en-CA" dirty="0"/>
           </a:p>
@@ -3967,33 +5476,11 @@
             <p:ph idx="1"/>
           </p:nvPr>
         </p:nvSpPr>
-        <p:spPr>
-          <a:xfrm>
-            <a:off x="838200" y="1825625"/>
-            <a:ext cx="5599545" cy="4351338"/>
-          </a:xfrm>
-        </p:spPr>
-        <p:txBody>
-          <a:bodyPr/>
-          <a:lstStyle/>
-          <a:p>
-            <a:r>
-              <a:rPr lang="en-CA" dirty="0" smtClean="0"/>
-              <a:t>AL asks us to consider an age old question: </a:t>
-            </a:r>
-            <a:br>
-              <a:rPr lang="en-CA" dirty="0" smtClean="0"/>
-            </a:br>
-            <a:r>
-              <a:rPr lang="en-CA" dirty="0" smtClean="0"/>
-              <a:t>	What does it mean to be alive?</a:t>
-            </a:r>
-          </a:p>
-          <a:p>
-            <a:r>
-              <a:rPr lang="en-CA" dirty="0" smtClean="0"/>
-              <a:t>To see past the details of life’s implementations is to know this</a:t>
-            </a:r>
+        <p:spPr/>
+        <p:txBody>
+          <a:bodyPr/>
+          <a:lstStyle/>
+          <a:p>
             <a:endParaRPr lang="en-CA" dirty="0"/>
           </a:p>
         </p:txBody>
@@ -4001,7 +5488,7 @@
     </p:spTree>
     <p:extLst>
       <p:ext uri="{BB962C8B-B14F-4D97-AF65-F5344CB8AC3E}">
-        <p14:creationId xmlns:p14="http://schemas.microsoft.com/office/powerpoint/2010/main" val="1754329738"/>
+        <p14:creationId xmlns:p14="http://schemas.microsoft.com/office/powerpoint/2010/main" val="2279785290"/>
       </p:ext>
     </p:extLst>
   </p:cSld>
@@ -4051,10 +5538,811 @@
           <a:lstStyle/>
           <a:p>
             <a:r>
+              <a:rPr lang="en-CA" dirty="0"/>
+              <a:t>Life-as-it-could-be</a:t>
+            </a:r>
+          </a:p>
+        </p:txBody>
+      </p:sp>
+      <p:sp>
+        <p:nvSpPr>
+          <p:cNvPr id="3" name="Content Placeholder 2"/>
+          <p:cNvSpPr>
+            <a:spLocks noGrp="1"/>
+          </p:cNvSpPr>
+          <p:nvPr>
+            <p:ph idx="1"/>
+          </p:nvPr>
+        </p:nvSpPr>
+        <p:spPr/>
+        <p:txBody>
+          <a:bodyPr/>
+          <a:lstStyle/>
+          <a:p>
+            <a:r>
+              <a:rPr lang="en-CA" dirty="0"/>
+              <a:t>The constructive nature of AL allows us to investigate novel forms of </a:t>
+            </a:r>
+            <a:r>
               <a:rPr lang="en-CA" dirty="0" smtClean="0"/>
+              <a:t>life.</a:t>
+            </a:r>
+            <a:endParaRPr lang="en-CA" dirty="0"/>
+          </a:p>
+        </p:txBody>
+      </p:sp>
+    </p:spTree>
+    <p:extLst>
+      <p:ext uri="{BB962C8B-B14F-4D97-AF65-F5344CB8AC3E}">
+        <p14:creationId xmlns:p14="http://schemas.microsoft.com/office/powerpoint/2010/main" val="2241344431"/>
+      </p:ext>
+    </p:extLst>
+  </p:cSld>
+  <p:clrMapOvr>
+    <a:masterClrMapping/>
+  </p:clrMapOvr>
+  <p:timing>
+    <p:tnLst>
+      <p:par>
+        <p:cTn id="1" dur="indefinite" restart="never" nodeType="tmRoot"/>
+      </p:par>
+    </p:tnLst>
+  </p:timing>
+</p:sld>
+</file>
+
+<file path=ppt/slides/slide7.xml><?xml version="1.0" encoding="utf-8"?>
+<p:sld xmlns:a="http://schemas.openxmlformats.org/drawingml/2006/main" xmlns:r="http://schemas.openxmlformats.org/officeDocument/2006/relationships" xmlns:p="http://schemas.openxmlformats.org/presentationml/2006/main">
+  <p:cSld>
+    <p:spTree>
+      <p:nvGrpSpPr>
+        <p:cNvPr id="1" name=""/>
+        <p:cNvGrpSpPr/>
+        <p:nvPr/>
+      </p:nvGrpSpPr>
+      <p:grpSpPr>
+        <a:xfrm>
+          <a:off x="0" y="0"/>
+          <a:ext cx="0" cy="0"/>
+          <a:chOff x="0" y="0"/>
+          <a:chExt cx="0" cy="0"/>
+        </a:xfrm>
+      </p:grpSpPr>
+      <p:sp>
+        <p:nvSpPr>
+          <p:cNvPr id="2" name="Title 1"/>
+          <p:cNvSpPr>
+            <a:spLocks noGrp="1"/>
+          </p:cNvSpPr>
+          <p:nvPr>
+            <p:ph type="title"/>
+          </p:nvPr>
+        </p:nvSpPr>
+        <p:spPr/>
+        <p:txBody>
+          <a:bodyPr/>
+          <a:lstStyle/>
+          <a:p>
+            <a:r>
+              <a:rPr lang="en-CA" dirty="0"/>
+              <a:t>A few ideas behind AL</a:t>
+            </a:r>
+          </a:p>
+        </p:txBody>
+      </p:sp>
+      <p:sp>
+        <p:nvSpPr>
+          <p:cNvPr id="3" name="Content Placeholder 2"/>
+          <p:cNvSpPr>
+            <a:spLocks noGrp="1"/>
+          </p:cNvSpPr>
+          <p:nvPr>
+            <p:ph idx="1"/>
+          </p:nvPr>
+        </p:nvSpPr>
+        <p:spPr/>
+        <p:txBody>
+          <a:bodyPr/>
+          <a:lstStyle/>
+          <a:p>
+            <a:r>
+              <a:rPr lang="en-CA" dirty="0"/>
+              <a:t>Life is a process</a:t>
+            </a:r>
+          </a:p>
+          <a:p>
+            <a:r>
+              <a:rPr lang="en-CA" dirty="0"/>
+              <a:t>Life can be explored constructively</a:t>
+            </a:r>
+          </a:p>
+          <a:p>
+            <a:r>
+              <a:rPr lang="en-CA" dirty="0"/>
+              <a:t>‘Life’ is independent of substrate</a:t>
+            </a:r>
+          </a:p>
+        </p:txBody>
+      </p:sp>
+    </p:spTree>
+    <p:extLst>
+      <p:ext uri="{BB962C8B-B14F-4D97-AF65-F5344CB8AC3E}">
+        <p14:creationId xmlns:p14="http://schemas.microsoft.com/office/powerpoint/2010/main" val="198058602"/>
+      </p:ext>
+    </p:extLst>
+  </p:cSld>
+  <p:clrMapOvr>
+    <a:masterClrMapping/>
+  </p:clrMapOvr>
+  <p:timing>
+    <p:tnLst>
+      <p:par>
+        <p:cTn id="1" dur="indefinite" restart="never" nodeType="tmRoot"/>
+      </p:par>
+    </p:tnLst>
+  </p:timing>
+</p:sld>
+</file>
+
+<file path=ppt/slides/slide8.xml><?xml version="1.0" encoding="utf-8"?>
+<p:sld xmlns:a="http://schemas.openxmlformats.org/drawingml/2006/main" xmlns:r="http://schemas.openxmlformats.org/officeDocument/2006/relationships" xmlns:p="http://schemas.openxmlformats.org/presentationml/2006/main">
+  <p:cSld>
+    <p:spTree>
+      <p:nvGrpSpPr>
+        <p:cNvPr id="1" name=""/>
+        <p:cNvGrpSpPr/>
+        <p:nvPr/>
+      </p:nvGrpSpPr>
+      <p:grpSpPr>
+        <a:xfrm>
+          <a:off x="0" y="0"/>
+          <a:ext cx="0" cy="0"/>
+          <a:chOff x="0" y="0"/>
+          <a:chExt cx="0" cy="0"/>
+        </a:xfrm>
+      </p:grpSpPr>
+      <p:sp>
+        <p:nvSpPr>
+          <p:cNvPr id="2" name="Title 1"/>
+          <p:cNvSpPr>
+            <a:spLocks noGrp="1"/>
+          </p:cNvSpPr>
+          <p:nvPr>
+            <p:ph type="title"/>
+          </p:nvPr>
+        </p:nvSpPr>
+        <p:spPr/>
+        <p:txBody>
+          <a:bodyPr/>
+          <a:lstStyle/>
+          <a:p>
+            <a:r>
+              <a:rPr lang="en-CA" dirty="0" smtClean="0"/>
+              <a:t>Two categories of AL</a:t>
+            </a:r>
+            <a:endParaRPr lang="en-CA" dirty="0"/>
+          </a:p>
+        </p:txBody>
+      </p:sp>
+      <p:sp>
+        <p:nvSpPr>
+          <p:cNvPr id="3" name="Content Placeholder 2"/>
+          <p:cNvSpPr>
+            <a:spLocks noGrp="1"/>
+          </p:cNvSpPr>
+          <p:nvPr>
+            <p:ph sz="half" idx="1"/>
+          </p:nvPr>
+        </p:nvSpPr>
+        <p:spPr/>
+        <p:txBody>
+          <a:bodyPr>
+            <a:normAutofit/>
+          </a:bodyPr>
+          <a:lstStyle/>
+          <a:p>
+            <a:pPr marL="0" indent="0" algn="ctr">
+              <a:buNone/>
+            </a:pPr>
+            <a:r>
+              <a:rPr lang="en-CA" sz="4000" dirty="0" smtClean="0"/>
+              <a:t>Virtual</a:t>
+            </a:r>
+          </a:p>
+          <a:p>
+            <a:pPr lvl="1" algn="ctr"/>
+            <a:r>
+              <a:rPr lang="en-CA" sz="2800" dirty="0" smtClean="0"/>
+              <a:t>Abstract</a:t>
+            </a:r>
+            <a:endParaRPr lang="en-CA" sz="4000" dirty="0"/>
+          </a:p>
+        </p:txBody>
+      </p:sp>
+      <p:sp>
+        <p:nvSpPr>
+          <p:cNvPr id="4" name="Content Placeholder 3"/>
+          <p:cNvSpPr>
+            <a:spLocks noGrp="1"/>
+          </p:cNvSpPr>
+          <p:nvPr>
+            <p:ph sz="half" idx="2"/>
+          </p:nvPr>
+        </p:nvSpPr>
+        <p:spPr/>
+        <p:txBody>
+          <a:bodyPr/>
+          <a:lstStyle/>
+          <a:p>
+            <a:pPr marL="0" indent="0" algn="ctr">
+              <a:buNone/>
+            </a:pPr>
+            <a:r>
+              <a:rPr lang="en-CA" sz="4000" dirty="0" smtClean="0"/>
+              <a:t>Synthetic</a:t>
+            </a:r>
+          </a:p>
+          <a:p>
+            <a:pPr lvl="1" algn="ctr"/>
+            <a:r>
+              <a:rPr lang="en-CA" sz="2800" dirty="0" smtClean="0"/>
+              <a:t>Concrete</a:t>
+            </a:r>
+            <a:endParaRPr lang="en-CA" sz="1800" dirty="0"/>
+          </a:p>
+        </p:txBody>
+      </p:sp>
+      <p:grpSp>
+        <p:nvGrpSpPr>
+          <p:cNvPr id="7" name="Group 6"/>
+          <p:cNvGrpSpPr/>
+          <p:nvPr/>
+        </p:nvGrpSpPr>
+        <p:grpSpPr>
+          <a:xfrm>
+            <a:off x="2389414" y="3181239"/>
+            <a:ext cx="2677885" cy="3039653"/>
+            <a:chOff x="963386" y="3048000"/>
+            <a:chExt cx="2677885" cy="3039653"/>
+          </a:xfrm>
+        </p:grpSpPr>
+        <p:pic>
+          <p:nvPicPr>
+            <p:cNvPr id="5" name="Picture 4"/>
+            <p:cNvPicPr>
+              <a:picLocks noChangeAspect="1"/>
+            </p:cNvPicPr>
+            <p:nvPr/>
+          </p:nvPicPr>
+          <p:blipFill rotWithShape="1">
+            <a:blip r:embed="rId2">
+              <a:extLst>
+                <a:ext uri="{28A0092B-C50C-407E-A947-70E740481C1C}">
+                  <a14:useLocalDpi xmlns:a14="http://schemas.microsoft.com/office/drawing/2010/main" val="0"/>
+                </a:ext>
+              </a:extLst>
+            </a:blip>
+            <a:srcRect l="26304" t="18062" r="26095" b="14931"/>
+            <a:stretch/>
+          </p:blipFill>
+          <p:spPr>
+            <a:xfrm>
+              <a:off x="1066800" y="3048000"/>
+              <a:ext cx="2471058" cy="2329543"/>
+            </a:xfrm>
+            <a:prstGeom prst="rect">
+              <a:avLst/>
+            </a:prstGeom>
+          </p:spPr>
+        </p:pic>
+        <p:sp>
+          <p:nvSpPr>
+            <p:cNvPr id="6" name="TextBox 5"/>
+            <p:cNvSpPr txBox="1"/>
+            <p:nvPr/>
+          </p:nvSpPr>
+          <p:spPr>
+            <a:xfrm>
+              <a:off x="963386" y="5379767"/>
+              <a:ext cx="2677885" cy="707886"/>
+            </a:xfrm>
+            <a:prstGeom prst="rect">
+              <a:avLst/>
+            </a:prstGeom>
+            <a:noFill/>
+          </p:spPr>
+          <p:txBody>
+            <a:bodyPr wrap="square" rtlCol="0">
+              <a:spAutoFit/>
+            </a:bodyPr>
+            <a:lstStyle/>
+            <a:p>
+              <a:r>
+                <a:rPr lang="en-CA" sz="1000" dirty="0">
+                  <a:solidFill>
+                    <a:schemeClr val="bg1">
+                      <a:lumMod val="50000"/>
+                    </a:schemeClr>
+                  </a:solidFill>
+                </a:rPr>
+                <a:t>https://www.thestar.com/content/dam/thestar/life/technology/2013/02/14/tamagotchi_returns_electronic_pet_reborn_as_mobile_app/tamagotchi.jpg.size.xxlarge.promo.jpg</a:t>
+              </a:r>
+            </a:p>
+          </p:txBody>
+        </p:sp>
+      </p:grpSp>
+      <p:grpSp>
+        <p:nvGrpSpPr>
+          <p:cNvPr id="11" name="Group 10"/>
+          <p:cNvGrpSpPr/>
+          <p:nvPr/>
+        </p:nvGrpSpPr>
+        <p:grpSpPr>
+          <a:xfrm>
+            <a:off x="7364185" y="3181239"/>
+            <a:ext cx="3145972" cy="2814432"/>
+            <a:chOff x="5687785" y="3203010"/>
+            <a:chExt cx="3145972" cy="2814432"/>
+          </a:xfrm>
+        </p:grpSpPr>
+        <p:sp>
+          <p:nvSpPr>
+            <p:cNvPr id="9" name="TextBox 8"/>
+            <p:cNvSpPr txBox="1"/>
+            <p:nvPr/>
+          </p:nvSpPr>
+          <p:spPr>
+            <a:xfrm>
+              <a:off x="5949042" y="5771221"/>
+              <a:ext cx="2623457" cy="246221"/>
+            </a:xfrm>
+            <a:prstGeom prst="rect">
+              <a:avLst/>
+            </a:prstGeom>
+            <a:noFill/>
+          </p:spPr>
+          <p:txBody>
+            <a:bodyPr wrap="square" rtlCol="0">
+              <a:spAutoFit/>
+            </a:bodyPr>
+            <a:lstStyle/>
+            <a:p>
+              <a:r>
+                <a:rPr lang="en-CA" sz="1000" dirty="0">
+                  <a:solidFill>
+                    <a:schemeClr val="bg1">
+                      <a:lumMod val="50000"/>
+                    </a:schemeClr>
+                  </a:solidFill>
+                </a:rPr>
+                <a:t>http://www.eurostemcell.org/files/dolly1.jpg</a:t>
+              </a:r>
+            </a:p>
+          </p:txBody>
+        </p:sp>
+        <p:pic>
+          <p:nvPicPr>
+            <p:cNvPr id="10" name="Picture 9"/>
+            <p:cNvPicPr>
+              <a:picLocks noChangeAspect="1"/>
+            </p:cNvPicPr>
+            <p:nvPr/>
+          </p:nvPicPr>
+          <p:blipFill rotWithShape="1">
+            <a:blip r:embed="rId3" cstate="print">
+              <a:extLst>
+                <a:ext uri="{28A0092B-C50C-407E-A947-70E740481C1C}">
+                  <a14:useLocalDpi xmlns:a14="http://schemas.microsoft.com/office/drawing/2010/main" val="0"/>
+                </a:ext>
+              </a:extLst>
+            </a:blip>
+            <a:srcRect l="14746" t="11428" r="18664" b="8648"/>
+            <a:stretch/>
+          </p:blipFill>
+          <p:spPr>
+            <a:xfrm>
+              <a:off x="5687785" y="3203010"/>
+              <a:ext cx="3145972" cy="2503714"/>
+            </a:xfrm>
+            <a:prstGeom prst="rect">
+              <a:avLst/>
+            </a:prstGeom>
+          </p:spPr>
+        </p:pic>
+      </p:grpSp>
+    </p:spTree>
+    <p:extLst>
+      <p:ext uri="{BB962C8B-B14F-4D97-AF65-F5344CB8AC3E}">
+        <p14:creationId xmlns:p14="http://schemas.microsoft.com/office/powerpoint/2010/main" val="1451404266"/>
+      </p:ext>
+    </p:extLst>
+  </p:cSld>
+  <p:clrMapOvr>
+    <a:masterClrMapping/>
+  </p:clrMapOvr>
+  <p:timing>
+    <p:tnLst>
+      <p:par>
+        <p:cTn id="1" dur="indefinite" restart="never" nodeType="tmRoot">
+          <p:childTnLst>
+            <p:seq concurrent="1" nextAc="seek">
+              <p:cTn id="2" dur="indefinite" nodeType="mainSeq">
+                <p:childTnLst>
+                  <p:par>
+                    <p:cTn id="3" fill="hold">
+                      <p:stCondLst>
+                        <p:cond delay="indefinite"/>
+                      </p:stCondLst>
+                      <p:childTnLst>
+                        <p:par>
+                          <p:cTn id="4" fill="hold">
+                            <p:stCondLst>
+                              <p:cond delay="0"/>
+                            </p:stCondLst>
+                            <p:childTnLst>
+                              <p:par>
+                                <p:cTn id="5" presetID="10" presetClass="entr" presetSubtype="0" fill="hold" nodeType="clickEffect">
+                                  <p:stCondLst>
+                                    <p:cond delay="0"/>
+                                  </p:stCondLst>
+                                  <p:childTnLst>
+                                    <p:set>
+                                      <p:cBhvr>
+                                        <p:cTn id="6" dur="1" fill="hold">
+                                          <p:stCondLst>
+                                            <p:cond delay="0"/>
+                                          </p:stCondLst>
+                                        </p:cTn>
+                                        <p:tgtEl>
+                                          <p:spTgt spid="7"/>
+                                        </p:tgtEl>
+                                        <p:attrNameLst>
+                                          <p:attrName>style.visibility</p:attrName>
+                                        </p:attrNameLst>
+                                      </p:cBhvr>
+                                      <p:to>
+                                        <p:strVal val="visible"/>
+                                      </p:to>
+                                    </p:set>
+                                    <p:animEffect transition="in" filter="fade">
+                                      <p:cBhvr>
+                                        <p:cTn id="7" dur="1000"/>
+                                        <p:tgtEl>
+                                          <p:spTgt spid="7"/>
+                                        </p:tgtEl>
+                                      </p:cBhvr>
+                                    </p:animEffect>
+                                  </p:childTnLst>
+                                </p:cTn>
+                              </p:par>
+                              <p:par>
+                                <p:cTn id="8" presetID="10" presetClass="entr" presetSubtype="0" fill="hold" nodeType="withEffect">
+                                  <p:stCondLst>
+                                    <p:cond delay="0"/>
+                                  </p:stCondLst>
+                                  <p:childTnLst>
+                                    <p:set>
+                                      <p:cBhvr>
+                                        <p:cTn id="9" dur="1" fill="hold">
+                                          <p:stCondLst>
+                                            <p:cond delay="0"/>
+                                          </p:stCondLst>
+                                        </p:cTn>
+                                        <p:tgtEl>
+                                          <p:spTgt spid="3">
+                                            <p:txEl>
+                                              <p:pRg st="0" end="0"/>
+                                            </p:txEl>
+                                          </p:spTgt>
+                                        </p:tgtEl>
+                                        <p:attrNameLst>
+                                          <p:attrName>style.visibility</p:attrName>
+                                        </p:attrNameLst>
+                                      </p:cBhvr>
+                                      <p:to>
+                                        <p:strVal val="visible"/>
+                                      </p:to>
+                                    </p:set>
+                                    <p:animEffect transition="in" filter="fade">
+                                      <p:cBhvr>
+                                        <p:cTn id="10" dur="1000"/>
+                                        <p:tgtEl>
+                                          <p:spTgt spid="3">
+                                            <p:txEl>
+                                              <p:pRg st="0" end="0"/>
+                                            </p:txEl>
+                                          </p:spTgt>
+                                        </p:tgtEl>
+                                      </p:cBhvr>
+                                    </p:animEffect>
+                                  </p:childTnLst>
+                                </p:cTn>
+                              </p:par>
+                            </p:childTnLst>
+                          </p:cTn>
+                        </p:par>
+                      </p:childTnLst>
+                    </p:cTn>
+                  </p:par>
+                  <p:par>
+                    <p:cTn id="11" fill="hold">
+                      <p:stCondLst>
+                        <p:cond delay="indefinite"/>
+                      </p:stCondLst>
+                      <p:childTnLst>
+                        <p:par>
+                          <p:cTn id="12" fill="hold">
+                            <p:stCondLst>
+                              <p:cond delay="0"/>
+                            </p:stCondLst>
+                            <p:childTnLst>
+                              <p:par>
+                                <p:cTn id="13" presetID="10" presetClass="entr" presetSubtype="0" fill="hold" nodeType="clickEffect">
+                                  <p:stCondLst>
+                                    <p:cond delay="0"/>
+                                  </p:stCondLst>
+                                  <p:childTnLst>
+                                    <p:set>
+                                      <p:cBhvr>
+                                        <p:cTn id="14" dur="1" fill="hold">
+                                          <p:stCondLst>
+                                            <p:cond delay="0"/>
+                                          </p:stCondLst>
+                                        </p:cTn>
+                                        <p:tgtEl>
+                                          <p:spTgt spid="3">
+                                            <p:txEl>
+                                              <p:pRg st="1" end="1"/>
+                                            </p:txEl>
+                                          </p:spTgt>
+                                        </p:tgtEl>
+                                        <p:attrNameLst>
+                                          <p:attrName>style.visibility</p:attrName>
+                                        </p:attrNameLst>
+                                      </p:cBhvr>
+                                      <p:to>
+                                        <p:strVal val="visible"/>
+                                      </p:to>
+                                    </p:set>
+                                    <p:animEffect transition="in" filter="fade">
+                                      <p:cBhvr>
+                                        <p:cTn id="15" dur="1000"/>
+                                        <p:tgtEl>
+                                          <p:spTgt spid="3">
+                                            <p:txEl>
+                                              <p:pRg st="1" end="1"/>
+                                            </p:txEl>
+                                          </p:spTgt>
+                                        </p:tgtEl>
+                                      </p:cBhvr>
+                                    </p:animEffect>
+                                  </p:childTnLst>
+                                </p:cTn>
+                              </p:par>
+                            </p:childTnLst>
+                          </p:cTn>
+                        </p:par>
+                      </p:childTnLst>
+                    </p:cTn>
+                  </p:par>
+                  <p:par>
+                    <p:cTn id="16" fill="hold">
+                      <p:stCondLst>
+                        <p:cond delay="indefinite"/>
+                      </p:stCondLst>
+                      <p:childTnLst>
+                        <p:par>
+                          <p:cTn id="17" fill="hold">
+                            <p:stCondLst>
+                              <p:cond delay="0"/>
+                            </p:stCondLst>
+                            <p:childTnLst>
+                              <p:par>
+                                <p:cTn id="18" presetID="10" presetClass="entr" presetSubtype="0" fill="hold" nodeType="clickEffect">
+                                  <p:stCondLst>
+                                    <p:cond delay="0"/>
+                                  </p:stCondLst>
+                                  <p:childTnLst>
+                                    <p:set>
+                                      <p:cBhvr>
+                                        <p:cTn id="19" dur="1" fill="hold">
+                                          <p:stCondLst>
+                                            <p:cond delay="0"/>
+                                          </p:stCondLst>
+                                        </p:cTn>
+                                        <p:tgtEl>
+                                          <p:spTgt spid="11"/>
+                                        </p:tgtEl>
+                                        <p:attrNameLst>
+                                          <p:attrName>style.visibility</p:attrName>
+                                        </p:attrNameLst>
+                                      </p:cBhvr>
+                                      <p:to>
+                                        <p:strVal val="visible"/>
+                                      </p:to>
+                                    </p:set>
+                                    <p:animEffect transition="in" filter="fade">
+                                      <p:cBhvr>
+                                        <p:cTn id="20" dur="1000"/>
+                                        <p:tgtEl>
+                                          <p:spTgt spid="11"/>
+                                        </p:tgtEl>
+                                      </p:cBhvr>
+                                    </p:animEffect>
+                                  </p:childTnLst>
+                                </p:cTn>
+                              </p:par>
+                              <p:par>
+                                <p:cTn id="21" presetID="10" presetClass="entr" presetSubtype="0" fill="hold" nodeType="withEffect">
+                                  <p:stCondLst>
+                                    <p:cond delay="0"/>
+                                  </p:stCondLst>
+                                  <p:childTnLst>
+                                    <p:set>
+                                      <p:cBhvr>
+                                        <p:cTn id="22" dur="1" fill="hold">
+                                          <p:stCondLst>
+                                            <p:cond delay="0"/>
+                                          </p:stCondLst>
+                                        </p:cTn>
+                                        <p:tgtEl>
+                                          <p:spTgt spid="4">
+                                            <p:txEl>
+                                              <p:pRg st="0" end="0"/>
+                                            </p:txEl>
+                                          </p:spTgt>
+                                        </p:tgtEl>
+                                        <p:attrNameLst>
+                                          <p:attrName>style.visibility</p:attrName>
+                                        </p:attrNameLst>
+                                      </p:cBhvr>
+                                      <p:to>
+                                        <p:strVal val="visible"/>
+                                      </p:to>
+                                    </p:set>
+                                    <p:animEffect transition="in" filter="fade">
+                                      <p:cBhvr>
+                                        <p:cTn id="23" dur="1000"/>
+                                        <p:tgtEl>
+                                          <p:spTgt spid="4">
+                                            <p:txEl>
+                                              <p:pRg st="0" end="0"/>
+                                            </p:txEl>
+                                          </p:spTgt>
+                                        </p:tgtEl>
+                                      </p:cBhvr>
+                                    </p:animEffect>
+                                  </p:childTnLst>
+                                </p:cTn>
+                              </p:par>
+                            </p:childTnLst>
+                          </p:cTn>
+                        </p:par>
+                      </p:childTnLst>
+                    </p:cTn>
+                  </p:par>
+                  <p:par>
+                    <p:cTn id="24" fill="hold">
+                      <p:stCondLst>
+                        <p:cond delay="indefinite"/>
+                      </p:stCondLst>
+                      <p:childTnLst>
+                        <p:par>
+                          <p:cTn id="25" fill="hold">
+                            <p:stCondLst>
+                              <p:cond delay="0"/>
+                            </p:stCondLst>
+                            <p:childTnLst>
+                              <p:par>
+                                <p:cTn id="26" presetID="10" presetClass="entr" presetSubtype="0" fill="hold" nodeType="clickEffect">
+                                  <p:stCondLst>
+                                    <p:cond delay="0"/>
+                                  </p:stCondLst>
+                                  <p:childTnLst>
+                                    <p:set>
+                                      <p:cBhvr>
+                                        <p:cTn id="27" dur="1" fill="hold">
+                                          <p:stCondLst>
+                                            <p:cond delay="0"/>
+                                          </p:stCondLst>
+                                        </p:cTn>
+                                        <p:tgtEl>
+                                          <p:spTgt spid="4">
+                                            <p:txEl>
+                                              <p:pRg st="1" end="1"/>
+                                            </p:txEl>
+                                          </p:spTgt>
+                                        </p:tgtEl>
+                                        <p:attrNameLst>
+                                          <p:attrName>style.visibility</p:attrName>
+                                        </p:attrNameLst>
+                                      </p:cBhvr>
+                                      <p:to>
+                                        <p:strVal val="visible"/>
+                                      </p:to>
+                                    </p:set>
+                                    <p:animEffect transition="in" filter="fade">
+                                      <p:cBhvr>
+                                        <p:cTn id="28" dur="1000"/>
+                                        <p:tgtEl>
+                                          <p:spTgt spid="4">
+                                            <p:txEl>
+                                              <p:pRg st="1" end="1"/>
+                                            </p:txEl>
+                                          </p:spTgt>
+                                        </p:tgtEl>
+                                      </p:cBhvr>
+                                    </p:animEffect>
+                                  </p:childTnLst>
+                                </p:cTn>
+                              </p:par>
+                            </p:childTnLst>
+                          </p:cTn>
+                        </p:par>
+                      </p:childTnLst>
+                    </p:cTn>
+                  </p:par>
+                </p:childTnLst>
+              </p:cTn>
+              <p:prevCondLst>
+                <p:cond evt="onPrev" delay="0">
+                  <p:tgtEl>
+                    <p:sldTgt/>
+                  </p:tgtEl>
+                </p:cond>
+              </p:prevCondLst>
+              <p:nextCondLst>
+                <p:cond evt="onNext" delay="0">
+                  <p:tgtEl>
+                    <p:sldTgt/>
+                  </p:tgtEl>
+                </p:cond>
+              </p:nextCondLst>
+            </p:seq>
+          </p:childTnLst>
+        </p:cTn>
+      </p:par>
+    </p:tnLst>
+  </p:timing>
+</p:sld>
+</file>
+
+<file path=ppt/slides/slide9.xml><?xml version="1.0" encoding="utf-8"?>
+<p:sld xmlns:a="http://schemas.openxmlformats.org/drawingml/2006/main" xmlns:r="http://schemas.openxmlformats.org/officeDocument/2006/relationships" xmlns:p="http://schemas.openxmlformats.org/presentationml/2006/main">
+  <p:cSld>
+    <p:spTree>
+      <p:nvGrpSpPr>
+        <p:cNvPr id="1" name=""/>
+        <p:cNvGrpSpPr/>
+        <p:nvPr/>
+      </p:nvGrpSpPr>
+      <p:grpSpPr>
+        <a:xfrm>
+          <a:off x="0" y="0"/>
+          <a:ext cx="0" cy="0"/>
+          <a:chOff x="0" y="0"/>
+          <a:chExt cx="0" cy="0"/>
+        </a:xfrm>
+      </p:grpSpPr>
+      <p:sp>
+        <p:nvSpPr>
+          <p:cNvPr id="2" name="Title 1"/>
+          <p:cNvSpPr>
+            <a:spLocks noGrp="1"/>
+          </p:cNvSpPr>
+          <p:nvPr>
+            <p:ph type="title"/>
+          </p:nvPr>
+        </p:nvSpPr>
+        <p:spPr/>
+        <p:txBody>
+          <a:bodyPr/>
+          <a:lstStyle/>
+          <a:p>
+            <a:r>
+              <a:rPr lang="en-CA" dirty="0"/>
               <a:t>Some criteria for life [Farmer and Belin, 1991]</a:t>
             </a:r>
-            <a:endParaRPr lang="en-CA" dirty="0"/>
           </a:p>
         </p:txBody>
       </p:sp>
@@ -4074,53 +6362,51 @@
           <a:lstStyle/>
           <a:p>
             <a:r>
-              <a:rPr lang="en-CA" dirty="0" smtClean="0"/>
+              <a:rPr lang="en-CA" dirty="0"/>
               <a:t>Life is a pattern, not an object</a:t>
             </a:r>
           </a:p>
           <a:p>
             <a:r>
-              <a:rPr lang="en-CA" dirty="0" smtClean="0"/>
+              <a:rPr lang="en-CA" dirty="0"/>
               <a:t>Life involves self-reproduction</a:t>
             </a:r>
-            <a:endParaRPr lang="en-CA" dirty="0"/>
-          </a:p>
-          <a:p>
-            <a:r>
-              <a:rPr lang="en-CA" dirty="0" smtClean="0"/>
+          </a:p>
+          <a:p>
+            <a:r>
+              <a:rPr lang="en-CA" dirty="0"/>
               <a:t>Information storage of a self-representation</a:t>
             </a:r>
           </a:p>
           <a:p>
             <a:r>
-              <a:rPr lang="en-CA" dirty="0" smtClean="0"/>
+              <a:rPr lang="en-CA" dirty="0"/>
               <a:t>Metabolism</a:t>
             </a:r>
           </a:p>
           <a:p>
             <a:r>
-              <a:rPr lang="en-CA" dirty="0" smtClean="0"/>
+              <a:rPr lang="en-CA" dirty="0"/>
               <a:t>Interaction with the environment</a:t>
             </a:r>
           </a:p>
           <a:p>
             <a:r>
-              <a:rPr lang="en-CA" dirty="0" smtClean="0"/>
+              <a:rPr lang="en-CA" dirty="0"/>
               <a:t>Interdependence of parts</a:t>
             </a:r>
           </a:p>
           <a:p>
             <a:r>
-              <a:rPr lang="en-CA" dirty="0" smtClean="0"/>
+              <a:rPr lang="en-CA" dirty="0"/>
               <a:t>Stability under perturbation</a:t>
             </a:r>
           </a:p>
           <a:p>
             <a:r>
-              <a:rPr lang="en-CA" dirty="0" smtClean="0"/>
+              <a:rPr lang="en-CA" dirty="0"/>
               <a:t>The ability to evolve</a:t>
             </a:r>
-            <a:endParaRPr lang="en-CA" dirty="0"/>
           </a:p>
         </p:txBody>
       </p:sp>

--- a/CISC879/ChapterPresentation/LectureSlidesCh8.pptx
+++ b/CISC879/ChapterPresentation/LectureSlidesCh8.pptx
@@ -9,13 +9,17 @@
     <p:sldId id="262" r:id="rId3"/>
     <p:sldId id="263" r:id="rId4"/>
     <p:sldId id="257" r:id="rId5"/>
-    <p:sldId id="264" r:id="rId6"/>
-    <p:sldId id="259" r:id="rId7"/>
-    <p:sldId id="258" r:id="rId8"/>
-    <p:sldId id="265" r:id="rId9"/>
-    <p:sldId id="261" r:id="rId10"/>
+    <p:sldId id="258" r:id="rId6"/>
+    <p:sldId id="264" r:id="rId7"/>
+    <p:sldId id="259" r:id="rId8"/>
+    <p:sldId id="268" r:id="rId9"/>
+    <p:sldId id="265" r:id="rId10"/>
     <p:sldId id="260" r:id="rId11"/>
-    <p:sldId id="266" r:id="rId12"/>
+    <p:sldId id="261" r:id="rId12"/>
+    <p:sldId id="266" r:id="rId13"/>
+    <p:sldId id="270" r:id="rId14"/>
+    <p:sldId id="267" r:id="rId15"/>
+    <p:sldId id="269" r:id="rId16"/>
   </p:sldIdLst>
   <p:sldSz cx="12192000" cy="6858000"/>
   <p:notesSz cx="6858000" cy="9144000"/>
@@ -253,7 +257,7 @@
           <a:p>
             <a:fld id="{A16762DA-0EF7-46B5-B462-6D59499F3413}" type="datetimeFigureOut">
               <a:rPr lang="en-CA" smtClean="0"/>
-              <a:t>24/10/2016</a:t>
+              <a:t>28/10/2016</a:t>
             </a:fld>
             <a:endParaRPr lang="en-CA"/>
           </a:p>
@@ -423,7 +427,7 @@
           <a:p>
             <a:fld id="{A16762DA-0EF7-46B5-B462-6D59499F3413}" type="datetimeFigureOut">
               <a:rPr lang="en-CA" smtClean="0"/>
-              <a:t>24/10/2016</a:t>
+              <a:t>28/10/2016</a:t>
             </a:fld>
             <a:endParaRPr lang="en-CA"/>
           </a:p>
@@ -603,7 +607,7 @@
           <a:p>
             <a:fld id="{A16762DA-0EF7-46B5-B462-6D59499F3413}" type="datetimeFigureOut">
               <a:rPr lang="en-CA" smtClean="0"/>
-              <a:t>24/10/2016</a:t>
+              <a:t>28/10/2016</a:t>
             </a:fld>
             <a:endParaRPr lang="en-CA"/>
           </a:p>
@@ -773,7 +777,7 @@
           <a:p>
             <a:fld id="{A16762DA-0EF7-46B5-B462-6D59499F3413}" type="datetimeFigureOut">
               <a:rPr lang="en-CA" smtClean="0"/>
-              <a:t>24/10/2016</a:t>
+              <a:t>28/10/2016</a:t>
             </a:fld>
             <a:endParaRPr lang="en-CA"/>
           </a:p>
@@ -1019,7 +1023,7 @@
           <a:p>
             <a:fld id="{A16762DA-0EF7-46B5-B462-6D59499F3413}" type="datetimeFigureOut">
               <a:rPr lang="en-CA" smtClean="0"/>
-              <a:t>24/10/2016</a:t>
+              <a:t>28/10/2016</a:t>
             </a:fld>
             <a:endParaRPr lang="en-CA"/>
           </a:p>
@@ -1251,7 +1255,7 @@
           <a:p>
             <a:fld id="{A16762DA-0EF7-46B5-B462-6D59499F3413}" type="datetimeFigureOut">
               <a:rPr lang="en-CA" smtClean="0"/>
-              <a:t>24/10/2016</a:t>
+              <a:t>28/10/2016</a:t>
             </a:fld>
             <a:endParaRPr lang="en-CA"/>
           </a:p>
@@ -1618,7 +1622,7 @@
           <a:p>
             <a:fld id="{A16762DA-0EF7-46B5-B462-6D59499F3413}" type="datetimeFigureOut">
               <a:rPr lang="en-CA" smtClean="0"/>
-              <a:t>24/10/2016</a:t>
+              <a:t>28/10/2016</a:t>
             </a:fld>
             <a:endParaRPr lang="en-CA"/>
           </a:p>
@@ -1736,7 +1740,7 @@
           <a:p>
             <a:fld id="{A16762DA-0EF7-46B5-B462-6D59499F3413}" type="datetimeFigureOut">
               <a:rPr lang="en-CA" smtClean="0"/>
-              <a:t>24/10/2016</a:t>
+              <a:t>28/10/2016</a:t>
             </a:fld>
             <a:endParaRPr lang="en-CA"/>
           </a:p>
@@ -1831,7 +1835,7 @@
           <a:p>
             <a:fld id="{A16762DA-0EF7-46B5-B462-6D59499F3413}" type="datetimeFigureOut">
               <a:rPr lang="en-CA" smtClean="0"/>
-              <a:t>24/10/2016</a:t>
+              <a:t>28/10/2016</a:t>
             </a:fld>
             <a:endParaRPr lang="en-CA"/>
           </a:p>
@@ -2108,7 +2112,7 @@
           <a:p>
             <a:fld id="{A16762DA-0EF7-46B5-B462-6D59499F3413}" type="datetimeFigureOut">
               <a:rPr lang="en-CA" smtClean="0"/>
-              <a:t>24/10/2016</a:t>
+              <a:t>28/10/2016</a:t>
             </a:fld>
             <a:endParaRPr lang="en-CA"/>
           </a:p>
@@ -2361,7 +2365,7 @@
           <a:p>
             <a:fld id="{A16762DA-0EF7-46B5-B462-6D59499F3413}" type="datetimeFigureOut">
               <a:rPr lang="en-CA" smtClean="0"/>
-              <a:t>24/10/2016</a:t>
+              <a:t>28/10/2016</a:t>
             </a:fld>
             <a:endParaRPr lang="en-CA"/>
           </a:p>
@@ -2574,7 +2578,7 @@
           <a:p>
             <a:fld id="{A16762DA-0EF7-46B5-B462-6D59499F3413}" type="datetimeFigureOut">
               <a:rPr lang="en-CA" smtClean="0"/>
-              <a:t>24/10/2016</a:t>
+              <a:t>28/10/2016</a:t>
             </a:fld>
             <a:endParaRPr lang="en-CA"/>
           </a:p>
@@ -3129,25 +3133,118 @@
           </a:p>
           <a:p>
             <a:r>
-              <a:rPr lang="en-CA" dirty="0"/>
-              <a:t>To see past the details of life’s </a:t>
-            </a:r>
-            <a:r>
               <a:rPr lang="en-CA" dirty="0" smtClean="0"/>
-              <a:t>various implementations </a:t>
-            </a:r>
-            <a:r>
-              <a:rPr lang="en-CA" dirty="0"/>
-              <a:t>is to know </a:t>
-            </a:r>
-            <a:r>
+              <a:t>To know this, we must see </a:t>
+            </a:r>
+            <a:br>
               <a:rPr lang="en-CA" dirty="0" smtClean="0"/>
-              <a:t>this.</a:t>
+            </a:br>
+            <a:r>
+              <a:rPr lang="en-CA" dirty="0" smtClean="0"/>
+              <a:t>past the details of life’s </a:t>
+            </a:r>
+            <a:br>
+              <a:rPr lang="en-CA" dirty="0" smtClean="0"/>
+            </a:br>
+            <a:r>
+              <a:rPr lang="en-CA" dirty="0" smtClean="0"/>
+              <a:t>many implementations.</a:t>
             </a:r>
             <a:endParaRPr lang="en-CA" dirty="0"/>
           </a:p>
         </p:txBody>
       </p:sp>
+      <p:grpSp>
+        <p:nvGrpSpPr>
+          <p:cNvPr id="6" name="Group 5"/>
+          <p:cNvGrpSpPr/>
+          <p:nvPr/>
+        </p:nvGrpSpPr>
+        <p:grpSpPr>
+          <a:xfrm>
+            <a:off x="7545977" y="1262744"/>
+            <a:ext cx="2490651" cy="4066418"/>
+            <a:chOff x="7728857" y="905692"/>
+            <a:chExt cx="2490651" cy="4066418"/>
+          </a:xfrm>
+        </p:grpSpPr>
+        <p:pic>
+          <p:nvPicPr>
+            <p:cNvPr id="4" name="Picture 3"/>
+            <p:cNvPicPr>
+              <a:picLocks noChangeAspect="1"/>
+            </p:cNvPicPr>
+            <p:nvPr/>
+          </p:nvPicPr>
+          <p:blipFill rotWithShape="1">
+            <a:blip r:embed="rId2" cstate="print">
+              <a:extLst>
+                <a:ext uri="{BEBA8EAE-BF5A-486C-A8C5-ECC9F3942E4B}">
+                  <a14:imgProps xmlns:a14="http://schemas.microsoft.com/office/drawing/2010/main">
+                    <a14:imgLayer r:embed="rId3">
+                      <a14:imgEffect>
+                        <a14:backgroundRemoval t="9353" b="88921" l="27154" r="76462">
+                          <a14:backgroundMark x1="62077" y1="47554" x2="62077" y2="47554"/>
+                          <a14:backgroundMark x1="43385" y1="45108" x2="43385" y2="45108"/>
+                        </a14:backgroundRemoval>
+                      </a14:imgEffect>
+                    </a14:imgLayer>
+                  </a14:imgProps>
+                </a:ext>
+                <a:ext uri="{28A0092B-C50C-407E-A947-70E740481C1C}">
+                  <a14:useLocalDpi xmlns:a14="http://schemas.microsoft.com/office/drawing/2010/main" val="0"/>
+                </a:ext>
+              </a:extLst>
+            </a:blip>
+            <a:srcRect l="20989" t="6475" r="17253" b="6989"/>
+            <a:stretch/>
+          </p:blipFill>
+          <p:spPr>
+            <a:xfrm>
+              <a:off x="7750629" y="905692"/>
+              <a:ext cx="2447108" cy="3666308"/>
+            </a:xfrm>
+            <a:prstGeom prst="rect">
+              <a:avLst/>
+            </a:prstGeom>
+          </p:spPr>
+        </p:pic>
+        <p:sp>
+          <p:nvSpPr>
+            <p:cNvPr id="5" name="TextBox 4"/>
+            <p:cNvSpPr txBox="1"/>
+            <p:nvPr/>
+          </p:nvSpPr>
+          <p:spPr>
+            <a:xfrm>
+              <a:off x="7728857" y="4572000"/>
+              <a:ext cx="2490651" cy="400110"/>
+            </a:xfrm>
+            <a:prstGeom prst="rect">
+              <a:avLst/>
+            </a:prstGeom>
+            <a:noFill/>
+          </p:spPr>
+          <p:txBody>
+            <a:bodyPr wrap="square" rtlCol="0">
+              <a:spAutoFit/>
+            </a:bodyPr>
+            <a:lstStyle/>
+            <a:p>
+              <a:r>
+                <a:rPr lang="en-CA" sz="1000" dirty="0">
+                  <a:solidFill>
+                    <a:schemeClr val="bg1">
+                      <a:lumMod val="50000"/>
+                    </a:schemeClr>
+                  </a:solidFill>
+                </a:rPr>
+                <a:t>https://thumbs.dreamstime.com/z/thinking-robot-27761830.jpg</a:t>
+              </a:r>
+            </a:p>
+          </p:txBody>
+        </p:sp>
+      </p:grpSp>
     </p:spTree>
     <p:extLst>
       <p:ext uri="{BB962C8B-B14F-4D97-AF65-F5344CB8AC3E}">
@@ -3201,6 +3298,146 @@
           <a:lstStyle/>
           <a:p>
             <a:r>
+              <a:rPr lang="en-CA" dirty="0"/>
+              <a:t>Farmer and </a:t>
+            </a:r>
+            <a:r>
+              <a:rPr lang="en-CA" dirty="0" smtClean="0"/>
+              <a:t>Belin’s C</a:t>
+            </a:r>
+            <a:r>
+              <a:rPr lang="en-CA" dirty="0" smtClean="0"/>
+              <a:t>riteria </a:t>
+            </a:r>
+            <a:r>
+              <a:rPr lang="en-CA" dirty="0"/>
+              <a:t>for </a:t>
+            </a:r>
+            <a:r>
+              <a:rPr lang="en-CA" dirty="0" smtClean="0"/>
+              <a:t>life (1991)</a:t>
+            </a:r>
+            <a:endParaRPr lang="en-CA" dirty="0"/>
+          </a:p>
+        </p:txBody>
+      </p:sp>
+      <p:sp>
+        <p:nvSpPr>
+          <p:cNvPr id="3" name="Content Placeholder 2"/>
+          <p:cNvSpPr>
+            <a:spLocks noGrp="1"/>
+          </p:cNvSpPr>
+          <p:nvPr>
+            <p:ph idx="1"/>
+          </p:nvPr>
+        </p:nvSpPr>
+        <p:spPr/>
+        <p:txBody>
+          <a:bodyPr/>
+          <a:lstStyle/>
+          <a:p>
+            <a:r>
+              <a:rPr lang="en-CA" dirty="0"/>
+              <a:t>Life is a pattern, not an object</a:t>
+            </a:r>
+          </a:p>
+          <a:p>
+            <a:r>
+              <a:rPr lang="en-CA" dirty="0"/>
+              <a:t>Life involves self-reproduction</a:t>
+            </a:r>
+          </a:p>
+          <a:p>
+            <a:r>
+              <a:rPr lang="en-CA" dirty="0"/>
+              <a:t>Information storage of a self-representation</a:t>
+            </a:r>
+          </a:p>
+          <a:p>
+            <a:r>
+              <a:rPr lang="en-CA" dirty="0"/>
+              <a:t>Metabolism</a:t>
+            </a:r>
+          </a:p>
+          <a:p>
+            <a:r>
+              <a:rPr lang="en-CA" dirty="0"/>
+              <a:t>Interaction with the environment</a:t>
+            </a:r>
+          </a:p>
+          <a:p>
+            <a:r>
+              <a:rPr lang="en-CA" dirty="0"/>
+              <a:t>Interdependence of parts</a:t>
+            </a:r>
+          </a:p>
+          <a:p>
+            <a:r>
+              <a:rPr lang="en-CA" dirty="0"/>
+              <a:t>Stability under perturbation</a:t>
+            </a:r>
+          </a:p>
+          <a:p>
+            <a:r>
+              <a:rPr lang="en-CA" dirty="0"/>
+              <a:t>The ability to evolve</a:t>
+            </a:r>
+          </a:p>
+        </p:txBody>
+      </p:sp>
+    </p:spTree>
+    <p:extLst>
+      <p:ext uri="{BB962C8B-B14F-4D97-AF65-F5344CB8AC3E}">
+        <p14:creationId xmlns:p14="http://schemas.microsoft.com/office/powerpoint/2010/main" val="2266974575"/>
+      </p:ext>
+    </p:extLst>
+  </p:cSld>
+  <p:clrMapOvr>
+    <a:masterClrMapping/>
+  </p:clrMapOvr>
+  <p:timing>
+    <p:tnLst>
+      <p:par>
+        <p:cTn id="1" dur="indefinite" restart="never" nodeType="tmRoot"/>
+      </p:par>
+    </p:tnLst>
+  </p:timing>
+</p:sld>
+</file>
+
+<file path=ppt/slides/slide12.xml><?xml version="1.0" encoding="utf-8"?>
+<p:sld xmlns:a="http://schemas.openxmlformats.org/drawingml/2006/main" xmlns:r="http://schemas.openxmlformats.org/officeDocument/2006/relationships" xmlns:p="http://schemas.openxmlformats.org/presentationml/2006/main">
+  <p:cSld>
+    <p:spTree>
+      <p:nvGrpSpPr>
+        <p:cNvPr id="1" name=""/>
+        <p:cNvGrpSpPr/>
+        <p:nvPr/>
+      </p:nvGrpSpPr>
+      <p:grpSpPr>
+        <a:xfrm>
+          <a:off x="0" y="0"/>
+          <a:ext cx="0" cy="0"/>
+          <a:chOff x="0" y="0"/>
+          <a:chExt cx="0" cy="0"/>
+        </a:xfrm>
+      </p:grpSpPr>
+      <p:sp>
+        <p:nvSpPr>
+          <p:cNvPr id="2" name="Title 1"/>
+          <p:cNvSpPr>
+            <a:spLocks noGrp="1"/>
+          </p:cNvSpPr>
+          <p:nvPr>
+            <p:ph type="title"/>
+          </p:nvPr>
+        </p:nvSpPr>
+        <p:spPr/>
+        <p:txBody>
+          <a:bodyPr/>
+          <a:lstStyle/>
+          <a:p>
+            <a:r>
               <a:rPr lang="en-CA" dirty="0" smtClean="0"/>
               <a:t>Some case studies</a:t>
             </a:r>
@@ -3307,6 +3544,517 @@
     <p:extLst>
       <p:ext uri="{BB962C8B-B14F-4D97-AF65-F5344CB8AC3E}">
         <p14:creationId xmlns:p14="http://schemas.microsoft.com/office/powerpoint/2010/main" val="1781542368"/>
+      </p:ext>
+    </p:extLst>
+  </p:cSld>
+  <p:clrMapOvr>
+    <a:masterClrMapping/>
+  </p:clrMapOvr>
+  <p:timing>
+    <p:tnLst>
+      <p:par>
+        <p:cTn id="1" dur="indefinite" restart="never" nodeType="tmRoot"/>
+      </p:par>
+    </p:tnLst>
+  </p:timing>
+</p:sld>
+</file>
+
+<file path=ppt/slides/slide13.xml><?xml version="1.0" encoding="utf-8"?>
+<p:sld xmlns:a="http://schemas.openxmlformats.org/drawingml/2006/main" xmlns:r="http://schemas.openxmlformats.org/officeDocument/2006/relationships" xmlns:p="http://schemas.openxmlformats.org/presentationml/2006/main">
+  <p:cSld>
+    <p:spTree>
+      <p:nvGrpSpPr>
+        <p:cNvPr id="1" name=""/>
+        <p:cNvGrpSpPr/>
+        <p:nvPr/>
+      </p:nvGrpSpPr>
+      <p:grpSpPr>
+        <a:xfrm>
+          <a:off x="0" y="0"/>
+          <a:ext cx="0" cy="0"/>
+          <a:chOff x="0" y="0"/>
+          <a:chExt cx="0" cy="0"/>
+        </a:xfrm>
+      </p:grpSpPr>
+      <p:sp>
+        <p:nvSpPr>
+          <p:cNvPr id="2" name="Title 1"/>
+          <p:cNvSpPr>
+            <a:spLocks noGrp="1"/>
+          </p:cNvSpPr>
+          <p:nvPr>
+            <p:ph type="title"/>
+          </p:nvPr>
+        </p:nvSpPr>
+        <p:spPr/>
+        <p:txBody>
+          <a:bodyPr/>
+          <a:lstStyle/>
+          <a:p>
+            <a:r>
+              <a:rPr lang="en-CA" dirty="0"/>
+              <a:t>Reynolds’ </a:t>
+            </a:r>
+            <a:r>
+              <a:rPr lang="en-CA" dirty="0" err="1"/>
+              <a:t>Boids</a:t>
+            </a:r>
+            <a:endParaRPr lang="en-CA" dirty="0"/>
+          </a:p>
+        </p:txBody>
+      </p:sp>
+      <p:sp>
+        <p:nvSpPr>
+          <p:cNvPr id="3" name="Content Placeholder 2"/>
+          <p:cNvSpPr>
+            <a:spLocks noGrp="1"/>
+          </p:cNvSpPr>
+          <p:nvPr>
+            <p:ph idx="1"/>
+          </p:nvPr>
+        </p:nvSpPr>
+        <p:spPr/>
+        <p:txBody>
+          <a:bodyPr/>
+          <a:lstStyle/>
+          <a:p>
+            <a:r>
+              <a:rPr lang="en-CA" dirty="0" smtClean="0"/>
+              <a:t>Model of </a:t>
+            </a:r>
+            <a:r>
+              <a:rPr lang="en-CA" smtClean="0"/>
+              <a:t>flocking behaviour</a:t>
+            </a:r>
+            <a:endParaRPr lang="en-CA"/>
+          </a:p>
+        </p:txBody>
+      </p:sp>
+    </p:spTree>
+    <p:extLst>
+      <p:ext uri="{BB962C8B-B14F-4D97-AF65-F5344CB8AC3E}">
+        <p14:creationId xmlns:p14="http://schemas.microsoft.com/office/powerpoint/2010/main" val="2295656722"/>
+      </p:ext>
+    </p:extLst>
+  </p:cSld>
+  <p:clrMapOvr>
+    <a:masterClrMapping/>
+  </p:clrMapOvr>
+</p:sld>
+</file>
+
+<file path=ppt/slides/slide14.xml><?xml version="1.0" encoding="utf-8"?>
+<p:sld xmlns:a="http://schemas.openxmlformats.org/drawingml/2006/main" xmlns:r="http://schemas.openxmlformats.org/officeDocument/2006/relationships" xmlns:p="http://schemas.openxmlformats.org/presentationml/2006/main">
+  <p:cSld>
+    <p:spTree>
+      <p:nvGrpSpPr>
+        <p:cNvPr id="1" name=""/>
+        <p:cNvGrpSpPr/>
+        <p:nvPr/>
+      </p:nvGrpSpPr>
+      <p:grpSpPr>
+        <a:xfrm>
+          <a:off x="0" y="0"/>
+          <a:ext cx="0" cy="0"/>
+          <a:chOff x="0" y="0"/>
+          <a:chExt cx="0" cy="0"/>
+        </a:xfrm>
+      </p:grpSpPr>
+      <p:sp>
+        <p:nvSpPr>
+          <p:cNvPr id="2" name="Title 1"/>
+          <p:cNvSpPr>
+            <a:spLocks noGrp="1"/>
+          </p:cNvSpPr>
+          <p:nvPr>
+            <p:ph type="title"/>
+          </p:nvPr>
+        </p:nvSpPr>
+        <p:spPr/>
+        <p:txBody>
+          <a:bodyPr/>
+          <a:lstStyle/>
+          <a:p>
+            <a:r>
+              <a:rPr lang="en-CA" dirty="0" smtClean="0"/>
+              <a:t>Reynolds’ </a:t>
+            </a:r>
+            <a:r>
+              <a:rPr lang="en-CA" dirty="0" err="1" smtClean="0"/>
+              <a:t>Boids</a:t>
+            </a:r>
+            <a:endParaRPr lang="en-CA" dirty="0"/>
+          </a:p>
+        </p:txBody>
+      </p:sp>
+      <p:grpSp>
+        <p:nvGrpSpPr>
+          <p:cNvPr id="9" name="Group 8"/>
+          <p:cNvGrpSpPr/>
+          <p:nvPr/>
+        </p:nvGrpSpPr>
+        <p:grpSpPr>
+          <a:xfrm>
+            <a:off x="6450240" y="2771971"/>
+            <a:ext cx="2066925" cy="1756875"/>
+            <a:chOff x="6343648" y="918754"/>
+            <a:chExt cx="2066925" cy="1756875"/>
+          </a:xfrm>
+        </p:grpSpPr>
+        <p:pic>
+          <p:nvPicPr>
+            <p:cNvPr id="6" name="Picture 5"/>
+            <p:cNvPicPr>
+              <a:picLocks noChangeAspect="1"/>
+            </p:cNvPicPr>
+            <p:nvPr/>
+          </p:nvPicPr>
+          <p:blipFill>
+            <a:blip r:embed="rId2">
+              <a:extLst>
+                <a:ext uri="{28A0092B-C50C-407E-A947-70E740481C1C}">
+                  <a14:useLocalDpi xmlns:a14="http://schemas.microsoft.com/office/drawing/2010/main" val="0"/>
+                </a:ext>
+              </a:extLst>
+            </a:blip>
+            <a:stretch>
+              <a:fillRect/>
+            </a:stretch>
+          </p:blipFill>
+          <p:spPr>
+            <a:xfrm>
+              <a:off x="6343648" y="918754"/>
+              <a:ext cx="2066925" cy="1381125"/>
+            </a:xfrm>
+            <a:prstGeom prst="rect">
+              <a:avLst/>
+            </a:prstGeom>
+          </p:spPr>
+        </p:pic>
+        <p:sp>
+          <p:nvSpPr>
+            <p:cNvPr id="8" name="TextBox 7"/>
+            <p:cNvSpPr txBox="1"/>
+            <p:nvPr/>
+          </p:nvSpPr>
+          <p:spPr>
+            <a:xfrm>
+              <a:off x="6343648" y="2275519"/>
+              <a:ext cx="2066925" cy="400110"/>
+            </a:xfrm>
+            <a:prstGeom prst="rect">
+              <a:avLst/>
+            </a:prstGeom>
+            <a:noFill/>
+          </p:spPr>
+          <p:txBody>
+            <a:bodyPr wrap="square" rtlCol="0">
+              <a:spAutoFit/>
+            </a:bodyPr>
+            <a:lstStyle/>
+            <a:p>
+              <a:r>
+                <a:rPr lang="en-CA" sz="1000" dirty="0">
+                  <a:solidFill>
+                    <a:schemeClr val="bg1">
+                      <a:lumMod val="50000"/>
+                    </a:schemeClr>
+                  </a:solidFill>
+                </a:rPr>
+                <a:t>http://www.red3d.com/cwr/boids/images/alignment.gif</a:t>
+              </a:r>
+            </a:p>
+          </p:txBody>
+        </p:sp>
+      </p:grpSp>
+      <p:grpSp>
+        <p:nvGrpSpPr>
+          <p:cNvPr id="11" name="Group 10"/>
+          <p:cNvGrpSpPr/>
+          <p:nvPr/>
+        </p:nvGrpSpPr>
+        <p:grpSpPr>
+          <a:xfrm>
+            <a:off x="6450238" y="865921"/>
+            <a:ext cx="2066925" cy="1784472"/>
+            <a:chOff x="2872060" y="1487396"/>
+            <a:chExt cx="2066925" cy="1784472"/>
+          </a:xfrm>
+        </p:grpSpPr>
+        <p:pic>
+          <p:nvPicPr>
+            <p:cNvPr id="5" name="Picture 4"/>
+            <p:cNvPicPr>
+              <a:picLocks noChangeAspect="1"/>
+            </p:cNvPicPr>
+            <p:nvPr/>
+          </p:nvPicPr>
+          <p:blipFill>
+            <a:blip r:embed="rId3">
+              <a:extLst>
+                <a:ext uri="{28A0092B-C50C-407E-A947-70E740481C1C}">
+                  <a14:useLocalDpi xmlns:a14="http://schemas.microsoft.com/office/drawing/2010/main" val="0"/>
+                </a:ext>
+              </a:extLst>
+            </a:blip>
+            <a:stretch>
+              <a:fillRect/>
+            </a:stretch>
+          </p:blipFill>
+          <p:spPr>
+            <a:xfrm>
+              <a:off x="2872060" y="1487396"/>
+              <a:ext cx="2066925" cy="1381125"/>
+            </a:xfrm>
+            <a:prstGeom prst="rect">
+              <a:avLst/>
+            </a:prstGeom>
+          </p:spPr>
+        </p:pic>
+        <p:sp>
+          <p:nvSpPr>
+            <p:cNvPr id="10" name="TextBox 9"/>
+            <p:cNvSpPr txBox="1"/>
+            <p:nvPr/>
+          </p:nvSpPr>
+          <p:spPr>
+            <a:xfrm>
+              <a:off x="2883763" y="2871758"/>
+              <a:ext cx="2055222" cy="400110"/>
+            </a:xfrm>
+            <a:prstGeom prst="rect">
+              <a:avLst/>
+            </a:prstGeom>
+            <a:noFill/>
+          </p:spPr>
+          <p:txBody>
+            <a:bodyPr wrap="square" rtlCol="0">
+              <a:spAutoFit/>
+            </a:bodyPr>
+            <a:lstStyle/>
+            <a:p>
+              <a:r>
+                <a:rPr lang="en-CA" sz="1000" dirty="0">
+                  <a:solidFill>
+                    <a:schemeClr val="bg1">
+                      <a:lumMod val="50000"/>
+                    </a:schemeClr>
+                  </a:solidFill>
+                </a:rPr>
+                <a:t>http://www.red3d.com/cwr/boids/images/separation.gif</a:t>
+              </a:r>
+            </a:p>
+          </p:txBody>
+        </p:sp>
+      </p:grpSp>
+      <p:grpSp>
+        <p:nvGrpSpPr>
+          <p:cNvPr id="13" name="Group 12"/>
+          <p:cNvGrpSpPr/>
+          <p:nvPr/>
+        </p:nvGrpSpPr>
+        <p:grpSpPr>
+          <a:xfrm>
+            <a:off x="6438673" y="4839831"/>
+            <a:ext cx="2090057" cy="1781235"/>
+            <a:chOff x="3484516" y="3660571"/>
+            <a:chExt cx="2090057" cy="1781235"/>
+          </a:xfrm>
+        </p:grpSpPr>
+        <p:pic>
+          <p:nvPicPr>
+            <p:cNvPr id="7" name="Picture 6"/>
+            <p:cNvPicPr>
+              <a:picLocks noChangeAspect="1"/>
+            </p:cNvPicPr>
+            <p:nvPr/>
+          </p:nvPicPr>
+          <p:blipFill>
+            <a:blip r:embed="rId4">
+              <a:extLst>
+                <a:ext uri="{28A0092B-C50C-407E-A947-70E740481C1C}">
+                  <a14:useLocalDpi xmlns:a14="http://schemas.microsoft.com/office/drawing/2010/main" val="0"/>
+                </a:ext>
+              </a:extLst>
+            </a:blip>
+            <a:stretch>
+              <a:fillRect/>
+            </a:stretch>
+          </p:blipFill>
+          <p:spPr>
+            <a:xfrm>
+              <a:off x="3496083" y="3660571"/>
+              <a:ext cx="2066925" cy="1381125"/>
+            </a:xfrm>
+            <a:prstGeom prst="rect">
+              <a:avLst/>
+            </a:prstGeom>
+          </p:spPr>
+        </p:pic>
+        <p:sp>
+          <p:nvSpPr>
+            <p:cNvPr id="12" name="TextBox 11"/>
+            <p:cNvSpPr txBox="1"/>
+            <p:nvPr/>
+          </p:nvSpPr>
+          <p:spPr>
+            <a:xfrm>
+              <a:off x="3484516" y="5041696"/>
+              <a:ext cx="2090057" cy="400110"/>
+            </a:xfrm>
+            <a:prstGeom prst="rect">
+              <a:avLst/>
+            </a:prstGeom>
+            <a:noFill/>
+          </p:spPr>
+          <p:txBody>
+            <a:bodyPr wrap="square" rtlCol="0">
+              <a:spAutoFit/>
+            </a:bodyPr>
+            <a:lstStyle/>
+            <a:p>
+              <a:r>
+                <a:rPr lang="en-CA" sz="1000" dirty="0">
+                  <a:solidFill>
+                    <a:schemeClr val="bg1">
+                      <a:lumMod val="50000"/>
+                    </a:schemeClr>
+                  </a:solidFill>
+                </a:rPr>
+                <a:t>http://www.red3d.com/cwr/boids/images/cohesion.gif</a:t>
+              </a:r>
+            </a:p>
+          </p:txBody>
+        </p:sp>
+      </p:grpSp>
+      <p:sp>
+        <p:nvSpPr>
+          <p:cNvPr id="17" name="Content Placeholder 16"/>
+          <p:cNvSpPr>
+            <a:spLocks noGrp="1"/>
+          </p:cNvSpPr>
+          <p:nvPr>
+            <p:ph idx="1"/>
+          </p:nvPr>
+        </p:nvSpPr>
+        <p:spPr>
+          <a:xfrm>
+            <a:off x="838200" y="1825625"/>
+            <a:ext cx="3918527" cy="4351338"/>
+          </a:xfrm>
+        </p:spPr>
+        <p:txBody>
+          <a:bodyPr/>
+          <a:lstStyle/>
+          <a:p>
+            <a:endParaRPr lang="en-CA" dirty="0"/>
+          </a:p>
+        </p:txBody>
+      </p:sp>
+    </p:spTree>
+    <p:extLst>
+      <p:ext uri="{BB962C8B-B14F-4D97-AF65-F5344CB8AC3E}">
+        <p14:creationId xmlns:p14="http://schemas.microsoft.com/office/powerpoint/2010/main" val="2198591661"/>
+      </p:ext>
+    </p:extLst>
+  </p:cSld>
+  <p:clrMapOvr>
+    <a:masterClrMapping/>
+  </p:clrMapOvr>
+  <p:timing>
+    <p:tnLst>
+      <p:par>
+        <p:cTn id="1" dur="indefinite" restart="never" nodeType="tmRoot"/>
+      </p:par>
+    </p:tnLst>
+  </p:timing>
+</p:sld>
+</file>
+
+<file path=ppt/slides/slide15.xml><?xml version="1.0" encoding="utf-8"?>
+<p:sld xmlns:a="http://schemas.openxmlformats.org/drawingml/2006/main" xmlns:r="http://schemas.openxmlformats.org/officeDocument/2006/relationships" xmlns:p="http://schemas.openxmlformats.org/presentationml/2006/main">
+  <p:cSld>
+    <p:spTree>
+      <p:nvGrpSpPr>
+        <p:cNvPr id="1" name=""/>
+        <p:cNvGrpSpPr/>
+        <p:nvPr/>
+      </p:nvGrpSpPr>
+      <p:grpSpPr>
+        <a:xfrm>
+          <a:off x="0" y="0"/>
+          <a:ext cx="0" cy="0"/>
+          <a:chOff x="0" y="0"/>
+          <a:chExt cx="0" cy="0"/>
+        </a:xfrm>
+      </p:grpSpPr>
+      <p:sp>
+        <p:nvSpPr>
+          <p:cNvPr id="2" name="Title 1"/>
+          <p:cNvSpPr>
+            <a:spLocks noGrp="1"/>
+          </p:cNvSpPr>
+          <p:nvPr>
+            <p:ph type="title"/>
+          </p:nvPr>
+        </p:nvSpPr>
+        <p:spPr/>
+        <p:txBody>
+          <a:bodyPr/>
+          <a:lstStyle/>
+          <a:p>
+            <a:r>
+              <a:rPr lang="en-CA" dirty="0"/>
+              <a:t>Reynolds’ </a:t>
+            </a:r>
+            <a:r>
+              <a:rPr lang="en-CA" dirty="0" err="1"/>
+              <a:t>Boids</a:t>
+            </a:r>
+            <a:endParaRPr lang="en-CA" dirty="0"/>
+          </a:p>
+        </p:txBody>
+      </p:sp>
+      <p:sp>
+        <p:nvSpPr>
+          <p:cNvPr id="11" name="Content Placeholder 10"/>
+          <p:cNvSpPr>
+            <a:spLocks noGrp="1"/>
+          </p:cNvSpPr>
+          <p:nvPr>
+            <p:ph idx="1"/>
+          </p:nvPr>
+        </p:nvSpPr>
+        <p:spPr/>
+        <p:txBody>
+          <a:bodyPr/>
+          <a:lstStyle/>
+          <a:p>
+            <a:r>
+              <a:rPr lang="en-CA" dirty="0">
+                <a:hlinkClick r:id="rId2"/>
+              </a:rPr>
+              <a:t>https://</a:t>
+            </a:r>
+            <a:r>
+              <a:rPr lang="en-CA" dirty="0" smtClean="0">
+                <a:hlinkClick r:id="rId2"/>
+              </a:rPr>
+              <a:t>youtu.be/GUkjC-69vaw</a:t>
+            </a:r>
+            <a:r>
+              <a:rPr lang="en-CA" dirty="0" smtClean="0"/>
+              <a:t> </a:t>
+            </a:r>
+            <a:endParaRPr lang="en-CA" dirty="0"/>
+          </a:p>
+        </p:txBody>
+      </p:sp>
+    </p:spTree>
+    <p:extLst>
+      <p:ext uri="{BB962C8B-B14F-4D97-AF65-F5344CB8AC3E}">
+        <p14:creationId xmlns:p14="http://schemas.microsoft.com/office/powerpoint/2010/main" val="1224780065"/>
       </p:ext>
     </p:extLst>
   </p:cSld>
@@ -4829,10 +5577,10 @@
         </p:nvGrpSpPr>
         <p:grpSpPr>
           <a:xfrm>
-            <a:off x="397919" y="3029915"/>
-            <a:ext cx="5221332" cy="2646521"/>
-            <a:chOff x="4218758" y="1702514"/>
-            <a:chExt cx="5221332" cy="2646521"/>
+            <a:off x="1046164" y="3038662"/>
+            <a:ext cx="2667000" cy="3005117"/>
+            <a:chOff x="4867003" y="1711261"/>
+            <a:chExt cx="2667000" cy="3005117"/>
           </a:xfrm>
         </p:grpSpPr>
         <p:pic>
@@ -4857,7 +5605,7 @@
           </p:blipFill>
           <p:spPr>
             <a:xfrm>
-              <a:off x="5563688" y="1702514"/>
+              <a:off x="4867003" y="1711261"/>
               <a:ext cx="2667000" cy="2400300"/>
             </a:xfrm>
             <a:prstGeom prst="rect">
@@ -4873,8 +5621,8 @@
           </p:nvSpPr>
           <p:spPr>
             <a:xfrm>
-              <a:off x="4218758" y="4102814"/>
-              <a:ext cx="5221332" cy="246221"/>
+              <a:off x="5236868" y="4162380"/>
+              <a:ext cx="1927270" cy="553998"/>
             </a:xfrm>
             <a:prstGeom prst="rect">
               <a:avLst/>
@@ -5459,10 +6207,9 @@
           <a:lstStyle/>
           <a:p>
             <a:r>
-              <a:rPr lang="en-CA" dirty="0" smtClean="0"/>
-              <a:t>Life-as-it-is</a:t>
-            </a:r>
-            <a:endParaRPr lang="en-CA" dirty="0"/>
+              <a:rPr lang="en-CA" dirty="0"/>
+              <a:t>A few ideas behind AL</a:t>
+            </a:r>
           </a:p>
         </p:txBody>
       </p:sp>
@@ -5481,14 +6228,29 @@
           <a:bodyPr/>
           <a:lstStyle/>
           <a:p>
-            <a:endParaRPr lang="en-CA" dirty="0"/>
+            <a:r>
+              <a:rPr lang="en-CA" dirty="0"/>
+              <a:t>Life is a process</a:t>
+            </a:r>
+          </a:p>
+          <a:p>
+            <a:r>
+              <a:rPr lang="en-CA" dirty="0"/>
+              <a:t>Life can be explored constructively</a:t>
+            </a:r>
+          </a:p>
+          <a:p>
+            <a:r>
+              <a:rPr lang="en-CA" dirty="0"/>
+              <a:t>‘Life’ is independent of substrate</a:t>
+            </a:r>
           </a:p>
         </p:txBody>
       </p:sp>
     </p:spTree>
     <p:extLst>
       <p:ext uri="{BB962C8B-B14F-4D97-AF65-F5344CB8AC3E}">
-        <p14:creationId xmlns:p14="http://schemas.microsoft.com/office/powerpoint/2010/main" val="2279785290"/>
+        <p14:creationId xmlns:p14="http://schemas.microsoft.com/office/powerpoint/2010/main" val="198058602"/>
       </p:ext>
     </p:extLst>
   </p:cSld>
@@ -5538,9 +6300,10 @@
           <a:lstStyle/>
           <a:p>
             <a:r>
-              <a:rPr lang="en-CA" dirty="0"/>
-              <a:t>Life-as-it-could-be</a:t>
-            </a:r>
+              <a:rPr lang="en-CA" dirty="0" smtClean="0"/>
+              <a:t>Life-as-it-is</a:t>
+            </a:r>
+            <a:endParaRPr lang="en-CA" dirty="0"/>
           </a:p>
         </p:txBody>
       </p:sp>
@@ -5560,12 +6323,14 @@
           <a:lstStyle/>
           <a:p>
             <a:r>
-              <a:rPr lang="en-CA" dirty="0"/>
-              <a:t>The constructive nature of AL allows us to investigate novel forms of </a:t>
-            </a:r>
-            <a:r>
               <a:rPr lang="en-CA" dirty="0" smtClean="0"/>
-              <a:t>life.</a:t>
+              <a:t>AL contributes models to biological sciences</a:t>
+            </a:r>
+          </a:p>
+          <a:p>
+            <a:r>
+              <a:rPr lang="en-CA" dirty="0" smtClean="0"/>
+              <a:t>AL refines its models with contributions of biological sciences</a:t>
             </a:r>
             <a:endParaRPr lang="en-CA" dirty="0"/>
           </a:p>
@@ -5574,7 +6339,7 @@
     </p:spTree>
     <p:extLst>
       <p:ext uri="{BB962C8B-B14F-4D97-AF65-F5344CB8AC3E}">
-        <p14:creationId xmlns:p14="http://schemas.microsoft.com/office/powerpoint/2010/main" val="2241344431"/>
+        <p14:creationId xmlns:p14="http://schemas.microsoft.com/office/powerpoint/2010/main" val="2279785290"/>
       </p:ext>
     </p:extLst>
   </p:cSld>
@@ -5625,7 +6390,7 @@
           <a:p>
             <a:r>
               <a:rPr lang="en-CA" dirty="0"/>
-              <a:t>A few ideas behind AL</a:t>
+              <a:t>Life-as-it-could-be</a:t>
             </a:r>
           </a:p>
         </p:txBody>
@@ -5646,28 +6411,23 @@
           <a:lstStyle/>
           <a:p>
             <a:r>
-              <a:rPr lang="en-CA" dirty="0"/>
-              <a:t>Life is a process</a:t>
-            </a:r>
-          </a:p>
-          <a:p>
-            <a:r>
-              <a:rPr lang="en-CA" dirty="0"/>
-              <a:t>Life can be explored constructively</a:t>
-            </a:r>
-          </a:p>
-          <a:p>
-            <a:r>
-              <a:rPr lang="en-CA" dirty="0"/>
-              <a:t>‘Life’ is independent of substrate</a:t>
-            </a:r>
+              <a:rPr lang="en-CA" dirty="0" smtClean="0"/>
+              <a:t>Constructive approach allows exploration of novel forms of life</a:t>
+            </a:r>
+          </a:p>
+          <a:p>
+            <a:r>
+              <a:rPr lang="en-CA" dirty="0" smtClean="0"/>
+              <a:t>Low-level rules and agent interaction produce life-like complexity</a:t>
+            </a:r>
+            <a:endParaRPr lang="en-CA" dirty="0"/>
           </a:p>
         </p:txBody>
       </p:sp>
     </p:spTree>
     <p:extLst>
       <p:ext uri="{BB962C8B-B14F-4D97-AF65-F5344CB8AC3E}">
-        <p14:creationId xmlns:p14="http://schemas.microsoft.com/office/powerpoint/2010/main" val="198058602"/>
+        <p14:creationId xmlns:p14="http://schemas.microsoft.com/office/powerpoint/2010/main" val="2241344431"/>
       </p:ext>
     </p:extLst>
   </p:cSld>
@@ -5718,6 +6478,106 @@
           <a:p>
             <a:r>
               <a:rPr lang="en-CA" dirty="0" smtClean="0"/>
+              <a:t>Langton’s Features of AL Models (1988)</a:t>
+            </a:r>
+            <a:endParaRPr lang="en-CA" dirty="0"/>
+          </a:p>
+        </p:txBody>
+      </p:sp>
+      <p:sp>
+        <p:nvSpPr>
+          <p:cNvPr id="3" name="Content Placeholder 2"/>
+          <p:cNvSpPr>
+            <a:spLocks noGrp="1"/>
+          </p:cNvSpPr>
+          <p:nvPr>
+            <p:ph idx="1"/>
+          </p:nvPr>
+        </p:nvSpPr>
+        <p:spPr/>
+        <p:txBody>
+          <a:bodyPr/>
+          <a:lstStyle/>
+          <a:p>
+            <a:r>
+              <a:rPr lang="en-CA" dirty="0" smtClean="0"/>
+              <a:t>Ensembles, or ecosystems, of agents, or organisms, interacting</a:t>
+            </a:r>
+          </a:p>
+          <a:p>
+            <a:r>
+              <a:rPr lang="en-CA" dirty="0" smtClean="0"/>
+              <a:t>No privileged agents – No central control</a:t>
+            </a:r>
+          </a:p>
+          <a:p>
+            <a:r>
+              <a:rPr lang="en-CA" dirty="0" smtClean="0"/>
+              <a:t>Agents choose how to interact with agents and the environment</a:t>
+            </a:r>
+          </a:p>
+          <a:p>
+            <a:r>
+              <a:rPr lang="en-CA" dirty="0" smtClean="0"/>
+              <a:t>No global rules – Only individual rules</a:t>
+            </a:r>
+          </a:p>
+          <a:p>
+            <a:r>
+              <a:rPr lang="en-CA" dirty="0" smtClean="0"/>
+              <a:t>Emergent phenomena are patterns that transcend individuals</a:t>
+            </a:r>
+            <a:endParaRPr lang="en-CA" dirty="0"/>
+          </a:p>
+        </p:txBody>
+      </p:sp>
+    </p:spTree>
+    <p:extLst>
+      <p:ext uri="{BB962C8B-B14F-4D97-AF65-F5344CB8AC3E}">
+        <p14:creationId xmlns:p14="http://schemas.microsoft.com/office/powerpoint/2010/main" val="3015421867"/>
+      </p:ext>
+    </p:extLst>
+  </p:cSld>
+  <p:clrMapOvr>
+    <a:masterClrMapping/>
+  </p:clrMapOvr>
+</p:sld>
+</file>
+
+<file path=ppt/slides/slide9.xml><?xml version="1.0" encoding="utf-8"?>
+<p:sld xmlns:a="http://schemas.openxmlformats.org/drawingml/2006/main" xmlns:r="http://schemas.openxmlformats.org/officeDocument/2006/relationships" xmlns:p="http://schemas.openxmlformats.org/presentationml/2006/main">
+  <p:cSld>
+    <p:spTree>
+      <p:nvGrpSpPr>
+        <p:cNvPr id="1" name=""/>
+        <p:cNvGrpSpPr/>
+        <p:nvPr/>
+      </p:nvGrpSpPr>
+      <p:grpSpPr>
+        <a:xfrm>
+          <a:off x="0" y="0"/>
+          <a:ext cx="0" cy="0"/>
+          <a:chOff x="0" y="0"/>
+          <a:chExt cx="0" cy="0"/>
+        </a:xfrm>
+      </p:grpSpPr>
+      <p:sp>
+        <p:nvSpPr>
+          <p:cNvPr id="2" name="Title 1"/>
+          <p:cNvSpPr>
+            <a:spLocks noGrp="1"/>
+          </p:cNvSpPr>
+          <p:nvPr>
+            <p:ph type="title"/>
+          </p:nvPr>
+        </p:nvSpPr>
+        <p:spPr/>
+        <p:txBody>
+          <a:bodyPr/>
+          <a:lstStyle/>
+          <a:p>
+            <a:r>
+              <a:rPr lang="en-CA" dirty="0" smtClean="0"/>
               <a:t>Two categories of AL</a:t>
             </a:r>
             <a:endParaRPr lang="en-CA" dirty="0"/>
@@ -5800,10 +6660,10 @@
         </p:nvGrpSpPr>
         <p:grpSpPr>
           <a:xfrm>
-            <a:off x="2389414" y="3181239"/>
-            <a:ext cx="2677885" cy="3039653"/>
-            <a:chOff x="963386" y="3048000"/>
-            <a:chExt cx="2677885" cy="3039653"/>
+            <a:off x="2389414" y="3181240"/>
+            <a:ext cx="2677885" cy="3039652"/>
+            <a:chOff x="963386" y="3048001"/>
+            <a:chExt cx="2677885" cy="3039652"/>
           </a:xfrm>
         </p:grpSpPr>
         <p:pic>
@@ -5822,13 +6682,13 @@
                 </a:ext>
               </a:extLst>
             </a:blip>
-            <a:srcRect l="26304" t="18062" r="26095" b="14931"/>
+            <a:srcRect l="26304" t="18062" r="26095" b="16134"/>
             <a:stretch/>
           </p:blipFill>
           <p:spPr>
             <a:xfrm>
-              <a:off x="1066800" y="3048000"/>
-              <a:ext cx="2471058" cy="2329543"/>
+              <a:off x="1066800" y="3048001"/>
+              <a:ext cx="2471058" cy="2287744"/>
             </a:xfrm>
             <a:prstGeom prst="rect">
               <a:avLst/>
@@ -6307,129 +7167,6 @@
 </p:sld>
 </file>
 
-<file path=ppt/slides/slide9.xml><?xml version="1.0" encoding="utf-8"?>
-<p:sld xmlns:a="http://schemas.openxmlformats.org/drawingml/2006/main" xmlns:r="http://schemas.openxmlformats.org/officeDocument/2006/relationships" xmlns:p="http://schemas.openxmlformats.org/presentationml/2006/main">
-  <p:cSld>
-    <p:spTree>
-      <p:nvGrpSpPr>
-        <p:cNvPr id="1" name=""/>
-        <p:cNvGrpSpPr/>
-        <p:nvPr/>
-      </p:nvGrpSpPr>
-      <p:grpSpPr>
-        <a:xfrm>
-          <a:off x="0" y="0"/>
-          <a:ext cx="0" cy="0"/>
-          <a:chOff x="0" y="0"/>
-          <a:chExt cx="0" cy="0"/>
-        </a:xfrm>
-      </p:grpSpPr>
-      <p:sp>
-        <p:nvSpPr>
-          <p:cNvPr id="2" name="Title 1"/>
-          <p:cNvSpPr>
-            <a:spLocks noGrp="1"/>
-          </p:cNvSpPr>
-          <p:nvPr>
-            <p:ph type="title"/>
-          </p:nvPr>
-        </p:nvSpPr>
-        <p:spPr/>
-        <p:txBody>
-          <a:bodyPr/>
-          <a:lstStyle/>
-          <a:p>
-            <a:r>
-              <a:rPr lang="en-CA" dirty="0"/>
-              <a:t>Some criteria for life [Farmer and Belin, 1991]</a:t>
-            </a:r>
-          </a:p>
-        </p:txBody>
-      </p:sp>
-      <p:sp>
-        <p:nvSpPr>
-          <p:cNvPr id="3" name="Content Placeholder 2"/>
-          <p:cNvSpPr>
-            <a:spLocks noGrp="1"/>
-          </p:cNvSpPr>
-          <p:nvPr>
-            <p:ph idx="1"/>
-          </p:nvPr>
-        </p:nvSpPr>
-        <p:spPr/>
-        <p:txBody>
-          <a:bodyPr/>
-          <a:lstStyle/>
-          <a:p>
-            <a:r>
-              <a:rPr lang="en-CA" dirty="0"/>
-              <a:t>Life is a pattern, not an object</a:t>
-            </a:r>
-          </a:p>
-          <a:p>
-            <a:r>
-              <a:rPr lang="en-CA" dirty="0"/>
-              <a:t>Life involves self-reproduction</a:t>
-            </a:r>
-          </a:p>
-          <a:p>
-            <a:r>
-              <a:rPr lang="en-CA" dirty="0"/>
-              <a:t>Information storage of a self-representation</a:t>
-            </a:r>
-          </a:p>
-          <a:p>
-            <a:r>
-              <a:rPr lang="en-CA" dirty="0"/>
-              <a:t>Metabolism</a:t>
-            </a:r>
-          </a:p>
-          <a:p>
-            <a:r>
-              <a:rPr lang="en-CA" dirty="0"/>
-              <a:t>Interaction with the environment</a:t>
-            </a:r>
-          </a:p>
-          <a:p>
-            <a:r>
-              <a:rPr lang="en-CA" dirty="0"/>
-              <a:t>Interdependence of parts</a:t>
-            </a:r>
-          </a:p>
-          <a:p>
-            <a:r>
-              <a:rPr lang="en-CA" dirty="0"/>
-              <a:t>Stability under perturbation</a:t>
-            </a:r>
-          </a:p>
-          <a:p>
-            <a:r>
-              <a:rPr lang="en-CA" dirty="0"/>
-              <a:t>The ability to evolve</a:t>
-            </a:r>
-          </a:p>
-        </p:txBody>
-      </p:sp>
-    </p:spTree>
-    <p:extLst>
-      <p:ext uri="{BB962C8B-B14F-4D97-AF65-F5344CB8AC3E}">
-        <p14:creationId xmlns:p14="http://schemas.microsoft.com/office/powerpoint/2010/main" val="2266974575"/>
-      </p:ext>
-    </p:extLst>
-  </p:cSld>
-  <p:clrMapOvr>
-    <a:masterClrMapping/>
-  </p:clrMapOvr>
-  <p:timing>
-    <p:tnLst>
-      <p:par>
-        <p:cTn id="1" dur="indefinite" restart="never" nodeType="tmRoot"/>
-      </p:par>
-    </p:tnLst>
-  </p:timing>
-</p:sld>
-</file>
-
 <file path=ppt/theme/theme1.xml><?xml version="1.0" encoding="utf-8"?>
 <a:theme xmlns:a="http://schemas.openxmlformats.org/drawingml/2006/main" name="Office Theme">
   <a:themeElements>

--- a/CISC879/ChapterPresentation/LectureSlidesCh8.pptx
+++ b/CISC879/ChapterPresentation/LectureSlidesCh8.pptx
@@ -28,12 +28,19 @@
     <p:sldId id="282" r:id="rId22"/>
     <p:sldId id="283" r:id="rId23"/>
     <p:sldId id="284" r:id="rId24"/>
-    <p:sldId id="271" r:id="rId25"/>
-    <p:sldId id="272" r:id="rId26"/>
-    <p:sldId id="273" r:id="rId27"/>
-    <p:sldId id="274" r:id="rId28"/>
-    <p:sldId id="275" r:id="rId29"/>
-    <p:sldId id="276" r:id="rId30"/>
+    <p:sldId id="285" r:id="rId25"/>
+    <p:sldId id="287" r:id="rId26"/>
+    <p:sldId id="286" r:id="rId27"/>
+    <p:sldId id="288" r:id="rId28"/>
+    <p:sldId id="289" r:id="rId29"/>
+    <p:sldId id="290" r:id="rId30"/>
+    <p:sldId id="291" r:id="rId31"/>
+    <p:sldId id="271" r:id="rId32"/>
+    <p:sldId id="272" r:id="rId33"/>
+    <p:sldId id="273" r:id="rId34"/>
+    <p:sldId id="274" r:id="rId35"/>
+    <p:sldId id="275" r:id="rId36"/>
+    <p:sldId id="276" r:id="rId37"/>
   </p:sldIdLst>
   <p:sldSz cx="12192000" cy="6858000"/>
   <p:notesSz cx="6858000" cy="9144000"/>
@@ -164,6 +171,13 @@
             <p14:sldId id="282"/>
             <p14:sldId id="283"/>
             <p14:sldId id="284"/>
+            <p14:sldId id="285"/>
+            <p14:sldId id="287"/>
+            <p14:sldId id="286"/>
+            <p14:sldId id="288"/>
+            <p14:sldId id="289"/>
+            <p14:sldId id="290"/>
+            <p14:sldId id="291"/>
           </p14:sldIdLst>
         </p14:section>
         <p14:section name="Part 2" id="{92A96F05-1DF4-421D-B9A5-A99FEF4B65C4}">
@@ -183,6 +197,3110 @@
     </p:ext>
   </p:extLst>
 </p:presentation>
+</file>
+
+<file path=ppt/charts/chart1.xml><?xml version="1.0" encoding="utf-8"?>
+<c:chartSpace xmlns:c="http://schemas.openxmlformats.org/drawingml/2006/chart" xmlns:a="http://schemas.openxmlformats.org/drawingml/2006/main" xmlns:r="http://schemas.openxmlformats.org/officeDocument/2006/relationships">
+  <c:date1904 val="0"/>
+  <c:lang val="en-US"/>
+  <c:roundedCorners val="0"/>
+  <mc:AlternateContent xmlns:mc="http://schemas.openxmlformats.org/markup-compatibility/2006">
+    <mc:Choice xmlns:c14="http://schemas.microsoft.com/office/drawing/2007/8/2/chart" Requires="c14">
+      <c14:style val="102"/>
+    </mc:Choice>
+    <mc:Fallback>
+      <c:style val="2"/>
+    </mc:Fallback>
+  </mc:AlternateContent>
+  <c:chart>
+    <c:autoTitleDeleted val="1"/>
+    <c:plotArea>
+      <c:layout/>
+      <c:radarChart>
+        <c:radarStyle val="filled"/>
+        <c:varyColors val="0"/>
+        <c:ser>
+          <c:idx val="0"/>
+          <c:order val="0"/>
+          <c:tx>
+            <c:strRef>
+              <c:f>Sheet1!$C$1</c:f>
+              <c:strCache>
+                <c:ptCount val="1"/>
+                <c:pt idx="0">
+                  <c:v>Anxiety</c:v>
+                </c:pt>
+              </c:strCache>
+            </c:strRef>
+          </c:tx>
+          <c:spPr>
+            <a:gradFill rotWithShape="1">
+              <a:gsLst>
+                <a:gs pos="0">
+                  <a:schemeClr val="accent6">
+                    <a:shade val="51000"/>
+                    <a:satMod val="130000"/>
+                  </a:schemeClr>
+                </a:gs>
+                <a:gs pos="80000">
+                  <a:schemeClr val="accent6">
+                    <a:shade val="93000"/>
+                    <a:satMod val="130000"/>
+                  </a:schemeClr>
+                </a:gs>
+                <a:gs pos="100000">
+                  <a:schemeClr val="accent6">
+                    <a:shade val="94000"/>
+                    <a:satMod val="135000"/>
+                  </a:schemeClr>
+                </a:gs>
+              </a:gsLst>
+              <a:lin ang="16200000" scaled="0"/>
+            </a:gradFill>
+            <a:ln>
+              <a:noFill/>
+            </a:ln>
+            <a:effectLst>
+              <a:outerShdw blurRad="40000" dist="23000" dir="5400000" rotWithShape="0">
+                <a:srgbClr val="000000">
+                  <a:alpha val="35000"/>
+                </a:srgbClr>
+              </a:outerShdw>
+            </a:effectLst>
+            <a:scene3d>
+              <a:camera prst="orthographicFront">
+                <a:rot lat="0" lon="0" rev="0"/>
+              </a:camera>
+              <a:lightRig rig="threePt" dir="t">
+                <a:rot lat="0" lon="0" rev="1200000"/>
+              </a:lightRig>
+            </a:scene3d>
+            <a:sp3d>
+              <a:bevelT w="63500" h="25400"/>
+            </a:sp3d>
+          </c:spPr>
+          <c:cat>
+            <c:strRef>
+              <c:f>Sheet1!$A$3:$A$6</c:f>
+              <c:strCache>
+                <c:ptCount val="4"/>
+                <c:pt idx="0">
+                  <c:v>Activation</c:v>
+                </c:pt>
+                <c:pt idx="1">
+                  <c:v>Externality</c:v>
+                </c:pt>
+                <c:pt idx="2">
+                  <c:v>Precision</c:v>
+                </c:pt>
+                <c:pt idx="3">
+                  <c:v>Focus</c:v>
+                </c:pt>
+              </c:strCache>
+            </c:strRef>
+          </c:cat>
+          <c:val>
+            <c:numRef>
+              <c:f>Sheet1!$C$3:$C$6</c:f>
+              <c:numCache>
+                <c:formatCode>General</c:formatCode>
+                <c:ptCount val="4"/>
+                <c:pt idx="0">
+                  <c:v>7</c:v>
+                </c:pt>
+                <c:pt idx="1">
+                  <c:v>2</c:v>
+                </c:pt>
+                <c:pt idx="2">
+                  <c:v>6</c:v>
+                </c:pt>
+                <c:pt idx="3">
+                  <c:v>5</c:v>
+                </c:pt>
+              </c:numCache>
+            </c:numRef>
+          </c:val>
+        </c:ser>
+        <c:dLbls>
+          <c:showLegendKey val="0"/>
+          <c:showVal val="0"/>
+          <c:showCatName val="0"/>
+          <c:showSerName val="0"/>
+          <c:showPercent val="0"/>
+          <c:showBubbleSize val="0"/>
+        </c:dLbls>
+        <c:axId val="298729184"/>
+        <c:axId val="298717816"/>
+      </c:radarChart>
+      <c:catAx>
+        <c:axId val="298729184"/>
+        <c:scaling>
+          <c:orientation val="minMax"/>
+        </c:scaling>
+        <c:delete val="0"/>
+        <c:axPos val="b"/>
+        <c:numFmt formatCode="General" sourceLinked="1"/>
+        <c:majorTickMark val="none"/>
+        <c:minorTickMark val="none"/>
+        <c:tickLblPos val="nextTo"/>
+        <c:spPr>
+          <a:noFill/>
+          <a:ln w="12700" cap="flat" cmpd="sng" algn="ctr">
+            <a:solidFill>
+              <a:schemeClr val="tx1">
+                <a:lumMod val="15000"/>
+                <a:lumOff val="85000"/>
+              </a:schemeClr>
+            </a:solidFill>
+            <a:round/>
+          </a:ln>
+          <a:effectLst/>
+        </c:spPr>
+        <c:txPr>
+          <a:bodyPr rot="-60000000" spcFirstLastPara="1" vertOverflow="ellipsis" vert="horz" wrap="square" anchor="ctr" anchorCtr="1"/>
+          <a:lstStyle/>
+          <a:p>
+            <a:pPr>
+              <a:defRPr sz="1600" b="0" i="0" u="none" strike="noStrike" kern="1200" baseline="0">
+                <a:solidFill>
+                  <a:sysClr val="windowText" lastClr="000000"/>
+                </a:solidFill>
+                <a:latin typeface="+mn-lt"/>
+                <a:ea typeface="+mn-ea"/>
+                <a:cs typeface="+mn-cs"/>
+              </a:defRPr>
+            </a:pPr>
+            <a:endParaRPr lang="en-US"/>
+          </a:p>
+        </c:txPr>
+        <c:crossAx val="298717816"/>
+        <c:crosses val="autoZero"/>
+        <c:auto val="1"/>
+        <c:lblAlgn val="ctr"/>
+        <c:lblOffset val="100"/>
+        <c:noMultiLvlLbl val="0"/>
+      </c:catAx>
+      <c:valAx>
+        <c:axId val="298717816"/>
+        <c:scaling>
+          <c:orientation val="minMax"/>
+          <c:max val="10"/>
+        </c:scaling>
+        <c:delete val="1"/>
+        <c:axPos val="l"/>
+        <c:majorGridlines>
+          <c:spPr>
+            <a:ln w="9525" cap="flat" cmpd="sng" algn="ctr">
+              <a:solidFill>
+                <a:schemeClr val="tx1"/>
+              </a:solidFill>
+              <a:round/>
+            </a:ln>
+            <a:effectLst/>
+          </c:spPr>
+        </c:majorGridlines>
+        <c:numFmt formatCode="General" sourceLinked="1"/>
+        <c:majorTickMark val="none"/>
+        <c:minorTickMark val="none"/>
+        <c:tickLblPos val="nextTo"/>
+        <c:crossAx val="298729184"/>
+        <c:crosses val="autoZero"/>
+        <c:crossBetween val="between"/>
+        <c:majorUnit val="2"/>
+      </c:valAx>
+      <c:spPr>
+        <a:noFill/>
+        <a:ln>
+          <a:noFill/>
+        </a:ln>
+        <a:effectLst/>
+      </c:spPr>
+    </c:plotArea>
+    <c:plotVisOnly val="1"/>
+    <c:dispBlanksAs val="gap"/>
+    <c:showDLblsOverMax val="0"/>
+  </c:chart>
+  <c:spPr>
+    <a:noFill/>
+    <a:ln>
+      <a:noFill/>
+    </a:ln>
+    <a:effectLst/>
+  </c:spPr>
+  <c:txPr>
+    <a:bodyPr/>
+    <a:lstStyle/>
+    <a:p>
+      <a:pPr>
+        <a:defRPr/>
+      </a:pPr>
+      <a:endParaRPr lang="en-US"/>
+    </a:p>
+  </c:txPr>
+  <c:externalData r:id="rId3">
+    <c:autoUpdate val="0"/>
+  </c:externalData>
+  <c:userShapes r:id="rId4"/>
+</c:chartSpace>
+</file>
+
+<file path=ppt/charts/chart2.xml><?xml version="1.0" encoding="utf-8"?>
+<c:chartSpace xmlns:c="http://schemas.openxmlformats.org/drawingml/2006/chart" xmlns:a="http://schemas.openxmlformats.org/drawingml/2006/main" xmlns:r="http://schemas.openxmlformats.org/officeDocument/2006/relationships">
+  <c:date1904 val="0"/>
+  <c:lang val="en-US"/>
+  <c:roundedCorners val="0"/>
+  <mc:AlternateContent xmlns:mc="http://schemas.openxmlformats.org/markup-compatibility/2006">
+    <mc:Choice xmlns:c14="http://schemas.microsoft.com/office/drawing/2007/8/2/chart" Requires="c14">
+      <c14:style val="106"/>
+    </mc:Choice>
+    <mc:Fallback>
+      <c:style val="6"/>
+    </mc:Fallback>
+  </mc:AlternateContent>
+  <c:chart>
+    <c:autoTitleDeleted val="1"/>
+    <c:plotArea>
+      <c:layout/>
+      <c:radarChart>
+        <c:radarStyle val="filled"/>
+        <c:varyColors val="0"/>
+        <c:ser>
+          <c:idx val="0"/>
+          <c:order val="0"/>
+          <c:tx>
+            <c:strRef>
+              <c:f>Sheet1!$F$1</c:f>
+              <c:strCache>
+                <c:ptCount val="1"/>
+                <c:pt idx="0">
+                  <c:v>Contentment</c:v>
+                </c:pt>
+              </c:strCache>
+            </c:strRef>
+          </c:tx>
+          <c:spPr>
+            <a:gradFill rotWithShape="1">
+              <a:gsLst>
+                <a:gs pos="0">
+                  <a:schemeClr val="accent4">
+                    <a:shade val="51000"/>
+                    <a:satMod val="130000"/>
+                  </a:schemeClr>
+                </a:gs>
+                <a:gs pos="80000">
+                  <a:schemeClr val="accent4">
+                    <a:shade val="93000"/>
+                    <a:satMod val="130000"/>
+                  </a:schemeClr>
+                </a:gs>
+                <a:gs pos="100000">
+                  <a:schemeClr val="accent4">
+                    <a:shade val="94000"/>
+                    <a:satMod val="135000"/>
+                  </a:schemeClr>
+                </a:gs>
+              </a:gsLst>
+              <a:lin ang="16200000" scaled="0"/>
+            </a:gradFill>
+            <a:ln>
+              <a:noFill/>
+            </a:ln>
+            <a:effectLst>
+              <a:outerShdw blurRad="40000" dist="23000" dir="5400000" rotWithShape="0">
+                <a:srgbClr val="000000">
+                  <a:alpha val="35000"/>
+                </a:srgbClr>
+              </a:outerShdw>
+            </a:effectLst>
+            <a:scene3d>
+              <a:camera prst="orthographicFront">
+                <a:rot lat="0" lon="0" rev="0"/>
+              </a:camera>
+              <a:lightRig rig="threePt" dir="t">
+                <a:rot lat="0" lon="0" rev="1200000"/>
+              </a:lightRig>
+            </a:scene3d>
+            <a:sp3d>
+              <a:bevelT w="63500" h="25400"/>
+            </a:sp3d>
+          </c:spPr>
+          <c:cat>
+            <c:strRef>
+              <c:f>Sheet1!$A$3:$A$6</c:f>
+              <c:strCache>
+                <c:ptCount val="4"/>
+                <c:pt idx="0">
+                  <c:v>Activation</c:v>
+                </c:pt>
+                <c:pt idx="1">
+                  <c:v>Externality</c:v>
+                </c:pt>
+                <c:pt idx="2">
+                  <c:v>Precision</c:v>
+                </c:pt>
+                <c:pt idx="3">
+                  <c:v>Focus</c:v>
+                </c:pt>
+              </c:strCache>
+            </c:strRef>
+          </c:cat>
+          <c:val>
+            <c:numRef>
+              <c:f>Sheet1!$F$3:$F$6</c:f>
+              <c:numCache>
+                <c:formatCode>General</c:formatCode>
+                <c:ptCount val="4"/>
+                <c:pt idx="0">
+                  <c:v>3</c:v>
+                </c:pt>
+                <c:pt idx="1">
+                  <c:v>5</c:v>
+                </c:pt>
+                <c:pt idx="2">
+                  <c:v>5</c:v>
+                </c:pt>
+                <c:pt idx="3">
+                  <c:v>4</c:v>
+                </c:pt>
+              </c:numCache>
+            </c:numRef>
+          </c:val>
+        </c:ser>
+        <c:dLbls>
+          <c:showLegendKey val="0"/>
+          <c:showVal val="0"/>
+          <c:showCatName val="0"/>
+          <c:showSerName val="0"/>
+          <c:showPercent val="0"/>
+          <c:showBubbleSize val="0"/>
+        </c:dLbls>
+        <c:axId val="298732320"/>
+        <c:axId val="298731144"/>
+      </c:radarChart>
+      <c:catAx>
+        <c:axId val="298732320"/>
+        <c:scaling>
+          <c:orientation val="minMax"/>
+        </c:scaling>
+        <c:delete val="0"/>
+        <c:axPos val="b"/>
+        <c:numFmt formatCode="General" sourceLinked="1"/>
+        <c:majorTickMark val="none"/>
+        <c:minorTickMark val="none"/>
+        <c:tickLblPos val="nextTo"/>
+        <c:spPr>
+          <a:noFill/>
+          <a:ln w="12700" cap="flat" cmpd="sng" algn="ctr">
+            <a:solidFill>
+              <a:schemeClr val="tx1">
+                <a:lumMod val="15000"/>
+                <a:lumOff val="85000"/>
+              </a:schemeClr>
+            </a:solidFill>
+            <a:round/>
+          </a:ln>
+          <a:effectLst/>
+        </c:spPr>
+        <c:txPr>
+          <a:bodyPr rot="-60000000" spcFirstLastPara="1" vertOverflow="ellipsis" vert="horz" wrap="square" anchor="ctr" anchorCtr="1"/>
+          <a:lstStyle/>
+          <a:p>
+            <a:pPr>
+              <a:defRPr sz="1600" b="0" i="0" u="none" strike="noStrike" kern="1200" baseline="0">
+                <a:solidFill>
+                  <a:sysClr val="windowText" lastClr="000000"/>
+                </a:solidFill>
+                <a:latin typeface="+mn-lt"/>
+                <a:ea typeface="+mn-ea"/>
+                <a:cs typeface="+mn-cs"/>
+              </a:defRPr>
+            </a:pPr>
+            <a:endParaRPr lang="en-US"/>
+          </a:p>
+        </c:txPr>
+        <c:crossAx val="298731144"/>
+        <c:crosses val="autoZero"/>
+        <c:auto val="1"/>
+        <c:lblAlgn val="ctr"/>
+        <c:lblOffset val="100"/>
+        <c:noMultiLvlLbl val="0"/>
+      </c:catAx>
+      <c:valAx>
+        <c:axId val="298731144"/>
+        <c:scaling>
+          <c:orientation val="minMax"/>
+          <c:max val="10"/>
+        </c:scaling>
+        <c:delete val="1"/>
+        <c:axPos val="l"/>
+        <c:majorGridlines>
+          <c:spPr>
+            <a:ln w="9525" cap="flat" cmpd="sng" algn="ctr">
+              <a:solidFill>
+                <a:schemeClr val="tx1"/>
+              </a:solidFill>
+              <a:round/>
+            </a:ln>
+            <a:effectLst/>
+          </c:spPr>
+        </c:majorGridlines>
+        <c:numFmt formatCode="General" sourceLinked="1"/>
+        <c:majorTickMark val="none"/>
+        <c:minorTickMark val="none"/>
+        <c:tickLblPos val="nextTo"/>
+        <c:crossAx val="298732320"/>
+        <c:crosses val="autoZero"/>
+        <c:crossBetween val="between"/>
+        <c:majorUnit val="2"/>
+      </c:valAx>
+      <c:spPr>
+        <a:noFill/>
+        <a:ln>
+          <a:noFill/>
+        </a:ln>
+        <a:effectLst/>
+      </c:spPr>
+    </c:plotArea>
+    <c:plotVisOnly val="1"/>
+    <c:dispBlanksAs val="gap"/>
+    <c:showDLblsOverMax val="0"/>
+  </c:chart>
+  <c:spPr>
+    <a:noFill/>
+    <a:ln>
+      <a:noFill/>
+    </a:ln>
+    <a:effectLst/>
+  </c:spPr>
+  <c:txPr>
+    <a:bodyPr/>
+    <a:lstStyle/>
+    <a:p>
+      <a:pPr>
+        <a:defRPr/>
+      </a:pPr>
+      <a:endParaRPr lang="en-US"/>
+    </a:p>
+  </c:txPr>
+  <c:externalData r:id="rId3">
+    <c:autoUpdate val="0"/>
+  </c:externalData>
+</c:chartSpace>
+</file>
+
+<file path=ppt/charts/chart3.xml><?xml version="1.0" encoding="utf-8"?>
+<c:chartSpace xmlns:c="http://schemas.openxmlformats.org/drawingml/2006/chart" xmlns:a="http://schemas.openxmlformats.org/drawingml/2006/main" xmlns:r="http://schemas.openxmlformats.org/officeDocument/2006/relationships">
+  <c:date1904 val="0"/>
+  <c:lang val="en-US"/>
+  <c:roundedCorners val="0"/>
+  <mc:AlternateContent xmlns:mc="http://schemas.openxmlformats.org/markup-compatibility/2006">
+    <mc:Choice xmlns:c14="http://schemas.microsoft.com/office/drawing/2007/8/2/chart" Requires="c14">
+      <c14:style val="102"/>
+    </mc:Choice>
+    <mc:Fallback>
+      <c:style val="2"/>
+    </mc:Fallback>
+  </mc:AlternateContent>
+  <c:chart>
+    <c:autoTitleDeleted val="1"/>
+    <c:plotArea>
+      <c:layout/>
+      <c:radarChart>
+        <c:radarStyle val="filled"/>
+        <c:varyColors val="0"/>
+        <c:ser>
+          <c:idx val="0"/>
+          <c:order val="0"/>
+          <c:tx>
+            <c:strRef>
+              <c:f>Sheet1!$E$1</c:f>
+              <c:strCache>
+                <c:ptCount val="1"/>
+                <c:pt idx="0">
+                  <c:v>Fear</c:v>
+                </c:pt>
+              </c:strCache>
+            </c:strRef>
+          </c:tx>
+          <c:spPr>
+            <a:gradFill rotWithShape="1">
+              <a:gsLst>
+                <a:gs pos="0">
+                  <a:schemeClr val="accent2">
+                    <a:shade val="51000"/>
+                    <a:satMod val="130000"/>
+                  </a:schemeClr>
+                </a:gs>
+                <a:gs pos="80000">
+                  <a:schemeClr val="accent2">
+                    <a:shade val="93000"/>
+                    <a:satMod val="130000"/>
+                  </a:schemeClr>
+                </a:gs>
+                <a:gs pos="100000">
+                  <a:schemeClr val="accent2">
+                    <a:shade val="94000"/>
+                    <a:satMod val="135000"/>
+                  </a:schemeClr>
+                </a:gs>
+              </a:gsLst>
+              <a:lin ang="16200000" scaled="0"/>
+            </a:gradFill>
+            <a:ln>
+              <a:noFill/>
+            </a:ln>
+            <a:effectLst>
+              <a:outerShdw blurRad="40000" dist="23000" dir="5400000" rotWithShape="0">
+                <a:srgbClr val="000000">
+                  <a:alpha val="35000"/>
+                </a:srgbClr>
+              </a:outerShdw>
+            </a:effectLst>
+            <a:scene3d>
+              <a:camera prst="orthographicFront">
+                <a:rot lat="0" lon="0" rev="0"/>
+              </a:camera>
+              <a:lightRig rig="threePt" dir="t">
+                <a:rot lat="0" lon="0" rev="1200000"/>
+              </a:lightRig>
+            </a:scene3d>
+            <a:sp3d>
+              <a:bevelT w="63500" h="25400"/>
+            </a:sp3d>
+          </c:spPr>
+          <c:cat>
+            <c:strRef>
+              <c:f>Sheet1!$A$3:$A$6</c:f>
+              <c:strCache>
+                <c:ptCount val="4"/>
+                <c:pt idx="0">
+                  <c:v>Activation</c:v>
+                </c:pt>
+                <c:pt idx="1">
+                  <c:v>Externality</c:v>
+                </c:pt>
+                <c:pt idx="2">
+                  <c:v>Precision</c:v>
+                </c:pt>
+                <c:pt idx="3">
+                  <c:v>Focus</c:v>
+                </c:pt>
+              </c:strCache>
+            </c:strRef>
+          </c:cat>
+          <c:val>
+            <c:numRef>
+              <c:f>Sheet1!$E$3:$E$6</c:f>
+              <c:numCache>
+                <c:formatCode>General</c:formatCode>
+                <c:ptCount val="4"/>
+                <c:pt idx="0">
+                  <c:v>9</c:v>
+                </c:pt>
+                <c:pt idx="1">
+                  <c:v>9</c:v>
+                </c:pt>
+                <c:pt idx="2">
+                  <c:v>3</c:v>
+                </c:pt>
+                <c:pt idx="3">
+                  <c:v>3</c:v>
+                </c:pt>
+              </c:numCache>
+            </c:numRef>
+          </c:val>
+        </c:ser>
+        <c:dLbls>
+          <c:showLegendKey val="0"/>
+          <c:showVal val="0"/>
+          <c:showCatName val="0"/>
+          <c:showSerName val="0"/>
+          <c:showPercent val="0"/>
+          <c:showBubbleSize val="0"/>
+        </c:dLbls>
+        <c:axId val="321333352"/>
+        <c:axId val="321327472"/>
+      </c:radarChart>
+      <c:catAx>
+        <c:axId val="321333352"/>
+        <c:scaling>
+          <c:orientation val="minMax"/>
+        </c:scaling>
+        <c:delete val="0"/>
+        <c:axPos val="b"/>
+        <c:numFmt formatCode="General" sourceLinked="1"/>
+        <c:majorTickMark val="none"/>
+        <c:minorTickMark val="none"/>
+        <c:tickLblPos val="nextTo"/>
+        <c:spPr>
+          <a:noFill/>
+          <a:ln w="12700" cap="flat" cmpd="sng" algn="ctr">
+            <a:solidFill>
+              <a:schemeClr val="tx1">
+                <a:lumMod val="15000"/>
+                <a:lumOff val="85000"/>
+              </a:schemeClr>
+            </a:solidFill>
+            <a:round/>
+          </a:ln>
+          <a:effectLst/>
+        </c:spPr>
+        <c:txPr>
+          <a:bodyPr rot="-60000000" spcFirstLastPara="1" vertOverflow="ellipsis" vert="horz" wrap="square" anchor="ctr" anchorCtr="1"/>
+          <a:lstStyle/>
+          <a:p>
+            <a:pPr>
+              <a:defRPr sz="1600" b="0" i="0" u="none" strike="noStrike" kern="1200" baseline="0">
+                <a:solidFill>
+                  <a:sysClr val="windowText" lastClr="000000"/>
+                </a:solidFill>
+                <a:latin typeface="+mn-lt"/>
+                <a:ea typeface="+mn-ea"/>
+                <a:cs typeface="+mn-cs"/>
+              </a:defRPr>
+            </a:pPr>
+            <a:endParaRPr lang="en-US"/>
+          </a:p>
+        </c:txPr>
+        <c:crossAx val="321327472"/>
+        <c:crosses val="autoZero"/>
+        <c:auto val="1"/>
+        <c:lblAlgn val="ctr"/>
+        <c:lblOffset val="100"/>
+        <c:noMultiLvlLbl val="0"/>
+      </c:catAx>
+      <c:valAx>
+        <c:axId val="321327472"/>
+        <c:scaling>
+          <c:orientation val="minMax"/>
+        </c:scaling>
+        <c:delete val="1"/>
+        <c:axPos val="l"/>
+        <c:majorGridlines>
+          <c:spPr>
+            <a:ln w="9525" cap="flat" cmpd="sng" algn="ctr">
+              <a:solidFill>
+                <a:schemeClr val="tx1"/>
+              </a:solidFill>
+              <a:round/>
+            </a:ln>
+            <a:effectLst/>
+          </c:spPr>
+        </c:majorGridlines>
+        <c:numFmt formatCode="General" sourceLinked="1"/>
+        <c:majorTickMark val="none"/>
+        <c:minorTickMark val="none"/>
+        <c:tickLblPos val="nextTo"/>
+        <c:crossAx val="321333352"/>
+        <c:crosses val="autoZero"/>
+        <c:crossBetween val="between"/>
+        <c:majorUnit val="2"/>
+      </c:valAx>
+      <c:spPr>
+        <a:noFill/>
+        <a:ln>
+          <a:noFill/>
+        </a:ln>
+        <a:effectLst/>
+      </c:spPr>
+    </c:plotArea>
+    <c:plotVisOnly val="1"/>
+    <c:dispBlanksAs val="gap"/>
+    <c:showDLblsOverMax val="0"/>
+  </c:chart>
+  <c:spPr>
+    <a:noFill/>
+    <a:ln>
+      <a:noFill/>
+    </a:ln>
+    <a:effectLst/>
+  </c:spPr>
+  <c:txPr>
+    <a:bodyPr/>
+    <a:lstStyle/>
+    <a:p>
+      <a:pPr>
+        <a:defRPr/>
+      </a:pPr>
+      <a:endParaRPr lang="en-US"/>
+    </a:p>
+  </c:txPr>
+  <c:externalData r:id="rId3">
+    <c:autoUpdate val="0"/>
+  </c:externalData>
+</c:chartSpace>
+</file>
+
+<file path=ppt/charts/chart4.xml><?xml version="1.0" encoding="utf-8"?>
+<c:chartSpace xmlns:c="http://schemas.openxmlformats.org/drawingml/2006/chart" xmlns:a="http://schemas.openxmlformats.org/drawingml/2006/main" xmlns:r="http://schemas.openxmlformats.org/officeDocument/2006/relationships">
+  <c:date1904 val="0"/>
+  <c:lang val="en-US"/>
+  <c:roundedCorners val="0"/>
+  <mc:AlternateContent xmlns:mc="http://schemas.openxmlformats.org/markup-compatibility/2006">
+    <mc:Choice xmlns:c14="http://schemas.microsoft.com/office/drawing/2007/8/2/chart" Requires="c14">
+      <c14:style val="102"/>
+    </mc:Choice>
+    <mc:Fallback>
+      <c:style val="2"/>
+    </mc:Fallback>
+  </mc:AlternateContent>
+  <c:chart>
+    <c:autoTitleDeleted val="1"/>
+    <c:plotArea>
+      <c:layout/>
+      <c:radarChart>
+        <c:radarStyle val="filled"/>
+        <c:varyColors val="0"/>
+        <c:ser>
+          <c:idx val="0"/>
+          <c:order val="0"/>
+          <c:tx>
+            <c:strRef>
+              <c:f>Sheet1!$D$1</c:f>
+              <c:strCache>
+                <c:ptCount val="1"/>
+                <c:pt idx="0">
+                  <c:v>Sadness</c:v>
+                </c:pt>
+              </c:strCache>
+            </c:strRef>
+          </c:tx>
+          <c:spPr>
+            <a:gradFill rotWithShape="1">
+              <a:gsLst>
+                <a:gs pos="0">
+                  <a:schemeClr val="accent1">
+                    <a:shade val="51000"/>
+                    <a:satMod val="130000"/>
+                  </a:schemeClr>
+                </a:gs>
+                <a:gs pos="80000">
+                  <a:schemeClr val="accent1">
+                    <a:shade val="93000"/>
+                    <a:satMod val="130000"/>
+                  </a:schemeClr>
+                </a:gs>
+                <a:gs pos="100000">
+                  <a:schemeClr val="accent1">
+                    <a:shade val="94000"/>
+                    <a:satMod val="135000"/>
+                  </a:schemeClr>
+                </a:gs>
+              </a:gsLst>
+              <a:lin ang="16200000" scaled="0"/>
+            </a:gradFill>
+            <a:ln>
+              <a:noFill/>
+            </a:ln>
+            <a:effectLst>
+              <a:outerShdw blurRad="40000" dist="23000" dir="5400000" rotWithShape="0">
+                <a:srgbClr val="000000">
+                  <a:alpha val="35000"/>
+                </a:srgbClr>
+              </a:outerShdw>
+            </a:effectLst>
+            <a:scene3d>
+              <a:camera prst="orthographicFront">
+                <a:rot lat="0" lon="0" rev="0"/>
+              </a:camera>
+              <a:lightRig rig="threePt" dir="t">
+                <a:rot lat="0" lon="0" rev="1200000"/>
+              </a:lightRig>
+            </a:scene3d>
+            <a:sp3d>
+              <a:bevelT w="63500" h="25400"/>
+            </a:sp3d>
+          </c:spPr>
+          <c:cat>
+            <c:strRef>
+              <c:f>Sheet1!$A$3:$A$6</c:f>
+              <c:strCache>
+                <c:ptCount val="4"/>
+                <c:pt idx="0">
+                  <c:v>Activation</c:v>
+                </c:pt>
+                <c:pt idx="1">
+                  <c:v>Externality</c:v>
+                </c:pt>
+                <c:pt idx="2">
+                  <c:v>Precision</c:v>
+                </c:pt>
+                <c:pt idx="3">
+                  <c:v>Focus</c:v>
+                </c:pt>
+              </c:strCache>
+            </c:strRef>
+          </c:cat>
+          <c:val>
+            <c:numRef>
+              <c:f>Sheet1!$D$3:$D$6</c:f>
+              <c:numCache>
+                <c:formatCode>General</c:formatCode>
+                <c:ptCount val="4"/>
+                <c:pt idx="0">
+                  <c:v>2</c:v>
+                </c:pt>
+                <c:pt idx="1">
+                  <c:v>2</c:v>
+                </c:pt>
+                <c:pt idx="2">
+                  <c:v>7</c:v>
+                </c:pt>
+                <c:pt idx="3">
+                  <c:v>6</c:v>
+                </c:pt>
+              </c:numCache>
+            </c:numRef>
+          </c:val>
+        </c:ser>
+        <c:dLbls>
+          <c:showLegendKey val="0"/>
+          <c:showVal val="0"/>
+          <c:showCatName val="0"/>
+          <c:showSerName val="0"/>
+          <c:showPercent val="0"/>
+          <c:showBubbleSize val="0"/>
+        </c:dLbls>
+        <c:axId val="321510848"/>
+        <c:axId val="321512416"/>
+      </c:radarChart>
+      <c:catAx>
+        <c:axId val="321510848"/>
+        <c:scaling>
+          <c:orientation val="minMax"/>
+        </c:scaling>
+        <c:delete val="0"/>
+        <c:axPos val="b"/>
+        <c:numFmt formatCode="General" sourceLinked="1"/>
+        <c:majorTickMark val="none"/>
+        <c:minorTickMark val="none"/>
+        <c:tickLblPos val="nextTo"/>
+        <c:spPr>
+          <a:noFill/>
+          <a:ln w="12700" cap="flat" cmpd="sng" algn="ctr">
+            <a:solidFill>
+              <a:schemeClr val="tx1">
+                <a:lumMod val="15000"/>
+                <a:lumOff val="85000"/>
+              </a:schemeClr>
+            </a:solidFill>
+            <a:round/>
+          </a:ln>
+          <a:effectLst/>
+        </c:spPr>
+        <c:txPr>
+          <a:bodyPr rot="-60000000" spcFirstLastPara="1" vertOverflow="ellipsis" vert="horz" wrap="square" anchor="ctr" anchorCtr="1"/>
+          <a:lstStyle/>
+          <a:p>
+            <a:pPr>
+              <a:defRPr sz="1600" b="0" i="0" u="none" strike="noStrike" kern="1200" baseline="0">
+                <a:solidFill>
+                  <a:sysClr val="windowText" lastClr="000000"/>
+                </a:solidFill>
+                <a:latin typeface="+mn-lt"/>
+                <a:ea typeface="+mn-ea"/>
+                <a:cs typeface="+mn-cs"/>
+              </a:defRPr>
+            </a:pPr>
+            <a:endParaRPr lang="en-US"/>
+          </a:p>
+        </c:txPr>
+        <c:crossAx val="321512416"/>
+        <c:crosses val="autoZero"/>
+        <c:auto val="1"/>
+        <c:lblAlgn val="ctr"/>
+        <c:lblOffset val="100"/>
+        <c:noMultiLvlLbl val="0"/>
+      </c:catAx>
+      <c:valAx>
+        <c:axId val="321512416"/>
+        <c:scaling>
+          <c:orientation val="minMax"/>
+          <c:max val="10"/>
+        </c:scaling>
+        <c:delete val="1"/>
+        <c:axPos val="l"/>
+        <c:majorGridlines>
+          <c:spPr>
+            <a:ln w="9525" cap="flat" cmpd="sng" algn="ctr">
+              <a:solidFill>
+                <a:schemeClr val="tx1"/>
+              </a:solidFill>
+              <a:round/>
+            </a:ln>
+            <a:effectLst/>
+          </c:spPr>
+        </c:majorGridlines>
+        <c:numFmt formatCode="General" sourceLinked="1"/>
+        <c:majorTickMark val="none"/>
+        <c:minorTickMark val="none"/>
+        <c:tickLblPos val="nextTo"/>
+        <c:crossAx val="321510848"/>
+        <c:crosses val="autoZero"/>
+        <c:crossBetween val="between"/>
+        <c:majorUnit val="2"/>
+      </c:valAx>
+      <c:spPr>
+        <a:noFill/>
+        <a:ln>
+          <a:noFill/>
+        </a:ln>
+        <a:effectLst/>
+      </c:spPr>
+    </c:plotArea>
+    <c:plotVisOnly val="1"/>
+    <c:dispBlanksAs val="gap"/>
+    <c:showDLblsOverMax val="0"/>
+  </c:chart>
+  <c:spPr>
+    <a:noFill/>
+    <a:ln>
+      <a:noFill/>
+    </a:ln>
+    <a:effectLst/>
+  </c:spPr>
+  <c:txPr>
+    <a:bodyPr/>
+    <a:lstStyle/>
+    <a:p>
+      <a:pPr>
+        <a:defRPr/>
+      </a:pPr>
+      <a:endParaRPr lang="en-US"/>
+    </a:p>
+  </c:txPr>
+  <c:externalData r:id="rId3">
+    <c:autoUpdate val="0"/>
+  </c:externalData>
+</c:chartSpace>
+</file>
+
+<file path=ppt/charts/colors1.xml><?xml version="1.0" encoding="utf-8"?>
+<cs:colorStyle xmlns:cs="http://schemas.microsoft.com/office/drawing/2012/chartStyle" xmlns:a="http://schemas.openxmlformats.org/drawingml/2006/main" meth="cycle" id="13">
+  <a:schemeClr val="accent6"/>
+  <a:schemeClr val="accent5"/>
+  <a:schemeClr val="accent4"/>
+  <cs:variation/>
+  <cs:variation>
+    <a:lumMod val="60000"/>
+  </cs:variation>
+  <cs:variation>
+    <a:lumMod val="80000"/>
+    <a:lumOff val="20000"/>
+  </cs:variation>
+  <cs:variation>
+    <a:lumMod val="80000"/>
+  </cs:variation>
+  <cs:variation>
+    <a:lumMod val="60000"/>
+    <a:lumOff val="40000"/>
+  </cs:variation>
+  <cs:variation>
+    <a:lumMod val="50000"/>
+  </cs:variation>
+  <cs:variation>
+    <a:lumMod val="70000"/>
+    <a:lumOff val="30000"/>
+  </cs:variation>
+  <cs:variation>
+    <a:lumMod val="70000"/>
+  </cs:variation>
+  <cs:variation>
+    <a:lumMod val="50000"/>
+    <a:lumOff val="50000"/>
+  </cs:variation>
+</cs:colorStyle>
+</file>
+
+<file path=ppt/charts/colors2.xml><?xml version="1.0" encoding="utf-8"?>
+<cs:colorStyle xmlns:cs="http://schemas.microsoft.com/office/drawing/2012/chartStyle" xmlns:a="http://schemas.openxmlformats.org/drawingml/2006/main" meth="withinLinear" id="17">
+  <a:schemeClr val="accent4"/>
+</cs:colorStyle>
+</file>
+
+<file path=ppt/charts/colors3.xml><?xml version="1.0" encoding="utf-8"?>
+<cs:colorStyle xmlns:cs="http://schemas.microsoft.com/office/drawing/2012/chartStyle" xmlns:a="http://schemas.openxmlformats.org/drawingml/2006/main" meth="cycle" id="12">
+  <a:schemeClr val="accent2"/>
+  <a:schemeClr val="accent4"/>
+  <a:schemeClr val="accent6"/>
+  <cs:variation/>
+  <cs:variation>
+    <a:lumMod val="60000"/>
+  </cs:variation>
+  <cs:variation>
+    <a:lumMod val="80000"/>
+    <a:lumOff val="20000"/>
+  </cs:variation>
+  <cs:variation>
+    <a:lumMod val="80000"/>
+  </cs:variation>
+  <cs:variation>
+    <a:lumMod val="60000"/>
+    <a:lumOff val="40000"/>
+  </cs:variation>
+  <cs:variation>
+    <a:lumMod val="50000"/>
+  </cs:variation>
+  <cs:variation>
+    <a:lumMod val="70000"/>
+    <a:lumOff val="30000"/>
+  </cs:variation>
+  <cs:variation>
+    <a:lumMod val="70000"/>
+  </cs:variation>
+  <cs:variation>
+    <a:lumMod val="50000"/>
+    <a:lumOff val="50000"/>
+  </cs:variation>
+</cs:colorStyle>
+</file>
+
+<file path=ppt/charts/colors4.xml><?xml version="1.0" encoding="utf-8"?>
+<cs:colorStyle xmlns:cs="http://schemas.microsoft.com/office/drawing/2012/chartStyle" xmlns:a="http://schemas.openxmlformats.org/drawingml/2006/main" meth="cycle" id="10">
+  <a:schemeClr val="accent1"/>
+  <a:schemeClr val="accent2"/>
+  <a:schemeClr val="accent3"/>
+  <a:schemeClr val="accent4"/>
+  <a:schemeClr val="accent5"/>
+  <a:schemeClr val="accent6"/>
+  <cs:variation/>
+  <cs:variation>
+    <a:lumMod val="60000"/>
+  </cs:variation>
+  <cs:variation>
+    <a:lumMod val="80000"/>
+    <a:lumOff val="20000"/>
+  </cs:variation>
+  <cs:variation>
+    <a:lumMod val="80000"/>
+  </cs:variation>
+  <cs:variation>
+    <a:lumMod val="60000"/>
+    <a:lumOff val="40000"/>
+  </cs:variation>
+  <cs:variation>
+    <a:lumMod val="50000"/>
+  </cs:variation>
+  <cs:variation>
+    <a:lumMod val="70000"/>
+    <a:lumOff val="30000"/>
+  </cs:variation>
+  <cs:variation>
+    <a:lumMod val="70000"/>
+  </cs:variation>
+  <cs:variation>
+    <a:lumMod val="50000"/>
+    <a:lumOff val="50000"/>
+  </cs:variation>
+</cs:colorStyle>
+</file>
+
+<file path=ppt/charts/style1.xml><?xml version="1.0" encoding="utf-8"?>
+<cs:chartStyle xmlns:cs="http://schemas.microsoft.com/office/drawing/2012/chartStyle" xmlns:a="http://schemas.openxmlformats.org/drawingml/2006/main" id="351">
+  <cs:axisTitle>
+    <cs:lnRef idx="0"/>
+    <cs:fillRef idx="0"/>
+    <cs:effectRef idx="0"/>
+    <cs:fontRef idx="minor">
+      <a:schemeClr val="tx1">
+        <a:lumMod val="65000"/>
+        <a:lumOff val="35000"/>
+      </a:schemeClr>
+    </cs:fontRef>
+    <cs:defRPr sz="900" kern="1200"/>
+  </cs:axisTitle>
+  <cs:categoryAxis>
+    <cs:lnRef idx="0"/>
+    <cs:fillRef idx="0"/>
+    <cs:effectRef idx="0"/>
+    <cs:fontRef idx="minor">
+      <a:schemeClr val="tx1">
+        <a:lumMod val="65000"/>
+        <a:lumOff val="35000"/>
+      </a:schemeClr>
+    </cs:fontRef>
+    <cs:spPr>
+      <a:ln w="12700" cap="flat" cmpd="sng" algn="ctr">
+        <a:solidFill>
+          <a:schemeClr val="tx1">
+            <a:lumMod val="15000"/>
+            <a:lumOff val="85000"/>
+          </a:schemeClr>
+        </a:solidFill>
+        <a:round/>
+      </a:ln>
+    </cs:spPr>
+    <cs:defRPr sz="900" kern="1200"/>
+  </cs:categoryAxis>
+  <cs:chartArea mods="allowNoFillOverride allowNoLineOverride">
+    <cs:lnRef idx="0"/>
+    <cs:fillRef idx="0"/>
+    <cs:effectRef idx="0"/>
+    <cs:fontRef idx="minor">
+      <a:schemeClr val="tx2"/>
+    </cs:fontRef>
+    <cs:spPr>
+      <a:solidFill>
+        <a:schemeClr val="bg1"/>
+      </a:solidFill>
+      <a:ln w="9525" cap="flat" cmpd="sng" algn="ctr">
+        <a:solidFill>
+          <a:schemeClr val="tx1">
+            <a:lumMod val="15000"/>
+            <a:lumOff val="85000"/>
+          </a:schemeClr>
+        </a:solidFill>
+        <a:round/>
+      </a:ln>
+    </cs:spPr>
+    <cs:defRPr sz="900" kern="1200"/>
+  </cs:chartArea>
+  <cs:dataLabel>
+    <cs:lnRef idx="0"/>
+    <cs:fillRef idx="0"/>
+    <cs:effectRef idx="0"/>
+    <cs:fontRef idx="minor">
+      <a:schemeClr val="tx1">
+        <a:lumMod val="75000"/>
+        <a:lumOff val="25000"/>
+      </a:schemeClr>
+    </cs:fontRef>
+    <cs:defRPr sz="900" kern="1200"/>
+  </cs:dataLabel>
+  <cs:dataLabelCallout>
+    <cs:lnRef idx="0"/>
+    <cs:fillRef idx="0"/>
+    <cs:effectRef idx="0"/>
+    <cs:fontRef idx="minor">
+      <a:schemeClr val="dk1">
+        <a:lumMod val="65000"/>
+        <a:lumOff val="35000"/>
+      </a:schemeClr>
+    </cs:fontRef>
+    <cs:spPr>
+      <a:solidFill>
+        <a:schemeClr val="lt1"/>
+      </a:solidFill>
+      <a:ln>
+        <a:solidFill>
+          <a:schemeClr val="dk1">
+            <a:lumMod val="25000"/>
+            <a:lumOff val="75000"/>
+          </a:schemeClr>
+        </a:solidFill>
+      </a:ln>
+    </cs:spPr>
+    <cs:defRPr sz="900" kern="1200"/>
+    <cs:bodyPr rot="0" spcFirstLastPara="1" vertOverflow="clip" horzOverflow="clip" vert="horz" wrap="square" lIns="36576" tIns="18288" rIns="36576" bIns="18288" anchor="ctr" anchorCtr="1">
+      <a:spAutoFit/>
+    </cs:bodyPr>
+  </cs:dataLabelCallout>
+  <cs:dataPoint>
+    <cs:lnRef idx="0"/>
+    <cs:fillRef idx="3">
+      <cs:styleClr val="auto"/>
+    </cs:fillRef>
+    <cs:effectRef idx="3"/>
+    <cs:fontRef idx="minor">
+      <a:schemeClr val="lt1"/>
+    </cs:fontRef>
+  </cs:dataPoint>
+  <cs:dataPoint3D>
+    <cs:lnRef idx="0"/>
+    <cs:fillRef idx="3">
+      <cs:styleClr val="auto"/>
+    </cs:fillRef>
+    <cs:effectRef idx="3"/>
+    <cs:fontRef idx="minor">
+      <a:schemeClr val="lt1"/>
+    </cs:fontRef>
+  </cs:dataPoint3D>
+  <cs:dataPointLine>
+    <cs:lnRef idx="0">
+      <cs:styleClr val="auto"/>
+    </cs:lnRef>
+    <cs:fillRef idx="3"/>
+    <cs:effectRef idx="3"/>
+    <cs:fontRef idx="minor">
+      <a:schemeClr val="lt1"/>
+    </cs:fontRef>
+    <cs:spPr>
+      <a:ln w="34925" cap="rnd">
+        <a:solidFill>
+          <a:schemeClr val="phClr"/>
+        </a:solidFill>
+        <a:round/>
+      </a:ln>
+    </cs:spPr>
+  </cs:dataPointLine>
+  <cs:dataPointMarker>
+    <cs:lnRef idx="0">
+      <cs:styleClr val="auto"/>
+    </cs:lnRef>
+    <cs:fillRef idx="3">
+      <cs:styleClr val="auto"/>
+    </cs:fillRef>
+    <cs:effectRef idx="3"/>
+    <cs:fontRef idx="minor">
+      <a:schemeClr val="lt1"/>
+    </cs:fontRef>
+    <cs:spPr>
+      <a:ln w="9525">
+        <a:solidFill>
+          <a:schemeClr val="phClr"/>
+        </a:solidFill>
+        <a:round/>
+      </a:ln>
+    </cs:spPr>
+  </cs:dataPointMarker>
+  <cs:dataPointMarkerLayout symbol="circle" size="6"/>
+  <cs:dataPointWireframe>
+    <cs:lnRef idx="0">
+      <cs:styleClr val="auto"/>
+    </cs:lnRef>
+    <cs:fillRef idx="3"/>
+    <cs:effectRef idx="3"/>
+    <cs:fontRef idx="minor">
+      <a:schemeClr val="lt1"/>
+    </cs:fontRef>
+    <cs:spPr>
+      <a:ln w="9525" cap="rnd">
+        <a:solidFill>
+          <a:schemeClr val="phClr"/>
+        </a:solidFill>
+        <a:round/>
+      </a:ln>
+    </cs:spPr>
+  </cs:dataPointWireframe>
+  <cs:dataTable>
+    <cs:lnRef idx="0"/>
+    <cs:fillRef idx="0"/>
+    <cs:effectRef idx="0"/>
+    <cs:fontRef idx="minor">
+      <a:schemeClr val="tx1">
+        <a:lumMod val="65000"/>
+        <a:lumOff val="35000"/>
+      </a:schemeClr>
+    </cs:fontRef>
+    <cs:spPr>
+      <a:noFill/>
+      <a:ln w="9525" cap="flat" cmpd="sng" algn="ctr">
+        <a:solidFill>
+          <a:schemeClr val="tx1">
+            <a:lumMod val="15000"/>
+            <a:lumOff val="85000"/>
+          </a:schemeClr>
+        </a:solidFill>
+        <a:round/>
+      </a:ln>
+    </cs:spPr>
+    <cs:defRPr sz="900" kern="1200"/>
+  </cs:dataTable>
+  <cs:downBar>
+    <cs:lnRef idx="0"/>
+    <cs:fillRef idx="0"/>
+    <cs:effectRef idx="0"/>
+    <cs:fontRef idx="minor">
+      <a:schemeClr val="dk1"/>
+    </cs:fontRef>
+    <cs:spPr>
+      <a:solidFill>
+        <a:schemeClr val="dk1">
+          <a:lumMod val="65000"/>
+          <a:lumOff val="35000"/>
+        </a:schemeClr>
+      </a:solidFill>
+      <a:ln w="9525">
+        <a:solidFill>
+          <a:schemeClr val="tx1">
+            <a:lumMod val="65000"/>
+            <a:lumOff val="35000"/>
+          </a:schemeClr>
+        </a:solidFill>
+      </a:ln>
+    </cs:spPr>
+  </cs:downBar>
+  <cs:dropLine>
+    <cs:lnRef idx="0"/>
+    <cs:fillRef idx="0"/>
+    <cs:effectRef idx="0"/>
+    <cs:fontRef idx="minor">
+      <a:schemeClr val="tx1"/>
+    </cs:fontRef>
+    <cs:spPr>
+      <a:ln w="9525" cap="flat" cmpd="sng" algn="ctr">
+        <a:solidFill>
+          <a:schemeClr val="tx1">
+            <a:lumMod val="35000"/>
+            <a:lumOff val="65000"/>
+          </a:schemeClr>
+        </a:solidFill>
+        <a:round/>
+      </a:ln>
+    </cs:spPr>
+  </cs:dropLine>
+  <cs:errorBar>
+    <cs:lnRef idx="0"/>
+    <cs:fillRef idx="0"/>
+    <cs:effectRef idx="0"/>
+    <cs:fontRef idx="minor">
+      <a:schemeClr val="tx1"/>
+    </cs:fontRef>
+    <cs:spPr>
+      <a:ln w="9525" cap="flat" cmpd="sng" algn="ctr">
+        <a:solidFill>
+          <a:schemeClr val="tx1">
+            <a:lumMod val="65000"/>
+            <a:lumOff val="35000"/>
+          </a:schemeClr>
+        </a:solidFill>
+        <a:round/>
+      </a:ln>
+    </cs:spPr>
+  </cs:errorBar>
+  <cs:floor>
+    <cs:lnRef idx="0"/>
+    <cs:fillRef idx="0"/>
+    <cs:effectRef idx="0"/>
+    <cs:fontRef idx="minor">
+      <a:schemeClr val="lt1"/>
+    </cs:fontRef>
+  </cs:floor>
+  <cs:gridlineMajor>
+    <cs:lnRef idx="0"/>
+    <cs:fillRef idx="0"/>
+    <cs:effectRef idx="0"/>
+    <cs:fontRef idx="minor">
+      <a:schemeClr val="tx1"/>
+    </cs:fontRef>
+    <cs:spPr>
+      <a:ln w="9525" cap="flat" cmpd="sng" algn="ctr">
+        <a:solidFill>
+          <a:schemeClr val="tx1">
+            <a:lumMod val="15000"/>
+            <a:lumOff val="85000"/>
+          </a:schemeClr>
+        </a:solidFill>
+        <a:round/>
+      </a:ln>
+    </cs:spPr>
+  </cs:gridlineMajor>
+  <cs:gridlineMinor>
+    <cs:lnRef idx="0"/>
+    <cs:fillRef idx="0"/>
+    <cs:effectRef idx="0"/>
+    <cs:fontRef idx="minor">
+      <a:schemeClr val="tx1"/>
+    </cs:fontRef>
+    <cs:spPr>
+      <a:ln w="9525" cap="flat" cmpd="sng" algn="ctr">
+        <a:solidFill>
+          <a:schemeClr val="tx1">
+            <a:lumMod val="5000"/>
+            <a:lumOff val="95000"/>
+          </a:schemeClr>
+        </a:solidFill>
+        <a:round/>
+      </a:ln>
+    </cs:spPr>
+  </cs:gridlineMinor>
+  <cs:hiLoLine>
+    <cs:lnRef idx="0"/>
+    <cs:fillRef idx="0"/>
+    <cs:effectRef idx="0"/>
+    <cs:fontRef idx="minor">
+      <a:schemeClr val="tx1"/>
+    </cs:fontRef>
+    <cs:spPr>
+      <a:ln w="9525" cap="flat" cmpd="sng" algn="ctr">
+        <a:solidFill>
+          <a:schemeClr val="tx1">
+            <a:lumMod val="75000"/>
+            <a:lumOff val="25000"/>
+          </a:schemeClr>
+        </a:solidFill>
+        <a:round/>
+      </a:ln>
+    </cs:spPr>
+  </cs:hiLoLine>
+  <cs:leaderLine>
+    <cs:lnRef idx="0"/>
+    <cs:fillRef idx="0"/>
+    <cs:effectRef idx="0"/>
+    <cs:fontRef idx="minor">
+      <a:schemeClr val="tx1"/>
+    </cs:fontRef>
+    <cs:spPr>
+      <a:ln w="9525" cap="flat" cmpd="sng" algn="ctr">
+        <a:solidFill>
+          <a:schemeClr val="tx1">
+            <a:lumMod val="35000"/>
+            <a:lumOff val="65000"/>
+          </a:schemeClr>
+        </a:solidFill>
+        <a:round/>
+      </a:ln>
+    </cs:spPr>
+  </cs:leaderLine>
+  <cs:legend>
+    <cs:lnRef idx="0"/>
+    <cs:fillRef idx="0"/>
+    <cs:effectRef idx="0"/>
+    <cs:fontRef idx="minor">
+      <a:schemeClr val="tx1">
+        <a:lumMod val="65000"/>
+        <a:lumOff val="35000"/>
+      </a:schemeClr>
+    </cs:fontRef>
+    <cs:defRPr sz="900" kern="1200"/>
+  </cs:legend>
+  <cs:plotArea>
+    <cs:lnRef idx="0"/>
+    <cs:fillRef idx="0"/>
+    <cs:effectRef idx="0"/>
+    <cs:fontRef idx="minor">
+      <a:schemeClr val="lt1"/>
+    </cs:fontRef>
+  </cs:plotArea>
+  <cs:plotArea3D>
+    <cs:lnRef idx="0"/>
+    <cs:fillRef idx="0"/>
+    <cs:effectRef idx="0"/>
+    <cs:fontRef idx="minor">
+      <a:schemeClr val="lt1"/>
+    </cs:fontRef>
+  </cs:plotArea3D>
+  <cs:seriesAxis>
+    <cs:lnRef idx="0"/>
+    <cs:fillRef idx="0"/>
+    <cs:effectRef idx="0"/>
+    <cs:fontRef idx="minor">
+      <a:schemeClr val="tx1">
+        <a:lumMod val="65000"/>
+        <a:lumOff val="35000"/>
+      </a:schemeClr>
+    </cs:fontRef>
+    <cs:spPr>
+      <a:ln w="12700" cap="flat" cmpd="sng" algn="ctr">
+        <a:solidFill>
+          <a:schemeClr val="tx1">
+            <a:lumMod val="15000"/>
+            <a:lumOff val="85000"/>
+          </a:schemeClr>
+        </a:solidFill>
+        <a:round/>
+      </a:ln>
+    </cs:spPr>
+    <cs:defRPr sz="900" kern="1200"/>
+  </cs:seriesAxis>
+  <cs:seriesLine>
+    <cs:lnRef idx="0"/>
+    <cs:fillRef idx="0"/>
+    <cs:effectRef idx="0"/>
+    <cs:fontRef idx="minor">
+      <a:schemeClr val="tx1"/>
+    </cs:fontRef>
+    <cs:spPr>
+      <a:ln w="9525" cap="flat" cmpd="sng" algn="ctr">
+        <a:solidFill>
+          <a:schemeClr val="tx1">
+            <a:lumMod val="35000"/>
+            <a:lumOff val="65000"/>
+          </a:schemeClr>
+        </a:solidFill>
+        <a:round/>
+      </a:ln>
+    </cs:spPr>
+  </cs:seriesLine>
+  <cs:title>
+    <cs:lnRef idx="0"/>
+    <cs:fillRef idx="0"/>
+    <cs:effectRef idx="0"/>
+    <cs:fontRef idx="minor">
+      <a:schemeClr val="tx1">
+        <a:lumMod val="65000"/>
+        <a:lumOff val="35000"/>
+      </a:schemeClr>
+    </cs:fontRef>
+    <cs:defRPr sz="1600" b="1" kern="1200" baseline="0"/>
+  </cs:title>
+  <cs:trendline>
+    <cs:lnRef idx="0">
+      <cs:styleClr val="auto"/>
+    </cs:lnRef>
+    <cs:fillRef idx="0"/>
+    <cs:effectRef idx="0"/>
+    <cs:fontRef idx="minor">
+      <a:schemeClr val="lt1"/>
+    </cs:fontRef>
+    <cs:spPr>
+      <a:ln w="19050" cap="rnd">
+        <a:solidFill>
+          <a:schemeClr val="phClr"/>
+        </a:solidFill>
+      </a:ln>
+    </cs:spPr>
+  </cs:trendline>
+  <cs:trendlineLabel>
+    <cs:lnRef idx="0"/>
+    <cs:fillRef idx="0"/>
+    <cs:effectRef idx="0"/>
+    <cs:fontRef idx="minor">
+      <a:schemeClr val="tx1">
+        <a:lumMod val="65000"/>
+        <a:lumOff val="35000"/>
+      </a:schemeClr>
+    </cs:fontRef>
+    <cs:defRPr sz="900" kern="1200"/>
+  </cs:trendlineLabel>
+  <cs:upBar>
+    <cs:lnRef idx="0"/>
+    <cs:fillRef idx="0"/>
+    <cs:effectRef idx="0"/>
+    <cs:fontRef idx="minor">
+      <a:schemeClr val="dk1"/>
+    </cs:fontRef>
+    <cs:spPr>
+      <a:solidFill>
+        <a:schemeClr val="lt1"/>
+      </a:solidFill>
+      <a:ln w="9525">
+        <a:solidFill>
+          <a:schemeClr val="tx1">
+            <a:lumMod val="15000"/>
+            <a:lumOff val="85000"/>
+          </a:schemeClr>
+        </a:solidFill>
+      </a:ln>
+    </cs:spPr>
+  </cs:upBar>
+  <cs:valueAxis>
+    <cs:lnRef idx="0"/>
+    <cs:fillRef idx="0"/>
+    <cs:effectRef idx="0"/>
+    <cs:fontRef idx="minor">
+      <a:schemeClr val="tx1">
+        <a:lumMod val="65000"/>
+        <a:lumOff val="35000"/>
+      </a:schemeClr>
+    </cs:fontRef>
+    <cs:defRPr sz="900" kern="1200"/>
+  </cs:valueAxis>
+  <cs:wall>
+    <cs:lnRef idx="0"/>
+    <cs:fillRef idx="0"/>
+    <cs:effectRef idx="0"/>
+    <cs:fontRef idx="minor">
+      <a:schemeClr val="lt1"/>
+    </cs:fontRef>
+  </cs:wall>
+</cs:chartStyle>
+</file>
+
+<file path=ppt/charts/style2.xml><?xml version="1.0" encoding="utf-8"?>
+<cs:chartStyle xmlns:cs="http://schemas.microsoft.com/office/drawing/2012/chartStyle" xmlns:a="http://schemas.openxmlformats.org/drawingml/2006/main" id="351">
+  <cs:axisTitle>
+    <cs:lnRef idx="0"/>
+    <cs:fillRef idx="0"/>
+    <cs:effectRef idx="0"/>
+    <cs:fontRef idx="minor">
+      <a:schemeClr val="tx1">
+        <a:lumMod val="65000"/>
+        <a:lumOff val="35000"/>
+      </a:schemeClr>
+    </cs:fontRef>
+    <cs:defRPr sz="900" kern="1200"/>
+  </cs:axisTitle>
+  <cs:categoryAxis>
+    <cs:lnRef idx="0"/>
+    <cs:fillRef idx="0"/>
+    <cs:effectRef idx="0"/>
+    <cs:fontRef idx="minor">
+      <a:schemeClr val="tx1">
+        <a:lumMod val="65000"/>
+        <a:lumOff val="35000"/>
+      </a:schemeClr>
+    </cs:fontRef>
+    <cs:spPr>
+      <a:ln w="12700" cap="flat" cmpd="sng" algn="ctr">
+        <a:solidFill>
+          <a:schemeClr val="tx1">
+            <a:lumMod val="15000"/>
+            <a:lumOff val="85000"/>
+          </a:schemeClr>
+        </a:solidFill>
+        <a:round/>
+      </a:ln>
+    </cs:spPr>
+    <cs:defRPr sz="900" kern="1200"/>
+  </cs:categoryAxis>
+  <cs:chartArea mods="allowNoFillOverride allowNoLineOverride">
+    <cs:lnRef idx="0"/>
+    <cs:fillRef idx="0"/>
+    <cs:effectRef idx="0"/>
+    <cs:fontRef idx="minor">
+      <a:schemeClr val="tx2"/>
+    </cs:fontRef>
+    <cs:spPr>
+      <a:solidFill>
+        <a:schemeClr val="bg1"/>
+      </a:solidFill>
+      <a:ln w="9525" cap="flat" cmpd="sng" algn="ctr">
+        <a:solidFill>
+          <a:schemeClr val="tx1">
+            <a:lumMod val="15000"/>
+            <a:lumOff val="85000"/>
+          </a:schemeClr>
+        </a:solidFill>
+        <a:round/>
+      </a:ln>
+    </cs:spPr>
+    <cs:defRPr sz="900" kern="1200"/>
+  </cs:chartArea>
+  <cs:dataLabel>
+    <cs:lnRef idx="0"/>
+    <cs:fillRef idx="0"/>
+    <cs:effectRef idx="0"/>
+    <cs:fontRef idx="minor">
+      <a:schemeClr val="tx1">
+        <a:lumMod val="75000"/>
+        <a:lumOff val="25000"/>
+      </a:schemeClr>
+    </cs:fontRef>
+    <cs:defRPr sz="900" kern="1200"/>
+  </cs:dataLabel>
+  <cs:dataLabelCallout>
+    <cs:lnRef idx="0"/>
+    <cs:fillRef idx="0"/>
+    <cs:effectRef idx="0"/>
+    <cs:fontRef idx="minor">
+      <a:schemeClr val="dk1">
+        <a:lumMod val="65000"/>
+        <a:lumOff val="35000"/>
+      </a:schemeClr>
+    </cs:fontRef>
+    <cs:spPr>
+      <a:solidFill>
+        <a:schemeClr val="lt1"/>
+      </a:solidFill>
+      <a:ln>
+        <a:solidFill>
+          <a:schemeClr val="dk1">
+            <a:lumMod val="25000"/>
+            <a:lumOff val="75000"/>
+          </a:schemeClr>
+        </a:solidFill>
+      </a:ln>
+    </cs:spPr>
+    <cs:defRPr sz="900" kern="1200"/>
+    <cs:bodyPr rot="0" spcFirstLastPara="1" vertOverflow="clip" horzOverflow="clip" vert="horz" wrap="square" lIns="36576" tIns="18288" rIns="36576" bIns="18288" anchor="ctr" anchorCtr="1">
+      <a:spAutoFit/>
+    </cs:bodyPr>
+  </cs:dataLabelCallout>
+  <cs:dataPoint>
+    <cs:lnRef idx="0"/>
+    <cs:fillRef idx="3">
+      <cs:styleClr val="auto"/>
+    </cs:fillRef>
+    <cs:effectRef idx="3"/>
+    <cs:fontRef idx="minor">
+      <a:schemeClr val="lt1"/>
+    </cs:fontRef>
+  </cs:dataPoint>
+  <cs:dataPoint3D>
+    <cs:lnRef idx="0"/>
+    <cs:fillRef idx="3">
+      <cs:styleClr val="auto"/>
+    </cs:fillRef>
+    <cs:effectRef idx="3"/>
+    <cs:fontRef idx="minor">
+      <a:schemeClr val="lt1"/>
+    </cs:fontRef>
+  </cs:dataPoint3D>
+  <cs:dataPointLine>
+    <cs:lnRef idx="0">
+      <cs:styleClr val="auto"/>
+    </cs:lnRef>
+    <cs:fillRef idx="3"/>
+    <cs:effectRef idx="3"/>
+    <cs:fontRef idx="minor">
+      <a:schemeClr val="lt1"/>
+    </cs:fontRef>
+    <cs:spPr>
+      <a:ln w="34925" cap="rnd">
+        <a:solidFill>
+          <a:schemeClr val="phClr"/>
+        </a:solidFill>
+        <a:round/>
+      </a:ln>
+    </cs:spPr>
+  </cs:dataPointLine>
+  <cs:dataPointMarker>
+    <cs:lnRef idx="0">
+      <cs:styleClr val="auto"/>
+    </cs:lnRef>
+    <cs:fillRef idx="3">
+      <cs:styleClr val="auto"/>
+    </cs:fillRef>
+    <cs:effectRef idx="3"/>
+    <cs:fontRef idx="minor">
+      <a:schemeClr val="lt1"/>
+    </cs:fontRef>
+    <cs:spPr>
+      <a:ln w="9525">
+        <a:solidFill>
+          <a:schemeClr val="phClr"/>
+        </a:solidFill>
+        <a:round/>
+      </a:ln>
+    </cs:spPr>
+  </cs:dataPointMarker>
+  <cs:dataPointMarkerLayout symbol="circle" size="6"/>
+  <cs:dataPointWireframe>
+    <cs:lnRef idx="0">
+      <cs:styleClr val="auto"/>
+    </cs:lnRef>
+    <cs:fillRef idx="3"/>
+    <cs:effectRef idx="3"/>
+    <cs:fontRef idx="minor">
+      <a:schemeClr val="lt1"/>
+    </cs:fontRef>
+    <cs:spPr>
+      <a:ln w="9525" cap="rnd">
+        <a:solidFill>
+          <a:schemeClr val="phClr"/>
+        </a:solidFill>
+        <a:round/>
+      </a:ln>
+    </cs:spPr>
+  </cs:dataPointWireframe>
+  <cs:dataTable>
+    <cs:lnRef idx="0"/>
+    <cs:fillRef idx="0"/>
+    <cs:effectRef idx="0"/>
+    <cs:fontRef idx="minor">
+      <a:schemeClr val="tx1">
+        <a:lumMod val="65000"/>
+        <a:lumOff val="35000"/>
+      </a:schemeClr>
+    </cs:fontRef>
+    <cs:spPr>
+      <a:noFill/>
+      <a:ln w="9525" cap="flat" cmpd="sng" algn="ctr">
+        <a:solidFill>
+          <a:schemeClr val="tx1">
+            <a:lumMod val="15000"/>
+            <a:lumOff val="85000"/>
+          </a:schemeClr>
+        </a:solidFill>
+        <a:round/>
+      </a:ln>
+    </cs:spPr>
+    <cs:defRPr sz="900" kern="1200"/>
+  </cs:dataTable>
+  <cs:downBar>
+    <cs:lnRef idx="0"/>
+    <cs:fillRef idx="0"/>
+    <cs:effectRef idx="0"/>
+    <cs:fontRef idx="minor">
+      <a:schemeClr val="dk1"/>
+    </cs:fontRef>
+    <cs:spPr>
+      <a:solidFill>
+        <a:schemeClr val="dk1">
+          <a:lumMod val="65000"/>
+          <a:lumOff val="35000"/>
+        </a:schemeClr>
+      </a:solidFill>
+      <a:ln w="9525">
+        <a:solidFill>
+          <a:schemeClr val="tx1">
+            <a:lumMod val="65000"/>
+            <a:lumOff val="35000"/>
+          </a:schemeClr>
+        </a:solidFill>
+      </a:ln>
+    </cs:spPr>
+  </cs:downBar>
+  <cs:dropLine>
+    <cs:lnRef idx="0"/>
+    <cs:fillRef idx="0"/>
+    <cs:effectRef idx="0"/>
+    <cs:fontRef idx="minor">
+      <a:schemeClr val="tx1"/>
+    </cs:fontRef>
+    <cs:spPr>
+      <a:ln w="9525" cap="flat" cmpd="sng" algn="ctr">
+        <a:solidFill>
+          <a:schemeClr val="tx1">
+            <a:lumMod val="35000"/>
+            <a:lumOff val="65000"/>
+          </a:schemeClr>
+        </a:solidFill>
+        <a:round/>
+      </a:ln>
+    </cs:spPr>
+  </cs:dropLine>
+  <cs:errorBar>
+    <cs:lnRef idx="0"/>
+    <cs:fillRef idx="0"/>
+    <cs:effectRef idx="0"/>
+    <cs:fontRef idx="minor">
+      <a:schemeClr val="tx1"/>
+    </cs:fontRef>
+    <cs:spPr>
+      <a:ln w="9525" cap="flat" cmpd="sng" algn="ctr">
+        <a:solidFill>
+          <a:schemeClr val="tx1">
+            <a:lumMod val="65000"/>
+            <a:lumOff val="35000"/>
+          </a:schemeClr>
+        </a:solidFill>
+        <a:round/>
+      </a:ln>
+    </cs:spPr>
+  </cs:errorBar>
+  <cs:floor>
+    <cs:lnRef idx="0"/>
+    <cs:fillRef idx="0"/>
+    <cs:effectRef idx="0"/>
+    <cs:fontRef idx="minor">
+      <a:schemeClr val="lt1"/>
+    </cs:fontRef>
+  </cs:floor>
+  <cs:gridlineMajor>
+    <cs:lnRef idx="0"/>
+    <cs:fillRef idx="0"/>
+    <cs:effectRef idx="0"/>
+    <cs:fontRef idx="minor">
+      <a:schemeClr val="tx1"/>
+    </cs:fontRef>
+    <cs:spPr>
+      <a:ln w="9525" cap="flat" cmpd="sng" algn="ctr">
+        <a:solidFill>
+          <a:schemeClr val="tx1">
+            <a:lumMod val="15000"/>
+            <a:lumOff val="85000"/>
+          </a:schemeClr>
+        </a:solidFill>
+        <a:round/>
+      </a:ln>
+    </cs:spPr>
+  </cs:gridlineMajor>
+  <cs:gridlineMinor>
+    <cs:lnRef idx="0"/>
+    <cs:fillRef idx="0"/>
+    <cs:effectRef idx="0"/>
+    <cs:fontRef idx="minor">
+      <a:schemeClr val="tx1"/>
+    </cs:fontRef>
+    <cs:spPr>
+      <a:ln w="9525" cap="flat" cmpd="sng" algn="ctr">
+        <a:solidFill>
+          <a:schemeClr val="tx1">
+            <a:lumMod val="5000"/>
+            <a:lumOff val="95000"/>
+          </a:schemeClr>
+        </a:solidFill>
+        <a:round/>
+      </a:ln>
+    </cs:spPr>
+  </cs:gridlineMinor>
+  <cs:hiLoLine>
+    <cs:lnRef idx="0"/>
+    <cs:fillRef idx="0"/>
+    <cs:effectRef idx="0"/>
+    <cs:fontRef idx="minor">
+      <a:schemeClr val="tx1"/>
+    </cs:fontRef>
+    <cs:spPr>
+      <a:ln w="9525" cap="flat" cmpd="sng" algn="ctr">
+        <a:solidFill>
+          <a:schemeClr val="tx1">
+            <a:lumMod val="75000"/>
+            <a:lumOff val="25000"/>
+          </a:schemeClr>
+        </a:solidFill>
+        <a:round/>
+      </a:ln>
+    </cs:spPr>
+  </cs:hiLoLine>
+  <cs:leaderLine>
+    <cs:lnRef idx="0"/>
+    <cs:fillRef idx="0"/>
+    <cs:effectRef idx="0"/>
+    <cs:fontRef idx="minor">
+      <a:schemeClr val="tx1"/>
+    </cs:fontRef>
+    <cs:spPr>
+      <a:ln w="9525" cap="flat" cmpd="sng" algn="ctr">
+        <a:solidFill>
+          <a:schemeClr val="tx1">
+            <a:lumMod val="35000"/>
+            <a:lumOff val="65000"/>
+          </a:schemeClr>
+        </a:solidFill>
+        <a:round/>
+      </a:ln>
+    </cs:spPr>
+  </cs:leaderLine>
+  <cs:legend>
+    <cs:lnRef idx="0"/>
+    <cs:fillRef idx="0"/>
+    <cs:effectRef idx="0"/>
+    <cs:fontRef idx="minor">
+      <a:schemeClr val="tx1">
+        <a:lumMod val="65000"/>
+        <a:lumOff val="35000"/>
+      </a:schemeClr>
+    </cs:fontRef>
+    <cs:defRPr sz="900" kern="1200"/>
+  </cs:legend>
+  <cs:plotArea>
+    <cs:lnRef idx="0"/>
+    <cs:fillRef idx="0"/>
+    <cs:effectRef idx="0"/>
+    <cs:fontRef idx="minor">
+      <a:schemeClr val="lt1"/>
+    </cs:fontRef>
+  </cs:plotArea>
+  <cs:plotArea3D>
+    <cs:lnRef idx="0"/>
+    <cs:fillRef idx="0"/>
+    <cs:effectRef idx="0"/>
+    <cs:fontRef idx="minor">
+      <a:schemeClr val="lt1"/>
+    </cs:fontRef>
+  </cs:plotArea3D>
+  <cs:seriesAxis>
+    <cs:lnRef idx="0"/>
+    <cs:fillRef idx="0"/>
+    <cs:effectRef idx="0"/>
+    <cs:fontRef idx="minor">
+      <a:schemeClr val="tx1">
+        <a:lumMod val="65000"/>
+        <a:lumOff val="35000"/>
+      </a:schemeClr>
+    </cs:fontRef>
+    <cs:spPr>
+      <a:ln w="12700" cap="flat" cmpd="sng" algn="ctr">
+        <a:solidFill>
+          <a:schemeClr val="tx1">
+            <a:lumMod val="15000"/>
+            <a:lumOff val="85000"/>
+          </a:schemeClr>
+        </a:solidFill>
+        <a:round/>
+      </a:ln>
+    </cs:spPr>
+    <cs:defRPr sz="900" kern="1200"/>
+  </cs:seriesAxis>
+  <cs:seriesLine>
+    <cs:lnRef idx="0"/>
+    <cs:fillRef idx="0"/>
+    <cs:effectRef idx="0"/>
+    <cs:fontRef idx="minor">
+      <a:schemeClr val="tx1"/>
+    </cs:fontRef>
+    <cs:spPr>
+      <a:ln w="9525" cap="flat" cmpd="sng" algn="ctr">
+        <a:solidFill>
+          <a:schemeClr val="tx1">
+            <a:lumMod val="35000"/>
+            <a:lumOff val="65000"/>
+          </a:schemeClr>
+        </a:solidFill>
+        <a:round/>
+      </a:ln>
+    </cs:spPr>
+  </cs:seriesLine>
+  <cs:title>
+    <cs:lnRef idx="0"/>
+    <cs:fillRef idx="0"/>
+    <cs:effectRef idx="0"/>
+    <cs:fontRef idx="minor">
+      <a:schemeClr val="tx1">
+        <a:lumMod val="65000"/>
+        <a:lumOff val="35000"/>
+      </a:schemeClr>
+    </cs:fontRef>
+    <cs:defRPr sz="1600" b="1" kern="1200" baseline="0"/>
+  </cs:title>
+  <cs:trendline>
+    <cs:lnRef idx="0">
+      <cs:styleClr val="auto"/>
+    </cs:lnRef>
+    <cs:fillRef idx="0"/>
+    <cs:effectRef idx="0"/>
+    <cs:fontRef idx="minor">
+      <a:schemeClr val="lt1"/>
+    </cs:fontRef>
+    <cs:spPr>
+      <a:ln w="19050" cap="rnd">
+        <a:solidFill>
+          <a:schemeClr val="phClr"/>
+        </a:solidFill>
+      </a:ln>
+    </cs:spPr>
+  </cs:trendline>
+  <cs:trendlineLabel>
+    <cs:lnRef idx="0"/>
+    <cs:fillRef idx="0"/>
+    <cs:effectRef idx="0"/>
+    <cs:fontRef idx="minor">
+      <a:schemeClr val="tx1">
+        <a:lumMod val="65000"/>
+        <a:lumOff val="35000"/>
+      </a:schemeClr>
+    </cs:fontRef>
+    <cs:defRPr sz="900" kern="1200"/>
+  </cs:trendlineLabel>
+  <cs:upBar>
+    <cs:lnRef idx="0"/>
+    <cs:fillRef idx="0"/>
+    <cs:effectRef idx="0"/>
+    <cs:fontRef idx="minor">
+      <a:schemeClr val="dk1"/>
+    </cs:fontRef>
+    <cs:spPr>
+      <a:solidFill>
+        <a:schemeClr val="lt1"/>
+      </a:solidFill>
+      <a:ln w="9525">
+        <a:solidFill>
+          <a:schemeClr val="tx1">
+            <a:lumMod val="15000"/>
+            <a:lumOff val="85000"/>
+          </a:schemeClr>
+        </a:solidFill>
+      </a:ln>
+    </cs:spPr>
+  </cs:upBar>
+  <cs:valueAxis>
+    <cs:lnRef idx="0"/>
+    <cs:fillRef idx="0"/>
+    <cs:effectRef idx="0"/>
+    <cs:fontRef idx="minor">
+      <a:schemeClr val="tx1">
+        <a:lumMod val="65000"/>
+        <a:lumOff val="35000"/>
+      </a:schemeClr>
+    </cs:fontRef>
+    <cs:defRPr sz="900" kern="1200"/>
+  </cs:valueAxis>
+  <cs:wall>
+    <cs:lnRef idx="0"/>
+    <cs:fillRef idx="0"/>
+    <cs:effectRef idx="0"/>
+    <cs:fontRef idx="minor">
+      <a:schemeClr val="lt1"/>
+    </cs:fontRef>
+  </cs:wall>
+</cs:chartStyle>
+</file>
+
+<file path=ppt/charts/style3.xml><?xml version="1.0" encoding="utf-8"?>
+<cs:chartStyle xmlns:cs="http://schemas.microsoft.com/office/drawing/2012/chartStyle" xmlns:a="http://schemas.openxmlformats.org/drawingml/2006/main" id="351">
+  <cs:axisTitle>
+    <cs:lnRef idx="0"/>
+    <cs:fillRef idx="0"/>
+    <cs:effectRef idx="0"/>
+    <cs:fontRef idx="minor">
+      <a:schemeClr val="tx1">
+        <a:lumMod val="65000"/>
+        <a:lumOff val="35000"/>
+      </a:schemeClr>
+    </cs:fontRef>
+    <cs:defRPr sz="900" kern="1200"/>
+  </cs:axisTitle>
+  <cs:categoryAxis>
+    <cs:lnRef idx="0"/>
+    <cs:fillRef idx="0"/>
+    <cs:effectRef idx="0"/>
+    <cs:fontRef idx="minor">
+      <a:schemeClr val="tx1">
+        <a:lumMod val="65000"/>
+        <a:lumOff val="35000"/>
+      </a:schemeClr>
+    </cs:fontRef>
+    <cs:spPr>
+      <a:ln w="12700" cap="flat" cmpd="sng" algn="ctr">
+        <a:solidFill>
+          <a:schemeClr val="tx1">
+            <a:lumMod val="15000"/>
+            <a:lumOff val="85000"/>
+          </a:schemeClr>
+        </a:solidFill>
+        <a:round/>
+      </a:ln>
+    </cs:spPr>
+    <cs:defRPr sz="900" kern="1200"/>
+  </cs:categoryAxis>
+  <cs:chartArea mods="allowNoFillOverride allowNoLineOverride">
+    <cs:lnRef idx="0"/>
+    <cs:fillRef idx="0"/>
+    <cs:effectRef idx="0"/>
+    <cs:fontRef idx="minor">
+      <a:schemeClr val="tx2"/>
+    </cs:fontRef>
+    <cs:spPr>
+      <a:solidFill>
+        <a:schemeClr val="bg1"/>
+      </a:solidFill>
+      <a:ln w="9525" cap="flat" cmpd="sng" algn="ctr">
+        <a:solidFill>
+          <a:schemeClr val="tx1">
+            <a:lumMod val="15000"/>
+            <a:lumOff val="85000"/>
+          </a:schemeClr>
+        </a:solidFill>
+        <a:round/>
+      </a:ln>
+    </cs:spPr>
+    <cs:defRPr sz="900" kern="1200"/>
+  </cs:chartArea>
+  <cs:dataLabel>
+    <cs:lnRef idx="0"/>
+    <cs:fillRef idx="0"/>
+    <cs:effectRef idx="0"/>
+    <cs:fontRef idx="minor">
+      <a:schemeClr val="tx1">
+        <a:lumMod val="75000"/>
+        <a:lumOff val="25000"/>
+      </a:schemeClr>
+    </cs:fontRef>
+    <cs:defRPr sz="900" kern="1200"/>
+  </cs:dataLabel>
+  <cs:dataLabelCallout>
+    <cs:lnRef idx="0"/>
+    <cs:fillRef idx="0"/>
+    <cs:effectRef idx="0"/>
+    <cs:fontRef idx="minor">
+      <a:schemeClr val="dk1">
+        <a:lumMod val="65000"/>
+        <a:lumOff val="35000"/>
+      </a:schemeClr>
+    </cs:fontRef>
+    <cs:spPr>
+      <a:solidFill>
+        <a:schemeClr val="lt1"/>
+      </a:solidFill>
+      <a:ln>
+        <a:solidFill>
+          <a:schemeClr val="dk1">
+            <a:lumMod val="25000"/>
+            <a:lumOff val="75000"/>
+          </a:schemeClr>
+        </a:solidFill>
+      </a:ln>
+    </cs:spPr>
+    <cs:defRPr sz="900" kern="1200"/>
+    <cs:bodyPr rot="0" spcFirstLastPara="1" vertOverflow="clip" horzOverflow="clip" vert="horz" wrap="square" lIns="36576" tIns="18288" rIns="36576" bIns="18288" anchor="ctr" anchorCtr="1">
+      <a:spAutoFit/>
+    </cs:bodyPr>
+  </cs:dataLabelCallout>
+  <cs:dataPoint>
+    <cs:lnRef idx="0"/>
+    <cs:fillRef idx="3">
+      <cs:styleClr val="auto"/>
+    </cs:fillRef>
+    <cs:effectRef idx="3"/>
+    <cs:fontRef idx="minor">
+      <a:schemeClr val="lt1"/>
+    </cs:fontRef>
+  </cs:dataPoint>
+  <cs:dataPoint3D>
+    <cs:lnRef idx="0"/>
+    <cs:fillRef idx="3">
+      <cs:styleClr val="auto"/>
+    </cs:fillRef>
+    <cs:effectRef idx="3"/>
+    <cs:fontRef idx="minor">
+      <a:schemeClr val="lt1"/>
+    </cs:fontRef>
+  </cs:dataPoint3D>
+  <cs:dataPointLine>
+    <cs:lnRef idx="0">
+      <cs:styleClr val="auto"/>
+    </cs:lnRef>
+    <cs:fillRef idx="3"/>
+    <cs:effectRef idx="3"/>
+    <cs:fontRef idx="minor">
+      <a:schemeClr val="lt1"/>
+    </cs:fontRef>
+    <cs:spPr>
+      <a:ln w="34925" cap="rnd">
+        <a:solidFill>
+          <a:schemeClr val="phClr"/>
+        </a:solidFill>
+        <a:round/>
+      </a:ln>
+    </cs:spPr>
+  </cs:dataPointLine>
+  <cs:dataPointMarker>
+    <cs:lnRef idx="0">
+      <cs:styleClr val="auto"/>
+    </cs:lnRef>
+    <cs:fillRef idx="3">
+      <cs:styleClr val="auto"/>
+    </cs:fillRef>
+    <cs:effectRef idx="3"/>
+    <cs:fontRef idx="minor">
+      <a:schemeClr val="lt1"/>
+    </cs:fontRef>
+    <cs:spPr>
+      <a:ln w="9525">
+        <a:solidFill>
+          <a:schemeClr val="phClr"/>
+        </a:solidFill>
+        <a:round/>
+      </a:ln>
+    </cs:spPr>
+  </cs:dataPointMarker>
+  <cs:dataPointMarkerLayout symbol="circle" size="6"/>
+  <cs:dataPointWireframe>
+    <cs:lnRef idx="0">
+      <cs:styleClr val="auto"/>
+    </cs:lnRef>
+    <cs:fillRef idx="3"/>
+    <cs:effectRef idx="3"/>
+    <cs:fontRef idx="minor">
+      <a:schemeClr val="lt1"/>
+    </cs:fontRef>
+    <cs:spPr>
+      <a:ln w="9525" cap="rnd">
+        <a:solidFill>
+          <a:schemeClr val="phClr"/>
+        </a:solidFill>
+        <a:round/>
+      </a:ln>
+    </cs:spPr>
+  </cs:dataPointWireframe>
+  <cs:dataTable>
+    <cs:lnRef idx="0"/>
+    <cs:fillRef idx="0"/>
+    <cs:effectRef idx="0"/>
+    <cs:fontRef idx="minor">
+      <a:schemeClr val="tx1">
+        <a:lumMod val="65000"/>
+        <a:lumOff val="35000"/>
+      </a:schemeClr>
+    </cs:fontRef>
+    <cs:spPr>
+      <a:noFill/>
+      <a:ln w="9525" cap="flat" cmpd="sng" algn="ctr">
+        <a:solidFill>
+          <a:schemeClr val="tx1">
+            <a:lumMod val="15000"/>
+            <a:lumOff val="85000"/>
+          </a:schemeClr>
+        </a:solidFill>
+        <a:round/>
+      </a:ln>
+    </cs:spPr>
+    <cs:defRPr sz="900" kern="1200"/>
+  </cs:dataTable>
+  <cs:downBar>
+    <cs:lnRef idx="0"/>
+    <cs:fillRef idx="0"/>
+    <cs:effectRef idx="0"/>
+    <cs:fontRef idx="minor">
+      <a:schemeClr val="dk1"/>
+    </cs:fontRef>
+    <cs:spPr>
+      <a:solidFill>
+        <a:schemeClr val="dk1">
+          <a:lumMod val="65000"/>
+          <a:lumOff val="35000"/>
+        </a:schemeClr>
+      </a:solidFill>
+      <a:ln w="9525">
+        <a:solidFill>
+          <a:schemeClr val="tx1">
+            <a:lumMod val="65000"/>
+            <a:lumOff val="35000"/>
+          </a:schemeClr>
+        </a:solidFill>
+      </a:ln>
+    </cs:spPr>
+  </cs:downBar>
+  <cs:dropLine>
+    <cs:lnRef idx="0"/>
+    <cs:fillRef idx="0"/>
+    <cs:effectRef idx="0"/>
+    <cs:fontRef idx="minor">
+      <a:schemeClr val="tx1"/>
+    </cs:fontRef>
+    <cs:spPr>
+      <a:ln w="9525" cap="flat" cmpd="sng" algn="ctr">
+        <a:solidFill>
+          <a:schemeClr val="tx1">
+            <a:lumMod val="35000"/>
+            <a:lumOff val="65000"/>
+          </a:schemeClr>
+        </a:solidFill>
+        <a:round/>
+      </a:ln>
+    </cs:spPr>
+  </cs:dropLine>
+  <cs:errorBar>
+    <cs:lnRef idx="0"/>
+    <cs:fillRef idx="0"/>
+    <cs:effectRef idx="0"/>
+    <cs:fontRef idx="minor">
+      <a:schemeClr val="tx1"/>
+    </cs:fontRef>
+    <cs:spPr>
+      <a:ln w="9525" cap="flat" cmpd="sng" algn="ctr">
+        <a:solidFill>
+          <a:schemeClr val="tx1">
+            <a:lumMod val="65000"/>
+            <a:lumOff val="35000"/>
+          </a:schemeClr>
+        </a:solidFill>
+        <a:round/>
+      </a:ln>
+    </cs:spPr>
+  </cs:errorBar>
+  <cs:floor>
+    <cs:lnRef idx="0"/>
+    <cs:fillRef idx="0"/>
+    <cs:effectRef idx="0"/>
+    <cs:fontRef idx="minor">
+      <a:schemeClr val="lt1"/>
+    </cs:fontRef>
+  </cs:floor>
+  <cs:gridlineMajor>
+    <cs:lnRef idx="0"/>
+    <cs:fillRef idx="0"/>
+    <cs:effectRef idx="0"/>
+    <cs:fontRef idx="minor">
+      <a:schemeClr val="tx1"/>
+    </cs:fontRef>
+    <cs:spPr>
+      <a:ln w="9525" cap="flat" cmpd="sng" algn="ctr">
+        <a:solidFill>
+          <a:schemeClr val="tx1">
+            <a:lumMod val="15000"/>
+            <a:lumOff val="85000"/>
+          </a:schemeClr>
+        </a:solidFill>
+        <a:round/>
+      </a:ln>
+    </cs:spPr>
+  </cs:gridlineMajor>
+  <cs:gridlineMinor>
+    <cs:lnRef idx="0"/>
+    <cs:fillRef idx="0"/>
+    <cs:effectRef idx="0"/>
+    <cs:fontRef idx="minor">
+      <a:schemeClr val="tx1"/>
+    </cs:fontRef>
+    <cs:spPr>
+      <a:ln w="9525" cap="flat" cmpd="sng" algn="ctr">
+        <a:solidFill>
+          <a:schemeClr val="tx1">
+            <a:lumMod val="5000"/>
+            <a:lumOff val="95000"/>
+          </a:schemeClr>
+        </a:solidFill>
+        <a:round/>
+      </a:ln>
+    </cs:spPr>
+  </cs:gridlineMinor>
+  <cs:hiLoLine>
+    <cs:lnRef idx="0"/>
+    <cs:fillRef idx="0"/>
+    <cs:effectRef idx="0"/>
+    <cs:fontRef idx="minor">
+      <a:schemeClr val="tx1"/>
+    </cs:fontRef>
+    <cs:spPr>
+      <a:ln w="9525" cap="flat" cmpd="sng" algn="ctr">
+        <a:solidFill>
+          <a:schemeClr val="tx1">
+            <a:lumMod val="75000"/>
+            <a:lumOff val="25000"/>
+          </a:schemeClr>
+        </a:solidFill>
+        <a:round/>
+      </a:ln>
+    </cs:spPr>
+  </cs:hiLoLine>
+  <cs:leaderLine>
+    <cs:lnRef idx="0"/>
+    <cs:fillRef idx="0"/>
+    <cs:effectRef idx="0"/>
+    <cs:fontRef idx="minor">
+      <a:schemeClr val="tx1"/>
+    </cs:fontRef>
+    <cs:spPr>
+      <a:ln w="9525" cap="flat" cmpd="sng" algn="ctr">
+        <a:solidFill>
+          <a:schemeClr val="tx1">
+            <a:lumMod val="35000"/>
+            <a:lumOff val="65000"/>
+          </a:schemeClr>
+        </a:solidFill>
+        <a:round/>
+      </a:ln>
+    </cs:spPr>
+  </cs:leaderLine>
+  <cs:legend>
+    <cs:lnRef idx="0"/>
+    <cs:fillRef idx="0"/>
+    <cs:effectRef idx="0"/>
+    <cs:fontRef idx="minor">
+      <a:schemeClr val="tx1">
+        <a:lumMod val="65000"/>
+        <a:lumOff val="35000"/>
+      </a:schemeClr>
+    </cs:fontRef>
+    <cs:defRPr sz="900" kern="1200"/>
+  </cs:legend>
+  <cs:plotArea>
+    <cs:lnRef idx="0"/>
+    <cs:fillRef idx="0"/>
+    <cs:effectRef idx="0"/>
+    <cs:fontRef idx="minor">
+      <a:schemeClr val="lt1"/>
+    </cs:fontRef>
+  </cs:plotArea>
+  <cs:plotArea3D>
+    <cs:lnRef idx="0"/>
+    <cs:fillRef idx="0"/>
+    <cs:effectRef idx="0"/>
+    <cs:fontRef idx="minor">
+      <a:schemeClr val="lt1"/>
+    </cs:fontRef>
+  </cs:plotArea3D>
+  <cs:seriesAxis>
+    <cs:lnRef idx="0"/>
+    <cs:fillRef idx="0"/>
+    <cs:effectRef idx="0"/>
+    <cs:fontRef idx="minor">
+      <a:schemeClr val="tx1">
+        <a:lumMod val="65000"/>
+        <a:lumOff val="35000"/>
+      </a:schemeClr>
+    </cs:fontRef>
+    <cs:spPr>
+      <a:ln w="12700" cap="flat" cmpd="sng" algn="ctr">
+        <a:solidFill>
+          <a:schemeClr val="tx1">
+            <a:lumMod val="15000"/>
+            <a:lumOff val="85000"/>
+          </a:schemeClr>
+        </a:solidFill>
+        <a:round/>
+      </a:ln>
+    </cs:spPr>
+    <cs:defRPr sz="900" kern="1200"/>
+  </cs:seriesAxis>
+  <cs:seriesLine>
+    <cs:lnRef idx="0"/>
+    <cs:fillRef idx="0"/>
+    <cs:effectRef idx="0"/>
+    <cs:fontRef idx="minor">
+      <a:schemeClr val="tx1"/>
+    </cs:fontRef>
+    <cs:spPr>
+      <a:ln w="9525" cap="flat" cmpd="sng" algn="ctr">
+        <a:solidFill>
+          <a:schemeClr val="tx1">
+            <a:lumMod val="35000"/>
+            <a:lumOff val="65000"/>
+          </a:schemeClr>
+        </a:solidFill>
+        <a:round/>
+      </a:ln>
+    </cs:spPr>
+  </cs:seriesLine>
+  <cs:title>
+    <cs:lnRef idx="0"/>
+    <cs:fillRef idx="0"/>
+    <cs:effectRef idx="0"/>
+    <cs:fontRef idx="minor">
+      <a:schemeClr val="tx1">
+        <a:lumMod val="65000"/>
+        <a:lumOff val="35000"/>
+      </a:schemeClr>
+    </cs:fontRef>
+    <cs:defRPr sz="1600" b="1" kern="1200" baseline="0"/>
+  </cs:title>
+  <cs:trendline>
+    <cs:lnRef idx="0">
+      <cs:styleClr val="auto"/>
+    </cs:lnRef>
+    <cs:fillRef idx="0"/>
+    <cs:effectRef idx="0"/>
+    <cs:fontRef idx="minor">
+      <a:schemeClr val="lt1"/>
+    </cs:fontRef>
+    <cs:spPr>
+      <a:ln w="19050" cap="rnd">
+        <a:solidFill>
+          <a:schemeClr val="phClr"/>
+        </a:solidFill>
+      </a:ln>
+    </cs:spPr>
+  </cs:trendline>
+  <cs:trendlineLabel>
+    <cs:lnRef idx="0"/>
+    <cs:fillRef idx="0"/>
+    <cs:effectRef idx="0"/>
+    <cs:fontRef idx="minor">
+      <a:schemeClr val="tx1">
+        <a:lumMod val="65000"/>
+        <a:lumOff val="35000"/>
+      </a:schemeClr>
+    </cs:fontRef>
+    <cs:defRPr sz="900" kern="1200"/>
+  </cs:trendlineLabel>
+  <cs:upBar>
+    <cs:lnRef idx="0"/>
+    <cs:fillRef idx="0"/>
+    <cs:effectRef idx="0"/>
+    <cs:fontRef idx="minor">
+      <a:schemeClr val="dk1"/>
+    </cs:fontRef>
+    <cs:spPr>
+      <a:solidFill>
+        <a:schemeClr val="lt1"/>
+      </a:solidFill>
+      <a:ln w="9525">
+        <a:solidFill>
+          <a:schemeClr val="tx1">
+            <a:lumMod val="15000"/>
+            <a:lumOff val="85000"/>
+          </a:schemeClr>
+        </a:solidFill>
+      </a:ln>
+    </cs:spPr>
+  </cs:upBar>
+  <cs:valueAxis>
+    <cs:lnRef idx="0"/>
+    <cs:fillRef idx="0"/>
+    <cs:effectRef idx="0"/>
+    <cs:fontRef idx="minor">
+      <a:schemeClr val="tx1">
+        <a:lumMod val="65000"/>
+        <a:lumOff val="35000"/>
+      </a:schemeClr>
+    </cs:fontRef>
+    <cs:defRPr sz="900" kern="1200"/>
+  </cs:valueAxis>
+  <cs:wall>
+    <cs:lnRef idx="0"/>
+    <cs:fillRef idx="0"/>
+    <cs:effectRef idx="0"/>
+    <cs:fontRef idx="minor">
+      <a:schemeClr val="lt1"/>
+    </cs:fontRef>
+  </cs:wall>
+</cs:chartStyle>
+</file>
+
+<file path=ppt/charts/style4.xml><?xml version="1.0" encoding="utf-8"?>
+<cs:chartStyle xmlns:cs="http://schemas.microsoft.com/office/drawing/2012/chartStyle" xmlns:a="http://schemas.openxmlformats.org/drawingml/2006/main" id="351">
+  <cs:axisTitle>
+    <cs:lnRef idx="0"/>
+    <cs:fillRef idx="0"/>
+    <cs:effectRef idx="0"/>
+    <cs:fontRef idx="minor">
+      <a:schemeClr val="tx1">
+        <a:lumMod val="65000"/>
+        <a:lumOff val="35000"/>
+      </a:schemeClr>
+    </cs:fontRef>
+    <cs:defRPr sz="900" kern="1200"/>
+  </cs:axisTitle>
+  <cs:categoryAxis>
+    <cs:lnRef idx="0"/>
+    <cs:fillRef idx="0"/>
+    <cs:effectRef idx="0"/>
+    <cs:fontRef idx="minor">
+      <a:schemeClr val="tx1">
+        <a:lumMod val="65000"/>
+        <a:lumOff val="35000"/>
+      </a:schemeClr>
+    </cs:fontRef>
+    <cs:spPr>
+      <a:ln w="12700" cap="flat" cmpd="sng" algn="ctr">
+        <a:solidFill>
+          <a:schemeClr val="tx1">
+            <a:lumMod val="15000"/>
+            <a:lumOff val="85000"/>
+          </a:schemeClr>
+        </a:solidFill>
+        <a:round/>
+      </a:ln>
+    </cs:spPr>
+    <cs:defRPr sz="900" kern="1200"/>
+  </cs:categoryAxis>
+  <cs:chartArea mods="allowNoFillOverride allowNoLineOverride">
+    <cs:lnRef idx="0"/>
+    <cs:fillRef idx="0"/>
+    <cs:effectRef idx="0"/>
+    <cs:fontRef idx="minor">
+      <a:schemeClr val="tx2"/>
+    </cs:fontRef>
+    <cs:spPr>
+      <a:solidFill>
+        <a:schemeClr val="bg1"/>
+      </a:solidFill>
+      <a:ln w="9525" cap="flat" cmpd="sng" algn="ctr">
+        <a:solidFill>
+          <a:schemeClr val="tx1">
+            <a:lumMod val="15000"/>
+            <a:lumOff val="85000"/>
+          </a:schemeClr>
+        </a:solidFill>
+        <a:round/>
+      </a:ln>
+    </cs:spPr>
+    <cs:defRPr sz="900" kern="1200"/>
+  </cs:chartArea>
+  <cs:dataLabel>
+    <cs:lnRef idx="0"/>
+    <cs:fillRef idx="0"/>
+    <cs:effectRef idx="0"/>
+    <cs:fontRef idx="minor">
+      <a:schemeClr val="tx1">
+        <a:lumMod val="75000"/>
+        <a:lumOff val="25000"/>
+      </a:schemeClr>
+    </cs:fontRef>
+    <cs:defRPr sz="900" kern="1200"/>
+  </cs:dataLabel>
+  <cs:dataLabelCallout>
+    <cs:lnRef idx="0"/>
+    <cs:fillRef idx="0"/>
+    <cs:effectRef idx="0"/>
+    <cs:fontRef idx="minor">
+      <a:schemeClr val="dk1">
+        <a:lumMod val="65000"/>
+        <a:lumOff val="35000"/>
+      </a:schemeClr>
+    </cs:fontRef>
+    <cs:spPr>
+      <a:solidFill>
+        <a:schemeClr val="lt1"/>
+      </a:solidFill>
+      <a:ln>
+        <a:solidFill>
+          <a:schemeClr val="dk1">
+            <a:lumMod val="25000"/>
+            <a:lumOff val="75000"/>
+          </a:schemeClr>
+        </a:solidFill>
+      </a:ln>
+    </cs:spPr>
+    <cs:defRPr sz="900" kern="1200"/>
+    <cs:bodyPr rot="0" spcFirstLastPara="1" vertOverflow="clip" horzOverflow="clip" vert="horz" wrap="square" lIns="36576" tIns="18288" rIns="36576" bIns="18288" anchor="ctr" anchorCtr="1">
+      <a:spAutoFit/>
+    </cs:bodyPr>
+  </cs:dataLabelCallout>
+  <cs:dataPoint>
+    <cs:lnRef idx="0"/>
+    <cs:fillRef idx="3">
+      <cs:styleClr val="auto"/>
+    </cs:fillRef>
+    <cs:effectRef idx="3"/>
+    <cs:fontRef idx="minor">
+      <a:schemeClr val="lt1"/>
+    </cs:fontRef>
+  </cs:dataPoint>
+  <cs:dataPoint3D>
+    <cs:lnRef idx="0"/>
+    <cs:fillRef idx="3">
+      <cs:styleClr val="auto"/>
+    </cs:fillRef>
+    <cs:effectRef idx="3"/>
+    <cs:fontRef idx="minor">
+      <a:schemeClr val="lt1"/>
+    </cs:fontRef>
+  </cs:dataPoint3D>
+  <cs:dataPointLine>
+    <cs:lnRef idx="0">
+      <cs:styleClr val="auto"/>
+    </cs:lnRef>
+    <cs:fillRef idx="3"/>
+    <cs:effectRef idx="3"/>
+    <cs:fontRef idx="minor">
+      <a:schemeClr val="lt1"/>
+    </cs:fontRef>
+    <cs:spPr>
+      <a:ln w="34925" cap="rnd">
+        <a:solidFill>
+          <a:schemeClr val="phClr"/>
+        </a:solidFill>
+        <a:round/>
+      </a:ln>
+    </cs:spPr>
+  </cs:dataPointLine>
+  <cs:dataPointMarker>
+    <cs:lnRef idx="0">
+      <cs:styleClr val="auto"/>
+    </cs:lnRef>
+    <cs:fillRef idx="3">
+      <cs:styleClr val="auto"/>
+    </cs:fillRef>
+    <cs:effectRef idx="3"/>
+    <cs:fontRef idx="minor">
+      <a:schemeClr val="lt1"/>
+    </cs:fontRef>
+    <cs:spPr>
+      <a:ln w="9525">
+        <a:solidFill>
+          <a:schemeClr val="phClr"/>
+        </a:solidFill>
+        <a:round/>
+      </a:ln>
+    </cs:spPr>
+  </cs:dataPointMarker>
+  <cs:dataPointMarkerLayout symbol="circle" size="6"/>
+  <cs:dataPointWireframe>
+    <cs:lnRef idx="0">
+      <cs:styleClr val="auto"/>
+    </cs:lnRef>
+    <cs:fillRef idx="3"/>
+    <cs:effectRef idx="3"/>
+    <cs:fontRef idx="minor">
+      <a:schemeClr val="lt1"/>
+    </cs:fontRef>
+    <cs:spPr>
+      <a:ln w="9525" cap="rnd">
+        <a:solidFill>
+          <a:schemeClr val="phClr"/>
+        </a:solidFill>
+        <a:round/>
+      </a:ln>
+    </cs:spPr>
+  </cs:dataPointWireframe>
+  <cs:dataTable>
+    <cs:lnRef idx="0"/>
+    <cs:fillRef idx="0"/>
+    <cs:effectRef idx="0"/>
+    <cs:fontRef idx="minor">
+      <a:schemeClr val="tx1">
+        <a:lumMod val="65000"/>
+        <a:lumOff val="35000"/>
+      </a:schemeClr>
+    </cs:fontRef>
+    <cs:spPr>
+      <a:noFill/>
+      <a:ln w="9525" cap="flat" cmpd="sng" algn="ctr">
+        <a:solidFill>
+          <a:schemeClr val="tx1">
+            <a:lumMod val="15000"/>
+            <a:lumOff val="85000"/>
+          </a:schemeClr>
+        </a:solidFill>
+        <a:round/>
+      </a:ln>
+    </cs:spPr>
+    <cs:defRPr sz="900" kern="1200"/>
+  </cs:dataTable>
+  <cs:downBar>
+    <cs:lnRef idx="0"/>
+    <cs:fillRef idx="0"/>
+    <cs:effectRef idx="0"/>
+    <cs:fontRef idx="minor">
+      <a:schemeClr val="dk1"/>
+    </cs:fontRef>
+    <cs:spPr>
+      <a:solidFill>
+        <a:schemeClr val="dk1">
+          <a:lumMod val="65000"/>
+          <a:lumOff val="35000"/>
+        </a:schemeClr>
+      </a:solidFill>
+      <a:ln w="9525">
+        <a:solidFill>
+          <a:schemeClr val="tx1">
+            <a:lumMod val="65000"/>
+            <a:lumOff val="35000"/>
+          </a:schemeClr>
+        </a:solidFill>
+      </a:ln>
+    </cs:spPr>
+  </cs:downBar>
+  <cs:dropLine>
+    <cs:lnRef idx="0"/>
+    <cs:fillRef idx="0"/>
+    <cs:effectRef idx="0"/>
+    <cs:fontRef idx="minor">
+      <a:schemeClr val="tx1"/>
+    </cs:fontRef>
+    <cs:spPr>
+      <a:ln w="9525" cap="flat" cmpd="sng" algn="ctr">
+        <a:solidFill>
+          <a:schemeClr val="tx1">
+            <a:lumMod val="35000"/>
+            <a:lumOff val="65000"/>
+          </a:schemeClr>
+        </a:solidFill>
+        <a:round/>
+      </a:ln>
+    </cs:spPr>
+  </cs:dropLine>
+  <cs:errorBar>
+    <cs:lnRef idx="0"/>
+    <cs:fillRef idx="0"/>
+    <cs:effectRef idx="0"/>
+    <cs:fontRef idx="minor">
+      <a:schemeClr val="tx1"/>
+    </cs:fontRef>
+    <cs:spPr>
+      <a:ln w="9525" cap="flat" cmpd="sng" algn="ctr">
+        <a:solidFill>
+          <a:schemeClr val="tx1">
+            <a:lumMod val="65000"/>
+            <a:lumOff val="35000"/>
+          </a:schemeClr>
+        </a:solidFill>
+        <a:round/>
+      </a:ln>
+    </cs:spPr>
+  </cs:errorBar>
+  <cs:floor>
+    <cs:lnRef idx="0"/>
+    <cs:fillRef idx="0"/>
+    <cs:effectRef idx="0"/>
+    <cs:fontRef idx="minor">
+      <a:schemeClr val="lt1"/>
+    </cs:fontRef>
+  </cs:floor>
+  <cs:gridlineMajor>
+    <cs:lnRef idx="0"/>
+    <cs:fillRef idx="0"/>
+    <cs:effectRef idx="0"/>
+    <cs:fontRef idx="minor">
+      <a:schemeClr val="tx1"/>
+    </cs:fontRef>
+    <cs:spPr>
+      <a:ln w="9525" cap="flat" cmpd="sng" algn="ctr">
+        <a:solidFill>
+          <a:schemeClr val="tx1">
+            <a:lumMod val="15000"/>
+            <a:lumOff val="85000"/>
+          </a:schemeClr>
+        </a:solidFill>
+        <a:round/>
+      </a:ln>
+    </cs:spPr>
+  </cs:gridlineMajor>
+  <cs:gridlineMinor>
+    <cs:lnRef idx="0"/>
+    <cs:fillRef idx="0"/>
+    <cs:effectRef idx="0"/>
+    <cs:fontRef idx="minor">
+      <a:schemeClr val="tx1"/>
+    </cs:fontRef>
+    <cs:spPr>
+      <a:ln w="9525" cap="flat" cmpd="sng" algn="ctr">
+        <a:solidFill>
+          <a:schemeClr val="tx1">
+            <a:lumMod val="5000"/>
+            <a:lumOff val="95000"/>
+          </a:schemeClr>
+        </a:solidFill>
+        <a:round/>
+      </a:ln>
+    </cs:spPr>
+  </cs:gridlineMinor>
+  <cs:hiLoLine>
+    <cs:lnRef idx="0"/>
+    <cs:fillRef idx="0"/>
+    <cs:effectRef idx="0"/>
+    <cs:fontRef idx="minor">
+      <a:schemeClr val="tx1"/>
+    </cs:fontRef>
+    <cs:spPr>
+      <a:ln w="9525" cap="flat" cmpd="sng" algn="ctr">
+        <a:solidFill>
+          <a:schemeClr val="tx1">
+            <a:lumMod val="75000"/>
+            <a:lumOff val="25000"/>
+          </a:schemeClr>
+        </a:solidFill>
+        <a:round/>
+      </a:ln>
+    </cs:spPr>
+  </cs:hiLoLine>
+  <cs:leaderLine>
+    <cs:lnRef idx="0"/>
+    <cs:fillRef idx="0"/>
+    <cs:effectRef idx="0"/>
+    <cs:fontRef idx="minor">
+      <a:schemeClr val="tx1"/>
+    </cs:fontRef>
+    <cs:spPr>
+      <a:ln w="9525" cap="flat" cmpd="sng" algn="ctr">
+        <a:solidFill>
+          <a:schemeClr val="tx1">
+            <a:lumMod val="35000"/>
+            <a:lumOff val="65000"/>
+          </a:schemeClr>
+        </a:solidFill>
+        <a:round/>
+      </a:ln>
+    </cs:spPr>
+  </cs:leaderLine>
+  <cs:legend>
+    <cs:lnRef idx="0"/>
+    <cs:fillRef idx="0"/>
+    <cs:effectRef idx="0"/>
+    <cs:fontRef idx="minor">
+      <a:schemeClr val="tx1">
+        <a:lumMod val="65000"/>
+        <a:lumOff val="35000"/>
+      </a:schemeClr>
+    </cs:fontRef>
+    <cs:defRPr sz="900" kern="1200"/>
+  </cs:legend>
+  <cs:plotArea>
+    <cs:lnRef idx="0"/>
+    <cs:fillRef idx="0"/>
+    <cs:effectRef idx="0"/>
+    <cs:fontRef idx="minor">
+      <a:schemeClr val="lt1"/>
+    </cs:fontRef>
+  </cs:plotArea>
+  <cs:plotArea3D>
+    <cs:lnRef idx="0"/>
+    <cs:fillRef idx="0"/>
+    <cs:effectRef idx="0"/>
+    <cs:fontRef idx="minor">
+      <a:schemeClr val="lt1"/>
+    </cs:fontRef>
+  </cs:plotArea3D>
+  <cs:seriesAxis>
+    <cs:lnRef idx="0"/>
+    <cs:fillRef idx="0"/>
+    <cs:effectRef idx="0"/>
+    <cs:fontRef idx="minor">
+      <a:schemeClr val="tx1">
+        <a:lumMod val="65000"/>
+        <a:lumOff val="35000"/>
+      </a:schemeClr>
+    </cs:fontRef>
+    <cs:spPr>
+      <a:ln w="12700" cap="flat" cmpd="sng" algn="ctr">
+        <a:solidFill>
+          <a:schemeClr val="tx1">
+            <a:lumMod val="15000"/>
+            <a:lumOff val="85000"/>
+          </a:schemeClr>
+        </a:solidFill>
+        <a:round/>
+      </a:ln>
+    </cs:spPr>
+    <cs:defRPr sz="900" kern="1200"/>
+  </cs:seriesAxis>
+  <cs:seriesLine>
+    <cs:lnRef idx="0"/>
+    <cs:fillRef idx="0"/>
+    <cs:effectRef idx="0"/>
+    <cs:fontRef idx="minor">
+      <a:schemeClr val="tx1"/>
+    </cs:fontRef>
+    <cs:spPr>
+      <a:ln w="9525" cap="flat" cmpd="sng" algn="ctr">
+        <a:solidFill>
+          <a:schemeClr val="tx1">
+            <a:lumMod val="35000"/>
+            <a:lumOff val="65000"/>
+          </a:schemeClr>
+        </a:solidFill>
+        <a:round/>
+      </a:ln>
+    </cs:spPr>
+  </cs:seriesLine>
+  <cs:title>
+    <cs:lnRef idx="0"/>
+    <cs:fillRef idx="0"/>
+    <cs:effectRef idx="0"/>
+    <cs:fontRef idx="minor">
+      <a:schemeClr val="tx1">
+        <a:lumMod val="65000"/>
+        <a:lumOff val="35000"/>
+      </a:schemeClr>
+    </cs:fontRef>
+    <cs:defRPr sz="1600" b="1" kern="1200" baseline="0"/>
+  </cs:title>
+  <cs:trendline>
+    <cs:lnRef idx="0">
+      <cs:styleClr val="auto"/>
+    </cs:lnRef>
+    <cs:fillRef idx="0"/>
+    <cs:effectRef idx="0"/>
+    <cs:fontRef idx="minor">
+      <a:schemeClr val="lt1"/>
+    </cs:fontRef>
+    <cs:spPr>
+      <a:ln w="19050" cap="rnd">
+        <a:solidFill>
+          <a:schemeClr val="phClr"/>
+        </a:solidFill>
+      </a:ln>
+    </cs:spPr>
+  </cs:trendline>
+  <cs:trendlineLabel>
+    <cs:lnRef idx="0"/>
+    <cs:fillRef idx="0"/>
+    <cs:effectRef idx="0"/>
+    <cs:fontRef idx="minor">
+      <a:schemeClr val="tx1">
+        <a:lumMod val="65000"/>
+        <a:lumOff val="35000"/>
+      </a:schemeClr>
+    </cs:fontRef>
+    <cs:defRPr sz="900" kern="1200"/>
+  </cs:trendlineLabel>
+  <cs:upBar>
+    <cs:lnRef idx="0"/>
+    <cs:fillRef idx="0"/>
+    <cs:effectRef idx="0"/>
+    <cs:fontRef idx="minor">
+      <a:schemeClr val="dk1"/>
+    </cs:fontRef>
+    <cs:spPr>
+      <a:solidFill>
+        <a:schemeClr val="lt1"/>
+      </a:solidFill>
+      <a:ln w="9525">
+        <a:solidFill>
+          <a:schemeClr val="tx1">
+            <a:lumMod val="15000"/>
+            <a:lumOff val="85000"/>
+          </a:schemeClr>
+        </a:solidFill>
+      </a:ln>
+    </cs:spPr>
+  </cs:upBar>
+  <cs:valueAxis>
+    <cs:lnRef idx="0"/>
+    <cs:fillRef idx="0"/>
+    <cs:effectRef idx="0"/>
+    <cs:fontRef idx="minor">
+      <a:schemeClr val="tx1">
+        <a:lumMod val="65000"/>
+        <a:lumOff val="35000"/>
+      </a:schemeClr>
+    </cs:fontRef>
+    <cs:defRPr sz="900" kern="1200"/>
+  </cs:valueAxis>
+  <cs:wall>
+    <cs:lnRef idx="0"/>
+    <cs:fillRef idx="0"/>
+    <cs:effectRef idx="0"/>
+    <cs:fontRef idx="minor">
+      <a:schemeClr val="lt1"/>
+    </cs:fontRef>
+  </cs:wall>
+</cs:chartStyle>
 </file>
 
 <file path=ppt/diagrams/colors1.xml><?xml version="1.0" encoding="utf-8"?>
@@ -1405,381 +4523,6 @@
       <dsp:cNvGrpSpPr/>
     </dsp:nvGrpSpPr>
     <dsp:grpSpPr/>
-    <dsp:sp modelId="{0A8B0C33-BC98-4F53-A86B-A4894EFDB155}">
-      <dsp:nvSpPr>
-        <dsp:cNvPr id="0" name=""/>
-        <dsp:cNvSpPr/>
-      </dsp:nvSpPr>
-      <dsp:spPr>
-        <a:xfrm>
-          <a:off x="4085956" y="0"/>
-          <a:ext cx="2042978" cy="1060270"/>
-        </a:xfrm>
-        <a:prstGeom prst="trapezoid">
-          <a:avLst>
-            <a:gd name="adj" fmla="val 96342"/>
-          </a:avLst>
-        </a:prstGeom>
-        <a:solidFill>
-          <a:schemeClr val="accent5">
-            <a:hueOff val="0"/>
-            <a:satOff val="0"/>
-            <a:lumOff val="0"/>
-            <a:alphaOff val="0"/>
-          </a:schemeClr>
-        </a:solidFill>
-        <a:ln>
-          <a:noFill/>
-        </a:ln>
-        <a:effectLst/>
-        <a:sp3d extrusionH="381000" contourW="38100" prstMaterial="matte">
-          <a:contourClr>
-            <a:schemeClr val="lt1"/>
-          </a:contourClr>
-        </a:sp3d>
-      </dsp:spPr>
-      <dsp:style>
-        <a:lnRef idx="0">
-          <a:scrgbClr r="0" g="0" b="0"/>
-        </a:lnRef>
-        <a:fillRef idx="1">
-          <a:scrgbClr r="0" g="0" b="0"/>
-        </a:fillRef>
-        <a:effectRef idx="0">
-          <a:scrgbClr r="0" g="0" b="0"/>
-        </a:effectRef>
-        <a:fontRef idx="minor">
-          <a:schemeClr val="lt1"/>
-        </a:fontRef>
-      </dsp:style>
-      <dsp:txBody>
-        <a:bodyPr spcFirstLastPara="0" vert="horz" wrap="square" lIns="40640" tIns="40640" rIns="40640" bIns="40640" numCol="1" spcCol="1270" anchor="ctr" anchorCtr="0">
-          <a:noAutofit/>
-        </a:bodyPr>
-        <a:lstStyle/>
-        <a:p>
-          <a:pPr lvl="0" algn="ctr" defTabSz="1422400">
-            <a:lnSpc>
-              <a:spcPct val="90000"/>
-            </a:lnSpc>
-            <a:spcBef>
-              <a:spcPct val="0"/>
-            </a:spcBef>
-            <a:spcAft>
-              <a:spcPct val="35000"/>
-            </a:spcAft>
-          </a:pPr>
-          <a:r>
-            <a:rPr lang="en-CA" sz="3200" kern="1200" dirty="0" smtClean="0"/>
-            <a:t>Biospheres</a:t>
-          </a:r>
-          <a:endParaRPr lang="en-CA" sz="2400" kern="1200" dirty="0"/>
-        </a:p>
-      </dsp:txBody>
-      <dsp:txXfrm>
-        <a:off x="4085956" y="0"/>
-        <a:ext cx="2042978" cy="1060270"/>
-      </dsp:txXfrm>
-    </dsp:sp>
-    <dsp:sp modelId="{FD24D2D0-1718-4D88-923C-CE2608004718}">
-      <dsp:nvSpPr>
-        <dsp:cNvPr id="0" name=""/>
-        <dsp:cNvSpPr/>
-      </dsp:nvSpPr>
-      <dsp:spPr>
-        <a:xfrm>
-          <a:off x="3064467" y="1060269"/>
-          <a:ext cx="4085956" cy="1060270"/>
-        </a:xfrm>
-        <a:prstGeom prst="trapezoid">
-          <a:avLst>
-            <a:gd name="adj" fmla="val 96342"/>
-          </a:avLst>
-        </a:prstGeom>
-        <a:solidFill>
-          <a:schemeClr val="accent5">
-            <a:hueOff val="-1838336"/>
-            <a:satOff val="-2557"/>
-            <a:lumOff val="-981"/>
-            <a:alphaOff val="0"/>
-          </a:schemeClr>
-        </a:solidFill>
-        <a:ln>
-          <a:noFill/>
-        </a:ln>
-        <a:effectLst/>
-        <a:sp3d extrusionH="381000" contourW="38100" prstMaterial="matte">
-          <a:contourClr>
-            <a:schemeClr val="lt1"/>
-          </a:contourClr>
-        </a:sp3d>
-      </dsp:spPr>
-      <dsp:style>
-        <a:lnRef idx="0">
-          <a:scrgbClr r="0" g="0" b="0"/>
-        </a:lnRef>
-        <a:fillRef idx="1">
-          <a:scrgbClr r="0" g="0" b="0"/>
-        </a:fillRef>
-        <a:effectRef idx="0">
-          <a:scrgbClr r="0" g="0" b="0"/>
-        </a:effectRef>
-        <a:fontRef idx="minor">
-          <a:schemeClr val="lt1"/>
-        </a:fontRef>
-      </dsp:style>
-      <dsp:txBody>
-        <a:bodyPr spcFirstLastPara="0" vert="horz" wrap="square" lIns="40640" tIns="40640" rIns="40640" bIns="40640" numCol="1" spcCol="1270" anchor="ctr" anchorCtr="0">
-          <a:noAutofit/>
-        </a:bodyPr>
-        <a:lstStyle/>
-        <a:p>
-          <a:pPr lvl="0" algn="ctr" defTabSz="1422400">
-            <a:lnSpc>
-              <a:spcPct val="90000"/>
-            </a:lnSpc>
-            <a:spcBef>
-              <a:spcPct val="0"/>
-            </a:spcBef>
-            <a:spcAft>
-              <a:spcPct val="35000"/>
-            </a:spcAft>
-          </a:pPr>
-          <a:r>
-            <a:rPr lang="en-CA" sz="3200" kern="1200" dirty="0" smtClean="0"/>
-            <a:t>Ecosystems</a:t>
-          </a:r>
-          <a:endParaRPr lang="en-CA" sz="3700" kern="1200" dirty="0"/>
-        </a:p>
-      </dsp:txBody>
-      <dsp:txXfrm>
-        <a:off x="3779510" y="1060269"/>
-        <a:ext cx="2655871" cy="1060270"/>
-      </dsp:txXfrm>
-    </dsp:sp>
-    <dsp:sp modelId="{3A456D93-3B6B-4D17-BC49-2BB5171AD9D8}">
-      <dsp:nvSpPr>
-        <dsp:cNvPr id="0" name=""/>
-        <dsp:cNvSpPr/>
-      </dsp:nvSpPr>
-      <dsp:spPr>
-        <a:xfrm>
-          <a:off x="2042978" y="2120539"/>
-          <a:ext cx="6128935" cy="1060270"/>
-        </a:xfrm>
-        <a:prstGeom prst="trapezoid">
-          <a:avLst>
-            <a:gd name="adj" fmla="val 96342"/>
-          </a:avLst>
-        </a:prstGeom>
-        <a:solidFill>
-          <a:schemeClr val="accent5">
-            <a:hueOff val="-3676672"/>
-            <a:satOff val="-5114"/>
-            <a:lumOff val="-1961"/>
-            <a:alphaOff val="0"/>
-          </a:schemeClr>
-        </a:solidFill>
-        <a:ln>
-          <a:noFill/>
-        </a:ln>
-        <a:effectLst/>
-        <a:sp3d extrusionH="381000" contourW="38100" prstMaterial="matte">
-          <a:contourClr>
-            <a:schemeClr val="lt1"/>
-          </a:contourClr>
-        </a:sp3d>
-      </dsp:spPr>
-      <dsp:style>
-        <a:lnRef idx="0">
-          <a:scrgbClr r="0" g="0" b="0"/>
-        </a:lnRef>
-        <a:fillRef idx="1">
-          <a:scrgbClr r="0" g="0" b="0"/>
-        </a:fillRef>
-        <a:effectRef idx="0">
-          <a:scrgbClr r="0" g="0" b="0"/>
-        </a:effectRef>
-        <a:fontRef idx="minor">
-          <a:schemeClr val="lt1"/>
-        </a:fontRef>
-      </dsp:style>
-      <dsp:txBody>
-        <a:bodyPr spcFirstLastPara="0" vert="horz" wrap="square" lIns="40640" tIns="40640" rIns="40640" bIns="40640" numCol="1" spcCol="1270" anchor="ctr" anchorCtr="0">
-          <a:noAutofit/>
-        </a:bodyPr>
-        <a:lstStyle/>
-        <a:p>
-          <a:pPr lvl="0" algn="ctr" defTabSz="1422400">
-            <a:lnSpc>
-              <a:spcPct val="90000"/>
-            </a:lnSpc>
-            <a:spcBef>
-              <a:spcPct val="0"/>
-            </a:spcBef>
-            <a:spcAft>
-              <a:spcPct val="35000"/>
-            </a:spcAft>
-          </a:pPr>
-          <a:r>
-            <a:rPr lang="en-CA" sz="3200" kern="1200" dirty="0" smtClean="0"/>
-            <a:t>Populations</a:t>
-          </a:r>
-          <a:endParaRPr lang="en-CA" sz="5400" kern="1200" dirty="0"/>
-        </a:p>
-      </dsp:txBody>
-      <dsp:txXfrm>
-        <a:off x="3115542" y="2120539"/>
-        <a:ext cx="3983807" cy="1060270"/>
-      </dsp:txXfrm>
-    </dsp:sp>
-    <dsp:sp modelId="{4C916F93-815B-4D0B-8131-1146365764FC}">
-      <dsp:nvSpPr>
-        <dsp:cNvPr id="0" name=""/>
-        <dsp:cNvSpPr/>
-      </dsp:nvSpPr>
-      <dsp:spPr>
-        <a:xfrm>
-          <a:off x="1021489" y="3180809"/>
-          <a:ext cx="8171913" cy="1060270"/>
-        </a:xfrm>
-        <a:prstGeom prst="trapezoid">
-          <a:avLst>
-            <a:gd name="adj" fmla="val 96342"/>
-          </a:avLst>
-        </a:prstGeom>
-        <a:solidFill>
-          <a:schemeClr val="accent5">
-            <a:hueOff val="-5515009"/>
-            <a:satOff val="-7671"/>
-            <a:lumOff val="-2942"/>
-            <a:alphaOff val="0"/>
-          </a:schemeClr>
-        </a:solidFill>
-        <a:ln>
-          <a:noFill/>
-        </a:ln>
-        <a:effectLst/>
-        <a:sp3d extrusionH="381000" contourW="38100" prstMaterial="matte">
-          <a:contourClr>
-            <a:schemeClr val="lt1"/>
-          </a:contourClr>
-        </a:sp3d>
-      </dsp:spPr>
-      <dsp:style>
-        <a:lnRef idx="0">
-          <a:scrgbClr r="0" g="0" b="0"/>
-        </a:lnRef>
-        <a:fillRef idx="1">
-          <a:scrgbClr r="0" g="0" b="0"/>
-        </a:fillRef>
-        <a:effectRef idx="0">
-          <a:scrgbClr r="0" g="0" b="0"/>
-        </a:effectRef>
-        <a:fontRef idx="minor">
-          <a:schemeClr val="lt1"/>
-        </a:fontRef>
-      </dsp:style>
-      <dsp:txBody>
-        <a:bodyPr spcFirstLastPara="0" vert="horz" wrap="square" lIns="40640" tIns="40640" rIns="40640" bIns="40640" numCol="1" spcCol="1270" anchor="ctr" anchorCtr="0">
-          <a:noAutofit/>
-        </a:bodyPr>
-        <a:lstStyle/>
-        <a:p>
-          <a:pPr lvl="0" algn="ctr" defTabSz="1422400">
-            <a:lnSpc>
-              <a:spcPct val="90000"/>
-            </a:lnSpc>
-            <a:spcBef>
-              <a:spcPct val="0"/>
-            </a:spcBef>
-            <a:spcAft>
-              <a:spcPct val="35000"/>
-            </a:spcAft>
-          </a:pPr>
-          <a:r>
-            <a:rPr lang="en-CA" sz="3200" kern="1200" dirty="0" smtClean="0"/>
-            <a:t>Organisms</a:t>
-          </a:r>
-          <a:endParaRPr lang="en-CA" sz="5800" kern="1200" dirty="0"/>
-        </a:p>
-      </dsp:txBody>
-      <dsp:txXfrm>
-        <a:off x="2451574" y="3180809"/>
-        <a:ext cx="5311743" cy="1060270"/>
-      </dsp:txXfrm>
-    </dsp:sp>
-    <dsp:sp modelId="{0FB7B095-584D-4DDE-81A6-8FF7A48271BA}">
-      <dsp:nvSpPr>
-        <dsp:cNvPr id="0" name=""/>
-        <dsp:cNvSpPr/>
-      </dsp:nvSpPr>
-      <dsp:spPr>
-        <a:xfrm>
-          <a:off x="0" y="4241080"/>
-          <a:ext cx="10214892" cy="1060270"/>
-        </a:xfrm>
-        <a:prstGeom prst="trapezoid">
-          <a:avLst>
-            <a:gd name="adj" fmla="val 96342"/>
-          </a:avLst>
-        </a:prstGeom>
-        <a:solidFill>
-          <a:srgbClr val="00B050"/>
-        </a:solidFill>
-        <a:ln>
-          <a:noFill/>
-        </a:ln>
-        <a:effectLst/>
-        <a:sp3d extrusionH="381000" contourW="38100" prstMaterial="matte">
-          <a:contourClr>
-            <a:schemeClr val="lt1"/>
-          </a:contourClr>
-        </a:sp3d>
-      </dsp:spPr>
-      <dsp:style>
-        <a:lnRef idx="0">
-          <a:scrgbClr r="0" g="0" b="0"/>
-        </a:lnRef>
-        <a:fillRef idx="1">
-          <a:scrgbClr r="0" g="0" b="0"/>
-        </a:fillRef>
-        <a:effectRef idx="0">
-          <a:scrgbClr r="0" g="0" b="0"/>
-        </a:effectRef>
-        <a:fontRef idx="minor">
-          <a:schemeClr val="lt1"/>
-        </a:fontRef>
-      </dsp:style>
-      <dsp:txBody>
-        <a:bodyPr spcFirstLastPara="0" vert="horz" wrap="square" lIns="40640" tIns="40640" rIns="40640" bIns="40640" numCol="1" spcCol="1270" anchor="ctr" anchorCtr="0">
-          <a:noAutofit/>
-        </a:bodyPr>
-        <a:lstStyle/>
-        <a:p>
-          <a:pPr lvl="0" algn="ctr" defTabSz="1422400">
-            <a:lnSpc>
-              <a:spcPct val="90000"/>
-            </a:lnSpc>
-            <a:spcBef>
-              <a:spcPct val="0"/>
-            </a:spcBef>
-            <a:spcAft>
-              <a:spcPct val="35000"/>
-            </a:spcAft>
-          </a:pPr>
-          <a:r>
-            <a:rPr lang="en-CA" sz="3200" kern="1200" dirty="0" smtClean="0"/>
-            <a:t>Cellular life</a:t>
-          </a:r>
-          <a:endParaRPr lang="en-CA" sz="3200" kern="1200" dirty="0"/>
-        </a:p>
-      </dsp:txBody>
-      <dsp:txXfrm>
-        <a:off x="1787606" y="4241080"/>
-        <a:ext cx="6639679" cy="1060270"/>
-      </dsp:txXfrm>
-    </dsp:sp>
   </dsp:spTree>
 </dsp:drawing>
 </file>
@@ -3154,6 +5897,43 @@
 </dgm:styleDef>
 </file>
 
+<file path=ppt/drawings/drawing1.xml><?xml version="1.0" encoding="utf-8"?>
+<c:userShapes xmlns:c="http://schemas.openxmlformats.org/drawingml/2006/chart">
+  <cdr:relSizeAnchor xmlns:cdr="http://schemas.openxmlformats.org/drawingml/2006/chartDrawing">
+    <cdr:from>
+      <cdr:x>0.23336</cdr:x>
+      <cdr:y>0</cdr:y>
+    </cdr:from>
+    <cdr:to>
+      <cdr:x>0.84473</cdr:x>
+      <cdr:y>0.26963</cdr:y>
+    </cdr:to>
+    <cdr:sp macro="" textlink="">
+      <cdr:nvSpPr>
+        <cdr:cNvPr id="2" name="TextBox 1"/>
+        <cdr:cNvSpPr txBox="1"/>
+      </cdr:nvSpPr>
+      <cdr:spPr>
+        <a:xfrm xmlns:a="http://schemas.openxmlformats.org/drawingml/2006/main">
+          <a:off x="933462" y="-506596"/>
+          <a:ext cx="2445488" cy="974197"/>
+        </a:xfrm>
+        <a:prstGeom xmlns:a="http://schemas.openxmlformats.org/drawingml/2006/main" prst="rect">
+          <a:avLst/>
+        </a:prstGeom>
+      </cdr:spPr>
+      <cdr:txBody>
+        <a:bodyPr xmlns:a="http://schemas.openxmlformats.org/drawingml/2006/main" vertOverflow="clip" wrap="square" rtlCol="0"/>
+        <a:lstStyle xmlns:a="http://schemas.openxmlformats.org/drawingml/2006/main"/>
+        <a:p xmlns:a="http://schemas.openxmlformats.org/drawingml/2006/main">
+          <a:endParaRPr lang="en-CA" sz="1100" dirty="0"/>
+        </a:p>
+      </cdr:txBody>
+    </cdr:sp>
+  </cdr:relSizeAnchor>
+</c:userShapes>
+</file>
+
 <file path=ppt/slideLayouts/slideLayout1.xml><?xml version="1.0" encoding="utf-8"?>
 <p:sldLayout xmlns:a="http://schemas.openxmlformats.org/drawingml/2006/main" xmlns:r="http://schemas.openxmlformats.org/officeDocument/2006/relationships" xmlns:p="http://schemas.openxmlformats.org/presentationml/2006/main" type="title" preserve="1">
   <p:cSld name="Title Slide">
@@ -7886,9 +10666,18 @@
           </a:p>
           <a:p>
             <a:r>
-              <a:rPr lang="en-CA" dirty="0"/>
-              <a:t>Synthesizing emotional behaviour</a:t>
+              <a:rPr lang="en-CA" dirty="0" err="1" smtClean="0"/>
+              <a:t>Hille’s</a:t>
             </a:r>
+            <a:r>
+              <a:rPr lang="en-CA" dirty="0" smtClean="0"/>
+              <a:t> </a:t>
+            </a:r>
+            <a:r>
+              <a:rPr lang="en-CA" dirty="0" err="1" smtClean="0"/>
+              <a:t>Alie</a:t>
+            </a:r>
+            <a:endParaRPr lang="en-CA" dirty="0"/>
           </a:p>
           <a:p>
             <a:r>
@@ -8385,18 +11174,17 @@
           <a:lstStyle/>
           <a:p>
             <a:r>
-              <a:rPr lang="en-CA" dirty="0"/>
-              <a:t>Model of flocking </a:t>
+              <a:rPr lang="en-CA" dirty="0" smtClean="0"/>
+              <a:t>Three rules define individual behavior</a:t>
             </a:r>
+          </a:p>
+          <a:p>
+            <a:endParaRPr lang="en-CA" dirty="0" smtClean="0"/>
+          </a:p>
+          <a:p>
             <a:r>
               <a:rPr lang="en-CA" dirty="0" smtClean="0"/>
-              <a:t>behaviour</a:t>
-            </a:r>
-          </a:p>
-          <a:p>
-            <a:r>
-              <a:rPr lang="en-CA" dirty="0" smtClean="0"/>
-              <a:t>Individual agent behavior is defined</a:t>
+              <a:t>Flocking behavior emerges</a:t>
             </a:r>
             <a:endParaRPr lang="en-CA" dirty="0"/>
           </a:p>
@@ -12806,7 +15594,12 @@
             <p:ph idx="1"/>
           </p:nvPr>
         </p:nvSpPr>
-        <p:spPr/>
+        <p:spPr>
+          <a:xfrm>
+            <a:off x="838200" y="1825625"/>
+            <a:ext cx="4738735" cy="4351338"/>
+          </a:xfrm>
+        </p:spPr>
         <p:txBody>
           <a:bodyPr/>
           <a:lstStyle/>
@@ -12834,6 +15627,85 @@
           </a:p>
         </p:txBody>
       </p:sp>
+      <p:grpSp>
+        <p:nvGrpSpPr>
+          <p:cNvPr id="6" name="Group 5"/>
+          <p:cNvGrpSpPr/>
+          <p:nvPr/>
+        </p:nvGrpSpPr>
+        <p:grpSpPr>
+          <a:xfrm>
+            <a:off x="5576935" y="1312753"/>
+            <a:ext cx="6183518" cy="4595882"/>
+            <a:chOff x="5576935" y="1312753"/>
+            <a:chExt cx="6183518" cy="4595882"/>
+          </a:xfrm>
+        </p:grpSpPr>
+        <p:pic>
+          <p:nvPicPr>
+            <p:cNvPr id="4" name="Picture 3"/>
+            <p:cNvPicPr>
+              <a:picLocks noChangeAspect="1"/>
+            </p:cNvPicPr>
+            <p:nvPr/>
+          </p:nvPicPr>
+          <p:blipFill rotWithShape="1">
+            <a:blip r:embed="rId2">
+              <a:extLst>
+                <a:ext uri="{28A0092B-C50C-407E-A947-70E740481C1C}">
+                  <a14:useLocalDpi xmlns:a14="http://schemas.microsoft.com/office/drawing/2010/main" val="0"/>
+                </a:ext>
+              </a:extLst>
+            </a:blip>
+            <a:srcRect l="6314" t="3413" r="5992" b="3222"/>
+            <a:stretch/>
+          </p:blipFill>
+          <p:spPr>
+            <a:xfrm>
+              <a:off x="5576935" y="1312753"/>
+              <a:ext cx="6183518" cy="4327556"/>
+            </a:xfrm>
+            <a:prstGeom prst="rect">
+              <a:avLst/>
+            </a:prstGeom>
+          </p:spPr>
+        </p:pic>
+        <p:sp>
+          <p:nvSpPr>
+            <p:cNvPr id="5" name="TextBox 4"/>
+            <p:cNvSpPr txBox="1"/>
+            <p:nvPr/>
+          </p:nvSpPr>
+          <p:spPr>
+            <a:xfrm>
+              <a:off x="7278987" y="5662414"/>
+              <a:ext cx="2779414" cy="246221"/>
+            </a:xfrm>
+            <a:prstGeom prst="rect">
+              <a:avLst/>
+            </a:prstGeom>
+            <a:noFill/>
+          </p:spPr>
+          <p:txBody>
+            <a:bodyPr wrap="square" rtlCol="0">
+              <a:spAutoFit/>
+            </a:bodyPr>
+            <a:lstStyle/>
+            <a:p>
+              <a:r>
+                <a:rPr lang="en-CA" sz="1000" dirty="0">
+                  <a:solidFill>
+                    <a:schemeClr val="bg1">
+                      <a:lumMod val="50000"/>
+                    </a:schemeClr>
+                  </a:solidFill>
+                </a:rPr>
+                <a:t>http://iasl.uni-muenchen.de/links/GCA_ill106.png</a:t>
+              </a:r>
+            </a:p>
+          </p:txBody>
+        </p:sp>
+      </p:grpSp>
     </p:spTree>
     <p:extLst>
       <p:ext uri="{BB962C8B-B14F-4D97-AF65-F5344CB8AC3E}">
@@ -15047,8 +17919,8 @@
         </p:nvSpPr>
         <p:spPr>
           <a:xfrm>
-            <a:off x="6821030" y="1825625"/>
-            <a:ext cx="4423373" cy="4351338"/>
+            <a:off x="6391748" y="1825625"/>
+            <a:ext cx="4852656" cy="4351338"/>
           </a:xfrm>
           <a:prstGeom prst="rect">
             <a:avLst/>
@@ -15235,11 +18107,19 @@
           <a:p>
             <a:r>
               <a:rPr lang="en-CA" sz="3200" dirty="0" smtClean="0"/>
-              <a:t>Typically lack the  </a:t>
+              <a:t>Typically lack </a:t>
             </a:r>
             <a:r>
               <a:rPr lang="en-CA" sz="3200" dirty="0"/>
-              <a:t>means of reproduction and propagation</a:t>
+              <a:t>independent </a:t>
+            </a:r>
+            <a:r>
+              <a:rPr lang="en-CA" sz="3200" dirty="0" smtClean="0"/>
+              <a:t>means </a:t>
+            </a:r>
+            <a:r>
+              <a:rPr lang="en-CA" sz="3200" dirty="0"/>
+              <a:t>of reproduction and propagation</a:t>
             </a:r>
           </a:p>
           <a:p>
@@ -15639,9 +18519,10 @@
           <a:lstStyle/>
           <a:p>
             <a:r>
-              <a:rPr lang="en-CA" dirty="0"/>
-              <a:t>Is ALIFE a misnomer?</a:t>
+              <a:rPr lang="en-CA" dirty="0" smtClean="0"/>
+              <a:t>Computer Viruses</a:t>
             </a:r>
+            <a:endParaRPr lang="en-CA" dirty="0"/>
           </a:p>
         </p:txBody>
       </p:sp>
@@ -15657,23 +18538,69 @@
         </p:nvSpPr>
         <p:spPr/>
         <p:txBody>
-          <a:bodyPr/>
+          <a:bodyPr>
+            <a:normAutofit/>
+          </a:bodyPr>
           <a:lstStyle/>
           <a:p>
-            <a:endParaRPr lang="en-CA"/>
+            <a:pPr marL="0" indent="0">
+              <a:buNone/>
+            </a:pPr>
+            <a:r>
+              <a:rPr lang="en-CA" sz="3600" dirty="0" smtClean="0"/>
+              <a:t>Lifecycle:</a:t>
+            </a:r>
+          </a:p>
+          <a:p>
+            <a:pPr marL="514350" indent="-514350">
+              <a:buFont typeface="+mj-lt"/>
+              <a:buAutoNum type="arabicPeriod"/>
+            </a:pPr>
+            <a:r>
+              <a:rPr lang="en-CA" sz="3200" dirty="0" smtClean="0"/>
+              <a:t>Execution</a:t>
+            </a:r>
+          </a:p>
+          <a:p>
+            <a:pPr marL="514350" indent="-514350">
+              <a:buFont typeface="+mj-lt"/>
+              <a:buAutoNum type="arabicPeriod"/>
+            </a:pPr>
+            <a:r>
+              <a:rPr lang="en-CA" sz="3200" dirty="0" smtClean="0"/>
+              <a:t>Replication</a:t>
+            </a:r>
+          </a:p>
+          <a:p>
+            <a:pPr marL="514350" indent="-514350">
+              <a:buFont typeface="+mj-lt"/>
+              <a:buAutoNum type="arabicPeriod"/>
+            </a:pPr>
+            <a:r>
+              <a:rPr lang="en-CA" sz="3200" dirty="0" smtClean="0"/>
+              <a:t>Manipulation</a:t>
+            </a:r>
+            <a:endParaRPr lang="en-CA" dirty="0"/>
           </a:p>
         </p:txBody>
       </p:sp>
     </p:spTree>
     <p:extLst>
       <p:ext uri="{BB962C8B-B14F-4D97-AF65-F5344CB8AC3E}">
-        <p14:creationId xmlns:p14="http://schemas.microsoft.com/office/powerpoint/2010/main" val="2928851732"/>
+        <p14:creationId xmlns:p14="http://schemas.microsoft.com/office/powerpoint/2010/main" val="2637072528"/>
       </p:ext>
     </p:extLst>
   </p:cSld>
   <p:clrMapOvr>
     <a:masterClrMapping/>
   </p:clrMapOvr>
+  <p:timing>
+    <p:tnLst>
+      <p:par>
+        <p:cTn id="1" dur="indefinite" restart="never" nodeType="tmRoot"/>
+      </p:par>
+    </p:tnLst>
+  </p:timing>
 </p:sld>
 </file>
 
@@ -15710,9 +18637,10 @@
           <a:lstStyle/>
           <a:p>
             <a:r>
-              <a:rPr lang="en-CA" dirty="0"/>
-              <a:t>Analysis vs. Synthesis revisited</a:t>
+              <a:rPr lang="en-CA" dirty="0" smtClean="0"/>
+              <a:t>Computer Viruses</a:t>
             </a:r>
+            <a:endParaRPr lang="en-CA" dirty="0"/>
           </a:p>
         </p:txBody>
       </p:sp>
@@ -15726,25 +18654,307 @@
             <p:ph idx="1"/>
           </p:nvPr>
         </p:nvSpPr>
-        <p:spPr/>
+        <p:spPr>
+          <a:xfrm>
+            <a:off x="838200" y="1825625"/>
+            <a:ext cx="4530505" cy="4351338"/>
+          </a:xfrm>
+        </p:spPr>
         <p:txBody>
           <a:bodyPr/>
           <a:lstStyle/>
           <a:p>
-            <a:endParaRPr lang="en-CA"/>
+            <a:r>
+              <a:rPr lang="en-CA" dirty="0" smtClean="0"/>
+              <a:t>Like their biological analogues, they have prompted the development of immune systems</a:t>
+            </a:r>
+          </a:p>
+          <a:p>
+            <a:r>
+              <a:rPr lang="en-CA" dirty="0" smtClean="0"/>
+              <a:t>In the spirit of this analogy, anti-virus software can recognize virus signatures on programs</a:t>
+            </a:r>
+            <a:endParaRPr lang="en-CA" dirty="0"/>
           </a:p>
         </p:txBody>
       </p:sp>
+      <p:grpSp>
+        <p:nvGrpSpPr>
+          <p:cNvPr id="6" name="Group 5"/>
+          <p:cNvGrpSpPr/>
+          <p:nvPr/>
+        </p:nvGrpSpPr>
+        <p:grpSpPr>
+          <a:xfrm>
+            <a:off x="6211676" y="1825625"/>
+            <a:ext cx="4714592" cy="3696125"/>
+            <a:chOff x="6504537" y="1813840"/>
+            <a:chExt cx="4216651" cy="3373321"/>
+          </a:xfrm>
+        </p:grpSpPr>
+        <p:pic>
+          <p:nvPicPr>
+            <p:cNvPr id="4" name="Picture 3"/>
+            <p:cNvPicPr>
+              <a:picLocks noChangeAspect="1"/>
+            </p:cNvPicPr>
+            <p:nvPr/>
+          </p:nvPicPr>
+          <p:blipFill>
+            <a:blip r:embed="rId2">
+              <a:extLst>
+                <a:ext uri="{28A0092B-C50C-407E-A947-70E740481C1C}">
+                  <a14:useLocalDpi xmlns:a14="http://schemas.microsoft.com/office/drawing/2010/main" val="0"/>
+                </a:ext>
+              </a:extLst>
+            </a:blip>
+            <a:stretch>
+              <a:fillRect/>
+            </a:stretch>
+          </p:blipFill>
+          <p:spPr>
+            <a:xfrm>
+              <a:off x="6504537" y="1813840"/>
+              <a:ext cx="4216651" cy="3373321"/>
+            </a:xfrm>
+            <a:prstGeom prst="rect">
+              <a:avLst/>
+            </a:prstGeom>
+          </p:spPr>
+        </p:pic>
+        <p:sp>
+          <p:nvSpPr>
+            <p:cNvPr id="5" name="TextBox 4"/>
+            <p:cNvSpPr txBox="1"/>
+            <p:nvPr/>
+          </p:nvSpPr>
+          <p:spPr>
+            <a:xfrm>
+              <a:off x="7045481" y="4738688"/>
+              <a:ext cx="3134763" cy="246221"/>
+            </a:xfrm>
+            <a:prstGeom prst="rect">
+              <a:avLst/>
+            </a:prstGeom>
+            <a:noFill/>
+          </p:spPr>
+          <p:txBody>
+            <a:bodyPr wrap="square" rtlCol="0">
+              <a:spAutoFit/>
+            </a:bodyPr>
+            <a:lstStyle/>
+            <a:p>
+              <a:r>
+                <a:rPr lang="en-CA" sz="1000" dirty="0">
+                  <a:solidFill>
+                    <a:schemeClr val="bg1">
+                      <a:lumMod val="50000"/>
+                    </a:schemeClr>
+                  </a:solidFill>
+                </a:rPr>
+                <a:t>http://reidhosp.adam.com/graphics/images/en/9071.jpg</a:t>
+              </a:r>
+            </a:p>
+          </p:txBody>
+        </p:sp>
+      </p:grpSp>
     </p:spTree>
     <p:extLst>
       <p:ext uri="{BB962C8B-B14F-4D97-AF65-F5344CB8AC3E}">
-        <p14:creationId xmlns:p14="http://schemas.microsoft.com/office/powerpoint/2010/main" val="2402111895"/>
+        <p14:creationId xmlns:p14="http://schemas.microsoft.com/office/powerpoint/2010/main" val="1876374039"/>
       </p:ext>
     </p:extLst>
   </p:cSld>
   <p:clrMapOvr>
     <a:masterClrMapping/>
   </p:clrMapOvr>
+  <p:timing>
+    <p:tnLst>
+      <p:par>
+        <p:cTn id="1" dur="indefinite" restart="never" nodeType="tmRoot">
+          <p:childTnLst>
+            <p:seq concurrent="1" nextAc="seek">
+              <p:cTn id="2" dur="indefinite" nodeType="mainSeq">
+                <p:childTnLst>
+                  <p:par>
+                    <p:cTn id="3" fill="hold">
+                      <p:stCondLst>
+                        <p:cond delay="indefinite"/>
+                      </p:stCondLst>
+                      <p:childTnLst>
+                        <p:par>
+                          <p:cTn id="4" fill="hold">
+                            <p:stCondLst>
+                              <p:cond delay="0"/>
+                            </p:stCondLst>
+                            <p:childTnLst>
+                              <p:par>
+                                <p:cTn id="5" presetID="10" presetClass="entr" presetSubtype="0" fill="hold" nodeType="clickEffect">
+                                  <p:stCondLst>
+                                    <p:cond delay="0"/>
+                                  </p:stCondLst>
+                                  <p:childTnLst>
+                                    <p:set>
+                                      <p:cBhvr>
+                                        <p:cTn id="6" dur="1" fill="hold">
+                                          <p:stCondLst>
+                                            <p:cond delay="0"/>
+                                          </p:stCondLst>
+                                        </p:cTn>
+                                        <p:tgtEl>
+                                          <p:spTgt spid="3">
+                                            <p:txEl>
+                                              <p:pRg st="0" end="0"/>
+                                            </p:txEl>
+                                          </p:spTgt>
+                                        </p:tgtEl>
+                                        <p:attrNameLst>
+                                          <p:attrName>style.visibility</p:attrName>
+                                        </p:attrNameLst>
+                                      </p:cBhvr>
+                                      <p:to>
+                                        <p:strVal val="visible"/>
+                                      </p:to>
+                                    </p:set>
+                                    <p:animEffect transition="in" filter="fade">
+                                      <p:cBhvr>
+                                        <p:cTn id="7" dur="1000"/>
+                                        <p:tgtEl>
+                                          <p:spTgt spid="3">
+                                            <p:txEl>
+                                              <p:pRg st="0" end="0"/>
+                                            </p:txEl>
+                                          </p:spTgt>
+                                        </p:tgtEl>
+                                      </p:cBhvr>
+                                    </p:animEffect>
+                                  </p:childTnLst>
+                                </p:cTn>
+                              </p:par>
+                            </p:childTnLst>
+                          </p:cTn>
+                        </p:par>
+                      </p:childTnLst>
+                    </p:cTn>
+                  </p:par>
+                  <p:par>
+                    <p:cTn id="8" fill="hold">
+                      <p:stCondLst>
+                        <p:cond delay="indefinite"/>
+                      </p:stCondLst>
+                      <p:childTnLst>
+                        <p:par>
+                          <p:cTn id="9" fill="hold">
+                            <p:stCondLst>
+                              <p:cond delay="0"/>
+                            </p:stCondLst>
+                            <p:childTnLst>
+                              <p:par>
+                                <p:cTn id="10" presetID="10" presetClass="entr" presetSubtype="0" fill="hold" nodeType="clickEffect">
+                                  <p:stCondLst>
+                                    <p:cond delay="0"/>
+                                  </p:stCondLst>
+                                  <p:childTnLst>
+                                    <p:set>
+                                      <p:cBhvr>
+                                        <p:cTn id="11" dur="1" fill="hold">
+                                          <p:stCondLst>
+                                            <p:cond delay="0"/>
+                                          </p:stCondLst>
+                                        </p:cTn>
+                                        <p:tgtEl>
+                                          <p:spTgt spid="3">
+                                            <p:txEl>
+                                              <p:pRg st="1" end="1"/>
+                                            </p:txEl>
+                                          </p:spTgt>
+                                        </p:tgtEl>
+                                        <p:attrNameLst>
+                                          <p:attrName>style.visibility</p:attrName>
+                                        </p:attrNameLst>
+                                      </p:cBhvr>
+                                      <p:to>
+                                        <p:strVal val="visible"/>
+                                      </p:to>
+                                    </p:set>
+                                    <p:animEffect transition="in" filter="fade">
+                                      <p:cBhvr>
+                                        <p:cTn id="12" dur="1000"/>
+                                        <p:tgtEl>
+                                          <p:spTgt spid="3">
+                                            <p:txEl>
+                                              <p:pRg st="1" end="1"/>
+                                            </p:txEl>
+                                          </p:spTgt>
+                                        </p:tgtEl>
+                                      </p:cBhvr>
+                                    </p:animEffect>
+                                  </p:childTnLst>
+                                </p:cTn>
+                              </p:par>
+                              <p:par>
+                                <p:cTn id="13" presetID="10" presetClass="entr" presetSubtype="0" fill="hold" nodeType="withEffect">
+                                  <p:stCondLst>
+                                    <p:cond delay="0"/>
+                                  </p:stCondLst>
+                                  <p:childTnLst>
+                                    <p:set>
+                                      <p:cBhvr>
+                                        <p:cTn id="14" dur="1" fill="hold">
+                                          <p:stCondLst>
+                                            <p:cond delay="0"/>
+                                          </p:stCondLst>
+                                        </p:cTn>
+                                        <p:tgtEl>
+                                          <p:spTgt spid="6"/>
+                                        </p:tgtEl>
+                                        <p:attrNameLst>
+                                          <p:attrName>style.visibility</p:attrName>
+                                        </p:attrNameLst>
+                                      </p:cBhvr>
+                                      <p:to>
+                                        <p:strVal val="visible"/>
+                                      </p:to>
+                                    </p:set>
+                                    <p:animEffect transition="in" filter="fade">
+                                      <p:cBhvr>
+                                        <p:cTn id="15" dur="1000"/>
+                                        <p:tgtEl>
+                                          <p:spTgt spid="6"/>
+                                        </p:tgtEl>
+                                      </p:cBhvr>
+                                    </p:animEffect>
+                                  </p:childTnLst>
+                                </p:cTn>
+                              </p:par>
+                            </p:childTnLst>
+                          </p:cTn>
+                        </p:par>
+                      </p:childTnLst>
+                    </p:cTn>
+                  </p:par>
+                </p:childTnLst>
+              </p:cTn>
+              <p:prevCondLst>
+                <p:cond evt="onPrev" delay="0">
+                  <p:tgtEl>
+                    <p:sldTgt/>
+                  </p:tgtEl>
+                </p:cond>
+              </p:prevCondLst>
+              <p:nextCondLst>
+                <p:cond evt="onNext" delay="0">
+                  <p:tgtEl>
+                    <p:sldTgt/>
+                  </p:tgtEl>
+                </p:cond>
+              </p:nextCondLst>
+            </p:seq>
+          </p:childTnLst>
+        </p:cTn>
+      </p:par>
+    </p:tnLst>
+  </p:timing>
 </p:sld>
 </file>
 
@@ -15781,9 +18991,10 @@
           <a:lstStyle/>
           <a:p>
             <a:r>
-              <a:rPr lang="en-CA" dirty="0"/>
-              <a:t>Synthesizing natural phenomena</a:t>
+              <a:rPr lang="en-CA" dirty="0" smtClean="0"/>
+              <a:t>Farmer and Belin’s Criteria</a:t>
             </a:r>
+            <a:endParaRPr lang="en-CA" dirty="0"/>
           </a:p>
         </p:txBody>
       </p:sp>
@@ -15797,25 +19008,1961 @@
             <p:ph idx="1"/>
           </p:nvPr>
         </p:nvSpPr>
-        <p:spPr/>
+        <p:spPr>
+          <a:xfrm>
+            <a:off x="838199" y="1825625"/>
+            <a:ext cx="6866299" cy="4351338"/>
+          </a:xfrm>
+        </p:spPr>
         <p:txBody>
-          <a:bodyPr/>
+          <a:bodyPr>
+            <a:normAutofit/>
+          </a:bodyPr>
           <a:lstStyle/>
           <a:p>
-            <a:endParaRPr lang="en-CA"/>
+            <a:r>
+              <a:rPr lang="en-CA" dirty="0" smtClean="0"/>
+              <a:t>Pattern</a:t>
+            </a:r>
+            <a:r>
+              <a:rPr lang="en-CA" dirty="0"/>
+              <a:t>, not an object</a:t>
+            </a:r>
+          </a:p>
+          <a:p>
+            <a:r>
+              <a:rPr lang="en-CA" dirty="0" smtClean="0"/>
+              <a:t>Self-reproduction</a:t>
+            </a:r>
+            <a:endParaRPr lang="en-CA" dirty="0"/>
+          </a:p>
+          <a:p>
+            <a:r>
+              <a:rPr lang="en-CA" dirty="0"/>
+              <a:t>Information storage of a self-representation</a:t>
+            </a:r>
+          </a:p>
+          <a:p>
+            <a:r>
+              <a:rPr lang="en-CA" dirty="0"/>
+              <a:t>Metabolism</a:t>
+            </a:r>
+          </a:p>
+          <a:p>
+            <a:r>
+              <a:rPr lang="en-CA" dirty="0"/>
+              <a:t>Interaction with the environment</a:t>
+            </a:r>
+          </a:p>
+          <a:p>
+            <a:r>
+              <a:rPr lang="en-CA" dirty="0"/>
+              <a:t>Interdependence of parts</a:t>
+            </a:r>
+          </a:p>
+          <a:p>
+            <a:r>
+              <a:rPr lang="en-CA" dirty="0"/>
+              <a:t>Stability under perturbation</a:t>
+            </a:r>
+          </a:p>
+          <a:p>
+            <a:r>
+              <a:rPr lang="en-CA" dirty="0"/>
+              <a:t>The ability to evolve</a:t>
+            </a:r>
+          </a:p>
+          <a:p>
+            <a:endParaRPr lang="en-CA" dirty="0"/>
           </a:p>
         </p:txBody>
       </p:sp>
+      <p:grpSp>
+        <p:nvGrpSpPr>
+          <p:cNvPr id="11" name="Group 10"/>
+          <p:cNvGrpSpPr/>
+          <p:nvPr/>
+        </p:nvGrpSpPr>
+        <p:grpSpPr>
+          <a:xfrm>
+            <a:off x="8148120" y="1627317"/>
+            <a:ext cx="903941" cy="657256"/>
+            <a:chOff x="8166226" y="1699741"/>
+            <a:chExt cx="903941" cy="657256"/>
+          </a:xfrm>
+        </p:grpSpPr>
+        <p:sp>
+          <p:nvSpPr>
+            <p:cNvPr id="4" name="Rectangle 3"/>
+            <p:cNvSpPr/>
+            <p:nvPr/>
+          </p:nvSpPr>
+          <p:spPr>
+            <a:xfrm>
+              <a:off x="8274859" y="1888997"/>
+              <a:ext cx="468000" cy="468000"/>
+            </a:xfrm>
+            <a:prstGeom prst="rect">
+              <a:avLst/>
+            </a:prstGeom>
+            <a:noFill/>
+            <a:ln w="28575">
+              <a:solidFill>
+                <a:schemeClr val="tx1"/>
+              </a:solidFill>
+            </a:ln>
+          </p:spPr>
+          <p:style>
+            <a:lnRef idx="2">
+              <a:schemeClr val="accent1">
+                <a:shade val="50000"/>
+              </a:schemeClr>
+            </a:lnRef>
+            <a:fillRef idx="1">
+              <a:schemeClr val="accent1"/>
+            </a:fillRef>
+            <a:effectRef idx="0">
+              <a:schemeClr val="accent1"/>
+            </a:effectRef>
+            <a:fontRef idx="minor">
+              <a:schemeClr val="lt1"/>
+            </a:fontRef>
+          </p:style>
+          <p:txBody>
+            <a:bodyPr rtlCol="0" anchor="ctr"/>
+            <a:lstStyle/>
+            <a:p>
+              <a:pPr algn="ctr"/>
+              <a:endParaRPr lang="en-CA"/>
+            </a:p>
+          </p:txBody>
+        </p:sp>
+        <p:cxnSp>
+          <p:nvCxnSpPr>
+            <p:cNvPr id="6" name="Straight Connector 5"/>
+            <p:cNvCxnSpPr/>
+            <p:nvPr/>
+          </p:nvCxnSpPr>
+          <p:spPr>
+            <a:xfrm>
+              <a:off x="8166226" y="2018923"/>
+              <a:ext cx="342633" cy="283756"/>
+            </a:xfrm>
+            <a:prstGeom prst="line">
+              <a:avLst/>
+            </a:prstGeom>
+            <a:ln w="57150">
+              <a:solidFill>
+                <a:schemeClr val="tx1"/>
+              </a:solidFill>
+            </a:ln>
+          </p:spPr>
+          <p:style>
+            <a:lnRef idx="1">
+              <a:schemeClr val="accent1"/>
+            </a:lnRef>
+            <a:fillRef idx="0">
+              <a:schemeClr val="accent1"/>
+            </a:fillRef>
+            <a:effectRef idx="0">
+              <a:schemeClr val="accent1"/>
+            </a:effectRef>
+            <a:fontRef idx="minor">
+              <a:schemeClr val="tx1"/>
+            </a:fontRef>
+          </p:style>
+        </p:cxnSp>
+        <p:cxnSp>
+          <p:nvCxnSpPr>
+            <p:cNvPr id="8" name="Straight Connector 7"/>
+            <p:cNvCxnSpPr/>
+            <p:nvPr/>
+          </p:nvCxnSpPr>
+          <p:spPr>
+            <a:xfrm flipV="1">
+              <a:off x="8499806" y="1699741"/>
+              <a:ext cx="570361" cy="630097"/>
+            </a:xfrm>
+            <a:prstGeom prst="line">
+              <a:avLst/>
+            </a:prstGeom>
+            <a:ln w="57150">
+              <a:solidFill>
+                <a:schemeClr val="tx1"/>
+              </a:solidFill>
+            </a:ln>
+          </p:spPr>
+          <p:style>
+            <a:lnRef idx="1">
+              <a:schemeClr val="accent1"/>
+            </a:lnRef>
+            <a:fillRef idx="0">
+              <a:schemeClr val="accent1"/>
+            </a:fillRef>
+            <a:effectRef idx="0">
+              <a:schemeClr val="accent1"/>
+            </a:effectRef>
+            <a:fontRef idx="minor">
+              <a:schemeClr val="tx1"/>
+            </a:fontRef>
+          </p:style>
+        </p:cxnSp>
+      </p:grpSp>
+      <p:grpSp>
+        <p:nvGrpSpPr>
+          <p:cNvPr id="12" name="Group 11"/>
+          <p:cNvGrpSpPr/>
+          <p:nvPr/>
+        </p:nvGrpSpPr>
+        <p:grpSpPr>
+          <a:xfrm>
+            <a:off x="8155767" y="3173949"/>
+            <a:ext cx="903941" cy="657256"/>
+            <a:chOff x="8166226" y="1699741"/>
+            <a:chExt cx="903941" cy="657256"/>
+          </a:xfrm>
+        </p:grpSpPr>
+        <p:sp>
+          <p:nvSpPr>
+            <p:cNvPr id="13" name="Rectangle 12"/>
+            <p:cNvSpPr/>
+            <p:nvPr/>
+          </p:nvSpPr>
+          <p:spPr>
+            <a:xfrm>
+              <a:off x="8274859" y="1888997"/>
+              <a:ext cx="468000" cy="468000"/>
+            </a:xfrm>
+            <a:prstGeom prst="rect">
+              <a:avLst/>
+            </a:prstGeom>
+            <a:noFill/>
+            <a:ln w="28575">
+              <a:solidFill>
+                <a:schemeClr val="tx1"/>
+              </a:solidFill>
+            </a:ln>
+          </p:spPr>
+          <p:style>
+            <a:lnRef idx="2">
+              <a:schemeClr val="accent1">
+                <a:shade val="50000"/>
+              </a:schemeClr>
+            </a:lnRef>
+            <a:fillRef idx="1">
+              <a:schemeClr val="accent1"/>
+            </a:fillRef>
+            <a:effectRef idx="0">
+              <a:schemeClr val="accent1"/>
+            </a:effectRef>
+            <a:fontRef idx="minor">
+              <a:schemeClr val="lt1"/>
+            </a:fontRef>
+          </p:style>
+          <p:txBody>
+            <a:bodyPr rtlCol="0" anchor="ctr"/>
+            <a:lstStyle/>
+            <a:p>
+              <a:pPr algn="ctr"/>
+              <a:endParaRPr lang="en-CA"/>
+            </a:p>
+          </p:txBody>
+        </p:sp>
+        <p:cxnSp>
+          <p:nvCxnSpPr>
+            <p:cNvPr id="14" name="Straight Connector 13"/>
+            <p:cNvCxnSpPr/>
+            <p:nvPr/>
+          </p:nvCxnSpPr>
+          <p:spPr>
+            <a:xfrm>
+              <a:off x="8166226" y="2018923"/>
+              <a:ext cx="342633" cy="283756"/>
+            </a:xfrm>
+            <a:prstGeom prst="line">
+              <a:avLst/>
+            </a:prstGeom>
+            <a:ln w="57150">
+              <a:solidFill>
+                <a:schemeClr val="tx1"/>
+              </a:solidFill>
+            </a:ln>
+          </p:spPr>
+          <p:style>
+            <a:lnRef idx="1">
+              <a:schemeClr val="accent1"/>
+            </a:lnRef>
+            <a:fillRef idx="0">
+              <a:schemeClr val="accent1"/>
+            </a:fillRef>
+            <a:effectRef idx="0">
+              <a:schemeClr val="accent1"/>
+            </a:effectRef>
+            <a:fontRef idx="minor">
+              <a:schemeClr val="tx1"/>
+            </a:fontRef>
+          </p:style>
+        </p:cxnSp>
+        <p:cxnSp>
+          <p:nvCxnSpPr>
+            <p:cNvPr id="15" name="Straight Connector 14"/>
+            <p:cNvCxnSpPr/>
+            <p:nvPr/>
+          </p:nvCxnSpPr>
+          <p:spPr>
+            <a:xfrm flipV="1">
+              <a:off x="8499806" y="1699741"/>
+              <a:ext cx="570361" cy="630097"/>
+            </a:xfrm>
+            <a:prstGeom prst="line">
+              <a:avLst/>
+            </a:prstGeom>
+            <a:ln w="57150">
+              <a:solidFill>
+                <a:schemeClr val="tx1"/>
+              </a:solidFill>
+            </a:ln>
+          </p:spPr>
+          <p:style>
+            <a:lnRef idx="1">
+              <a:schemeClr val="accent1"/>
+            </a:lnRef>
+            <a:fillRef idx="0">
+              <a:schemeClr val="accent1"/>
+            </a:fillRef>
+            <a:effectRef idx="0">
+              <a:schemeClr val="accent1"/>
+            </a:effectRef>
+            <a:fontRef idx="minor">
+              <a:schemeClr val="tx1"/>
+            </a:fontRef>
+          </p:style>
+        </p:cxnSp>
+      </p:grpSp>
+      <p:grpSp>
+        <p:nvGrpSpPr>
+          <p:cNvPr id="16" name="Group 15"/>
+          <p:cNvGrpSpPr/>
+          <p:nvPr/>
+        </p:nvGrpSpPr>
+        <p:grpSpPr>
+          <a:xfrm>
+            <a:off x="8155767" y="3687419"/>
+            <a:ext cx="903941" cy="657256"/>
+            <a:chOff x="8166226" y="1699741"/>
+            <a:chExt cx="903941" cy="657256"/>
+          </a:xfrm>
+        </p:grpSpPr>
+        <p:sp>
+          <p:nvSpPr>
+            <p:cNvPr id="17" name="Rectangle 16"/>
+            <p:cNvSpPr/>
+            <p:nvPr/>
+          </p:nvSpPr>
+          <p:spPr>
+            <a:xfrm>
+              <a:off x="8274859" y="1888997"/>
+              <a:ext cx="468000" cy="468000"/>
+            </a:xfrm>
+            <a:prstGeom prst="rect">
+              <a:avLst/>
+            </a:prstGeom>
+            <a:noFill/>
+            <a:ln w="28575">
+              <a:solidFill>
+                <a:schemeClr val="tx1"/>
+              </a:solidFill>
+            </a:ln>
+          </p:spPr>
+          <p:style>
+            <a:lnRef idx="2">
+              <a:schemeClr val="accent1">
+                <a:shade val="50000"/>
+              </a:schemeClr>
+            </a:lnRef>
+            <a:fillRef idx="1">
+              <a:schemeClr val="accent1"/>
+            </a:fillRef>
+            <a:effectRef idx="0">
+              <a:schemeClr val="accent1"/>
+            </a:effectRef>
+            <a:fontRef idx="minor">
+              <a:schemeClr val="lt1"/>
+            </a:fontRef>
+          </p:style>
+          <p:txBody>
+            <a:bodyPr rtlCol="0" anchor="ctr"/>
+            <a:lstStyle/>
+            <a:p>
+              <a:pPr algn="ctr"/>
+              <a:endParaRPr lang="en-CA"/>
+            </a:p>
+          </p:txBody>
+        </p:sp>
+        <p:cxnSp>
+          <p:nvCxnSpPr>
+            <p:cNvPr id="18" name="Straight Connector 17"/>
+            <p:cNvCxnSpPr/>
+            <p:nvPr/>
+          </p:nvCxnSpPr>
+          <p:spPr>
+            <a:xfrm>
+              <a:off x="8166226" y="2018923"/>
+              <a:ext cx="342633" cy="283756"/>
+            </a:xfrm>
+            <a:prstGeom prst="line">
+              <a:avLst/>
+            </a:prstGeom>
+            <a:ln w="57150">
+              <a:solidFill>
+                <a:schemeClr val="tx1"/>
+              </a:solidFill>
+            </a:ln>
+          </p:spPr>
+          <p:style>
+            <a:lnRef idx="1">
+              <a:schemeClr val="accent1"/>
+            </a:lnRef>
+            <a:fillRef idx="0">
+              <a:schemeClr val="accent1"/>
+            </a:fillRef>
+            <a:effectRef idx="0">
+              <a:schemeClr val="accent1"/>
+            </a:effectRef>
+            <a:fontRef idx="minor">
+              <a:schemeClr val="tx1"/>
+            </a:fontRef>
+          </p:style>
+        </p:cxnSp>
+        <p:cxnSp>
+          <p:nvCxnSpPr>
+            <p:cNvPr id="19" name="Straight Connector 18"/>
+            <p:cNvCxnSpPr/>
+            <p:nvPr/>
+          </p:nvCxnSpPr>
+          <p:spPr>
+            <a:xfrm flipV="1">
+              <a:off x="8499806" y="1699741"/>
+              <a:ext cx="570361" cy="630097"/>
+            </a:xfrm>
+            <a:prstGeom prst="line">
+              <a:avLst/>
+            </a:prstGeom>
+            <a:ln w="57150">
+              <a:solidFill>
+                <a:schemeClr val="tx1"/>
+              </a:solidFill>
+            </a:ln>
+          </p:spPr>
+          <p:style>
+            <a:lnRef idx="1">
+              <a:schemeClr val="accent1"/>
+            </a:lnRef>
+            <a:fillRef idx="0">
+              <a:schemeClr val="accent1"/>
+            </a:fillRef>
+            <a:effectRef idx="0">
+              <a:schemeClr val="accent1"/>
+            </a:effectRef>
+            <a:fontRef idx="minor">
+              <a:schemeClr val="tx1"/>
+            </a:fontRef>
+          </p:style>
+        </p:cxnSp>
+      </p:grpSp>
+      <p:grpSp>
+        <p:nvGrpSpPr>
+          <p:cNvPr id="28" name="Group 27"/>
+          <p:cNvGrpSpPr/>
+          <p:nvPr/>
+        </p:nvGrpSpPr>
+        <p:grpSpPr>
+          <a:xfrm>
+            <a:off x="8154261" y="4201953"/>
+            <a:ext cx="903941" cy="657256"/>
+            <a:chOff x="8166226" y="1699741"/>
+            <a:chExt cx="903941" cy="657256"/>
+          </a:xfrm>
+        </p:grpSpPr>
+        <p:sp>
+          <p:nvSpPr>
+            <p:cNvPr id="29" name="Rectangle 28"/>
+            <p:cNvSpPr/>
+            <p:nvPr/>
+          </p:nvSpPr>
+          <p:spPr>
+            <a:xfrm>
+              <a:off x="8274859" y="1888997"/>
+              <a:ext cx="468000" cy="468000"/>
+            </a:xfrm>
+            <a:prstGeom prst="rect">
+              <a:avLst/>
+            </a:prstGeom>
+            <a:noFill/>
+            <a:ln w="28575">
+              <a:solidFill>
+                <a:schemeClr val="tx1"/>
+              </a:solidFill>
+            </a:ln>
+          </p:spPr>
+          <p:style>
+            <a:lnRef idx="2">
+              <a:schemeClr val="accent1">
+                <a:shade val="50000"/>
+              </a:schemeClr>
+            </a:lnRef>
+            <a:fillRef idx="1">
+              <a:schemeClr val="accent1"/>
+            </a:fillRef>
+            <a:effectRef idx="0">
+              <a:schemeClr val="accent1"/>
+            </a:effectRef>
+            <a:fontRef idx="minor">
+              <a:schemeClr val="lt1"/>
+            </a:fontRef>
+          </p:style>
+          <p:txBody>
+            <a:bodyPr rtlCol="0" anchor="ctr"/>
+            <a:lstStyle/>
+            <a:p>
+              <a:pPr algn="ctr"/>
+              <a:endParaRPr lang="en-CA"/>
+            </a:p>
+          </p:txBody>
+        </p:sp>
+        <p:cxnSp>
+          <p:nvCxnSpPr>
+            <p:cNvPr id="30" name="Straight Connector 29"/>
+            <p:cNvCxnSpPr/>
+            <p:nvPr/>
+          </p:nvCxnSpPr>
+          <p:spPr>
+            <a:xfrm>
+              <a:off x="8166226" y="2018923"/>
+              <a:ext cx="342633" cy="283756"/>
+            </a:xfrm>
+            <a:prstGeom prst="line">
+              <a:avLst/>
+            </a:prstGeom>
+            <a:ln w="57150">
+              <a:solidFill>
+                <a:schemeClr val="tx1"/>
+              </a:solidFill>
+            </a:ln>
+          </p:spPr>
+          <p:style>
+            <a:lnRef idx="1">
+              <a:schemeClr val="accent1"/>
+            </a:lnRef>
+            <a:fillRef idx="0">
+              <a:schemeClr val="accent1"/>
+            </a:fillRef>
+            <a:effectRef idx="0">
+              <a:schemeClr val="accent1"/>
+            </a:effectRef>
+            <a:fontRef idx="minor">
+              <a:schemeClr val="tx1"/>
+            </a:fontRef>
+          </p:style>
+        </p:cxnSp>
+        <p:cxnSp>
+          <p:nvCxnSpPr>
+            <p:cNvPr id="31" name="Straight Connector 30"/>
+            <p:cNvCxnSpPr/>
+            <p:nvPr/>
+          </p:nvCxnSpPr>
+          <p:spPr>
+            <a:xfrm flipV="1">
+              <a:off x="8499806" y="1699741"/>
+              <a:ext cx="570361" cy="630097"/>
+            </a:xfrm>
+            <a:prstGeom prst="line">
+              <a:avLst/>
+            </a:prstGeom>
+            <a:ln w="57150">
+              <a:solidFill>
+                <a:schemeClr val="tx1"/>
+              </a:solidFill>
+            </a:ln>
+          </p:spPr>
+          <p:style>
+            <a:lnRef idx="1">
+              <a:schemeClr val="accent1"/>
+            </a:lnRef>
+            <a:fillRef idx="0">
+              <a:schemeClr val="accent1"/>
+            </a:fillRef>
+            <a:effectRef idx="0">
+              <a:schemeClr val="accent1"/>
+            </a:effectRef>
+            <a:fontRef idx="minor">
+              <a:schemeClr val="tx1"/>
+            </a:fontRef>
+          </p:style>
+        </p:cxnSp>
+      </p:grpSp>
+      <p:grpSp>
+        <p:nvGrpSpPr>
+          <p:cNvPr id="32" name="Group 31"/>
+          <p:cNvGrpSpPr/>
+          <p:nvPr/>
+        </p:nvGrpSpPr>
+        <p:grpSpPr>
+          <a:xfrm>
+            <a:off x="8155767" y="5229957"/>
+            <a:ext cx="903941" cy="657256"/>
+            <a:chOff x="8166226" y="1699741"/>
+            <a:chExt cx="903941" cy="657256"/>
+          </a:xfrm>
+        </p:grpSpPr>
+        <p:sp>
+          <p:nvSpPr>
+            <p:cNvPr id="33" name="Rectangle 32"/>
+            <p:cNvSpPr/>
+            <p:nvPr/>
+          </p:nvSpPr>
+          <p:spPr>
+            <a:xfrm>
+              <a:off x="8274859" y="1888997"/>
+              <a:ext cx="468000" cy="468000"/>
+            </a:xfrm>
+            <a:prstGeom prst="rect">
+              <a:avLst/>
+            </a:prstGeom>
+            <a:noFill/>
+            <a:ln w="28575">
+              <a:solidFill>
+                <a:schemeClr val="tx1"/>
+              </a:solidFill>
+            </a:ln>
+          </p:spPr>
+          <p:style>
+            <a:lnRef idx="2">
+              <a:schemeClr val="accent1">
+                <a:shade val="50000"/>
+              </a:schemeClr>
+            </a:lnRef>
+            <a:fillRef idx="1">
+              <a:schemeClr val="accent1"/>
+            </a:fillRef>
+            <a:effectRef idx="0">
+              <a:schemeClr val="accent1"/>
+            </a:effectRef>
+            <a:fontRef idx="minor">
+              <a:schemeClr val="lt1"/>
+            </a:fontRef>
+          </p:style>
+          <p:txBody>
+            <a:bodyPr rtlCol="0" anchor="ctr"/>
+            <a:lstStyle/>
+            <a:p>
+              <a:pPr algn="ctr"/>
+              <a:endParaRPr lang="en-CA"/>
+            </a:p>
+          </p:txBody>
+        </p:sp>
+        <p:cxnSp>
+          <p:nvCxnSpPr>
+            <p:cNvPr id="34" name="Straight Connector 33"/>
+            <p:cNvCxnSpPr/>
+            <p:nvPr/>
+          </p:nvCxnSpPr>
+          <p:spPr>
+            <a:xfrm>
+              <a:off x="8166226" y="2018923"/>
+              <a:ext cx="342633" cy="283756"/>
+            </a:xfrm>
+            <a:prstGeom prst="line">
+              <a:avLst/>
+            </a:prstGeom>
+            <a:ln w="57150">
+              <a:solidFill>
+                <a:schemeClr val="tx1"/>
+              </a:solidFill>
+            </a:ln>
+          </p:spPr>
+          <p:style>
+            <a:lnRef idx="1">
+              <a:schemeClr val="accent1"/>
+            </a:lnRef>
+            <a:fillRef idx="0">
+              <a:schemeClr val="accent1"/>
+            </a:fillRef>
+            <a:effectRef idx="0">
+              <a:schemeClr val="accent1"/>
+            </a:effectRef>
+            <a:fontRef idx="minor">
+              <a:schemeClr val="tx1"/>
+            </a:fontRef>
+          </p:style>
+        </p:cxnSp>
+        <p:cxnSp>
+          <p:nvCxnSpPr>
+            <p:cNvPr id="35" name="Straight Connector 34"/>
+            <p:cNvCxnSpPr/>
+            <p:nvPr/>
+          </p:nvCxnSpPr>
+          <p:spPr>
+            <a:xfrm flipV="1">
+              <a:off x="8499806" y="1699741"/>
+              <a:ext cx="570361" cy="630097"/>
+            </a:xfrm>
+            <a:prstGeom prst="line">
+              <a:avLst/>
+            </a:prstGeom>
+            <a:ln w="57150">
+              <a:solidFill>
+                <a:schemeClr val="tx1"/>
+              </a:solidFill>
+            </a:ln>
+          </p:spPr>
+          <p:style>
+            <a:lnRef idx="1">
+              <a:schemeClr val="accent1"/>
+            </a:lnRef>
+            <a:fillRef idx="0">
+              <a:schemeClr val="accent1"/>
+            </a:fillRef>
+            <a:effectRef idx="0">
+              <a:schemeClr val="accent1"/>
+            </a:effectRef>
+            <a:fontRef idx="minor">
+              <a:schemeClr val="tx1"/>
+            </a:fontRef>
+          </p:style>
+        </p:cxnSp>
+      </p:grpSp>
+      <p:grpSp>
+        <p:nvGrpSpPr>
+          <p:cNvPr id="53" name="Group 52"/>
+          <p:cNvGrpSpPr/>
+          <p:nvPr/>
+        </p:nvGrpSpPr>
+        <p:grpSpPr>
+          <a:xfrm>
+            <a:off x="8237945" y="4900771"/>
+            <a:ext cx="486808" cy="475203"/>
+            <a:chOff x="8244087" y="5392054"/>
+            <a:chExt cx="486808" cy="475203"/>
+          </a:xfrm>
+        </p:grpSpPr>
+        <p:grpSp>
+          <p:nvGrpSpPr>
+            <p:cNvPr id="36" name="Group 35"/>
+            <p:cNvGrpSpPr/>
+            <p:nvPr/>
+          </p:nvGrpSpPr>
+          <p:grpSpPr>
+            <a:xfrm>
+              <a:off x="8244087" y="5392054"/>
+              <a:ext cx="486807" cy="475203"/>
+              <a:chOff x="8256052" y="1888997"/>
+              <a:chExt cx="486807" cy="475203"/>
+            </a:xfrm>
+          </p:grpSpPr>
+          <p:sp>
+            <p:nvSpPr>
+              <p:cNvPr id="37" name="Rectangle 36"/>
+              <p:cNvSpPr/>
+              <p:nvPr/>
+            </p:nvSpPr>
+            <p:spPr>
+              <a:xfrm>
+                <a:off x="8274859" y="1888997"/>
+                <a:ext cx="468000" cy="468000"/>
+              </a:xfrm>
+              <a:prstGeom prst="rect">
+                <a:avLst/>
+              </a:prstGeom>
+              <a:noFill/>
+              <a:ln w="28575">
+                <a:solidFill>
+                  <a:schemeClr val="tx1"/>
+                </a:solidFill>
+              </a:ln>
+            </p:spPr>
+            <p:style>
+              <a:lnRef idx="2">
+                <a:schemeClr val="accent1">
+                  <a:shade val="50000"/>
+                </a:schemeClr>
+              </a:lnRef>
+              <a:fillRef idx="1">
+                <a:schemeClr val="accent1"/>
+              </a:fillRef>
+              <a:effectRef idx="0">
+                <a:schemeClr val="accent1"/>
+              </a:effectRef>
+              <a:fontRef idx="minor">
+                <a:schemeClr val="lt1"/>
+              </a:fontRef>
+            </p:style>
+            <p:txBody>
+              <a:bodyPr rtlCol="0" anchor="ctr"/>
+              <a:lstStyle/>
+              <a:p>
+                <a:pPr algn="ctr"/>
+                <a:endParaRPr lang="en-CA"/>
+              </a:p>
+            </p:txBody>
+          </p:sp>
+          <p:cxnSp>
+            <p:nvCxnSpPr>
+              <p:cNvPr id="38" name="Straight Connector 37"/>
+              <p:cNvCxnSpPr/>
+              <p:nvPr/>
+            </p:nvCxnSpPr>
+            <p:spPr>
+              <a:xfrm>
+                <a:off x="8256052" y="1898852"/>
+                <a:ext cx="486807" cy="465348"/>
+              </a:xfrm>
+              <a:prstGeom prst="line">
+                <a:avLst/>
+              </a:prstGeom>
+              <a:ln w="57150">
+                <a:solidFill>
+                  <a:schemeClr val="tx1"/>
+                </a:solidFill>
+              </a:ln>
+            </p:spPr>
+            <p:style>
+              <a:lnRef idx="1">
+                <a:schemeClr val="accent1"/>
+              </a:lnRef>
+              <a:fillRef idx="0">
+                <a:schemeClr val="accent1"/>
+              </a:fillRef>
+              <a:effectRef idx="0">
+                <a:schemeClr val="accent1"/>
+              </a:effectRef>
+              <a:fontRef idx="minor">
+                <a:schemeClr val="tx1"/>
+              </a:fontRef>
+            </p:style>
+          </p:cxnSp>
+        </p:grpSp>
+        <p:cxnSp>
+          <p:nvCxnSpPr>
+            <p:cNvPr id="42" name="Straight Connector 41"/>
+            <p:cNvCxnSpPr/>
+            <p:nvPr/>
+          </p:nvCxnSpPr>
+          <p:spPr>
+            <a:xfrm flipH="1">
+              <a:off x="8262894" y="5399257"/>
+              <a:ext cx="468001" cy="460797"/>
+            </a:xfrm>
+            <a:prstGeom prst="line">
+              <a:avLst/>
+            </a:prstGeom>
+            <a:ln w="57150">
+              <a:solidFill>
+                <a:schemeClr val="tx1"/>
+              </a:solidFill>
+            </a:ln>
+          </p:spPr>
+          <p:style>
+            <a:lnRef idx="1">
+              <a:schemeClr val="accent1"/>
+            </a:lnRef>
+            <a:fillRef idx="0">
+              <a:schemeClr val="accent1"/>
+            </a:fillRef>
+            <a:effectRef idx="0">
+              <a:schemeClr val="accent1"/>
+            </a:effectRef>
+            <a:fontRef idx="minor">
+              <a:schemeClr val="tx1"/>
+            </a:fontRef>
+          </p:style>
+        </p:cxnSp>
+      </p:grpSp>
+      <p:grpSp>
+        <p:nvGrpSpPr>
+          <p:cNvPr id="44" name="Group 43"/>
+          <p:cNvGrpSpPr/>
+          <p:nvPr/>
+        </p:nvGrpSpPr>
+        <p:grpSpPr>
+          <a:xfrm>
+            <a:off x="8154261" y="2657759"/>
+            <a:ext cx="903941" cy="657256"/>
+            <a:chOff x="8166226" y="1699741"/>
+            <a:chExt cx="903941" cy="657256"/>
+          </a:xfrm>
+        </p:grpSpPr>
+        <p:sp>
+          <p:nvSpPr>
+            <p:cNvPr id="45" name="Rectangle 44"/>
+            <p:cNvSpPr/>
+            <p:nvPr/>
+          </p:nvSpPr>
+          <p:spPr>
+            <a:xfrm>
+              <a:off x="8274859" y="1888997"/>
+              <a:ext cx="468000" cy="468000"/>
+            </a:xfrm>
+            <a:prstGeom prst="rect">
+              <a:avLst/>
+            </a:prstGeom>
+            <a:noFill/>
+            <a:ln w="28575">
+              <a:solidFill>
+                <a:schemeClr val="tx1"/>
+              </a:solidFill>
+            </a:ln>
+          </p:spPr>
+          <p:style>
+            <a:lnRef idx="2">
+              <a:schemeClr val="accent1">
+                <a:shade val="50000"/>
+              </a:schemeClr>
+            </a:lnRef>
+            <a:fillRef idx="1">
+              <a:schemeClr val="accent1"/>
+            </a:fillRef>
+            <a:effectRef idx="0">
+              <a:schemeClr val="accent1"/>
+            </a:effectRef>
+            <a:fontRef idx="minor">
+              <a:schemeClr val="lt1"/>
+            </a:fontRef>
+          </p:style>
+          <p:txBody>
+            <a:bodyPr rtlCol="0" anchor="ctr"/>
+            <a:lstStyle/>
+            <a:p>
+              <a:pPr algn="ctr"/>
+              <a:endParaRPr lang="en-CA"/>
+            </a:p>
+          </p:txBody>
+        </p:sp>
+        <p:cxnSp>
+          <p:nvCxnSpPr>
+            <p:cNvPr id="46" name="Straight Connector 45"/>
+            <p:cNvCxnSpPr/>
+            <p:nvPr/>
+          </p:nvCxnSpPr>
+          <p:spPr>
+            <a:xfrm>
+              <a:off x="8166226" y="2018923"/>
+              <a:ext cx="342633" cy="283756"/>
+            </a:xfrm>
+            <a:prstGeom prst="line">
+              <a:avLst/>
+            </a:prstGeom>
+            <a:ln w="57150">
+              <a:solidFill>
+                <a:schemeClr val="tx1"/>
+              </a:solidFill>
+            </a:ln>
+          </p:spPr>
+          <p:style>
+            <a:lnRef idx="1">
+              <a:schemeClr val="accent1"/>
+            </a:lnRef>
+            <a:fillRef idx="0">
+              <a:schemeClr val="accent1"/>
+            </a:fillRef>
+            <a:effectRef idx="0">
+              <a:schemeClr val="accent1"/>
+            </a:effectRef>
+            <a:fontRef idx="minor">
+              <a:schemeClr val="tx1"/>
+            </a:fontRef>
+          </p:style>
+        </p:cxnSp>
+        <p:cxnSp>
+          <p:nvCxnSpPr>
+            <p:cNvPr id="47" name="Straight Connector 46"/>
+            <p:cNvCxnSpPr/>
+            <p:nvPr/>
+          </p:nvCxnSpPr>
+          <p:spPr>
+            <a:xfrm flipV="1">
+              <a:off x="8499806" y="1699741"/>
+              <a:ext cx="570361" cy="630097"/>
+            </a:xfrm>
+            <a:prstGeom prst="line">
+              <a:avLst/>
+            </a:prstGeom>
+            <a:ln w="57150">
+              <a:solidFill>
+                <a:schemeClr val="tx1"/>
+              </a:solidFill>
+            </a:ln>
+          </p:spPr>
+          <p:style>
+            <a:lnRef idx="1">
+              <a:schemeClr val="accent1"/>
+            </a:lnRef>
+            <a:fillRef idx="0">
+              <a:schemeClr val="accent1"/>
+            </a:fillRef>
+            <a:effectRef idx="0">
+              <a:schemeClr val="accent1"/>
+            </a:effectRef>
+            <a:fontRef idx="minor">
+              <a:schemeClr val="tx1"/>
+            </a:fontRef>
+          </p:style>
+        </p:cxnSp>
+      </p:grpSp>
+      <p:grpSp>
+        <p:nvGrpSpPr>
+          <p:cNvPr id="48" name="Group 47"/>
+          <p:cNvGrpSpPr/>
+          <p:nvPr/>
+        </p:nvGrpSpPr>
+        <p:grpSpPr>
+          <a:xfrm>
+            <a:off x="8237944" y="2326622"/>
+            <a:ext cx="486808" cy="475203"/>
+            <a:chOff x="8244087" y="5392054"/>
+            <a:chExt cx="486808" cy="475203"/>
+          </a:xfrm>
+        </p:grpSpPr>
+        <p:grpSp>
+          <p:nvGrpSpPr>
+            <p:cNvPr id="49" name="Group 48"/>
+            <p:cNvGrpSpPr/>
+            <p:nvPr/>
+          </p:nvGrpSpPr>
+          <p:grpSpPr>
+            <a:xfrm>
+              <a:off x="8244087" y="5392054"/>
+              <a:ext cx="486807" cy="475203"/>
+              <a:chOff x="8256052" y="1888997"/>
+              <a:chExt cx="486807" cy="475203"/>
+            </a:xfrm>
+          </p:grpSpPr>
+          <p:sp>
+            <p:nvSpPr>
+              <p:cNvPr id="51" name="Rectangle 50"/>
+              <p:cNvSpPr/>
+              <p:nvPr/>
+            </p:nvSpPr>
+            <p:spPr>
+              <a:xfrm>
+                <a:off x="8274859" y="1888997"/>
+                <a:ext cx="468000" cy="468000"/>
+              </a:xfrm>
+              <a:prstGeom prst="rect">
+                <a:avLst/>
+              </a:prstGeom>
+              <a:noFill/>
+              <a:ln w="28575">
+                <a:solidFill>
+                  <a:schemeClr val="tx1"/>
+                </a:solidFill>
+              </a:ln>
+            </p:spPr>
+            <p:style>
+              <a:lnRef idx="2">
+                <a:schemeClr val="accent1">
+                  <a:shade val="50000"/>
+                </a:schemeClr>
+              </a:lnRef>
+              <a:fillRef idx="1">
+                <a:schemeClr val="accent1"/>
+              </a:fillRef>
+              <a:effectRef idx="0">
+                <a:schemeClr val="accent1"/>
+              </a:effectRef>
+              <a:fontRef idx="minor">
+                <a:schemeClr val="lt1"/>
+              </a:fontRef>
+            </p:style>
+            <p:txBody>
+              <a:bodyPr rtlCol="0" anchor="ctr"/>
+              <a:lstStyle/>
+              <a:p>
+                <a:pPr algn="ctr"/>
+                <a:endParaRPr lang="en-CA"/>
+              </a:p>
+            </p:txBody>
+          </p:sp>
+          <p:cxnSp>
+            <p:nvCxnSpPr>
+              <p:cNvPr id="52" name="Straight Connector 51"/>
+              <p:cNvCxnSpPr/>
+              <p:nvPr/>
+            </p:nvCxnSpPr>
+            <p:spPr>
+              <a:xfrm>
+                <a:off x="8256052" y="1898852"/>
+                <a:ext cx="486807" cy="465348"/>
+              </a:xfrm>
+              <a:prstGeom prst="line">
+                <a:avLst/>
+              </a:prstGeom>
+              <a:ln w="57150">
+                <a:solidFill>
+                  <a:schemeClr val="tx1"/>
+                </a:solidFill>
+              </a:ln>
+            </p:spPr>
+            <p:style>
+              <a:lnRef idx="1">
+                <a:schemeClr val="accent1"/>
+              </a:lnRef>
+              <a:fillRef idx="0">
+                <a:schemeClr val="accent1"/>
+              </a:fillRef>
+              <a:effectRef idx="0">
+                <a:schemeClr val="accent1"/>
+              </a:effectRef>
+              <a:fontRef idx="minor">
+                <a:schemeClr val="tx1"/>
+              </a:fontRef>
+            </p:style>
+          </p:cxnSp>
+        </p:grpSp>
+        <p:cxnSp>
+          <p:nvCxnSpPr>
+            <p:cNvPr id="50" name="Straight Connector 49"/>
+            <p:cNvCxnSpPr/>
+            <p:nvPr/>
+          </p:nvCxnSpPr>
+          <p:spPr>
+            <a:xfrm flipH="1">
+              <a:off x="8262894" y="5399257"/>
+              <a:ext cx="468001" cy="460797"/>
+            </a:xfrm>
+            <a:prstGeom prst="line">
+              <a:avLst/>
+            </a:prstGeom>
+            <a:ln w="57150">
+              <a:solidFill>
+                <a:schemeClr val="tx1"/>
+              </a:solidFill>
+            </a:ln>
+          </p:spPr>
+          <p:style>
+            <a:lnRef idx="1">
+              <a:schemeClr val="accent1"/>
+            </a:lnRef>
+            <a:fillRef idx="0">
+              <a:schemeClr val="accent1"/>
+            </a:fillRef>
+            <a:effectRef idx="0">
+              <a:schemeClr val="accent1"/>
+            </a:effectRef>
+            <a:fontRef idx="minor">
+              <a:schemeClr val="tx1"/>
+            </a:fontRef>
+          </p:style>
+        </p:cxnSp>
+      </p:grpSp>
     </p:spTree>
     <p:extLst>
       <p:ext uri="{BB962C8B-B14F-4D97-AF65-F5344CB8AC3E}">
-        <p14:creationId xmlns:p14="http://schemas.microsoft.com/office/powerpoint/2010/main" val="761961247"/>
+        <p14:creationId xmlns:p14="http://schemas.microsoft.com/office/powerpoint/2010/main" val="543430073"/>
       </p:ext>
     </p:extLst>
   </p:cSld>
   <p:clrMapOvr>
     <a:masterClrMapping/>
   </p:clrMapOvr>
+  <p:timing>
+    <p:tnLst>
+      <p:par>
+        <p:cTn id="1" dur="indefinite" restart="never" nodeType="tmRoot">
+          <p:childTnLst>
+            <p:seq concurrent="1" nextAc="seek">
+              <p:cTn id="2" dur="indefinite" nodeType="mainSeq">
+                <p:childTnLst>
+                  <p:par>
+                    <p:cTn id="3" fill="hold">
+                      <p:stCondLst>
+                        <p:cond delay="indefinite"/>
+                      </p:stCondLst>
+                      <p:childTnLst>
+                        <p:par>
+                          <p:cTn id="4" fill="hold">
+                            <p:stCondLst>
+                              <p:cond delay="0"/>
+                            </p:stCondLst>
+                            <p:childTnLst>
+                              <p:par>
+                                <p:cTn id="5" presetID="10" presetClass="entr" presetSubtype="0" fill="hold" nodeType="clickEffect">
+                                  <p:stCondLst>
+                                    <p:cond delay="0"/>
+                                  </p:stCondLst>
+                                  <p:childTnLst>
+                                    <p:set>
+                                      <p:cBhvr>
+                                        <p:cTn id="6" dur="1" fill="hold">
+                                          <p:stCondLst>
+                                            <p:cond delay="0"/>
+                                          </p:stCondLst>
+                                        </p:cTn>
+                                        <p:tgtEl>
+                                          <p:spTgt spid="3">
+                                            <p:txEl>
+                                              <p:pRg st="0" end="0"/>
+                                            </p:txEl>
+                                          </p:spTgt>
+                                        </p:tgtEl>
+                                        <p:attrNameLst>
+                                          <p:attrName>style.visibility</p:attrName>
+                                        </p:attrNameLst>
+                                      </p:cBhvr>
+                                      <p:to>
+                                        <p:strVal val="visible"/>
+                                      </p:to>
+                                    </p:set>
+                                    <p:animEffect transition="in" filter="fade">
+                                      <p:cBhvr>
+                                        <p:cTn id="7" dur="1000"/>
+                                        <p:tgtEl>
+                                          <p:spTgt spid="3">
+                                            <p:txEl>
+                                              <p:pRg st="0" end="0"/>
+                                            </p:txEl>
+                                          </p:spTgt>
+                                        </p:tgtEl>
+                                      </p:cBhvr>
+                                    </p:animEffect>
+                                  </p:childTnLst>
+                                </p:cTn>
+                              </p:par>
+                              <p:par>
+                                <p:cTn id="8" presetID="10" presetClass="entr" presetSubtype="0" fill="hold" nodeType="withEffect">
+                                  <p:stCondLst>
+                                    <p:cond delay="0"/>
+                                  </p:stCondLst>
+                                  <p:childTnLst>
+                                    <p:set>
+                                      <p:cBhvr>
+                                        <p:cTn id="9" dur="1" fill="hold">
+                                          <p:stCondLst>
+                                            <p:cond delay="0"/>
+                                          </p:stCondLst>
+                                        </p:cTn>
+                                        <p:tgtEl>
+                                          <p:spTgt spid="11"/>
+                                        </p:tgtEl>
+                                        <p:attrNameLst>
+                                          <p:attrName>style.visibility</p:attrName>
+                                        </p:attrNameLst>
+                                      </p:cBhvr>
+                                      <p:to>
+                                        <p:strVal val="visible"/>
+                                      </p:to>
+                                    </p:set>
+                                    <p:animEffect transition="in" filter="fade">
+                                      <p:cBhvr>
+                                        <p:cTn id="10" dur="1000"/>
+                                        <p:tgtEl>
+                                          <p:spTgt spid="11"/>
+                                        </p:tgtEl>
+                                      </p:cBhvr>
+                                    </p:animEffect>
+                                  </p:childTnLst>
+                                </p:cTn>
+                              </p:par>
+                            </p:childTnLst>
+                          </p:cTn>
+                        </p:par>
+                      </p:childTnLst>
+                    </p:cTn>
+                  </p:par>
+                  <p:par>
+                    <p:cTn id="11" fill="hold">
+                      <p:stCondLst>
+                        <p:cond delay="indefinite"/>
+                      </p:stCondLst>
+                      <p:childTnLst>
+                        <p:par>
+                          <p:cTn id="12" fill="hold">
+                            <p:stCondLst>
+                              <p:cond delay="0"/>
+                            </p:stCondLst>
+                            <p:childTnLst>
+                              <p:par>
+                                <p:cTn id="13" presetID="10" presetClass="entr" presetSubtype="0" fill="hold" nodeType="clickEffect">
+                                  <p:stCondLst>
+                                    <p:cond delay="0"/>
+                                  </p:stCondLst>
+                                  <p:childTnLst>
+                                    <p:set>
+                                      <p:cBhvr>
+                                        <p:cTn id="14" dur="1" fill="hold">
+                                          <p:stCondLst>
+                                            <p:cond delay="0"/>
+                                          </p:stCondLst>
+                                        </p:cTn>
+                                        <p:tgtEl>
+                                          <p:spTgt spid="3">
+                                            <p:txEl>
+                                              <p:pRg st="1" end="1"/>
+                                            </p:txEl>
+                                          </p:spTgt>
+                                        </p:tgtEl>
+                                        <p:attrNameLst>
+                                          <p:attrName>style.visibility</p:attrName>
+                                        </p:attrNameLst>
+                                      </p:cBhvr>
+                                      <p:to>
+                                        <p:strVal val="visible"/>
+                                      </p:to>
+                                    </p:set>
+                                    <p:animEffect transition="in" filter="fade">
+                                      <p:cBhvr>
+                                        <p:cTn id="15" dur="1000"/>
+                                        <p:tgtEl>
+                                          <p:spTgt spid="3">
+                                            <p:txEl>
+                                              <p:pRg st="1" end="1"/>
+                                            </p:txEl>
+                                          </p:spTgt>
+                                        </p:tgtEl>
+                                      </p:cBhvr>
+                                    </p:animEffect>
+                                  </p:childTnLst>
+                                </p:cTn>
+                              </p:par>
+                              <p:par>
+                                <p:cTn id="16" presetID="10" presetClass="entr" presetSubtype="0" fill="hold" nodeType="withEffect">
+                                  <p:stCondLst>
+                                    <p:cond delay="0"/>
+                                  </p:stCondLst>
+                                  <p:childTnLst>
+                                    <p:set>
+                                      <p:cBhvr>
+                                        <p:cTn id="17" dur="1" fill="hold">
+                                          <p:stCondLst>
+                                            <p:cond delay="0"/>
+                                          </p:stCondLst>
+                                        </p:cTn>
+                                        <p:tgtEl>
+                                          <p:spTgt spid="48"/>
+                                        </p:tgtEl>
+                                        <p:attrNameLst>
+                                          <p:attrName>style.visibility</p:attrName>
+                                        </p:attrNameLst>
+                                      </p:cBhvr>
+                                      <p:to>
+                                        <p:strVal val="visible"/>
+                                      </p:to>
+                                    </p:set>
+                                    <p:animEffect transition="in" filter="fade">
+                                      <p:cBhvr>
+                                        <p:cTn id="18" dur="1000"/>
+                                        <p:tgtEl>
+                                          <p:spTgt spid="48"/>
+                                        </p:tgtEl>
+                                      </p:cBhvr>
+                                    </p:animEffect>
+                                  </p:childTnLst>
+                                </p:cTn>
+                              </p:par>
+                            </p:childTnLst>
+                          </p:cTn>
+                        </p:par>
+                      </p:childTnLst>
+                    </p:cTn>
+                  </p:par>
+                  <p:par>
+                    <p:cTn id="19" fill="hold">
+                      <p:stCondLst>
+                        <p:cond delay="indefinite"/>
+                      </p:stCondLst>
+                      <p:childTnLst>
+                        <p:par>
+                          <p:cTn id="20" fill="hold">
+                            <p:stCondLst>
+                              <p:cond delay="0"/>
+                            </p:stCondLst>
+                            <p:childTnLst>
+                              <p:par>
+                                <p:cTn id="21" presetID="10" presetClass="entr" presetSubtype="0" fill="hold" nodeType="clickEffect">
+                                  <p:stCondLst>
+                                    <p:cond delay="0"/>
+                                  </p:stCondLst>
+                                  <p:childTnLst>
+                                    <p:set>
+                                      <p:cBhvr>
+                                        <p:cTn id="22" dur="1" fill="hold">
+                                          <p:stCondLst>
+                                            <p:cond delay="0"/>
+                                          </p:stCondLst>
+                                        </p:cTn>
+                                        <p:tgtEl>
+                                          <p:spTgt spid="3">
+                                            <p:txEl>
+                                              <p:pRg st="2" end="2"/>
+                                            </p:txEl>
+                                          </p:spTgt>
+                                        </p:tgtEl>
+                                        <p:attrNameLst>
+                                          <p:attrName>style.visibility</p:attrName>
+                                        </p:attrNameLst>
+                                      </p:cBhvr>
+                                      <p:to>
+                                        <p:strVal val="visible"/>
+                                      </p:to>
+                                    </p:set>
+                                    <p:animEffect transition="in" filter="fade">
+                                      <p:cBhvr>
+                                        <p:cTn id="23" dur="1000"/>
+                                        <p:tgtEl>
+                                          <p:spTgt spid="3">
+                                            <p:txEl>
+                                              <p:pRg st="2" end="2"/>
+                                            </p:txEl>
+                                          </p:spTgt>
+                                        </p:tgtEl>
+                                      </p:cBhvr>
+                                    </p:animEffect>
+                                  </p:childTnLst>
+                                </p:cTn>
+                              </p:par>
+                              <p:par>
+                                <p:cTn id="24" presetID="10" presetClass="entr" presetSubtype="0" fill="hold" nodeType="withEffect">
+                                  <p:stCondLst>
+                                    <p:cond delay="0"/>
+                                  </p:stCondLst>
+                                  <p:childTnLst>
+                                    <p:set>
+                                      <p:cBhvr>
+                                        <p:cTn id="25" dur="1" fill="hold">
+                                          <p:stCondLst>
+                                            <p:cond delay="0"/>
+                                          </p:stCondLst>
+                                        </p:cTn>
+                                        <p:tgtEl>
+                                          <p:spTgt spid="44"/>
+                                        </p:tgtEl>
+                                        <p:attrNameLst>
+                                          <p:attrName>style.visibility</p:attrName>
+                                        </p:attrNameLst>
+                                      </p:cBhvr>
+                                      <p:to>
+                                        <p:strVal val="visible"/>
+                                      </p:to>
+                                    </p:set>
+                                    <p:animEffect transition="in" filter="fade">
+                                      <p:cBhvr>
+                                        <p:cTn id="26" dur="1000"/>
+                                        <p:tgtEl>
+                                          <p:spTgt spid="44"/>
+                                        </p:tgtEl>
+                                      </p:cBhvr>
+                                    </p:animEffect>
+                                  </p:childTnLst>
+                                </p:cTn>
+                              </p:par>
+                            </p:childTnLst>
+                          </p:cTn>
+                        </p:par>
+                      </p:childTnLst>
+                    </p:cTn>
+                  </p:par>
+                  <p:par>
+                    <p:cTn id="27" fill="hold">
+                      <p:stCondLst>
+                        <p:cond delay="indefinite"/>
+                      </p:stCondLst>
+                      <p:childTnLst>
+                        <p:par>
+                          <p:cTn id="28" fill="hold">
+                            <p:stCondLst>
+                              <p:cond delay="0"/>
+                            </p:stCondLst>
+                            <p:childTnLst>
+                              <p:par>
+                                <p:cTn id="29" presetID="10" presetClass="entr" presetSubtype="0" fill="hold" nodeType="clickEffect">
+                                  <p:stCondLst>
+                                    <p:cond delay="0"/>
+                                  </p:stCondLst>
+                                  <p:childTnLst>
+                                    <p:set>
+                                      <p:cBhvr>
+                                        <p:cTn id="30" dur="1" fill="hold">
+                                          <p:stCondLst>
+                                            <p:cond delay="0"/>
+                                          </p:stCondLst>
+                                        </p:cTn>
+                                        <p:tgtEl>
+                                          <p:spTgt spid="3">
+                                            <p:txEl>
+                                              <p:pRg st="3" end="3"/>
+                                            </p:txEl>
+                                          </p:spTgt>
+                                        </p:tgtEl>
+                                        <p:attrNameLst>
+                                          <p:attrName>style.visibility</p:attrName>
+                                        </p:attrNameLst>
+                                      </p:cBhvr>
+                                      <p:to>
+                                        <p:strVal val="visible"/>
+                                      </p:to>
+                                    </p:set>
+                                    <p:animEffect transition="in" filter="fade">
+                                      <p:cBhvr>
+                                        <p:cTn id="31" dur="1000"/>
+                                        <p:tgtEl>
+                                          <p:spTgt spid="3">
+                                            <p:txEl>
+                                              <p:pRg st="3" end="3"/>
+                                            </p:txEl>
+                                          </p:spTgt>
+                                        </p:tgtEl>
+                                      </p:cBhvr>
+                                    </p:animEffect>
+                                  </p:childTnLst>
+                                </p:cTn>
+                              </p:par>
+                              <p:par>
+                                <p:cTn id="32" presetID="10" presetClass="entr" presetSubtype="0" fill="hold" nodeType="withEffect">
+                                  <p:stCondLst>
+                                    <p:cond delay="0"/>
+                                  </p:stCondLst>
+                                  <p:childTnLst>
+                                    <p:set>
+                                      <p:cBhvr>
+                                        <p:cTn id="33" dur="1" fill="hold">
+                                          <p:stCondLst>
+                                            <p:cond delay="0"/>
+                                          </p:stCondLst>
+                                        </p:cTn>
+                                        <p:tgtEl>
+                                          <p:spTgt spid="12"/>
+                                        </p:tgtEl>
+                                        <p:attrNameLst>
+                                          <p:attrName>style.visibility</p:attrName>
+                                        </p:attrNameLst>
+                                      </p:cBhvr>
+                                      <p:to>
+                                        <p:strVal val="visible"/>
+                                      </p:to>
+                                    </p:set>
+                                    <p:animEffect transition="in" filter="fade">
+                                      <p:cBhvr>
+                                        <p:cTn id="34" dur="1000"/>
+                                        <p:tgtEl>
+                                          <p:spTgt spid="12"/>
+                                        </p:tgtEl>
+                                      </p:cBhvr>
+                                    </p:animEffect>
+                                  </p:childTnLst>
+                                </p:cTn>
+                              </p:par>
+                            </p:childTnLst>
+                          </p:cTn>
+                        </p:par>
+                      </p:childTnLst>
+                    </p:cTn>
+                  </p:par>
+                  <p:par>
+                    <p:cTn id="35" fill="hold">
+                      <p:stCondLst>
+                        <p:cond delay="indefinite"/>
+                      </p:stCondLst>
+                      <p:childTnLst>
+                        <p:par>
+                          <p:cTn id="36" fill="hold">
+                            <p:stCondLst>
+                              <p:cond delay="0"/>
+                            </p:stCondLst>
+                            <p:childTnLst>
+                              <p:par>
+                                <p:cTn id="37" presetID="10" presetClass="entr" presetSubtype="0" fill="hold" nodeType="clickEffect">
+                                  <p:stCondLst>
+                                    <p:cond delay="0"/>
+                                  </p:stCondLst>
+                                  <p:childTnLst>
+                                    <p:set>
+                                      <p:cBhvr>
+                                        <p:cTn id="38" dur="1" fill="hold">
+                                          <p:stCondLst>
+                                            <p:cond delay="0"/>
+                                          </p:stCondLst>
+                                        </p:cTn>
+                                        <p:tgtEl>
+                                          <p:spTgt spid="3">
+                                            <p:txEl>
+                                              <p:pRg st="4" end="4"/>
+                                            </p:txEl>
+                                          </p:spTgt>
+                                        </p:tgtEl>
+                                        <p:attrNameLst>
+                                          <p:attrName>style.visibility</p:attrName>
+                                        </p:attrNameLst>
+                                      </p:cBhvr>
+                                      <p:to>
+                                        <p:strVal val="visible"/>
+                                      </p:to>
+                                    </p:set>
+                                    <p:animEffect transition="in" filter="fade">
+                                      <p:cBhvr>
+                                        <p:cTn id="39" dur="1000"/>
+                                        <p:tgtEl>
+                                          <p:spTgt spid="3">
+                                            <p:txEl>
+                                              <p:pRg st="4" end="4"/>
+                                            </p:txEl>
+                                          </p:spTgt>
+                                        </p:tgtEl>
+                                      </p:cBhvr>
+                                    </p:animEffect>
+                                  </p:childTnLst>
+                                </p:cTn>
+                              </p:par>
+                              <p:par>
+                                <p:cTn id="40" presetID="10" presetClass="entr" presetSubtype="0" fill="hold" nodeType="withEffect">
+                                  <p:stCondLst>
+                                    <p:cond delay="0"/>
+                                  </p:stCondLst>
+                                  <p:childTnLst>
+                                    <p:set>
+                                      <p:cBhvr>
+                                        <p:cTn id="41" dur="1" fill="hold">
+                                          <p:stCondLst>
+                                            <p:cond delay="0"/>
+                                          </p:stCondLst>
+                                        </p:cTn>
+                                        <p:tgtEl>
+                                          <p:spTgt spid="16"/>
+                                        </p:tgtEl>
+                                        <p:attrNameLst>
+                                          <p:attrName>style.visibility</p:attrName>
+                                        </p:attrNameLst>
+                                      </p:cBhvr>
+                                      <p:to>
+                                        <p:strVal val="visible"/>
+                                      </p:to>
+                                    </p:set>
+                                    <p:animEffect transition="in" filter="fade">
+                                      <p:cBhvr>
+                                        <p:cTn id="42" dur="1000"/>
+                                        <p:tgtEl>
+                                          <p:spTgt spid="16"/>
+                                        </p:tgtEl>
+                                      </p:cBhvr>
+                                    </p:animEffect>
+                                  </p:childTnLst>
+                                </p:cTn>
+                              </p:par>
+                            </p:childTnLst>
+                          </p:cTn>
+                        </p:par>
+                      </p:childTnLst>
+                    </p:cTn>
+                  </p:par>
+                  <p:par>
+                    <p:cTn id="43" fill="hold">
+                      <p:stCondLst>
+                        <p:cond delay="indefinite"/>
+                      </p:stCondLst>
+                      <p:childTnLst>
+                        <p:par>
+                          <p:cTn id="44" fill="hold">
+                            <p:stCondLst>
+                              <p:cond delay="0"/>
+                            </p:stCondLst>
+                            <p:childTnLst>
+                              <p:par>
+                                <p:cTn id="45" presetID="10" presetClass="entr" presetSubtype="0" fill="hold" nodeType="clickEffect">
+                                  <p:stCondLst>
+                                    <p:cond delay="0"/>
+                                  </p:stCondLst>
+                                  <p:childTnLst>
+                                    <p:set>
+                                      <p:cBhvr>
+                                        <p:cTn id="46" dur="1" fill="hold">
+                                          <p:stCondLst>
+                                            <p:cond delay="0"/>
+                                          </p:stCondLst>
+                                        </p:cTn>
+                                        <p:tgtEl>
+                                          <p:spTgt spid="3">
+                                            <p:txEl>
+                                              <p:pRg st="5" end="5"/>
+                                            </p:txEl>
+                                          </p:spTgt>
+                                        </p:tgtEl>
+                                        <p:attrNameLst>
+                                          <p:attrName>style.visibility</p:attrName>
+                                        </p:attrNameLst>
+                                      </p:cBhvr>
+                                      <p:to>
+                                        <p:strVal val="visible"/>
+                                      </p:to>
+                                    </p:set>
+                                    <p:animEffect transition="in" filter="fade">
+                                      <p:cBhvr>
+                                        <p:cTn id="47" dur="1000"/>
+                                        <p:tgtEl>
+                                          <p:spTgt spid="3">
+                                            <p:txEl>
+                                              <p:pRg st="5" end="5"/>
+                                            </p:txEl>
+                                          </p:spTgt>
+                                        </p:tgtEl>
+                                      </p:cBhvr>
+                                    </p:animEffect>
+                                  </p:childTnLst>
+                                </p:cTn>
+                              </p:par>
+                              <p:par>
+                                <p:cTn id="48" presetID="10" presetClass="entr" presetSubtype="0" fill="hold" nodeType="withEffect">
+                                  <p:stCondLst>
+                                    <p:cond delay="0"/>
+                                  </p:stCondLst>
+                                  <p:childTnLst>
+                                    <p:set>
+                                      <p:cBhvr>
+                                        <p:cTn id="49" dur="1" fill="hold">
+                                          <p:stCondLst>
+                                            <p:cond delay="0"/>
+                                          </p:stCondLst>
+                                        </p:cTn>
+                                        <p:tgtEl>
+                                          <p:spTgt spid="28"/>
+                                        </p:tgtEl>
+                                        <p:attrNameLst>
+                                          <p:attrName>style.visibility</p:attrName>
+                                        </p:attrNameLst>
+                                      </p:cBhvr>
+                                      <p:to>
+                                        <p:strVal val="visible"/>
+                                      </p:to>
+                                    </p:set>
+                                    <p:animEffect transition="in" filter="fade">
+                                      <p:cBhvr>
+                                        <p:cTn id="50" dur="1000"/>
+                                        <p:tgtEl>
+                                          <p:spTgt spid="28"/>
+                                        </p:tgtEl>
+                                      </p:cBhvr>
+                                    </p:animEffect>
+                                  </p:childTnLst>
+                                </p:cTn>
+                              </p:par>
+                            </p:childTnLst>
+                          </p:cTn>
+                        </p:par>
+                      </p:childTnLst>
+                    </p:cTn>
+                  </p:par>
+                  <p:par>
+                    <p:cTn id="51" fill="hold">
+                      <p:stCondLst>
+                        <p:cond delay="indefinite"/>
+                      </p:stCondLst>
+                      <p:childTnLst>
+                        <p:par>
+                          <p:cTn id="52" fill="hold">
+                            <p:stCondLst>
+                              <p:cond delay="0"/>
+                            </p:stCondLst>
+                            <p:childTnLst>
+                              <p:par>
+                                <p:cTn id="53" presetID="10" presetClass="entr" presetSubtype="0" fill="hold" nodeType="clickEffect">
+                                  <p:stCondLst>
+                                    <p:cond delay="0"/>
+                                  </p:stCondLst>
+                                  <p:childTnLst>
+                                    <p:set>
+                                      <p:cBhvr>
+                                        <p:cTn id="54" dur="1" fill="hold">
+                                          <p:stCondLst>
+                                            <p:cond delay="0"/>
+                                          </p:stCondLst>
+                                        </p:cTn>
+                                        <p:tgtEl>
+                                          <p:spTgt spid="3">
+                                            <p:txEl>
+                                              <p:pRg st="6" end="6"/>
+                                            </p:txEl>
+                                          </p:spTgt>
+                                        </p:tgtEl>
+                                        <p:attrNameLst>
+                                          <p:attrName>style.visibility</p:attrName>
+                                        </p:attrNameLst>
+                                      </p:cBhvr>
+                                      <p:to>
+                                        <p:strVal val="visible"/>
+                                      </p:to>
+                                    </p:set>
+                                    <p:animEffect transition="in" filter="fade">
+                                      <p:cBhvr>
+                                        <p:cTn id="55" dur="1000"/>
+                                        <p:tgtEl>
+                                          <p:spTgt spid="3">
+                                            <p:txEl>
+                                              <p:pRg st="6" end="6"/>
+                                            </p:txEl>
+                                          </p:spTgt>
+                                        </p:tgtEl>
+                                      </p:cBhvr>
+                                    </p:animEffect>
+                                  </p:childTnLst>
+                                </p:cTn>
+                              </p:par>
+                              <p:par>
+                                <p:cTn id="56" presetID="10" presetClass="entr" presetSubtype="0" fill="hold" nodeType="withEffect">
+                                  <p:stCondLst>
+                                    <p:cond delay="0"/>
+                                  </p:stCondLst>
+                                  <p:childTnLst>
+                                    <p:set>
+                                      <p:cBhvr>
+                                        <p:cTn id="57" dur="1" fill="hold">
+                                          <p:stCondLst>
+                                            <p:cond delay="0"/>
+                                          </p:stCondLst>
+                                        </p:cTn>
+                                        <p:tgtEl>
+                                          <p:spTgt spid="53"/>
+                                        </p:tgtEl>
+                                        <p:attrNameLst>
+                                          <p:attrName>style.visibility</p:attrName>
+                                        </p:attrNameLst>
+                                      </p:cBhvr>
+                                      <p:to>
+                                        <p:strVal val="visible"/>
+                                      </p:to>
+                                    </p:set>
+                                    <p:animEffect transition="in" filter="fade">
+                                      <p:cBhvr>
+                                        <p:cTn id="58" dur="1000"/>
+                                        <p:tgtEl>
+                                          <p:spTgt spid="53"/>
+                                        </p:tgtEl>
+                                      </p:cBhvr>
+                                    </p:animEffect>
+                                  </p:childTnLst>
+                                </p:cTn>
+                              </p:par>
+                            </p:childTnLst>
+                          </p:cTn>
+                        </p:par>
+                      </p:childTnLst>
+                    </p:cTn>
+                  </p:par>
+                  <p:par>
+                    <p:cTn id="59" fill="hold">
+                      <p:stCondLst>
+                        <p:cond delay="indefinite"/>
+                      </p:stCondLst>
+                      <p:childTnLst>
+                        <p:par>
+                          <p:cTn id="60" fill="hold">
+                            <p:stCondLst>
+                              <p:cond delay="0"/>
+                            </p:stCondLst>
+                            <p:childTnLst>
+                              <p:par>
+                                <p:cTn id="61" presetID="10" presetClass="entr" presetSubtype="0" fill="hold" nodeType="clickEffect">
+                                  <p:stCondLst>
+                                    <p:cond delay="0"/>
+                                  </p:stCondLst>
+                                  <p:childTnLst>
+                                    <p:set>
+                                      <p:cBhvr>
+                                        <p:cTn id="62" dur="1" fill="hold">
+                                          <p:stCondLst>
+                                            <p:cond delay="0"/>
+                                          </p:stCondLst>
+                                        </p:cTn>
+                                        <p:tgtEl>
+                                          <p:spTgt spid="3">
+                                            <p:txEl>
+                                              <p:pRg st="7" end="7"/>
+                                            </p:txEl>
+                                          </p:spTgt>
+                                        </p:tgtEl>
+                                        <p:attrNameLst>
+                                          <p:attrName>style.visibility</p:attrName>
+                                        </p:attrNameLst>
+                                      </p:cBhvr>
+                                      <p:to>
+                                        <p:strVal val="visible"/>
+                                      </p:to>
+                                    </p:set>
+                                    <p:animEffect transition="in" filter="fade">
+                                      <p:cBhvr>
+                                        <p:cTn id="63" dur="1000"/>
+                                        <p:tgtEl>
+                                          <p:spTgt spid="3">
+                                            <p:txEl>
+                                              <p:pRg st="7" end="7"/>
+                                            </p:txEl>
+                                          </p:spTgt>
+                                        </p:tgtEl>
+                                      </p:cBhvr>
+                                    </p:animEffect>
+                                  </p:childTnLst>
+                                </p:cTn>
+                              </p:par>
+                              <p:par>
+                                <p:cTn id="64" presetID="10" presetClass="entr" presetSubtype="0" fill="hold" nodeType="withEffect">
+                                  <p:stCondLst>
+                                    <p:cond delay="0"/>
+                                  </p:stCondLst>
+                                  <p:childTnLst>
+                                    <p:set>
+                                      <p:cBhvr>
+                                        <p:cTn id="65" dur="1" fill="hold">
+                                          <p:stCondLst>
+                                            <p:cond delay="0"/>
+                                          </p:stCondLst>
+                                        </p:cTn>
+                                        <p:tgtEl>
+                                          <p:spTgt spid="32"/>
+                                        </p:tgtEl>
+                                        <p:attrNameLst>
+                                          <p:attrName>style.visibility</p:attrName>
+                                        </p:attrNameLst>
+                                      </p:cBhvr>
+                                      <p:to>
+                                        <p:strVal val="visible"/>
+                                      </p:to>
+                                    </p:set>
+                                    <p:animEffect transition="in" filter="fade">
+                                      <p:cBhvr>
+                                        <p:cTn id="66" dur="1000"/>
+                                        <p:tgtEl>
+                                          <p:spTgt spid="32"/>
+                                        </p:tgtEl>
+                                      </p:cBhvr>
+                                    </p:animEffect>
+                                  </p:childTnLst>
+                                </p:cTn>
+                              </p:par>
+                            </p:childTnLst>
+                          </p:cTn>
+                        </p:par>
+                      </p:childTnLst>
+                    </p:cTn>
+                  </p:par>
+                </p:childTnLst>
+              </p:cTn>
+              <p:prevCondLst>
+                <p:cond evt="onPrev" delay="0">
+                  <p:tgtEl>
+                    <p:sldTgt/>
+                  </p:tgtEl>
+                </p:cond>
+              </p:prevCondLst>
+              <p:nextCondLst>
+                <p:cond evt="onNext" delay="0">
+                  <p:tgtEl>
+                    <p:sldTgt/>
+                  </p:tgtEl>
+                </p:cond>
+              </p:nextCondLst>
+            </p:seq>
+          </p:childTnLst>
+        </p:cTn>
+      </p:par>
+    </p:tnLst>
+  </p:timing>
 </p:sld>
 </file>
 
@@ -15852,9 +20999,10 @@
           <a:lstStyle/>
           <a:p>
             <a:r>
-              <a:rPr lang="en-CA" dirty="0"/>
-              <a:t>Artificial computing?</a:t>
+              <a:rPr lang="en-CA" dirty="0" smtClean="0"/>
+              <a:t>Synthesizing Emotional Behavior</a:t>
             </a:r>
+            <a:endParaRPr lang="en-CA" dirty="0"/>
           </a:p>
         </p:txBody>
       </p:sp>
@@ -15868,25 +21016,56 @@
             <p:ph idx="1"/>
           </p:nvPr>
         </p:nvSpPr>
-        <p:spPr/>
+        <p:spPr>
+          <a:xfrm>
+            <a:off x="838200" y="1825625"/>
+            <a:ext cx="4485238" cy="4351338"/>
+          </a:xfrm>
+        </p:spPr>
         <p:txBody>
           <a:bodyPr/>
           <a:lstStyle/>
           <a:p>
-            <a:endParaRPr lang="en-CA"/>
+            <a:pPr marL="0" indent="0">
+              <a:buNone/>
+            </a:pPr>
+            <a:r>
+              <a:rPr lang="en-CA" dirty="0" smtClean="0"/>
+              <a:t>What remains of emotion minus physiological changes?</a:t>
+            </a:r>
+          </a:p>
+          <a:p>
+            <a:pPr marL="0" indent="0">
+              <a:buNone/>
+            </a:pPr>
+            <a:r>
+              <a:rPr lang="en-CA" dirty="0" smtClean="0"/>
+              <a:t>Dorner (1999) proposed a theory of emotions as behavioral modulators</a:t>
+            </a:r>
+            <a:endParaRPr lang="en-CA" dirty="0" smtClean="0"/>
+          </a:p>
+          <a:p>
+            <a:endParaRPr lang="en-CA" dirty="0"/>
           </a:p>
         </p:txBody>
       </p:sp>
     </p:spTree>
     <p:extLst>
       <p:ext uri="{BB962C8B-B14F-4D97-AF65-F5344CB8AC3E}">
-        <p14:creationId xmlns:p14="http://schemas.microsoft.com/office/powerpoint/2010/main" val="1213626057"/>
+        <p14:creationId xmlns:p14="http://schemas.microsoft.com/office/powerpoint/2010/main" val="1933180729"/>
       </p:ext>
     </p:extLst>
   </p:cSld>
   <p:clrMapOvr>
     <a:masterClrMapping/>
   </p:clrMapOvr>
+  <p:timing>
+    <p:tnLst>
+      <p:par>
+        <p:cTn id="1" dur="indefinite" restart="never" nodeType="tmRoot"/>
+      </p:par>
+    </p:tnLst>
+  </p:timing>
 </p:sld>
 </file>
 
@@ -15923,9 +21102,10 @@
           <a:lstStyle/>
           <a:p>
             <a:r>
-              <a:rPr lang="en-CA" dirty="0"/>
-              <a:t>Computing synthetic natural phenomena</a:t>
+              <a:rPr lang="en-CA" dirty="0" smtClean="0"/>
+              <a:t>Synthesizing Emotional Behavior</a:t>
             </a:r>
+            <a:endParaRPr lang="en-CA" dirty="0"/>
           </a:p>
         </p:txBody>
       </p:sp>
@@ -15939,25 +21119,878 @@
             <p:ph idx="1"/>
           </p:nvPr>
         </p:nvSpPr>
-        <p:spPr/>
+        <p:spPr>
+          <a:xfrm>
+            <a:off x="838200" y="1472539"/>
+            <a:ext cx="5100873" cy="4701924"/>
+          </a:xfrm>
+        </p:spPr>
         <p:txBody>
-          <a:bodyPr/>
+          <a:bodyPr>
+            <a:normAutofit fontScale="85000" lnSpcReduction="10000"/>
+          </a:bodyPr>
           <a:lstStyle/>
           <a:p>
-            <a:endParaRPr lang="en-CA"/>
+            <a:pPr marL="0" indent="0">
+              <a:buNone/>
+            </a:pPr>
+            <a:r>
+              <a:rPr lang="en-CA" sz="3300" dirty="0" smtClean="0"/>
+              <a:t>Dorner identifies four modulators of goal-oriented behavior:</a:t>
+            </a:r>
+          </a:p>
+          <a:p>
+            <a:pPr>
+              <a:lnSpc>
+                <a:spcPct val="120000"/>
+              </a:lnSpc>
+            </a:pPr>
+            <a:r>
+              <a:rPr lang="en-CA" dirty="0" smtClean="0"/>
+              <a:t>Activation – Rate of energy expenditure</a:t>
+            </a:r>
+          </a:p>
+          <a:p>
+            <a:pPr>
+              <a:lnSpc>
+                <a:spcPct val="120000"/>
+              </a:lnSpc>
+            </a:pPr>
+            <a:r>
+              <a:rPr lang="en-CA" dirty="0" smtClean="0"/>
+              <a:t>Externality – Amount of time spent interacting with environment</a:t>
+            </a:r>
+          </a:p>
+          <a:p>
+            <a:pPr>
+              <a:lnSpc>
+                <a:spcPct val="120000"/>
+              </a:lnSpc>
+            </a:pPr>
+            <a:r>
+              <a:rPr lang="en-CA" dirty="0" smtClean="0"/>
+              <a:t>Precision – Care taken in pursuit of goal</a:t>
+            </a:r>
+          </a:p>
+          <a:p>
+            <a:pPr>
+              <a:lnSpc>
+                <a:spcPct val="120000"/>
+              </a:lnSpc>
+            </a:pPr>
+            <a:r>
+              <a:rPr lang="en-CA" dirty="0" smtClean="0"/>
+              <a:t>Focus – Attention paid to goal</a:t>
+            </a:r>
+          </a:p>
+          <a:p>
+            <a:endParaRPr lang="en-CA" dirty="0"/>
           </a:p>
         </p:txBody>
       </p:sp>
+      <p:grpSp>
+        <p:nvGrpSpPr>
+          <p:cNvPr id="12" name="Group 11"/>
+          <p:cNvGrpSpPr/>
+          <p:nvPr/>
+        </p:nvGrpSpPr>
+        <p:grpSpPr>
+          <a:xfrm>
+            <a:off x="6666731" y="1386696"/>
+            <a:ext cx="4194535" cy="1576435"/>
+            <a:chOff x="6666731" y="1386696"/>
+            <a:chExt cx="4194535" cy="1576435"/>
+          </a:xfrm>
+        </p:grpSpPr>
+        <p:pic>
+          <p:nvPicPr>
+            <p:cNvPr id="4" name="Picture 3"/>
+            <p:cNvPicPr>
+              <a:picLocks noChangeAspect="1"/>
+            </p:cNvPicPr>
+            <p:nvPr/>
+          </p:nvPicPr>
+          <p:blipFill rotWithShape="1">
+            <a:blip r:embed="rId2">
+              <a:extLst>
+                <a:ext uri="{28A0092B-C50C-407E-A947-70E740481C1C}">
+                  <a14:useLocalDpi xmlns:a14="http://schemas.microsoft.com/office/drawing/2010/main" val="0"/>
+                </a:ext>
+              </a:extLst>
+            </a:blip>
+            <a:srcRect r="14609"/>
+            <a:stretch/>
+          </p:blipFill>
+          <p:spPr>
+            <a:xfrm>
+              <a:off x="6666731" y="1386696"/>
+              <a:ext cx="2393123" cy="1576435"/>
+            </a:xfrm>
+            <a:prstGeom prst="rect">
+              <a:avLst/>
+            </a:prstGeom>
+          </p:spPr>
+        </p:pic>
+        <p:sp>
+          <p:nvSpPr>
+            <p:cNvPr id="5" name="TextBox 4"/>
+            <p:cNvSpPr txBox="1"/>
+            <p:nvPr/>
+          </p:nvSpPr>
+          <p:spPr>
+            <a:xfrm>
+              <a:off x="9059627" y="1737656"/>
+              <a:ext cx="1801639" cy="553998"/>
+            </a:xfrm>
+            <a:prstGeom prst="rect">
+              <a:avLst/>
+            </a:prstGeom>
+            <a:noFill/>
+          </p:spPr>
+          <p:txBody>
+            <a:bodyPr wrap="square" rtlCol="0">
+              <a:spAutoFit/>
+            </a:bodyPr>
+            <a:lstStyle/>
+            <a:p>
+              <a:r>
+                <a:rPr lang="en-CA" sz="1000" dirty="0">
+                  <a:solidFill>
+                    <a:schemeClr val="bg1">
+                      <a:lumMod val="50000"/>
+                    </a:schemeClr>
+                  </a:solidFill>
+                </a:rPr>
+                <a:t>http://i2.cdn.turner.com/cnnnext/dam/assets/130628145522-tour-26-story-top.jpg</a:t>
+              </a:r>
+            </a:p>
+          </p:txBody>
+        </p:sp>
+      </p:grpSp>
+      <p:grpSp>
+        <p:nvGrpSpPr>
+          <p:cNvPr id="14" name="Group 13"/>
+          <p:cNvGrpSpPr/>
+          <p:nvPr/>
+        </p:nvGrpSpPr>
+        <p:grpSpPr>
+          <a:xfrm>
+            <a:off x="6666731" y="3676443"/>
+            <a:ext cx="4861599" cy="1575426"/>
+            <a:chOff x="6666731" y="3676443"/>
+            <a:chExt cx="4861599" cy="1575426"/>
+          </a:xfrm>
+        </p:grpSpPr>
+        <p:pic>
+          <p:nvPicPr>
+            <p:cNvPr id="6" name="Picture 5"/>
+            <p:cNvPicPr>
+              <a:picLocks noChangeAspect="1"/>
+            </p:cNvPicPr>
+            <p:nvPr/>
+          </p:nvPicPr>
+          <p:blipFill rotWithShape="1">
+            <a:blip r:embed="rId3">
+              <a:extLst>
+                <a:ext uri="{28A0092B-C50C-407E-A947-70E740481C1C}">
+                  <a14:useLocalDpi xmlns:a14="http://schemas.microsoft.com/office/drawing/2010/main" val="0"/>
+                </a:ext>
+              </a:extLst>
+            </a:blip>
+            <a:srcRect r="14555"/>
+            <a:stretch/>
+          </p:blipFill>
+          <p:spPr>
+            <a:xfrm>
+              <a:off x="6666731" y="3676443"/>
+              <a:ext cx="2393123" cy="1575426"/>
+            </a:xfrm>
+            <a:prstGeom prst="rect">
+              <a:avLst/>
+            </a:prstGeom>
+          </p:spPr>
+        </p:pic>
+        <p:sp>
+          <p:nvSpPr>
+            <p:cNvPr id="7" name="TextBox 6"/>
+            <p:cNvSpPr txBox="1"/>
+            <p:nvPr/>
+          </p:nvSpPr>
+          <p:spPr>
+            <a:xfrm>
+              <a:off x="9093894" y="4056416"/>
+              <a:ext cx="2434436" cy="400110"/>
+            </a:xfrm>
+            <a:prstGeom prst="rect">
+              <a:avLst/>
+            </a:prstGeom>
+            <a:noFill/>
+          </p:spPr>
+          <p:txBody>
+            <a:bodyPr wrap="square" rtlCol="0">
+              <a:spAutoFit/>
+            </a:bodyPr>
+            <a:lstStyle/>
+            <a:p>
+              <a:r>
+                <a:rPr lang="en-CA" sz="1000" dirty="0">
+                  <a:solidFill>
+                    <a:schemeClr val="bg1">
+                      <a:lumMod val="50000"/>
+                    </a:schemeClr>
+                  </a:solidFill>
+                </a:rPr>
+                <a:t>http://www.hizook.com/files/users/3/DaVinci_Robot_Operation_BoardGame_2.png</a:t>
+              </a:r>
+            </a:p>
+          </p:txBody>
+        </p:sp>
+      </p:grpSp>
+      <p:grpSp>
+        <p:nvGrpSpPr>
+          <p:cNvPr id="13" name="Group 12"/>
+          <p:cNvGrpSpPr/>
+          <p:nvPr/>
+        </p:nvGrpSpPr>
+        <p:grpSpPr>
+          <a:xfrm>
+            <a:off x="6654296" y="2292646"/>
+            <a:ext cx="4813325" cy="1760464"/>
+            <a:chOff x="6654296" y="2292646"/>
+            <a:chExt cx="4813325" cy="1760464"/>
+          </a:xfrm>
+        </p:grpSpPr>
+        <p:pic>
+          <p:nvPicPr>
+            <p:cNvPr id="8" name="Picture 7"/>
+            <p:cNvPicPr>
+              <a:picLocks noChangeAspect="1"/>
+            </p:cNvPicPr>
+            <p:nvPr/>
+          </p:nvPicPr>
+          <p:blipFill>
+            <a:blip r:embed="rId4">
+              <a:extLst>
+                <a:ext uri="{28A0092B-C50C-407E-A947-70E740481C1C}">
+                  <a14:useLocalDpi xmlns:a14="http://schemas.microsoft.com/office/drawing/2010/main" val="0"/>
+                </a:ext>
+              </a:extLst>
+            </a:blip>
+            <a:stretch>
+              <a:fillRect/>
+            </a:stretch>
+          </p:blipFill>
+          <p:spPr>
+            <a:xfrm>
+              <a:off x="9120336" y="2292646"/>
+              <a:ext cx="2347285" cy="1760464"/>
+            </a:xfrm>
+            <a:prstGeom prst="rect">
+              <a:avLst/>
+            </a:prstGeom>
+          </p:spPr>
+        </p:pic>
+        <p:sp>
+          <p:nvSpPr>
+            <p:cNvPr id="9" name="TextBox 8"/>
+            <p:cNvSpPr txBox="1"/>
+            <p:nvPr/>
+          </p:nvSpPr>
+          <p:spPr>
+            <a:xfrm>
+              <a:off x="6654296" y="2977843"/>
+              <a:ext cx="2492709" cy="707886"/>
+            </a:xfrm>
+            <a:prstGeom prst="rect">
+              <a:avLst/>
+            </a:prstGeom>
+            <a:noFill/>
+          </p:spPr>
+          <p:txBody>
+            <a:bodyPr wrap="square" rtlCol="0">
+              <a:spAutoFit/>
+            </a:bodyPr>
+            <a:lstStyle/>
+            <a:p>
+              <a:r>
+                <a:rPr lang="en-CA" sz="1000" dirty="0">
+                  <a:solidFill>
+                    <a:schemeClr val="bg1">
+                      <a:lumMod val="50000"/>
+                    </a:schemeClr>
+                  </a:solidFill>
+                </a:rPr>
+                <a:t>http://2.bp.blogspot.com/-qnPW-D5mNlQ/T0JpNjT3SAI/AAAAAAAB-6o/IEz1RcLy_58/s400/Le%2BQuang%2BLiem%2Bsimul.jpg</a:t>
+              </a:r>
+            </a:p>
+          </p:txBody>
+        </p:sp>
+      </p:grpSp>
+      <p:grpSp>
+        <p:nvGrpSpPr>
+          <p:cNvPr id="15" name="Group 14"/>
+          <p:cNvGrpSpPr/>
+          <p:nvPr/>
+        </p:nvGrpSpPr>
+        <p:grpSpPr>
+          <a:xfrm>
+            <a:off x="6666732" y="4423797"/>
+            <a:ext cx="4652938" cy="2199334"/>
+            <a:chOff x="6666732" y="4423797"/>
+            <a:chExt cx="4652938" cy="2199334"/>
+          </a:xfrm>
+        </p:grpSpPr>
+        <p:pic>
+          <p:nvPicPr>
+            <p:cNvPr id="10" name="Picture 9"/>
+            <p:cNvPicPr>
+              <a:picLocks noChangeAspect="1"/>
+            </p:cNvPicPr>
+            <p:nvPr/>
+          </p:nvPicPr>
+          <p:blipFill>
+            <a:blip r:embed="rId5">
+              <a:extLst>
+                <a:ext uri="{28A0092B-C50C-407E-A947-70E740481C1C}">
+                  <a14:useLocalDpi xmlns:a14="http://schemas.microsoft.com/office/drawing/2010/main" val="0"/>
+                </a:ext>
+              </a:extLst>
+            </a:blip>
+            <a:stretch>
+              <a:fillRect/>
+            </a:stretch>
+          </p:blipFill>
+          <p:spPr>
+            <a:xfrm>
+              <a:off x="9120336" y="4423797"/>
+              <a:ext cx="2199334" cy="2199334"/>
+            </a:xfrm>
+            <a:prstGeom prst="rect">
+              <a:avLst/>
+            </a:prstGeom>
+          </p:spPr>
+        </p:pic>
+        <p:sp>
+          <p:nvSpPr>
+            <p:cNvPr id="11" name="TextBox 10"/>
+            <p:cNvSpPr txBox="1"/>
+            <p:nvPr/>
+          </p:nvSpPr>
+          <p:spPr>
+            <a:xfrm>
+              <a:off x="6666732" y="5349809"/>
+              <a:ext cx="2393122" cy="553998"/>
+            </a:xfrm>
+            <a:prstGeom prst="rect">
+              <a:avLst/>
+            </a:prstGeom>
+            <a:noFill/>
+          </p:spPr>
+          <p:txBody>
+            <a:bodyPr wrap="square" rtlCol="0">
+              <a:spAutoFit/>
+            </a:bodyPr>
+            <a:lstStyle/>
+            <a:p>
+              <a:r>
+                <a:rPr lang="en-CA" sz="1000" dirty="0">
+                  <a:solidFill>
+                    <a:schemeClr val="bg1">
+                      <a:lumMod val="50000"/>
+                    </a:schemeClr>
+                  </a:solidFill>
+                </a:rPr>
+                <a:t>http://www.lionsroar.com/wp-content/uploads/2009/08/burmese-monk-2-bk1.jpg</a:t>
+              </a:r>
+            </a:p>
+          </p:txBody>
+        </p:sp>
+      </p:grpSp>
     </p:spTree>
     <p:extLst>
       <p:ext uri="{BB962C8B-B14F-4D97-AF65-F5344CB8AC3E}">
-        <p14:creationId xmlns:p14="http://schemas.microsoft.com/office/powerpoint/2010/main" val="4098006981"/>
+        <p14:creationId xmlns:p14="http://schemas.microsoft.com/office/powerpoint/2010/main" val="3911746774"/>
       </p:ext>
     </p:extLst>
   </p:cSld>
   <p:clrMapOvr>
     <a:masterClrMapping/>
   </p:clrMapOvr>
+  <p:timing>
+    <p:tnLst>
+      <p:par>
+        <p:cTn id="1" dur="indefinite" restart="never" nodeType="tmRoot">
+          <p:childTnLst>
+            <p:seq concurrent="1" nextAc="seek">
+              <p:cTn id="2" dur="indefinite" nodeType="mainSeq">
+                <p:childTnLst>
+                  <p:par>
+                    <p:cTn id="3" fill="hold">
+                      <p:stCondLst>
+                        <p:cond delay="indefinite"/>
+                      </p:stCondLst>
+                      <p:childTnLst>
+                        <p:par>
+                          <p:cTn id="4" fill="hold">
+                            <p:stCondLst>
+                              <p:cond delay="0"/>
+                            </p:stCondLst>
+                            <p:childTnLst>
+                              <p:par>
+                                <p:cTn id="5" presetID="10" presetClass="entr" presetSubtype="0" fill="hold" nodeType="clickEffect">
+                                  <p:stCondLst>
+                                    <p:cond delay="0"/>
+                                  </p:stCondLst>
+                                  <p:childTnLst>
+                                    <p:set>
+                                      <p:cBhvr>
+                                        <p:cTn id="6" dur="1" fill="hold">
+                                          <p:stCondLst>
+                                            <p:cond delay="0"/>
+                                          </p:stCondLst>
+                                        </p:cTn>
+                                        <p:tgtEl>
+                                          <p:spTgt spid="3">
+                                            <p:txEl>
+                                              <p:pRg st="0" end="0"/>
+                                            </p:txEl>
+                                          </p:spTgt>
+                                        </p:tgtEl>
+                                        <p:attrNameLst>
+                                          <p:attrName>style.visibility</p:attrName>
+                                        </p:attrNameLst>
+                                      </p:cBhvr>
+                                      <p:to>
+                                        <p:strVal val="visible"/>
+                                      </p:to>
+                                    </p:set>
+                                    <p:animEffect transition="in" filter="fade">
+                                      <p:cBhvr>
+                                        <p:cTn id="7" dur="1000"/>
+                                        <p:tgtEl>
+                                          <p:spTgt spid="3">
+                                            <p:txEl>
+                                              <p:pRg st="0" end="0"/>
+                                            </p:txEl>
+                                          </p:spTgt>
+                                        </p:tgtEl>
+                                      </p:cBhvr>
+                                    </p:animEffect>
+                                  </p:childTnLst>
+                                </p:cTn>
+                              </p:par>
+                            </p:childTnLst>
+                          </p:cTn>
+                        </p:par>
+                      </p:childTnLst>
+                    </p:cTn>
+                  </p:par>
+                  <p:par>
+                    <p:cTn id="8" fill="hold">
+                      <p:stCondLst>
+                        <p:cond delay="indefinite"/>
+                      </p:stCondLst>
+                      <p:childTnLst>
+                        <p:par>
+                          <p:cTn id="9" fill="hold">
+                            <p:stCondLst>
+                              <p:cond delay="0"/>
+                            </p:stCondLst>
+                            <p:childTnLst>
+                              <p:par>
+                                <p:cTn id="10" presetID="10" presetClass="entr" presetSubtype="0" fill="hold" nodeType="clickEffect">
+                                  <p:stCondLst>
+                                    <p:cond delay="0"/>
+                                  </p:stCondLst>
+                                  <p:childTnLst>
+                                    <p:set>
+                                      <p:cBhvr>
+                                        <p:cTn id="11" dur="1" fill="hold">
+                                          <p:stCondLst>
+                                            <p:cond delay="0"/>
+                                          </p:stCondLst>
+                                        </p:cTn>
+                                        <p:tgtEl>
+                                          <p:spTgt spid="3">
+                                            <p:txEl>
+                                              <p:pRg st="1" end="1"/>
+                                            </p:txEl>
+                                          </p:spTgt>
+                                        </p:tgtEl>
+                                        <p:attrNameLst>
+                                          <p:attrName>style.visibility</p:attrName>
+                                        </p:attrNameLst>
+                                      </p:cBhvr>
+                                      <p:to>
+                                        <p:strVal val="visible"/>
+                                      </p:to>
+                                    </p:set>
+                                    <p:animEffect transition="in" filter="fade">
+                                      <p:cBhvr>
+                                        <p:cTn id="12" dur="1000"/>
+                                        <p:tgtEl>
+                                          <p:spTgt spid="3">
+                                            <p:txEl>
+                                              <p:pRg st="1" end="1"/>
+                                            </p:txEl>
+                                          </p:spTgt>
+                                        </p:tgtEl>
+                                      </p:cBhvr>
+                                    </p:animEffect>
+                                  </p:childTnLst>
+                                </p:cTn>
+                              </p:par>
+                              <p:par>
+                                <p:cTn id="13" presetID="10" presetClass="entr" presetSubtype="0" fill="hold" nodeType="withEffect">
+                                  <p:stCondLst>
+                                    <p:cond delay="0"/>
+                                  </p:stCondLst>
+                                  <p:childTnLst>
+                                    <p:set>
+                                      <p:cBhvr>
+                                        <p:cTn id="14" dur="1" fill="hold">
+                                          <p:stCondLst>
+                                            <p:cond delay="0"/>
+                                          </p:stCondLst>
+                                        </p:cTn>
+                                        <p:tgtEl>
+                                          <p:spTgt spid="12"/>
+                                        </p:tgtEl>
+                                        <p:attrNameLst>
+                                          <p:attrName>style.visibility</p:attrName>
+                                        </p:attrNameLst>
+                                      </p:cBhvr>
+                                      <p:to>
+                                        <p:strVal val="visible"/>
+                                      </p:to>
+                                    </p:set>
+                                    <p:animEffect transition="in" filter="fade">
+                                      <p:cBhvr>
+                                        <p:cTn id="15" dur="1000"/>
+                                        <p:tgtEl>
+                                          <p:spTgt spid="12"/>
+                                        </p:tgtEl>
+                                      </p:cBhvr>
+                                    </p:animEffect>
+                                  </p:childTnLst>
+                                </p:cTn>
+                              </p:par>
+                            </p:childTnLst>
+                          </p:cTn>
+                        </p:par>
+                      </p:childTnLst>
+                    </p:cTn>
+                  </p:par>
+                  <p:par>
+                    <p:cTn id="16" fill="hold">
+                      <p:stCondLst>
+                        <p:cond delay="indefinite"/>
+                      </p:stCondLst>
+                      <p:childTnLst>
+                        <p:par>
+                          <p:cTn id="17" fill="hold">
+                            <p:stCondLst>
+                              <p:cond delay="0"/>
+                            </p:stCondLst>
+                            <p:childTnLst>
+                              <p:par>
+                                <p:cTn id="18" presetID="10" presetClass="entr" presetSubtype="0" fill="hold" nodeType="clickEffect">
+                                  <p:stCondLst>
+                                    <p:cond delay="0"/>
+                                  </p:stCondLst>
+                                  <p:childTnLst>
+                                    <p:set>
+                                      <p:cBhvr>
+                                        <p:cTn id="19" dur="1" fill="hold">
+                                          <p:stCondLst>
+                                            <p:cond delay="0"/>
+                                          </p:stCondLst>
+                                        </p:cTn>
+                                        <p:tgtEl>
+                                          <p:spTgt spid="3">
+                                            <p:txEl>
+                                              <p:pRg st="2" end="2"/>
+                                            </p:txEl>
+                                          </p:spTgt>
+                                        </p:tgtEl>
+                                        <p:attrNameLst>
+                                          <p:attrName>style.visibility</p:attrName>
+                                        </p:attrNameLst>
+                                      </p:cBhvr>
+                                      <p:to>
+                                        <p:strVal val="visible"/>
+                                      </p:to>
+                                    </p:set>
+                                    <p:animEffect transition="in" filter="fade">
+                                      <p:cBhvr>
+                                        <p:cTn id="20" dur="1000"/>
+                                        <p:tgtEl>
+                                          <p:spTgt spid="3">
+                                            <p:txEl>
+                                              <p:pRg st="2" end="2"/>
+                                            </p:txEl>
+                                          </p:spTgt>
+                                        </p:tgtEl>
+                                      </p:cBhvr>
+                                    </p:animEffect>
+                                  </p:childTnLst>
+                                </p:cTn>
+                              </p:par>
+                              <p:par>
+                                <p:cTn id="21" presetID="10" presetClass="entr" presetSubtype="0" fill="hold" nodeType="withEffect">
+                                  <p:stCondLst>
+                                    <p:cond delay="0"/>
+                                  </p:stCondLst>
+                                  <p:childTnLst>
+                                    <p:set>
+                                      <p:cBhvr>
+                                        <p:cTn id="22" dur="1" fill="hold">
+                                          <p:stCondLst>
+                                            <p:cond delay="0"/>
+                                          </p:stCondLst>
+                                        </p:cTn>
+                                        <p:tgtEl>
+                                          <p:spTgt spid="13"/>
+                                        </p:tgtEl>
+                                        <p:attrNameLst>
+                                          <p:attrName>style.visibility</p:attrName>
+                                        </p:attrNameLst>
+                                      </p:cBhvr>
+                                      <p:to>
+                                        <p:strVal val="visible"/>
+                                      </p:to>
+                                    </p:set>
+                                    <p:animEffect transition="in" filter="fade">
+                                      <p:cBhvr>
+                                        <p:cTn id="23" dur="1000"/>
+                                        <p:tgtEl>
+                                          <p:spTgt spid="13"/>
+                                        </p:tgtEl>
+                                      </p:cBhvr>
+                                    </p:animEffect>
+                                  </p:childTnLst>
+                                </p:cTn>
+                              </p:par>
+                            </p:childTnLst>
+                          </p:cTn>
+                        </p:par>
+                      </p:childTnLst>
+                    </p:cTn>
+                  </p:par>
+                  <p:par>
+                    <p:cTn id="24" fill="hold">
+                      <p:stCondLst>
+                        <p:cond delay="indefinite"/>
+                      </p:stCondLst>
+                      <p:childTnLst>
+                        <p:par>
+                          <p:cTn id="25" fill="hold">
+                            <p:stCondLst>
+                              <p:cond delay="0"/>
+                            </p:stCondLst>
+                            <p:childTnLst>
+                              <p:par>
+                                <p:cTn id="26" presetID="10" presetClass="entr" presetSubtype="0" fill="hold" nodeType="clickEffect">
+                                  <p:stCondLst>
+                                    <p:cond delay="0"/>
+                                  </p:stCondLst>
+                                  <p:childTnLst>
+                                    <p:set>
+                                      <p:cBhvr>
+                                        <p:cTn id="27" dur="1" fill="hold">
+                                          <p:stCondLst>
+                                            <p:cond delay="0"/>
+                                          </p:stCondLst>
+                                        </p:cTn>
+                                        <p:tgtEl>
+                                          <p:spTgt spid="3">
+                                            <p:txEl>
+                                              <p:pRg st="3" end="3"/>
+                                            </p:txEl>
+                                          </p:spTgt>
+                                        </p:tgtEl>
+                                        <p:attrNameLst>
+                                          <p:attrName>style.visibility</p:attrName>
+                                        </p:attrNameLst>
+                                      </p:cBhvr>
+                                      <p:to>
+                                        <p:strVal val="visible"/>
+                                      </p:to>
+                                    </p:set>
+                                    <p:animEffect transition="in" filter="fade">
+                                      <p:cBhvr>
+                                        <p:cTn id="28" dur="1000"/>
+                                        <p:tgtEl>
+                                          <p:spTgt spid="3">
+                                            <p:txEl>
+                                              <p:pRg st="3" end="3"/>
+                                            </p:txEl>
+                                          </p:spTgt>
+                                        </p:tgtEl>
+                                      </p:cBhvr>
+                                    </p:animEffect>
+                                  </p:childTnLst>
+                                </p:cTn>
+                              </p:par>
+                              <p:par>
+                                <p:cTn id="29" presetID="10" presetClass="entr" presetSubtype="0" fill="hold" nodeType="withEffect">
+                                  <p:stCondLst>
+                                    <p:cond delay="0"/>
+                                  </p:stCondLst>
+                                  <p:childTnLst>
+                                    <p:set>
+                                      <p:cBhvr>
+                                        <p:cTn id="30" dur="1" fill="hold">
+                                          <p:stCondLst>
+                                            <p:cond delay="0"/>
+                                          </p:stCondLst>
+                                        </p:cTn>
+                                        <p:tgtEl>
+                                          <p:spTgt spid="14"/>
+                                        </p:tgtEl>
+                                        <p:attrNameLst>
+                                          <p:attrName>style.visibility</p:attrName>
+                                        </p:attrNameLst>
+                                      </p:cBhvr>
+                                      <p:to>
+                                        <p:strVal val="visible"/>
+                                      </p:to>
+                                    </p:set>
+                                    <p:animEffect transition="in" filter="fade">
+                                      <p:cBhvr>
+                                        <p:cTn id="31" dur="1000"/>
+                                        <p:tgtEl>
+                                          <p:spTgt spid="14"/>
+                                        </p:tgtEl>
+                                      </p:cBhvr>
+                                    </p:animEffect>
+                                  </p:childTnLst>
+                                </p:cTn>
+                              </p:par>
+                            </p:childTnLst>
+                          </p:cTn>
+                        </p:par>
+                      </p:childTnLst>
+                    </p:cTn>
+                  </p:par>
+                  <p:par>
+                    <p:cTn id="32" fill="hold">
+                      <p:stCondLst>
+                        <p:cond delay="indefinite"/>
+                      </p:stCondLst>
+                      <p:childTnLst>
+                        <p:par>
+                          <p:cTn id="33" fill="hold">
+                            <p:stCondLst>
+                              <p:cond delay="0"/>
+                            </p:stCondLst>
+                            <p:childTnLst>
+                              <p:par>
+                                <p:cTn id="34" presetID="10" presetClass="entr" presetSubtype="0" fill="hold" nodeType="clickEffect">
+                                  <p:stCondLst>
+                                    <p:cond delay="0"/>
+                                  </p:stCondLst>
+                                  <p:childTnLst>
+                                    <p:set>
+                                      <p:cBhvr>
+                                        <p:cTn id="35" dur="1" fill="hold">
+                                          <p:stCondLst>
+                                            <p:cond delay="0"/>
+                                          </p:stCondLst>
+                                        </p:cTn>
+                                        <p:tgtEl>
+                                          <p:spTgt spid="3">
+                                            <p:txEl>
+                                              <p:pRg st="4" end="4"/>
+                                            </p:txEl>
+                                          </p:spTgt>
+                                        </p:tgtEl>
+                                        <p:attrNameLst>
+                                          <p:attrName>style.visibility</p:attrName>
+                                        </p:attrNameLst>
+                                      </p:cBhvr>
+                                      <p:to>
+                                        <p:strVal val="visible"/>
+                                      </p:to>
+                                    </p:set>
+                                    <p:animEffect transition="in" filter="fade">
+                                      <p:cBhvr>
+                                        <p:cTn id="36" dur="1000"/>
+                                        <p:tgtEl>
+                                          <p:spTgt spid="3">
+                                            <p:txEl>
+                                              <p:pRg st="4" end="4"/>
+                                            </p:txEl>
+                                          </p:spTgt>
+                                        </p:tgtEl>
+                                      </p:cBhvr>
+                                    </p:animEffect>
+                                  </p:childTnLst>
+                                </p:cTn>
+                              </p:par>
+                              <p:par>
+                                <p:cTn id="37" presetID="10" presetClass="entr" presetSubtype="0" fill="hold" nodeType="withEffect">
+                                  <p:stCondLst>
+                                    <p:cond delay="0"/>
+                                  </p:stCondLst>
+                                  <p:childTnLst>
+                                    <p:set>
+                                      <p:cBhvr>
+                                        <p:cTn id="38" dur="1" fill="hold">
+                                          <p:stCondLst>
+                                            <p:cond delay="0"/>
+                                          </p:stCondLst>
+                                        </p:cTn>
+                                        <p:tgtEl>
+                                          <p:spTgt spid="15"/>
+                                        </p:tgtEl>
+                                        <p:attrNameLst>
+                                          <p:attrName>style.visibility</p:attrName>
+                                        </p:attrNameLst>
+                                      </p:cBhvr>
+                                      <p:to>
+                                        <p:strVal val="visible"/>
+                                      </p:to>
+                                    </p:set>
+                                    <p:animEffect transition="in" filter="fade">
+                                      <p:cBhvr>
+                                        <p:cTn id="39" dur="1000"/>
+                                        <p:tgtEl>
+                                          <p:spTgt spid="15"/>
+                                        </p:tgtEl>
+                                      </p:cBhvr>
+                                    </p:animEffect>
+                                  </p:childTnLst>
+                                </p:cTn>
+                              </p:par>
+                            </p:childTnLst>
+                          </p:cTn>
+                        </p:par>
+                      </p:childTnLst>
+                    </p:cTn>
+                  </p:par>
+                </p:childTnLst>
+              </p:cTn>
+              <p:prevCondLst>
+                <p:cond evt="onPrev" delay="0">
+                  <p:tgtEl>
+                    <p:sldTgt/>
+                  </p:tgtEl>
+                </p:cond>
+              </p:prevCondLst>
+              <p:nextCondLst>
+                <p:cond evt="onNext" delay="0">
+                  <p:tgtEl>
+                    <p:sldTgt/>
+                  </p:tgtEl>
+                </p:cond>
+              </p:nextCondLst>
+            </p:seq>
+          </p:childTnLst>
+        </p:cTn>
+      </p:par>
+    </p:tnLst>
+  </p:timing>
 </p:sld>
 </file>
 
@@ -15994,41 +22027,637 @@
           <a:lstStyle/>
           <a:p>
             <a:r>
-              <a:rPr lang="en-CA" dirty="0"/>
-              <a:t>Tierra</a:t>
+              <a:rPr lang="en-CA" dirty="0" smtClean="0"/>
+              <a:t>Synthesizing Emotional Behavior</a:t>
             </a:r>
+            <a:endParaRPr lang="en-CA" dirty="0"/>
+          </a:p>
+        </p:txBody>
+      </p:sp>
+      <p:graphicFrame>
+        <p:nvGraphicFramePr>
+          <p:cNvPr id="5" name="Chart 4"/>
+          <p:cNvGraphicFramePr>
+            <a:graphicFrameLocks/>
+          </p:cNvGraphicFramePr>
+          <p:nvPr>
+            <p:extLst>
+              <p:ext uri="{D42A27DB-BD31-4B8C-83A1-F6EECF244321}">
+                <p14:modId xmlns:p14="http://schemas.microsoft.com/office/powerpoint/2010/main" val="1366773842"/>
+              </p:ext>
+            </p:extLst>
+          </p:nvPr>
+        </p:nvGraphicFramePr>
+        <p:xfrm>
+          <a:off x="194309" y="1270189"/>
+          <a:ext cx="4000023" cy="3613104"/>
+        </p:xfrm>
+        <a:graphic>
+          <a:graphicData uri="http://schemas.openxmlformats.org/drawingml/2006/chart">
+            <c:chart xmlns:c="http://schemas.openxmlformats.org/drawingml/2006/chart" xmlns:r="http://schemas.openxmlformats.org/officeDocument/2006/relationships" r:id="rId2"/>
+          </a:graphicData>
+        </a:graphic>
+      </p:graphicFrame>
+      <p:graphicFrame>
+        <p:nvGraphicFramePr>
+          <p:cNvPr id="6" name="Chart 5"/>
+          <p:cNvGraphicFramePr>
+            <a:graphicFrameLocks/>
+          </p:cNvGraphicFramePr>
+          <p:nvPr>
+            <p:extLst>
+              <p:ext uri="{D42A27DB-BD31-4B8C-83A1-F6EECF244321}">
+                <p14:modId xmlns:p14="http://schemas.microsoft.com/office/powerpoint/2010/main" val="2306932069"/>
+              </p:ext>
+            </p:extLst>
+          </p:nvPr>
+        </p:nvGraphicFramePr>
+        <p:xfrm>
+          <a:off x="1725587" y="2893721"/>
+          <a:ext cx="4149606" cy="3586328"/>
+        </p:xfrm>
+        <a:graphic>
+          <a:graphicData uri="http://schemas.openxmlformats.org/drawingml/2006/chart">
+            <c:chart xmlns:c="http://schemas.openxmlformats.org/drawingml/2006/chart" xmlns:r="http://schemas.openxmlformats.org/officeDocument/2006/relationships" r:id="rId3"/>
+          </a:graphicData>
+        </a:graphic>
+      </p:graphicFrame>
+      <p:graphicFrame>
+        <p:nvGraphicFramePr>
+          <p:cNvPr id="7" name="Chart 6"/>
+          <p:cNvGraphicFramePr>
+            <a:graphicFrameLocks/>
+          </p:cNvGraphicFramePr>
+          <p:nvPr>
+            <p:extLst>
+              <p:ext uri="{D42A27DB-BD31-4B8C-83A1-F6EECF244321}">
+                <p14:modId xmlns:p14="http://schemas.microsoft.com/office/powerpoint/2010/main" val="773503790"/>
+              </p:ext>
+            </p:extLst>
+          </p:nvPr>
+        </p:nvGraphicFramePr>
+        <p:xfrm>
+          <a:off x="4259480" y="1485741"/>
+          <a:ext cx="4086889" cy="3201144"/>
+        </p:xfrm>
+        <a:graphic>
+          <a:graphicData uri="http://schemas.openxmlformats.org/drawingml/2006/chart">
+            <c:chart xmlns:c="http://schemas.openxmlformats.org/drawingml/2006/chart" xmlns:r="http://schemas.openxmlformats.org/officeDocument/2006/relationships" r:id="rId4"/>
+          </a:graphicData>
+        </a:graphic>
+      </p:graphicFrame>
+      <p:graphicFrame>
+        <p:nvGraphicFramePr>
+          <p:cNvPr id="8" name="Chart 7"/>
+          <p:cNvGraphicFramePr>
+            <a:graphicFrameLocks/>
+          </p:cNvGraphicFramePr>
+          <p:nvPr>
+            <p:extLst>
+              <p:ext uri="{D42A27DB-BD31-4B8C-83A1-F6EECF244321}">
+                <p14:modId xmlns:p14="http://schemas.microsoft.com/office/powerpoint/2010/main" val="9204387"/>
+              </p:ext>
+            </p:extLst>
+          </p:nvPr>
+        </p:nvGraphicFramePr>
+        <p:xfrm>
+          <a:off x="6624870" y="3020031"/>
+          <a:ext cx="4326665" cy="3317194"/>
+        </p:xfrm>
+        <a:graphic>
+          <a:graphicData uri="http://schemas.openxmlformats.org/drawingml/2006/chart">
+            <c:chart xmlns:c="http://schemas.openxmlformats.org/drawingml/2006/chart" xmlns:r="http://schemas.openxmlformats.org/officeDocument/2006/relationships" r:id="rId5"/>
+          </a:graphicData>
+        </a:graphic>
+      </p:graphicFrame>
+      <p:sp>
+        <p:nvSpPr>
+          <p:cNvPr id="9" name="TextBox 8"/>
+          <p:cNvSpPr txBox="1"/>
+          <p:nvPr/>
+        </p:nvSpPr>
+        <p:spPr>
+          <a:xfrm>
+            <a:off x="1444797" y="1258884"/>
+            <a:ext cx="1499045" cy="584775"/>
+          </a:xfrm>
+          <a:prstGeom prst="rect">
+            <a:avLst/>
+          </a:prstGeom>
+          <a:noFill/>
+        </p:spPr>
+        <p:txBody>
+          <a:bodyPr wrap="square" rtlCol="0">
+            <a:spAutoFit/>
+          </a:bodyPr>
+          <a:lstStyle/>
+          <a:p>
+            <a:r>
+              <a:rPr lang="en-CA" sz="3200" dirty="0" smtClean="0"/>
+              <a:t>Anxiety</a:t>
+            </a:r>
+            <a:endParaRPr lang="en-CA" sz="3200" dirty="0"/>
           </a:p>
         </p:txBody>
       </p:sp>
       <p:sp>
         <p:nvSpPr>
-          <p:cNvPr id="3" name="Content Placeholder 2"/>
-          <p:cNvSpPr>
-            <a:spLocks noGrp="1"/>
-          </p:cNvSpPr>
-          <p:nvPr>
-            <p:ph idx="1"/>
-          </p:nvPr>
+          <p:cNvPr id="11" name="TextBox 10"/>
+          <p:cNvSpPr txBox="1"/>
+          <p:nvPr/>
         </p:nvSpPr>
-        <p:spPr/>
+        <p:spPr>
+          <a:xfrm>
+            <a:off x="2574520" y="5927637"/>
+            <a:ext cx="2451739" cy="584775"/>
+          </a:xfrm>
+          <a:prstGeom prst="rect">
+            <a:avLst/>
+          </a:prstGeom>
+          <a:noFill/>
+        </p:spPr>
         <p:txBody>
-          <a:bodyPr/>
+          <a:bodyPr wrap="square" rtlCol="0">
+            <a:spAutoFit/>
+          </a:bodyPr>
           <a:lstStyle/>
           <a:p>
-            <a:endParaRPr lang="en-CA"/>
+            <a:r>
+              <a:rPr lang="en-CA" sz="3200" dirty="0" smtClean="0"/>
+              <a:t>Contentment</a:t>
+            </a:r>
+            <a:endParaRPr lang="en-CA" sz="3200" dirty="0"/>
+          </a:p>
+        </p:txBody>
+      </p:sp>
+      <p:sp>
+        <p:nvSpPr>
+          <p:cNvPr id="12" name="TextBox 11"/>
+          <p:cNvSpPr txBox="1"/>
+          <p:nvPr/>
+        </p:nvSpPr>
+        <p:spPr>
+          <a:xfrm>
+            <a:off x="8058989" y="5927637"/>
+            <a:ext cx="1619757" cy="584775"/>
+          </a:xfrm>
+          <a:prstGeom prst="rect">
+            <a:avLst/>
+          </a:prstGeom>
+          <a:noFill/>
+        </p:spPr>
+        <p:txBody>
+          <a:bodyPr wrap="square" rtlCol="0">
+            <a:spAutoFit/>
+          </a:bodyPr>
+          <a:lstStyle/>
+          <a:p>
+            <a:r>
+              <a:rPr lang="en-CA" sz="3200" dirty="0" smtClean="0"/>
+              <a:t>Sadness</a:t>
+            </a:r>
+          </a:p>
+        </p:txBody>
+      </p:sp>
+      <p:sp>
+        <p:nvSpPr>
+          <p:cNvPr id="13" name="TextBox 12"/>
+          <p:cNvSpPr txBox="1"/>
+          <p:nvPr/>
+        </p:nvSpPr>
+        <p:spPr>
+          <a:xfrm>
+            <a:off x="5806834" y="1272702"/>
+            <a:ext cx="992179" cy="584775"/>
+          </a:xfrm>
+          <a:prstGeom prst="rect">
+            <a:avLst/>
+          </a:prstGeom>
+          <a:noFill/>
+        </p:spPr>
+        <p:txBody>
+          <a:bodyPr wrap="square" rtlCol="0">
+            <a:spAutoFit/>
+          </a:bodyPr>
+          <a:lstStyle/>
+          <a:p>
+            <a:r>
+              <a:rPr lang="en-CA" sz="3200" dirty="0" smtClean="0"/>
+              <a:t>Fear</a:t>
+            </a:r>
           </a:p>
         </p:txBody>
       </p:sp>
     </p:spTree>
     <p:extLst>
       <p:ext uri="{BB962C8B-B14F-4D97-AF65-F5344CB8AC3E}">
-        <p14:creationId xmlns:p14="http://schemas.microsoft.com/office/powerpoint/2010/main" val="2104655064"/>
+        <p14:creationId xmlns:p14="http://schemas.microsoft.com/office/powerpoint/2010/main" val="3327673522"/>
       </p:ext>
     </p:extLst>
   </p:cSld>
   <p:clrMapOvr>
     <a:masterClrMapping/>
   </p:clrMapOvr>
+  <p:timing>
+    <p:tnLst>
+      <p:par>
+        <p:cTn id="1" dur="indefinite" restart="never" nodeType="tmRoot">
+          <p:childTnLst>
+            <p:seq concurrent="1" nextAc="seek">
+              <p:cTn id="2" dur="indefinite" nodeType="mainSeq">
+                <p:childTnLst>
+                  <p:par>
+                    <p:cTn id="3" fill="hold">
+                      <p:stCondLst>
+                        <p:cond delay="indefinite"/>
+                      </p:stCondLst>
+                      <p:childTnLst>
+                        <p:par>
+                          <p:cTn id="4" fill="hold">
+                            <p:stCondLst>
+                              <p:cond delay="0"/>
+                            </p:stCondLst>
+                            <p:childTnLst>
+                              <p:par>
+                                <p:cTn id="5" presetID="10" presetClass="entr" presetSubtype="0" fill="hold" grpId="0" nodeType="clickEffect">
+                                  <p:stCondLst>
+                                    <p:cond delay="0"/>
+                                  </p:stCondLst>
+                                  <p:childTnLst>
+                                    <p:set>
+                                      <p:cBhvr>
+                                        <p:cTn id="6" dur="1" fill="hold">
+                                          <p:stCondLst>
+                                            <p:cond delay="0"/>
+                                          </p:stCondLst>
+                                        </p:cTn>
+                                        <p:tgtEl>
+                                          <p:spTgt spid="9"/>
+                                        </p:tgtEl>
+                                        <p:attrNameLst>
+                                          <p:attrName>style.visibility</p:attrName>
+                                        </p:attrNameLst>
+                                      </p:cBhvr>
+                                      <p:to>
+                                        <p:strVal val="visible"/>
+                                      </p:to>
+                                    </p:set>
+                                    <p:animEffect transition="in" filter="fade">
+                                      <p:cBhvr>
+                                        <p:cTn id="7" dur="1000"/>
+                                        <p:tgtEl>
+                                          <p:spTgt spid="9"/>
+                                        </p:tgtEl>
+                                      </p:cBhvr>
+                                    </p:animEffect>
+                                  </p:childTnLst>
+                                </p:cTn>
+                              </p:par>
+                              <p:par>
+                                <p:cTn id="8" presetID="10" presetClass="entr" presetSubtype="0" fill="hold" grpId="0" nodeType="withEffect">
+                                  <p:stCondLst>
+                                    <p:cond delay="0"/>
+                                  </p:stCondLst>
+                                  <p:childTnLst>
+                                    <p:set>
+                                      <p:cBhvr>
+                                        <p:cTn id="9" dur="1" fill="hold">
+                                          <p:stCondLst>
+                                            <p:cond delay="0"/>
+                                          </p:stCondLst>
+                                        </p:cTn>
+                                        <p:tgtEl>
+                                          <p:spTgt spid="5"/>
+                                        </p:tgtEl>
+                                        <p:attrNameLst>
+                                          <p:attrName>style.visibility</p:attrName>
+                                        </p:attrNameLst>
+                                      </p:cBhvr>
+                                      <p:to>
+                                        <p:strVal val="visible"/>
+                                      </p:to>
+                                    </p:set>
+                                    <p:animEffect transition="in" filter="fade">
+                                      <p:cBhvr>
+                                        <p:cTn id="10" dur="1000"/>
+                                        <p:tgtEl>
+                                          <p:spTgt spid="5"/>
+                                        </p:tgtEl>
+                                      </p:cBhvr>
+                                    </p:animEffect>
+                                  </p:childTnLst>
+                                </p:cTn>
+                              </p:par>
+                            </p:childTnLst>
+                          </p:cTn>
+                        </p:par>
+                      </p:childTnLst>
+                    </p:cTn>
+                  </p:par>
+                  <p:par>
+                    <p:cTn id="11" fill="hold">
+                      <p:stCondLst>
+                        <p:cond delay="indefinite"/>
+                      </p:stCondLst>
+                      <p:childTnLst>
+                        <p:par>
+                          <p:cTn id="12" fill="hold">
+                            <p:stCondLst>
+                              <p:cond delay="0"/>
+                            </p:stCondLst>
+                            <p:childTnLst>
+                              <p:par>
+                                <p:cTn id="13" presetID="10" presetClass="entr" presetSubtype="0" fill="hold" grpId="0" nodeType="clickEffect">
+                                  <p:stCondLst>
+                                    <p:cond delay="0"/>
+                                  </p:stCondLst>
+                                  <p:childTnLst>
+                                    <p:set>
+                                      <p:cBhvr>
+                                        <p:cTn id="14" dur="1" fill="hold">
+                                          <p:stCondLst>
+                                            <p:cond delay="0"/>
+                                          </p:stCondLst>
+                                        </p:cTn>
+                                        <p:tgtEl>
+                                          <p:spTgt spid="11"/>
+                                        </p:tgtEl>
+                                        <p:attrNameLst>
+                                          <p:attrName>style.visibility</p:attrName>
+                                        </p:attrNameLst>
+                                      </p:cBhvr>
+                                      <p:to>
+                                        <p:strVal val="visible"/>
+                                      </p:to>
+                                    </p:set>
+                                    <p:animEffect transition="in" filter="fade">
+                                      <p:cBhvr>
+                                        <p:cTn id="15" dur="1000"/>
+                                        <p:tgtEl>
+                                          <p:spTgt spid="11"/>
+                                        </p:tgtEl>
+                                      </p:cBhvr>
+                                    </p:animEffect>
+                                  </p:childTnLst>
+                                </p:cTn>
+                              </p:par>
+                              <p:par>
+                                <p:cTn id="16" presetID="10" presetClass="entr" presetSubtype="0" fill="hold" grpId="0" nodeType="withEffect">
+                                  <p:stCondLst>
+                                    <p:cond delay="0"/>
+                                  </p:stCondLst>
+                                  <p:childTnLst>
+                                    <p:set>
+                                      <p:cBhvr>
+                                        <p:cTn id="17" dur="1" fill="hold">
+                                          <p:stCondLst>
+                                            <p:cond delay="0"/>
+                                          </p:stCondLst>
+                                        </p:cTn>
+                                        <p:tgtEl>
+                                          <p:spTgt spid="6"/>
+                                        </p:tgtEl>
+                                        <p:attrNameLst>
+                                          <p:attrName>style.visibility</p:attrName>
+                                        </p:attrNameLst>
+                                      </p:cBhvr>
+                                      <p:to>
+                                        <p:strVal val="visible"/>
+                                      </p:to>
+                                    </p:set>
+                                    <p:animEffect transition="in" filter="fade">
+                                      <p:cBhvr>
+                                        <p:cTn id="18" dur="1000"/>
+                                        <p:tgtEl>
+                                          <p:spTgt spid="6"/>
+                                        </p:tgtEl>
+                                      </p:cBhvr>
+                                    </p:animEffect>
+                                  </p:childTnLst>
+                                </p:cTn>
+                              </p:par>
+                            </p:childTnLst>
+                          </p:cTn>
+                        </p:par>
+                      </p:childTnLst>
+                    </p:cTn>
+                  </p:par>
+                  <p:par>
+                    <p:cTn id="19" fill="hold">
+                      <p:stCondLst>
+                        <p:cond delay="indefinite"/>
+                      </p:stCondLst>
+                      <p:childTnLst>
+                        <p:par>
+                          <p:cTn id="20" fill="hold">
+                            <p:stCondLst>
+                              <p:cond delay="0"/>
+                            </p:stCondLst>
+                            <p:childTnLst>
+                              <p:par>
+                                <p:cTn id="21" presetID="10" presetClass="entr" presetSubtype="0" fill="hold" grpId="0" nodeType="clickEffect">
+                                  <p:stCondLst>
+                                    <p:cond delay="0"/>
+                                  </p:stCondLst>
+                                  <p:childTnLst>
+                                    <p:set>
+                                      <p:cBhvr>
+                                        <p:cTn id="22" dur="1" fill="hold">
+                                          <p:stCondLst>
+                                            <p:cond delay="0"/>
+                                          </p:stCondLst>
+                                        </p:cTn>
+                                        <p:tgtEl>
+                                          <p:spTgt spid="13"/>
+                                        </p:tgtEl>
+                                        <p:attrNameLst>
+                                          <p:attrName>style.visibility</p:attrName>
+                                        </p:attrNameLst>
+                                      </p:cBhvr>
+                                      <p:to>
+                                        <p:strVal val="visible"/>
+                                      </p:to>
+                                    </p:set>
+                                    <p:animEffect transition="in" filter="fade">
+                                      <p:cBhvr>
+                                        <p:cTn id="23" dur="1000"/>
+                                        <p:tgtEl>
+                                          <p:spTgt spid="13"/>
+                                        </p:tgtEl>
+                                      </p:cBhvr>
+                                    </p:animEffect>
+                                  </p:childTnLst>
+                                </p:cTn>
+                              </p:par>
+                              <p:par>
+                                <p:cTn id="24" presetID="10" presetClass="entr" presetSubtype="0" fill="hold" grpId="0" nodeType="withEffect">
+                                  <p:stCondLst>
+                                    <p:cond delay="0"/>
+                                  </p:stCondLst>
+                                  <p:childTnLst>
+                                    <p:set>
+                                      <p:cBhvr>
+                                        <p:cTn id="25" dur="1" fill="hold">
+                                          <p:stCondLst>
+                                            <p:cond delay="0"/>
+                                          </p:stCondLst>
+                                        </p:cTn>
+                                        <p:tgtEl>
+                                          <p:spTgt spid="7"/>
+                                        </p:tgtEl>
+                                        <p:attrNameLst>
+                                          <p:attrName>style.visibility</p:attrName>
+                                        </p:attrNameLst>
+                                      </p:cBhvr>
+                                      <p:to>
+                                        <p:strVal val="visible"/>
+                                      </p:to>
+                                    </p:set>
+                                    <p:animEffect transition="in" filter="fade">
+                                      <p:cBhvr>
+                                        <p:cTn id="26" dur="1000"/>
+                                        <p:tgtEl>
+                                          <p:spTgt spid="7"/>
+                                        </p:tgtEl>
+                                      </p:cBhvr>
+                                    </p:animEffect>
+                                  </p:childTnLst>
+                                </p:cTn>
+                              </p:par>
+                            </p:childTnLst>
+                          </p:cTn>
+                        </p:par>
+                      </p:childTnLst>
+                    </p:cTn>
+                  </p:par>
+                  <p:par>
+                    <p:cTn id="27" fill="hold">
+                      <p:stCondLst>
+                        <p:cond delay="indefinite"/>
+                      </p:stCondLst>
+                      <p:childTnLst>
+                        <p:par>
+                          <p:cTn id="28" fill="hold">
+                            <p:stCondLst>
+                              <p:cond delay="0"/>
+                            </p:stCondLst>
+                            <p:childTnLst>
+                              <p:par>
+                                <p:cTn id="29" presetID="10" presetClass="entr" presetSubtype="0" fill="hold" grpId="0" nodeType="clickEffect">
+                                  <p:stCondLst>
+                                    <p:cond delay="0"/>
+                                  </p:stCondLst>
+                                  <p:childTnLst>
+                                    <p:set>
+                                      <p:cBhvr>
+                                        <p:cTn id="30" dur="1" fill="hold">
+                                          <p:stCondLst>
+                                            <p:cond delay="0"/>
+                                          </p:stCondLst>
+                                        </p:cTn>
+                                        <p:tgtEl>
+                                          <p:spTgt spid="12"/>
+                                        </p:tgtEl>
+                                        <p:attrNameLst>
+                                          <p:attrName>style.visibility</p:attrName>
+                                        </p:attrNameLst>
+                                      </p:cBhvr>
+                                      <p:to>
+                                        <p:strVal val="visible"/>
+                                      </p:to>
+                                    </p:set>
+                                    <p:animEffect transition="in" filter="fade">
+                                      <p:cBhvr>
+                                        <p:cTn id="31" dur="1000"/>
+                                        <p:tgtEl>
+                                          <p:spTgt spid="12"/>
+                                        </p:tgtEl>
+                                      </p:cBhvr>
+                                    </p:animEffect>
+                                  </p:childTnLst>
+                                </p:cTn>
+                              </p:par>
+                              <p:par>
+                                <p:cTn id="32" presetID="10" presetClass="entr" presetSubtype="0" fill="hold" grpId="0" nodeType="withEffect">
+                                  <p:stCondLst>
+                                    <p:cond delay="0"/>
+                                  </p:stCondLst>
+                                  <p:childTnLst>
+                                    <p:set>
+                                      <p:cBhvr>
+                                        <p:cTn id="33" dur="1" fill="hold">
+                                          <p:stCondLst>
+                                            <p:cond delay="0"/>
+                                          </p:stCondLst>
+                                        </p:cTn>
+                                        <p:tgtEl>
+                                          <p:spTgt spid="8"/>
+                                        </p:tgtEl>
+                                        <p:attrNameLst>
+                                          <p:attrName>style.visibility</p:attrName>
+                                        </p:attrNameLst>
+                                      </p:cBhvr>
+                                      <p:to>
+                                        <p:strVal val="visible"/>
+                                      </p:to>
+                                    </p:set>
+                                    <p:animEffect transition="in" filter="fade">
+                                      <p:cBhvr>
+                                        <p:cTn id="34" dur="1000"/>
+                                        <p:tgtEl>
+                                          <p:spTgt spid="8"/>
+                                        </p:tgtEl>
+                                      </p:cBhvr>
+                                    </p:animEffect>
+                                  </p:childTnLst>
+                                </p:cTn>
+                              </p:par>
+                            </p:childTnLst>
+                          </p:cTn>
+                        </p:par>
+                      </p:childTnLst>
+                    </p:cTn>
+                  </p:par>
+                </p:childTnLst>
+              </p:cTn>
+              <p:prevCondLst>
+                <p:cond evt="onPrev" delay="0">
+                  <p:tgtEl>
+                    <p:sldTgt/>
+                  </p:tgtEl>
+                </p:cond>
+              </p:prevCondLst>
+              <p:nextCondLst>
+                <p:cond evt="onNext" delay="0">
+                  <p:tgtEl>
+                    <p:sldTgt/>
+                  </p:tgtEl>
+                </p:cond>
+              </p:nextCondLst>
+            </p:seq>
+          </p:childTnLst>
+        </p:cTn>
+      </p:par>
+    </p:tnLst>
+    <p:bldLst>
+      <p:bldGraphic spid="5" grpId="0">
+        <p:bldAsOne/>
+      </p:bldGraphic>
+      <p:bldGraphic spid="6" grpId="0">
+        <p:bldAsOne/>
+      </p:bldGraphic>
+      <p:bldGraphic spid="7" grpId="0">
+        <p:bldAsOne/>
+      </p:bldGraphic>
+      <p:bldGraphic spid="8" grpId="0">
+        <p:bldAsOne/>
+      </p:bldGraphic>
+      <p:bldP spid="9" grpId="0"/>
+      <p:bldP spid="11" grpId="0"/>
+      <p:bldP spid="12" grpId="0"/>
+      <p:bldP spid="13" grpId="0"/>
+    </p:bldLst>
+  </p:timing>
 </p:sld>
 </file>
 
@@ -16434,6 +23063,519 @@
       <p:bldP spid="5" grpId="0"/>
     </p:bldLst>
   </p:timing>
+</p:sld>
+</file>
+
+<file path=ppt/slides/slide30.xml><?xml version="1.0" encoding="utf-8"?>
+<p:sld xmlns:a="http://schemas.openxmlformats.org/drawingml/2006/main" xmlns:r="http://schemas.openxmlformats.org/officeDocument/2006/relationships" xmlns:p="http://schemas.openxmlformats.org/presentationml/2006/main">
+  <p:cSld>
+    <p:spTree>
+      <p:nvGrpSpPr>
+        <p:cNvPr id="1" name=""/>
+        <p:cNvGrpSpPr/>
+        <p:nvPr/>
+      </p:nvGrpSpPr>
+      <p:grpSpPr>
+        <a:xfrm>
+          <a:off x="0" y="0"/>
+          <a:ext cx="0" cy="0"/>
+          <a:chOff x="0" y="0"/>
+          <a:chExt cx="0" cy="0"/>
+        </a:xfrm>
+      </p:grpSpPr>
+      <p:sp>
+        <p:nvSpPr>
+          <p:cNvPr id="2" name="Title 1"/>
+          <p:cNvSpPr>
+            <a:spLocks noGrp="1"/>
+          </p:cNvSpPr>
+          <p:nvPr>
+            <p:ph type="title"/>
+          </p:nvPr>
+        </p:nvSpPr>
+        <p:spPr/>
+        <p:txBody>
+          <a:bodyPr/>
+          <a:lstStyle/>
+          <a:p>
+            <a:r>
+              <a:rPr lang="en-CA" dirty="0" err="1" smtClean="0"/>
+              <a:t>Hille’s</a:t>
+            </a:r>
+            <a:r>
+              <a:rPr lang="en-CA" dirty="0" smtClean="0"/>
+              <a:t> </a:t>
+            </a:r>
+            <a:r>
+              <a:rPr lang="en-CA" dirty="0" err="1" smtClean="0"/>
+              <a:t>Alie</a:t>
+            </a:r>
+            <a:endParaRPr lang="en-CA" dirty="0"/>
+          </a:p>
+        </p:txBody>
+      </p:sp>
+      <p:sp>
+        <p:nvSpPr>
+          <p:cNvPr id="3" name="Content Placeholder 2"/>
+          <p:cNvSpPr>
+            <a:spLocks noGrp="1"/>
+          </p:cNvSpPr>
+          <p:nvPr>
+            <p:ph idx="1"/>
+          </p:nvPr>
+        </p:nvSpPr>
+        <p:spPr/>
+        <p:txBody>
+          <a:bodyPr/>
+          <a:lstStyle/>
+          <a:p>
+            <a:endParaRPr lang="en-CA" dirty="0"/>
+          </a:p>
+        </p:txBody>
+      </p:sp>
+    </p:spTree>
+    <p:extLst>
+      <p:ext uri="{BB962C8B-B14F-4D97-AF65-F5344CB8AC3E}">
+        <p14:creationId xmlns:p14="http://schemas.microsoft.com/office/powerpoint/2010/main" val="1403561635"/>
+      </p:ext>
+    </p:extLst>
+  </p:cSld>
+  <p:clrMapOvr>
+    <a:masterClrMapping/>
+  </p:clrMapOvr>
+  <p:timing>
+    <p:tnLst>
+      <p:par>
+        <p:cTn id="1" dur="indefinite" restart="never" nodeType="tmRoot"/>
+      </p:par>
+    </p:tnLst>
+  </p:timing>
+</p:sld>
+</file>
+
+<file path=ppt/slides/slide31.xml><?xml version="1.0" encoding="utf-8"?>
+<p:sld xmlns:a="http://schemas.openxmlformats.org/drawingml/2006/main" xmlns:r="http://schemas.openxmlformats.org/officeDocument/2006/relationships" xmlns:p="http://schemas.openxmlformats.org/presentationml/2006/main">
+  <p:cSld>
+    <p:spTree>
+      <p:nvGrpSpPr>
+        <p:cNvPr id="1" name=""/>
+        <p:cNvGrpSpPr/>
+        <p:nvPr/>
+      </p:nvGrpSpPr>
+      <p:grpSpPr>
+        <a:xfrm>
+          <a:off x="0" y="0"/>
+          <a:ext cx="0" cy="0"/>
+          <a:chOff x="0" y="0"/>
+          <a:chExt cx="0" cy="0"/>
+        </a:xfrm>
+      </p:grpSpPr>
+      <p:sp>
+        <p:nvSpPr>
+          <p:cNvPr id="2" name="Title 1"/>
+          <p:cNvSpPr>
+            <a:spLocks noGrp="1"/>
+          </p:cNvSpPr>
+          <p:nvPr>
+            <p:ph type="title"/>
+          </p:nvPr>
+        </p:nvSpPr>
+        <p:spPr/>
+        <p:txBody>
+          <a:bodyPr/>
+          <a:lstStyle/>
+          <a:p>
+            <a:r>
+              <a:rPr lang="en-CA" dirty="0"/>
+              <a:t>Is ALIFE a misnomer?</a:t>
+            </a:r>
+          </a:p>
+        </p:txBody>
+      </p:sp>
+      <p:sp>
+        <p:nvSpPr>
+          <p:cNvPr id="3" name="Content Placeholder 2"/>
+          <p:cNvSpPr>
+            <a:spLocks noGrp="1"/>
+          </p:cNvSpPr>
+          <p:nvPr>
+            <p:ph idx="1"/>
+          </p:nvPr>
+        </p:nvSpPr>
+        <p:spPr/>
+        <p:txBody>
+          <a:bodyPr/>
+          <a:lstStyle/>
+          <a:p>
+            <a:endParaRPr lang="en-CA"/>
+          </a:p>
+        </p:txBody>
+      </p:sp>
+    </p:spTree>
+    <p:extLst>
+      <p:ext uri="{BB962C8B-B14F-4D97-AF65-F5344CB8AC3E}">
+        <p14:creationId xmlns:p14="http://schemas.microsoft.com/office/powerpoint/2010/main" val="2928851732"/>
+      </p:ext>
+    </p:extLst>
+  </p:cSld>
+  <p:clrMapOvr>
+    <a:masterClrMapping/>
+  </p:clrMapOvr>
+</p:sld>
+</file>
+
+<file path=ppt/slides/slide32.xml><?xml version="1.0" encoding="utf-8"?>
+<p:sld xmlns:a="http://schemas.openxmlformats.org/drawingml/2006/main" xmlns:r="http://schemas.openxmlformats.org/officeDocument/2006/relationships" xmlns:p="http://schemas.openxmlformats.org/presentationml/2006/main">
+  <p:cSld>
+    <p:spTree>
+      <p:nvGrpSpPr>
+        <p:cNvPr id="1" name=""/>
+        <p:cNvGrpSpPr/>
+        <p:nvPr/>
+      </p:nvGrpSpPr>
+      <p:grpSpPr>
+        <a:xfrm>
+          <a:off x="0" y="0"/>
+          <a:ext cx="0" cy="0"/>
+          <a:chOff x="0" y="0"/>
+          <a:chExt cx="0" cy="0"/>
+        </a:xfrm>
+      </p:grpSpPr>
+      <p:sp>
+        <p:nvSpPr>
+          <p:cNvPr id="2" name="Title 1"/>
+          <p:cNvSpPr>
+            <a:spLocks noGrp="1"/>
+          </p:cNvSpPr>
+          <p:nvPr>
+            <p:ph type="title"/>
+          </p:nvPr>
+        </p:nvSpPr>
+        <p:spPr/>
+        <p:txBody>
+          <a:bodyPr/>
+          <a:lstStyle/>
+          <a:p>
+            <a:r>
+              <a:rPr lang="en-CA" dirty="0"/>
+              <a:t>Analysis vs. Synthesis revisited</a:t>
+            </a:r>
+          </a:p>
+        </p:txBody>
+      </p:sp>
+      <p:sp>
+        <p:nvSpPr>
+          <p:cNvPr id="3" name="Content Placeholder 2"/>
+          <p:cNvSpPr>
+            <a:spLocks noGrp="1"/>
+          </p:cNvSpPr>
+          <p:nvPr>
+            <p:ph idx="1"/>
+          </p:nvPr>
+        </p:nvSpPr>
+        <p:spPr/>
+        <p:txBody>
+          <a:bodyPr/>
+          <a:lstStyle/>
+          <a:p>
+            <a:endParaRPr lang="en-CA"/>
+          </a:p>
+        </p:txBody>
+      </p:sp>
+    </p:spTree>
+    <p:extLst>
+      <p:ext uri="{BB962C8B-B14F-4D97-AF65-F5344CB8AC3E}">
+        <p14:creationId xmlns:p14="http://schemas.microsoft.com/office/powerpoint/2010/main" val="2402111895"/>
+      </p:ext>
+    </p:extLst>
+  </p:cSld>
+  <p:clrMapOvr>
+    <a:masterClrMapping/>
+  </p:clrMapOvr>
+</p:sld>
+</file>
+
+<file path=ppt/slides/slide33.xml><?xml version="1.0" encoding="utf-8"?>
+<p:sld xmlns:a="http://schemas.openxmlformats.org/drawingml/2006/main" xmlns:r="http://schemas.openxmlformats.org/officeDocument/2006/relationships" xmlns:p="http://schemas.openxmlformats.org/presentationml/2006/main">
+  <p:cSld>
+    <p:spTree>
+      <p:nvGrpSpPr>
+        <p:cNvPr id="1" name=""/>
+        <p:cNvGrpSpPr/>
+        <p:nvPr/>
+      </p:nvGrpSpPr>
+      <p:grpSpPr>
+        <a:xfrm>
+          <a:off x="0" y="0"/>
+          <a:ext cx="0" cy="0"/>
+          <a:chOff x="0" y="0"/>
+          <a:chExt cx="0" cy="0"/>
+        </a:xfrm>
+      </p:grpSpPr>
+      <p:sp>
+        <p:nvSpPr>
+          <p:cNvPr id="2" name="Title 1"/>
+          <p:cNvSpPr>
+            <a:spLocks noGrp="1"/>
+          </p:cNvSpPr>
+          <p:nvPr>
+            <p:ph type="title"/>
+          </p:nvPr>
+        </p:nvSpPr>
+        <p:spPr/>
+        <p:txBody>
+          <a:bodyPr/>
+          <a:lstStyle/>
+          <a:p>
+            <a:r>
+              <a:rPr lang="en-CA" dirty="0"/>
+              <a:t>Synthesizing natural phenomena</a:t>
+            </a:r>
+          </a:p>
+        </p:txBody>
+      </p:sp>
+      <p:sp>
+        <p:nvSpPr>
+          <p:cNvPr id="3" name="Content Placeholder 2"/>
+          <p:cNvSpPr>
+            <a:spLocks noGrp="1"/>
+          </p:cNvSpPr>
+          <p:nvPr>
+            <p:ph idx="1"/>
+          </p:nvPr>
+        </p:nvSpPr>
+        <p:spPr/>
+        <p:txBody>
+          <a:bodyPr/>
+          <a:lstStyle/>
+          <a:p>
+            <a:endParaRPr lang="en-CA"/>
+          </a:p>
+        </p:txBody>
+      </p:sp>
+    </p:spTree>
+    <p:extLst>
+      <p:ext uri="{BB962C8B-B14F-4D97-AF65-F5344CB8AC3E}">
+        <p14:creationId xmlns:p14="http://schemas.microsoft.com/office/powerpoint/2010/main" val="761961247"/>
+      </p:ext>
+    </p:extLst>
+  </p:cSld>
+  <p:clrMapOvr>
+    <a:masterClrMapping/>
+  </p:clrMapOvr>
+</p:sld>
+</file>
+
+<file path=ppt/slides/slide34.xml><?xml version="1.0" encoding="utf-8"?>
+<p:sld xmlns:a="http://schemas.openxmlformats.org/drawingml/2006/main" xmlns:r="http://schemas.openxmlformats.org/officeDocument/2006/relationships" xmlns:p="http://schemas.openxmlformats.org/presentationml/2006/main">
+  <p:cSld>
+    <p:spTree>
+      <p:nvGrpSpPr>
+        <p:cNvPr id="1" name=""/>
+        <p:cNvGrpSpPr/>
+        <p:nvPr/>
+      </p:nvGrpSpPr>
+      <p:grpSpPr>
+        <a:xfrm>
+          <a:off x="0" y="0"/>
+          <a:ext cx="0" cy="0"/>
+          <a:chOff x="0" y="0"/>
+          <a:chExt cx="0" cy="0"/>
+        </a:xfrm>
+      </p:grpSpPr>
+      <p:sp>
+        <p:nvSpPr>
+          <p:cNvPr id="2" name="Title 1"/>
+          <p:cNvSpPr>
+            <a:spLocks noGrp="1"/>
+          </p:cNvSpPr>
+          <p:nvPr>
+            <p:ph type="title"/>
+          </p:nvPr>
+        </p:nvSpPr>
+        <p:spPr/>
+        <p:txBody>
+          <a:bodyPr/>
+          <a:lstStyle/>
+          <a:p>
+            <a:r>
+              <a:rPr lang="en-CA" dirty="0"/>
+              <a:t>Artificial computing?</a:t>
+            </a:r>
+          </a:p>
+        </p:txBody>
+      </p:sp>
+      <p:sp>
+        <p:nvSpPr>
+          <p:cNvPr id="3" name="Content Placeholder 2"/>
+          <p:cNvSpPr>
+            <a:spLocks noGrp="1"/>
+          </p:cNvSpPr>
+          <p:nvPr>
+            <p:ph idx="1"/>
+          </p:nvPr>
+        </p:nvSpPr>
+        <p:spPr/>
+        <p:txBody>
+          <a:bodyPr/>
+          <a:lstStyle/>
+          <a:p>
+            <a:endParaRPr lang="en-CA"/>
+          </a:p>
+        </p:txBody>
+      </p:sp>
+    </p:spTree>
+    <p:extLst>
+      <p:ext uri="{BB962C8B-B14F-4D97-AF65-F5344CB8AC3E}">
+        <p14:creationId xmlns:p14="http://schemas.microsoft.com/office/powerpoint/2010/main" val="1213626057"/>
+      </p:ext>
+    </p:extLst>
+  </p:cSld>
+  <p:clrMapOvr>
+    <a:masterClrMapping/>
+  </p:clrMapOvr>
+</p:sld>
+</file>
+
+<file path=ppt/slides/slide35.xml><?xml version="1.0" encoding="utf-8"?>
+<p:sld xmlns:a="http://schemas.openxmlformats.org/drawingml/2006/main" xmlns:r="http://schemas.openxmlformats.org/officeDocument/2006/relationships" xmlns:p="http://schemas.openxmlformats.org/presentationml/2006/main">
+  <p:cSld>
+    <p:spTree>
+      <p:nvGrpSpPr>
+        <p:cNvPr id="1" name=""/>
+        <p:cNvGrpSpPr/>
+        <p:nvPr/>
+      </p:nvGrpSpPr>
+      <p:grpSpPr>
+        <a:xfrm>
+          <a:off x="0" y="0"/>
+          <a:ext cx="0" cy="0"/>
+          <a:chOff x="0" y="0"/>
+          <a:chExt cx="0" cy="0"/>
+        </a:xfrm>
+      </p:grpSpPr>
+      <p:sp>
+        <p:nvSpPr>
+          <p:cNvPr id="2" name="Title 1"/>
+          <p:cNvSpPr>
+            <a:spLocks noGrp="1"/>
+          </p:cNvSpPr>
+          <p:nvPr>
+            <p:ph type="title"/>
+          </p:nvPr>
+        </p:nvSpPr>
+        <p:spPr/>
+        <p:txBody>
+          <a:bodyPr/>
+          <a:lstStyle/>
+          <a:p>
+            <a:r>
+              <a:rPr lang="en-CA" dirty="0"/>
+              <a:t>Computing synthetic natural phenomena</a:t>
+            </a:r>
+          </a:p>
+        </p:txBody>
+      </p:sp>
+      <p:sp>
+        <p:nvSpPr>
+          <p:cNvPr id="3" name="Content Placeholder 2"/>
+          <p:cNvSpPr>
+            <a:spLocks noGrp="1"/>
+          </p:cNvSpPr>
+          <p:nvPr>
+            <p:ph idx="1"/>
+          </p:nvPr>
+        </p:nvSpPr>
+        <p:spPr/>
+        <p:txBody>
+          <a:bodyPr/>
+          <a:lstStyle/>
+          <a:p>
+            <a:endParaRPr lang="en-CA"/>
+          </a:p>
+        </p:txBody>
+      </p:sp>
+    </p:spTree>
+    <p:extLst>
+      <p:ext uri="{BB962C8B-B14F-4D97-AF65-F5344CB8AC3E}">
+        <p14:creationId xmlns:p14="http://schemas.microsoft.com/office/powerpoint/2010/main" val="4098006981"/>
+      </p:ext>
+    </p:extLst>
+  </p:cSld>
+  <p:clrMapOvr>
+    <a:masterClrMapping/>
+  </p:clrMapOvr>
+</p:sld>
+</file>
+
+<file path=ppt/slides/slide36.xml><?xml version="1.0" encoding="utf-8"?>
+<p:sld xmlns:a="http://schemas.openxmlformats.org/drawingml/2006/main" xmlns:r="http://schemas.openxmlformats.org/officeDocument/2006/relationships" xmlns:p="http://schemas.openxmlformats.org/presentationml/2006/main">
+  <p:cSld>
+    <p:spTree>
+      <p:nvGrpSpPr>
+        <p:cNvPr id="1" name=""/>
+        <p:cNvGrpSpPr/>
+        <p:nvPr/>
+      </p:nvGrpSpPr>
+      <p:grpSpPr>
+        <a:xfrm>
+          <a:off x="0" y="0"/>
+          <a:ext cx="0" cy="0"/>
+          <a:chOff x="0" y="0"/>
+          <a:chExt cx="0" cy="0"/>
+        </a:xfrm>
+      </p:grpSpPr>
+      <p:sp>
+        <p:nvSpPr>
+          <p:cNvPr id="2" name="Title 1"/>
+          <p:cNvSpPr>
+            <a:spLocks noGrp="1"/>
+          </p:cNvSpPr>
+          <p:nvPr>
+            <p:ph type="title"/>
+          </p:nvPr>
+        </p:nvSpPr>
+        <p:spPr/>
+        <p:txBody>
+          <a:bodyPr/>
+          <a:lstStyle/>
+          <a:p>
+            <a:r>
+              <a:rPr lang="en-CA" dirty="0"/>
+              <a:t>Tierra</a:t>
+            </a:r>
+          </a:p>
+        </p:txBody>
+      </p:sp>
+      <p:sp>
+        <p:nvSpPr>
+          <p:cNvPr id="3" name="Content Placeholder 2"/>
+          <p:cNvSpPr>
+            <a:spLocks noGrp="1"/>
+          </p:cNvSpPr>
+          <p:nvPr>
+            <p:ph idx="1"/>
+          </p:nvPr>
+        </p:nvSpPr>
+        <p:spPr/>
+        <p:txBody>
+          <a:bodyPr/>
+          <a:lstStyle/>
+          <a:p>
+            <a:endParaRPr lang="en-CA"/>
+          </a:p>
+        </p:txBody>
+      </p:sp>
+    </p:spTree>
+    <p:extLst>
+      <p:ext uri="{BB962C8B-B14F-4D97-AF65-F5344CB8AC3E}">
+        <p14:creationId xmlns:p14="http://schemas.microsoft.com/office/powerpoint/2010/main" val="2104655064"/>
+      </p:ext>
+    </p:extLst>
+  </p:cSld>
+  <p:clrMapOvr>
+    <a:masterClrMapping/>
+  </p:clrMapOvr>
 </p:sld>
 </file>
 

--- a/CISC879/ChapterPresentation/LectureSlidesCh8.pptx
+++ b/CISC879/ChapterPresentation/LectureSlidesCh8.pptx
@@ -351,11 +351,11 @@
           <c:showPercent val="0"/>
           <c:showBubbleSize val="0"/>
         </c:dLbls>
-        <c:axId val="110611744"/>
-        <c:axId val="110615664"/>
+        <c:axId val="113302176"/>
+        <c:axId val="113302960"/>
       </c:radarChart>
       <c:catAx>
-        <c:axId val="110611744"/>
+        <c:axId val="113302176"/>
         <c:scaling>
           <c:orientation val="minMax"/>
         </c:scaling>
@@ -395,7 +395,7 @@
             <a:endParaRPr lang="en-US"/>
           </a:p>
         </c:txPr>
-        <c:crossAx val="110615664"/>
+        <c:crossAx val="113302960"/>
         <c:crosses val="autoZero"/>
         <c:auto val="1"/>
         <c:lblAlgn val="ctr"/>
@@ -403,7 +403,7 @@
         <c:noMultiLvlLbl val="0"/>
       </c:catAx>
       <c:valAx>
-        <c:axId val="110615664"/>
+        <c:axId val="113302960"/>
         <c:scaling>
           <c:orientation val="minMax"/>
           <c:max val="10"/>
@@ -425,7 +425,7 @@
         <c:majorTickMark val="none"/>
         <c:minorTickMark val="none"/>
         <c:tickLblPos val="nextTo"/>
-        <c:crossAx val="110611744"/>
+        <c:crossAx val="113302176"/>
         <c:crosses val="autoZero"/>
         <c:crossBetween val="between"/>
         <c:majorUnit val="2"/>
@@ -596,11 +596,11 @@
           <c:showPercent val="0"/>
           <c:showBubbleSize val="0"/>
         </c:dLbls>
-        <c:axId val="110616056"/>
-        <c:axId val="110616840"/>
+        <c:axId val="113306880"/>
+        <c:axId val="113306488"/>
       </c:radarChart>
       <c:catAx>
-        <c:axId val="110616056"/>
+        <c:axId val="113306880"/>
         <c:scaling>
           <c:orientation val="minMax"/>
         </c:scaling>
@@ -640,7 +640,7 @@
             <a:endParaRPr lang="en-US"/>
           </a:p>
         </c:txPr>
-        <c:crossAx val="110616840"/>
+        <c:crossAx val="113306488"/>
         <c:crosses val="autoZero"/>
         <c:auto val="1"/>
         <c:lblAlgn val="ctr"/>
@@ -648,7 +648,7 @@
         <c:noMultiLvlLbl val="0"/>
       </c:catAx>
       <c:valAx>
-        <c:axId val="110616840"/>
+        <c:axId val="113306488"/>
         <c:scaling>
           <c:orientation val="minMax"/>
           <c:max val="10"/>
@@ -670,7 +670,7 @@
         <c:majorTickMark val="none"/>
         <c:minorTickMark val="none"/>
         <c:tickLblPos val="nextTo"/>
-        <c:crossAx val="110616056"/>
+        <c:crossAx val="113306880"/>
         <c:crosses val="autoZero"/>
         <c:crossBetween val="between"/>
         <c:majorUnit val="2"/>
@@ -840,11 +840,11 @@
           <c:showPercent val="0"/>
           <c:showBubbleSize val="0"/>
         </c:dLbls>
-        <c:axId val="110612528"/>
-        <c:axId val="110614488"/>
+        <c:axId val="113307272"/>
+        <c:axId val="113308448"/>
       </c:radarChart>
       <c:catAx>
-        <c:axId val="110612528"/>
+        <c:axId val="113307272"/>
         <c:scaling>
           <c:orientation val="minMax"/>
         </c:scaling>
@@ -884,7 +884,7 @@
             <a:endParaRPr lang="en-US"/>
           </a:p>
         </c:txPr>
-        <c:crossAx val="110614488"/>
+        <c:crossAx val="113308448"/>
         <c:crosses val="autoZero"/>
         <c:auto val="1"/>
         <c:lblAlgn val="ctr"/>
@@ -892,7 +892,7 @@
         <c:noMultiLvlLbl val="0"/>
       </c:catAx>
       <c:valAx>
-        <c:axId val="110614488"/>
+        <c:axId val="113308448"/>
         <c:scaling>
           <c:orientation val="minMax"/>
         </c:scaling>
@@ -913,7 +913,7 @@
         <c:majorTickMark val="none"/>
         <c:minorTickMark val="none"/>
         <c:tickLblPos val="nextTo"/>
-        <c:crossAx val="110612528"/>
+        <c:crossAx val="113307272"/>
         <c:crosses val="autoZero"/>
         <c:crossBetween val="between"/>
         <c:majorUnit val="2"/>
@@ -1083,11 +1083,11 @@
           <c:showPercent val="0"/>
           <c:showBubbleSize val="0"/>
         </c:dLbls>
-        <c:axId val="110617624"/>
-        <c:axId val="110619192"/>
+        <c:axId val="113303352"/>
+        <c:axId val="113304528"/>
       </c:radarChart>
       <c:catAx>
-        <c:axId val="110617624"/>
+        <c:axId val="113303352"/>
         <c:scaling>
           <c:orientation val="minMax"/>
         </c:scaling>
@@ -1127,7 +1127,7 @@
             <a:endParaRPr lang="en-US"/>
           </a:p>
         </c:txPr>
-        <c:crossAx val="110619192"/>
+        <c:crossAx val="113304528"/>
         <c:crosses val="autoZero"/>
         <c:auto val="1"/>
         <c:lblAlgn val="ctr"/>
@@ -1135,7 +1135,7 @@
         <c:noMultiLvlLbl val="0"/>
       </c:catAx>
       <c:valAx>
-        <c:axId val="110619192"/>
+        <c:axId val="113304528"/>
         <c:scaling>
           <c:orientation val="minMax"/>
           <c:max val="10"/>
@@ -1157,7 +1157,7 @@
         <c:majorTickMark val="none"/>
         <c:minorTickMark val="none"/>
         <c:tickLblPos val="nextTo"/>
-        <c:crossAx val="110617624"/>
+        <c:crossAx val="113303352"/>
         <c:crosses val="autoZero"/>
         <c:crossBetween val="between"/>
         <c:majorUnit val="2"/>
@@ -4545,6 +4545,381 @@
       <dsp:cNvGrpSpPr/>
     </dsp:nvGrpSpPr>
     <dsp:grpSpPr/>
+    <dsp:sp modelId="{0A8B0C33-BC98-4F53-A86B-A4894EFDB155}">
+      <dsp:nvSpPr>
+        <dsp:cNvPr id="0" name=""/>
+        <dsp:cNvSpPr/>
+      </dsp:nvSpPr>
+      <dsp:spPr>
+        <a:xfrm>
+          <a:off x="4085956" y="0"/>
+          <a:ext cx="2042978" cy="1060270"/>
+        </a:xfrm>
+        <a:prstGeom prst="trapezoid">
+          <a:avLst>
+            <a:gd name="adj" fmla="val 96342"/>
+          </a:avLst>
+        </a:prstGeom>
+        <a:solidFill>
+          <a:schemeClr val="accent5">
+            <a:hueOff val="0"/>
+            <a:satOff val="0"/>
+            <a:lumOff val="0"/>
+            <a:alphaOff val="0"/>
+          </a:schemeClr>
+        </a:solidFill>
+        <a:ln>
+          <a:noFill/>
+        </a:ln>
+        <a:effectLst/>
+        <a:sp3d extrusionH="381000" contourW="38100" prstMaterial="matte">
+          <a:contourClr>
+            <a:schemeClr val="lt1"/>
+          </a:contourClr>
+        </a:sp3d>
+      </dsp:spPr>
+      <dsp:style>
+        <a:lnRef idx="0">
+          <a:scrgbClr r="0" g="0" b="0"/>
+        </a:lnRef>
+        <a:fillRef idx="1">
+          <a:scrgbClr r="0" g="0" b="0"/>
+        </a:fillRef>
+        <a:effectRef idx="0">
+          <a:scrgbClr r="0" g="0" b="0"/>
+        </a:effectRef>
+        <a:fontRef idx="minor">
+          <a:schemeClr val="lt1"/>
+        </a:fontRef>
+      </dsp:style>
+      <dsp:txBody>
+        <a:bodyPr spcFirstLastPara="0" vert="horz" wrap="square" lIns="40640" tIns="40640" rIns="40640" bIns="40640" numCol="1" spcCol="1270" anchor="ctr" anchorCtr="0">
+          <a:noAutofit/>
+        </a:bodyPr>
+        <a:lstStyle/>
+        <a:p>
+          <a:pPr lvl="0" algn="ctr" defTabSz="1422400">
+            <a:lnSpc>
+              <a:spcPct val="90000"/>
+            </a:lnSpc>
+            <a:spcBef>
+              <a:spcPct val="0"/>
+            </a:spcBef>
+            <a:spcAft>
+              <a:spcPct val="35000"/>
+            </a:spcAft>
+          </a:pPr>
+          <a:r>
+            <a:rPr lang="en-CA" sz="3200" kern="1200" dirty="0" smtClean="0"/>
+            <a:t>Biospheres</a:t>
+          </a:r>
+          <a:endParaRPr lang="en-CA" sz="2400" kern="1200" dirty="0"/>
+        </a:p>
+      </dsp:txBody>
+      <dsp:txXfrm>
+        <a:off x="4085956" y="0"/>
+        <a:ext cx="2042978" cy="1060270"/>
+      </dsp:txXfrm>
+    </dsp:sp>
+    <dsp:sp modelId="{FD24D2D0-1718-4D88-923C-CE2608004718}">
+      <dsp:nvSpPr>
+        <dsp:cNvPr id="0" name=""/>
+        <dsp:cNvSpPr/>
+      </dsp:nvSpPr>
+      <dsp:spPr>
+        <a:xfrm>
+          <a:off x="3064467" y="1060269"/>
+          <a:ext cx="4085956" cy="1060270"/>
+        </a:xfrm>
+        <a:prstGeom prst="trapezoid">
+          <a:avLst>
+            <a:gd name="adj" fmla="val 96342"/>
+          </a:avLst>
+        </a:prstGeom>
+        <a:solidFill>
+          <a:schemeClr val="accent5">
+            <a:hueOff val="-1838336"/>
+            <a:satOff val="-2557"/>
+            <a:lumOff val="-981"/>
+            <a:alphaOff val="0"/>
+          </a:schemeClr>
+        </a:solidFill>
+        <a:ln>
+          <a:noFill/>
+        </a:ln>
+        <a:effectLst/>
+        <a:sp3d extrusionH="381000" contourW="38100" prstMaterial="matte">
+          <a:contourClr>
+            <a:schemeClr val="lt1"/>
+          </a:contourClr>
+        </a:sp3d>
+      </dsp:spPr>
+      <dsp:style>
+        <a:lnRef idx="0">
+          <a:scrgbClr r="0" g="0" b="0"/>
+        </a:lnRef>
+        <a:fillRef idx="1">
+          <a:scrgbClr r="0" g="0" b="0"/>
+        </a:fillRef>
+        <a:effectRef idx="0">
+          <a:scrgbClr r="0" g="0" b="0"/>
+        </a:effectRef>
+        <a:fontRef idx="minor">
+          <a:schemeClr val="lt1"/>
+        </a:fontRef>
+      </dsp:style>
+      <dsp:txBody>
+        <a:bodyPr spcFirstLastPara="0" vert="horz" wrap="square" lIns="40640" tIns="40640" rIns="40640" bIns="40640" numCol="1" spcCol="1270" anchor="ctr" anchorCtr="0">
+          <a:noAutofit/>
+        </a:bodyPr>
+        <a:lstStyle/>
+        <a:p>
+          <a:pPr lvl="0" algn="ctr" defTabSz="1422400">
+            <a:lnSpc>
+              <a:spcPct val="90000"/>
+            </a:lnSpc>
+            <a:spcBef>
+              <a:spcPct val="0"/>
+            </a:spcBef>
+            <a:spcAft>
+              <a:spcPct val="35000"/>
+            </a:spcAft>
+          </a:pPr>
+          <a:r>
+            <a:rPr lang="en-CA" sz="3200" kern="1200" dirty="0" smtClean="0"/>
+            <a:t>Ecosystems</a:t>
+          </a:r>
+          <a:endParaRPr lang="en-CA" sz="3700" kern="1200" dirty="0"/>
+        </a:p>
+      </dsp:txBody>
+      <dsp:txXfrm>
+        <a:off x="3779510" y="1060269"/>
+        <a:ext cx="2655871" cy="1060270"/>
+      </dsp:txXfrm>
+    </dsp:sp>
+    <dsp:sp modelId="{3A456D93-3B6B-4D17-BC49-2BB5171AD9D8}">
+      <dsp:nvSpPr>
+        <dsp:cNvPr id="0" name=""/>
+        <dsp:cNvSpPr/>
+      </dsp:nvSpPr>
+      <dsp:spPr>
+        <a:xfrm>
+          <a:off x="2042978" y="2120539"/>
+          <a:ext cx="6128935" cy="1060270"/>
+        </a:xfrm>
+        <a:prstGeom prst="trapezoid">
+          <a:avLst>
+            <a:gd name="adj" fmla="val 96342"/>
+          </a:avLst>
+        </a:prstGeom>
+        <a:solidFill>
+          <a:schemeClr val="accent5">
+            <a:hueOff val="-3676672"/>
+            <a:satOff val="-5114"/>
+            <a:lumOff val="-1961"/>
+            <a:alphaOff val="0"/>
+          </a:schemeClr>
+        </a:solidFill>
+        <a:ln>
+          <a:noFill/>
+        </a:ln>
+        <a:effectLst/>
+        <a:sp3d extrusionH="381000" contourW="38100" prstMaterial="matte">
+          <a:contourClr>
+            <a:schemeClr val="lt1"/>
+          </a:contourClr>
+        </a:sp3d>
+      </dsp:spPr>
+      <dsp:style>
+        <a:lnRef idx="0">
+          <a:scrgbClr r="0" g="0" b="0"/>
+        </a:lnRef>
+        <a:fillRef idx="1">
+          <a:scrgbClr r="0" g="0" b="0"/>
+        </a:fillRef>
+        <a:effectRef idx="0">
+          <a:scrgbClr r="0" g="0" b="0"/>
+        </a:effectRef>
+        <a:fontRef idx="minor">
+          <a:schemeClr val="lt1"/>
+        </a:fontRef>
+      </dsp:style>
+      <dsp:txBody>
+        <a:bodyPr spcFirstLastPara="0" vert="horz" wrap="square" lIns="40640" tIns="40640" rIns="40640" bIns="40640" numCol="1" spcCol="1270" anchor="ctr" anchorCtr="0">
+          <a:noAutofit/>
+        </a:bodyPr>
+        <a:lstStyle/>
+        <a:p>
+          <a:pPr lvl="0" algn="ctr" defTabSz="1422400">
+            <a:lnSpc>
+              <a:spcPct val="90000"/>
+            </a:lnSpc>
+            <a:spcBef>
+              <a:spcPct val="0"/>
+            </a:spcBef>
+            <a:spcAft>
+              <a:spcPct val="35000"/>
+            </a:spcAft>
+          </a:pPr>
+          <a:r>
+            <a:rPr lang="en-CA" sz="3200" kern="1200" dirty="0" smtClean="0"/>
+            <a:t>Populations</a:t>
+          </a:r>
+          <a:endParaRPr lang="en-CA" sz="5400" kern="1200" dirty="0"/>
+        </a:p>
+      </dsp:txBody>
+      <dsp:txXfrm>
+        <a:off x="3115542" y="2120539"/>
+        <a:ext cx="3983807" cy="1060270"/>
+      </dsp:txXfrm>
+    </dsp:sp>
+    <dsp:sp modelId="{4C916F93-815B-4D0B-8131-1146365764FC}">
+      <dsp:nvSpPr>
+        <dsp:cNvPr id="0" name=""/>
+        <dsp:cNvSpPr/>
+      </dsp:nvSpPr>
+      <dsp:spPr>
+        <a:xfrm>
+          <a:off x="1021489" y="3180809"/>
+          <a:ext cx="8171913" cy="1060270"/>
+        </a:xfrm>
+        <a:prstGeom prst="trapezoid">
+          <a:avLst>
+            <a:gd name="adj" fmla="val 96342"/>
+          </a:avLst>
+        </a:prstGeom>
+        <a:solidFill>
+          <a:schemeClr val="accent5">
+            <a:hueOff val="-5515009"/>
+            <a:satOff val="-7671"/>
+            <a:lumOff val="-2942"/>
+            <a:alphaOff val="0"/>
+          </a:schemeClr>
+        </a:solidFill>
+        <a:ln>
+          <a:noFill/>
+        </a:ln>
+        <a:effectLst/>
+        <a:sp3d extrusionH="381000" contourW="38100" prstMaterial="matte">
+          <a:contourClr>
+            <a:schemeClr val="lt1"/>
+          </a:contourClr>
+        </a:sp3d>
+      </dsp:spPr>
+      <dsp:style>
+        <a:lnRef idx="0">
+          <a:scrgbClr r="0" g="0" b="0"/>
+        </a:lnRef>
+        <a:fillRef idx="1">
+          <a:scrgbClr r="0" g="0" b="0"/>
+        </a:fillRef>
+        <a:effectRef idx="0">
+          <a:scrgbClr r="0" g="0" b="0"/>
+        </a:effectRef>
+        <a:fontRef idx="minor">
+          <a:schemeClr val="lt1"/>
+        </a:fontRef>
+      </dsp:style>
+      <dsp:txBody>
+        <a:bodyPr spcFirstLastPara="0" vert="horz" wrap="square" lIns="40640" tIns="40640" rIns="40640" bIns="40640" numCol="1" spcCol="1270" anchor="ctr" anchorCtr="0">
+          <a:noAutofit/>
+        </a:bodyPr>
+        <a:lstStyle/>
+        <a:p>
+          <a:pPr lvl="0" algn="ctr" defTabSz="1422400">
+            <a:lnSpc>
+              <a:spcPct val="90000"/>
+            </a:lnSpc>
+            <a:spcBef>
+              <a:spcPct val="0"/>
+            </a:spcBef>
+            <a:spcAft>
+              <a:spcPct val="35000"/>
+            </a:spcAft>
+          </a:pPr>
+          <a:r>
+            <a:rPr lang="en-CA" sz="3200" kern="1200" dirty="0" smtClean="0"/>
+            <a:t>Organisms</a:t>
+          </a:r>
+          <a:endParaRPr lang="en-CA" sz="5800" kern="1200" dirty="0"/>
+        </a:p>
+      </dsp:txBody>
+      <dsp:txXfrm>
+        <a:off x="2451574" y="3180809"/>
+        <a:ext cx="5311743" cy="1060270"/>
+      </dsp:txXfrm>
+    </dsp:sp>
+    <dsp:sp modelId="{0FB7B095-584D-4DDE-81A6-8FF7A48271BA}">
+      <dsp:nvSpPr>
+        <dsp:cNvPr id="0" name=""/>
+        <dsp:cNvSpPr/>
+      </dsp:nvSpPr>
+      <dsp:spPr>
+        <a:xfrm>
+          <a:off x="0" y="4241080"/>
+          <a:ext cx="10214892" cy="1060270"/>
+        </a:xfrm>
+        <a:prstGeom prst="trapezoid">
+          <a:avLst>
+            <a:gd name="adj" fmla="val 96342"/>
+          </a:avLst>
+        </a:prstGeom>
+        <a:solidFill>
+          <a:srgbClr val="00B050"/>
+        </a:solidFill>
+        <a:ln>
+          <a:noFill/>
+        </a:ln>
+        <a:effectLst/>
+        <a:sp3d extrusionH="381000" contourW="38100" prstMaterial="matte">
+          <a:contourClr>
+            <a:schemeClr val="lt1"/>
+          </a:contourClr>
+        </a:sp3d>
+      </dsp:spPr>
+      <dsp:style>
+        <a:lnRef idx="0">
+          <a:scrgbClr r="0" g="0" b="0"/>
+        </a:lnRef>
+        <a:fillRef idx="1">
+          <a:scrgbClr r="0" g="0" b="0"/>
+        </a:fillRef>
+        <a:effectRef idx="0">
+          <a:scrgbClr r="0" g="0" b="0"/>
+        </a:effectRef>
+        <a:fontRef idx="minor">
+          <a:schemeClr val="lt1"/>
+        </a:fontRef>
+      </dsp:style>
+      <dsp:txBody>
+        <a:bodyPr spcFirstLastPara="0" vert="horz" wrap="square" lIns="40640" tIns="40640" rIns="40640" bIns="40640" numCol="1" spcCol="1270" anchor="ctr" anchorCtr="0">
+          <a:noAutofit/>
+        </a:bodyPr>
+        <a:lstStyle/>
+        <a:p>
+          <a:pPr lvl="0" algn="ctr" defTabSz="1422400">
+            <a:lnSpc>
+              <a:spcPct val="90000"/>
+            </a:lnSpc>
+            <a:spcBef>
+              <a:spcPct val="0"/>
+            </a:spcBef>
+            <a:spcAft>
+              <a:spcPct val="35000"/>
+            </a:spcAft>
+          </a:pPr>
+          <a:r>
+            <a:rPr lang="en-CA" sz="3200" kern="1200" dirty="0" smtClean="0"/>
+            <a:t>Cellular life</a:t>
+          </a:r>
+          <a:endParaRPr lang="en-CA" sz="3200" kern="1200" dirty="0"/>
+        </a:p>
+      </dsp:txBody>
+      <dsp:txXfrm>
+        <a:off x="1787606" y="4241080"/>
+        <a:ext cx="6639679" cy="1060270"/>
+      </dsp:txXfrm>
+    </dsp:sp>
   </dsp:spTree>
 </dsp:drawing>
 </file>
@@ -6087,7 +6462,7 @@
           <a:p>
             <a:fld id="{A16762DA-0EF7-46B5-B462-6D59499F3413}" type="datetimeFigureOut">
               <a:rPr lang="en-CA" smtClean="0"/>
-              <a:t>31/10/2016</a:t>
+              <a:t>06/11/2016</a:t>
             </a:fld>
             <a:endParaRPr lang="en-CA"/>
           </a:p>
@@ -6257,7 +6632,7 @@
           <a:p>
             <a:fld id="{A16762DA-0EF7-46B5-B462-6D59499F3413}" type="datetimeFigureOut">
               <a:rPr lang="en-CA" smtClean="0"/>
-              <a:t>31/10/2016</a:t>
+              <a:t>06/11/2016</a:t>
             </a:fld>
             <a:endParaRPr lang="en-CA"/>
           </a:p>
@@ -6437,7 +6812,7 @@
           <a:p>
             <a:fld id="{A16762DA-0EF7-46B5-B462-6D59499F3413}" type="datetimeFigureOut">
               <a:rPr lang="en-CA" smtClean="0"/>
-              <a:t>31/10/2016</a:t>
+              <a:t>06/11/2016</a:t>
             </a:fld>
             <a:endParaRPr lang="en-CA"/>
           </a:p>
@@ -6607,7 +6982,7 @@
           <a:p>
             <a:fld id="{A16762DA-0EF7-46B5-B462-6D59499F3413}" type="datetimeFigureOut">
               <a:rPr lang="en-CA" smtClean="0"/>
-              <a:t>31/10/2016</a:t>
+              <a:t>06/11/2016</a:t>
             </a:fld>
             <a:endParaRPr lang="en-CA"/>
           </a:p>
@@ -6853,7 +7228,7 @@
           <a:p>
             <a:fld id="{A16762DA-0EF7-46B5-B462-6D59499F3413}" type="datetimeFigureOut">
               <a:rPr lang="en-CA" smtClean="0"/>
-              <a:t>31/10/2016</a:t>
+              <a:t>06/11/2016</a:t>
             </a:fld>
             <a:endParaRPr lang="en-CA"/>
           </a:p>
@@ -7085,7 +7460,7 @@
           <a:p>
             <a:fld id="{A16762DA-0EF7-46B5-B462-6D59499F3413}" type="datetimeFigureOut">
               <a:rPr lang="en-CA" smtClean="0"/>
-              <a:t>31/10/2016</a:t>
+              <a:t>06/11/2016</a:t>
             </a:fld>
             <a:endParaRPr lang="en-CA"/>
           </a:p>
@@ -7452,7 +7827,7 @@
           <a:p>
             <a:fld id="{A16762DA-0EF7-46B5-B462-6D59499F3413}" type="datetimeFigureOut">
               <a:rPr lang="en-CA" smtClean="0"/>
-              <a:t>31/10/2016</a:t>
+              <a:t>06/11/2016</a:t>
             </a:fld>
             <a:endParaRPr lang="en-CA"/>
           </a:p>
@@ -7570,7 +7945,7 @@
           <a:p>
             <a:fld id="{A16762DA-0EF7-46B5-B462-6D59499F3413}" type="datetimeFigureOut">
               <a:rPr lang="en-CA" smtClean="0"/>
-              <a:t>31/10/2016</a:t>
+              <a:t>06/11/2016</a:t>
             </a:fld>
             <a:endParaRPr lang="en-CA"/>
           </a:p>
@@ -7665,7 +8040,7 @@
           <a:p>
             <a:fld id="{A16762DA-0EF7-46B5-B462-6D59499F3413}" type="datetimeFigureOut">
               <a:rPr lang="en-CA" smtClean="0"/>
-              <a:t>31/10/2016</a:t>
+              <a:t>06/11/2016</a:t>
             </a:fld>
             <a:endParaRPr lang="en-CA"/>
           </a:p>
@@ -7942,7 +8317,7 @@
           <a:p>
             <a:fld id="{A16762DA-0EF7-46B5-B462-6D59499F3413}" type="datetimeFigureOut">
               <a:rPr lang="en-CA" smtClean="0"/>
-              <a:t>31/10/2016</a:t>
+              <a:t>06/11/2016</a:t>
             </a:fld>
             <a:endParaRPr lang="en-CA"/>
           </a:p>
@@ -8195,7 +8570,7 @@
           <a:p>
             <a:fld id="{A16762DA-0EF7-46B5-B462-6D59499F3413}" type="datetimeFigureOut">
               <a:rPr lang="en-CA" smtClean="0"/>
-              <a:t>31/10/2016</a:t>
+              <a:t>06/11/2016</a:t>
             </a:fld>
             <a:endParaRPr lang="en-CA"/>
           </a:p>
@@ -8408,7 +8783,7 @@
           <a:p>
             <a:fld id="{A16762DA-0EF7-46B5-B462-6D59499F3413}" type="datetimeFigureOut">
               <a:rPr lang="en-CA" smtClean="0"/>
-              <a:t>31/10/2016</a:t>
+              <a:t>06/11/2016</a:t>
             </a:fld>
             <a:endParaRPr lang="en-CA"/>
           </a:p>
@@ -9571,6 +9946,9 @@
           <a:bodyPr/>
           <a:lstStyle/>
           <a:p>
+            <a:pPr marL="0" indent="0">
+              <a:buNone/>
+            </a:pPr>
             <a:r>
               <a:rPr lang="en-CA" dirty="0"/>
               <a:t>AL asks us to consider an age old question: </a:t>
@@ -9581,10 +9959,12 @@
             <a:pPr marL="0" indent="0">
               <a:buNone/>
             </a:pPr>
-            <a:r>
-              <a:rPr lang="en-CA" dirty="0"/>
-              <a:t>	</a:t>
-            </a:r>
+            <a:endParaRPr lang="en-CA" dirty="0" smtClean="0"/>
+          </a:p>
+          <a:p>
+            <a:pPr marL="0" indent="0">
+              <a:buNone/>
+            </a:pPr>
             <a:r>
               <a:rPr lang="en-CA" dirty="0" smtClean="0"/>
               <a:t>What </a:t>
@@ -9595,9 +9975,22 @@
             </a:r>
           </a:p>
           <a:p>
+            <a:pPr marL="0" indent="0">
+              <a:buNone/>
+            </a:pPr>
+            <a:endParaRPr lang="en-CA" dirty="0" smtClean="0"/>
+          </a:p>
+          <a:p>
+            <a:pPr marL="0" indent="0">
+              <a:buNone/>
+            </a:pPr>
+            <a:r>
+              <a:rPr lang="en-CA" dirty="0" smtClean="0"/>
+              <a:t>To </a:t>
+            </a:r>
             <a:r>
               <a:rPr lang="en-CA" dirty="0"/>
-              <a:t>To know this, we must see </a:t>
+              <a:t>know this, we must see </a:t>
             </a:r>
             <a:br>
               <a:rPr lang="en-CA" dirty="0"/>
@@ -9819,7 +10212,7 @@
                                         <p:tgtEl>
                                           <p:spTgt spid="3">
                                             <p:txEl>
-                                              <p:pRg st="1" end="1"/>
+                                              <p:pRg st="2" end="2"/>
                                             </p:txEl>
                                           </p:spTgt>
                                         </p:tgtEl>
@@ -9837,7 +10230,7 @@
                                         <p:tgtEl>
                                           <p:spTgt spid="3">
                                             <p:txEl>
-                                              <p:pRg st="1" end="1"/>
+                                              <p:pRg st="2" end="2"/>
                                             </p:txEl>
                                           </p:spTgt>
                                         </p:tgtEl>
@@ -9915,7 +10308,7 @@
                                         <p:tgtEl>
                                           <p:spTgt spid="3">
                                             <p:txEl>
-                                              <p:pRg st="2" end="2"/>
+                                              <p:pRg st="4" end="4"/>
                                             </p:txEl>
                                           </p:spTgt>
                                         </p:tgtEl>
@@ -9933,7 +10326,7 @@
                                         <p:tgtEl>
                                           <p:spTgt spid="3">
                                             <p:txEl>
-                                              <p:pRg st="2" end="2"/>
+                                              <p:pRg st="4" end="4"/>
                                             </p:txEl>
                                           </p:spTgt>
                                         </p:tgtEl>
@@ -11204,8 +11597,9 @@
           <a:p>
             <a:r>
               <a:rPr lang="en-CA" dirty="0" smtClean="0"/>
-              <a:t>Three rules define individual behavior</a:t>
+              <a:t>Model of flocking behavior</a:t>
             </a:r>
+            <a:endParaRPr lang="en-CA" dirty="0" smtClean="0"/>
           </a:p>
           <a:p>
             <a:endParaRPr lang="en-CA" dirty="0" smtClean="0"/>
@@ -11213,7 +11607,7 @@
           <a:p>
             <a:r>
               <a:rPr lang="en-CA" dirty="0" smtClean="0"/>
-              <a:t>Flocking behavior emerges</a:t>
+              <a:t>Built on 3 agent level rules</a:t>
             </a:r>
             <a:endParaRPr lang="en-CA" dirty="0"/>
           </a:p>
@@ -13455,798 +13849,7 @@
   <p:timing>
     <p:tnLst>
       <p:par>
-        <p:cTn id="1" dur="indefinite" restart="never" nodeType="tmRoot">
-          <p:childTnLst>
-            <p:seq concurrent="1" nextAc="seek">
-              <p:cTn id="2" dur="indefinite" nodeType="mainSeq">
-                <p:childTnLst>
-                  <p:par>
-                    <p:cTn id="3" fill="hold">
-                      <p:stCondLst>
-                        <p:cond delay="indefinite"/>
-                      </p:stCondLst>
-                      <p:childTnLst>
-                        <p:par>
-                          <p:cTn id="4" fill="hold">
-                            <p:stCondLst>
-                              <p:cond delay="0"/>
-                            </p:stCondLst>
-                            <p:childTnLst>
-                              <p:par>
-                                <p:cTn id="5" presetID="10" presetClass="entr" presetSubtype="0" fill="hold" nodeType="clickEffect">
-                                  <p:stCondLst>
-                                    <p:cond delay="0"/>
-                                  </p:stCondLst>
-                                  <p:childTnLst>
-                                    <p:set>
-                                      <p:cBhvr>
-                                        <p:cTn id="6" dur="1" fill="hold">
-                                          <p:stCondLst>
-                                            <p:cond delay="0"/>
-                                          </p:stCondLst>
-                                        </p:cTn>
-                                        <p:tgtEl>
-                                          <p:spTgt spid="3">
-                                            <p:txEl>
-                                              <p:pRg st="0" end="0"/>
-                                            </p:txEl>
-                                          </p:spTgt>
-                                        </p:tgtEl>
-                                        <p:attrNameLst>
-                                          <p:attrName>style.visibility</p:attrName>
-                                        </p:attrNameLst>
-                                      </p:cBhvr>
-                                      <p:to>
-                                        <p:strVal val="visible"/>
-                                      </p:to>
-                                    </p:set>
-                                    <p:animEffect transition="in" filter="fade">
-                                      <p:cBhvr>
-                                        <p:cTn id="7" dur="1000"/>
-                                        <p:tgtEl>
-                                          <p:spTgt spid="3">
-                                            <p:txEl>
-                                              <p:pRg st="0" end="0"/>
-                                            </p:txEl>
-                                          </p:spTgt>
-                                        </p:tgtEl>
-                                      </p:cBhvr>
-                                    </p:animEffect>
-                                  </p:childTnLst>
-                                </p:cTn>
-                              </p:par>
-                              <p:par>
-                                <p:cTn id="8" presetID="10" presetClass="entr" presetSubtype="0" fill="hold" nodeType="withEffect">
-                                  <p:stCondLst>
-                                    <p:cond delay="0"/>
-                                  </p:stCondLst>
-                                  <p:childTnLst>
-                                    <p:set>
-                                      <p:cBhvr>
-                                        <p:cTn id="9" dur="1" fill="hold">
-                                          <p:stCondLst>
-                                            <p:cond delay="0"/>
-                                          </p:stCondLst>
-                                        </p:cTn>
-                                        <p:tgtEl>
-                                          <p:spTgt spid="11"/>
-                                        </p:tgtEl>
-                                        <p:attrNameLst>
-                                          <p:attrName>style.visibility</p:attrName>
-                                        </p:attrNameLst>
-                                      </p:cBhvr>
-                                      <p:to>
-                                        <p:strVal val="visible"/>
-                                      </p:to>
-                                    </p:set>
-                                    <p:animEffect transition="in" filter="fade">
-                                      <p:cBhvr>
-                                        <p:cTn id="10" dur="1000"/>
-                                        <p:tgtEl>
-                                          <p:spTgt spid="11"/>
-                                        </p:tgtEl>
-                                      </p:cBhvr>
-                                    </p:animEffect>
-                                  </p:childTnLst>
-                                </p:cTn>
-                              </p:par>
-                            </p:childTnLst>
-                          </p:cTn>
-                        </p:par>
-                      </p:childTnLst>
-                    </p:cTn>
-                  </p:par>
-                  <p:par>
-                    <p:cTn id="11" fill="hold">
-                      <p:stCondLst>
-                        <p:cond delay="indefinite"/>
-                      </p:stCondLst>
-                      <p:childTnLst>
-                        <p:par>
-                          <p:cTn id="12" fill="hold">
-                            <p:stCondLst>
-                              <p:cond delay="0"/>
-                            </p:stCondLst>
-                            <p:childTnLst>
-                              <p:par>
-                                <p:cTn id="13" presetID="10" presetClass="entr" presetSubtype="0" fill="hold" nodeType="clickEffect">
-                                  <p:stCondLst>
-                                    <p:cond delay="0"/>
-                                  </p:stCondLst>
-                                  <p:childTnLst>
-                                    <p:set>
-                                      <p:cBhvr>
-                                        <p:cTn id="14" dur="1" fill="hold">
-                                          <p:stCondLst>
-                                            <p:cond delay="0"/>
-                                          </p:stCondLst>
-                                        </p:cTn>
-                                        <p:tgtEl>
-                                          <p:spTgt spid="3">
-                                            <p:txEl>
-                                              <p:pRg st="1" end="1"/>
-                                            </p:txEl>
-                                          </p:spTgt>
-                                        </p:tgtEl>
-                                        <p:attrNameLst>
-                                          <p:attrName>style.visibility</p:attrName>
-                                        </p:attrNameLst>
-                                      </p:cBhvr>
-                                      <p:to>
-                                        <p:strVal val="visible"/>
-                                      </p:to>
-                                    </p:set>
-                                    <p:animEffect transition="in" filter="fade">
-                                      <p:cBhvr>
-                                        <p:cTn id="15" dur="1000"/>
-                                        <p:tgtEl>
-                                          <p:spTgt spid="3">
-                                            <p:txEl>
-                                              <p:pRg st="1" end="1"/>
-                                            </p:txEl>
-                                          </p:spTgt>
-                                        </p:tgtEl>
-                                      </p:cBhvr>
-                                    </p:animEffect>
-                                  </p:childTnLst>
-                                </p:cTn>
-                              </p:par>
-                              <p:par>
-                                <p:cTn id="16" presetID="10" presetClass="entr" presetSubtype="0" fill="hold" nodeType="withEffect">
-                                  <p:stCondLst>
-                                    <p:cond delay="0"/>
-                                  </p:stCondLst>
-                                  <p:childTnLst>
-                                    <p:set>
-                                      <p:cBhvr>
-                                        <p:cTn id="17" dur="1" fill="hold">
-                                          <p:stCondLst>
-                                            <p:cond delay="0"/>
-                                          </p:stCondLst>
-                                        </p:cTn>
-                                        <p:tgtEl>
-                                          <p:spTgt spid="54"/>
-                                        </p:tgtEl>
-                                        <p:attrNameLst>
-                                          <p:attrName>style.visibility</p:attrName>
-                                        </p:attrNameLst>
-                                      </p:cBhvr>
-                                      <p:to>
-                                        <p:strVal val="visible"/>
-                                      </p:to>
-                                    </p:set>
-                                    <p:animEffect transition="in" filter="fade">
-                                      <p:cBhvr>
-                                        <p:cTn id="18" dur="1000"/>
-                                        <p:tgtEl>
-                                          <p:spTgt spid="54"/>
-                                        </p:tgtEl>
-                                      </p:cBhvr>
-                                    </p:animEffect>
-                                  </p:childTnLst>
-                                </p:cTn>
-                              </p:par>
-                            </p:childTnLst>
-                          </p:cTn>
-                        </p:par>
-                      </p:childTnLst>
-                    </p:cTn>
-                  </p:par>
-                  <p:par>
-                    <p:cTn id="19" fill="hold">
-                      <p:stCondLst>
-                        <p:cond delay="indefinite"/>
-                      </p:stCondLst>
-                      <p:childTnLst>
-                        <p:par>
-                          <p:cTn id="20" fill="hold">
-                            <p:stCondLst>
-                              <p:cond delay="0"/>
-                            </p:stCondLst>
-                            <p:childTnLst>
-                              <p:par>
-                                <p:cTn id="21" presetID="10" presetClass="entr" presetSubtype="0" fill="hold" nodeType="clickEffect">
-                                  <p:stCondLst>
-                                    <p:cond delay="0"/>
-                                  </p:stCondLst>
-                                  <p:childTnLst>
-                                    <p:set>
-                                      <p:cBhvr>
-                                        <p:cTn id="22" dur="1" fill="hold">
-                                          <p:stCondLst>
-                                            <p:cond delay="0"/>
-                                          </p:stCondLst>
-                                        </p:cTn>
-                                        <p:tgtEl>
-                                          <p:spTgt spid="3">
-                                            <p:txEl>
-                                              <p:pRg st="2" end="2"/>
-                                            </p:txEl>
-                                          </p:spTgt>
-                                        </p:tgtEl>
-                                        <p:attrNameLst>
-                                          <p:attrName>style.visibility</p:attrName>
-                                        </p:attrNameLst>
-                                      </p:cBhvr>
-                                      <p:to>
-                                        <p:strVal val="visible"/>
-                                      </p:to>
-                                    </p:set>
-                                    <p:animEffect transition="in" filter="fade">
-                                      <p:cBhvr>
-                                        <p:cTn id="23" dur="1000"/>
-                                        <p:tgtEl>
-                                          <p:spTgt spid="3">
-                                            <p:txEl>
-                                              <p:pRg st="2" end="2"/>
-                                            </p:txEl>
-                                          </p:spTgt>
-                                        </p:tgtEl>
-                                      </p:cBhvr>
-                                    </p:animEffect>
-                                  </p:childTnLst>
-                                </p:cTn>
-                              </p:par>
-                              <p:par>
-                                <p:cTn id="24" presetID="10" presetClass="entr" presetSubtype="0" fill="hold" nodeType="withEffect">
-                                  <p:stCondLst>
-                                    <p:cond delay="0"/>
-                                  </p:stCondLst>
-                                  <p:childTnLst>
-                                    <p:set>
-                                      <p:cBhvr>
-                                        <p:cTn id="25" dur="1" fill="hold">
-                                          <p:stCondLst>
-                                            <p:cond delay="0"/>
-                                          </p:stCondLst>
-                                        </p:cTn>
-                                        <p:tgtEl>
-                                          <p:spTgt spid="52"/>
-                                        </p:tgtEl>
-                                        <p:attrNameLst>
-                                          <p:attrName>style.visibility</p:attrName>
-                                        </p:attrNameLst>
-                                      </p:cBhvr>
-                                      <p:to>
-                                        <p:strVal val="visible"/>
-                                      </p:to>
-                                    </p:set>
-                                    <p:animEffect transition="in" filter="fade">
-                                      <p:cBhvr>
-                                        <p:cTn id="26" dur="1000"/>
-                                        <p:tgtEl>
-                                          <p:spTgt spid="52"/>
-                                        </p:tgtEl>
-                                      </p:cBhvr>
-                                    </p:animEffect>
-                                  </p:childTnLst>
-                                </p:cTn>
-                              </p:par>
-                            </p:childTnLst>
-                          </p:cTn>
-                        </p:par>
-                      </p:childTnLst>
-                    </p:cTn>
-                  </p:par>
-                  <p:par>
-                    <p:cTn id="27" fill="hold">
-                      <p:stCondLst>
-                        <p:cond delay="indefinite"/>
-                      </p:stCondLst>
-                      <p:childTnLst>
-                        <p:par>
-                          <p:cTn id="28" fill="hold">
-                            <p:stCondLst>
-                              <p:cond delay="0"/>
-                            </p:stCondLst>
-                            <p:childTnLst>
-                              <p:par>
-                                <p:cTn id="29" presetID="10" presetClass="entr" presetSubtype="0" fill="hold" nodeType="clickEffect">
-                                  <p:stCondLst>
-                                    <p:cond delay="0"/>
-                                  </p:stCondLst>
-                                  <p:childTnLst>
-                                    <p:set>
-                                      <p:cBhvr>
-                                        <p:cTn id="30" dur="1" fill="hold">
-                                          <p:stCondLst>
-                                            <p:cond delay="0"/>
-                                          </p:stCondLst>
-                                        </p:cTn>
-                                        <p:tgtEl>
-                                          <p:spTgt spid="3">
-                                            <p:txEl>
-                                              <p:pRg st="3" end="3"/>
-                                            </p:txEl>
-                                          </p:spTgt>
-                                        </p:tgtEl>
-                                        <p:attrNameLst>
-                                          <p:attrName>style.visibility</p:attrName>
-                                        </p:attrNameLst>
-                                      </p:cBhvr>
-                                      <p:to>
-                                        <p:strVal val="visible"/>
-                                      </p:to>
-                                    </p:set>
-                                    <p:animEffect transition="in" filter="fade">
-                                      <p:cBhvr>
-                                        <p:cTn id="31" dur="1000"/>
-                                        <p:tgtEl>
-                                          <p:spTgt spid="3">
-                                            <p:txEl>
-                                              <p:pRg st="3" end="3"/>
-                                            </p:txEl>
-                                          </p:spTgt>
-                                        </p:tgtEl>
-                                      </p:cBhvr>
-                                    </p:animEffect>
-                                  </p:childTnLst>
-                                </p:cTn>
-                              </p:par>
-                              <p:par>
-                                <p:cTn id="32" presetID="10" presetClass="entr" presetSubtype="0" fill="hold" nodeType="withEffect">
-                                  <p:stCondLst>
-                                    <p:cond delay="0"/>
-                                  </p:stCondLst>
-                                  <p:childTnLst>
-                                    <p:set>
-                                      <p:cBhvr>
-                                        <p:cTn id="33" dur="1" fill="hold">
-                                          <p:stCondLst>
-                                            <p:cond delay="0"/>
-                                          </p:stCondLst>
-                                        </p:cTn>
-                                        <p:tgtEl>
-                                          <p:spTgt spid="12"/>
-                                        </p:tgtEl>
-                                        <p:attrNameLst>
-                                          <p:attrName>style.visibility</p:attrName>
-                                        </p:attrNameLst>
-                                      </p:cBhvr>
-                                      <p:to>
-                                        <p:strVal val="visible"/>
-                                      </p:to>
-                                    </p:set>
-                                    <p:animEffect transition="in" filter="fade">
-                                      <p:cBhvr>
-                                        <p:cTn id="34" dur="1000"/>
-                                        <p:tgtEl>
-                                          <p:spTgt spid="12"/>
-                                        </p:tgtEl>
-                                      </p:cBhvr>
-                                    </p:animEffect>
-                                  </p:childTnLst>
-                                </p:cTn>
-                              </p:par>
-                            </p:childTnLst>
-                          </p:cTn>
-                        </p:par>
-                      </p:childTnLst>
-                    </p:cTn>
-                  </p:par>
-                  <p:par>
-                    <p:cTn id="35" fill="hold">
-                      <p:stCondLst>
-                        <p:cond delay="indefinite"/>
-                      </p:stCondLst>
-                      <p:childTnLst>
-                        <p:par>
-                          <p:cTn id="36" fill="hold">
-                            <p:stCondLst>
-                              <p:cond delay="0"/>
-                            </p:stCondLst>
-                            <p:childTnLst>
-                              <p:par>
-                                <p:cTn id="37" presetID="10" presetClass="entr" presetSubtype="0" fill="hold" nodeType="clickEffect">
-                                  <p:stCondLst>
-                                    <p:cond delay="0"/>
-                                  </p:stCondLst>
-                                  <p:childTnLst>
-                                    <p:set>
-                                      <p:cBhvr>
-                                        <p:cTn id="38" dur="1" fill="hold">
-                                          <p:stCondLst>
-                                            <p:cond delay="0"/>
-                                          </p:stCondLst>
-                                        </p:cTn>
-                                        <p:tgtEl>
-                                          <p:spTgt spid="3">
-                                            <p:txEl>
-                                              <p:pRg st="4" end="4"/>
-                                            </p:txEl>
-                                          </p:spTgt>
-                                        </p:tgtEl>
-                                        <p:attrNameLst>
-                                          <p:attrName>style.visibility</p:attrName>
-                                        </p:attrNameLst>
-                                      </p:cBhvr>
-                                      <p:to>
-                                        <p:strVal val="visible"/>
-                                      </p:to>
-                                    </p:set>
-                                    <p:animEffect transition="in" filter="fade">
-                                      <p:cBhvr>
-                                        <p:cTn id="39" dur="1000"/>
-                                        <p:tgtEl>
-                                          <p:spTgt spid="3">
-                                            <p:txEl>
-                                              <p:pRg st="4" end="4"/>
-                                            </p:txEl>
-                                          </p:spTgt>
-                                        </p:tgtEl>
-                                      </p:cBhvr>
-                                    </p:animEffect>
-                                  </p:childTnLst>
-                                </p:cTn>
-                              </p:par>
-                              <p:par>
-                                <p:cTn id="40" presetID="10" presetClass="entr" presetSubtype="0" fill="hold" nodeType="withEffect">
-                                  <p:stCondLst>
-                                    <p:cond delay="0"/>
-                                  </p:stCondLst>
-                                  <p:childTnLst>
-                                    <p:set>
-                                      <p:cBhvr>
-                                        <p:cTn id="41" dur="1" fill="hold">
-                                          <p:stCondLst>
-                                            <p:cond delay="0"/>
-                                          </p:stCondLst>
-                                        </p:cTn>
-                                        <p:tgtEl>
-                                          <p:spTgt spid="16"/>
-                                        </p:tgtEl>
-                                        <p:attrNameLst>
-                                          <p:attrName>style.visibility</p:attrName>
-                                        </p:attrNameLst>
-                                      </p:cBhvr>
-                                      <p:to>
-                                        <p:strVal val="visible"/>
-                                      </p:to>
-                                    </p:set>
-                                    <p:animEffect transition="in" filter="fade">
-                                      <p:cBhvr>
-                                        <p:cTn id="42" dur="1000"/>
-                                        <p:tgtEl>
-                                          <p:spTgt spid="16"/>
-                                        </p:tgtEl>
-                                      </p:cBhvr>
-                                    </p:animEffect>
-                                  </p:childTnLst>
-                                </p:cTn>
-                              </p:par>
-                            </p:childTnLst>
-                          </p:cTn>
-                        </p:par>
-                      </p:childTnLst>
-                    </p:cTn>
-                  </p:par>
-                  <p:par>
-                    <p:cTn id="43" fill="hold">
-                      <p:stCondLst>
-                        <p:cond delay="indefinite"/>
-                      </p:stCondLst>
-                      <p:childTnLst>
-                        <p:par>
-                          <p:cTn id="44" fill="hold">
-                            <p:stCondLst>
-                              <p:cond delay="0"/>
-                            </p:stCondLst>
-                            <p:childTnLst>
-                              <p:par>
-                                <p:cTn id="45" presetID="10" presetClass="entr" presetSubtype="0" fill="hold" nodeType="clickEffect">
-                                  <p:stCondLst>
-                                    <p:cond delay="0"/>
-                                  </p:stCondLst>
-                                  <p:childTnLst>
-                                    <p:set>
-                                      <p:cBhvr>
-                                        <p:cTn id="46" dur="1" fill="hold">
-                                          <p:stCondLst>
-                                            <p:cond delay="0"/>
-                                          </p:stCondLst>
-                                        </p:cTn>
-                                        <p:tgtEl>
-                                          <p:spTgt spid="3">
-                                            <p:txEl>
-                                              <p:pRg st="5" end="5"/>
-                                            </p:txEl>
-                                          </p:spTgt>
-                                        </p:tgtEl>
-                                        <p:attrNameLst>
-                                          <p:attrName>style.visibility</p:attrName>
-                                        </p:attrNameLst>
-                                      </p:cBhvr>
-                                      <p:to>
-                                        <p:strVal val="visible"/>
-                                      </p:to>
-                                    </p:set>
-                                    <p:animEffect transition="in" filter="fade">
-                                      <p:cBhvr>
-                                        <p:cTn id="47" dur="1000"/>
-                                        <p:tgtEl>
-                                          <p:spTgt spid="3">
-                                            <p:txEl>
-                                              <p:pRg st="5" end="5"/>
-                                            </p:txEl>
-                                          </p:spTgt>
-                                        </p:tgtEl>
-                                      </p:cBhvr>
-                                    </p:animEffect>
-                                  </p:childTnLst>
-                                </p:cTn>
-                              </p:par>
-                              <p:par>
-                                <p:cTn id="48" presetID="10" presetClass="entr" presetSubtype="0" fill="hold" nodeType="withEffect">
-                                  <p:stCondLst>
-                                    <p:cond delay="0"/>
-                                  </p:stCondLst>
-                                  <p:childTnLst>
-                                    <p:set>
-                                      <p:cBhvr>
-                                        <p:cTn id="49" dur="1" fill="hold">
-                                          <p:stCondLst>
-                                            <p:cond delay="0"/>
-                                          </p:stCondLst>
-                                        </p:cTn>
-                                        <p:tgtEl>
-                                          <p:spTgt spid="28"/>
-                                        </p:tgtEl>
-                                        <p:attrNameLst>
-                                          <p:attrName>style.visibility</p:attrName>
-                                        </p:attrNameLst>
-                                      </p:cBhvr>
-                                      <p:to>
-                                        <p:strVal val="visible"/>
-                                      </p:to>
-                                    </p:set>
-                                    <p:animEffect transition="in" filter="fade">
-                                      <p:cBhvr>
-                                        <p:cTn id="50" dur="1000"/>
-                                        <p:tgtEl>
-                                          <p:spTgt spid="28"/>
-                                        </p:tgtEl>
-                                      </p:cBhvr>
-                                    </p:animEffect>
-                                  </p:childTnLst>
-                                </p:cTn>
-                              </p:par>
-                            </p:childTnLst>
-                          </p:cTn>
-                        </p:par>
-                      </p:childTnLst>
-                    </p:cTn>
-                  </p:par>
-                  <p:par>
-                    <p:cTn id="51" fill="hold">
-                      <p:stCondLst>
-                        <p:cond delay="indefinite"/>
-                      </p:stCondLst>
-                      <p:childTnLst>
-                        <p:par>
-                          <p:cTn id="52" fill="hold">
-                            <p:stCondLst>
-                              <p:cond delay="0"/>
-                            </p:stCondLst>
-                            <p:childTnLst>
-                              <p:par>
-                                <p:cTn id="53" presetID="10" presetClass="entr" presetSubtype="0" fill="hold" nodeType="clickEffect">
-                                  <p:stCondLst>
-                                    <p:cond delay="0"/>
-                                  </p:stCondLst>
-                                  <p:childTnLst>
-                                    <p:set>
-                                      <p:cBhvr>
-                                        <p:cTn id="54" dur="1" fill="hold">
-                                          <p:stCondLst>
-                                            <p:cond delay="0"/>
-                                          </p:stCondLst>
-                                        </p:cTn>
-                                        <p:tgtEl>
-                                          <p:spTgt spid="3">
-                                            <p:txEl>
-                                              <p:pRg st="6" end="6"/>
-                                            </p:txEl>
-                                          </p:spTgt>
-                                        </p:tgtEl>
-                                        <p:attrNameLst>
-                                          <p:attrName>style.visibility</p:attrName>
-                                        </p:attrNameLst>
-                                      </p:cBhvr>
-                                      <p:to>
-                                        <p:strVal val="visible"/>
-                                      </p:to>
-                                    </p:set>
-                                    <p:animEffect transition="in" filter="fade">
-                                      <p:cBhvr>
-                                        <p:cTn id="55" dur="1000"/>
-                                        <p:tgtEl>
-                                          <p:spTgt spid="3">
-                                            <p:txEl>
-                                              <p:pRg st="6" end="6"/>
-                                            </p:txEl>
-                                          </p:spTgt>
-                                        </p:tgtEl>
-                                      </p:cBhvr>
-                                    </p:animEffect>
-                                  </p:childTnLst>
-                                </p:cTn>
-                              </p:par>
-                              <p:par>
-                                <p:cTn id="56" presetID="10" presetClass="entr" presetSubtype="0" fill="hold" nodeType="withEffect">
-                                  <p:stCondLst>
-                                    <p:cond delay="0"/>
-                                  </p:stCondLst>
-                                  <p:childTnLst>
-                                    <p:set>
-                                      <p:cBhvr>
-                                        <p:cTn id="57" dur="1" fill="hold">
-                                          <p:stCondLst>
-                                            <p:cond delay="0"/>
-                                          </p:stCondLst>
-                                        </p:cTn>
-                                        <p:tgtEl>
-                                          <p:spTgt spid="32"/>
-                                        </p:tgtEl>
-                                        <p:attrNameLst>
-                                          <p:attrName>style.visibility</p:attrName>
-                                        </p:attrNameLst>
-                                      </p:cBhvr>
-                                      <p:to>
-                                        <p:strVal val="visible"/>
-                                      </p:to>
-                                    </p:set>
-                                    <p:animEffect transition="in" filter="fade">
-                                      <p:cBhvr>
-                                        <p:cTn id="58" dur="1000"/>
-                                        <p:tgtEl>
-                                          <p:spTgt spid="32"/>
-                                        </p:tgtEl>
-                                      </p:cBhvr>
-                                    </p:animEffect>
-                                  </p:childTnLst>
-                                </p:cTn>
-                              </p:par>
-                            </p:childTnLst>
-                          </p:cTn>
-                        </p:par>
-                      </p:childTnLst>
-                    </p:cTn>
-                  </p:par>
-                  <p:par>
-                    <p:cTn id="59" fill="hold">
-                      <p:stCondLst>
-                        <p:cond delay="indefinite"/>
-                      </p:stCondLst>
-                      <p:childTnLst>
-                        <p:par>
-                          <p:cTn id="60" fill="hold">
-                            <p:stCondLst>
-                              <p:cond delay="0"/>
-                            </p:stCondLst>
-                            <p:childTnLst>
-                              <p:par>
-                                <p:cTn id="61" presetID="10" presetClass="entr" presetSubtype="0" fill="hold" nodeType="clickEffect">
-                                  <p:stCondLst>
-                                    <p:cond delay="0"/>
-                                  </p:stCondLst>
-                                  <p:childTnLst>
-                                    <p:set>
-                                      <p:cBhvr>
-                                        <p:cTn id="62" dur="1" fill="hold">
-                                          <p:stCondLst>
-                                            <p:cond delay="0"/>
-                                          </p:stCondLst>
-                                        </p:cTn>
-                                        <p:tgtEl>
-                                          <p:spTgt spid="3">
-                                            <p:txEl>
-                                              <p:pRg st="7" end="7"/>
-                                            </p:txEl>
-                                          </p:spTgt>
-                                        </p:tgtEl>
-                                        <p:attrNameLst>
-                                          <p:attrName>style.visibility</p:attrName>
-                                        </p:attrNameLst>
-                                      </p:cBhvr>
-                                      <p:to>
-                                        <p:strVal val="visible"/>
-                                      </p:to>
-                                    </p:set>
-                                    <p:animEffect transition="in" filter="fade">
-                                      <p:cBhvr>
-                                        <p:cTn id="63" dur="1000"/>
-                                        <p:tgtEl>
-                                          <p:spTgt spid="3">
-                                            <p:txEl>
-                                              <p:pRg st="7" end="7"/>
-                                            </p:txEl>
-                                          </p:spTgt>
-                                        </p:tgtEl>
-                                      </p:cBhvr>
-                                    </p:animEffect>
-                                  </p:childTnLst>
-                                </p:cTn>
-                              </p:par>
-                              <p:par>
-                                <p:cTn id="64" presetID="10" presetClass="entr" presetSubtype="0" fill="hold" nodeType="withEffect">
-                                  <p:stCondLst>
-                                    <p:cond delay="0"/>
-                                  </p:stCondLst>
-                                  <p:childTnLst>
-                                    <p:set>
-                                      <p:cBhvr>
-                                        <p:cTn id="65" dur="1" fill="hold">
-                                          <p:stCondLst>
-                                            <p:cond delay="0"/>
-                                          </p:stCondLst>
-                                        </p:cTn>
-                                        <p:tgtEl>
-                                          <p:spTgt spid="53"/>
-                                        </p:tgtEl>
-                                        <p:attrNameLst>
-                                          <p:attrName>style.visibility</p:attrName>
-                                        </p:attrNameLst>
-                                      </p:cBhvr>
-                                      <p:to>
-                                        <p:strVal val="visible"/>
-                                      </p:to>
-                                    </p:set>
-                                    <p:animEffect transition="in" filter="fade">
-                                      <p:cBhvr>
-                                        <p:cTn id="66" dur="1000"/>
-                                        <p:tgtEl>
-                                          <p:spTgt spid="53"/>
-                                        </p:tgtEl>
-                                      </p:cBhvr>
-                                    </p:animEffect>
-                                  </p:childTnLst>
-                                </p:cTn>
-                              </p:par>
-                            </p:childTnLst>
-                          </p:cTn>
-                        </p:par>
-                      </p:childTnLst>
-                    </p:cTn>
-                  </p:par>
-                </p:childTnLst>
-              </p:cTn>
-              <p:prevCondLst>
-                <p:cond evt="onPrev" delay="0">
-                  <p:tgtEl>
-                    <p:sldTgt/>
-                  </p:tgtEl>
-                </p:cond>
-              </p:prevCondLst>
-              <p:nextCondLst>
-                <p:cond evt="onNext" delay="0">
-                  <p:tgtEl>
-                    <p:sldTgt/>
-                  </p:tgtEl>
-                </p:cond>
-              </p:nextCondLst>
-            </p:seq>
-          </p:childTnLst>
-        </p:cTn>
+        <p:cTn id="1" dur="indefinite" restart="never" nodeType="tmRoot"/>
       </p:par>
     </p:tnLst>
   </p:timing>
@@ -14315,8 +13918,13 @@
           <a:p>
             <a:r>
               <a:rPr lang="en-CA" dirty="0" smtClean="0"/>
-              <a:t>A biomorph is an image produced by a gene</a:t>
+              <a:t>A biomorph is an image produced by a </a:t>
             </a:r>
+            <a:r>
+              <a:rPr lang="en-CA" dirty="0" smtClean="0"/>
+              <a:t>chromosome</a:t>
+            </a:r>
+            <a:endParaRPr lang="en-CA" dirty="0" smtClean="0"/>
           </a:p>
           <a:p>
             <a:r>
@@ -14436,7 +14044,248 @@
   <p:timing>
     <p:tnLst>
       <p:par>
-        <p:cTn id="1" dur="indefinite" restart="never" nodeType="tmRoot"/>
+        <p:cTn id="1" dur="indefinite" restart="never" nodeType="tmRoot">
+          <p:childTnLst>
+            <p:seq concurrent="1" nextAc="seek">
+              <p:cTn id="2" dur="indefinite" nodeType="mainSeq">
+                <p:childTnLst>
+                  <p:par>
+                    <p:cTn id="3" fill="hold">
+                      <p:stCondLst>
+                        <p:cond delay="indefinite"/>
+                      </p:stCondLst>
+                      <p:childTnLst>
+                        <p:par>
+                          <p:cTn id="4" fill="hold">
+                            <p:stCondLst>
+                              <p:cond delay="0"/>
+                            </p:stCondLst>
+                            <p:childTnLst>
+                              <p:par>
+                                <p:cTn id="5" presetID="10" presetClass="entr" presetSubtype="0" fill="hold" nodeType="clickEffect">
+                                  <p:stCondLst>
+                                    <p:cond delay="0"/>
+                                  </p:stCondLst>
+                                  <p:childTnLst>
+                                    <p:set>
+                                      <p:cBhvr>
+                                        <p:cTn id="6" dur="1" fill="hold">
+                                          <p:stCondLst>
+                                            <p:cond delay="0"/>
+                                          </p:stCondLst>
+                                        </p:cTn>
+                                        <p:tgtEl>
+                                          <p:spTgt spid="3">
+                                            <p:txEl>
+                                              <p:pRg st="0" end="0"/>
+                                            </p:txEl>
+                                          </p:spTgt>
+                                        </p:tgtEl>
+                                        <p:attrNameLst>
+                                          <p:attrName>style.visibility</p:attrName>
+                                        </p:attrNameLst>
+                                      </p:cBhvr>
+                                      <p:to>
+                                        <p:strVal val="visible"/>
+                                      </p:to>
+                                    </p:set>
+                                    <p:animEffect transition="in" filter="fade">
+                                      <p:cBhvr>
+                                        <p:cTn id="7" dur="1000"/>
+                                        <p:tgtEl>
+                                          <p:spTgt spid="3">
+                                            <p:txEl>
+                                              <p:pRg st="0" end="0"/>
+                                            </p:txEl>
+                                          </p:spTgt>
+                                        </p:tgtEl>
+                                      </p:cBhvr>
+                                    </p:animEffect>
+                                  </p:childTnLst>
+                                </p:cTn>
+                              </p:par>
+                              <p:par>
+                                <p:cTn id="8" presetID="10" presetClass="entr" presetSubtype="0" fill="hold" nodeType="withEffect">
+                                  <p:stCondLst>
+                                    <p:cond delay="0"/>
+                                  </p:stCondLst>
+                                  <p:childTnLst>
+                                    <p:set>
+                                      <p:cBhvr>
+                                        <p:cTn id="9" dur="1" fill="hold">
+                                          <p:stCondLst>
+                                            <p:cond delay="0"/>
+                                          </p:stCondLst>
+                                        </p:cTn>
+                                        <p:tgtEl>
+                                          <p:spTgt spid="7"/>
+                                        </p:tgtEl>
+                                        <p:attrNameLst>
+                                          <p:attrName>style.visibility</p:attrName>
+                                        </p:attrNameLst>
+                                      </p:cBhvr>
+                                      <p:to>
+                                        <p:strVal val="visible"/>
+                                      </p:to>
+                                    </p:set>
+                                    <p:animEffect transition="in" filter="fade">
+                                      <p:cBhvr>
+                                        <p:cTn id="10" dur="1000"/>
+                                        <p:tgtEl>
+                                          <p:spTgt spid="7"/>
+                                        </p:tgtEl>
+                                      </p:cBhvr>
+                                    </p:animEffect>
+                                  </p:childTnLst>
+                                </p:cTn>
+                              </p:par>
+                            </p:childTnLst>
+                          </p:cTn>
+                        </p:par>
+                      </p:childTnLst>
+                    </p:cTn>
+                  </p:par>
+                  <p:par>
+                    <p:cTn id="11" fill="hold">
+                      <p:stCondLst>
+                        <p:cond delay="indefinite"/>
+                      </p:stCondLst>
+                      <p:childTnLst>
+                        <p:par>
+                          <p:cTn id="12" fill="hold">
+                            <p:stCondLst>
+                              <p:cond delay="0"/>
+                            </p:stCondLst>
+                            <p:childTnLst>
+                              <p:par>
+                                <p:cTn id="13" presetID="10" presetClass="entr" presetSubtype="0" fill="hold" nodeType="clickEffect">
+                                  <p:stCondLst>
+                                    <p:cond delay="0"/>
+                                  </p:stCondLst>
+                                  <p:childTnLst>
+                                    <p:set>
+                                      <p:cBhvr>
+                                        <p:cTn id="14" dur="1" fill="hold">
+                                          <p:stCondLst>
+                                            <p:cond delay="0"/>
+                                          </p:stCondLst>
+                                        </p:cTn>
+                                        <p:tgtEl>
+                                          <p:spTgt spid="3">
+                                            <p:txEl>
+                                              <p:pRg st="1" end="1"/>
+                                            </p:txEl>
+                                          </p:spTgt>
+                                        </p:tgtEl>
+                                        <p:attrNameLst>
+                                          <p:attrName>style.visibility</p:attrName>
+                                        </p:attrNameLst>
+                                      </p:cBhvr>
+                                      <p:to>
+                                        <p:strVal val="visible"/>
+                                      </p:to>
+                                    </p:set>
+                                    <p:animEffect transition="in" filter="fade">
+                                      <p:cBhvr>
+                                        <p:cTn id="15" dur="1000"/>
+                                        <p:tgtEl>
+                                          <p:spTgt spid="3">
+                                            <p:txEl>
+                                              <p:pRg st="1" end="1"/>
+                                            </p:txEl>
+                                          </p:spTgt>
+                                        </p:tgtEl>
+                                      </p:cBhvr>
+                                    </p:animEffect>
+                                  </p:childTnLst>
+                                </p:cTn>
+                              </p:par>
+                            </p:childTnLst>
+                          </p:cTn>
+                        </p:par>
+                      </p:childTnLst>
+                    </p:cTn>
+                  </p:par>
+                  <p:par>
+                    <p:cTn id="16" fill="hold">
+                      <p:stCondLst>
+                        <p:cond delay="indefinite"/>
+                      </p:stCondLst>
+                      <p:childTnLst>
+                        <p:par>
+                          <p:cTn id="17" fill="hold">
+                            <p:stCondLst>
+                              <p:cond delay="0"/>
+                            </p:stCondLst>
+                            <p:childTnLst>
+                              <p:par>
+                                <p:cTn id="18" presetID="10" presetClass="entr" presetSubtype="0" fill="hold" nodeType="clickEffect">
+                                  <p:stCondLst>
+                                    <p:cond delay="0"/>
+                                  </p:stCondLst>
+                                  <p:childTnLst>
+                                    <p:set>
+                                      <p:cBhvr>
+                                        <p:cTn id="19" dur="1" fill="hold">
+                                          <p:stCondLst>
+                                            <p:cond delay="0"/>
+                                          </p:stCondLst>
+                                        </p:cTn>
+                                        <p:tgtEl>
+                                          <p:spTgt spid="3">
+                                            <p:txEl>
+                                              <p:pRg st="2" end="2"/>
+                                            </p:txEl>
+                                          </p:spTgt>
+                                        </p:tgtEl>
+                                        <p:attrNameLst>
+                                          <p:attrName>style.visibility</p:attrName>
+                                        </p:attrNameLst>
+                                      </p:cBhvr>
+                                      <p:to>
+                                        <p:strVal val="visible"/>
+                                      </p:to>
+                                    </p:set>
+                                    <p:animEffect transition="in" filter="fade">
+                                      <p:cBhvr>
+                                        <p:cTn id="20" dur="1000"/>
+                                        <p:tgtEl>
+                                          <p:spTgt spid="3">
+                                            <p:txEl>
+                                              <p:pRg st="2" end="2"/>
+                                            </p:txEl>
+                                          </p:spTgt>
+                                        </p:tgtEl>
+                                      </p:cBhvr>
+                                    </p:animEffect>
+                                  </p:childTnLst>
+                                </p:cTn>
+                              </p:par>
+                            </p:childTnLst>
+                          </p:cTn>
+                        </p:par>
+                      </p:childTnLst>
+                    </p:cTn>
+                  </p:par>
+                </p:childTnLst>
+              </p:cTn>
+              <p:prevCondLst>
+                <p:cond evt="onPrev" delay="0">
+                  <p:tgtEl>
+                    <p:sldTgt/>
+                  </p:tgtEl>
+                </p:cond>
+              </p:prevCondLst>
+              <p:nextCondLst>
+                <p:cond evt="onNext" delay="0">
+                  <p:tgtEl>
+                    <p:sldTgt/>
+                  </p:tgtEl>
+                </p:cond>
+              </p:nextCondLst>
+            </p:seq>
+          </p:childTnLst>
+        </p:cTn>
       </p:par>
     </p:tnLst>
   </p:timing>
@@ -16950,798 +16799,7 @@
   <p:timing>
     <p:tnLst>
       <p:par>
-        <p:cTn id="1" dur="indefinite" restart="never" nodeType="tmRoot">
-          <p:childTnLst>
-            <p:seq concurrent="1" nextAc="seek">
-              <p:cTn id="2" dur="indefinite" nodeType="mainSeq">
-                <p:childTnLst>
-                  <p:par>
-                    <p:cTn id="3" fill="hold">
-                      <p:stCondLst>
-                        <p:cond delay="indefinite"/>
-                      </p:stCondLst>
-                      <p:childTnLst>
-                        <p:par>
-                          <p:cTn id="4" fill="hold">
-                            <p:stCondLst>
-                              <p:cond delay="0"/>
-                            </p:stCondLst>
-                            <p:childTnLst>
-                              <p:par>
-                                <p:cTn id="5" presetID="10" presetClass="entr" presetSubtype="0" fill="hold" nodeType="clickEffect">
-                                  <p:stCondLst>
-                                    <p:cond delay="0"/>
-                                  </p:stCondLst>
-                                  <p:childTnLst>
-                                    <p:set>
-                                      <p:cBhvr>
-                                        <p:cTn id="6" dur="1" fill="hold">
-                                          <p:stCondLst>
-                                            <p:cond delay="0"/>
-                                          </p:stCondLst>
-                                        </p:cTn>
-                                        <p:tgtEl>
-                                          <p:spTgt spid="3">
-                                            <p:txEl>
-                                              <p:pRg st="0" end="0"/>
-                                            </p:txEl>
-                                          </p:spTgt>
-                                        </p:tgtEl>
-                                        <p:attrNameLst>
-                                          <p:attrName>style.visibility</p:attrName>
-                                        </p:attrNameLst>
-                                      </p:cBhvr>
-                                      <p:to>
-                                        <p:strVal val="visible"/>
-                                      </p:to>
-                                    </p:set>
-                                    <p:animEffect transition="in" filter="fade">
-                                      <p:cBhvr>
-                                        <p:cTn id="7" dur="1000"/>
-                                        <p:tgtEl>
-                                          <p:spTgt spid="3">
-                                            <p:txEl>
-                                              <p:pRg st="0" end="0"/>
-                                            </p:txEl>
-                                          </p:spTgt>
-                                        </p:tgtEl>
-                                      </p:cBhvr>
-                                    </p:animEffect>
-                                  </p:childTnLst>
-                                </p:cTn>
-                              </p:par>
-                              <p:par>
-                                <p:cTn id="8" presetID="10" presetClass="entr" presetSubtype="0" fill="hold" nodeType="withEffect">
-                                  <p:stCondLst>
-                                    <p:cond delay="0"/>
-                                  </p:stCondLst>
-                                  <p:childTnLst>
-                                    <p:set>
-                                      <p:cBhvr>
-                                        <p:cTn id="9" dur="1" fill="hold">
-                                          <p:stCondLst>
-                                            <p:cond delay="0"/>
-                                          </p:stCondLst>
-                                        </p:cTn>
-                                        <p:tgtEl>
-                                          <p:spTgt spid="11"/>
-                                        </p:tgtEl>
-                                        <p:attrNameLst>
-                                          <p:attrName>style.visibility</p:attrName>
-                                        </p:attrNameLst>
-                                      </p:cBhvr>
-                                      <p:to>
-                                        <p:strVal val="visible"/>
-                                      </p:to>
-                                    </p:set>
-                                    <p:animEffect transition="in" filter="fade">
-                                      <p:cBhvr>
-                                        <p:cTn id="10" dur="1000"/>
-                                        <p:tgtEl>
-                                          <p:spTgt spid="11"/>
-                                        </p:tgtEl>
-                                      </p:cBhvr>
-                                    </p:animEffect>
-                                  </p:childTnLst>
-                                </p:cTn>
-                              </p:par>
-                            </p:childTnLst>
-                          </p:cTn>
-                        </p:par>
-                      </p:childTnLst>
-                    </p:cTn>
-                  </p:par>
-                  <p:par>
-                    <p:cTn id="11" fill="hold">
-                      <p:stCondLst>
-                        <p:cond delay="indefinite"/>
-                      </p:stCondLst>
-                      <p:childTnLst>
-                        <p:par>
-                          <p:cTn id="12" fill="hold">
-                            <p:stCondLst>
-                              <p:cond delay="0"/>
-                            </p:stCondLst>
-                            <p:childTnLst>
-                              <p:par>
-                                <p:cTn id="13" presetID="10" presetClass="entr" presetSubtype="0" fill="hold" nodeType="clickEffect">
-                                  <p:stCondLst>
-                                    <p:cond delay="0"/>
-                                  </p:stCondLst>
-                                  <p:childTnLst>
-                                    <p:set>
-                                      <p:cBhvr>
-                                        <p:cTn id="14" dur="1" fill="hold">
-                                          <p:stCondLst>
-                                            <p:cond delay="0"/>
-                                          </p:stCondLst>
-                                        </p:cTn>
-                                        <p:tgtEl>
-                                          <p:spTgt spid="3">
-                                            <p:txEl>
-                                              <p:pRg st="1" end="1"/>
-                                            </p:txEl>
-                                          </p:spTgt>
-                                        </p:tgtEl>
-                                        <p:attrNameLst>
-                                          <p:attrName>style.visibility</p:attrName>
-                                        </p:attrNameLst>
-                                      </p:cBhvr>
-                                      <p:to>
-                                        <p:strVal val="visible"/>
-                                      </p:to>
-                                    </p:set>
-                                    <p:animEffect transition="in" filter="fade">
-                                      <p:cBhvr>
-                                        <p:cTn id="15" dur="1000"/>
-                                        <p:tgtEl>
-                                          <p:spTgt spid="3">
-                                            <p:txEl>
-                                              <p:pRg st="1" end="1"/>
-                                            </p:txEl>
-                                          </p:spTgt>
-                                        </p:tgtEl>
-                                      </p:cBhvr>
-                                    </p:animEffect>
-                                  </p:childTnLst>
-                                </p:cTn>
-                              </p:par>
-                              <p:par>
-                                <p:cTn id="16" presetID="10" presetClass="entr" presetSubtype="0" fill="hold" nodeType="withEffect">
-                                  <p:stCondLst>
-                                    <p:cond delay="0"/>
-                                  </p:stCondLst>
-                                  <p:childTnLst>
-                                    <p:set>
-                                      <p:cBhvr>
-                                        <p:cTn id="17" dur="1" fill="hold">
-                                          <p:stCondLst>
-                                            <p:cond delay="0"/>
-                                          </p:stCondLst>
-                                        </p:cTn>
-                                        <p:tgtEl>
-                                          <p:spTgt spid="39"/>
-                                        </p:tgtEl>
-                                        <p:attrNameLst>
-                                          <p:attrName>style.visibility</p:attrName>
-                                        </p:attrNameLst>
-                                      </p:cBhvr>
-                                      <p:to>
-                                        <p:strVal val="visible"/>
-                                      </p:to>
-                                    </p:set>
-                                    <p:animEffect transition="in" filter="fade">
-                                      <p:cBhvr>
-                                        <p:cTn id="18" dur="1000"/>
-                                        <p:tgtEl>
-                                          <p:spTgt spid="39"/>
-                                        </p:tgtEl>
-                                      </p:cBhvr>
-                                    </p:animEffect>
-                                  </p:childTnLst>
-                                </p:cTn>
-                              </p:par>
-                            </p:childTnLst>
-                          </p:cTn>
-                        </p:par>
-                      </p:childTnLst>
-                    </p:cTn>
-                  </p:par>
-                  <p:par>
-                    <p:cTn id="19" fill="hold">
-                      <p:stCondLst>
-                        <p:cond delay="indefinite"/>
-                      </p:stCondLst>
-                      <p:childTnLst>
-                        <p:par>
-                          <p:cTn id="20" fill="hold">
-                            <p:stCondLst>
-                              <p:cond delay="0"/>
-                            </p:stCondLst>
-                            <p:childTnLst>
-                              <p:par>
-                                <p:cTn id="21" presetID="10" presetClass="entr" presetSubtype="0" fill="hold" nodeType="clickEffect">
-                                  <p:stCondLst>
-                                    <p:cond delay="0"/>
-                                  </p:stCondLst>
-                                  <p:childTnLst>
-                                    <p:set>
-                                      <p:cBhvr>
-                                        <p:cTn id="22" dur="1" fill="hold">
-                                          <p:stCondLst>
-                                            <p:cond delay="0"/>
-                                          </p:stCondLst>
-                                        </p:cTn>
-                                        <p:tgtEl>
-                                          <p:spTgt spid="3">
-                                            <p:txEl>
-                                              <p:pRg st="2" end="2"/>
-                                            </p:txEl>
-                                          </p:spTgt>
-                                        </p:tgtEl>
-                                        <p:attrNameLst>
-                                          <p:attrName>style.visibility</p:attrName>
-                                        </p:attrNameLst>
-                                      </p:cBhvr>
-                                      <p:to>
-                                        <p:strVal val="visible"/>
-                                      </p:to>
-                                    </p:set>
-                                    <p:animEffect transition="in" filter="fade">
-                                      <p:cBhvr>
-                                        <p:cTn id="23" dur="1000"/>
-                                        <p:tgtEl>
-                                          <p:spTgt spid="3">
-                                            <p:txEl>
-                                              <p:pRg st="2" end="2"/>
-                                            </p:txEl>
-                                          </p:spTgt>
-                                        </p:tgtEl>
-                                      </p:cBhvr>
-                                    </p:animEffect>
-                                  </p:childTnLst>
-                                </p:cTn>
-                              </p:par>
-                              <p:par>
-                                <p:cTn id="24" presetID="10" presetClass="entr" presetSubtype="0" fill="hold" nodeType="withEffect">
-                                  <p:stCondLst>
-                                    <p:cond delay="0"/>
-                                  </p:stCondLst>
-                                  <p:childTnLst>
-                                    <p:set>
-                                      <p:cBhvr>
-                                        <p:cTn id="25" dur="1" fill="hold">
-                                          <p:stCondLst>
-                                            <p:cond delay="0"/>
-                                          </p:stCondLst>
-                                        </p:cTn>
-                                        <p:tgtEl>
-                                          <p:spTgt spid="44"/>
-                                        </p:tgtEl>
-                                        <p:attrNameLst>
-                                          <p:attrName>style.visibility</p:attrName>
-                                        </p:attrNameLst>
-                                      </p:cBhvr>
-                                      <p:to>
-                                        <p:strVal val="visible"/>
-                                      </p:to>
-                                    </p:set>
-                                    <p:animEffect transition="in" filter="fade">
-                                      <p:cBhvr>
-                                        <p:cTn id="26" dur="1000"/>
-                                        <p:tgtEl>
-                                          <p:spTgt spid="44"/>
-                                        </p:tgtEl>
-                                      </p:cBhvr>
-                                    </p:animEffect>
-                                  </p:childTnLst>
-                                </p:cTn>
-                              </p:par>
-                            </p:childTnLst>
-                          </p:cTn>
-                        </p:par>
-                      </p:childTnLst>
-                    </p:cTn>
-                  </p:par>
-                  <p:par>
-                    <p:cTn id="27" fill="hold">
-                      <p:stCondLst>
-                        <p:cond delay="indefinite"/>
-                      </p:stCondLst>
-                      <p:childTnLst>
-                        <p:par>
-                          <p:cTn id="28" fill="hold">
-                            <p:stCondLst>
-                              <p:cond delay="0"/>
-                            </p:stCondLst>
-                            <p:childTnLst>
-                              <p:par>
-                                <p:cTn id="29" presetID="10" presetClass="entr" presetSubtype="0" fill="hold" nodeType="clickEffect">
-                                  <p:stCondLst>
-                                    <p:cond delay="0"/>
-                                  </p:stCondLst>
-                                  <p:childTnLst>
-                                    <p:set>
-                                      <p:cBhvr>
-                                        <p:cTn id="30" dur="1" fill="hold">
-                                          <p:stCondLst>
-                                            <p:cond delay="0"/>
-                                          </p:stCondLst>
-                                        </p:cTn>
-                                        <p:tgtEl>
-                                          <p:spTgt spid="3">
-                                            <p:txEl>
-                                              <p:pRg st="3" end="3"/>
-                                            </p:txEl>
-                                          </p:spTgt>
-                                        </p:tgtEl>
-                                        <p:attrNameLst>
-                                          <p:attrName>style.visibility</p:attrName>
-                                        </p:attrNameLst>
-                                      </p:cBhvr>
-                                      <p:to>
-                                        <p:strVal val="visible"/>
-                                      </p:to>
-                                    </p:set>
-                                    <p:animEffect transition="in" filter="fade">
-                                      <p:cBhvr>
-                                        <p:cTn id="31" dur="1000"/>
-                                        <p:tgtEl>
-                                          <p:spTgt spid="3">
-                                            <p:txEl>
-                                              <p:pRg st="3" end="3"/>
-                                            </p:txEl>
-                                          </p:spTgt>
-                                        </p:tgtEl>
-                                      </p:cBhvr>
-                                    </p:animEffect>
-                                  </p:childTnLst>
-                                </p:cTn>
-                              </p:par>
-                              <p:par>
-                                <p:cTn id="32" presetID="10" presetClass="entr" presetSubtype="0" fill="hold" nodeType="withEffect">
-                                  <p:stCondLst>
-                                    <p:cond delay="0"/>
-                                  </p:stCondLst>
-                                  <p:childTnLst>
-                                    <p:set>
-                                      <p:cBhvr>
-                                        <p:cTn id="33" dur="1" fill="hold">
-                                          <p:stCondLst>
-                                            <p:cond delay="0"/>
-                                          </p:stCondLst>
-                                        </p:cTn>
-                                        <p:tgtEl>
-                                          <p:spTgt spid="12"/>
-                                        </p:tgtEl>
-                                        <p:attrNameLst>
-                                          <p:attrName>style.visibility</p:attrName>
-                                        </p:attrNameLst>
-                                      </p:cBhvr>
-                                      <p:to>
-                                        <p:strVal val="visible"/>
-                                      </p:to>
-                                    </p:set>
-                                    <p:animEffect transition="in" filter="fade">
-                                      <p:cBhvr>
-                                        <p:cTn id="34" dur="1000"/>
-                                        <p:tgtEl>
-                                          <p:spTgt spid="12"/>
-                                        </p:tgtEl>
-                                      </p:cBhvr>
-                                    </p:animEffect>
-                                  </p:childTnLst>
-                                </p:cTn>
-                              </p:par>
-                            </p:childTnLst>
-                          </p:cTn>
-                        </p:par>
-                      </p:childTnLst>
-                    </p:cTn>
-                  </p:par>
-                  <p:par>
-                    <p:cTn id="35" fill="hold">
-                      <p:stCondLst>
-                        <p:cond delay="indefinite"/>
-                      </p:stCondLst>
-                      <p:childTnLst>
-                        <p:par>
-                          <p:cTn id="36" fill="hold">
-                            <p:stCondLst>
-                              <p:cond delay="0"/>
-                            </p:stCondLst>
-                            <p:childTnLst>
-                              <p:par>
-                                <p:cTn id="37" presetID="10" presetClass="entr" presetSubtype="0" fill="hold" nodeType="clickEffect">
-                                  <p:stCondLst>
-                                    <p:cond delay="0"/>
-                                  </p:stCondLst>
-                                  <p:childTnLst>
-                                    <p:set>
-                                      <p:cBhvr>
-                                        <p:cTn id="38" dur="1" fill="hold">
-                                          <p:stCondLst>
-                                            <p:cond delay="0"/>
-                                          </p:stCondLst>
-                                        </p:cTn>
-                                        <p:tgtEl>
-                                          <p:spTgt spid="3">
-                                            <p:txEl>
-                                              <p:pRg st="4" end="4"/>
-                                            </p:txEl>
-                                          </p:spTgt>
-                                        </p:tgtEl>
-                                        <p:attrNameLst>
-                                          <p:attrName>style.visibility</p:attrName>
-                                        </p:attrNameLst>
-                                      </p:cBhvr>
-                                      <p:to>
-                                        <p:strVal val="visible"/>
-                                      </p:to>
-                                    </p:set>
-                                    <p:animEffect transition="in" filter="fade">
-                                      <p:cBhvr>
-                                        <p:cTn id="39" dur="1000"/>
-                                        <p:tgtEl>
-                                          <p:spTgt spid="3">
-                                            <p:txEl>
-                                              <p:pRg st="4" end="4"/>
-                                            </p:txEl>
-                                          </p:spTgt>
-                                        </p:tgtEl>
-                                      </p:cBhvr>
-                                    </p:animEffect>
-                                  </p:childTnLst>
-                                </p:cTn>
-                              </p:par>
-                              <p:par>
-                                <p:cTn id="40" presetID="10" presetClass="entr" presetSubtype="0" fill="hold" nodeType="withEffect">
-                                  <p:stCondLst>
-                                    <p:cond delay="0"/>
-                                  </p:stCondLst>
-                                  <p:childTnLst>
-                                    <p:set>
-                                      <p:cBhvr>
-                                        <p:cTn id="41" dur="1" fill="hold">
-                                          <p:stCondLst>
-                                            <p:cond delay="0"/>
-                                          </p:stCondLst>
-                                        </p:cTn>
-                                        <p:tgtEl>
-                                          <p:spTgt spid="16"/>
-                                        </p:tgtEl>
-                                        <p:attrNameLst>
-                                          <p:attrName>style.visibility</p:attrName>
-                                        </p:attrNameLst>
-                                      </p:cBhvr>
-                                      <p:to>
-                                        <p:strVal val="visible"/>
-                                      </p:to>
-                                    </p:set>
-                                    <p:animEffect transition="in" filter="fade">
-                                      <p:cBhvr>
-                                        <p:cTn id="42" dur="1000"/>
-                                        <p:tgtEl>
-                                          <p:spTgt spid="16"/>
-                                        </p:tgtEl>
-                                      </p:cBhvr>
-                                    </p:animEffect>
-                                  </p:childTnLst>
-                                </p:cTn>
-                              </p:par>
-                            </p:childTnLst>
-                          </p:cTn>
-                        </p:par>
-                      </p:childTnLst>
-                    </p:cTn>
-                  </p:par>
-                  <p:par>
-                    <p:cTn id="43" fill="hold">
-                      <p:stCondLst>
-                        <p:cond delay="indefinite"/>
-                      </p:stCondLst>
-                      <p:childTnLst>
-                        <p:par>
-                          <p:cTn id="44" fill="hold">
-                            <p:stCondLst>
-                              <p:cond delay="0"/>
-                            </p:stCondLst>
-                            <p:childTnLst>
-                              <p:par>
-                                <p:cTn id="45" presetID="10" presetClass="entr" presetSubtype="0" fill="hold" nodeType="clickEffect">
-                                  <p:stCondLst>
-                                    <p:cond delay="0"/>
-                                  </p:stCondLst>
-                                  <p:childTnLst>
-                                    <p:set>
-                                      <p:cBhvr>
-                                        <p:cTn id="46" dur="1" fill="hold">
-                                          <p:stCondLst>
-                                            <p:cond delay="0"/>
-                                          </p:stCondLst>
-                                        </p:cTn>
-                                        <p:tgtEl>
-                                          <p:spTgt spid="3">
-                                            <p:txEl>
-                                              <p:pRg st="5" end="5"/>
-                                            </p:txEl>
-                                          </p:spTgt>
-                                        </p:tgtEl>
-                                        <p:attrNameLst>
-                                          <p:attrName>style.visibility</p:attrName>
-                                        </p:attrNameLst>
-                                      </p:cBhvr>
-                                      <p:to>
-                                        <p:strVal val="visible"/>
-                                      </p:to>
-                                    </p:set>
-                                    <p:animEffect transition="in" filter="fade">
-                                      <p:cBhvr>
-                                        <p:cTn id="47" dur="1000"/>
-                                        <p:tgtEl>
-                                          <p:spTgt spid="3">
-                                            <p:txEl>
-                                              <p:pRg st="5" end="5"/>
-                                            </p:txEl>
-                                          </p:spTgt>
-                                        </p:tgtEl>
-                                      </p:cBhvr>
-                                    </p:animEffect>
-                                  </p:childTnLst>
-                                </p:cTn>
-                              </p:par>
-                              <p:par>
-                                <p:cTn id="48" presetID="10" presetClass="entr" presetSubtype="0" fill="hold" nodeType="withEffect">
-                                  <p:stCondLst>
-                                    <p:cond delay="0"/>
-                                  </p:stCondLst>
-                                  <p:childTnLst>
-                                    <p:set>
-                                      <p:cBhvr>
-                                        <p:cTn id="49" dur="1" fill="hold">
-                                          <p:stCondLst>
-                                            <p:cond delay="0"/>
-                                          </p:stCondLst>
-                                        </p:cTn>
-                                        <p:tgtEl>
-                                          <p:spTgt spid="28"/>
-                                        </p:tgtEl>
-                                        <p:attrNameLst>
-                                          <p:attrName>style.visibility</p:attrName>
-                                        </p:attrNameLst>
-                                      </p:cBhvr>
-                                      <p:to>
-                                        <p:strVal val="visible"/>
-                                      </p:to>
-                                    </p:set>
-                                    <p:animEffect transition="in" filter="fade">
-                                      <p:cBhvr>
-                                        <p:cTn id="50" dur="1000"/>
-                                        <p:tgtEl>
-                                          <p:spTgt spid="28"/>
-                                        </p:tgtEl>
-                                      </p:cBhvr>
-                                    </p:animEffect>
-                                  </p:childTnLst>
-                                </p:cTn>
-                              </p:par>
-                            </p:childTnLst>
-                          </p:cTn>
-                        </p:par>
-                      </p:childTnLst>
-                    </p:cTn>
-                  </p:par>
-                  <p:par>
-                    <p:cTn id="51" fill="hold">
-                      <p:stCondLst>
-                        <p:cond delay="indefinite"/>
-                      </p:stCondLst>
-                      <p:childTnLst>
-                        <p:par>
-                          <p:cTn id="52" fill="hold">
-                            <p:stCondLst>
-                              <p:cond delay="0"/>
-                            </p:stCondLst>
-                            <p:childTnLst>
-                              <p:par>
-                                <p:cTn id="53" presetID="10" presetClass="entr" presetSubtype="0" fill="hold" nodeType="clickEffect">
-                                  <p:stCondLst>
-                                    <p:cond delay="0"/>
-                                  </p:stCondLst>
-                                  <p:childTnLst>
-                                    <p:set>
-                                      <p:cBhvr>
-                                        <p:cTn id="54" dur="1" fill="hold">
-                                          <p:stCondLst>
-                                            <p:cond delay="0"/>
-                                          </p:stCondLst>
-                                        </p:cTn>
-                                        <p:tgtEl>
-                                          <p:spTgt spid="3">
-                                            <p:txEl>
-                                              <p:pRg st="6" end="6"/>
-                                            </p:txEl>
-                                          </p:spTgt>
-                                        </p:tgtEl>
-                                        <p:attrNameLst>
-                                          <p:attrName>style.visibility</p:attrName>
-                                        </p:attrNameLst>
-                                      </p:cBhvr>
-                                      <p:to>
-                                        <p:strVal val="visible"/>
-                                      </p:to>
-                                    </p:set>
-                                    <p:animEffect transition="in" filter="fade">
-                                      <p:cBhvr>
-                                        <p:cTn id="55" dur="1000"/>
-                                        <p:tgtEl>
-                                          <p:spTgt spid="3">
-                                            <p:txEl>
-                                              <p:pRg st="6" end="6"/>
-                                            </p:txEl>
-                                          </p:spTgt>
-                                        </p:tgtEl>
-                                      </p:cBhvr>
-                                    </p:animEffect>
-                                  </p:childTnLst>
-                                </p:cTn>
-                              </p:par>
-                              <p:par>
-                                <p:cTn id="56" presetID="10" presetClass="entr" presetSubtype="0" fill="hold" nodeType="withEffect">
-                                  <p:stCondLst>
-                                    <p:cond delay="0"/>
-                                  </p:stCondLst>
-                                  <p:childTnLst>
-                                    <p:set>
-                                      <p:cBhvr>
-                                        <p:cTn id="57" dur="1" fill="hold">
-                                          <p:stCondLst>
-                                            <p:cond delay="0"/>
-                                          </p:stCondLst>
-                                        </p:cTn>
-                                        <p:tgtEl>
-                                          <p:spTgt spid="53"/>
-                                        </p:tgtEl>
-                                        <p:attrNameLst>
-                                          <p:attrName>style.visibility</p:attrName>
-                                        </p:attrNameLst>
-                                      </p:cBhvr>
-                                      <p:to>
-                                        <p:strVal val="visible"/>
-                                      </p:to>
-                                    </p:set>
-                                    <p:animEffect transition="in" filter="fade">
-                                      <p:cBhvr>
-                                        <p:cTn id="58" dur="1000"/>
-                                        <p:tgtEl>
-                                          <p:spTgt spid="53"/>
-                                        </p:tgtEl>
-                                      </p:cBhvr>
-                                    </p:animEffect>
-                                  </p:childTnLst>
-                                </p:cTn>
-                              </p:par>
-                            </p:childTnLst>
-                          </p:cTn>
-                        </p:par>
-                      </p:childTnLst>
-                    </p:cTn>
-                  </p:par>
-                  <p:par>
-                    <p:cTn id="59" fill="hold">
-                      <p:stCondLst>
-                        <p:cond delay="indefinite"/>
-                      </p:stCondLst>
-                      <p:childTnLst>
-                        <p:par>
-                          <p:cTn id="60" fill="hold">
-                            <p:stCondLst>
-                              <p:cond delay="0"/>
-                            </p:stCondLst>
-                            <p:childTnLst>
-                              <p:par>
-                                <p:cTn id="61" presetID="10" presetClass="entr" presetSubtype="0" fill="hold" nodeType="clickEffect">
-                                  <p:stCondLst>
-                                    <p:cond delay="0"/>
-                                  </p:stCondLst>
-                                  <p:childTnLst>
-                                    <p:set>
-                                      <p:cBhvr>
-                                        <p:cTn id="62" dur="1" fill="hold">
-                                          <p:stCondLst>
-                                            <p:cond delay="0"/>
-                                          </p:stCondLst>
-                                        </p:cTn>
-                                        <p:tgtEl>
-                                          <p:spTgt spid="3">
-                                            <p:txEl>
-                                              <p:pRg st="7" end="7"/>
-                                            </p:txEl>
-                                          </p:spTgt>
-                                        </p:tgtEl>
-                                        <p:attrNameLst>
-                                          <p:attrName>style.visibility</p:attrName>
-                                        </p:attrNameLst>
-                                      </p:cBhvr>
-                                      <p:to>
-                                        <p:strVal val="visible"/>
-                                      </p:to>
-                                    </p:set>
-                                    <p:animEffect transition="in" filter="fade">
-                                      <p:cBhvr>
-                                        <p:cTn id="63" dur="1000"/>
-                                        <p:tgtEl>
-                                          <p:spTgt spid="3">
-                                            <p:txEl>
-                                              <p:pRg st="7" end="7"/>
-                                            </p:txEl>
-                                          </p:spTgt>
-                                        </p:tgtEl>
-                                      </p:cBhvr>
-                                    </p:animEffect>
-                                  </p:childTnLst>
-                                </p:cTn>
-                              </p:par>
-                              <p:par>
-                                <p:cTn id="64" presetID="10" presetClass="entr" presetSubtype="0" fill="hold" nodeType="withEffect">
-                                  <p:stCondLst>
-                                    <p:cond delay="0"/>
-                                  </p:stCondLst>
-                                  <p:childTnLst>
-                                    <p:set>
-                                      <p:cBhvr>
-                                        <p:cTn id="65" dur="1" fill="hold">
-                                          <p:stCondLst>
-                                            <p:cond delay="0"/>
-                                          </p:stCondLst>
-                                        </p:cTn>
-                                        <p:tgtEl>
-                                          <p:spTgt spid="32"/>
-                                        </p:tgtEl>
-                                        <p:attrNameLst>
-                                          <p:attrName>style.visibility</p:attrName>
-                                        </p:attrNameLst>
-                                      </p:cBhvr>
-                                      <p:to>
-                                        <p:strVal val="visible"/>
-                                      </p:to>
-                                    </p:set>
-                                    <p:animEffect transition="in" filter="fade">
-                                      <p:cBhvr>
-                                        <p:cTn id="66" dur="1000"/>
-                                        <p:tgtEl>
-                                          <p:spTgt spid="32"/>
-                                        </p:tgtEl>
-                                      </p:cBhvr>
-                                    </p:animEffect>
-                                  </p:childTnLst>
-                                </p:cTn>
-                              </p:par>
-                            </p:childTnLst>
-                          </p:cTn>
-                        </p:par>
-                      </p:childTnLst>
-                    </p:cTn>
-                  </p:par>
-                </p:childTnLst>
-              </p:cTn>
-              <p:prevCondLst>
-                <p:cond evt="onPrev" delay="0">
-                  <p:tgtEl>
-                    <p:sldTgt/>
-                  </p:tgtEl>
-                </p:cond>
-              </p:prevCondLst>
-              <p:nextCondLst>
-                <p:cond evt="onNext" delay="0">
-                  <p:tgtEl>
-                    <p:sldTgt/>
-                  </p:tgtEl>
-                </p:cond>
-              </p:nextCondLst>
-            </p:seq>
-          </p:childTnLst>
-        </p:cTn>
+        <p:cTn id="1" dur="indefinite" restart="never" nodeType="tmRoot"/>
       </p:par>
     </p:tnLst>
   </p:timing>
@@ -18626,7 +17684,213 @@
   <p:timing>
     <p:tnLst>
       <p:par>
-        <p:cTn id="1" dur="indefinite" restart="never" nodeType="tmRoot"/>
+        <p:cTn id="1" dur="indefinite" restart="never" nodeType="tmRoot">
+          <p:childTnLst>
+            <p:seq concurrent="1" nextAc="seek">
+              <p:cTn id="2" dur="indefinite" nodeType="mainSeq">
+                <p:childTnLst>
+                  <p:par>
+                    <p:cTn id="3" fill="hold">
+                      <p:stCondLst>
+                        <p:cond delay="indefinite"/>
+                      </p:stCondLst>
+                      <p:childTnLst>
+                        <p:par>
+                          <p:cTn id="4" fill="hold">
+                            <p:stCondLst>
+                              <p:cond delay="0"/>
+                            </p:stCondLst>
+                            <p:childTnLst>
+                              <p:par>
+                                <p:cTn id="5" presetID="10" presetClass="entr" presetSubtype="0" fill="hold" nodeType="clickEffect">
+                                  <p:stCondLst>
+                                    <p:cond delay="0"/>
+                                  </p:stCondLst>
+                                  <p:childTnLst>
+                                    <p:set>
+                                      <p:cBhvr>
+                                        <p:cTn id="6" dur="1" fill="hold">
+                                          <p:stCondLst>
+                                            <p:cond delay="0"/>
+                                          </p:stCondLst>
+                                        </p:cTn>
+                                        <p:tgtEl>
+                                          <p:spTgt spid="3">
+                                            <p:txEl>
+                                              <p:pRg st="1" end="1"/>
+                                            </p:txEl>
+                                          </p:spTgt>
+                                        </p:tgtEl>
+                                        <p:attrNameLst>
+                                          <p:attrName>style.visibility</p:attrName>
+                                        </p:attrNameLst>
+                                      </p:cBhvr>
+                                      <p:to>
+                                        <p:strVal val="visible"/>
+                                      </p:to>
+                                    </p:set>
+                                    <p:animEffect transition="in" filter="fade">
+                                      <p:cBhvr>
+                                        <p:cTn id="7" dur="1000"/>
+                                        <p:tgtEl>
+                                          <p:spTgt spid="3">
+                                            <p:txEl>
+                                              <p:pRg st="1" end="1"/>
+                                            </p:txEl>
+                                          </p:spTgt>
+                                        </p:tgtEl>
+                                      </p:cBhvr>
+                                    </p:animEffect>
+                                  </p:childTnLst>
+                                </p:cTn>
+                              </p:par>
+                            </p:childTnLst>
+                          </p:cTn>
+                        </p:par>
+                      </p:childTnLst>
+                    </p:cTn>
+                  </p:par>
+                  <p:par>
+                    <p:cTn id="8" fill="hold">
+                      <p:stCondLst>
+                        <p:cond delay="indefinite"/>
+                      </p:stCondLst>
+                      <p:childTnLst>
+                        <p:par>
+                          <p:cTn id="9" fill="hold">
+                            <p:stCondLst>
+                              <p:cond delay="0"/>
+                            </p:stCondLst>
+                            <p:childTnLst>
+                              <p:par>
+                                <p:cTn id="10" presetID="10" presetClass="entr" presetSubtype="0" fill="hold" nodeType="clickEffect">
+                                  <p:stCondLst>
+                                    <p:cond delay="0"/>
+                                  </p:stCondLst>
+                                  <p:childTnLst>
+                                    <p:set>
+                                      <p:cBhvr>
+                                        <p:cTn id="11" dur="1" fill="hold">
+                                          <p:stCondLst>
+                                            <p:cond delay="0"/>
+                                          </p:stCondLst>
+                                        </p:cTn>
+                                        <p:tgtEl>
+                                          <p:spTgt spid="3">
+                                            <p:txEl>
+                                              <p:pRg st="2" end="2"/>
+                                            </p:txEl>
+                                          </p:spTgt>
+                                        </p:tgtEl>
+                                        <p:attrNameLst>
+                                          <p:attrName>style.visibility</p:attrName>
+                                        </p:attrNameLst>
+                                      </p:cBhvr>
+                                      <p:to>
+                                        <p:strVal val="visible"/>
+                                      </p:to>
+                                    </p:set>
+                                    <p:animEffect transition="in" filter="fade">
+                                      <p:cBhvr>
+                                        <p:cTn id="12" dur="1000"/>
+                                        <p:tgtEl>
+                                          <p:spTgt spid="3">
+                                            <p:txEl>
+                                              <p:pRg st="2" end="2"/>
+                                            </p:txEl>
+                                          </p:spTgt>
+                                        </p:tgtEl>
+                                      </p:cBhvr>
+                                    </p:animEffect>
+                                  </p:childTnLst>
+                                </p:cTn>
+                              </p:par>
+                            </p:childTnLst>
+                          </p:cTn>
+                        </p:par>
+                      </p:childTnLst>
+                    </p:cTn>
+                  </p:par>
+                  <p:par>
+                    <p:cTn id="13" fill="hold">
+                      <p:stCondLst>
+                        <p:cond delay="indefinite"/>
+                      </p:stCondLst>
+                      <p:childTnLst>
+                        <p:par>
+                          <p:cTn id="14" fill="hold">
+                            <p:stCondLst>
+                              <p:cond delay="0"/>
+                            </p:stCondLst>
+                            <p:childTnLst>
+                              <p:par>
+                                <p:cTn id="15" presetID="10" presetClass="entr" presetSubtype="0" fill="hold" nodeType="clickEffect">
+                                  <p:stCondLst>
+                                    <p:cond delay="0"/>
+                                  </p:stCondLst>
+                                  <p:childTnLst>
+                                    <p:set>
+                                      <p:cBhvr>
+                                        <p:cTn id="16" dur="1" fill="hold">
+                                          <p:stCondLst>
+                                            <p:cond delay="0"/>
+                                          </p:stCondLst>
+                                        </p:cTn>
+                                        <p:tgtEl>
+                                          <p:spTgt spid="3">
+                                            <p:txEl>
+                                              <p:pRg st="3" end="3"/>
+                                            </p:txEl>
+                                          </p:spTgt>
+                                        </p:tgtEl>
+                                        <p:attrNameLst>
+                                          <p:attrName>style.visibility</p:attrName>
+                                        </p:attrNameLst>
+                                      </p:cBhvr>
+                                      <p:to>
+                                        <p:strVal val="visible"/>
+                                      </p:to>
+                                    </p:set>
+                                    <p:animEffect transition="in" filter="fade">
+                                      <p:cBhvr>
+                                        <p:cTn id="17" dur="1000"/>
+                                        <p:tgtEl>
+                                          <p:spTgt spid="3">
+                                            <p:txEl>
+                                              <p:pRg st="3" end="3"/>
+                                            </p:txEl>
+                                          </p:spTgt>
+                                        </p:tgtEl>
+                                      </p:cBhvr>
+                                    </p:animEffect>
+                                  </p:childTnLst>
+                                </p:cTn>
+                              </p:par>
+                            </p:childTnLst>
+                          </p:cTn>
+                        </p:par>
+                      </p:childTnLst>
+                    </p:cTn>
+                  </p:par>
+                </p:childTnLst>
+              </p:cTn>
+              <p:prevCondLst>
+                <p:cond evt="onPrev" delay="0">
+                  <p:tgtEl>
+                    <p:sldTgt/>
+                  </p:tgtEl>
+                </p:cond>
+              </p:prevCondLst>
+              <p:nextCondLst>
+                <p:cond evt="onNext" delay="0">
+                  <p:tgtEl>
+                    <p:sldTgt/>
+                  </p:tgtEl>
+                </p:cond>
+              </p:nextCondLst>
+            </p:seq>
+          </p:childTnLst>
+        </p:cTn>
       </p:par>
     </p:tnLst>
   </p:timing>
@@ -20197,6 +19461,127 @@
   <p:timing>
     <p:tnLst>
       <p:par>
+        <p:cTn id="1" dur="indefinite" restart="never" nodeType="tmRoot"/>
+      </p:par>
+    </p:tnLst>
+  </p:timing>
+</p:sld>
+</file>
+
+<file path=ppt/slides/slide27.xml><?xml version="1.0" encoding="utf-8"?>
+<p:sld xmlns:a="http://schemas.openxmlformats.org/drawingml/2006/main" xmlns:r="http://schemas.openxmlformats.org/officeDocument/2006/relationships" xmlns:p="http://schemas.openxmlformats.org/presentationml/2006/main">
+  <p:cSld>
+    <p:spTree>
+      <p:nvGrpSpPr>
+        <p:cNvPr id="1" name=""/>
+        <p:cNvGrpSpPr/>
+        <p:nvPr/>
+      </p:nvGrpSpPr>
+      <p:grpSpPr>
+        <a:xfrm>
+          <a:off x="0" y="0"/>
+          <a:ext cx="0" cy="0"/>
+          <a:chOff x="0" y="0"/>
+          <a:chExt cx="0" cy="0"/>
+        </a:xfrm>
+      </p:grpSpPr>
+      <p:sp>
+        <p:nvSpPr>
+          <p:cNvPr id="2" name="Title 1"/>
+          <p:cNvSpPr>
+            <a:spLocks noGrp="1"/>
+          </p:cNvSpPr>
+          <p:nvPr>
+            <p:ph type="title"/>
+          </p:nvPr>
+        </p:nvSpPr>
+        <p:spPr/>
+        <p:txBody>
+          <a:bodyPr/>
+          <a:lstStyle/>
+          <a:p>
+            <a:r>
+              <a:rPr lang="en-CA" dirty="0" smtClean="0"/>
+              <a:t>Synthesizing Emotional Behavior</a:t>
+            </a:r>
+            <a:endParaRPr lang="en-CA" dirty="0"/>
+          </a:p>
+        </p:txBody>
+      </p:sp>
+      <p:sp>
+        <p:nvSpPr>
+          <p:cNvPr id="3" name="Content Placeholder 2"/>
+          <p:cNvSpPr>
+            <a:spLocks noGrp="1"/>
+          </p:cNvSpPr>
+          <p:nvPr>
+            <p:ph idx="1"/>
+          </p:nvPr>
+        </p:nvSpPr>
+        <p:spPr>
+          <a:xfrm>
+            <a:off x="838200" y="1825625"/>
+            <a:ext cx="4485238" cy="4351338"/>
+          </a:xfrm>
+        </p:spPr>
+        <p:txBody>
+          <a:bodyPr/>
+          <a:lstStyle/>
+          <a:p>
+            <a:pPr marL="0" indent="0">
+              <a:buNone/>
+            </a:pPr>
+            <a:r>
+              <a:rPr lang="en-CA" dirty="0" smtClean="0"/>
+              <a:t>What remains of emotion minus physiological changes</a:t>
+            </a:r>
+            <a:r>
+              <a:rPr lang="en-CA" dirty="0" smtClean="0"/>
+              <a:t>?</a:t>
+            </a:r>
+          </a:p>
+          <a:p>
+            <a:pPr marL="0" indent="0">
+              <a:buNone/>
+            </a:pPr>
+            <a:endParaRPr lang="en-CA" dirty="0" smtClean="0"/>
+          </a:p>
+          <a:p>
+            <a:pPr marL="0" indent="0">
+              <a:buNone/>
+            </a:pPr>
+            <a:r>
+              <a:rPr lang="en-CA" dirty="0" err="1" smtClean="0"/>
+              <a:t>Dörner</a:t>
+            </a:r>
+            <a:r>
+              <a:rPr lang="en-CA" dirty="0" smtClean="0"/>
+              <a:t> (1999) proposed a theory of emotions as behavioral </a:t>
+            </a:r>
+            <a:r>
+              <a:rPr lang="en-CA" dirty="0" smtClean="0"/>
+              <a:t>modulators.</a:t>
+            </a:r>
+            <a:endParaRPr lang="en-CA" dirty="0" smtClean="0"/>
+          </a:p>
+          <a:p>
+            <a:endParaRPr lang="en-CA" dirty="0"/>
+          </a:p>
+        </p:txBody>
+      </p:sp>
+    </p:spTree>
+    <p:extLst>
+      <p:ext uri="{BB962C8B-B14F-4D97-AF65-F5344CB8AC3E}">
+        <p14:creationId xmlns:p14="http://schemas.microsoft.com/office/powerpoint/2010/main" val="1933180729"/>
+      </p:ext>
+    </p:extLst>
+  </p:cSld>
+  <p:clrMapOvr>
+    <a:masterClrMapping/>
+  </p:clrMapOvr>
+  <p:timing>
+    <p:tnLst>
+      <p:par>
         <p:cTn id="1" dur="indefinite" restart="never" nodeType="tmRoot">
           <p:childTnLst>
             <p:seq concurrent="1" nextAc="seek">
@@ -20257,41 +19642,6 @@
                                   </p:childTnLst>
                                 </p:cTn>
                               </p:par>
-                              <p:par>
-                                <p:cTn id="8" presetID="10" presetClass="entr" presetSubtype="0" fill="hold" nodeType="withEffect">
-                                  <p:stCondLst>
-                                    <p:cond delay="0"/>
-                                  </p:stCondLst>
-                                  <p:childTnLst>
-                                    <p:set>
-                                      <p:cBhvr>
-                                        <p:cTn id="9" dur="1" fill="hold">
-                                          <p:stCondLst>
-                                            <p:cond delay="0"/>
-                                          </p:stCondLst>
-                                        </p:cTn>
-                                        <p:tgtEl>
-                                          <p:spTgt spid="11"/>
-                                        </p:tgtEl>
-                                        <p:attrNameLst>
-                                          <p:attrName>style.visibility</p:attrName>
-                                        </p:attrNameLst>
-                                      </p:cBhvr>
-                                      <p:to>
-                                        <p:strVal val="visible"/>
-                                      </p:to>
-                                    </p:set>
-                                    <p:animEffect transition="in" filter="fade">
-                                      <p:cBhvr>
-                                        <p:cTn id="10" dur="1000"/>
-                                        <p:tgtEl>
-                                          <p:spTgt spid="11"/>
-                                        </p:tgtEl>
-                                      </p:cBhvr>
-                                    </p:animEffect>
-                                  </p:childTnLst>
-                                </p:cTn>
-                              </p:par>
                             </p:childTnLst>
                           </p:cTn>
                         </p:par>
@@ -20299,122 +19649,26 @@
                     </p:cTn>
                   </p:par>
                   <p:par>
-                    <p:cTn id="11" fill="hold">
+                    <p:cTn id="8" fill="hold">
                       <p:stCondLst>
                         <p:cond delay="indefinite"/>
                       </p:stCondLst>
                       <p:childTnLst>
                         <p:par>
-                          <p:cTn id="12" fill="hold">
+                          <p:cTn id="9" fill="hold">
                             <p:stCondLst>
                               <p:cond delay="0"/>
                             </p:stCondLst>
                             <p:childTnLst>
                               <p:par>
-                                <p:cTn id="13" presetID="10" presetClass="entr" presetSubtype="0" fill="hold" nodeType="clickEffect">
+                                <p:cTn id="10" presetID="10" presetClass="entr" presetSubtype="0" fill="hold" nodeType="clickEffect">
                                   <p:stCondLst>
                                     <p:cond delay="0"/>
                                   </p:stCondLst>
                                   <p:childTnLst>
                                     <p:set>
                                       <p:cBhvr>
-                                        <p:cTn id="14" dur="1" fill="hold">
-                                          <p:stCondLst>
-                                            <p:cond delay="0"/>
-                                          </p:stCondLst>
-                                        </p:cTn>
-                                        <p:tgtEl>
-                                          <p:spTgt spid="3">
-                                            <p:txEl>
-                                              <p:pRg st="1" end="1"/>
-                                            </p:txEl>
-                                          </p:spTgt>
-                                        </p:tgtEl>
-                                        <p:attrNameLst>
-                                          <p:attrName>style.visibility</p:attrName>
-                                        </p:attrNameLst>
-                                      </p:cBhvr>
-                                      <p:to>
-                                        <p:strVal val="visible"/>
-                                      </p:to>
-                                    </p:set>
-                                    <p:animEffect transition="in" filter="fade">
-                                      <p:cBhvr>
-                                        <p:cTn id="15" dur="1000"/>
-                                        <p:tgtEl>
-                                          <p:spTgt spid="3">
-                                            <p:txEl>
-                                              <p:pRg st="1" end="1"/>
-                                            </p:txEl>
-                                          </p:spTgt>
-                                        </p:tgtEl>
-                                      </p:cBhvr>
-                                    </p:animEffect>
-                                  </p:childTnLst>
-                                </p:cTn>
-                              </p:par>
-                              <p:par>
-                                <p:cTn id="16" presetID="10" presetClass="entr" presetSubtype="0" fill="hold" nodeType="withEffect">
-                                  <p:stCondLst>
-                                    <p:cond delay="0"/>
-                                  </p:stCondLst>
-                                  <p:childTnLst>
-                                    <p:set>
-                                      <p:cBhvr>
-                                        <p:cTn id="17" dur="1" fill="hold">
-                                          <p:stCondLst>
-                                            <p:cond delay="0"/>
-                                          </p:stCondLst>
-                                        </p:cTn>
-                                        <p:tgtEl>
-                                          <p:spTgt spid="48"/>
-                                        </p:tgtEl>
-                                        <p:attrNameLst>
-                                          <p:attrName>style.visibility</p:attrName>
-                                        </p:attrNameLst>
-                                      </p:cBhvr>
-                                      <p:to>
-                                        <p:strVal val="visible"/>
-                                      </p:to>
-                                    </p:set>
-                                    <p:animEffect transition="in" filter="fade">
-                                      <p:cBhvr>
-                                        <p:cTn id="18" dur="1000"/>
-                                        <p:tgtEl>
-                                          <p:spTgt spid="48"/>
-                                        </p:tgtEl>
-                                      </p:cBhvr>
-                                    </p:animEffect>
-                                  </p:childTnLst>
-                                </p:cTn>
-                              </p:par>
-                            </p:childTnLst>
-                          </p:cTn>
-                        </p:par>
-                      </p:childTnLst>
-                    </p:cTn>
-                  </p:par>
-                  <p:par>
-                    <p:cTn id="19" fill="hold">
-                      <p:stCondLst>
-                        <p:cond delay="indefinite"/>
-                      </p:stCondLst>
-                      <p:childTnLst>
-                        <p:par>
-                          <p:cTn id="20" fill="hold">
-                            <p:stCondLst>
-                              <p:cond delay="0"/>
-                            </p:stCondLst>
-                            <p:childTnLst>
-                              <p:par>
-                                <p:cTn id="21" presetID="10" presetClass="entr" presetSubtype="0" fill="hold" nodeType="clickEffect">
-                                  <p:stCondLst>
-                                    <p:cond delay="0"/>
-                                  </p:stCondLst>
-                                  <p:childTnLst>
-                                    <p:set>
-                                      <p:cBhvr>
-                                        <p:cTn id="22" dur="1" fill="hold">
+                                        <p:cTn id="11" dur="1" fill="hold">
                                           <p:stCondLst>
                                             <p:cond delay="0"/>
                                           </p:stCondLst>
@@ -20436,528 +19690,13 @@
                                     </p:set>
                                     <p:animEffect transition="in" filter="fade">
                                       <p:cBhvr>
-                                        <p:cTn id="23" dur="1000"/>
+                                        <p:cTn id="12" dur="1000"/>
                                         <p:tgtEl>
                                           <p:spTgt spid="3">
                                             <p:txEl>
                                               <p:pRg st="2" end="2"/>
                                             </p:txEl>
                                           </p:spTgt>
-                                        </p:tgtEl>
-                                      </p:cBhvr>
-                                    </p:animEffect>
-                                  </p:childTnLst>
-                                </p:cTn>
-                              </p:par>
-                              <p:par>
-                                <p:cTn id="24" presetID="10" presetClass="entr" presetSubtype="0" fill="hold" nodeType="withEffect">
-                                  <p:stCondLst>
-                                    <p:cond delay="0"/>
-                                  </p:stCondLst>
-                                  <p:childTnLst>
-                                    <p:set>
-                                      <p:cBhvr>
-                                        <p:cTn id="25" dur="1" fill="hold">
-                                          <p:stCondLst>
-                                            <p:cond delay="0"/>
-                                          </p:stCondLst>
-                                        </p:cTn>
-                                        <p:tgtEl>
-                                          <p:spTgt spid="44"/>
-                                        </p:tgtEl>
-                                        <p:attrNameLst>
-                                          <p:attrName>style.visibility</p:attrName>
-                                        </p:attrNameLst>
-                                      </p:cBhvr>
-                                      <p:to>
-                                        <p:strVal val="visible"/>
-                                      </p:to>
-                                    </p:set>
-                                    <p:animEffect transition="in" filter="fade">
-                                      <p:cBhvr>
-                                        <p:cTn id="26" dur="1000"/>
-                                        <p:tgtEl>
-                                          <p:spTgt spid="44"/>
-                                        </p:tgtEl>
-                                      </p:cBhvr>
-                                    </p:animEffect>
-                                  </p:childTnLst>
-                                </p:cTn>
-                              </p:par>
-                            </p:childTnLst>
-                          </p:cTn>
-                        </p:par>
-                      </p:childTnLst>
-                    </p:cTn>
-                  </p:par>
-                  <p:par>
-                    <p:cTn id="27" fill="hold">
-                      <p:stCondLst>
-                        <p:cond delay="indefinite"/>
-                      </p:stCondLst>
-                      <p:childTnLst>
-                        <p:par>
-                          <p:cTn id="28" fill="hold">
-                            <p:stCondLst>
-                              <p:cond delay="0"/>
-                            </p:stCondLst>
-                            <p:childTnLst>
-                              <p:par>
-                                <p:cTn id="29" presetID="10" presetClass="entr" presetSubtype="0" fill="hold" nodeType="clickEffect">
-                                  <p:stCondLst>
-                                    <p:cond delay="0"/>
-                                  </p:stCondLst>
-                                  <p:childTnLst>
-                                    <p:set>
-                                      <p:cBhvr>
-                                        <p:cTn id="30" dur="1" fill="hold">
-                                          <p:stCondLst>
-                                            <p:cond delay="0"/>
-                                          </p:stCondLst>
-                                        </p:cTn>
-                                        <p:tgtEl>
-                                          <p:spTgt spid="3">
-                                            <p:txEl>
-                                              <p:pRg st="3" end="3"/>
-                                            </p:txEl>
-                                          </p:spTgt>
-                                        </p:tgtEl>
-                                        <p:attrNameLst>
-                                          <p:attrName>style.visibility</p:attrName>
-                                        </p:attrNameLst>
-                                      </p:cBhvr>
-                                      <p:to>
-                                        <p:strVal val="visible"/>
-                                      </p:to>
-                                    </p:set>
-                                    <p:animEffect transition="in" filter="fade">
-                                      <p:cBhvr>
-                                        <p:cTn id="31" dur="1000"/>
-                                        <p:tgtEl>
-                                          <p:spTgt spid="3">
-                                            <p:txEl>
-                                              <p:pRg st="3" end="3"/>
-                                            </p:txEl>
-                                          </p:spTgt>
-                                        </p:tgtEl>
-                                      </p:cBhvr>
-                                    </p:animEffect>
-                                  </p:childTnLst>
-                                </p:cTn>
-                              </p:par>
-                              <p:par>
-                                <p:cTn id="32" presetID="10" presetClass="entr" presetSubtype="0" fill="hold" nodeType="withEffect">
-                                  <p:stCondLst>
-                                    <p:cond delay="0"/>
-                                  </p:stCondLst>
-                                  <p:childTnLst>
-                                    <p:set>
-                                      <p:cBhvr>
-                                        <p:cTn id="33" dur="1" fill="hold">
-                                          <p:stCondLst>
-                                            <p:cond delay="0"/>
-                                          </p:stCondLst>
-                                        </p:cTn>
-                                        <p:tgtEl>
-                                          <p:spTgt spid="12"/>
-                                        </p:tgtEl>
-                                        <p:attrNameLst>
-                                          <p:attrName>style.visibility</p:attrName>
-                                        </p:attrNameLst>
-                                      </p:cBhvr>
-                                      <p:to>
-                                        <p:strVal val="visible"/>
-                                      </p:to>
-                                    </p:set>
-                                    <p:animEffect transition="in" filter="fade">
-                                      <p:cBhvr>
-                                        <p:cTn id="34" dur="1000"/>
-                                        <p:tgtEl>
-                                          <p:spTgt spid="12"/>
-                                        </p:tgtEl>
-                                      </p:cBhvr>
-                                    </p:animEffect>
-                                  </p:childTnLst>
-                                </p:cTn>
-                              </p:par>
-                            </p:childTnLst>
-                          </p:cTn>
-                        </p:par>
-                      </p:childTnLst>
-                    </p:cTn>
-                  </p:par>
-                  <p:par>
-                    <p:cTn id="35" fill="hold">
-                      <p:stCondLst>
-                        <p:cond delay="indefinite"/>
-                      </p:stCondLst>
-                      <p:childTnLst>
-                        <p:par>
-                          <p:cTn id="36" fill="hold">
-                            <p:stCondLst>
-                              <p:cond delay="0"/>
-                            </p:stCondLst>
-                            <p:childTnLst>
-                              <p:par>
-                                <p:cTn id="37" presetID="10" presetClass="entr" presetSubtype="0" fill="hold" nodeType="clickEffect">
-                                  <p:stCondLst>
-                                    <p:cond delay="0"/>
-                                  </p:stCondLst>
-                                  <p:childTnLst>
-                                    <p:set>
-                                      <p:cBhvr>
-                                        <p:cTn id="38" dur="1" fill="hold">
-                                          <p:stCondLst>
-                                            <p:cond delay="0"/>
-                                          </p:stCondLst>
-                                        </p:cTn>
-                                        <p:tgtEl>
-                                          <p:spTgt spid="3">
-                                            <p:txEl>
-                                              <p:pRg st="4" end="4"/>
-                                            </p:txEl>
-                                          </p:spTgt>
-                                        </p:tgtEl>
-                                        <p:attrNameLst>
-                                          <p:attrName>style.visibility</p:attrName>
-                                        </p:attrNameLst>
-                                      </p:cBhvr>
-                                      <p:to>
-                                        <p:strVal val="visible"/>
-                                      </p:to>
-                                    </p:set>
-                                    <p:animEffect transition="in" filter="fade">
-                                      <p:cBhvr>
-                                        <p:cTn id="39" dur="1000"/>
-                                        <p:tgtEl>
-                                          <p:spTgt spid="3">
-                                            <p:txEl>
-                                              <p:pRg st="4" end="4"/>
-                                            </p:txEl>
-                                          </p:spTgt>
-                                        </p:tgtEl>
-                                      </p:cBhvr>
-                                    </p:animEffect>
-                                  </p:childTnLst>
-                                </p:cTn>
-                              </p:par>
-                              <p:par>
-                                <p:cTn id="40" presetID="10" presetClass="entr" presetSubtype="0" fill="hold" nodeType="withEffect">
-                                  <p:stCondLst>
-                                    <p:cond delay="0"/>
-                                  </p:stCondLst>
-                                  <p:childTnLst>
-                                    <p:set>
-                                      <p:cBhvr>
-                                        <p:cTn id="41" dur="1" fill="hold">
-                                          <p:stCondLst>
-                                            <p:cond delay="0"/>
-                                          </p:stCondLst>
-                                        </p:cTn>
-                                        <p:tgtEl>
-                                          <p:spTgt spid="16"/>
-                                        </p:tgtEl>
-                                        <p:attrNameLst>
-                                          <p:attrName>style.visibility</p:attrName>
-                                        </p:attrNameLst>
-                                      </p:cBhvr>
-                                      <p:to>
-                                        <p:strVal val="visible"/>
-                                      </p:to>
-                                    </p:set>
-                                    <p:animEffect transition="in" filter="fade">
-                                      <p:cBhvr>
-                                        <p:cTn id="42" dur="1000"/>
-                                        <p:tgtEl>
-                                          <p:spTgt spid="16"/>
-                                        </p:tgtEl>
-                                      </p:cBhvr>
-                                    </p:animEffect>
-                                  </p:childTnLst>
-                                </p:cTn>
-                              </p:par>
-                            </p:childTnLst>
-                          </p:cTn>
-                        </p:par>
-                      </p:childTnLst>
-                    </p:cTn>
-                  </p:par>
-                  <p:par>
-                    <p:cTn id="43" fill="hold">
-                      <p:stCondLst>
-                        <p:cond delay="indefinite"/>
-                      </p:stCondLst>
-                      <p:childTnLst>
-                        <p:par>
-                          <p:cTn id="44" fill="hold">
-                            <p:stCondLst>
-                              <p:cond delay="0"/>
-                            </p:stCondLst>
-                            <p:childTnLst>
-                              <p:par>
-                                <p:cTn id="45" presetID="10" presetClass="entr" presetSubtype="0" fill="hold" nodeType="clickEffect">
-                                  <p:stCondLst>
-                                    <p:cond delay="0"/>
-                                  </p:stCondLst>
-                                  <p:childTnLst>
-                                    <p:set>
-                                      <p:cBhvr>
-                                        <p:cTn id="46" dur="1" fill="hold">
-                                          <p:stCondLst>
-                                            <p:cond delay="0"/>
-                                          </p:stCondLst>
-                                        </p:cTn>
-                                        <p:tgtEl>
-                                          <p:spTgt spid="3">
-                                            <p:txEl>
-                                              <p:pRg st="5" end="5"/>
-                                            </p:txEl>
-                                          </p:spTgt>
-                                        </p:tgtEl>
-                                        <p:attrNameLst>
-                                          <p:attrName>style.visibility</p:attrName>
-                                        </p:attrNameLst>
-                                      </p:cBhvr>
-                                      <p:to>
-                                        <p:strVal val="visible"/>
-                                      </p:to>
-                                    </p:set>
-                                    <p:animEffect transition="in" filter="fade">
-                                      <p:cBhvr>
-                                        <p:cTn id="47" dur="1000"/>
-                                        <p:tgtEl>
-                                          <p:spTgt spid="3">
-                                            <p:txEl>
-                                              <p:pRg st="5" end="5"/>
-                                            </p:txEl>
-                                          </p:spTgt>
-                                        </p:tgtEl>
-                                      </p:cBhvr>
-                                    </p:animEffect>
-                                  </p:childTnLst>
-                                </p:cTn>
-                              </p:par>
-                              <p:par>
-                                <p:cTn id="48" presetID="10" presetClass="entr" presetSubtype="0" fill="hold" nodeType="withEffect">
-                                  <p:stCondLst>
-                                    <p:cond delay="0"/>
-                                  </p:stCondLst>
-                                  <p:childTnLst>
-                                    <p:set>
-                                      <p:cBhvr>
-                                        <p:cTn id="49" dur="1" fill="hold">
-                                          <p:stCondLst>
-                                            <p:cond delay="0"/>
-                                          </p:stCondLst>
-                                        </p:cTn>
-                                        <p:tgtEl>
-                                          <p:spTgt spid="28"/>
-                                        </p:tgtEl>
-                                        <p:attrNameLst>
-                                          <p:attrName>style.visibility</p:attrName>
-                                        </p:attrNameLst>
-                                      </p:cBhvr>
-                                      <p:to>
-                                        <p:strVal val="visible"/>
-                                      </p:to>
-                                    </p:set>
-                                    <p:animEffect transition="in" filter="fade">
-                                      <p:cBhvr>
-                                        <p:cTn id="50" dur="1000"/>
-                                        <p:tgtEl>
-                                          <p:spTgt spid="28"/>
-                                        </p:tgtEl>
-                                      </p:cBhvr>
-                                    </p:animEffect>
-                                  </p:childTnLst>
-                                </p:cTn>
-                              </p:par>
-                            </p:childTnLst>
-                          </p:cTn>
-                        </p:par>
-                      </p:childTnLst>
-                    </p:cTn>
-                  </p:par>
-                  <p:par>
-                    <p:cTn id="51" fill="hold">
-                      <p:stCondLst>
-                        <p:cond delay="indefinite"/>
-                      </p:stCondLst>
-                      <p:childTnLst>
-                        <p:par>
-                          <p:cTn id="52" fill="hold">
-                            <p:stCondLst>
-                              <p:cond delay="0"/>
-                            </p:stCondLst>
-                            <p:childTnLst>
-                              <p:par>
-                                <p:cTn id="53" presetID="10" presetClass="entr" presetSubtype="0" fill="hold" nodeType="clickEffect">
-                                  <p:stCondLst>
-                                    <p:cond delay="0"/>
-                                  </p:stCondLst>
-                                  <p:childTnLst>
-                                    <p:set>
-                                      <p:cBhvr>
-                                        <p:cTn id="54" dur="1" fill="hold">
-                                          <p:stCondLst>
-                                            <p:cond delay="0"/>
-                                          </p:stCondLst>
-                                        </p:cTn>
-                                        <p:tgtEl>
-                                          <p:spTgt spid="3">
-                                            <p:txEl>
-                                              <p:pRg st="6" end="6"/>
-                                            </p:txEl>
-                                          </p:spTgt>
-                                        </p:tgtEl>
-                                        <p:attrNameLst>
-                                          <p:attrName>style.visibility</p:attrName>
-                                        </p:attrNameLst>
-                                      </p:cBhvr>
-                                      <p:to>
-                                        <p:strVal val="visible"/>
-                                      </p:to>
-                                    </p:set>
-                                    <p:animEffect transition="in" filter="fade">
-                                      <p:cBhvr>
-                                        <p:cTn id="55" dur="1000"/>
-                                        <p:tgtEl>
-                                          <p:spTgt spid="3">
-                                            <p:txEl>
-                                              <p:pRg st="6" end="6"/>
-                                            </p:txEl>
-                                          </p:spTgt>
-                                        </p:tgtEl>
-                                      </p:cBhvr>
-                                    </p:animEffect>
-                                  </p:childTnLst>
-                                </p:cTn>
-                              </p:par>
-                              <p:par>
-                                <p:cTn id="56" presetID="10" presetClass="entr" presetSubtype="0" fill="hold" nodeType="withEffect">
-                                  <p:stCondLst>
-                                    <p:cond delay="0"/>
-                                  </p:stCondLst>
-                                  <p:childTnLst>
-                                    <p:set>
-                                      <p:cBhvr>
-                                        <p:cTn id="57" dur="1" fill="hold">
-                                          <p:stCondLst>
-                                            <p:cond delay="0"/>
-                                          </p:stCondLst>
-                                        </p:cTn>
-                                        <p:tgtEl>
-                                          <p:spTgt spid="53"/>
-                                        </p:tgtEl>
-                                        <p:attrNameLst>
-                                          <p:attrName>style.visibility</p:attrName>
-                                        </p:attrNameLst>
-                                      </p:cBhvr>
-                                      <p:to>
-                                        <p:strVal val="visible"/>
-                                      </p:to>
-                                    </p:set>
-                                    <p:animEffect transition="in" filter="fade">
-                                      <p:cBhvr>
-                                        <p:cTn id="58" dur="1000"/>
-                                        <p:tgtEl>
-                                          <p:spTgt spid="53"/>
-                                        </p:tgtEl>
-                                      </p:cBhvr>
-                                    </p:animEffect>
-                                  </p:childTnLst>
-                                </p:cTn>
-                              </p:par>
-                            </p:childTnLst>
-                          </p:cTn>
-                        </p:par>
-                      </p:childTnLst>
-                    </p:cTn>
-                  </p:par>
-                  <p:par>
-                    <p:cTn id="59" fill="hold">
-                      <p:stCondLst>
-                        <p:cond delay="indefinite"/>
-                      </p:stCondLst>
-                      <p:childTnLst>
-                        <p:par>
-                          <p:cTn id="60" fill="hold">
-                            <p:stCondLst>
-                              <p:cond delay="0"/>
-                            </p:stCondLst>
-                            <p:childTnLst>
-                              <p:par>
-                                <p:cTn id="61" presetID="10" presetClass="entr" presetSubtype="0" fill="hold" nodeType="clickEffect">
-                                  <p:stCondLst>
-                                    <p:cond delay="0"/>
-                                  </p:stCondLst>
-                                  <p:childTnLst>
-                                    <p:set>
-                                      <p:cBhvr>
-                                        <p:cTn id="62" dur="1" fill="hold">
-                                          <p:stCondLst>
-                                            <p:cond delay="0"/>
-                                          </p:stCondLst>
-                                        </p:cTn>
-                                        <p:tgtEl>
-                                          <p:spTgt spid="3">
-                                            <p:txEl>
-                                              <p:pRg st="7" end="7"/>
-                                            </p:txEl>
-                                          </p:spTgt>
-                                        </p:tgtEl>
-                                        <p:attrNameLst>
-                                          <p:attrName>style.visibility</p:attrName>
-                                        </p:attrNameLst>
-                                      </p:cBhvr>
-                                      <p:to>
-                                        <p:strVal val="visible"/>
-                                      </p:to>
-                                    </p:set>
-                                    <p:animEffect transition="in" filter="fade">
-                                      <p:cBhvr>
-                                        <p:cTn id="63" dur="1000"/>
-                                        <p:tgtEl>
-                                          <p:spTgt spid="3">
-                                            <p:txEl>
-                                              <p:pRg st="7" end="7"/>
-                                            </p:txEl>
-                                          </p:spTgt>
-                                        </p:tgtEl>
-                                      </p:cBhvr>
-                                    </p:animEffect>
-                                  </p:childTnLst>
-                                </p:cTn>
-                              </p:par>
-                              <p:par>
-                                <p:cTn id="64" presetID="10" presetClass="entr" presetSubtype="0" fill="hold" nodeType="withEffect">
-                                  <p:stCondLst>
-                                    <p:cond delay="0"/>
-                                  </p:stCondLst>
-                                  <p:childTnLst>
-                                    <p:set>
-                                      <p:cBhvr>
-                                        <p:cTn id="65" dur="1" fill="hold">
-                                          <p:stCondLst>
-                                            <p:cond delay="0"/>
-                                          </p:stCondLst>
-                                        </p:cTn>
-                                        <p:tgtEl>
-                                          <p:spTgt spid="32"/>
-                                        </p:tgtEl>
-                                        <p:attrNameLst>
-                                          <p:attrName>style.visibility</p:attrName>
-                                        </p:attrNameLst>
-                                      </p:cBhvr>
-                                      <p:to>
-                                        <p:strVal val="visible"/>
-                                      </p:to>
-                                    </p:set>
-                                    <p:animEffect transition="in" filter="fade">
-                                      <p:cBhvr>
-                                        <p:cTn id="66" dur="1000"/>
-                                        <p:tgtEl>
-                                          <p:spTgt spid="32"/>
                                         </p:tgtEl>
                                       </p:cBhvr>
                                     </p:animEffect>
@@ -20995,116 +19734,6 @@
 </p:sld>
 </file>
 
-<file path=ppt/slides/slide27.xml><?xml version="1.0" encoding="utf-8"?>
-<p:sld xmlns:a="http://schemas.openxmlformats.org/drawingml/2006/main" xmlns:r="http://schemas.openxmlformats.org/officeDocument/2006/relationships" xmlns:p="http://schemas.openxmlformats.org/presentationml/2006/main">
-  <p:cSld>
-    <p:spTree>
-      <p:nvGrpSpPr>
-        <p:cNvPr id="1" name=""/>
-        <p:cNvGrpSpPr/>
-        <p:nvPr/>
-      </p:nvGrpSpPr>
-      <p:grpSpPr>
-        <a:xfrm>
-          <a:off x="0" y="0"/>
-          <a:ext cx="0" cy="0"/>
-          <a:chOff x="0" y="0"/>
-          <a:chExt cx="0" cy="0"/>
-        </a:xfrm>
-      </p:grpSpPr>
-      <p:sp>
-        <p:nvSpPr>
-          <p:cNvPr id="2" name="Title 1"/>
-          <p:cNvSpPr>
-            <a:spLocks noGrp="1"/>
-          </p:cNvSpPr>
-          <p:nvPr>
-            <p:ph type="title"/>
-          </p:nvPr>
-        </p:nvSpPr>
-        <p:spPr/>
-        <p:txBody>
-          <a:bodyPr/>
-          <a:lstStyle/>
-          <a:p>
-            <a:r>
-              <a:rPr lang="en-CA" dirty="0" smtClean="0"/>
-              <a:t>Synthesizing Emotional Behavior</a:t>
-            </a:r>
-            <a:endParaRPr lang="en-CA" dirty="0"/>
-          </a:p>
-        </p:txBody>
-      </p:sp>
-      <p:sp>
-        <p:nvSpPr>
-          <p:cNvPr id="3" name="Content Placeholder 2"/>
-          <p:cNvSpPr>
-            <a:spLocks noGrp="1"/>
-          </p:cNvSpPr>
-          <p:nvPr>
-            <p:ph idx="1"/>
-          </p:nvPr>
-        </p:nvSpPr>
-        <p:spPr>
-          <a:xfrm>
-            <a:off x="838200" y="1825625"/>
-            <a:ext cx="4485238" cy="4351338"/>
-          </a:xfrm>
-        </p:spPr>
-        <p:txBody>
-          <a:bodyPr/>
-          <a:lstStyle/>
-          <a:p>
-            <a:pPr marL="0" indent="0">
-              <a:buNone/>
-            </a:pPr>
-            <a:r>
-              <a:rPr lang="en-CA" dirty="0" smtClean="0"/>
-              <a:t>What remains of emotion minus physiological changes?</a:t>
-            </a:r>
-          </a:p>
-          <a:p>
-            <a:pPr marL="0" indent="0">
-              <a:buNone/>
-            </a:pPr>
-            <a:r>
-              <a:rPr lang="en-CA" dirty="0" err="1" smtClean="0"/>
-              <a:t>Dörner</a:t>
-            </a:r>
-            <a:r>
-              <a:rPr lang="en-CA" dirty="0" smtClean="0"/>
-              <a:t> </a:t>
-            </a:r>
-            <a:r>
-              <a:rPr lang="en-CA" dirty="0" smtClean="0"/>
-              <a:t>(1999) proposed a theory of emotions as behavioral modulators</a:t>
-            </a:r>
-          </a:p>
-          <a:p>
-            <a:endParaRPr lang="en-CA" dirty="0"/>
-          </a:p>
-        </p:txBody>
-      </p:sp>
-    </p:spTree>
-    <p:extLst>
-      <p:ext uri="{BB962C8B-B14F-4D97-AF65-F5344CB8AC3E}">
-        <p14:creationId xmlns:p14="http://schemas.microsoft.com/office/powerpoint/2010/main" val="1933180729"/>
-      </p:ext>
-    </p:extLst>
-  </p:cSld>
-  <p:clrMapOvr>
-    <a:masterClrMapping/>
-  </p:clrMapOvr>
-  <p:timing>
-    <p:tnLst>
-      <p:par>
-        <p:cTn id="1" dur="indefinite" restart="never" nodeType="tmRoot"/>
-      </p:par>
-    </p:tnLst>
-  </p:timing>
-</p:sld>
-</file>
-
 <file path=ppt/slides/slide28.xml><?xml version="1.0" encoding="utf-8"?>
 <p:sld xmlns:a="http://schemas.openxmlformats.org/drawingml/2006/main" xmlns:r="http://schemas.openxmlformats.org/officeDocument/2006/relationships" xmlns:p="http://schemas.openxmlformats.org/presentationml/2006/main">
   <p:cSld>
@@ -21171,8 +19800,16 @@
               <a:buNone/>
             </a:pPr>
             <a:r>
+              <a:rPr lang="en-CA" sz="3300" dirty="0" err="1" smtClean="0"/>
+              <a:t>Dörner</a:t>
+            </a:r>
+            <a:r>
               <a:rPr lang="en-CA" sz="3300" dirty="0" smtClean="0"/>
-              <a:t>Dorner identifies four modulators of goal-oriented behavior:</a:t>
+              <a:t> </a:t>
+            </a:r>
+            <a:r>
+              <a:rPr lang="en-CA" sz="3300" dirty="0" smtClean="0"/>
+              <a:t>identifies four modulators of goal-oriented behavior:</a:t>
             </a:r>
           </a:p>
           <a:p>
@@ -23827,9 +22464,16 @@
             </a:r>
             <a:r>
               <a:rPr lang="en-CA" dirty="0" smtClean="0"/>
-              <a:t>’ four behavior modulators:</a:t>
+              <a:t>’ four behavior </a:t>
             </a:r>
-            <a:endParaRPr lang="en-CA" dirty="0" smtClean="0"/>
+            <a:r>
+              <a:rPr lang="en-CA" dirty="0" smtClean="0"/>
+              <a:t>modulations</a:t>
+            </a:r>
+            <a:r>
+              <a:rPr lang="en-CA" dirty="0" smtClean="0"/>
+              <a:t>:</a:t>
+            </a:r>
           </a:p>
           <a:p>
             <a:r>
@@ -25283,7 +23927,213 @@
   <p:timing>
     <p:tnLst>
       <p:par>
-        <p:cTn id="1" dur="indefinite" restart="never" nodeType="tmRoot"/>
+        <p:cTn id="1" dur="indefinite" restart="never" nodeType="tmRoot">
+          <p:childTnLst>
+            <p:seq concurrent="1" nextAc="seek">
+              <p:cTn id="2" dur="indefinite" nodeType="mainSeq">
+                <p:childTnLst>
+                  <p:par>
+                    <p:cTn id="3" fill="hold">
+                      <p:stCondLst>
+                        <p:cond delay="indefinite"/>
+                      </p:stCondLst>
+                      <p:childTnLst>
+                        <p:par>
+                          <p:cTn id="4" fill="hold">
+                            <p:stCondLst>
+                              <p:cond delay="0"/>
+                            </p:stCondLst>
+                            <p:childTnLst>
+                              <p:par>
+                                <p:cTn id="5" presetID="10" presetClass="entr" presetSubtype="0" fill="hold" nodeType="clickEffect">
+                                  <p:stCondLst>
+                                    <p:cond delay="0"/>
+                                  </p:stCondLst>
+                                  <p:childTnLst>
+                                    <p:set>
+                                      <p:cBhvr>
+                                        <p:cTn id="6" dur="1" fill="hold">
+                                          <p:stCondLst>
+                                            <p:cond delay="0"/>
+                                          </p:stCondLst>
+                                        </p:cTn>
+                                        <p:tgtEl>
+                                          <p:spTgt spid="3">
+                                            <p:txEl>
+                                              <p:pRg st="0" end="0"/>
+                                            </p:txEl>
+                                          </p:spTgt>
+                                        </p:tgtEl>
+                                        <p:attrNameLst>
+                                          <p:attrName>style.visibility</p:attrName>
+                                        </p:attrNameLst>
+                                      </p:cBhvr>
+                                      <p:to>
+                                        <p:strVal val="visible"/>
+                                      </p:to>
+                                    </p:set>
+                                    <p:animEffect transition="in" filter="fade">
+                                      <p:cBhvr>
+                                        <p:cTn id="7" dur="1000"/>
+                                        <p:tgtEl>
+                                          <p:spTgt spid="3">
+                                            <p:txEl>
+                                              <p:pRg st="0" end="0"/>
+                                            </p:txEl>
+                                          </p:spTgt>
+                                        </p:tgtEl>
+                                      </p:cBhvr>
+                                    </p:animEffect>
+                                  </p:childTnLst>
+                                </p:cTn>
+                              </p:par>
+                            </p:childTnLst>
+                          </p:cTn>
+                        </p:par>
+                      </p:childTnLst>
+                    </p:cTn>
+                  </p:par>
+                  <p:par>
+                    <p:cTn id="8" fill="hold">
+                      <p:stCondLst>
+                        <p:cond delay="indefinite"/>
+                      </p:stCondLst>
+                      <p:childTnLst>
+                        <p:par>
+                          <p:cTn id="9" fill="hold">
+                            <p:stCondLst>
+                              <p:cond delay="0"/>
+                            </p:stCondLst>
+                            <p:childTnLst>
+                              <p:par>
+                                <p:cTn id="10" presetID="10" presetClass="entr" presetSubtype="0" fill="hold" nodeType="clickEffect">
+                                  <p:stCondLst>
+                                    <p:cond delay="0"/>
+                                  </p:stCondLst>
+                                  <p:childTnLst>
+                                    <p:set>
+                                      <p:cBhvr>
+                                        <p:cTn id="11" dur="1" fill="hold">
+                                          <p:stCondLst>
+                                            <p:cond delay="0"/>
+                                          </p:stCondLst>
+                                        </p:cTn>
+                                        <p:tgtEl>
+                                          <p:spTgt spid="3">
+                                            <p:txEl>
+                                              <p:pRg st="1" end="1"/>
+                                            </p:txEl>
+                                          </p:spTgt>
+                                        </p:tgtEl>
+                                        <p:attrNameLst>
+                                          <p:attrName>style.visibility</p:attrName>
+                                        </p:attrNameLst>
+                                      </p:cBhvr>
+                                      <p:to>
+                                        <p:strVal val="visible"/>
+                                      </p:to>
+                                    </p:set>
+                                    <p:animEffect transition="in" filter="fade">
+                                      <p:cBhvr>
+                                        <p:cTn id="12" dur="1000"/>
+                                        <p:tgtEl>
+                                          <p:spTgt spid="3">
+                                            <p:txEl>
+                                              <p:pRg st="1" end="1"/>
+                                            </p:txEl>
+                                          </p:spTgt>
+                                        </p:tgtEl>
+                                      </p:cBhvr>
+                                    </p:animEffect>
+                                  </p:childTnLst>
+                                </p:cTn>
+                              </p:par>
+                            </p:childTnLst>
+                          </p:cTn>
+                        </p:par>
+                      </p:childTnLst>
+                    </p:cTn>
+                  </p:par>
+                  <p:par>
+                    <p:cTn id="13" fill="hold">
+                      <p:stCondLst>
+                        <p:cond delay="indefinite"/>
+                      </p:stCondLst>
+                      <p:childTnLst>
+                        <p:par>
+                          <p:cTn id="14" fill="hold">
+                            <p:stCondLst>
+                              <p:cond delay="0"/>
+                            </p:stCondLst>
+                            <p:childTnLst>
+                              <p:par>
+                                <p:cTn id="15" presetID="10" presetClass="entr" presetSubtype="0" fill="hold" nodeType="clickEffect">
+                                  <p:stCondLst>
+                                    <p:cond delay="0"/>
+                                  </p:stCondLst>
+                                  <p:childTnLst>
+                                    <p:set>
+                                      <p:cBhvr>
+                                        <p:cTn id="16" dur="1" fill="hold">
+                                          <p:stCondLst>
+                                            <p:cond delay="0"/>
+                                          </p:stCondLst>
+                                        </p:cTn>
+                                        <p:tgtEl>
+                                          <p:spTgt spid="3">
+                                            <p:txEl>
+                                              <p:pRg st="2" end="2"/>
+                                            </p:txEl>
+                                          </p:spTgt>
+                                        </p:tgtEl>
+                                        <p:attrNameLst>
+                                          <p:attrName>style.visibility</p:attrName>
+                                        </p:attrNameLst>
+                                      </p:cBhvr>
+                                      <p:to>
+                                        <p:strVal val="visible"/>
+                                      </p:to>
+                                    </p:set>
+                                    <p:animEffect transition="in" filter="fade">
+                                      <p:cBhvr>
+                                        <p:cTn id="17" dur="1000"/>
+                                        <p:tgtEl>
+                                          <p:spTgt spid="3">
+                                            <p:txEl>
+                                              <p:pRg st="2" end="2"/>
+                                            </p:txEl>
+                                          </p:spTgt>
+                                        </p:tgtEl>
+                                      </p:cBhvr>
+                                    </p:animEffect>
+                                  </p:childTnLst>
+                                </p:cTn>
+                              </p:par>
+                            </p:childTnLst>
+                          </p:cTn>
+                        </p:par>
+                      </p:childTnLst>
+                    </p:cTn>
+                  </p:par>
+                </p:childTnLst>
+              </p:cTn>
+              <p:prevCondLst>
+                <p:cond evt="onPrev" delay="0">
+                  <p:tgtEl>
+                    <p:sldTgt/>
+                  </p:tgtEl>
+                </p:cond>
+              </p:prevCondLst>
+              <p:nextCondLst>
+                <p:cond evt="onNext" delay="0">
+                  <p:tgtEl>
+                    <p:sldTgt/>
+                  </p:tgtEl>
+                </p:cond>
+              </p:nextCondLst>
+            </p:seq>
+          </p:childTnLst>
+        </p:cTn>
       </p:par>
     </p:tnLst>
   </p:timing>
@@ -26545,798 +25395,7 @@
   <p:timing>
     <p:tnLst>
       <p:par>
-        <p:cTn id="1" dur="indefinite" restart="never" nodeType="tmRoot">
-          <p:childTnLst>
-            <p:seq concurrent="1" nextAc="seek">
-              <p:cTn id="2" dur="indefinite" nodeType="mainSeq">
-                <p:childTnLst>
-                  <p:par>
-                    <p:cTn id="3" fill="hold">
-                      <p:stCondLst>
-                        <p:cond delay="indefinite"/>
-                      </p:stCondLst>
-                      <p:childTnLst>
-                        <p:par>
-                          <p:cTn id="4" fill="hold">
-                            <p:stCondLst>
-                              <p:cond delay="0"/>
-                            </p:stCondLst>
-                            <p:childTnLst>
-                              <p:par>
-                                <p:cTn id="5" presetID="10" presetClass="entr" presetSubtype="0" fill="hold" nodeType="clickEffect">
-                                  <p:stCondLst>
-                                    <p:cond delay="0"/>
-                                  </p:stCondLst>
-                                  <p:childTnLst>
-                                    <p:set>
-                                      <p:cBhvr>
-                                        <p:cTn id="6" dur="1" fill="hold">
-                                          <p:stCondLst>
-                                            <p:cond delay="0"/>
-                                          </p:stCondLst>
-                                        </p:cTn>
-                                        <p:tgtEl>
-                                          <p:spTgt spid="3">
-                                            <p:txEl>
-                                              <p:pRg st="0" end="0"/>
-                                            </p:txEl>
-                                          </p:spTgt>
-                                        </p:tgtEl>
-                                        <p:attrNameLst>
-                                          <p:attrName>style.visibility</p:attrName>
-                                        </p:attrNameLst>
-                                      </p:cBhvr>
-                                      <p:to>
-                                        <p:strVal val="visible"/>
-                                      </p:to>
-                                    </p:set>
-                                    <p:animEffect transition="in" filter="fade">
-                                      <p:cBhvr>
-                                        <p:cTn id="7" dur="1000"/>
-                                        <p:tgtEl>
-                                          <p:spTgt spid="3">
-                                            <p:txEl>
-                                              <p:pRg st="0" end="0"/>
-                                            </p:txEl>
-                                          </p:spTgt>
-                                        </p:tgtEl>
-                                      </p:cBhvr>
-                                    </p:animEffect>
-                                  </p:childTnLst>
-                                </p:cTn>
-                              </p:par>
-                              <p:par>
-                                <p:cTn id="8" presetID="10" presetClass="entr" presetSubtype="0" fill="hold" nodeType="withEffect">
-                                  <p:stCondLst>
-                                    <p:cond delay="0"/>
-                                  </p:stCondLst>
-                                  <p:childTnLst>
-                                    <p:set>
-                                      <p:cBhvr>
-                                        <p:cTn id="9" dur="1" fill="hold">
-                                          <p:stCondLst>
-                                            <p:cond delay="0"/>
-                                          </p:stCondLst>
-                                        </p:cTn>
-                                        <p:tgtEl>
-                                          <p:spTgt spid="11"/>
-                                        </p:tgtEl>
-                                        <p:attrNameLst>
-                                          <p:attrName>style.visibility</p:attrName>
-                                        </p:attrNameLst>
-                                      </p:cBhvr>
-                                      <p:to>
-                                        <p:strVal val="visible"/>
-                                      </p:to>
-                                    </p:set>
-                                    <p:animEffect transition="in" filter="fade">
-                                      <p:cBhvr>
-                                        <p:cTn id="10" dur="1000"/>
-                                        <p:tgtEl>
-                                          <p:spTgt spid="11"/>
-                                        </p:tgtEl>
-                                      </p:cBhvr>
-                                    </p:animEffect>
-                                  </p:childTnLst>
-                                </p:cTn>
-                              </p:par>
-                            </p:childTnLst>
-                          </p:cTn>
-                        </p:par>
-                      </p:childTnLst>
-                    </p:cTn>
-                  </p:par>
-                  <p:par>
-                    <p:cTn id="11" fill="hold">
-                      <p:stCondLst>
-                        <p:cond delay="indefinite"/>
-                      </p:stCondLst>
-                      <p:childTnLst>
-                        <p:par>
-                          <p:cTn id="12" fill="hold">
-                            <p:stCondLst>
-                              <p:cond delay="0"/>
-                            </p:stCondLst>
-                            <p:childTnLst>
-                              <p:par>
-                                <p:cTn id="13" presetID="10" presetClass="entr" presetSubtype="0" fill="hold" nodeType="clickEffect">
-                                  <p:stCondLst>
-                                    <p:cond delay="0"/>
-                                  </p:stCondLst>
-                                  <p:childTnLst>
-                                    <p:set>
-                                      <p:cBhvr>
-                                        <p:cTn id="14" dur="1" fill="hold">
-                                          <p:stCondLst>
-                                            <p:cond delay="0"/>
-                                          </p:stCondLst>
-                                        </p:cTn>
-                                        <p:tgtEl>
-                                          <p:spTgt spid="3">
-                                            <p:txEl>
-                                              <p:pRg st="1" end="1"/>
-                                            </p:txEl>
-                                          </p:spTgt>
-                                        </p:tgtEl>
-                                        <p:attrNameLst>
-                                          <p:attrName>style.visibility</p:attrName>
-                                        </p:attrNameLst>
-                                      </p:cBhvr>
-                                      <p:to>
-                                        <p:strVal val="visible"/>
-                                      </p:to>
-                                    </p:set>
-                                    <p:animEffect transition="in" filter="fade">
-                                      <p:cBhvr>
-                                        <p:cTn id="15" dur="1000"/>
-                                        <p:tgtEl>
-                                          <p:spTgt spid="3">
-                                            <p:txEl>
-                                              <p:pRg st="1" end="1"/>
-                                            </p:txEl>
-                                          </p:spTgt>
-                                        </p:tgtEl>
-                                      </p:cBhvr>
-                                    </p:animEffect>
-                                  </p:childTnLst>
-                                </p:cTn>
-                              </p:par>
-                              <p:par>
-                                <p:cTn id="16" presetID="10" presetClass="entr" presetSubtype="0" fill="hold" nodeType="withEffect">
-                                  <p:stCondLst>
-                                    <p:cond delay="0"/>
-                                  </p:stCondLst>
-                                  <p:childTnLst>
-                                    <p:set>
-                                      <p:cBhvr>
-                                        <p:cTn id="17" dur="1" fill="hold">
-                                          <p:stCondLst>
-                                            <p:cond delay="0"/>
-                                          </p:stCondLst>
-                                        </p:cTn>
-                                        <p:tgtEl>
-                                          <p:spTgt spid="48"/>
-                                        </p:tgtEl>
-                                        <p:attrNameLst>
-                                          <p:attrName>style.visibility</p:attrName>
-                                        </p:attrNameLst>
-                                      </p:cBhvr>
-                                      <p:to>
-                                        <p:strVal val="visible"/>
-                                      </p:to>
-                                    </p:set>
-                                    <p:animEffect transition="in" filter="fade">
-                                      <p:cBhvr>
-                                        <p:cTn id="18" dur="1000"/>
-                                        <p:tgtEl>
-                                          <p:spTgt spid="48"/>
-                                        </p:tgtEl>
-                                      </p:cBhvr>
-                                    </p:animEffect>
-                                  </p:childTnLst>
-                                </p:cTn>
-                              </p:par>
-                            </p:childTnLst>
-                          </p:cTn>
-                        </p:par>
-                      </p:childTnLst>
-                    </p:cTn>
-                  </p:par>
-                  <p:par>
-                    <p:cTn id="19" fill="hold">
-                      <p:stCondLst>
-                        <p:cond delay="indefinite"/>
-                      </p:stCondLst>
-                      <p:childTnLst>
-                        <p:par>
-                          <p:cTn id="20" fill="hold">
-                            <p:stCondLst>
-                              <p:cond delay="0"/>
-                            </p:stCondLst>
-                            <p:childTnLst>
-                              <p:par>
-                                <p:cTn id="21" presetID="10" presetClass="entr" presetSubtype="0" fill="hold" nodeType="clickEffect">
-                                  <p:stCondLst>
-                                    <p:cond delay="0"/>
-                                  </p:stCondLst>
-                                  <p:childTnLst>
-                                    <p:set>
-                                      <p:cBhvr>
-                                        <p:cTn id="22" dur="1" fill="hold">
-                                          <p:stCondLst>
-                                            <p:cond delay="0"/>
-                                          </p:stCondLst>
-                                        </p:cTn>
-                                        <p:tgtEl>
-                                          <p:spTgt spid="3">
-                                            <p:txEl>
-                                              <p:pRg st="2" end="2"/>
-                                            </p:txEl>
-                                          </p:spTgt>
-                                        </p:tgtEl>
-                                        <p:attrNameLst>
-                                          <p:attrName>style.visibility</p:attrName>
-                                        </p:attrNameLst>
-                                      </p:cBhvr>
-                                      <p:to>
-                                        <p:strVal val="visible"/>
-                                      </p:to>
-                                    </p:set>
-                                    <p:animEffect transition="in" filter="fade">
-                                      <p:cBhvr>
-                                        <p:cTn id="23" dur="1000"/>
-                                        <p:tgtEl>
-                                          <p:spTgt spid="3">
-                                            <p:txEl>
-                                              <p:pRg st="2" end="2"/>
-                                            </p:txEl>
-                                          </p:spTgt>
-                                        </p:tgtEl>
-                                      </p:cBhvr>
-                                    </p:animEffect>
-                                  </p:childTnLst>
-                                </p:cTn>
-                              </p:par>
-                              <p:par>
-                                <p:cTn id="24" presetID="10" presetClass="entr" presetSubtype="0" fill="hold" nodeType="withEffect">
-                                  <p:stCondLst>
-                                    <p:cond delay="0"/>
-                                  </p:stCondLst>
-                                  <p:childTnLst>
-                                    <p:set>
-                                      <p:cBhvr>
-                                        <p:cTn id="25" dur="1" fill="hold">
-                                          <p:stCondLst>
-                                            <p:cond delay="0"/>
-                                          </p:stCondLst>
-                                        </p:cTn>
-                                        <p:tgtEl>
-                                          <p:spTgt spid="39"/>
-                                        </p:tgtEl>
-                                        <p:attrNameLst>
-                                          <p:attrName>style.visibility</p:attrName>
-                                        </p:attrNameLst>
-                                      </p:cBhvr>
-                                      <p:to>
-                                        <p:strVal val="visible"/>
-                                      </p:to>
-                                    </p:set>
-                                    <p:animEffect transition="in" filter="fade">
-                                      <p:cBhvr>
-                                        <p:cTn id="26" dur="1000"/>
-                                        <p:tgtEl>
-                                          <p:spTgt spid="39"/>
-                                        </p:tgtEl>
-                                      </p:cBhvr>
-                                    </p:animEffect>
-                                  </p:childTnLst>
-                                </p:cTn>
-                              </p:par>
-                            </p:childTnLst>
-                          </p:cTn>
-                        </p:par>
-                      </p:childTnLst>
-                    </p:cTn>
-                  </p:par>
-                  <p:par>
-                    <p:cTn id="27" fill="hold">
-                      <p:stCondLst>
-                        <p:cond delay="indefinite"/>
-                      </p:stCondLst>
-                      <p:childTnLst>
-                        <p:par>
-                          <p:cTn id="28" fill="hold">
-                            <p:stCondLst>
-                              <p:cond delay="0"/>
-                            </p:stCondLst>
-                            <p:childTnLst>
-                              <p:par>
-                                <p:cTn id="29" presetID="10" presetClass="entr" presetSubtype="0" fill="hold" nodeType="clickEffect">
-                                  <p:stCondLst>
-                                    <p:cond delay="0"/>
-                                  </p:stCondLst>
-                                  <p:childTnLst>
-                                    <p:set>
-                                      <p:cBhvr>
-                                        <p:cTn id="30" dur="1" fill="hold">
-                                          <p:stCondLst>
-                                            <p:cond delay="0"/>
-                                          </p:stCondLst>
-                                        </p:cTn>
-                                        <p:tgtEl>
-                                          <p:spTgt spid="3">
-                                            <p:txEl>
-                                              <p:pRg st="3" end="3"/>
-                                            </p:txEl>
-                                          </p:spTgt>
-                                        </p:tgtEl>
-                                        <p:attrNameLst>
-                                          <p:attrName>style.visibility</p:attrName>
-                                        </p:attrNameLst>
-                                      </p:cBhvr>
-                                      <p:to>
-                                        <p:strVal val="visible"/>
-                                      </p:to>
-                                    </p:set>
-                                    <p:animEffect transition="in" filter="fade">
-                                      <p:cBhvr>
-                                        <p:cTn id="31" dur="1000"/>
-                                        <p:tgtEl>
-                                          <p:spTgt spid="3">
-                                            <p:txEl>
-                                              <p:pRg st="3" end="3"/>
-                                            </p:txEl>
-                                          </p:spTgt>
-                                        </p:tgtEl>
-                                      </p:cBhvr>
-                                    </p:animEffect>
-                                  </p:childTnLst>
-                                </p:cTn>
-                              </p:par>
-                              <p:par>
-                                <p:cTn id="32" presetID="10" presetClass="entr" presetSubtype="0" fill="hold" nodeType="withEffect">
-                                  <p:stCondLst>
-                                    <p:cond delay="0"/>
-                                  </p:stCondLst>
-                                  <p:childTnLst>
-                                    <p:set>
-                                      <p:cBhvr>
-                                        <p:cTn id="33" dur="1" fill="hold">
-                                          <p:stCondLst>
-                                            <p:cond delay="0"/>
-                                          </p:stCondLst>
-                                        </p:cTn>
-                                        <p:tgtEl>
-                                          <p:spTgt spid="12"/>
-                                        </p:tgtEl>
-                                        <p:attrNameLst>
-                                          <p:attrName>style.visibility</p:attrName>
-                                        </p:attrNameLst>
-                                      </p:cBhvr>
-                                      <p:to>
-                                        <p:strVal val="visible"/>
-                                      </p:to>
-                                    </p:set>
-                                    <p:animEffect transition="in" filter="fade">
-                                      <p:cBhvr>
-                                        <p:cTn id="34" dur="1000"/>
-                                        <p:tgtEl>
-                                          <p:spTgt spid="12"/>
-                                        </p:tgtEl>
-                                      </p:cBhvr>
-                                    </p:animEffect>
-                                  </p:childTnLst>
-                                </p:cTn>
-                              </p:par>
-                            </p:childTnLst>
-                          </p:cTn>
-                        </p:par>
-                      </p:childTnLst>
-                    </p:cTn>
-                  </p:par>
-                  <p:par>
-                    <p:cTn id="35" fill="hold">
-                      <p:stCondLst>
-                        <p:cond delay="indefinite"/>
-                      </p:stCondLst>
-                      <p:childTnLst>
-                        <p:par>
-                          <p:cTn id="36" fill="hold">
-                            <p:stCondLst>
-                              <p:cond delay="0"/>
-                            </p:stCondLst>
-                            <p:childTnLst>
-                              <p:par>
-                                <p:cTn id="37" presetID="10" presetClass="entr" presetSubtype="0" fill="hold" nodeType="clickEffect">
-                                  <p:stCondLst>
-                                    <p:cond delay="0"/>
-                                  </p:stCondLst>
-                                  <p:childTnLst>
-                                    <p:set>
-                                      <p:cBhvr>
-                                        <p:cTn id="38" dur="1" fill="hold">
-                                          <p:stCondLst>
-                                            <p:cond delay="0"/>
-                                          </p:stCondLst>
-                                        </p:cTn>
-                                        <p:tgtEl>
-                                          <p:spTgt spid="3">
-                                            <p:txEl>
-                                              <p:pRg st="4" end="4"/>
-                                            </p:txEl>
-                                          </p:spTgt>
-                                        </p:tgtEl>
-                                        <p:attrNameLst>
-                                          <p:attrName>style.visibility</p:attrName>
-                                        </p:attrNameLst>
-                                      </p:cBhvr>
-                                      <p:to>
-                                        <p:strVal val="visible"/>
-                                      </p:to>
-                                    </p:set>
-                                    <p:animEffect transition="in" filter="fade">
-                                      <p:cBhvr>
-                                        <p:cTn id="39" dur="1000"/>
-                                        <p:tgtEl>
-                                          <p:spTgt spid="3">
-                                            <p:txEl>
-                                              <p:pRg st="4" end="4"/>
-                                            </p:txEl>
-                                          </p:spTgt>
-                                        </p:tgtEl>
-                                      </p:cBhvr>
-                                    </p:animEffect>
-                                  </p:childTnLst>
-                                </p:cTn>
-                              </p:par>
-                              <p:par>
-                                <p:cTn id="40" presetID="10" presetClass="entr" presetSubtype="0" fill="hold" nodeType="withEffect">
-                                  <p:stCondLst>
-                                    <p:cond delay="0"/>
-                                  </p:stCondLst>
-                                  <p:childTnLst>
-                                    <p:set>
-                                      <p:cBhvr>
-                                        <p:cTn id="41" dur="1" fill="hold">
-                                          <p:stCondLst>
-                                            <p:cond delay="0"/>
-                                          </p:stCondLst>
-                                        </p:cTn>
-                                        <p:tgtEl>
-                                          <p:spTgt spid="55"/>
-                                        </p:tgtEl>
-                                        <p:attrNameLst>
-                                          <p:attrName>style.visibility</p:attrName>
-                                        </p:attrNameLst>
-                                      </p:cBhvr>
-                                      <p:to>
-                                        <p:strVal val="visible"/>
-                                      </p:to>
-                                    </p:set>
-                                    <p:animEffect transition="in" filter="fade">
-                                      <p:cBhvr>
-                                        <p:cTn id="42" dur="1000"/>
-                                        <p:tgtEl>
-                                          <p:spTgt spid="55"/>
-                                        </p:tgtEl>
-                                      </p:cBhvr>
-                                    </p:animEffect>
-                                  </p:childTnLst>
-                                </p:cTn>
-                              </p:par>
-                            </p:childTnLst>
-                          </p:cTn>
-                        </p:par>
-                      </p:childTnLst>
-                    </p:cTn>
-                  </p:par>
-                  <p:par>
-                    <p:cTn id="43" fill="hold">
-                      <p:stCondLst>
-                        <p:cond delay="indefinite"/>
-                      </p:stCondLst>
-                      <p:childTnLst>
-                        <p:par>
-                          <p:cTn id="44" fill="hold">
-                            <p:stCondLst>
-                              <p:cond delay="0"/>
-                            </p:stCondLst>
-                            <p:childTnLst>
-                              <p:par>
-                                <p:cTn id="45" presetID="10" presetClass="entr" presetSubtype="0" fill="hold" nodeType="clickEffect">
-                                  <p:stCondLst>
-                                    <p:cond delay="0"/>
-                                  </p:stCondLst>
-                                  <p:childTnLst>
-                                    <p:set>
-                                      <p:cBhvr>
-                                        <p:cTn id="46" dur="1" fill="hold">
-                                          <p:stCondLst>
-                                            <p:cond delay="0"/>
-                                          </p:stCondLst>
-                                        </p:cTn>
-                                        <p:tgtEl>
-                                          <p:spTgt spid="3">
-                                            <p:txEl>
-                                              <p:pRg st="5" end="5"/>
-                                            </p:txEl>
-                                          </p:spTgt>
-                                        </p:tgtEl>
-                                        <p:attrNameLst>
-                                          <p:attrName>style.visibility</p:attrName>
-                                        </p:attrNameLst>
-                                      </p:cBhvr>
-                                      <p:to>
-                                        <p:strVal val="visible"/>
-                                      </p:to>
-                                    </p:set>
-                                    <p:animEffect transition="in" filter="fade">
-                                      <p:cBhvr>
-                                        <p:cTn id="47" dur="1000"/>
-                                        <p:tgtEl>
-                                          <p:spTgt spid="3">
-                                            <p:txEl>
-                                              <p:pRg st="5" end="5"/>
-                                            </p:txEl>
-                                          </p:spTgt>
-                                        </p:tgtEl>
-                                      </p:cBhvr>
-                                    </p:animEffect>
-                                  </p:childTnLst>
-                                </p:cTn>
-                              </p:par>
-                              <p:par>
-                                <p:cTn id="48" presetID="10" presetClass="entr" presetSubtype="0" fill="hold" nodeType="withEffect">
-                                  <p:stCondLst>
-                                    <p:cond delay="0"/>
-                                  </p:stCondLst>
-                                  <p:childTnLst>
-                                    <p:set>
-                                      <p:cBhvr>
-                                        <p:cTn id="49" dur="1" fill="hold">
-                                          <p:stCondLst>
-                                            <p:cond delay="0"/>
-                                          </p:stCondLst>
-                                        </p:cTn>
-                                        <p:tgtEl>
-                                          <p:spTgt spid="28"/>
-                                        </p:tgtEl>
-                                        <p:attrNameLst>
-                                          <p:attrName>style.visibility</p:attrName>
-                                        </p:attrNameLst>
-                                      </p:cBhvr>
-                                      <p:to>
-                                        <p:strVal val="visible"/>
-                                      </p:to>
-                                    </p:set>
-                                    <p:animEffect transition="in" filter="fade">
-                                      <p:cBhvr>
-                                        <p:cTn id="50" dur="1000"/>
-                                        <p:tgtEl>
-                                          <p:spTgt spid="28"/>
-                                        </p:tgtEl>
-                                      </p:cBhvr>
-                                    </p:animEffect>
-                                  </p:childTnLst>
-                                </p:cTn>
-                              </p:par>
-                            </p:childTnLst>
-                          </p:cTn>
-                        </p:par>
-                      </p:childTnLst>
-                    </p:cTn>
-                  </p:par>
-                  <p:par>
-                    <p:cTn id="51" fill="hold">
-                      <p:stCondLst>
-                        <p:cond delay="indefinite"/>
-                      </p:stCondLst>
-                      <p:childTnLst>
-                        <p:par>
-                          <p:cTn id="52" fill="hold">
-                            <p:stCondLst>
-                              <p:cond delay="0"/>
-                            </p:stCondLst>
-                            <p:childTnLst>
-                              <p:par>
-                                <p:cTn id="53" presetID="10" presetClass="entr" presetSubtype="0" fill="hold" nodeType="clickEffect">
-                                  <p:stCondLst>
-                                    <p:cond delay="0"/>
-                                  </p:stCondLst>
-                                  <p:childTnLst>
-                                    <p:set>
-                                      <p:cBhvr>
-                                        <p:cTn id="54" dur="1" fill="hold">
-                                          <p:stCondLst>
-                                            <p:cond delay="0"/>
-                                          </p:stCondLst>
-                                        </p:cTn>
-                                        <p:tgtEl>
-                                          <p:spTgt spid="3">
-                                            <p:txEl>
-                                              <p:pRg st="6" end="6"/>
-                                            </p:txEl>
-                                          </p:spTgt>
-                                        </p:tgtEl>
-                                        <p:attrNameLst>
-                                          <p:attrName>style.visibility</p:attrName>
-                                        </p:attrNameLst>
-                                      </p:cBhvr>
-                                      <p:to>
-                                        <p:strVal val="visible"/>
-                                      </p:to>
-                                    </p:set>
-                                    <p:animEffect transition="in" filter="fade">
-                                      <p:cBhvr>
-                                        <p:cTn id="55" dur="1000"/>
-                                        <p:tgtEl>
-                                          <p:spTgt spid="3">
-                                            <p:txEl>
-                                              <p:pRg st="6" end="6"/>
-                                            </p:txEl>
-                                          </p:spTgt>
-                                        </p:tgtEl>
-                                      </p:cBhvr>
-                                    </p:animEffect>
-                                  </p:childTnLst>
-                                </p:cTn>
-                              </p:par>
-                              <p:par>
-                                <p:cTn id="56" presetID="10" presetClass="entr" presetSubtype="0" fill="hold" nodeType="withEffect">
-                                  <p:stCondLst>
-                                    <p:cond delay="0"/>
-                                  </p:stCondLst>
-                                  <p:childTnLst>
-                                    <p:set>
-                                      <p:cBhvr>
-                                        <p:cTn id="57" dur="1" fill="hold">
-                                          <p:stCondLst>
-                                            <p:cond delay="0"/>
-                                          </p:stCondLst>
-                                        </p:cTn>
-                                        <p:tgtEl>
-                                          <p:spTgt spid="53"/>
-                                        </p:tgtEl>
-                                        <p:attrNameLst>
-                                          <p:attrName>style.visibility</p:attrName>
-                                        </p:attrNameLst>
-                                      </p:cBhvr>
-                                      <p:to>
-                                        <p:strVal val="visible"/>
-                                      </p:to>
-                                    </p:set>
-                                    <p:animEffect transition="in" filter="fade">
-                                      <p:cBhvr>
-                                        <p:cTn id="58" dur="1000"/>
-                                        <p:tgtEl>
-                                          <p:spTgt spid="53"/>
-                                        </p:tgtEl>
-                                      </p:cBhvr>
-                                    </p:animEffect>
-                                  </p:childTnLst>
-                                </p:cTn>
-                              </p:par>
-                            </p:childTnLst>
-                          </p:cTn>
-                        </p:par>
-                      </p:childTnLst>
-                    </p:cTn>
-                  </p:par>
-                  <p:par>
-                    <p:cTn id="59" fill="hold">
-                      <p:stCondLst>
-                        <p:cond delay="indefinite"/>
-                      </p:stCondLst>
-                      <p:childTnLst>
-                        <p:par>
-                          <p:cTn id="60" fill="hold">
-                            <p:stCondLst>
-                              <p:cond delay="0"/>
-                            </p:stCondLst>
-                            <p:childTnLst>
-                              <p:par>
-                                <p:cTn id="61" presetID="10" presetClass="entr" presetSubtype="0" fill="hold" nodeType="clickEffect">
-                                  <p:stCondLst>
-                                    <p:cond delay="0"/>
-                                  </p:stCondLst>
-                                  <p:childTnLst>
-                                    <p:set>
-                                      <p:cBhvr>
-                                        <p:cTn id="62" dur="1" fill="hold">
-                                          <p:stCondLst>
-                                            <p:cond delay="0"/>
-                                          </p:stCondLst>
-                                        </p:cTn>
-                                        <p:tgtEl>
-                                          <p:spTgt spid="3">
-                                            <p:txEl>
-                                              <p:pRg st="7" end="7"/>
-                                            </p:txEl>
-                                          </p:spTgt>
-                                        </p:tgtEl>
-                                        <p:attrNameLst>
-                                          <p:attrName>style.visibility</p:attrName>
-                                        </p:attrNameLst>
-                                      </p:cBhvr>
-                                      <p:to>
-                                        <p:strVal val="visible"/>
-                                      </p:to>
-                                    </p:set>
-                                    <p:animEffect transition="in" filter="fade">
-                                      <p:cBhvr>
-                                        <p:cTn id="63" dur="1000"/>
-                                        <p:tgtEl>
-                                          <p:spTgt spid="3">
-                                            <p:txEl>
-                                              <p:pRg st="7" end="7"/>
-                                            </p:txEl>
-                                          </p:spTgt>
-                                        </p:tgtEl>
-                                      </p:cBhvr>
-                                    </p:animEffect>
-                                  </p:childTnLst>
-                                </p:cTn>
-                              </p:par>
-                              <p:par>
-                                <p:cTn id="64" presetID="10" presetClass="entr" presetSubtype="0" fill="hold" nodeType="withEffect">
-                                  <p:stCondLst>
-                                    <p:cond delay="0"/>
-                                  </p:stCondLst>
-                                  <p:childTnLst>
-                                    <p:set>
-                                      <p:cBhvr>
-                                        <p:cTn id="65" dur="1" fill="hold">
-                                          <p:stCondLst>
-                                            <p:cond delay="0"/>
-                                          </p:stCondLst>
-                                        </p:cTn>
-                                        <p:tgtEl>
-                                          <p:spTgt spid="60"/>
-                                        </p:tgtEl>
-                                        <p:attrNameLst>
-                                          <p:attrName>style.visibility</p:attrName>
-                                        </p:attrNameLst>
-                                      </p:cBhvr>
-                                      <p:to>
-                                        <p:strVal val="visible"/>
-                                      </p:to>
-                                    </p:set>
-                                    <p:animEffect transition="in" filter="fade">
-                                      <p:cBhvr>
-                                        <p:cTn id="66" dur="1000"/>
-                                        <p:tgtEl>
-                                          <p:spTgt spid="60"/>
-                                        </p:tgtEl>
-                                      </p:cBhvr>
-                                    </p:animEffect>
-                                  </p:childTnLst>
-                                </p:cTn>
-                              </p:par>
-                            </p:childTnLst>
-                          </p:cTn>
-                        </p:par>
-                      </p:childTnLst>
-                    </p:cTn>
-                  </p:par>
-                </p:childTnLst>
-              </p:cTn>
-              <p:prevCondLst>
-                <p:cond evt="onPrev" delay="0">
-                  <p:tgtEl>
-                    <p:sldTgt/>
-                  </p:tgtEl>
-                </p:cond>
-              </p:prevCondLst>
-              <p:nextCondLst>
-                <p:cond evt="onNext" delay="0">
-                  <p:tgtEl>
-                    <p:sldTgt/>
-                  </p:tgtEl>
-                </p:cond>
-              </p:nextCondLst>
-            </p:seq>
-          </p:childTnLst>
-        </p:cTn>
+        <p:cTn id="1" dur="indefinite" restart="never" nodeType="tmRoot"/>
       </p:par>
     </p:tnLst>
   </p:timing>
@@ -29816,798 +27875,7 @@
   <p:timing>
     <p:tnLst>
       <p:par>
-        <p:cTn id="1" dur="indefinite" restart="never" nodeType="tmRoot">
-          <p:childTnLst>
-            <p:seq concurrent="1" nextAc="seek">
-              <p:cTn id="2" dur="indefinite" nodeType="mainSeq">
-                <p:childTnLst>
-                  <p:par>
-                    <p:cTn id="3" fill="hold">
-                      <p:stCondLst>
-                        <p:cond delay="indefinite"/>
-                      </p:stCondLst>
-                      <p:childTnLst>
-                        <p:par>
-                          <p:cTn id="4" fill="hold">
-                            <p:stCondLst>
-                              <p:cond delay="0"/>
-                            </p:stCondLst>
-                            <p:childTnLst>
-                              <p:par>
-                                <p:cTn id="5" presetID="10" presetClass="entr" presetSubtype="0" fill="hold" nodeType="clickEffect">
-                                  <p:stCondLst>
-                                    <p:cond delay="0"/>
-                                  </p:stCondLst>
-                                  <p:childTnLst>
-                                    <p:set>
-                                      <p:cBhvr>
-                                        <p:cTn id="6" dur="1" fill="hold">
-                                          <p:stCondLst>
-                                            <p:cond delay="0"/>
-                                          </p:stCondLst>
-                                        </p:cTn>
-                                        <p:tgtEl>
-                                          <p:spTgt spid="3">
-                                            <p:txEl>
-                                              <p:pRg st="0" end="0"/>
-                                            </p:txEl>
-                                          </p:spTgt>
-                                        </p:tgtEl>
-                                        <p:attrNameLst>
-                                          <p:attrName>style.visibility</p:attrName>
-                                        </p:attrNameLst>
-                                      </p:cBhvr>
-                                      <p:to>
-                                        <p:strVal val="visible"/>
-                                      </p:to>
-                                    </p:set>
-                                    <p:animEffect transition="in" filter="fade">
-                                      <p:cBhvr>
-                                        <p:cTn id="7" dur="1000"/>
-                                        <p:tgtEl>
-                                          <p:spTgt spid="3">
-                                            <p:txEl>
-                                              <p:pRg st="0" end="0"/>
-                                            </p:txEl>
-                                          </p:spTgt>
-                                        </p:tgtEl>
-                                      </p:cBhvr>
-                                    </p:animEffect>
-                                  </p:childTnLst>
-                                </p:cTn>
-                              </p:par>
-                              <p:par>
-                                <p:cTn id="8" presetID="10" presetClass="entr" presetSubtype="0" fill="hold" nodeType="withEffect">
-                                  <p:stCondLst>
-                                    <p:cond delay="0"/>
-                                  </p:stCondLst>
-                                  <p:childTnLst>
-                                    <p:set>
-                                      <p:cBhvr>
-                                        <p:cTn id="9" dur="1" fill="hold">
-                                          <p:stCondLst>
-                                            <p:cond delay="0"/>
-                                          </p:stCondLst>
-                                        </p:cTn>
-                                        <p:tgtEl>
-                                          <p:spTgt spid="11"/>
-                                        </p:tgtEl>
-                                        <p:attrNameLst>
-                                          <p:attrName>style.visibility</p:attrName>
-                                        </p:attrNameLst>
-                                      </p:cBhvr>
-                                      <p:to>
-                                        <p:strVal val="visible"/>
-                                      </p:to>
-                                    </p:set>
-                                    <p:animEffect transition="in" filter="fade">
-                                      <p:cBhvr>
-                                        <p:cTn id="10" dur="1000"/>
-                                        <p:tgtEl>
-                                          <p:spTgt spid="11"/>
-                                        </p:tgtEl>
-                                      </p:cBhvr>
-                                    </p:animEffect>
-                                  </p:childTnLst>
-                                </p:cTn>
-                              </p:par>
-                            </p:childTnLst>
-                          </p:cTn>
-                        </p:par>
-                      </p:childTnLst>
-                    </p:cTn>
-                  </p:par>
-                  <p:par>
-                    <p:cTn id="11" fill="hold">
-                      <p:stCondLst>
-                        <p:cond delay="indefinite"/>
-                      </p:stCondLst>
-                      <p:childTnLst>
-                        <p:par>
-                          <p:cTn id="12" fill="hold">
-                            <p:stCondLst>
-                              <p:cond delay="0"/>
-                            </p:stCondLst>
-                            <p:childTnLst>
-                              <p:par>
-                                <p:cTn id="13" presetID="10" presetClass="entr" presetSubtype="0" fill="hold" nodeType="clickEffect">
-                                  <p:stCondLst>
-                                    <p:cond delay="0"/>
-                                  </p:stCondLst>
-                                  <p:childTnLst>
-                                    <p:set>
-                                      <p:cBhvr>
-                                        <p:cTn id="14" dur="1" fill="hold">
-                                          <p:stCondLst>
-                                            <p:cond delay="0"/>
-                                          </p:stCondLst>
-                                        </p:cTn>
-                                        <p:tgtEl>
-                                          <p:spTgt spid="3">
-                                            <p:txEl>
-                                              <p:pRg st="1" end="1"/>
-                                            </p:txEl>
-                                          </p:spTgt>
-                                        </p:tgtEl>
-                                        <p:attrNameLst>
-                                          <p:attrName>style.visibility</p:attrName>
-                                        </p:attrNameLst>
-                                      </p:cBhvr>
-                                      <p:to>
-                                        <p:strVal val="visible"/>
-                                      </p:to>
-                                    </p:set>
-                                    <p:animEffect transition="in" filter="fade">
-                                      <p:cBhvr>
-                                        <p:cTn id="15" dur="1000"/>
-                                        <p:tgtEl>
-                                          <p:spTgt spid="3">
-                                            <p:txEl>
-                                              <p:pRg st="1" end="1"/>
-                                            </p:txEl>
-                                          </p:spTgt>
-                                        </p:tgtEl>
-                                      </p:cBhvr>
-                                    </p:animEffect>
-                                  </p:childTnLst>
-                                </p:cTn>
-                              </p:par>
-                              <p:par>
-                                <p:cTn id="16" presetID="10" presetClass="entr" presetSubtype="0" fill="hold" nodeType="withEffect">
-                                  <p:stCondLst>
-                                    <p:cond delay="0"/>
-                                  </p:stCondLst>
-                                  <p:childTnLst>
-                                    <p:set>
-                                      <p:cBhvr>
-                                        <p:cTn id="17" dur="1" fill="hold">
-                                          <p:stCondLst>
-                                            <p:cond delay="0"/>
-                                          </p:stCondLst>
-                                        </p:cTn>
-                                        <p:tgtEl>
-                                          <p:spTgt spid="48"/>
-                                        </p:tgtEl>
-                                        <p:attrNameLst>
-                                          <p:attrName>style.visibility</p:attrName>
-                                        </p:attrNameLst>
-                                      </p:cBhvr>
-                                      <p:to>
-                                        <p:strVal val="visible"/>
-                                      </p:to>
-                                    </p:set>
-                                    <p:animEffect transition="in" filter="fade">
-                                      <p:cBhvr>
-                                        <p:cTn id="18" dur="1000"/>
-                                        <p:tgtEl>
-                                          <p:spTgt spid="48"/>
-                                        </p:tgtEl>
-                                      </p:cBhvr>
-                                    </p:animEffect>
-                                  </p:childTnLst>
-                                </p:cTn>
-                              </p:par>
-                            </p:childTnLst>
-                          </p:cTn>
-                        </p:par>
-                      </p:childTnLst>
-                    </p:cTn>
-                  </p:par>
-                  <p:par>
-                    <p:cTn id="19" fill="hold">
-                      <p:stCondLst>
-                        <p:cond delay="indefinite"/>
-                      </p:stCondLst>
-                      <p:childTnLst>
-                        <p:par>
-                          <p:cTn id="20" fill="hold">
-                            <p:stCondLst>
-                              <p:cond delay="0"/>
-                            </p:stCondLst>
-                            <p:childTnLst>
-                              <p:par>
-                                <p:cTn id="21" presetID="10" presetClass="entr" presetSubtype="0" fill="hold" nodeType="clickEffect">
-                                  <p:stCondLst>
-                                    <p:cond delay="0"/>
-                                  </p:stCondLst>
-                                  <p:childTnLst>
-                                    <p:set>
-                                      <p:cBhvr>
-                                        <p:cTn id="22" dur="1" fill="hold">
-                                          <p:stCondLst>
-                                            <p:cond delay="0"/>
-                                          </p:stCondLst>
-                                        </p:cTn>
-                                        <p:tgtEl>
-                                          <p:spTgt spid="3">
-                                            <p:txEl>
-                                              <p:pRg st="2" end="2"/>
-                                            </p:txEl>
-                                          </p:spTgt>
-                                        </p:tgtEl>
-                                        <p:attrNameLst>
-                                          <p:attrName>style.visibility</p:attrName>
-                                        </p:attrNameLst>
-                                      </p:cBhvr>
-                                      <p:to>
-                                        <p:strVal val="visible"/>
-                                      </p:to>
-                                    </p:set>
-                                    <p:animEffect transition="in" filter="fade">
-                                      <p:cBhvr>
-                                        <p:cTn id="23" dur="1000"/>
-                                        <p:tgtEl>
-                                          <p:spTgt spid="3">
-                                            <p:txEl>
-                                              <p:pRg st="2" end="2"/>
-                                            </p:txEl>
-                                          </p:spTgt>
-                                        </p:tgtEl>
-                                      </p:cBhvr>
-                                    </p:animEffect>
-                                  </p:childTnLst>
-                                </p:cTn>
-                              </p:par>
-                              <p:par>
-                                <p:cTn id="24" presetID="10" presetClass="entr" presetSubtype="0" fill="hold" nodeType="withEffect">
-                                  <p:stCondLst>
-                                    <p:cond delay="0"/>
-                                  </p:stCondLst>
-                                  <p:childTnLst>
-                                    <p:set>
-                                      <p:cBhvr>
-                                        <p:cTn id="25" dur="1" fill="hold">
-                                          <p:stCondLst>
-                                            <p:cond delay="0"/>
-                                          </p:stCondLst>
-                                        </p:cTn>
-                                        <p:tgtEl>
-                                          <p:spTgt spid="39"/>
-                                        </p:tgtEl>
-                                        <p:attrNameLst>
-                                          <p:attrName>style.visibility</p:attrName>
-                                        </p:attrNameLst>
-                                      </p:cBhvr>
-                                      <p:to>
-                                        <p:strVal val="visible"/>
-                                      </p:to>
-                                    </p:set>
-                                    <p:animEffect transition="in" filter="fade">
-                                      <p:cBhvr>
-                                        <p:cTn id="26" dur="1000"/>
-                                        <p:tgtEl>
-                                          <p:spTgt spid="39"/>
-                                        </p:tgtEl>
-                                      </p:cBhvr>
-                                    </p:animEffect>
-                                  </p:childTnLst>
-                                </p:cTn>
-                              </p:par>
-                            </p:childTnLst>
-                          </p:cTn>
-                        </p:par>
-                      </p:childTnLst>
-                    </p:cTn>
-                  </p:par>
-                  <p:par>
-                    <p:cTn id="27" fill="hold">
-                      <p:stCondLst>
-                        <p:cond delay="indefinite"/>
-                      </p:stCondLst>
-                      <p:childTnLst>
-                        <p:par>
-                          <p:cTn id="28" fill="hold">
-                            <p:stCondLst>
-                              <p:cond delay="0"/>
-                            </p:stCondLst>
-                            <p:childTnLst>
-                              <p:par>
-                                <p:cTn id="29" presetID="10" presetClass="entr" presetSubtype="0" fill="hold" nodeType="clickEffect">
-                                  <p:stCondLst>
-                                    <p:cond delay="0"/>
-                                  </p:stCondLst>
-                                  <p:childTnLst>
-                                    <p:set>
-                                      <p:cBhvr>
-                                        <p:cTn id="30" dur="1" fill="hold">
-                                          <p:stCondLst>
-                                            <p:cond delay="0"/>
-                                          </p:stCondLst>
-                                        </p:cTn>
-                                        <p:tgtEl>
-                                          <p:spTgt spid="3">
-                                            <p:txEl>
-                                              <p:pRg st="3" end="3"/>
-                                            </p:txEl>
-                                          </p:spTgt>
-                                        </p:tgtEl>
-                                        <p:attrNameLst>
-                                          <p:attrName>style.visibility</p:attrName>
-                                        </p:attrNameLst>
-                                      </p:cBhvr>
-                                      <p:to>
-                                        <p:strVal val="visible"/>
-                                      </p:to>
-                                    </p:set>
-                                    <p:animEffect transition="in" filter="fade">
-                                      <p:cBhvr>
-                                        <p:cTn id="31" dur="1000"/>
-                                        <p:tgtEl>
-                                          <p:spTgt spid="3">
-                                            <p:txEl>
-                                              <p:pRg st="3" end="3"/>
-                                            </p:txEl>
-                                          </p:spTgt>
-                                        </p:tgtEl>
-                                      </p:cBhvr>
-                                    </p:animEffect>
-                                  </p:childTnLst>
-                                </p:cTn>
-                              </p:par>
-                              <p:par>
-                                <p:cTn id="32" presetID="10" presetClass="entr" presetSubtype="0" fill="hold" nodeType="withEffect">
-                                  <p:stCondLst>
-                                    <p:cond delay="0"/>
-                                  </p:stCondLst>
-                                  <p:childTnLst>
-                                    <p:set>
-                                      <p:cBhvr>
-                                        <p:cTn id="33" dur="1" fill="hold">
-                                          <p:stCondLst>
-                                            <p:cond delay="0"/>
-                                          </p:stCondLst>
-                                        </p:cTn>
-                                        <p:tgtEl>
-                                          <p:spTgt spid="12"/>
-                                        </p:tgtEl>
-                                        <p:attrNameLst>
-                                          <p:attrName>style.visibility</p:attrName>
-                                        </p:attrNameLst>
-                                      </p:cBhvr>
-                                      <p:to>
-                                        <p:strVal val="visible"/>
-                                      </p:to>
-                                    </p:set>
-                                    <p:animEffect transition="in" filter="fade">
-                                      <p:cBhvr>
-                                        <p:cTn id="34" dur="1000"/>
-                                        <p:tgtEl>
-                                          <p:spTgt spid="12"/>
-                                        </p:tgtEl>
-                                      </p:cBhvr>
-                                    </p:animEffect>
-                                  </p:childTnLst>
-                                </p:cTn>
-                              </p:par>
-                            </p:childTnLst>
-                          </p:cTn>
-                        </p:par>
-                      </p:childTnLst>
-                    </p:cTn>
-                  </p:par>
-                  <p:par>
-                    <p:cTn id="35" fill="hold">
-                      <p:stCondLst>
-                        <p:cond delay="indefinite"/>
-                      </p:stCondLst>
-                      <p:childTnLst>
-                        <p:par>
-                          <p:cTn id="36" fill="hold">
-                            <p:stCondLst>
-                              <p:cond delay="0"/>
-                            </p:stCondLst>
-                            <p:childTnLst>
-                              <p:par>
-                                <p:cTn id="37" presetID="10" presetClass="entr" presetSubtype="0" fill="hold" nodeType="clickEffect">
-                                  <p:stCondLst>
-                                    <p:cond delay="0"/>
-                                  </p:stCondLst>
-                                  <p:childTnLst>
-                                    <p:set>
-                                      <p:cBhvr>
-                                        <p:cTn id="38" dur="1" fill="hold">
-                                          <p:stCondLst>
-                                            <p:cond delay="0"/>
-                                          </p:stCondLst>
-                                        </p:cTn>
-                                        <p:tgtEl>
-                                          <p:spTgt spid="3">
-                                            <p:txEl>
-                                              <p:pRg st="4" end="4"/>
-                                            </p:txEl>
-                                          </p:spTgt>
-                                        </p:tgtEl>
-                                        <p:attrNameLst>
-                                          <p:attrName>style.visibility</p:attrName>
-                                        </p:attrNameLst>
-                                      </p:cBhvr>
-                                      <p:to>
-                                        <p:strVal val="visible"/>
-                                      </p:to>
-                                    </p:set>
-                                    <p:animEffect transition="in" filter="fade">
-                                      <p:cBhvr>
-                                        <p:cTn id="39" dur="1000"/>
-                                        <p:tgtEl>
-                                          <p:spTgt spid="3">
-                                            <p:txEl>
-                                              <p:pRg st="4" end="4"/>
-                                            </p:txEl>
-                                          </p:spTgt>
-                                        </p:tgtEl>
-                                      </p:cBhvr>
-                                    </p:animEffect>
-                                  </p:childTnLst>
-                                </p:cTn>
-                              </p:par>
-                              <p:par>
-                                <p:cTn id="40" presetID="10" presetClass="entr" presetSubtype="0" fill="hold" nodeType="withEffect">
-                                  <p:stCondLst>
-                                    <p:cond delay="0"/>
-                                  </p:stCondLst>
-                                  <p:childTnLst>
-                                    <p:set>
-                                      <p:cBhvr>
-                                        <p:cTn id="41" dur="1" fill="hold">
-                                          <p:stCondLst>
-                                            <p:cond delay="0"/>
-                                          </p:stCondLst>
-                                        </p:cTn>
-                                        <p:tgtEl>
-                                          <p:spTgt spid="44"/>
-                                        </p:tgtEl>
-                                        <p:attrNameLst>
-                                          <p:attrName>style.visibility</p:attrName>
-                                        </p:attrNameLst>
-                                      </p:cBhvr>
-                                      <p:to>
-                                        <p:strVal val="visible"/>
-                                      </p:to>
-                                    </p:set>
-                                    <p:animEffect transition="in" filter="fade">
-                                      <p:cBhvr>
-                                        <p:cTn id="42" dur="1000"/>
-                                        <p:tgtEl>
-                                          <p:spTgt spid="44"/>
-                                        </p:tgtEl>
-                                      </p:cBhvr>
-                                    </p:animEffect>
-                                  </p:childTnLst>
-                                </p:cTn>
-                              </p:par>
-                            </p:childTnLst>
-                          </p:cTn>
-                        </p:par>
-                      </p:childTnLst>
-                    </p:cTn>
-                  </p:par>
-                  <p:par>
-                    <p:cTn id="43" fill="hold">
-                      <p:stCondLst>
-                        <p:cond delay="indefinite"/>
-                      </p:stCondLst>
-                      <p:childTnLst>
-                        <p:par>
-                          <p:cTn id="44" fill="hold">
-                            <p:stCondLst>
-                              <p:cond delay="0"/>
-                            </p:stCondLst>
-                            <p:childTnLst>
-                              <p:par>
-                                <p:cTn id="45" presetID="10" presetClass="entr" presetSubtype="0" fill="hold" nodeType="clickEffect">
-                                  <p:stCondLst>
-                                    <p:cond delay="0"/>
-                                  </p:stCondLst>
-                                  <p:childTnLst>
-                                    <p:set>
-                                      <p:cBhvr>
-                                        <p:cTn id="46" dur="1" fill="hold">
-                                          <p:stCondLst>
-                                            <p:cond delay="0"/>
-                                          </p:stCondLst>
-                                        </p:cTn>
-                                        <p:tgtEl>
-                                          <p:spTgt spid="3">
-                                            <p:txEl>
-                                              <p:pRg st="5" end="5"/>
-                                            </p:txEl>
-                                          </p:spTgt>
-                                        </p:tgtEl>
-                                        <p:attrNameLst>
-                                          <p:attrName>style.visibility</p:attrName>
-                                        </p:attrNameLst>
-                                      </p:cBhvr>
-                                      <p:to>
-                                        <p:strVal val="visible"/>
-                                      </p:to>
-                                    </p:set>
-                                    <p:animEffect transition="in" filter="fade">
-                                      <p:cBhvr>
-                                        <p:cTn id="47" dur="1000"/>
-                                        <p:tgtEl>
-                                          <p:spTgt spid="3">
-                                            <p:txEl>
-                                              <p:pRg st="5" end="5"/>
-                                            </p:txEl>
-                                          </p:spTgt>
-                                        </p:tgtEl>
-                                      </p:cBhvr>
-                                    </p:animEffect>
-                                  </p:childTnLst>
-                                </p:cTn>
-                              </p:par>
-                              <p:par>
-                                <p:cTn id="48" presetID="10" presetClass="entr" presetSubtype="0" fill="hold" nodeType="withEffect">
-                                  <p:stCondLst>
-                                    <p:cond delay="0"/>
-                                  </p:stCondLst>
-                                  <p:childTnLst>
-                                    <p:set>
-                                      <p:cBhvr>
-                                        <p:cTn id="49" dur="1" fill="hold">
-                                          <p:stCondLst>
-                                            <p:cond delay="0"/>
-                                          </p:stCondLst>
-                                        </p:cTn>
-                                        <p:tgtEl>
-                                          <p:spTgt spid="28"/>
-                                        </p:tgtEl>
-                                        <p:attrNameLst>
-                                          <p:attrName>style.visibility</p:attrName>
-                                        </p:attrNameLst>
-                                      </p:cBhvr>
-                                      <p:to>
-                                        <p:strVal val="visible"/>
-                                      </p:to>
-                                    </p:set>
-                                    <p:animEffect transition="in" filter="fade">
-                                      <p:cBhvr>
-                                        <p:cTn id="50" dur="1000"/>
-                                        <p:tgtEl>
-                                          <p:spTgt spid="28"/>
-                                        </p:tgtEl>
-                                      </p:cBhvr>
-                                    </p:animEffect>
-                                  </p:childTnLst>
-                                </p:cTn>
-                              </p:par>
-                            </p:childTnLst>
-                          </p:cTn>
-                        </p:par>
-                      </p:childTnLst>
-                    </p:cTn>
-                  </p:par>
-                  <p:par>
-                    <p:cTn id="51" fill="hold">
-                      <p:stCondLst>
-                        <p:cond delay="indefinite"/>
-                      </p:stCondLst>
-                      <p:childTnLst>
-                        <p:par>
-                          <p:cTn id="52" fill="hold">
-                            <p:stCondLst>
-                              <p:cond delay="0"/>
-                            </p:stCondLst>
-                            <p:childTnLst>
-                              <p:par>
-                                <p:cTn id="53" presetID="10" presetClass="entr" presetSubtype="0" fill="hold" nodeType="clickEffect">
-                                  <p:stCondLst>
-                                    <p:cond delay="0"/>
-                                  </p:stCondLst>
-                                  <p:childTnLst>
-                                    <p:set>
-                                      <p:cBhvr>
-                                        <p:cTn id="54" dur="1" fill="hold">
-                                          <p:stCondLst>
-                                            <p:cond delay="0"/>
-                                          </p:stCondLst>
-                                        </p:cTn>
-                                        <p:tgtEl>
-                                          <p:spTgt spid="3">
-                                            <p:txEl>
-                                              <p:pRg st="6" end="6"/>
-                                            </p:txEl>
-                                          </p:spTgt>
-                                        </p:tgtEl>
-                                        <p:attrNameLst>
-                                          <p:attrName>style.visibility</p:attrName>
-                                        </p:attrNameLst>
-                                      </p:cBhvr>
-                                      <p:to>
-                                        <p:strVal val="visible"/>
-                                      </p:to>
-                                    </p:set>
-                                    <p:animEffect transition="in" filter="fade">
-                                      <p:cBhvr>
-                                        <p:cTn id="55" dur="1000"/>
-                                        <p:tgtEl>
-                                          <p:spTgt spid="3">
-                                            <p:txEl>
-                                              <p:pRg st="6" end="6"/>
-                                            </p:txEl>
-                                          </p:spTgt>
-                                        </p:tgtEl>
-                                      </p:cBhvr>
-                                    </p:animEffect>
-                                  </p:childTnLst>
-                                </p:cTn>
-                              </p:par>
-                              <p:par>
-                                <p:cTn id="56" presetID="10" presetClass="entr" presetSubtype="0" fill="hold" nodeType="withEffect">
-                                  <p:stCondLst>
-                                    <p:cond delay="0"/>
-                                  </p:stCondLst>
-                                  <p:childTnLst>
-                                    <p:set>
-                                      <p:cBhvr>
-                                        <p:cTn id="57" dur="1" fill="hold">
-                                          <p:stCondLst>
-                                            <p:cond delay="0"/>
-                                          </p:stCondLst>
-                                        </p:cTn>
-                                        <p:tgtEl>
-                                          <p:spTgt spid="53"/>
-                                        </p:tgtEl>
-                                        <p:attrNameLst>
-                                          <p:attrName>style.visibility</p:attrName>
-                                        </p:attrNameLst>
-                                      </p:cBhvr>
-                                      <p:to>
-                                        <p:strVal val="visible"/>
-                                      </p:to>
-                                    </p:set>
-                                    <p:animEffect transition="in" filter="fade">
-                                      <p:cBhvr>
-                                        <p:cTn id="58" dur="1000"/>
-                                        <p:tgtEl>
-                                          <p:spTgt spid="53"/>
-                                        </p:tgtEl>
-                                      </p:cBhvr>
-                                    </p:animEffect>
-                                  </p:childTnLst>
-                                </p:cTn>
-                              </p:par>
-                            </p:childTnLst>
-                          </p:cTn>
-                        </p:par>
-                      </p:childTnLst>
-                    </p:cTn>
-                  </p:par>
-                  <p:par>
-                    <p:cTn id="59" fill="hold">
-                      <p:stCondLst>
-                        <p:cond delay="indefinite"/>
-                      </p:stCondLst>
-                      <p:childTnLst>
-                        <p:par>
-                          <p:cTn id="60" fill="hold">
-                            <p:stCondLst>
-                              <p:cond delay="0"/>
-                            </p:stCondLst>
-                            <p:childTnLst>
-                              <p:par>
-                                <p:cTn id="61" presetID="10" presetClass="entr" presetSubtype="0" fill="hold" nodeType="clickEffect">
-                                  <p:stCondLst>
-                                    <p:cond delay="0"/>
-                                  </p:stCondLst>
-                                  <p:childTnLst>
-                                    <p:set>
-                                      <p:cBhvr>
-                                        <p:cTn id="62" dur="1" fill="hold">
-                                          <p:stCondLst>
-                                            <p:cond delay="0"/>
-                                          </p:stCondLst>
-                                        </p:cTn>
-                                        <p:tgtEl>
-                                          <p:spTgt spid="3">
-                                            <p:txEl>
-                                              <p:pRg st="7" end="7"/>
-                                            </p:txEl>
-                                          </p:spTgt>
-                                        </p:tgtEl>
-                                        <p:attrNameLst>
-                                          <p:attrName>style.visibility</p:attrName>
-                                        </p:attrNameLst>
-                                      </p:cBhvr>
-                                      <p:to>
-                                        <p:strVal val="visible"/>
-                                      </p:to>
-                                    </p:set>
-                                    <p:animEffect transition="in" filter="fade">
-                                      <p:cBhvr>
-                                        <p:cTn id="63" dur="1000"/>
-                                        <p:tgtEl>
-                                          <p:spTgt spid="3">
-                                            <p:txEl>
-                                              <p:pRg st="7" end="7"/>
-                                            </p:txEl>
-                                          </p:spTgt>
-                                        </p:tgtEl>
-                                      </p:cBhvr>
-                                    </p:animEffect>
-                                  </p:childTnLst>
-                                </p:cTn>
-                              </p:par>
-                              <p:par>
-                                <p:cTn id="64" presetID="10" presetClass="entr" presetSubtype="0" fill="hold" nodeType="withEffect">
-                                  <p:stCondLst>
-                                    <p:cond delay="0"/>
-                                  </p:stCondLst>
-                                  <p:childTnLst>
-                                    <p:set>
-                                      <p:cBhvr>
-                                        <p:cTn id="65" dur="1" fill="hold">
-                                          <p:stCondLst>
-                                            <p:cond delay="0"/>
-                                          </p:stCondLst>
-                                        </p:cTn>
-                                        <p:tgtEl>
-                                          <p:spTgt spid="60"/>
-                                        </p:tgtEl>
-                                        <p:attrNameLst>
-                                          <p:attrName>style.visibility</p:attrName>
-                                        </p:attrNameLst>
-                                      </p:cBhvr>
-                                      <p:to>
-                                        <p:strVal val="visible"/>
-                                      </p:to>
-                                    </p:set>
-                                    <p:animEffect transition="in" filter="fade">
-                                      <p:cBhvr>
-                                        <p:cTn id="66" dur="1000"/>
-                                        <p:tgtEl>
-                                          <p:spTgt spid="60"/>
-                                        </p:tgtEl>
-                                      </p:cBhvr>
-                                    </p:animEffect>
-                                  </p:childTnLst>
-                                </p:cTn>
-                              </p:par>
-                            </p:childTnLst>
-                          </p:cTn>
-                        </p:par>
-                      </p:childTnLst>
-                    </p:cTn>
-                  </p:par>
-                </p:childTnLst>
-              </p:cTn>
-              <p:prevCondLst>
-                <p:cond evt="onPrev" delay="0">
-                  <p:tgtEl>
-                    <p:sldTgt/>
-                  </p:tgtEl>
-                </p:cond>
-              </p:prevCondLst>
-              <p:nextCondLst>
-                <p:cond evt="onNext" delay="0">
-                  <p:tgtEl>
-                    <p:sldTgt/>
-                  </p:tgtEl>
-                </p:cond>
-              </p:nextCondLst>
-            </p:seq>
-          </p:childTnLst>
-        </p:cTn>
+        <p:cTn id="1" dur="indefinite" restart="never" nodeType="tmRoot"/>
       </p:par>
     </p:tnLst>
   </p:timing>
@@ -31710,7 +28978,7 @@
         </p:nvGrpSpPr>
         <p:grpSpPr>
           <a:xfrm>
-            <a:off x="6092536" y="1781322"/>
+            <a:off x="6092536" y="1812495"/>
             <a:ext cx="5391144" cy="4155063"/>
             <a:chOff x="6096000" y="1760105"/>
             <a:chExt cx="5391144" cy="4155063"/>
@@ -32185,7 +29453,7 @@
         </p:nvGrpSpPr>
         <p:grpSpPr>
           <a:xfrm>
-            <a:off x="6244936" y="1933722"/>
+            <a:off x="6224154" y="1964895"/>
             <a:ext cx="5391144" cy="4155063"/>
             <a:chOff x="6096000" y="1760105"/>
             <a:chExt cx="5391144" cy="4155063"/>
@@ -32660,7 +29928,7 @@
         </p:nvGrpSpPr>
         <p:grpSpPr>
           <a:xfrm>
-            <a:off x="6397336" y="2086122"/>
+            <a:off x="5742703" y="1784783"/>
             <a:ext cx="5391144" cy="4155063"/>
             <a:chOff x="6096000" y="1760105"/>
             <a:chExt cx="5391144" cy="4155063"/>
@@ -33135,7 +30403,7 @@
         </p:nvGrpSpPr>
         <p:grpSpPr>
           <a:xfrm>
-            <a:off x="5011891" y="2311267"/>
+            <a:off x="5146974" y="2685342"/>
             <a:ext cx="5391144" cy="4155063"/>
             <a:chOff x="6096000" y="1760105"/>
             <a:chExt cx="5391144" cy="4155063"/>
@@ -33558,6 +30826,481 @@
         <p:sp>
           <p:nvSpPr>
             <p:cNvPr id="91" name="Hexagon 90"/>
+            <p:cNvSpPr/>
+            <p:nvPr/>
+          </p:nvSpPr>
+          <p:spPr>
+            <a:xfrm>
+              <a:off x="9895600" y="4499837"/>
+              <a:ext cx="1589809" cy="1381990"/>
+            </a:xfrm>
+            <a:prstGeom prst="hexagon">
+              <a:avLst/>
+            </a:prstGeom>
+            <a:noFill/>
+            <a:ln w="57150">
+              <a:solidFill>
+                <a:schemeClr val="tx1"/>
+              </a:solidFill>
+            </a:ln>
+          </p:spPr>
+          <p:style>
+            <a:lnRef idx="2">
+              <a:schemeClr val="accent1">
+                <a:shade val="50000"/>
+              </a:schemeClr>
+            </a:lnRef>
+            <a:fillRef idx="1">
+              <a:schemeClr val="accent1"/>
+            </a:fillRef>
+            <a:effectRef idx="0">
+              <a:schemeClr val="accent1"/>
+            </a:effectRef>
+            <a:fontRef idx="minor">
+              <a:schemeClr val="lt1"/>
+            </a:fontRef>
+          </p:style>
+          <p:txBody>
+            <a:bodyPr rtlCol="0" anchor="ctr"/>
+            <a:lstStyle/>
+            <a:p>
+              <a:pPr algn="ctr"/>
+              <a:endParaRPr lang="en-CA"/>
+            </a:p>
+          </p:txBody>
+        </p:sp>
+      </p:grpSp>
+      <p:grpSp>
+        <p:nvGrpSpPr>
+          <p:cNvPr id="58" name="Group 57"/>
+          <p:cNvGrpSpPr/>
+          <p:nvPr/>
+        </p:nvGrpSpPr>
+        <p:grpSpPr>
+          <a:xfrm>
+            <a:off x="5081163" y="2827352"/>
+            <a:ext cx="5391144" cy="4155063"/>
+            <a:chOff x="6096000" y="1760105"/>
+            <a:chExt cx="5391144" cy="4155063"/>
+          </a:xfrm>
+        </p:grpSpPr>
+        <p:sp>
+          <p:nvSpPr>
+            <p:cNvPr id="92" name="Hexagon 91"/>
+            <p:cNvSpPr/>
+            <p:nvPr/>
+          </p:nvSpPr>
+          <p:spPr>
+            <a:xfrm>
+              <a:off x="6096001" y="2469286"/>
+              <a:ext cx="1589809" cy="1381990"/>
+            </a:xfrm>
+            <a:prstGeom prst="hexagon">
+              <a:avLst/>
+            </a:prstGeom>
+            <a:noFill/>
+            <a:ln w="57150">
+              <a:solidFill>
+                <a:schemeClr val="tx1"/>
+              </a:solidFill>
+            </a:ln>
+          </p:spPr>
+          <p:style>
+            <a:lnRef idx="2">
+              <a:schemeClr val="accent1">
+                <a:shade val="50000"/>
+              </a:schemeClr>
+            </a:lnRef>
+            <a:fillRef idx="1">
+              <a:schemeClr val="accent1"/>
+            </a:fillRef>
+            <a:effectRef idx="0">
+              <a:schemeClr val="accent1"/>
+            </a:effectRef>
+            <a:fontRef idx="minor">
+              <a:schemeClr val="lt1"/>
+            </a:fontRef>
+          </p:style>
+          <p:txBody>
+            <a:bodyPr rtlCol="0" anchor="ctr"/>
+            <a:lstStyle/>
+            <a:p>
+              <a:pPr algn="ctr"/>
+              <a:endParaRPr lang="en-CA"/>
+            </a:p>
+          </p:txBody>
+        </p:sp>
+        <p:sp>
+          <p:nvSpPr>
+            <p:cNvPr id="93" name="Hexagon 92"/>
+            <p:cNvSpPr/>
+            <p:nvPr/>
+          </p:nvSpPr>
+          <p:spPr>
+            <a:xfrm>
+              <a:off x="6096000" y="3851276"/>
+              <a:ext cx="1589809" cy="1381990"/>
+            </a:xfrm>
+            <a:prstGeom prst="hexagon">
+              <a:avLst/>
+            </a:prstGeom>
+            <a:noFill/>
+            <a:ln w="57150">
+              <a:solidFill>
+                <a:schemeClr val="tx1"/>
+              </a:solidFill>
+            </a:ln>
+          </p:spPr>
+          <p:style>
+            <a:lnRef idx="2">
+              <a:schemeClr val="accent1">
+                <a:shade val="50000"/>
+              </a:schemeClr>
+            </a:lnRef>
+            <a:fillRef idx="1">
+              <a:schemeClr val="accent1"/>
+            </a:fillRef>
+            <a:effectRef idx="0">
+              <a:schemeClr val="accent1"/>
+            </a:effectRef>
+            <a:fontRef idx="minor">
+              <a:schemeClr val="lt1"/>
+            </a:fontRef>
+          </p:style>
+          <p:txBody>
+            <a:bodyPr rtlCol="0" anchor="ctr"/>
+            <a:lstStyle/>
+            <a:p>
+              <a:pPr algn="ctr"/>
+              <a:endParaRPr lang="en-CA"/>
+            </a:p>
+          </p:txBody>
+        </p:sp>
+        <p:sp>
+          <p:nvSpPr>
+            <p:cNvPr id="94" name="Hexagon 93"/>
+            <p:cNvSpPr/>
+            <p:nvPr/>
+          </p:nvSpPr>
+          <p:spPr>
+            <a:xfrm>
+              <a:off x="7360228" y="3157250"/>
+              <a:ext cx="1589809" cy="1381990"/>
+            </a:xfrm>
+            <a:prstGeom prst="hexagon">
+              <a:avLst/>
+            </a:prstGeom>
+            <a:noFill/>
+            <a:ln w="57150">
+              <a:solidFill>
+                <a:schemeClr val="tx1"/>
+              </a:solidFill>
+            </a:ln>
+          </p:spPr>
+          <p:style>
+            <a:lnRef idx="2">
+              <a:schemeClr val="accent1">
+                <a:shade val="50000"/>
+              </a:schemeClr>
+            </a:lnRef>
+            <a:fillRef idx="1">
+              <a:schemeClr val="accent1"/>
+            </a:fillRef>
+            <a:effectRef idx="0">
+              <a:schemeClr val="accent1"/>
+            </a:effectRef>
+            <a:fontRef idx="minor">
+              <a:schemeClr val="lt1"/>
+            </a:fontRef>
+          </p:style>
+          <p:txBody>
+            <a:bodyPr rtlCol="0" anchor="ctr"/>
+            <a:lstStyle/>
+            <a:p>
+              <a:pPr algn="ctr"/>
+              <a:endParaRPr lang="en-CA"/>
+            </a:p>
+          </p:txBody>
+        </p:sp>
+        <p:sp>
+          <p:nvSpPr>
+            <p:cNvPr id="95" name="Hexagon 94"/>
+            <p:cNvSpPr/>
+            <p:nvPr/>
+          </p:nvSpPr>
+          <p:spPr>
+            <a:xfrm>
+              <a:off x="7360227" y="1781322"/>
+              <a:ext cx="1589809" cy="1381990"/>
+            </a:xfrm>
+            <a:prstGeom prst="hexagon">
+              <a:avLst/>
+            </a:prstGeom>
+            <a:noFill/>
+            <a:ln w="57150">
+              <a:solidFill>
+                <a:schemeClr val="tx1"/>
+              </a:solidFill>
+            </a:ln>
+          </p:spPr>
+          <p:style>
+            <a:lnRef idx="2">
+              <a:schemeClr val="accent1">
+                <a:shade val="50000"/>
+              </a:schemeClr>
+            </a:lnRef>
+            <a:fillRef idx="1">
+              <a:schemeClr val="accent1"/>
+            </a:fillRef>
+            <a:effectRef idx="0">
+              <a:schemeClr val="accent1"/>
+            </a:effectRef>
+            <a:fontRef idx="minor">
+              <a:schemeClr val="lt1"/>
+            </a:fontRef>
+          </p:style>
+          <p:txBody>
+            <a:bodyPr rtlCol="0" anchor="ctr"/>
+            <a:lstStyle/>
+            <a:p>
+              <a:pPr algn="ctr"/>
+              <a:endParaRPr lang="en-CA"/>
+            </a:p>
+          </p:txBody>
+        </p:sp>
+        <p:sp>
+          <p:nvSpPr>
+            <p:cNvPr id="96" name="Hexagon 95"/>
+            <p:cNvSpPr/>
+            <p:nvPr/>
+          </p:nvSpPr>
+          <p:spPr>
+            <a:xfrm>
+              <a:off x="7360227" y="4533178"/>
+              <a:ext cx="1589809" cy="1381990"/>
+            </a:xfrm>
+            <a:prstGeom prst="hexagon">
+              <a:avLst/>
+            </a:prstGeom>
+            <a:noFill/>
+            <a:ln w="57150">
+              <a:solidFill>
+                <a:schemeClr val="tx1"/>
+              </a:solidFill>
+            </a:ln>
+          </p:spPr>
+          <p:style>
+            <a:lnRef idx="2">
+              <a:schemeClr val="accent1">
+                <a:shade val="50000"/>
+              </a:schemeClr>
+            </a:lnRef>
+            <a:fillRef idx="1">
+              <a:schemeClr val="accent1"/>
+            </a:fillRef>
+            <a:effectRef idx="0">
+              <a:schemeClr val="accent1"/>
+            </a:effectRef>
+            <a:fontRef idx="minor">
+              <a:schemeClr val="lt1"/>
+            </a:fontRef>
+          </p:style>
+          <p:txBody>
+            <a:bodyPr rtlCol="0" anchor="ctr"/>
+            <a:lstStyle/>
+            <a:p>
+              <a:pPr algn="ctr"/>
+              <a:endParaRPr lang="en-CA"/>
+            </a:p>
+          </p:txBody>
+        </p:sp>
+        <p:sp>
+          <p:nvSpPr>
+            <p:cNvPr id="97" name="Hexagon 96"/>
+            <p:cNvSpPr/>
+            <p:nvPr/>
+          </p:nvSpPr>
+          <p:spPr>
+            <a:xfrm>
+              <a:off x="8624453" y="2457162"/>
+              <a:ext cx="1589809" cy="1381990"/>
+            </a:xfrm>
+            <a:prstGeom prst="hexagon">
+              <a:avLst/>
+            </a:prstGeom>
+            <a:noFill/>
+            <a:ln w="57150">
+              <a:solidFill>
+                <a:schemeClr val="tx1"/>
+              </a:solidFill>
+            </a:ln>
+          </p:spPr>
+          <p:style>
+            <a:lnRef idx="2">
+              <a:schemeClr val="accent1">
+                <a:shade val="50000"/>
+              </a:schemeClr>
+            </a:lnRef>
+            <a:fillRef idx="1">
+              <a:schemeClr val="accent1"/>
+            </a:fillRef>
+            <a:effectRef idx="0">
+              <a:schemeClr val="accent1"/>
+            </a:effectRef>
+            <a:fontRef idx="minor">
+              <a:schemeClr val="lt1"/>
+            </a:fontRef>
+          </p:style>
+          <p:txBody>
+            <a:bodyPr rtlCol="0" anchor="ctr"/>
+            <a:lstStyle/>
+            <a:p>
+              <a:pPr algn="ctr"/>
+              <a:endParaRPr lang="en-CA"/>
+            </a:p>
+          </p:txBody>
+        </p:sp>
+        <p:sp>
+          <p:nvSpPr>
+            <p:cNvPr id="98" name="Hexagon 97"/>
+            <p:cNvSpPr/>
+            <p:nvPr/>
+          </p:nvSpPr>
+          <p:spPr>
+            <a:xfrm>
+              <a:off x="8624453" y="3845214"/>
+              <a:ext cx="1589809" cy="1381990"/>
+            </a:xfrm>
+            <a:prstGeom prst="hexagon">
+              <a:avLst/>
+            </a:prstGeom>
+            <a:noFill/>
+            <a:ln w="57150">
+              <a:solidFill>
+                <a:schemeClr val="tx1"/>
+              </a:solidFill>
+            </a:ln>
+          </p:spPr>
+          <p:style>
+            <a:lnRef idx="2">
+              <a:schemeClr val="accent1">
+                <a:shade val="50000"/>
+              </a:schemeClr>
+            </a:lnRef>
+            <a:fillRef idx="1">
+              <a:schemeClr val="accent1"/>
+            </a:fillRef>
+            <a:effectRef idx="0">
+              <a:schemeClr val="accent1"/>
+            </a:effectRef>
+            <a:fontRef idx="minor">
+              <a:schemeClr val="lt1"/>
+            </a:fontRef>
+          </p:style>
+          <p:txBody>
+            <a:bodyPr rtlCol="0" anchor="ctr"/>
+            <a:lstStyle/>
+            <a:p>
+              <a:pPr algn="ctr"/>
+              <a:endParaRPr lang="en-CA"/>
+            </a:p>
+          </p:txBody>
+        </p:sp>
+        <p:sp>
+          <p:nvSpPr>
+            <p:cNvPr id="99" name="Hexagon 98"/>
+            <p:cNvSpPr/>
+            <p:nvPr/>
+          </p:nvSpPr>
+          <p:spPr>
+            <a:xfrm>
+              <a:off x="9897335" y="3133002"/>
+              <a:ext cx="1589809" cy="1381990"/>
+            </a:xfrm>
+            <a:prstGeom prst="hexagon">
+              <a:avLst/>
+            </a:prstGeom>
+            <a:noFill/>
+            <a:ln w="57150">
+              <a:solidFill>
+                <a:schemeClr val="tx1"/>
+              </a:solidFill>
+            </a:ln>
+          </p:spPr>
+          <p:style>
+            <a:lnRef idx="2">
+              <a:schemeClr val="accent1">
+                <a:shade val="50000"/>
+              </a:schemeClr>
+            </a:lnRef>
+            <a:fillRef idx="1">
+              <a:schemeClr val="accent1"/>
+            </a:fillRef>
+            <a:effectRef idx="0">
+              <a:schemeClr val="accent1"/>
+            </a:effectRef>
+            <a:fontRef idx="minor">
+              <a:schemeClr val="lt1"/>
+            </a:fontRef>
+          </p:style>
+          <p:txBody>
+            <a:bodyPr rtlCol="0" anchor="ctr"/>
+            <a:lstStyle/>
+            <a:p>
+              <a:pPr algn="ctr"/>
+              <a:endParaRPr lang="en-CA"/>
+            </a:p>
+          </p:txBody>
+        </p:sp>
+        <p:sp>
+          <p:nvSpPr>
+            <p:cNvPr id="100" name="Hexagon 99"/>
+            <p:cNvSpPr/>
+            <p:nvPr/>
+          </p:nvSpPr>
+          <p:spPr>
+            <a:xfrm>
+              <a:off x="9876553" y="1760105"/>
+              <a:ext cx="1589809" cy="1381990"/>
+            </a:xfrm>
+            <a:prstGeom prst="hexagon">
+              <a:avLst/>
+            </a:prstGeom>
+            <a:noFill/>
+            <a:ln w="57150">
+              <a:solidFill>
+                <a:schemeClr val="tx1"/>
+              </a:solidFill>
+            </a:ln>
+          </p:spPr>
+          <p:style>
+            <a:lnRef idx="2">
+              <a:schemeClr val="accent1">
+                <a:shade val="50000"/>
+              </a:schemeClr>
+            </a:lnRef>
+            <a:fillRef idx="1">
+              <a:schemeClr val="accent1"/>
+            </a:fillRef>
+            <a:effectRef idx="0">
+              <a:schemeClr val="accent1"/>
+            </a:effectRef>
+            <a:fontRef idx="minor">
+              <a:schemeClr val="lt1"/>
+            </a:fontRef>
+          </p:style>
+          <p:txBody>
+            <a:bodyPr rtlCol="0" anchor="ctr"/>
+            <a:lstStyle/>
+            <a:p>
+              <a:pPr algn="ctr"/>
+              <a:endParaRPr lang="en-CA"/>
+            </a:p>
+          </p:txBody>
+        </p:sp>
+        <p:sp>
+          <p:nvSpPr>
+            <p:cNvPr id="101" name="Hexagon 100"/>
             <p:cNvSpPr/>
             <p:nvPr/>
           </p:nvSpPr>
@@ -34529,7 +32272,7 @@
                                     <p:cond delay="0"/>
                                   </p:stCondLst>
                                   <p:childTnLst>
-                                    <p:animMotion origin="layout" path="M -3.33333E-6 0 L -0.13958 -0.2412 " pathEditMode="relative" rAng="0" ptsTypes="AA">
+                                    <p:animMotion origin="layout" path="M -3.33333E-6 3.7037E-7 L -0.14179 -0.1412 " pathEditMode="relative" rAng="0" ptsTypes="AA">
                                       <p:cBhvr>
                                         <p:cTn id="78" dur="2000" fill="hold"/>
                                         <p:tgtEl>
@@ -34540,7 +32283,7 @@
                                           <p:attrName>ppt_y</p:attrName>
                                         </p:attrNameLst>
                                       </p:cBhvr>
-                                      <p:rCtr x="-6979" y="-12060"/>
+                                      <p:rCtr x="-7096" y="-7060"/>
                                     </p:animMotion>
                                   </p:childTnLst>
                                 </p:cTn>
@@ -34604,7 +32347,7 @@
                                     <p:cond delay="1000"/>
                                   </p:stCondLst>
                                   <p:childTnLst>
-                                    <p:animMotion origin="layout" path="M -3.33333E-6 -2.22222E-6 L -0.08737 -0.16574 " pathEditMode="relative" rAng="0" ptsTypes="AA">
+                                    <p:animMotion origin="layout" path="M -6.25E-7 -1.85185E-6 L -0.08737 -0.16574 " pathEditMode="relative" rAng="0" ptsTypes="AA">
                                       <p:cBhvr>
                                         <p:cTn id="85" dur="2000" fill="hold"/>
                                         <p:tgtEl>
@@ -34679,7 +32422,7 @@
                                     <p:cond delay="1500"/>
                                   </p:stCondLst>
                                   <p:childTnLst>
-                                    <p:animMotion origin="layout" path="M 0.01485 0.00649 L -0.01015 -0.03796 " pathEditMode="relative" rAng="0" ptsTypes="AA">
+                                    <p:animMotion origin="layout" path="M 0.01484 0.00649 L -0.01016 -0.03796 " pathEditMode="relative" rAng="0" ptsTypes="AA">
                                       <p:cBhvr>
                                         <p:cTn id="92" dur="2000" fill="hold"/>
                                         <p:tgtEl>
@@ -34754,7 +32497,7 @@
                                     <p:cond delay="2000"/>
                                   </p:stCondLst>
                                   <p:childTnLst>
-                                    <p:animMotion origin="layout" path="M 0.01485 0.00649 L -0.0375 -0.06666 " pathEditMode="relative" rAng="0" ptsTypes="AA">
+                                    <p:animMotion origin="layout" path="M 0.01484 0.00649 L 0.00169 -0.07037 " pathEditMode="relative" rAng="0" ptsTypes="AA">
                                       <p:cBhvr>
                                         <p:cTn id="99" dur="2000" fill="hold"/>
                                         <p:tgtEl>
@@ -34765,7 +32508,82 @@
                                           <p:attrName>ppt_y</p:attrName>
                                         </p:attrNameLst>
                                       </p:cBhvr>
-                                      <p:rCtr x="-2617" y="-3657"/>
+                                      <p:rCtr x="-664" y="-3843"/>
+                                    </p:animMotion>
+                                  </p:childTnLst>
+                                </p:cTn>
+                              </p:par>
+                              <p:par>
+                                <p:cTn id="100" presetID="10" presetClass="entr" presetSubtype="0" fill="hold" nodeType="withEffect">
+                                  <p:stCondLst>
+                                    <p:cond delay="2000"/>
+                                  </p:stCondLst>
+                                  <p:childTnLst>
+                                    <p:set>
+                                      <p:cBhvr>
+                                        <p:cTn id="101" dur="1" fill="hold">
+                                          <p:stCondLst>
+                                            <p:cond delay="0"/>
+                                          </p:stCondLst>
+                                        </p:cTn>
+                                        <p:tgtEl>
+                                          <p:spTgt spid="58"/>
+                                        </p:tgtEl>
+                                        <p:attrNameLst>
+                                          <p:attrName>style.visibility</p:attrName>
+                                        </p:attrNameLst>
+                                      </p:cBhvr>
+                                      <p:to>
+                                        <p:strVal val="visible"/>
+                                      </p:to>
+                                    </p:set>
+                                    <p:animEffect transition="in" filter="fade">
+                                      <p:cBhvr>
+                                        <p:cTn id="102" dur="1000"/>
+                                        <p:tgtEl>
+                                          <p:spTgt spid="58"/>
+                                        </p:tgtEl>
+                                      </p:cBhvr>
+                                    </p:animEffect>
+                                  </p:childTnLst>
+                                </p:cTn>
+                              </p:par>
+                              <p:par>
+                                <p:cTn id="103" presetID="6" presetClass="emph" presetSubtype="0" fill="hold" nodeType="withEffect">
+                                  <p:stCondLst>
+                                    <p:cond delay="2500"/>
+                                  </p:stCondLst>
+                                  <p:childTnLst>
+                                    <p:animScale>
+                                      <p:cBhvr>
+                                        <p:cTn id="104" dur="2000" fill="hold"/>
+                                        <p:tgtEl>
+                                          <p:spTgt spid="58"/>
+                                        </p:tgtEl>
+                                      </p:cBhvr>
+                                      <p:by x="50000" y="50000"/>
+                                    </p:animScale>
+                                  </p:childTnLst>
+                                </p:cTn>
+                              </p:par>
+                              <p:par>
+                                <p:cTn id="105" presetID="42" presetClass="path" presetSubtype="0" accel="50000" decel="50000" fill="hold" nodeType="withEffect">
+                                  <p:stCondLst>
+                                    <p:cond delay="2500"/>
+                                  </p:stCondLst>
+                                  <p:childTnLst>
+                                    <p:animMotion origin="layout" path="M 1.29063 1.39282 L 1.22487 1.29976 " pathEditMode="relative" rAng="0" ptsTypes="AA">
+                                      <p:cBhvr>
+                                        <p:cTn id="106" dur="2000" fill="hold"/>
+                                        <p:tgtEl>
+                                          <p:spTgt spid="58"/>
+                                        </p:tgtEl>
+                                        <p:attrNameLst>
+                                          <p:attrName>ppt_x</p:attrName>
+                                          <p:attrName>ppt_y</p:attrName>
+                                        </p:attrNameLst>
+                                      </p:cBhvr>
+                                      <p:rCtr x="-3294" y="-4653"/>
                                     </p:animMotion>
                                   </p:childTnLst>
                                 </p:cTn>
@@ -37162,6 +34980,840 @@
   <p:timing>
     <p:tnLst>
       <p:par>
+        <p:cTn id="1" dur="indefinite" restart="never" nodeType="tmRoot"/>
+      </p:par>
+    </p:tnLst>
+  </p:timing>
+</p:sld>
+</file>
+
+<file path=ppt/slides/slide42.xml><?xml version="1.0" encoding="utf-8"?>
+<p:sld xmlns:a="http://schemas.openxmlformats.org/drawingml/2006/main" xmlns:r="http://schemas.openxmlformats.org/officeDocument/2006/relationships" xmlns:p="http://schemas.openxmlformats.org/presentationml/2006/main">
+  <p:cSld>
+    <p:spTree>
+      <p:nvGrpSpPr>
+        <p:cNvPr id="1" name=""/>
+        <p:cNvGrpSpPr/>
+        <p:nvPr/>
+      </p:nvGrpSpPr>
+      <p:grpSpPr>
+        <a:xfrm>
+          <a:off x="0" y="0"/>
+          <a:ext cx="0" cy="0"/>
+          <a:chOff x="0" y="0"/>
+          <a:chExt cx="0" cy="0"/>
+        </a:xfrm>
+      </p:grpSpPr>
+      <p:sp>
+        <p:nvSpPr>
+          <p:cNvPr id="2" name="Title 1"/>
+          <p:cNvSpPr>
+            <a:spLocks noGrp="1"/>
+          </p:cNvSpPr>
+          <p:nvPr>
+            <p:ph type="title"/>
+          </p:nvPr>
+        </p:nvSpPr>
+        <p:spPr/>
+        <p:txBody>
+          <a:bodyPr/>
+          <a:lstStyle/>
+          <a:p>
+            <a:r>
+              <a:rPr lang="en-CA" dirty="0"/>
+              <a:t>Is ALIFE a misnomer?</a:t>
+            </a:r>
+          </a:p>
+        </p:txBody>
+      </p:sp>
+      <p:sp>
+        <p:nvSpPr>
+          <p:cNvPr id="3" name="Content Placeholder 2"/>
+          <p:cNvSpPr>
+            <a:spLocks noGrp="1"/>
+          </p:cNvSpPr>
+          <p:nvPr>
+            <p:ph idx="1"/>
+          </p:nvPr>
+        </p:nvSpPr>
+        <p:spPr/>
+        <p:txBody>
+          <a:bodyPr/>
+          <a:lstStyle/>
+          <a:p>
+            <a:endParaRPr lang="en-CA"/>
+          </a:p>
+        </p:txBody>
+      </p:sp>
+    </p:spTree>
+    <p:extLst>
+      <p:ext uri="{BB962C8B-B14F-4D97-AF65-F5344CB8AC3E}">
+        <p14:creationId xmlns:p14="http://schemas.microsoft.com/office/powerpoint/2010/main" val="2928851732"/>
+      </p:ext>
+    </p:extLst>
+  </p:cSld>
+  <p:clrMapOvr>
+    <a:masterClrMapping/>
+  </p:clrMapOvr>
+  <p:timing>
+    <p:tnLst>
+      <p:par>
+        <p:cTn id="1" dur="indefinite" restart="never" nodeType="tmRoot"/>
+      </p:par>
+    </p:tnLst>
+  </p:timing>
+</p:sld>
+</file>
+
+<file path=ppt/slides/slide43.xml><?xml version="1.0" encoding="utf-8"?>
+<p:sld xmlns:a="http://schemas.openxmlformats.org/drawingml/2006/main" xmlns:r="http://schemas.openxmlformats.org/officeDocument/2006/relationships" xmlns:p="http://schemas.openxmlformats.org/presentationml/2006/main">
+  <p:cSld>
+    <p:spTree>
+      <p:nvGrpSpPr>
+        <p:cNvPr id="1" name=""/>
+        <p:cNvGrpSpPr/>
+        <p:nvPr/>
+      </p:nvGrpSpPr>
+      <p:grpSpPr>
+        <a:xfrm>
+          <a:off x="0" y="0"/>
+          <a:ext cx="0" cy="0"/>
+          <a:chOff x="0" y="0"/>
+          <a:chExt cx="0" cy="0"/>
+        </a:xfrm>
+      </p:grpSpPr>
+      <p:sp>
+        <p:nvSpPr>
+          <p:cNvPr id="2" name="Title 1"/>
+          <p:cNvSpPr>
+            <a:spLocks noGrp="1"/>
+          </p:cNvSpPr>
+          <p:nvPr>
+            <p:ph type="title"/>
+          </p:nvPr>
+        </p:nvSpPr>
+        <p:spPr/>
+        <p:txBody>
+          <a:bodyPr/>
+          <a:lstStyle/>
+          <a:p>
+            <a:r>
+              <a:rPr lang="en-CA" dirty="0"/>
+              <a:t>Analysis vs. Synthesis revisited</a:t>
+            </a:r>
+          </a:p>
+        </p:txBody>
+      </p:sp>
+      <p:sp>
+        <p:nvSpPr>
+          <p:cNvPr id="3" name="Content Placeholder 2"/>
+          <p:cNvSpPr>
+            <a:spLocks noGrp="1"/>
+          </p:cNvSpPr>
+          <p:nvPr>
+            <p:ph idx="1"/>
+          </p:nvPr>
+        </p:nvSpPr>
+        <p:spPr/>
+        <p:txBody>
+          <a:bodyPr/>
+          <a:lstStyle/>
+          <a:p>
+            <a:endParaRPr lang="en-CA"/>
+          </a:p>
+        </p:txBody>
+      </p:sp>
+    </p:spTree>
+    <p:extLst>
+      <p:ext uri="{BB962C8B-B14F-4D97-AF65-F5344CB8AC3E}">
+        <p14:creationId xmlns:p14="http://schemas.microsoft.com/office/powerpoint/2010/main" val="2402111895"/>
+      </p:ext>
+    </p:extLst>
+  </p:cSld>
+  <p:clrMapOvr>
+    <a:masterClrMapping/>
+  </p:clrMapOvr>
+  <p:timing>
+    <p:tnLst>
+      <p:par>
+        <p:cTn id="1" dur="indefinite" restart="never" nodeType="tmRoot"/>
+      </p:par>
+    </p:tnLst>
+  </p:timing>
+</p:sld>
+</file>
+
+<file path=ppt/slides/slide44.xml><?xml version="1.0" encoding="utf-8"?>
+<p:sld xmlns:a="http://schemas.openxmlformats.org/drawingml/2006/main" xmlns:r="http://schemas.openxmlformats.org/officeDocument/2006/relationships" xmlns:p="http://schemas.openxmlformats.org/presentationml/2006/main">
+  <p:cSld>
+    <p:spTree>
+      <p:nvGrpSpPr>
+        <p:cNvPr id="1" name=""/>
+        <p:cNvGrpSpPr/>
+        <p:nvPr/>
+      </p:nvGrpSpPr>
+      <p:grpSpPr>
+        <a:xfrm>
+          <a:off x="0" y="0"/>
+          <a:ext cx="0" cy="0"/>
+          <a:chOff x="0" y="0"/>
+          <a:chExt cx="0" cy="0"/>
+        </a:xfrm>
+      </p:grpSpPr>
+      <p:sp>
+        <p:nvSpPr>
+          <p:cNvPr id="2" name="Title 1"/>
+          <p:cNvSpPr>
+            <a:spLocks noGrp="1"/>
+          </p:cNvSpPr>
+          <p:nvPr>
+            <p:ph type="title"/>
+          </p:nvPr>
+        </p:nvSpPr>
+        <p:spPr/>
+        <p:txBody>
+          <a:bodyPr/>
+          <a:lstStyle/>
+          <a:p>
+            <a:r>
+              <a:rPr lang="en-CA" dirty="0"/>
+              <a:t>Synthesizing natural phenomena</a:t>
+            </a:r>
+          </a:p>
+        </p:txBody>
+      </p:sp>
+      <p:sp>
+        <p:nvSpPr>
+          <p:cNvPr id="3" name="Content Placeholder 2"/>
+          <p:cNvSpPr>
+            <a:spLocks noGrp="1"/>
+          </p:cNvSpPr>
+          <p:nvPr>
+            <p:ph idx="1"/>
+          </p:nvPr>
+        </p:nvSpPr>
+        <p:spPr/>
+        <p:txBody>
+          <a:bodyPr/>
+          <a:lstStyle/>
+          <a:p>
+            <a:endParaRPr lang="en-CA"/>
+          </a:p>
+        </p:txBody>
+      </p:sp>
+    </p:spTree>
+    <p:extLst>
+      <p:ext uri="{BB962C8B-B14F-4D97-AF65-F5344CB8AC3E}">
+        <p14:creationId xmlns:p14="http://schemas.microsoft.com/office/powerpoint/2010/main" val="761961247"/>
+      </p:ext>
+    </p:extLst>
+  </p:cSld>
+  <p:clrMapOvr>
+    <a:masterClrMapping/>
+  </p:clrMapOvr>
+</p:sld>
+</file>
+
+<file path=ppt/slides/slide45.xml><?xml version="1.0" encoding="utf-8"?>
+<p:sld xmlns:a="http://schemas.openxmlformats.org/drawingml/2006/main" xmlns:r="http://schemas.openxmlformats.org/officeDocument/2006/relationships" xmlns:p="http://schemas.openxmlformats.org/presentationml/2006/main">
+  <p:cSld>
+    <p:spTree>
+      <p:nvGrpSpPr>
+        <p:cNvPr id="1" name=""/>
+        <p:cNvGrpSpPr/>
+        <p:nvPr/>
+      </p:nvGrpSpPr>
+      <p:grpSpPr>
+        <a:xfrm>
+          <a:off x="0" y="0"/>
+          <a:ext cx="0" cy="0"/>
+          <a:chOff x="0" y="0"/>
+          <a:chExt cx="0" cy="0"/>
+        </a:xfrm>
+      </p:grpSpPr>
+      <p:sp>
+        <p:nvSpPr>
+          <p:cNvPr id="2" name="Title 1"/>
+          <p:cNvSpPr>
+            <a:spLocks noGrp="1"/>
+          </p:cNvSpPr>
+          <p:nvPr>
+            <p:ph type="title"/>
+          </p:nvPr>
+        </p:nvSpPr>
+        <p:spPr/>
+        <p:txBody>
+          <a:bodyPr/>
+          <a:lstStyle/>
+          <a:p>
+            <a:r>
+              <a:rPr lang="en-CA" dirty="0"/>
+              <a:t>Artificial computing?</a:t>
+            </a:r>
+          </a:p>
+        </p:txBody>
+      </p:sp>
+      <p:sp>
+        <p:nvSpPr>
+          <p:cNvPr id="3" name="Content Placeholder 2"/>
+          <p:cNvSpPr>
+            <a:spLocks noGrp="1"/>
+          </p:cNvSpPr>
+          <p:nvPr>
+            <p:ph idx="1"/>
+          </p:nvPr>
+        </p:nvSpPr>
+        <p:spPr/>
+        <p:txBody>
+          <a:bodyPr/>
+          <a:lstStyle/>
+          <a:p>
+            <a:endParaRPr lang="en-CA"/>
+          </a:p>
+        </p:txBody>
+      </p:sp>
+    </p:spTree>
+    <p:extLst>
+      <p:ext uri="{BB962C8B-B14F-4D97-AF65-F5344CB8AC3E}">
+        <p14:creationId xmlns:p14="http://schemas.microsoft.com/office/powerpoint/2010/main" val="1213626057"/>
+      </p:ext>
+    </p:extLst>
+  </p:cSld>
+  <p:clrMapOvr>
+    <a:masterClrMapping/>
+  </p:clrMapOvr>
+</p:sld>
+</file>
+
+<file path=ppt/slides/slide46.xml><?xml version="1.0" encoding="utf-8"?>
+<p:sld xmlns:a="http://schemas.openxmlformats.org/drawingml/2006/main" xmlns:r="http://schemas.openxmlformats.org/officeDocument/2006/relationships" xmlns:p="http://schemas.openxmlformats.org/presentationml/2006/main">
+  <p:cSld>
+    <p:spTree>
+      <p:nvGrpSpPr>
+        <p:cNvPr id="1" name=""/>
+        <p:cNvGrpSpPr/>
+        <p:nvPr/>
+      </p:nvGrpSpPr>
+      <p:grpSpPr>
+        <a:xfrm>
+          <a:off x="0" y="0"/>
+          <a:ext cx="0" cy="0"/>
+          <a:chOff x="0" y="0"/>
+          <a:chExt cx="0" cy="0"/>
+        </a:xfrm>
+      </p:grpSpPr>
+      <p:sp>
+        <p:nvSpPr>
+          <p:cNvPr id="2" name="Title 1"/>
+          <p:cNvSpPr>
+            <a:spLocks noGrp="1"/>
+          </p:cNvSpPr>
+          <p:nvPr>
+            <p:ph type="title"/>
+          </p:nvPr>
+        </p:nvSpPr>
+        <p:spPr/>
+        <p:txBody>
+          <a:bodyPr/>
+          <a:lstStyle/>
+          <a:p>
+            <a:r>
+              <a:rPr lang="en-CA" dirty="0"/>
+              <a:t>Computing synthetic natural phenomena</a:t>
+            </a:r>
+          </a:p>
+        </p:txBody>
+      </p:sp>
+      <p:sp>
+        <p:nvSpPr>
+          <p:cNvPr id="3" name="Content Placeholder 2"/>
+          <p:cNvSpPr>
+            <a:spLocks noGrp="1"/>
+          </p:cNvSpPr>
+          <p:nvPr>
+            <p:ph idx="1"/>
+          </p:nvPr>
+        </p:nvSpPr>
+        <p:spPr/>
+        <p:txBody>
+          <a:bodyPr/>
+          <a:lstStyle/>
+          <a:p>
+            <a:endParaRPr lang="en-CA"/>
+          </a:p>
+        </p:txBody>
+      </p:sp>
+    </p:spTree>
+    <p:extLst>
+      <p:ext uri="{BB962C8B-B14F-4D97-AF65-F5344CB8AC3E}">
+        <p14:creationId xmlns:p14="http://schemas.microsoft.com/office/powerpoint/2010/main" val="4098006981"/>
+      </p:ext>
+    </p:extLst>
+  </p:cSld>
+  <p:clrMapOvr>
+    <a:masterClrMapping/>
+  </p:clrMapOvr>
+</p:sld>
+</file>
+
+<file path=ppt/slides/slide47.xml><?xml version="1.0" encoding="utf-8"?>
+<p:sld xmlns:a="http://schemas.openxmlformats.org/drawingml/2006/main" xmlns:r="http://schemas.openxmlformats.org/officeDocument/2006/relationships" xmlns:p="http://schemas.openxmlformats.org/presentationml/2006/main">
+  <p:cSld>
+    <p:spTree>
+      <p:nvGrpSpPr>
+        <p:cNvPr id="1" name=""/>
+        <p:cNvGrpSpPr/>
+        <p:nvPr/>
+      </p:nvGrpSpPr>
+      <p:grpSpPr>
+        <a:xfrm>
+          <a:off x="0" y="0"/>
+          <a:ext cx="0" cy="0"/>
+          <a:chOff x="0" y="0"/>
+          <a:chExt cx="0" cy="0"/>
+        </a:xfrm>
+      </p:grpSpPr>
+      <p:sp>
+        <p:nvSpPr>
+          <p:cNvPr id="2" name="Title 1"/>
+          <p:cNvSpPr>
+            <a:spLocks noGrp="1"/>
+          </p:cNvSpPr>
+          <p:nvPr>
+            <p:ph type="title"/>
+          </p:nvPr>
+        </p:nvSpPr>
+        <p:spPr/>
+        <p:txBody>
+          <a:bodyPr/>
+          <a:lstStyle/>
+          <a:p>
+            <a:r>
+              <a:rPr lang="en-CA" dirty="0"/>
+              <a:t>Tierra</a:t>
+            </a:r>
+          </a:p>
+        </p:txBody>
+      </p:sp>
+      <p:sp>
+        <p:nvSpPr>
+          <p:cNvPr id="3" name="Content Placeholder 2"/>
+          <p:cNvSpPr>
+            <a:spLocks noGrp="1"/>
+          </p:cNvSpPr>
+          <p:nvPr>
+            <p:ph idx="1"/>
+          </p:nvPr>
+        </p:nvSpPr>
+        <p:spPr/>
+        <p:txBody>
+          <a:bodyPr/>
+          <a:lstStyle/>
+          <a:p>
+            <a:endParaRPr lang="en-CA"/>
+          </a:p>
+        </p:txBody>
+      </p:sp>
+    </p:spTree>
+    <p:extLst>
+      <p:ext uri="{BB962C8B-B14F-4D97-AF65-F5344CB8AC3E}">
+        <p14:creationId xmlns:p14="http://schemas.microsoft.com/office/powerpoint/2010/main" val="2104655064"/>
+      </p:ext>
+    </p:extLst>
+  </p:cSld>
+  <p:clrMapOvr>
+    <a:masterClrMapping/>
+  </p:clrMapOvr>
+</p:sld>
+</file>
+
+<file path=ppt/slides/slide5.xml><?xml version="1.0" encoding="utf-8"?>
+<p:sld xmlns:a="http://schemas.openxmlformats.org/drawingml/2006/main" xmlns:r="http://schemas.openxmlformats.org/officeDocument/2006/relationships" xmlns:p="http://schemas.openxmlformats.org/presentationml/2006/main">
+  <p:cSld>
+    <p:spTree>
+      <p:nvGrpSpPr>
+        <p:cNvPr id="1" name=""/>
+        <p:cNvGrpSpPr/>
+        <p:nvPr/>
+      </p:nvGrpSpPr>
+      <p:grpSpPr>
+        <a:xfrm>
+          <a:off x="0" y="0"/>
+          <a:ext cx="0" cy="0"/>
+          <a:chOff x="0" y="0"/>
+          <a:chExt cx="0" cy="0"/>
+        </a:xfrm>
+      </p:grpSpPr>
+      <p:sp>
+        <p:nvSpPr>
+          <p:cNvPr id="2" name="Title 1"/>
+          <p:cNvSpPr>
+            <a:spLocks noGrp="1"/>
+          </p:cNvSpPr>
+          <p:nvPr>
+            <p:ph type="title"/>
+          </p:nvPr>
+        </p:nvSpPr>
+        <p:spPr/>
+        <p:txBody>
+          <a:bodyPr/>
+          <a:lstStyle/>
+          <a:p>
+            <a:r>
+              <a:rPr lang="en-CA" dirty="0"/>
+              <a:t>A few ideas behind AL</a:t>
+            </a:r>
+          </a:p>
+        </p:txBody>
+      </p:sp>
+      <p:sp>
+        <p:nvSpPr>
+          <p:cNvPr id="3" name="Content Placeholder 2"/>
+          <p:cNvSpPr>
+            <a:spLocks noGrp="1"/>
+          </p:cNvSpPr>
+          <p:nvPr>
+            <p:ph idx="1"/>
+          </p:nvPr>
+        </p:nvSpPr>
+        <p:spPr/>
+        <p:txBody>
+          <a:bodyPr/>
+          <a:lstStyle/>
+          <a:p>
+            <a:r>
+              <a:rPr lang="en-CA" dirty="0"/>
+              <a:t>Life is a process</a:t>
+            </a:r>
+          </a:p>
+          <a:p>
+            <a:r>
+              <a:rPr lang="en-CA" dirty="0"/>
+              <a:t>Life can be explored constructively</a:t>
+            </a:r>
+          </a:p>
+          <a:p>
+            <a:r>
+              <a:rPr lang="en-CA" dirty="0"/>
+              <a:t>‘Life’ is independent of substrate</a:t>
+            </a:r>
+          </a:p>
+        </p:txBody>
+      </p:sp>
+    </p:spTree>
+    <p:extLst>
+      <p:ext uri="{BB962C8B-B14F-4D97-AF65-F5344CB8AC3E}">
+        <p14:creationId xmlns:p14="http://schemas.microsoft.com/office/powerpoint/2010/main" val="198058602"/>
+      </p:ext>
+    </p:extLst>
+  </p:cSld>
+  <p:clrMapOvr>
+    <a:masterClrMapping/>
+  </p:clrMapOvr>
+  <p:timing>
+    <p:tnLst>
+      <p:par>
+        <p:cTn id="1" dur="indefinite" restart="never" nodeType="tmRoot"/>
+      </p:par>
+    </p:tnLst>
+  </p:timing>
+</p:sld>
+</file>
+
+<file path=ppt/slides/slide6.xml><?xml version="1.0" encoding="utf-8"?>
+<p:sld xmlns:a="http://schemas.openxmlformats.org/drawingml/2006/main" xmlns:r="http://schemas.openxmlformats.org/officeDocument/2006/relationships" xmlns:p="http://schemas.openxmlformats.org/presentationml/2006/main">
+  <p:cSld>
+    <p:spTree>
+      <p:nvGrpSpPr>
+        <p:cNvPr id="1" name=""/>
+        <p:cNvGrpSpPr/>
+        <p:nvPr/>
+      </p:nvGrpSpPr>
+      <p:grpSpPr>
+        <a:xfrm>
+          <a:off x="0" y="0"/>
+          <a:ext cx="0" cy="0"/>
+          <a:chOff x="0" y="0"/>
+          <a:chExt cx="0" cy="0"/>
+        </a:xfrm>
+      </p:grpSpPr>
+      <p:sp>
+        <p:nvSpPr>
+          <p:cNvPr id="2" name="Title 1"/>
+          <p:cNvSpPr>
+            <a:spLocks noGrp="1"/>
+          </p:cNvSpPr>
+          <p:nvPr>
+            <p:ph type="title"/>
+          </p:nvPr>
+        </p:nvSpPr>
+        <p:spPr/>
+        <p:txBody>
+          <a:bodyPr/>
+          <a:lstStyle/>
+          <a:p>
+            <a:r>
+              <a:rPr lang="en-CA" dirty="0"/>
+              <a:t>Life-as-it-is</a:t>
+            </a:r>
+          </a:p>
+        </p:txBody>
+      </p:sp>
+      <p:sp>
+        <p:nvSpPr>
+          <p:cNvPr id="3" name="Content Placeholder 2"/>
+          <p:cNvSpPr>
+            <a:spLocks noGrp="1"/>
+          </p:cNvSpPr>
+          <p:nvPr>
+            <p:ph idx="1"/>
+          </p:nvPr>
+        </p:nvSpPr>
+        <p:spPr/>
+        <p:txBody>
+          <a:bodyPr/>
+          <a:lstStyle/>
+          <a:p>
+            <a:r>
+              <a:rPr lang="en-CA" dirty="0"/>
+              <a:t>AL contributes models to biological sciences</a:t>
+            </a:r>
+          </a:p>
+          <a:p>
+            <a:r>
+              <a:rPr lang="en-CA" dirty="0"/>
+              <a:t>AL refines its models with contributions of biological </a:t>
+            </a:r>
+            <a:r>
+              <a:rPr lang="en-CA" dirty="0" smtClean="0"/>
+              <a:t>sciences</a:t>
+            </a:r>
+          </a:p>
+          <a:p>
+            <a:r>
+              <a:rPr lang="en-CA" dirty="0" smtClean="0"/>
+              <a:t>Biology is increasingly using AL</a:t>
+            </a:r>
+            <a:endParaRPr lang="en-CA" dirty="0"/>
+          </a:p>
+        </p:txBody>
+      </p:sp>
+    </p:spTree>
+    <p:extLst>
+      <p:ext uri="{BB962C8B-B14F-4D97-AF65-F5344CB8AC3E}">
+        <p14:creationId xmlns:p14="http://schemas.microsoft.com/office/powerpoint/2010/main" val="2279785290"/>
+      </p:ext>
+    </p:extLst>
+  </p:cSld>
+  <p:clrMapOvr>
+    <a:masterClrMapping/>
+  </p:clrMapOvr>
+  <p:timing>
+    <p:tnLst>
+      <p:par>
+        <p:cTn id="1" dur="indefinite" restart="never" nodeType="tmRoot"/>
+      </p:par>
+    </p:tnLst>
+  </p:timing>
+</p:sld>
+</file>
+
+<file path=ppt/slides/slide7.xml><?xml version="1.0" encoding="utf-8"?>
+<p:sld xmlns:a="http://schemas.openxmlformats.org/drawingml/2006/main" xmlns:r="http://schemas.openxmlformats.org/officeDocument/2006/relationships" xmlns:p="http://schemas.openxmlformats.org/presentationml/2006/main">
+  <p:cSld>
+    <p:spTree>
+      <p:nvGrpSpPr>
+        <p:cNvPr id="1" name=""/>
+        <p:cNvGrpSpPr/>
+        <p:nvPr/>
+      </p:nvGrpSpPr>
+      <p:grpSpPr>
+        <a:xfrm>
+          <a:off x="0" y="0"/>
+          <a:ext cx="0" cy="0"/>
+          <a:chOff x="0" y="0"/>
+          <a:chExt cx="0" cy="0"/>
+        </a:xfrm>
+      </p:grpSpPr>
+      <p:sp>
+        <p:nvSpPr>
+          <p:cNvPr id="2" name="Title 1"/>
+          <p:cNvSpPr>
+            <a:spLocks noGrp="1"/>
+          </p:cNvSpPr>
+          <p:nvPr>
+            <p:ph type="title"/>
+          </p:nvPr>
+        </p:nvSpPr>
+        <p:spPr/>
+        <p:txBody>
+          <a:bodyPr/>
+          <a:lstStyle/>
+          <a:p>
+            <a:r>
+              <a:rPr lang="en-CA" dirty="0"/>
+              <a:t>Life-as-it-could-be</a:t>
+            </a:r>
+          </a:p>
+        </p:txBody>
+      </p:sp>
+      <p:sp>
+        <p:nvSpPr>
+          <p:cNvPr id="3" name="Content Placeholder 2"/>
+          <p:cNvSpPr>
+            <a:spLocks noGrp="1"/>
+          </p:cNvSpPr>
+          <p:nvPr>
+            <p:ph idx="1"/>
+          </p:nvPr>
+        </p:nvSpPr>
+        <p:spPr/>
+        <p:txBody>
+          <a:bodyPr/>
+          <a:lstStyle/>
+          <a:p>
+            <a:r>
+              <a:rPr lang="en-CA" dirty="0"/>
+              <a:t>Constructive approach allows exploration of novel forms of life</a:t>
+            </a:r>
+          </a:p>
+          <a:p>
+            <a:r>
+              <a:rPr lang="en-CA" dirty="0"/>
+              <a:t>Low-level rules and agent interaction produce life-like </a:t>
+            </a:r>
+            <a:r>
+              <a:rPr lang="en-CA" dirty="0" smtClean="0"/>
+              <a:t>complexity</a:t>
+            </a:r>
+          </a:p>
+          <a:p>
+            <a:r>
+              <a:rPr lang="en-CA" dirty="0" smtClean="0"/>
+              <a:t>A generalization of biology</a:t>
+            </a:r>
+            <a:endParaRPr lang="en-CA" dirty="0"/>
+          </a:p>
+        </p:txBody>
+      </p:sp>
+    </p:spTree>
+    <p:extLst>
+      <p:ext uri="{BB962C8B-B14F-4D97-AF65-F5344CB8AC3E}">
+        <p14:creationId xmlns:p14="http://schemas.microsoft.com/office/powerpoint/2010/main" val="2241344431"/>
+      </p:ext>
+    </p:extLst>
+  </p:cSld>
+  <p:clrMapOvr>
+    <a:masterClrMapping/>
+  </p:clrMapOvr>
+  <p:timing>
+    <p:tnLst>
+      <p:par>
+        <p:cTn id="1" dur="indefinite" restart="never" nodeType="tmRoot"/>
+      </p:par>
+    </p:tnLst>
+  </p:timing>
+</p:sld>
+</file>
+
+<file path=ppt/slides/slide8.xml><?xml version="1.0" encoding="utf-8"?>
+<p:sld xmlns:a="http://schemas.openxmlformats.org/drawingml/2006/main" xmlns:r="http://schemas.openxmlformats.org/officeDocument/2006/relationships" xmlns:p="http://schemas.openxmlformats.org/presentationml/2006/main">
+  <p:cSld>
+    <p:spTree>
+      <p:nvGrpSpPr>
+        <p:cNvPr id="1" name=""/>
+        <p:cNvGrpSpPr/>
+        <p:nvPr/>
+      </p:nvGrpSpPr>
+      <p:grpSpPr>
+        <a:xfrm>
+          <a:off x="0" y="0"/>
+          <a:ext cx="0" cy="0"/>
+          <a:chOff x="0" y="0"/>
+          <a:chExt cx="0" cy="0"/>
+        </a:xfrm>
+      </p:grpSpPr>
+      <p:sp>
+        <p:nvSpPr>
+          <p:cNvPr id="2" name="Title 1"/>
+          <p:cNvSpPr>
+            <a:spLocks noGrp="1"/>
+          </p:cNvSpPr>
+          <p:nvPr>
+            <p:ph type="title"/>
+          </p:nvPr>
+        </p:nvSpPr>
+        <p:spPr/>
+        <p:txBody>
+          <a:bodyPr/>
+          <a:lstStyle/>
+          <a:p>
+            <a:r>
+              <a:rPr lang="en-CA" dirty="0"/>
+              <a:t>Langton’s Features of AL Models (1988)</a:t>
+            </a:r>
+          </a:p>
+        </p:txBody>
+      </p:sp>
+      <p:sp>
+        <p:nvSpPr>
+          <p:cNvPr id="3" name="Content Placeholder 2"/>
+          <p:cNvSpPr>
+            <a:spLocks noGrp="1"/>
+          </p:cNvSpPr>
+          <p:nvPr>
+            <p:ph idx="1"/>
+          </p:nvPr>
+        </p:nvSpPr>
+        <p:spPr/>
+        <p:txBody>
+          <a:bodyPr/>
+          <a:lstStyle/>
+          <a:p>
+            <a:r>
+              <a:rPr lang="en-CA" dirty="0"/>
+              <a:t>Ensembles, or ecosystems, of agents, or organisms, interacting</a:t>
+            </a:r>
+          </a:p>
+          <a:p>
+            <a:r>
+              <a:rPr lang="en-CA" dirty="0"/>
+              <a:t>No privileged agents – No central control</a:t>
+            </a:r>
+          </a:p>
+          <a:p>
+            <a:r>
+              <a:rPr lang="en-CA" dirty="0"/>
+              <a:t>Agents choose how to interact with agents and the environment</a:t>
+            </a:r>
+          </a:p>
+          <a:p>
+            <a:r>
+              <a:rPr lang="en-CA" dirty="0"/>
+              <a:t>No global rules – Only individual rules</a:t>
+            </a:r>
+          </a:p>
+          <a:p>
+            <a:r>
+              <a:rPr lang="en-CA" dirty="0"/>
+              <a:t>Emergent phenomena are patterns that transcend individuals</a:t>
+            </a:r>
+          </a:p>
+        </p:txBody>
+      </p:sp>
+    </p:spTree>
+    <p:extLst>
+      <p:ext uri="{BB962C8B-B14F-4D97-AF65-F5344CB8AC3E}">
+        <p14:creationId xmlns:p14="http://schemas.microsoft.com/office/powerpoint/2010/main" val="3015421867"/>
+      </p:ext>
+    </p:extLst>
+  </p:cSld>
+  <p:clrMapOvr>
+    <a:masterClrMapping/>
+  </p:clrMapOvr>
+  <p:timing>
+    <p:tnLst>
+      <p:par>
         <p:cTn id="1" dur="indefinite" restart="never" nodeType="tmRoot">
           <p:childTnLst>
             <p:seq concurrent="1" nextAc="seek">
@@ -37222,41 +35874,6 @@
                                   </p:childTnLst>
                                 </p:cTn>
                               </p:par>
-                              <p:par>
-                                <p:cTn id="8" presetID="10" presetClass="entr" presetSubtype="0" fill="hold" nodeType="withEffect">
-                                  <p:stCondLst>
-                                    <p:cond delay="0"/>
-                                  </p:stCondLst>
-                                  <p:childTnLst>
-                                    <p:set>
-                                      <p:cBhvr>
-                                        <p:cTn id="9" dur="1" fill="hold">
-                                          <p:stCondLst>
-                                            <p:cond delay="0"/>
-                                          </p:stCondLst>
-                                        </p:cTn>
-                                        <p:tgtEl>
-                                          <p:spTgt spid="11"/>
-                                        </p:tgtEl>
-                                        <p:attrNameLst>
-                                          <p:attrName>style.visibility</p:attrName>
-                                        </p:attrNameLst>
-                                      </p:cBhvr>
-                                      <p:to>
-                                        <p:strVal val="visible"/>
-                                      </p:to>
-                                    </p:set>
-                                    <p:animEffect transition="in" filter="fade">
-                                      <p:cBhvr>
-                                        <p:cTn id="10" dur="1000"/>
-                                        <p:tgtEl>
-                                          <p:spTgt spid="11"/>
-                                        </p:tgtEl>
-                                      </p:cBhvr>
-                                    </p:animEffect>
-                                  </p:childTnLst>
-                                </p:cTn>
-                              </p:par>
                             </p:childTnLst>
                           </p:cTn>
                         </p:par>
@@ -37264,26 +35881,26 @@
                     </p:cTn>
                   </p:par>
                   <p:par>
-                    <p:cTn id="11" fill="hold">
+                    <p:cTn id="8" fill="hold">
                       <p:stCondLst>
                         <p:cond delay="indefinite"/>
                       </p:stCondLst>
                       <p:childTnLst>
                         <p:par>
-                          <p:cTn id="12" fill="hold">
+                          <p:cTn id="9" fill="hold">
                             <p:stCondLst>
                               <p:cond delay="0"/>
                             </p:stCondLst>
                             <p:childTnLst>
                               <p:par>
-                                <p:cTn id="13" presetID="10" presetClass="entr" presetSubtype="0" fill="hold" nodeType="clickEffect">
+                                <p:cTn id="10" presetID="10" presetClass="entr" presetSubtype="0" fill="hold" nodeType="clickEffect">
                                   <p:stCondLst>
                                     <p:cond delay="0"/>
                                   </p:stCondLst>
                                   <p:childTnLst>
                                     <p:set>
                                       <p:cBhvr>
-                                        <p:cTn id="14" dur="1" fill="hold">
+                                        <p:cTn id="11" dur="1" fill="hold">
                                           <p:stCondLst>
                                             <p:cond delay="0"/>
                                           </p:stCondLst>
@@ -37305,48 +35922,13 @@
                                     </p:set>
                                     <p:animEffect transition="in" filter="fade">
                                       <p:cBhvr>
-                                        <p:cTn id="15" dur="1000"/>
+                                        <p:cTn id="12" dur="1000"/>
                                         <p:tgtEl>
                                           <p:spTgt spid="3">
                                             <p:txEl>
                                               <p:pRg st="1" end="1"/>
                                             </p:txEl>
                                           </p:spTgt>
-                                        </p:tgtEl>
-                                      </p:cBhvr>
-                                    </p:animEffect>
-                                  </p:childTnLst>
-                                </p:cTn>
-                              </p:par>
-                              <p:par>
-                                <p:cTn id="16" presetID="10" presetClass="entr" presetSubtype="0" fill="hold" nodeType="withEffect">
-                                  <p:stCondLst>
-                                    <p:cond delay="0"/>
-                                  </p:stCondLst>
-                                  <p:childTnLst>
-                                    <p:set>
-                                      <p:cBhvr>
-                                        <p:cTn id="17" dur="1" fill="hold">
-                                          <p:stCondLst>
-                                            <p:cond delay="0"/>
-                                          </p:stCondLst>
-                                        </p:cTn>
-                                        <p:tgtEl>
-                                          <p:spTgt spid="55"/>
-                                        </p:tgtEl>
-                                        <p:attrNameLst>
-                                          <p:attrName>style.visibility</p:attrName>
-                                        </p:attrNameLst>
-                                      </p:cBhvr>
-                                      <p:to>
-                                        <p:strVal val="visible"/>
-                                      </p:to>
-                                    </p:set>
-                                    <p:animEffect transition="in" filter="fade">
-                                      <p:cBhvr>
-                                        <p:cTn id="18" dur="1000"/>
-                                        <p:tgtEl>
-                                          <p:spTgt spid="55"/>
                                         </p:tgtEl>
                                       </p:cBhvr>
                                     </p:animEffect>
@@ -37360,26 +35942,26 @@
                     </p:cTn>
                   </p:par>
                   <p:par>
-                    <p:cTn id="19" fill="hold">
+                    <p:cTn id="13" fill="hold">
                       <p:stCondLst>
                         <p:cond delay="indefinite"/>
                       </p:stCondLst>
                       <p:childTnLst>
                         <p:par>
-                          <p:cTn id="20" fill="hold">
+                          <p:cTn id="14" fill="hold">
                             <p:stCondLst>
                               <p:cond delay="0"/>
                             </p:stCondLst>
                             <p:childTnLst>
                               <p:par>
-                                <p:cTn id="21" presetID="10" presetClass="entr" presetSubtype="0" fill="hold" nodeType="clickEffect">
+                                <p:cTn id="15" presetID="10" presetClass="entr" presetSubtype="0" fill="hold" nodeType="clickEffect">
                                   <p:stCondLst>
                                     <p:cond delay="0"/>
                                   </p:stCondLst>
                                   <p:childTnLst>
                                     <p:set>
                                       <p:cBhvr>
-                                        <p:cTn id="22" dur="1" fill="hold">
+                                        <p:cTn id="16" dur="1" fill="hold">
                                           <p:stCondLst>
                                             <p:cond delay="0"/>
                                           </p:stCondLst>
@@ -37401,48 +35983,13 @@
                                     </p:set>
                                     <p:animEffect transition="in" filter="fade">
                                       <p:cBhvr>
-                                        <p:cTn id="23" dur="1000"/>
+                                        <p:cTn id="17" dur="1000"/>
                                         <p:tgtEl>
                                           <p:spTgt spid="3">
                                             <p:txEl>
                                               <p:pRg st="2" end="2"/>
                                             </p:txEl>
                                           </p:spTgt>
-                                        </p:tgtEl>
-                                      </p:cBhvr>
-                                    </p:animEffect>
-                                  </p:childTnLst>
-                                </p:cTn>
-                              </p:par>
-                              <p:par>
-                                <p:cTn id="24" presetID="10" presetClass="entr" presetSubtype="0" fill="hold" nodeType="withEffect">
-                                  <p:stCondLst>
-                                    <p:cond delay="0"/>
-                                  </p:stCondLst>
-                                  <p:childTnLst>
-                                    <p:set>
-                                      <p:cBhvr>
-                                        <p:cTn id="25" dur="1" fill="hold">
-                                          <p:stCondLst>
-                                            <p:cond delay="0"/>
-                                          </p:stCondLst>
-                                        </p:cTn>
-                                        <p:tgtEl>
-                                          <p:spTgt spid="39"/>
-                                        </p:tgtEl>
-                                        <p:attrNameLst>
-                                          <p:attrName>style.visibility</p:attrName>
-                                        </p:attrNameLst>
-                                      </p:cBhvr>
-                                      <p:to>
-                                        <p:strVal val="visible"/>
-                                      </p:to>
-                                    </p:set>
-                                    <p:animEffect transition="in" filter="fade">
-                                      <p:cBhvr>
-                                        <p:cTn id="26" dur="1000"/>
-                                        <p:tgtEl>
-                                          <p:spTgt spid="39"/>
                                         </p:tgtEl>
                                       </p:cBhvr>
                                     </p:animEffect>
@@ -37456,26 +36003,26 @@
                     </p:cTn>
                   </p:par>
                   <p:par>
-                    <p:cTn id="27" fill="hold">
+                    <p:cTn id="18" fill="hold">
                       <p:stCondLst>
                         <p:cond delay="indefinite"/>
                       </p:stCondLst>
                       <p:childTnLst>
                         <p:par>
-                          <p:cTn id="28" fill="hold">
+                          <p:cTn id="19" fill="hold">
                             <p:stCondLst>
                               <p:cond delay="0"/>
                             </p:stCondLst>
                             <p:childTnLst>
                               <p:par>
-                                <p:cTn id="29" presetID="10" presetClass="entr" presetSubtype="0" fill="hold" nodeType="clickEffect">
+                                <p:cTn id="20" presetID="10" presetClass="entr" presetSubtype="0" fill="hold" nodeType="clickEffect">
                                   <p:stCondLst>
                                     <p:cond delay="0"/>
                                   </p:stCondLst>
                                   <p:childTnLst>
                                     <p:set>
                                       <p:cBhvr>
-                                        <p:cTn id="30" dur="1" fill="hold">
+                                        <p:cTn id="21" dur="1" fill="hold">
                                           <p:stCondLst>
                                             <p:cond delay="0"/>
                                           </p:stCondLst>
@@ -37497,48 +36044,13 @@
                                     </p:set>
                                     <p:animEffect transition="in" filter="fade">
                                       <p:cBhvr>
-                                        <p:cTn id="31" dur="1000"/>
+                                        <p:cTn id="22" dur="1000"/>
                                         <p:tgtEl>
                                           <p:spTgt spid="3">
                                             <p:txEl>
                                               <p:pRg st="3" end="3"/>
                                             </p:txEl>
                                           </p:spTgt>
-                                        </p:tgtEl>
-                                      </p:cBhvr>
-                                    </p:animEffect>
-                                  </p:childTnLst>
-                                </p:cTn>
-                              </p:par>
-                              <p:par>
-                                <p:cTn id="32" presetID="10" presetClass="entr" presetSubtype="0" fill="hold" nodeType="withEffect">
-                                  <p:stCondLst>
-                                    <p:cond delay="0"/>
-                                  </p:stCondLst>
-                                  <p:childTnLst>
-                                    <p:set>
-                                      <p:cBhvr>
-                                        <p:cTn id="33" dur="1" fill="hold">
-                                          <p:stCondLst>
-                                            <p:cond delay="0"/>
-                                          </p:stCondLst>
-                                        </p:cTn>
-                                        <p:tgtEl>
-                                          <p:spTgt spid="12"/>
-                                        </p:tgtEl>
-                                        <p:attrNameLst>
-                                          <p:attrName>style.visibility</p:attrName>
-                                        </p:attrNameLst>
-                                      </p:cBhvr>
-                                      <p:to>
-                                        <p:strVal val="visible"/>
-                                      </p:to>
-                                    </p:set>
-                                    <p:animEffect transition="in" filter="fade">
-                                      <p:cBhvr>
-                                        <p:cTn id="34" dur="1000"/>
-                                        <p:tgtEl>
-                                          <p:spTgt spid="12"/>
                                         </p:tgtEl>
                                       </p:cBhvr>
                                     </p:animEffect>
@@ -37552,26 +36064,26 @@
                     </p:cTn>
                   </p:par>
                   <p:par>
-                    <p:cTn id="35" fill="hold">
+                    <p:cTn id="23" fill="hold">
                       <p:stCondLst>
                         <p:cond delay="indefinite"/>
                       </p:stCondLst>
                       <p:childTnLst>
                         <p:par>
-                          <p:cTn id="36" fill="hold">
+                          <p:cTn id="24" fill="hold">
                             <p:stCondLst>
                               <p:cond delay="0"/>
                             </p:stCondLst>
                             <p:childTnLst>
                               <p:par>
-                                <p:cTn id="37" presetID="10" presetClass="entr" presetSubtype="0" fill="hold" nodeType="clickEffect">
+                                <p:cTn id="25" presetID="10" presetClass="entr" presetSubtype="0" fill="hold" nodeType="clickEffect">
                                   <p:stCondLst>
                                     <p:cond delay="0"/>
                                   </p:stCondLst>
                                   <p:childTnLst>
                                     <p:set>
                                       <p:cBhvr>
-                                        <p:cTn id="38" dur="1" fill="hold">
+                                        <p:cTn id="26" dur="1" fill="hold">
                                           <p:stCondLst>
                                             <p:cond delay="0"/>
                                           </p:stCondLst>
@@ -37593,336 +36105,13 @@
                                     </p:set>
                                     <p:animEffect transition="in" filter="fade">
                                       <p:cBhvr>
-                                        <p:cTn id="39" dur="1000"/>
+                                        <p:cTn id="27" dur="1000"/>
                                         <p:tgtEl>
                                           <p:spTgt spid="3">
                                             <p:txEl>
                                               <p:pRg st="4" end="4"/>
                                             </p:txEl>
                                           </p:spTgt>
-                                        </p:tgtEl>
-                                      </p:cBhvr>
-                                    </p:animEffect>
-                                  </p:childTnLst>
-                                </p:cTn>
-                              </p:par>
-                              <p:par>
-                                <p:cTn id="40" presetID="10" presetClass="entr" presetSubtype="0" fill="hold" nodeType="withEffect">
-                                  <p:stCondLst>
-                                    <p:cond delay="0"/>
-                                  </p:stCondLst>
-                                  <p:childTnLst>
-                                    <p:set>
-                                      <p:cBhvr>
-                                        <p:cTn id="41" dur="1" fill="hold">
-                                          <p:stCondLst>
-                                            <p:cond delay="0"/>
-                                          </p:stCondLst>
-                                        </p:cTn>
-                                        <p:tgtEl>
-                                          <p:spTgt spid="44"/>
-                                        </p:tgtEl>
-                                        <p:attrNameLst>
-                                          <p:attrName>style.visibility</p:attrName>
-                                        </p:attrNameLst>
-                                      </p:cBhvr>
-                                      <p:to>
-                                        <p:strVal val="visible"/>
-                                      </p:to>
-                                    </p:set>
-                                    <p:animEffect transition="in" filter="fade">
-                                      <p:cBhvr>
-                                        <p:cTn id="42" dur="1000"/>
-                                        <p:tgtEl>
-                                          <p:spTgt spid="44"/>
-                                        </p:tgtEl>
-                                      </p:cBhvr>
-                                    </p:animEffect>
-                                  </p:childTnLst>
-                                </p:cTn>
-                              </p:par>
-                            </p:childTnLst>
-                          </p:cTn>
-                        </p:par>
-                      </p:childTnLst>
-                    </p:cTn>
-                  </p:par>
-                  <p:par>
-                    <p:cTn id="43" fill="hold">
-                      <p:stCondLst>
-                        <p:cond delay="indefinite"/>
-                      </p:stCondLst>
-                      <p:childTnLst>
-                        <p:par>
-                          <p:cTn id="44" fill="hold">
-                            <p:stCondLst>
-                              <p:cond delay="0"/>
-                            </p:stCondLst>
-                            <p:childTnLst>
-                              <p:par>
-                                <p:cTn id="45" presetID="10" presetClass="entr" presetSubtype="0" fill="hold" nodeType="clickEffect">
-                                  <p:stCondLst>
-                                    <p:cond delay="0"/>
-                                  </p:stCondLst>
-                                  <p:childTnLst>
-                                    <p:set>
-                                      <p:cBhvr>
-                                        <p:cTn id="46" dur="1" fill="hold">
-                                          <p:stCondLst>
-                                            <p:cond delay="0"/>
-                                          </p:stCondLst>
-                                        </p:cTn>
-                                        <p:tgtEl>
-                                          <p:spTgt spid="3">
-                                            <p:txEl>
-                                              <p:pRg st="5" end="5"/>
-                                            </p:txEl>
-                                          </p:spTgt>
-                                        </p:tgtEl>
-                                        <p:attrNameLst>
-                                          <p:attrName>style.visibility</p:attrName>
-                                        </p:attrNameLst>
-                                      </p:cBhvr>
-                                      <p:to>
-                                        <p:strVal val="visible"/>
-                                      </p:to>
-                                    </p:set>
-                                    <p:animEffect transition="in" filter="fade">
-                                      <p:cBhvr>
-                                        <p:cTn id="47" dur="1000"/>
-                                        <p:tgtEl>
-                                          <p:spTgt spid="3">
-                                            <p:txEl>
-                                              <p:pRg st="5" end="5"/>
-                                            </p:txEl>
-                                          </p:spTgt>
-                                        </p:tgtEl>
-                                      </p:cBhvr>
-                                    </p:animEffect>
-                                  </p:childTnLst>
-                                </p:cTn>
-                              </p:par>
-                              <p:par>
-                                <p:cTn id="48" presetID="10" presetClass="entr" presetSubtype="0" fill="hold" nodeType="withEffect">
-                                  <p:stCondLst>
-                                    <p:cond delay="0"/>
-                                  </p:stCondLst>
-                                  <p:childTnLst>
-                                    <p:set>
-                                      <p:cBhvr>
-                                        <p:cTn id="49" dur="1" fill="hold">
-                                          <p:stCondLst>
-                                            <p:cond delay="0"/>
-                                          </p:stCondLst>
-                                        </p:cTn>
-                                        <p:tgtEl>
-                                          <p:spTgt spid="28"/>
-                                        </p:tgtEl>
-                                        <p:attrNameLst>
-                                          <p:attrName>style.visibility</p:attrName>
-                                        </p:attrNameLst>
-                                      </p:cBhvr>
-                                      <p:to>
-                                        <p:strVal val="visible"/>
-                                      </p:to>
-                                    </p:set>
-                                    <p:animEffect transition="in" filter="fade">
-                                      <p:cBhvr>
-                                        <p:cTn id="50" dur="1000"/>
-                                        <p:tgtEl>
-                                          <p:spTgt spid="28"/>
-                                        </p:tgtEl>
-                                      </p:cBhvr>
-                                    </p:animEffect>
-                                  </p:childTnLst>
-                                </p:cTn>
-                              </p:par>
-                            </p:childTnLst>
-                          </p:cTn>
-                        </p:par>
-                      </p:childTnLst>
-                    </p:cTn>
-                  </p:par>
-                  <p:par>
-                    <p:cTn id="51" fill="hold">
-                      <p:stCondLst>
-                        <p:cond delay="indefinite"/>
-                      </p:stCondLst>
-                      <p:childTnLst>
-                        <p:par>
-                          <p:cTn id="52" fill="hold">
-                            <p:stCondLst>
-                              <p:cond delay="0"/>
-                            </p:stCondLst>
-                            <p:childTnLst>
-                              <p:par>
-                                <p:cTn id="53" presetID="10" presetClass="entr" presetSubtype="0" fill="hold" nodeType="clickEffect">
-                                  <p:stCondLst>
-                                    <p:cond delay="0"/>
-                                  </p:stCondLst>
-                                  <p:childTnLst>
-                                    <p:set>
-                                      <p:cBhvr>
-                                        <p:cTn id="54" dur="1" fill="hold">
-                                          <p:stCondLst>
-                                            <p:cond delay="0"/>
-                                          </p:stCondLst>
-                                        </p:cTn>
-                                        <p:tgtEl>
-                                          <p:spTgt spid="3">
-                                            <p:txEl>
-                                              <p:pRg st="6" end="6"/>
-                                            </p:txEl>
-                                          </p:spTgt>
-                                        </p:tgtEl>
-                                        <p:attrNameLst>
-                                          <p:attrName>style.visibility</p:attrName>
-                                        </p:attrNameLst>
-                                      </p:cBhvr>
-                                      <p:to>
-                                        <p:strVal val="visible"/>
-                                      </p:to>
-                                    </p:set>
-                                    <p:animEffect transition="in" filter="fade">
-                                      <p:cBhvr>
-                                        <p:cTn id="55" dur="1000"/>
-                                        <p:tgtEl>
-                                          <p:spTgt spid="3">
-                                            <p:txEl>
-                                              <p:pRg st="6" end="6"/>
-                                            </p:txEl>
-                                          </p:spTgt>
-                                        </p:tgtEl>
-                                      </p:cBhvr>
-                                    </p:animEffect>
-                                  </p:childTnLst>
-                                </p:cTn>
-                              </p:par>
-                              <p:par>
-                                <p:cTn id="56" presetID="10" presetClass="entr" presetSubtype="0" fill="hold" nodeType="withEffect">
-                                  <p:stCondLst>
-                                    <p:cond delay="0"/>
-                                  </p:stCondLst>
-                                  <p:childTnLst>
-                                    <p:set>
-                                      <p:cBhvr>
-                                        <p:cTn id="57" dur="1" fill="hold">
-                                          <p:stCondLst>
-                                            <p:cond delay="0"/>
-                                          </p:stCondLst>
-                                        </p:cTn>
-                                        <p:tgtEl>
-                                          <p:spTgt spid="59"/>
-                                        </p:tgtEl>
-                                        <p:attrNameLst>
-                                          <p:attrName>style.visibility</p:attrName>
-                                        </p:attrNameLst>
-                                      </p:cBhvr>
-                                      <p:to>
-                                        <p:strVal val="visible"/>
-                                      </p:to>
-                                    </p:set>
-                                    <p:animEffect transition="in" filter="fade">
-                                      <p:cBhvr>
-                                        <p:cTn id="58" dur="1000"/>
-                                        <p:tgtEl>
-                                          <p:spTgt spid="59"/>
-                                        </p:tgtEl>
-                                      </p:cBhvr>
-                                    </p:animEffect>
-                                  </p:childTnLst>
-                                </p:cTn>
-                              </p:par>
-                            </p:childTnLst>
-                          </p:cTn>
-                        </p:par>
-                      </p:childTnLst>
-                    </p:cTn>
-                  </p:par>
-                  <p:par>
-                    <p:cTn id="59" fill="hold">
-                      <p:stCondLst>
-                        <p:cond delay="indefinite"/>
-                      </p:stCondLst>
-                      <p:childTnLst>
-                        <p:par>
-                          <p:cTn id="60" fill="hold">
-                            <p:stCondLst>
-                              <p:cond delay="0"/>
-                            </p:stCondLst>
-                            <p:childTnLst>
-                              <p:par>
-                                <p:cTn id="61" presetID="10" presetClass="entr" presetSubtype="0" fill="hold" nodeType="clickEffect">
-                                  <p:stCondLst>
-                                    <p:cond delay="0"/>
-                                  </p:stCondLst>
-                                  <p:childTnLst>
-                                    <p:set>
-                                      <p:cBhvr>
-                                        <p:cTn id="62" dur="1" fill="hold">
-                                          <p:stCondLst>
-                                            <p:cond delay="0"/>
-                                          </p:stCondLst>
-                                        </p:cTn>
-                                        <p:tgtEl>
-                                          <p:spTgt spid="3">
-                                            <p:txEl>
-                                              <p:pRg st="7" end="7"/>
-                                            </p:txEl>
-                                          </p:spTgt>
-                                        </p:tgtEl>
-                                        <p:attrNameLst>
-                                          <p:attrName>style.visibility</p:attrName>
-                                        </p:attrNameLst>
-                                      </p:cBhvr>
-                                      <p:to>
-                                        <p:strVal val="visible"/>
-                                      </p:to>
-                                    </p:set>
-                                    <p:animEffect transition="in" filter="fade">
-                                      <p:cBhvr>
-                                        <p:cTn id="63" dur="1000"/>
-                                        <p:tgtEl>
-                                          <p:spTgt spid="3">
-                                            <p:txEl>
-                                              <p:pRg st="7" end="7"/>
-                                            </p:txEl>
-                                          </p:spTgt>
-                                        </p:tgtEl>
-                                      </p:cBhvr>
-                                    </p:animEffect>
-                                  </p:childTnLst>
-                                </p:cTn>
-                              </p:par>
-                              <p:par>
-                                <p:cTn id="64" presetID="10" presetClass="entr" presetSubtype="0" fill="hold" nodeType="withEffect">
-                                  <p:stCondLst>
-                                    <p:cond delay="0"/>
-                                  </p:stCondLst>
-                                  <p:childTnLst>
-                                    <p:set>
-                                      <p:cBhvr>
-                                        <p:cTn id="65" dur="1" fill="hold">
-                                          <p:stCondLst>
-                                            <p:cond delay="0"/>
-                                          </p:stCondLst>
-                                        </p:cTn>
-                                        <p:tgtEl>
-                                          <p:spTgt spid="60"/>
-                                        </p:tgtEl>
-                                        <p:attrNameLst>
-                                          <p:attrName>style.visibility</p:attrName>
-                                        </p:attrNameLst>
-                                      </p:cBhvr>
-                                      <p:to>
-                                        <p:strVal val="visible"/>
-                                      </p:to>
-                                    </p:set>
-                                    <p:animEffect transition="in" filter="fade">
-                                      <p:cBhvr>
-                                        <p:cTn id="66" dur="1000"/>
-                                        <p:tgtEl>
-                                          <p:spTgt spid="60"/>
                                         </p:tgtEl>
                                       </p:cBhvr>
                                     </p:animEffect>
@@ -37954,840 +36143,6 @@
             </p:seq>
           </p:childTnLst>
         </p:cTn>
-      </p:par>
-    </p:tnLst>
-  </p:timing>
-</p:sld>
-</file>
-
-<file path=ppt/slides/slide42.xml><?xml version="1.0" encoding="utf-8"?>
-<p:sld xmlns:a="http://schemas.openxmlformats.org/drawingml/2006/main" xmlns:r="http://schemas.openxmlformats.org/officeDocument/2006/relationships" xmlns:p="http://schemas.openxmlformats.org/presentationml/2006/main">
-  <p:cSld>
-    <p:spTree>
-      <p:nvGrpSpPr>
-        <p:cNvPr id="1" name=""/>
-        <p:cNvGrpSpPr/>
-        <p:nvPr/>
-      </p:nvGrpSpPr>
-      <p:grpSpPr>
-        <a:xfrm>
-          <a:off x="0" y="0"/>
-          <a:ext cx="0" cy="0"/>
-          <a:chOff x="0" y="0"/>
-          <a:chExt cx="0" cy="0"/>
-        </a:xfrm>
-      </p:grpSpPr>
-      <p:sp>
-        <p:nvSpPr>
-          <p:cNvPr id="2" name="Title 1"/>
-          <p:cNvSpPr>
-            <a:spLocks noGrp="1"/>
-          </p:cNvSpPr>
-          <p:nvPr>
-            <p:ph type="title"/>
-          </p:nvPr>
-        </p:nvSpPr>
-        <p:spPr/>
-        <p:txBody>
-          <a:bodyPr/>
-          <a:lstStyle/>
-          <a:p>
-            <a:r>
-              <a:rPr lang="en-CA" dirty="0"/>
-              <a:t>Is ALIFE a misnomer?</a:t>
-            </a:r>
-          </a:p>
-        </p:txBody>
-      </p:sp>
-      <p:sp>
-        <p:nvSpPr>
-          <p:cNvPr id="3" name="Content Placeholder 2"/>
-          <p:cNvSpPr>
-            <a:spLocks noGrp="1"/>
-          </p:cNvSpPr>
-          <p:nvPr>
-            <p:ph idx="1"/>
-          </p:nvPr>
-        </p:nvSpPr>
-        <p:spPr/>
-        <p:txBody>
-          <a:bodyPr/>
-          <a:lstStyle/>
-          <a:p>
-            <a:endParaRPr lang="en-CA"/>
-          </a:p>
-        </p:txBody>
-      </p:sp>
-    </p:spTree>
-    <p:extLst>
-      <p:ext uri="{BB962C8B-B14F-4D97-AF65-F5344CB8AC3E}">
-        <p14:creationId xmlns:p14="http://schemas.microsoft.com/office/powerpoint/2010/main" val="2928851732"/>
-      </p:ext>
-    </p:extLst>
-  </p:cSld>
-  <p:clrMapOvr>
-    <a:masterClrMapping/>
-  </p:clrMapOvr>
-  <p:timing>
-    <p:tnLst>
-      <p:par>
-        <p:cTn id="1" dur="indefinite" restart="never" nodeType="tmRoot"/>
-      </p:par>
-    </p:tnLst>
-  </p:timing>
-</p:sld>
-</file>
-
-<file path=ppt/slides/slide43.xml><?xml version="1.0" encoding="utf-8"?>
-<p:sld xmlns:a="http://schemas.openxmlformats.org/drawingml/2006/main" xmlns:r="http://schemas.openxmlformats.org/officeDocument/2006/relationships" xmlns:p="http://schemas.openxmlformats.org/presentationml/2006/main">
-  <p:cSld>
-    <p:spTree>
-      <p:nvGrpSpPr>
-        <p:cNvPr id="1" name=""/>
-        <p:cNvGrpSpPr/>
-        <p:nvPr/>
-      </p:nvGrpSpPr>
-      <p:grpSpPr>
-        <a:xfrm>
-          <a:off x="0" y="0"/>
-          <a:ext cx="0" cy="0"/>
-          <a:chOff x="0" y="0"/>
-          <a:chExt cx="0" cy="0"/>
-        </a:xfrm>
-      </p:grpSpPr>
-      <p:sp>
-        <p:nvSpPr>
-          <p:cNvPr id="2" name="Title 1"/>
-          <p:cNvSpPr>
-            <a:spLocks noGrp="1"/>
-          </p:cNvSpPr>
-          <p:nvPr>
-            <p:ph type="title"/>
-          </p:nvPr>
-        </p:nvSpPr>
-        <p:spPr/>
-        <p:txBody>
-          <a:bodyPr/>
-          <a:lstStyle/>
-          <a:p>
-            <a:r>
-              <a:rPr lang="en-CA" dirty="0"/>
-              <a:t>Analysis vs. Synthesis revisited</a:t>
-            </a:r>
-          </a:p>
-        </p:txBody>
-      </p:sp>
-      <p:sp>
-        <p:nvSpPr>
-          <p:cNvPr id="3" name="Content Placeholder 2"/>
-          <p:cNvSpPr>
-            <a:spLocks noGrp="1"/>
-          </p:cNvSpPr>
-          <p:nvPr>
-            <p:ph idx="1"/>
-          </p:nvPr>
-        </p:nvSpPr>
-        <p:spPr/>
-        <p:txBody>
-          <a:bodyPr/>
-          <a:lstStyle/>
-          <a:p>
-            <a:endParaRPr lang="en-CA"/>
-          </a:p>
-        </p:txBody>
-      </p:sp>
-    </p:spTree>
-    <p:extLst>
-      <p:ext uri="{BB962C8B-B14F-4D97-AF65-F5344CB8AC3E}">
-        <p14:creationId xmlns:p14="http://schemas.microsoft.com/office/powerpoint/2010/main" val="2402111895"/>
-      </p:ext>
-    </p:extLst>
-  </p:cSld>
-  <p:clrMapOvr>
-    <a:masterClrMapping/>
-  </p:clrMapOvr>
-  <p:timing>
-    <p:tnLst>
-      <p:par>
-        <p:cTn id="1" dur="indefinite" restart="never" nodeType="tmRoot"/>
-      </p:par>
-    </p:tnLst>
-  </p:timing>
-</p:sld>
-</file>
-
-<file path=ppt/slides/slide44.xml><?xml version="1.0" encoding="utf-8"?>
-<p:sld xmlns:a="http://schemas.openxmlformats.org/drawingml/2006/main" xmlns:r="http://schemas.openxmlformats.org/officeDocument/2006/relationships" xmlns:p="http://schemas.openxmlformats.org/presentationml/2006/main">
-  <p:cSld>
-    <p:spTree>
-      <p:nvGrpSpPr>
-        <p:cNvPr id="1" name=""/>
-        <p:cNvGrpSpPr/>
-        <p:nvPr/>
-      </p:nvGrpSpPr>
-      <p:grpSpPr>
-        <a:xfrm>
-          <a:off x="0" y="0"/>
-          <a:ext cx="0" cy="0"/>
-          <a:chOff x="0" y="0"/>
-          <a:chExt cx="0" cy="0"/>
-        </a:xfrm>
-      </p:grpSpPr>
-      <p:sp>
-        <p:nvSpPr>
-          <p:cNvPr id="2" name="Title 1"/>
-          <p:cNvSpPr>
-            <a:spLocks noGrp="1"/>
-          </p:cNvSpPr>
-          <p:nvPr>
-            <p:ph type="title"/>
-          </p:nvPr>
-        </p:nvSpPr>
-        <p:spPr/>
-        <p:txBody>
-          <a:bodyPr/>
-          <a:lstStyle/>
-          <a:p>
-            <a:r>
-              <a:rPr lang="en-CA" dirty="0"/>
-              <a:t>Synthesizing natural phenomena</a:t>
-            </a:r>
-          </a:p>
-        </p:txBody>
-      </p:sp>
-      <p:sp>
-        <p:nvSpPr>
-          <p:cNvPr id="3" name="Content Placeholder 2"/>
-          <p:cNvSpPr>
-            <a:spLocks noGrp="1"/>
-          </p:cNvSpPr>
-          <p:nvPr>
-            <p:ph idx="1"/>
-          </p:nvPr>
-        </p:nvSpPr>
-        <p:spPr/>
-        <p:txBody>
-          <a:bodyPr/>
-          <a:lstStyle/>
-          <a:p>
-            <a:endParaRPr lang="en-CA"/>
-          </a:p>
-        </p:txBody>
-      </p:sp>
-    </p:spTree>
-    <p:extLst>
-      <p:ext uri="{BB962C8B-B14F-4D97-AF65-F5344CB8AC3E}">
-        <p14:creationId xmlns:p14="http://schemas.microsoft.com/office/powerpoint/2010/main" val="761961247"/>
-      </p:ext>
-    </p:extLst>
-  </p:cSld>
-  <p:clrMapOvr>
-    <a:masterClrMapping/>
-  </p:clrMapOvr>
-</p:sld>
-</file>
-
-<file path=ppt/slides/slide45.xml><?xml version="1.0" encoding="utf-8"?>
-<p:sld xmlns:a="http://schemas.openxmlformats.org/drawingml/2006/main" xmlns:r="http://schemas.openxmlformats.org/officeDocument/2006/relationships" xmlns:p="http://schemas.openxmlformats.org/presentationml/2006/main">
-  <p:cSld>
-    <p:spTree>
-      <p:nvGrpSpPr>
-        <p:cNvPr id="1" name=""/>
-        <p:cNvGrpSpPr/>
-        <p:nvPr/>
-      </p:nvGrpSpPr>
-      <p:grpSpPr>
-        <a:xfrm>
-          <a:off x="0" y="0"/>
-          <a:ext cx="0" cy="0"/>
-          <a:chOff x="0" y="0"/>
-          <a:chExt cx="0" cy="0"/>
-        </a:xfrm>
-      </p:grpSpPr>
-      <p:sp>
-        <p:nvSpPr>
-          <p:cNvPr id="2" name="Title 1"/>
-          <p:cNvSpPr>
-            <a:spLocks noGrp="1"/>
-          </p:cNvSpPr>
-          <p:nvPr>
-            <p:ph type="title"/>
-          </p:nvPr>
-        </p:nvSpPr>
-        <p:spPr/>
-        <p:txBody>
-          <a:bodyPr/>
-          <a:lstStyle/>
-          <a:p>
-            <a:r>
-              <a:rPr lang="en-CA" dirty="0"/>
-              <a:t>Artificial computing?</a:t>
-            </a:r>
-          </a:p>
-        </p:txBody>
-      </p:sp>
-      <p:sp>
-        <p:nvSpPr>
-          <p:cNvPr id="3" name="Content Placeholder 2"/>
-          <p:cNvSpPr>
-            <a:spLocks noGrp="1"/>
-          </p:cNvSpPr>
-          <p:nvPr>
-            <p:ph idx="1"/>
-          </p:nvPr>
-        </p:nvSpPr>
-        <p:spPr/>
-        <p:txBody>
-          <a:bodyPr/>
-          <a:lstStyle/>
-          <a:p>
-            <a:endParaRPr lang="en-CA"/>
-          </a:p>
-        </p:txBody>
-      </p:sp>
-    </p:spTree>
-    <p:extLst>
-      <p:ext uri="{BB962C8B-B14F-4D97-AF65-F5344CB8AC3E}">
-        <p14:creationId xmlns:p14="http://schemas.microsoft.com/office/powerpoint/2010/main" val="1213626057"/>
-      </p:ext>
-    </p:extLst>
-  </p:cSld>
-  <p:clrMapOvr>
-    <a:masterClrMapping/>
-  </p:clrMapOvr>
-</p:sld>
-</file>
-
-<file path=ppt/slides/slide46.xml><?xml version="1.0" encoding="utf-8"?>
-<p:sld xmlns:a="http://schemas.openxmlformats.org/drawingml/2006/main" xmlns:r="http://schemas.openxmlformats.org/officeDocument/2006/relationships" xmlns:p="http://schemas.openxmlformats.org/presentationml/2006/main">
-  <p:cSld>
-    <p:spTree>
-      <p:nvGrpSpPr>
-        <p:cNvPr id="1" name=""/>
-        <p:cNvGrpSpPr/>
-        <p:nvPr/>
-      </p:nvGrpSpPr>
-      <p:grpSpPr>
-        <a:xfrm>
-          <a:off x="0" y="0"/>
-          <a:ext cx="0" cy="0"/>
-          <a:chOff x="0" y="0"/>
-          <a:chExt cx="0" cy="0"/>
-        </a:xfrm>
-      </p:grpSpPr>
-      <p:sp>
-        <p:nvSpPr>
-          <p:cNvPr id="2" name="Title 1"/>
-          <p:cNvSpPr>
-            <a:spLocks noGrp="1"/>
-          </p:cNvSpPr>
-          <p:nvPr>
-            <p:ph type="title"/>
-          </p:nvPr>
-        </p:nvSpPr>
-        <p:spPr/>
-        <p:txBody>
-          <a:bodyPr/>
-          <a:lstStyle/>
-          <a:p>
-            <a:r>
-              <a:rPr lang="en-CA" dirty="0"/>
-              <a:t>Computing synthetic natural phenomena</a:t>
-            </a:r>
-          </a:p>
-        </p:txBody>
-      </p:sp>
-      <p:sp>
-        <p:nvSpPr>
-          <p:cNvPr id="3" name="Content Placeholder 2"/>
-          <p:cNvSpPr>
-            <a:spLocks noGrp="1"/>
-          </p:cNvSpPr>
-          <p:nvPr>
-            <p:ph idx="1"/>
-          </p:nvPr>
-        </p:nvSpPr>
-        <p:spPr/>
-        <p:txBody>
-          <a:bodyPr/>
-          <a:lstStyle/>
-          <a:p>
-            <a:endParaRPr lang="en-CA"/>
-          </a:p>
-        </p:txBody>
-      </p:sp>
-    </p:spTree>
-    <p:extLst>
-      <p:ext uri="{BB962C8B-B14F-4D97-AF65-F5344CB8AC3E}">
-        <p14:creationId xmlns:p14="http://schemas.microsoft.com/office/powerpoint/2010/main" val="4098006981"/>
-      </p:ext>
-    </p:extLst>
-  </p:cSld>
-  <p:clrMapOvr>
-    <a:masterClrMapping/>
-  </p:clrMapOvr>
-</p:sld>
-</file>
-
-<file path=ppt/slides/slide47.xml><?xml version="1.0" encoding="utf-8"?>
-<p:sld xmlns:a="http://schemas.openxmlformats.org/drawingml/2006/main" xmlns:r="http://schemas.openxmlformats.org/officeDocument/2006/relationships" xmlns:p="http://schemas.openxmlformats.org/presentationml/2006/main">
-  <p:cSld>
-    <p:spTree>
-      <p:nvGrpSpPr>
-        <p:cNvPr id="1" name=""/>
-        <p:cNvGrpSpPr/>
-        <p:nvPr/>
-      </p:nvGrpSpPr>
-      <p:grpSpPr>
-        <a:xfrm>
-          <a:off x="0" y="0"/>
-          <a:ext cx="0" cy="0"/>
-          <a:chOff x="0" y="0"/>
-          <a:chExt cx="0" cy="0"/>
-        </a:xfrm>
-      </p:grpSpPr>
-      <p:sp>
-        <p:nvSpPr>
-          <p:cNvPr id="2" name="Title 1"/>
-          <p:cNvSpPr>
-            <a:spLocks noGrp="1"/>
-          </p:cNvSpPr>
-          <p:nvPr>
-            <p:ph type="title"/>
-          </p:nvPr>
-        </p:nvSpPr>
-        <p:spPr/>
-        <p:txBody>
-          <a:bodyPr/>
-          <a:lstStyle/>
-          <a:p>
-            <a:r>
-              <a:rPr lang="en-CA" dirty="0"/>
-              <a:t>Tierra</a:t>
-            </a:r>
-          </a:p>
-        </p:txBody>
-      </p:sp>
-      <p:sp>
-        <p:nvSpPr>
-          <p:cNvPr id="3" name="Content Placeholder 2"/>
-          <p:cNvSpPr>
-            <a:spLocks noGrp="1"/>
-          </p:cNvSpPr>
-          <p:nvPr>
-            <p:ph idx="1"/>
-          </p:nvPr>
-        </p:nvSpPr>
-        <p:spPr/>
-        <p:txBody>
-          <a:bodyPr/>
-          <a:lstStyle/>
-          <a:p>
-            <a:endParaRPr lang="en-CA"/>
-          </a:p>
-        </p:txBody>
-      </p:sp>
-    </p:spTree>
-    <p:extLst>
-      <p:ext uri="{BB962C8B-B14F-4D97-AF65-F5344CB8AC3E}">
-        <p14:creationId xmlns:p14="http://schemas.microsoft.com/office/powerpoint/2010/main" val="2104655064"/>
-      </p:ext>
-    </p:extLst>
-  </p:cSld>
-  <p:clrMapOvr>
-    <a:masterClrMapping/>
-  </p:clrMapOvr>
-</p:sld>
-</file>
-
-<file path=ppt/slides/slide5.xml><?xml version="1.0" encoding="utf-8"?>
-<p:sld xmlns:a="http://schemas.openxmlformats.org/drawingml/2006/main" xmlns:r="http://schemas.openxmlformats.org/officeDocument/2006/relationships" xmlns:p="http://schemas.openxmlformats.org/presentationml/2006/main">
-  <p:cSld>
-    <p:spTree>
-      <p:nvGrpSpPr>
-        <p:cNvPr id="1" name=""/>
-        <p:cNvGrpSpPr/>
-        <p:nvPr/>
-      </p:nvGrpSpPr>
-      <p:grpSpPr>
-        <a:xfrm>
-          <a:off x="0" y="0"/>
-          <a:ext cx="0" cy="0"/>
-          <a:chOff x="0" y="0"/>
-          <a:chExt cx="0" cy="0"/>
-        </a:xfrm>
-      </p:grpSpPr>
-      <p:sp>
-        <p:nvSpPr>
-          <p:cNvPr id="2" name="Title 1"/>
-          <p:cNvSpPr>
-            <a:spLocks noGrp="1"/>
-          </p:cNvSpPr>
-          <p:nvPr>
-            <p:ph type="title"/>
-          </p:nvPr>
-        </p:nvSpPr>
-        <p:spPr/>
-        <p:txBody>
-          <a:bodyPr/>
-          <a:lstStyle/>
-          <a:p>
-            <a:r>
-              <a:rPr lang="en-CA" dirty="0"/>
-              <a:t>A few ideas behind AL</a:t>
-            </a:r>
-          </a:p>
-        </p:txBody>
-      </p:sp>
-      <p:sp>
-        <p:nvSpPr>
-          <p:cNvPr id="3" name="Content Placeholder 2"/>
-          <p:cNvSpPr>
-            <a:spLocks noGrp="1"/>
-          </p:cNvSpPr>
-          <p:nvPr>
-            <p:ph idx="1"/>
-          </p:nvPr>
-        </p:nvSpPr>
-        <p:spPr/>
-        <p:txBody>
-          <a:bodyPr/>
-          <a:lstStyle/>
-          <a:p>
-            <a:r>
-              <a:rPr lang="en-CA" dirty="0"/>
-              <a:t>Life is a process</a:t>
-            </a:r>
-          </a:p>
-          <a:p>
-            <a:r>
-              <a:rPr lang="en-CA" dirty="0"/>
-              <a:t>Life can be explored constructively</a:t>
-            </a:r>
-          </a:p>
-          <a:p>
-            <a:r>
-              <a:rPr lang="en-CA" dirty="0"/>
-              <a:t>‘Life’ is independent of substrate</a:t>
-            </a:r>
-          </a:p>
-        </p:txBody>
-      </p:sp>
-    </p:spTree>
-    <p:extLst>
-      <p:ext uri="{BB962C8B-B14F-4D97-AF65-F5344CB8AC3E}">
-        <p14:creationId xmlns:p14="http://schemas.microsoft.com/office/powerpoint/2010/main" val="198058602"/>
-      </p:ext>
-    </p:extLst>
-  </p:cSld>
-  <p:clrMapOvr>
-    <a:masterClrMapping/>
-  </p:clrMapOvr>
-  <p:timing>
-    <p:tnLst>
-      <p:par>
-        <p:cTn id="1" dur="indefinite" restart="never" nodeType="tmRoot"/>
-      </p:par>
-    </p:tnLst>
-  </p:timing>
-</p:sld>
-</file>
-
-<file path=ppt/slides/slide6.xml><?xml version="1.0" encoding="utf-8"?>
-<p:sld xmlns:a="http://schemas.openxmlformats.org/drawingml/2006/main" xmlns:r="http://schemas.openxmlformats.org/officeDocument/2006/relationships" xmlns:p="http://schemas.openxmlformats.org/presentationml/2006/main">
-  <p:cSld>
-    <p:spTree>
-      <p:nvGrpSpPr>
-        <p:cNvPr id="1" name=""/>
-        <p:cNvGrpSpPr/>
-        <p:nvPr/>
-      </p:nvGrpSpPr>
-      <p:grpSpPr>
-        <a:xfrm>
-          <a:off x="0" y="0"/>
-          <a:ext cx="0" cy="0"/>
-          <a:chOff x="0" y="0"/>
-          <a:chExt cx="0" cy="0"/>
-        </a:xfrm>
-      </p:grpSpPr>
-      <p:sp>
-        <p:nvSpPr>
-          <p:cNvPr id="2" name="Title 1"/>
-          <p:cNvSpPr>
-            <a:spLocks noGrp="1"/>
-          </p:cNvSpPr>
-          <p:nvPr>
-            <p:ph type="title"/>
-          </p:nvPr>
-        </p:nvSpPr>
-        <p:spPr/>
-        <p:txBody>
-          <a:bodyPr/>
-          <a:lstStyle/>
-          <a:p>
-            <a:r>
-              <a:rPr lang="en-CA" dirty="0"/>
-              <a:t>Life-as-it-is</a:t>
-            </a:r>
-          </a:p>
-        </p:txBody>
-      </p:sp>
-      <p:sp>
-        <p:nvSpPr>
-          <p:cNvPr id="3" name="Content Placeholder 2"/>
-          <p:cNvSpPr>
-            <a:spLocks noGrp="1"/>
-          </p:cNvSpPr>
-          <p:nvPr>
-            <p:ph idx="1"/>
-          </p:nvPr>
-        </p:nvSpPr>
-        <p:spPr/>
-        <p:txBody>
-          <a:bodyPr/>
-          <a:lstStyle/>
-          <a:p>
-            <a:r>
-              <a:rPr lang="en-CA" dirty="0"/>
-              <a:t>AL contributes models to biological sciences</a:t>
-            </a:r>
-          </a:p>
-          <a:p>
-            <a:r>
-              <a:rPr lang="en-CA" dirty="0"/>
-              <a:t>AL refines its models with contributions of biological </a:t>
-            </a:r>
-            <a:r>
-              <a:rPr lang="en-CA" dirty="0" smtClean="0"/>
-              <a:t>sciences</a:t>
-            </a:r>
-          </a:p>
-          <a:p>
-            <a:r>
-              <a:rPr lang="en-CA" dirty="0" smtClean="0"/>
-              <a:t>Biology is increasingly using AL</a:t>
-            </a:r>
-            <a:endParaRPr lang="en-CA" dirty="0"/>
-          </a:p>
-        </p:txBody>
-      </p:sp>
-    </p:spTree>
-    <p:extLst>
-      <p:ext uri="{BB962C8B-B14F-4D97-AF65-F5344CB8AC3E}">
-        <p14:creationId xmlns:p14="http://schemas.microsoft.com/office/powerpoint/2010/main" val="2279785290"/>
-      </p:ext>
-    </p:extLst>
-  </p:cSld>
-  <p:clrMapOvr>
-    <a:masterClrMapping/>
-  </p:clrMapOvr>
-  <p:timing>
-    <p:tnLst>
-      <p:par>
-        <p:cTn id="1" dur="indefinite" restart="never" nodeType="tmRoot"/>
-      </p:par>
-    </p:tnLst>
-  </p:timing>
-</p:sld>
-</file>
-
-<file path=ppt/slides/slide7.xml><?xml version="1.0" encoding="utf-8"?>
-<p:sld xmlns:a="http://schemas.openxmlformats.org/drawingml/2006/main" xmlns:r="http://schemas.openxmlformats.org/officeDocument/2006/relationships" xmlns:p="http://schemas.openxmlformats.org/presentationml/2006/main">
-  <p:cSld>
-    <p:spTree>
-      <p:nvGrpSpPr>
-        <p:cNvPr id="1" name=""/>
-        <p:cNvGrpSpPr/>
-        <p:nvPr/>
-      </p:nvGrpSpPr>
-      <p:grpSpPr>
-        <a:xfrm>
-          <a:off x="0" y="0"/>
-          <a:ext cx="0" cy="0"/>
-          <a:chOff x="0" y="0"/>
-          <a:chExt cx="0" cy="0"/>
-        </a:xfrm>
-      </p:grpSpPr>
-      <p:sp>
-        <p:nvSpPr>
-          <p:cNvPr id="2" name="Title 1"/>
-          <p:cNvSpPr>
-            <a:spLocks noGrp="1"/>
-          </p:cNvSpPr>
-          <p:nvPr>
-            <p:ph type="title"/>
-          </p:nvPr>
-        </p:nvSpPr>
-        <p:spPr/>
-        <p:txBody>
-          <a:bodyPr/>
-          <a:lstStyle/>
-          <a:p>
-            <a:r>
-              <a:rPr lang="en-CA" dirty="0"/>
-              <a:t>Life-as-it-could-be</a:t>
-            </a:r>
-          </a:p>
-        </p:txBody>
-      </p:sp>
-      <p:sp>
-        <p:nvSpPr>
-          <p:cNvPr id="3" name="Content Placeholder 2"/>
-          <p:cNvSpPr>
-            <a:spLocks noGrp="1"/>
-          </p:cNvSpPr>
-          <p:nvPr>
-            <p:ph idx="1"/>
-          </p:nvPr>
-        </p:nvSpPr>
-        <p:spPr/>
-        <p:txBody>
-          <a:bodyPr/>
-          <a:lstStyle/>
-          <a:p>
-            <a:r>
-              <a:rPr lang="en-CA" dirty="0"/>
-              <a:t>Constructive approach allows exploration of novel forms of life</a:t>
-            </a:r>
-          </a:p>
-          <a:p>
-            <a:r>
-              <a:rPr lang="en-CA" dirty="0"/>
-              <a:t>Low-level rules and agent interaction produce life-like </a:t>
-            </a:r>
-            <a:r>
-              <a:rPr lang="en-CA" dirty="0" smtClean="0"/>
-              <a:t>complexity</a:t>
-            </a:r>
-          </a:p>
-          <a:p>
-            <a:r>
-              <a:rPr lang="en-CA" dirty="0" smtClean="0"/>
-              <a:t>A generalization of biology</a:t>
-            </a:r>
-            <a:endParaRPr lang="en-CA" dirty="0"/>
-          </a:p>
-        </p:txBody>
-      </p:sp>
-    </p:spTree>
-    <p:extLst>
-      <p:ext uri="{BB962C8B-B14F-4D97-AF65-F5344CB8AC3E}">
-        <p14:creationId xmlns:p14="http://schemas.microsoft.com/office/powerpoint/2010/main" val="2241344431"/>
-      </p:ext>
-    </p:extLst>
-  </p:cSld>
-  <p:clrMapOvr>
-    <a:masterClrMapping/>
-  </p:clrMapOvr>
-  <p:timing>
-    <p:tnLst>
-      <p:par>
-        <p:cTn id="1" dur="indefinite" restart="never" nodeType="tmRoot"/>
-      </p:par>
-    </p:tnLst>
-  </p:timing>
-</p:sld>
-</file>
-
-<file path=ppt/slides/slide8.xml><?xml version="1.0" encoding="utf-8"?>
-<p:sld xmlns:a="http://schemas.openxmlformats.org/drawingml/2006/main" xmlns:r="http://schemas.openxmlformats.org/officeDocument/2006/relationships" xmlns:p="http://schemas.openxmlformats.org/presentationml/2006/main">
-  <p:cSld>
-    <p:spTree>
-      <p:nvGrpSpPr>
-        <p:cNvPr id="1" name=""/>
-        <p:cNvGrpSpPr/>
-        <p:nvPr/>
-      </p:nvGrpSpPr>
-      <p:grpSpPr>
-        <a:xfrm>
-          <a:off x="0" y="0"/>
-          <a:ext cx="0" cy="0"/>
-          <a:chOff x="0" y="0"/>
-          <a:chExt cx="0" cy="0"/>
-        </a:xfrm>
-      </p:grpSpPr>
-      <p:sp>
-        <p:nvSpPr>
-          <p:cNvPr id="2" name="Title 1"/>
-          <p:cNvSpPr>
-            <a:spLocks noGrp="1"/>
-          </p:cNvSpPr>
-          <p:nvPr>
-            <p:ph type="title"/>
-          </p:nvPr>
-        </p:nvSpPr>
-        <p:spPr/>
-        <p:txBody>
-          <a:bodyPr/>
-          <a:lstStyle/>
-          <a:p>
-            <a:r>
-              <a:rPr lang="en-CA" dirty="0"/>
-              <a:t>Langton’s Features of AL Models (1988)</a:t>
-            </a:r>
-          </a:p>
-        </p:txBody>
-      </p:sp>
-      <p:sp>
-        <p:nvSpPr>
-          <p:cNvPr id="3" name="Content Placeholder 2"/>
-          <p:cNvSpPr>
-            <a:spLocks noGrp="1"/>
-          </p:cNvSpPr>
-          <p:nvPr>
-            <p:ph idx="1"/>
-          </p:nvPr>
-        </p:nvSpPr>
-        <p:spPr/>
-        <p:txBody>
-          <a:bodyPr/>
-          <a:lstStyle/>
-          <a:p>
-            <a:r>
-              <a:rPr lang="en-CA" dirty="0"/>
-              <a:t>Ensembles, or ecosystems, of agents, or organisms, interacting</a:t>
-            </a:r>
-          </a:p>
-          <a:p>
-            <a:r>
-              <a:rPr lang="en-CA" dirty="0"/>
-              <a:t>No privileged agents – No central control</a:t>
-            </a:r>
-          </a:p>
-          <a:p>
-            <a:r>
-              <a:rPr lang="en-CA" dirty="0"/>
-              <a:t>Agents choose how to interact with agents and the environment</a:t>
-            </a:r>
-          </a:p>
-          <a:p>
-            <a:r>
-              <a:rPr lang="en-CA" dirty="0"/>
-              <a:t>No global rules – Only individual rules</a:t>
-            </a:r>
-          </a:p>
-          <a:p>
-            <a:r>
-              <a:rPr lang="en-CA" dirty="0"/>
-              <a:t>Emergent phenomena are patterns that transcend individuals</a:t>
-            </a:r>
-          </a:p>
-        </p:txBody>
-      </p:sp>
-    </p:spTree>
-    <p:extLst>
-      <p:ext uri="{BB962C8B-B14F-4D97-AF65-F5344CB8AC3E}">
-        <p14:creationId xmlns:p14="http://schemas.microsoft.com/office/powerpoint/2010/main" val="3015421867"/>
-      </p:ext>
-    </p:extLst>
-  </p:cSld>
-  <p:clrMapOvr>
-    <a:masterClrMapping/>
-  </p:clrMapOvr>
-  <p:timing>
-    <p:tnLst>
-      <p:par>
-        <p:cTn id="1" dur="indefinite" restart="never" nodeType="tmRoot"/>
       </p:par>
     </p:tnLst>
   </p:timing>

--- a/CISC879/ChapterPresentation/LectureSlidesCh8.pptx
+++ b/CISC879/ChapterPresentation/LectureSlidesCh8.pptx
@@ -5,7 +5,7 @@
     <p:sldMasterId id="2147483660" r:id="rId1"/>
   </p:sldMasterIdLst>
   <p:notesMasterIdLst>
-    <p:notesMasterId r:id="rId44"/>
+    <p:notesMasterId r:id="rId43"/>
   </p:notesMasterIdLst>
   <p:sldIdLst>
     <p:sldId id="256" r:id="rId2"/>
@@ -49,7 +49,6 @@
     <p:sldId id="300" r:id="rId40"/>
     <p:sldId id="301" r:id="rId41"/>
     <p:sldId id="307" r:id="rId42"/>
-    <p:sldId id="302" r:id="rId43"/>
   </p:sldIdLst>
   <p:sldSz cx="12192000" cy="6858000"/>
   <p:notesSz cx="6858000" cy="9144000"/>
@@ -198,7 +197,6 @@
             <p14:sldId id="300"/>
             <p14:sldId id="301"/>
             <p14:sldId id="307"/>
-            <p14:sldId id="302"/>
           </p14:sldIdLst>
         </p14:section>
       </p14:sectionLst>
@@ -340,11 +338,11 @@
           <c:showPercent val="0"/>
           <c:showBubbleSize val="0"/>
         </c:dLbls>
-        <c:axId val="317610992"/>
-        <c:axId val="317614912"/>
+        <c:axId val="144310136"/>
+        <c:axId val="144311312"/>
       </c:radarChart>
       <c:catAx>
-        <c:axId val="317610992"/>
+        <c:axId val="144310136"/>
         <c:scaling>
           <c:orientation val="minMax"/>
         </c:scaling>
@@ -384,7 +382,7 @@
             <a:endParaRPr lang="en-US"/>
           </a:p>
         </c:txPr>
-        <c:crossAx val="317614912"/>
+        <c:crossAx val="144311312"/>
         <c:crosses val="autoZero"/>
         <c:auto val="1"/>
         <c:lblAlgn val="ctr"/>
@@ -392,7 +390,7 @@
         <c:noMultiLvlLbl val="0"/>
       </c:catAx>
       <c:valAx>
-        <c:axId val="317614912"/>
+        <c:axId val="144311312"/>
         <c:scaling>
           <c:orientation val="minMax"/>
           <c:max val="10"/>
@@ -414,7 +412,7 @@
         <c:majorTickMark val="none"/>
         <c:minorTickMark val="none"/>
         <c:tickLblPos val="nextTo"/>
-        <c:crossAx val="317610992"/>
+        <c:crossAx val="144310136"/>
         <c:crosses val="autoZero"/>
         <c:crossBetween val="between"/>
         <c:majorUnit val="2"/>
@@ -585,11 +583,11 @@
           <c:showPercent val="0"/>
           <c:showBubbleSize val="0"/>
         </c:dLbls>
-        <c:axId val="317610208"/>
-        <c:axId val="317615696"/>
+        <c:axId val="144311704"/>
+        <c:axId val="144312096"/>
       </c:radarChart>
       <c:catAx>
-        <c:axId val="317610208"/>
+        <c:axId val="144311704"/>
         <c:scaling>
           <c:orientation val="minMax"/>
         </c:scaling>
@@ -629,7 +627,7 @@
             <a:endParaRPr lang="en-US"/>
           </a:p>
         </c:txPr>
-        <c:crossAx val="317615696"/>
+        <c:crossAx val="144312096"/>
         <c:crosses val="autoZero"/>
         <c:auto val="1"/>
         <c:lblAlgn val="ctr"/>
@@ -637,7 +635,7 @@
         <c:noMultiLvlLbl val="0"/>
       </c:catAx>
       <c:valAx>
-        <c:axId val="317615696"/>
+        <c:axId val="144312096"/>
         <c:scaling>
           <c:orientation val="minMax"/>
           <c:max val="10"/>
@@ -659,7 +657,7 @@
         <c:majorTickMark val="none"/>
         <c:minorTickMark val="none"/>
         <c:tickLblPos val="nextTo"/>
-        <c:crossAx val="317610208"/>
+        <c:crossAx val="144311704"/>
         <c:crosses val="autoZero"/>
         <c:crossBetween val="between"/>
         <c:majorUnit val="2"/>
@@ -829,11 +827,11 @@
           <c:showPercent val="0"/>
           <c:showBubbleSize val="0"/>
         </c:dLbls>
-        <c:axId val="317616088"/>
-        <c:axId val="317609424"/>
+        <c:axId val="144309744"/>
+        <c:axId val="144313664"/>
       </c:radarChart>
       <c:catAx>
-        <c:axId val="317616088"/>
+        <c:axId val="144309744"/>
         <c:scaling>
           <c:orientation val="minMax"/>
         </c:scaling>
@@ -873,7 +871,7 @@
             <a:endParaRPr lang="en-US"/>
           </a:p>
         </c:txPr>
-        <c:crossAx val="317609424"/>
+        <c:crossAx val="144313664"/>
         <c:crosses val="autoZero"/>
         <c:auto val="1"/>
         <c:lblAlgn val="ctr"/>
@@ -881,7 +879,7 @@
         <c:noMultiLvlLbl val="0"/>
       </c:catAx>
       <c:valAx>
-        <c:axId val="317609424"/>
+        <c:axId val="144313664"/>
         <c:scaling>
           <c:orientation val="minMax"/>
         </c:scaling>
@@ -902,7 +900,7 @@
         <c:majorTickMark val="none"/>
         <c:minorTickMark val="none"/>
         <c:tickLblPos val="nextTo"/>
-        <c:crossAx val="317616088"/>
+        <c:crossAx val="144309744"/>
         <c:crosses val="autoZero"/>
         <c:crossBetween val="between"/>
         <c:majorUnit val="2"/>
@@ -1072,11 +1070,11 @@
           <c:showPercent val="0"/>
           <c:showBubbleSize val="0"/>
         </c:dLbls>
-        <c:axId val="317605896"/>
-        <c:axId val="317614128"/>
+        <c:axId val="144314056"/>
+        <c:axId val="144306608"/>
       </c:radarChart>
       <c:catAx>
-        <c:axId val="317605896"/>
+        <c:axId val="144314056"/>
         <c:scaling>
           <c:orientation val="minMax"/>
         </c:scaling>
@@ -1116,7 +1114,7 @@
             <a:endParaRPr lang="en-US"/>
           </a:p>
         </c:txPr>
-        <c:crossAx val="317614128"/>
+        <c:crossAx val="144306608"/>
         <c:crosses val="autoZero"/>
         <c:auto val="1"/>
         <c:lblAlgn val="ctr"/>
@@ -1124,7 +1122,7 @@
         <c:noMultiLvlLbl val="0"/>
       </c:catAx>
       <c:valAx>
-        <c:axId val="317614128"/>
+        <c:axId val="144306608"/>
         <c:scaling>
           <c:orientation val="minMax"/>
           <c:max val="10"/>
@@ -1146,7 +1144,7 @@
         <c:majorTickMark val="none"/>
         <c:minorTickMark val="none"/>
         <c:tickLblPos val="nextTo"/>
-        <c:crossAx val="317605896"/>
+        <c:crossAx val="144314056"/>
         <c:crosses val="autoZero"/>
         <c:crossBetween val="between"/>
         <c:majorUnit val="2"/>
@@ -38865,1223 +38863,6 @@
 </p:sld>
 </file>
 
-<file path=ppt/slides/slide42.xml><?xml version="1.0" encoding="utf-8"?>
-<p:sld xmlns:a="http://schemas.openxmlformats.org/drawingml/2006/main" xmlns:r="http://schemas.openxmlformats.org/officeDocument/2006/relationships" xmlns:p="http://schemas.openxmlformats.org/presentationml/2006/main">
-  <p:cSld>
-    <p:spTree>
-      <p:nvGrpSpPr>
-        <p:cNvPr id="1" name=""/>
-        <p:cNvGrpSpPr/>
-        <p:nvPr/>
-      </p:nvGrpSpPr>
-      <p:grpSpPr>
-        <a:xfrm>
-          <a:off x="0" y="0"/>
-          <a:ext cx="0" cy="0"/>
-          <a:chOff x="0" y="0"/>
-          <a:chExt cx="0" cy="0"/>
-        </a:xfrm>
-      </p:grpSpPr>
-      <p:sp>
-        <p:nvSpPr>
-          <p:cNvPr id="2" name="Title 1"/>
-          <p:cNvSpPr>
-            <a:spLocks noGrp="1"/>
-          </p:cNvSpPr>
-          <p:nvPr>
-            <p:ph type="title"/>
-          </p:nvPr>
-        </p:nvSpPr>
-        <p:spPr/>
-        <p:txBody>
-          <a:bodyPr/>
-          <a:lstStyle/>
-          <a:p>
-            <a:r>
-              <a:rPr lang="en-CA" dirty="0" smtClean="0"/>
-              <a:t>Farmer and Belin’s Criteria</a:t>
-            </a:r>
-            <a:endParaRPr lang="en-CA" dirty="0"/>
-          </a:p>
-        </p:txBody>
-      </p:sp>
-      <p:sp>
-        <p:nvSpPr>
-          <p:cNvPr id="3" name="Content Placeholder 2"/>
-          <p:cNvSpPr>
-            <a:spLocks noGrp="1"/>
-          </p:cNvSpPr>
-          <p:nvPr>
-            <p:ph idx="1"/>
-          </p:nvPr>
-        </p:nvSpPr>
-        <p:spPr>
-          <a:xfrm>
-            <a:off x="838199" y="1825625"/>
-            <a:ext cx="6866299" cy="4351338"/>
-          </a:xfrm>
-        </p:spPr>
-        <p:txBody>
-          <a:bodyPr>
-            <a:normAutofit/>
-          </a:bodyPr>
-          <a:lstStyle/>
-          <a:p>
-            <a:r>
-              <a:rPr lang="en-CA" dirty="0" smtClean="0"/>
-              <a:t>Pattern</a:t>
-            </a:r>
-            <a:r>
-              <a:rPr lang="en-CA" dirty="0"/>
-              <a:t>, not an object</a:t>
-            </a:r>
-          </a:p>
-          <a:p>
-            <a:r>
-              <a:rPr lang="en-CA" dirty="0" smtClean="0"/>
-              <a:t>Self-reproduction</a:t>
-            </a:r>
-            <a:endParaRPr lang="en-CA" dirty="0"/>
-          </a:p>
-          <a:p>
-            <a:r>
-              <a:rPr lang="en-CA" dirty="0"/>
-              <a:t>Information storage of a self-representation</a:t>
-            </a:r>
-          </a:p>
-          <a:p>
-            <a:r>
-              <a:rPr lang="en-CA" dirty="0"/>
-              <a:t>Metabolism</a:t>
-            </a:r>
-          </a:p>
-          <a:p>
-            <a:r>
-              <a:rPr lang="en-CA" dirty="0"/>
-              <a:t>Interaction with the environment</a:t>
-            </a:r>
-          </a:p>
-          <a:p>
-            <a:r>
-              <a:rPr lang="en-CA" dirty="0"/>
-              <a:t>Interdependence of parts</a:t>
-            </a:r>
-          </a:p>
-          <a:p>
-            <a:r>
-              <a:rPr lang="en-CA" dirty="0"/>
-              <a:t>Stability under perturbation</a:t>
-            </a:r>
-          </a:p>
-          <a:p>
-            <a:r>
-              <a:rPr lang="en-CA" dirty="0"/>
-              <a:t>The ability to evolve</a:t>
-            </a:r>
-          </a:p>
-          <a:p>
-            <a:endParaRPr lang="en-CA" dirty="0"/>
-          </a:p>
-        </p:txBody>
-      </p:sp>
-      <p:grpSp>
-        <p:nvGrpSpPr>
-          <p:cNvPr id="11" name="Group 10"/>
-          <p:cNvGrpSpPr/>
-          <p:nvPr/>
-        </p:nvGrpSpPr>
-        <p:grpSpPr>
-          <a:xfrm>
-            <a:off x="8148120" y="1627317"/>
-            <a:ext cx="903941" cy="657256"/>
-            <a:chOff x="8166226" y="1699741"/>
-            <a:chExt cx="903941" cy="657256"/>
-          </a:xfrm>
-        </p:grpSpPr>
-        <p:sp>
-          <p:nvSpPr>
-            <p:cNvPr id="4" name="Rectangle 3"/>
-            <p:cNvSpPr/>
-            <p:nvPr/>
-          </p:nvSpPr>
-          <p:spPr>
-            <a:xfrm>
-              <a:off x="8274859" y="1888997"/>
-              <a:ext cx="468000" cy="468000"/>
-            </a:xfrm>
-            <a:prstGeom prst="rect">
-              <a:avLst/>
-            </a:prstGeom>
-            <a:noFill/>
-            <a:ln w="28575">
-              <a:solidFill>
-                <a:schemeClr val="tx1"/>
-              </a:solidFill>
-            </a:ln>
-          </p:spPr>
-          <p:style>
-            <a:lnRef idx="2">
-              <a:schemeClr val="accent1">
-                <a:shade val="50000"/>
-              </a:schemeClr>
-            </a:lnRef>
-            <a:fillRef idx="1">
-              <a:schemeClr val="accent1"/>
-            </a:fillRef>
-            <a:effectRef idx="0">
-              <a:schemeClr val="accent1"/>
-            </a:effectRef>
-            <a:fontRef idx="minor">
-              <a:schemeClr val="lt1"/>
-            </a:fontRef>
-          </p:style>
-          <p:txBody>
-            <a:bodyPr rtlCol="0" anchor="ctr"/>
-            <a:lstStyle/>
-            <a:p>
-              <a:pPr algn="ctr"/>
-              <a:endParaRPr lang="en-CA"/>
-            </a:p>
-          </p:txBody>
-        </p:sp>
-        <p:cxnSp>
-          <p:nvCxnSpPr>
-            <p:cNvPr id="6" name="Straight Connector 5"/>
-            <p:cNvCxnSpPr/>
-            <p:nvPr/>
-          </p:nvCxnSpPr>
-          <p:spPr>
-            <a:xfrm>
-              <a:off x="8166226" y="2018923"/>
-              <a:ext cx="342633" cy="283756"/>
-            </a:xfrm>
-            <a:prstGeom prst="line">
-              <a:avLst/>
-            </a:prstGeom>
-            <a:ln w="57150">
-              <a:solidFill>
-                <a:schemeClr val="tx1"/>
-              </a:solidFill>
-            </a:ln>
-          </p:spPr>
-          <p:style>
-            <a:lnRef idx="1">
-              <a:schemeClr val="accent1"/>
-            </a:lnRef>
-            <a:fillRef idx="0">
-              <a:schemeClr val="accent1"/>
-            </a:fillRef>
-            <a:effectRef idx="0">
-              <a:schemeClr val="accent1"/>
-            </a:effectRef>
-            <a:fontRef idx="minor">
-              <a:schemeClr val="tx1"/>
-            </a:fontRef>
-          </p:style>
-        </p:cxnSp>
-        <p:cxnSp>
-          <p:nvCxnSpPr>
-            <p:cNvPr id="8" name="Straight Connector 7"/>
-            <p:cNvCxnSpPr/>
-            <p:nvPr/>
-          </p:nvCxnSpPr>
-          <p:spPr>
-            <a:xfrm flipV="1">
-              <a:off x="8499806" y="1699741"/>
-              <a:ext cx="570361" cy="630097"/>
-            </a:xfrm>
-            <a:prstGeom prst="line">
-              <a:avLst/>
-            </a:prstGeom>
-            <a:ln w="57150">
-              <a:solidFill>
-                <a:schemeClr val="tx1"/>
-              </a:solidFill>
-            </a:ln>
-          </p:spPr>
-          <p:style>
-            <a:lnRef idx="1">
-              <a:schemeClr val="accent1"/>
-            </a:lnRef>
-            <a:fillRef idx="0">
-              <a:schemeClr val="accent1"/>
-            </a:fillRef>
-            <a:effectRef idx="0">
-              <a:schemeClr val="accent1"/>
-            </a:effectRef>
-            <a:fontRef idx="minor">
-              <a:schemeClr val="tx1"/>
-            </a:fontRef>
-          </p:style>
-        </p:cxnSp>
-      </p:grpSp>
-      <p:grpSp>
-        <p:nvGrpSpPr>
-          <p:cNvPr id="12" name="Group 11"/>
-          <p:cNvGrpSpPr/>
-          <p:nvPr/>
-        </p:nvGrpSpPr>
-        <p:grpSpPr>
-          <a:xfrm>
-            <a:off x="8155767" y="3173949"/>
-            <a:ext cx="903941" cy="657256"/>
-            <a:chOff x="8166226" y="1699741"/>
-            <a:chExt cx="903941" cy="657256"/>
-          </a:xfrm>
-        </p:grpSpPr>
-        <p:sp>
-          <p:nvSpPr>
-            <p:cNvPr id="13" name="Rectangle 12"/>
-            <p:cNvSpPr/>
-            <p:nvPr/>
-          </p:nvSpPr>
-          <p:spPr>
-            <a:xfrm>
-              <a:off x="8274859" y="1888997"/>
-              <a:ext cx="468000" cy="468000"/>
-            </a:xfrm>
-            <a:prstGeom prst="rect">
-              <a:avLst/>
-            </a:prstGeom>
-            <a:noFill/>
-            <a:ln w="28575">
-              <a:solidFill>
-                <a:schemeClr val="tx1"/>
-              </a:solidFill>
-            </a:ln>
-          </p:spPr>
-          <p:style>
-            <a:lnRef idx="2">
-              <a:schemeClr val="accent1">
-                <a:shade val="50000"/>
-              </a:schemeClr>
-            </a:lnRef>
-            <a:fillRef idx="1">
-              <a:schemeClr val="accent1"/>
-            </a:fillRef>
-            <a:effectRef idx="0">
-              <a:schemeClr val="accent1"/>
-            </a:effectRef>
-            <a:fontRef idx="minor">
-              <a:schemeClr val="lt1"/>
-            </a:fontRef>
-          </p:style>
-          <p:txBody>
-            <a:bodyPr rtlCol="0" anchor="ctr"/>
-            <a:lstStyle/>
-            <a:p>
-              <a:pPr algn="ctr"/>
-              <a:endParaRPr lang="en-CA"/>
-            </a:p>
-          </p:txBody>
-        </p:sp>
-        <p:cxnSp>
-          <p:nvCxnSpPr>
-            <p:cNvPr id="14" name="Straight Connector 13"/>
-            <p:cNvCxnSpPr/>
-            <p:nvPr/>
-          </p:nvCxnSpPr>
-          <p:spPr>
-            <a:xfrm>
-              <a:off x="8166226" y="2018923"/>
-              <a:ext cx="342633" cy="283756"/>
-            </a:xfrm>
-            <a:prstGeom prst="line">
-              <a:avLst/>
-            </a:prstGeom>
-            <a:ln w="57150">
-              <a:solidFill>
-                <a:schemeClr val="tx1"/>
-              </a:solidFill>
-            </a:ln>
-          </p:spPr>
-          <p:style>
-            <a:lnRef idx="1">
-              <a:schemeClr val="accent1"/>
-            </a:lnRef>
-            <a:fillRef idx="0">
-              <a:schemeClr val="accent1"/>
-            </a:fillRef>
-            <a:effectRef idx="0">
-              <a:schemeClr val="accent1"/>
-            </a:effectRef>
-            <a:fontRef idx="minor">
-              <a:schemeClr val="tx1"/>
-            </a:fontRef>
-          </p:style>
-        </p:cxnSp>
-        <p:cxnSp>
-          <p:nvCxnSpPr>
-            <p:cNvPr id="15" name="Straight Connector 14"/>
-            <p:cNvCxnSpPr/>
-            <p:nvPr/>
-          </p:nvCxnSpPr>
-          <p:spPr>
-            <a:xfrm flipV="1">
-              <a:off x="8499806" y="1699741"/>
-              <a:ext cx="570361" cy="630097"/>
-            </a:xfrm>
-            <a:prstGeom prst="line">
-              <a:avLst/>
-            </a:prstGeom>
-            <a:ln w="57150">
-              <a:solidFill>
-                <a:schemeClr val="tx1"/>
-              </a:solidFill>
-            </a:ln>
-          </p:spPr>
-          <p:style>
-            <a:lnRef idx="1">
-              <a:schemeClr val="accent1"/>
-            </a:lnRef>
-            <a:fillRef idx="0">
-              <a:schemeClr val="accent1"/>
-            </a:fillRef>
-            <a:effectRef idx="0">
-              <a:schemeClr val="accent1"/>
-            </a:effectRef>
-            <a:fontRef idx="minor">
-              <a:schemeClr val="tx1"/>
-            </a:fontRef>
-          </p:style>
-        </p:cxnSp>
-      </p:grpSp>
-      <p:grpSp>
-        <p:nvGrpSpPr>
-          <p:cNvPr id="28" name="Group 27"/>
-          <p:cNvGrpSpPr/>
-          <p:nvPr/>
-        </p:nvGrpSpPr>
-        <p:grpSpPr>
-          <a:xfrm>
-            <a:off x="8154261" y="4201953"/>
-            <a:ext cx="903941" cy="657256"/>
-            <a:chOff x="8166226" y="1699741"/>
-            <a:chExt cx="903941" cy="657256"/>
-          </a:xfrm>
-        </p:grpSpPr>
-        <p:sp>
-          <p:nvSpPr>
-            <p:cNvPr id="29" name="Rectangle 28"/>
-            <p:cNvSpPr/>
-            <p:nvPr/>
-          </p:nvSpPr>
-          <p:spPr>
-            <a:xfrm>
-              <a:off x="8274859" y="1888997"/>
-              <a:ext cx="468000" cy="468000"/>
-            </a:xfrm>
-            <a:prstGeom prst="rect">
-              <a:avLst/>
-            </a:prstGeom>
-            <a:noFill/>
-            <a:ln w="28575">
-              <a:solidFill>
-                <a:schemeClr val="tx1"/>
-              </a:solidFill>
-            </a:ln>
-          </p:spPr>
-          <p:style>
-            <a:lnRef idx="2">
-              <a:schemeClr val="accent1">
-                <a:shade val="50000"/>
-              </a:schemeClr>
-            </a:lnRef>
-            <a:fillRef idx="1">
-              <a:schemeClr val="accent1"/>
-            </a:fillRef>
-            <a:effectRef idx="0">
-              <a:schemeClr val="accent1"/>
-            </a:effectRef>
-            <a:fontRef idx="minor">
-              <a:schemeClr val="lt1"/>
-            </a:fontRef>
-          </p:style>
-          <p:txBody>
-            <a:bodyPr rtlCol="0" anchor="ctr"/>
-            <a:lstStyle/>
-            <a:p>
-              <a:pPr algn="ctr"/>
-              <a:endParaRPr lang="en-CA"/>
-            </a:p>
-          </p:txBody>
-        </p:sp>
-        <p:cxnSp>
-          <p:nvCxnSpPr>
-            <p:cNvPr id="30" name="Straight Connector 29"/>
-            <p:cNvCxnSpPr/>
-            <p:nvPr/>
-          </p:nvCxnSpPr>
-          <p:spPr>
-            <a:xfrm>
-              <a:off x="8166226" y="2018923"/>
-              <a:ext cx="342633" cy="283756"/>
-            </a:xfrm>
-            <a:prstGeom prst="line">
-              <a:avLst/>
-            </a:prstGeom>
-            <a:ln w="57150">
-              <a:solidFill>
-                <a:schemeClr val="tx1"/>
-              </a:solidFill>
-            </a:ln>
-          </p:spPr>
-          <p:style>
-            <a:lnRef idx="1">
-              <a:schemeClr val="accent1"/>
-            </a:lnRef>
-            <a:fillRef idx="0">
-              <a:schemeClr val="accent1"/>
-            </a:fillRef>
-            <a:effectRef idx="0">
-              <a:schemeClr val="accent1"/>
-            </a:effectRef>
-            <a:fontRef idx="minor">
-              <a:schemeClr val="tx1"/>
-            </a:fontRef>
-          </p:style>
-        </p:cxnSp>
-        <p:cxnSp>
-          <p:nvCxnSpPr>
-            <p:cNvPr id="31" name="Straight Connector 30"/>
-            <p:cNvCxnSpPr/>
-            <p:nvPr/>
-          </p:nvCxnSpPr>
-          <p:spPr>
-            <a:xfrm flipV="1">
-              <a:off x="8499806" y="1699741"/>
-              <a:ext cx="570361" cy="630097"/>
-            </a:xfrm>
-            <a:prstGeom prst="line">
-              <a:avLst/>
-            </a:prstGeom>
-            <a:ln w="57150">
-              <a:solidFill>
-                <a:schemeClr val="tx1"/>
-              </a:solidFill>
-            </a:ln>
-          </p:spPr>
-          <p:style>
-            <a:lnRef idx="1">
-              <a:schemeClr val="accent1"/>
-            </a:lnRef>
-            <a:fillRef idx="0">
-              <a:schemeClr val="accent1"/>
-            </a:fillRef>
-            <a:effectRef idx="0">
-              <a:schemeClr val="accent1"/>
-            </a:effectRef>
-            <a:fontRef idx="minor">
-              <a:schemeClr val="tx1"/>
-            </a:fontRef>
-          </p:style>
-        </p:cxnSp>
-      </p:grpSp>
-      <p:grpSp>
-        <p:nvGrpSpPr>
-          <p:cNvPr id="39" name="Group 38"/>
-          <p:cNvGrpSpPr/>
-          <p:nvPr/>
-        </p:nvGrpSpPr>
-        <p:grpSpPr>
-          <a:xfrm>
-            <a:off x="8232154" y="2832889"/>
-            <a:ext cx="486808" cy="475203"/>
-            <a:chOff x="8244087" y="5392054"/>
-            <a:chExt cx="486808" cy="475203"/>
-          </a:xfrm>
-        </p:grpSpPr>
-        <p:grpSp>
-          <p:nvGrpSpPr>
-            <p:cNvPr id="40" name="Group 39"/>
-            <p:cNvGrpSpPr/>
-            <p:nvPr/>
-          </p:nvGrpSpPr>
-          <p:grpSpPr>
-            <a:xfrm>
-              <a:off x="8244087" y="5392054"/>
-              <a:ext cx="486807" cy="475203"/>
-              <a:chOff x="8256052" y="1888997"/>
-              <a:chExt cx="486807" cy="475203"/>
-            </a:xfrm>
-          </p:grpSpPr>
-          <p:sp>
-            <p:nvSpPr>
-              <p:cNvPr id="43" name="Rectangle 42"/>
-              <p:cNvSpPr/>
-              <p:nvPr/>
-            </p:nvSpPr>
-            <p:spPr>
-              <a:xfrm>
-                <a:off x="8274859" y="1888997"/>
-                <a:ext cx="468000" cy="468000"/>
-              </a:xfrm>
-              <a:prstGeom prst="rect">
-                <a:avLst/>
-              </a:prstGeom>
-              <a:noFill/>
-              <a:ln w="28575">
-                <a:solidFill>
-                  <a:schemeClr val="tx1"/>
-                </a:solidFill>
-              </a:ln>
-            </p:spPr>
-            <p:style>
-              <a:lnRef idx="2">
-                <a:schemeClr val="accent1">
-                  <a:shade val="50000"/>
-                </a:schemeClr>
-              </a:lnRef>
-              <a:fillRef idx="1">
-                <a:schemeClr val="accent1"/>
-              </a:fillRef>
-              <a:effectRef idx="0">
-                <a:schemeClr val="accent1"/>
-              </a:effectRef>
-              <a:fontRef idx="minor">
-                <a:schemeClr val="lt1"/>
-              </a:fontRef>
-            </p:style>
-            <p:txBody>
-              <a:bodyPr rtlCol="0" anchor="ctr"/>
-              <a:lstStyle/>
-              <a:p>
-                <a:pPr algn="ctr"/>
-                <a:endParaRPr lang="en-CA"/>
-              </a:p>
-            </p:txBody>
-          </p:sp>
-          <p:cxnSp>
-            <p:nvCxnSpPr>
-              <p:cNvPr id="54" name="Straight Connector 53"/>
-              <p:cNvCxnSpPr/>
-              <p:nvPr/>
-            </p:nvCxnSpPr>
-            <p:spPr>
-              <a:xfrm>
-                <a:off x="8256052" y="1898852"/>
-                <a:ext cx="486807" cy="465348"/>
-              </a:xfrm>
-              <a:prstGeom prst="line">
-                <a:avLst/>
-              </a:prstGeom>
-              <a:ln w="57150">
-                <a:solidFill>
-                  <a:schemeClr val="tx1"/>
-                </a:solidFill>
-              </a:ln>
-            </p:spPr>
-            <p:style>
-              <a:lnRef idx="1">
-                <a:schemeClr val="accent1"/>
-              </a:lnRef>
-              <a:fillRef idx="0">
-                <a:schemeClr val="accent1"/>
-              </a:fillRef>
-              <a:effectRef idx="0">
-                <a:schemeClr val="accent1"/>
-              </a:effectRef>
-              <a:fontRef idx="minor">
-                <a:schemeClr val="tx1"/>
-              </a:fontRef>
-            </p:style>
-          </p:cxnSp>
-        </p:grpSp>
-        <p:cxnSp>
-          <p:nvCxnSpPr>
-            <p:cNvPr id="41" name="Straight Connector 40"/>
-            <p:cNvCxnSpPr/>
-            <p:nvPr/>
-          </p:nvCxnSpPr>
-          <p:spPr>
-            <a:xfrm flipH="1">
-              <a:off x="8262894" y="5399257"/>
-              <a:ext cx="468001" cy="460797"/>
-            </a:xfrm>
-            <a:prstGeom prst="line">
-              <a:avLst/>
-            </a:prstGeom>
-            <a:ln w="57150">
-              <a:solidFill>
-                <a:schemeClr val="tx1"/>
-              </a:solidFill>
-            </a:ln>
-          </p:spPr>
-          <p:style>
-            <a:lnRef idx="1">
-              <a:schemeClr val="accent1"/>
-            </a:lnRef>
-            <a:fillRef idx="0">
-              <a:schemeClr val="accent1"/>
-            </a:fillRef>
-            <a:effectRef idx="0">
-              <a:schemeClr val="accent1"/>
-            </a:effectRef>
-            <a:fontRef idx="minor">
-              <a:schemeClr val="tx1"/>
-            </a:fontRef>
-          </p:style>
-        </p:cxnSp>
-      </p:grpSp>
-      <p:grpSp>
-        <p:nvGrpSpPr>
-          <p:cNvPr id="60" name="Group 59"/>
-          <p:cNvGrpSpPr/>
-          <p:nvPr/>
-        </p:nvGrpSpPr>
-        <p:grpSpPr>
-          <a:xfrm>
-            <a:off x="8260364" y="5427391"/>
-            <a:ext cx="486808" cy="475203"/>
-            <a:chOff x="8244087" y="5392054"/>
-            <a:chExt cx="486808" cy="475203"/>
-          </a:xfrm>
-        </p:grpSpPr>
-        <p:grpSp>
-          <p:nvGrpSpPr>
-            <p:cNvPr id="61" name="Group 60"/>
-            <p:cNvGrpSpPr/>
-            <p:nvPr/>
-          </p:nvGrpSpPr>
-          <p:grpSpPr>
-            <a:xfrm>
-              <a:off x="8244087" y="5392054"/>
-              <a:ext cx="486807" cy="475203"/>
-              <a:chOff x="8256052" y="1888997"/>
-              <a:chExt cx="486807" cy="475203"/>
-            </a:xfrm>
-          </p:grpSpPr>
-          <p:sp>
-            <p:nvSpPr>
-              <p:cNvPr id="63" name="Rectangle 62"/>
-              <p:cNvSpPr/>
-              <p:nvPr/>
-            </p:nvSpPr>
-            <p:spPr>
-              <a:xfrm>
-                <a:off x="8274859" y="1888997"/>
-                <a:ext cx="468000" cy="468000"/>
-              </a:xfrm>
-              <a:prstGeom prst="rect">
-                <a:avLst/>
-              </a:prstGeom>
-              <a:noFill/>
-              <a:ln w="28575">
-                <a:solidFill>
-                  <a:schemeClr val="tx1"/>
-                </a:solidFill>
-              </a:ln>
-            </p:spPr>
-            <p:style>
-              <a:lnRef idx="2">
-                <a:schemeClr val="accent1">
-                  <a:shade val="50000"/>
-                </a:schemeClr>
-              </a:lnRef>
-              <a:fillRef idx="1">
-                <a:schemeClr val="accent1"/>
-              </a:fillRef>
-              <a:effectRef idx="0">
-                <a:schemeClr val="accent1"/>
-              </a:effectRef>
-              <a:fontRef idx="minor">
-                <a:schemeClr val="lt1"/>
-              </a:fontRef>
-            </p:style>
-            <p:txBody>
-              <a:bodyPr rtlCol="0" anchor="ctr"/>
-              <a:lstStyle/>
-              <a:p>
-                <a:pPr algn="ctr"/>
-                <a:endParaRPr lang="en-CA"/>
-              </a:p>
-            </p:txBody>
-          </p:sp>
-          <p:cxnSp>
-            <p:nvCxnSpPr>
-              <p:cNvPr id="64" name="Straight Connector 63"/>
-              <p:cNvCxnSpPr/>
-              <p:nvPr/>
-            </p:nvCxnSpPr>
-            <p:spPr>
-              <a:xfrm>
-                <a:off x="8256052" y="1898852"/>
-                <a:ext cx="486807" cy="465348"/>
-              </a:xfrm>
-              <a:prstGeom prst="line">
-                <a:avLst/>
-              </a:prstGeom>
-              <a:ln w="57150">
-                <a:solidFill>
-                  <a:schemeClr val="tx1"/>
-                </a:solidFill>
-              </a:ln>
-            </p:spPr>
-            <p:style>
-              <a:lnRef idx="1">
-                <a:schemeClr val="accent1"/>
-              </a:lnRef>
-              <a:fillRef idx="0">
-                <a:schemeClr val="accent1"/>
-              </a:fillRef>
-              <a:effectRef idx="0">
-                <a:schemeClr val="accent1"/>
-              </a:effectRef>
-              <a:fontRef idx="minor">
-                <a:schemeClr val="tx1"/>
-              </a:fontRef>
-            </p:style>
-          </p:cxnSp>
-        </p:grpSp>
-        <p:cxnSp>
-          <p:nvCxnSpPr>
-            <p:cNvPr id="62" name="Straight Connector 61"/>
-            <p:cNvCxnSpPr/>
-            <p:nvPr/>
-          </p:nvCxnSpPr>
-          <p:spPr>
-            <a:xfrm flipH="1">
-              <a:off x="8262894" y="5399257"/>
-              <a:ext cx="468001" cy="460797"/>
-            </a:xfrm>
-            <a:prstGeom prst="line">
-              <a:avLst/>
-            </a:prstGeom>
-            <a:ln w="57150">
-              <a:solidFill>
-                <a:schemeClr val="tx1"/>
-              </a:solidFill>
-            </a:ln>
-          </p:spPr>
-          <p:style>
-            <a:lnRef idx="1">
-              <a:schemeClr val="accent1"/>
-            </a:lnRef>
-            <a:fillRef idx="0">
-              <a:schemeClr val="accent1"/>
-            </a:fillRef>
-            <a:effectRef idx="0">
-              <a:schemeClr val="accent1"/>
-            </a:effectRef>
-            <a:fontRef idx="minor">
-              <a:schemeClr val="tx1"/>
-            </a:fontRef>
-          </p:style>
-        </p:cxnSp>
-      </p:grpSp>
-      <p:grpSp>
-        <p:nvGrpSpPr>
-          <p:cNvPr id="44" name="Group 43"/>
-          <p:cNvGrpSpPr/>
-          <p:nvPr/>
-        </p:nvGrpSpPr>
-        <p:grpSpPr>
-          <a:xfrm>
-            <a:off x="8148120" y="3687813"/>
-            <a:ext cx="903941" cy="657256"/>
-            <a:chOff x="8166226" y="1699741"/>
-            <a:chExt cx="903941" cy="657256"/>
-          </a:xfrm>
-        </p:grpSpPr>
-        <p:sp>
-          <p:nvSpPr>
-            <p:cNvPr id="45" name="Rectangle 44"/>
-            <p:cNvSpPr/>
-            <p:nvPr/>
-          </p:nvSpPr>
-          <p:spPr>
-            <a:xfrm>
-              <a:off x="8274859" y="1888997"/>
-              <a:ext cx="468000" cy="468000"/>
-            </a:xfrm>
-            <a:prstGeom prst="rect">
-              <a:avLst/>
-            </a:prstGeom>
-            <a:noFill/>
-            <a:ln w="28575">
-              <a:solidFill>
-                <a:schemeClr val="tx1"/>
-              </a:solidFill>
-            </a:ln>
-          </p:spPr>
-          <p:style>
-            <a:lnRef idx="2">
-              <a:schemeClr val="accent1">
-                <a:shade val="50000"/>
-              </a:schemeClr>
-            </a:lnRef>
-            <a:fillRef idx="1">
-              <a:schemeClr val="accent1"/>
-            </a:fillRef>
-            <a:effectRef idx="0">
-              <a:schemeClr val="accent1"/>
-            </a:effectRef>
-            <a:fontRef idx="minor">
-              <a:schemeClr val="lt1"/>
-            </a:fontRef>
-          </p:style>
-          <p:txBody>
-            <a:bodyPr rtlCol="0" anchor="ctr"/>
-            <a:lstStyle/>
-            <a:p>
-              <a:pPr algn="ctr"/>
-              <a:endParaRPr lang="en-CA"/>
-            </a:p>
-          </p:txBody>
-        </p:sp>
-        <p:cxnSp>
-          <p:nvCxnSpPr>
-            <p:cNvPr id="46" name="Straight Connector 45"/>
-            <p:cNvCxnSpPr/>
-            <p:nvPr/>
-          </p:nvCxnSpPr>
-          <p:spPr>
-            <a:xfrm>
-              <a:off x="8166226" y="2018923"/>
-              <a:ext cx="342633" cy="283756"/>
-            </a:xfrm>
-            <a:prstGeom prst="line">
-              <a:avLst/>
-            </a:prstGeom>
-            <a:ln w="57150">
-              <a:solidFill>
-                <a:schemeClr val="tx1"/>
-              </a:solidFill>
-            </a:ln>
-          </p:spPr>
-          <p:style>
-            <a:lnRef idx="1">
-              <a:schemeClr val="accent1"/>
-            </a:lnRef>
-            <a:fillRef idx="0">
-              <a:schemeClr val="accent1"/>
-            </a:fillRef>
-            <a:effectRef idx="0">
-              <a:schemeClr val="accent1"/>
-            </a:effectRef>
-            <a:fontRef idx="minor">
-              <a:schemeClr val="tx1"/>
-            </a:fontRef>
-          </p:style>
-        </p:cxnSp>
-        <p:cxnSp>
-          <p:nvCxnSpPr>
-            <p:cNvPr id="47" name="Straight Connector 46"/>
-            <p:cNvCxnSpPr/>
-            <p:nvPr/>
-          </p:nvCxnSpPr>
-          <p:spPr>
-            <a:xfrm flipV="1">
-              <a:off x="8499806" y="1699741"/>
-              <a:ext cx="570361" cy="630097"/>
-            </a:xfrm>
-            <a:prstGeom prst="line">
-              <a:avLst/>
-            </a:prstGeom>
-            <a:ln w="57150">
-              <a:solidFill>
-                <a:schemeClr val="tx1"/>
-              </a:solidFill>
-            </a:ln>
-          </p:spPr>
-          <p:style>
-            <a:lnRef idx="1">
-              <a:schemeClr val="accent1"/>
-            </a:lnRef>
-            <a:fillRef idx="0">
-              <a:schemeClr val="accent1"/>
-            </a:fillRef>
-            <a:effectRef idx="0">
-              <a:schemeClr val="accent1"/>
-            </a:effectRef>
-            <a:fontRef idx="minor">
-              <a:schemeClr val="tx1"/>
-            </a:fontRef>
-          </p:style>
-        </p:cxnSp>
-      </p:grpSp>
-      <p:grpSp>
-        <p:nvGrpSpPr>
-          <p:cNvPr id="55" name="Group 54"/>
-          <p:cNvGrpSpPr/>
-          <p:nvPr/>
-        </p:nvGrpSpPr>
-        <p:grpSpPr>
-          <a:xfrm>
-            <a:off x="8155767" y="2134117"/>
-            <a:ext cx="903941" cy="657256"/>
-            <a:chOff x="8166226" y="1699741"/>
-            <a:chExt cx="903941" cy="657256"/>
-          </a:xfrm>
-        </p:grpSpPr>
-        <p:sp>
-          <p:nvSpPr>
-            <p:cNvPr id="56" name="Rectangle 55"/>
-            <p:cNvSpPr/>
-            <p:nvPr/>
-          </p:nvSpPr>
-          <p:spPr>
-            <a:xfrm>
-              <a:off x="8274859" y="1888997"/>
-              <a:ext cx="468000" cy="468000"/>
-            </a:xfrm>
-            <a:prstGeom prst="rect">
-              <a:avLst/>
-            </a:prstGeom>
-            <a:noFill/>
-            <a:ln w="28575">
-              <a:solidFill>
-                <a:schemeClr val="tx1"/>
-              </a:solidFill>
-            </a:ln>
-          </p:spPr>
-          <p:style>
-            <a:lnRef idx="2">
-              <a:schemeClr val="accent1">
-                <a:shade val="50000"/>
-              </a:schemeClr>
-            </a:lnRef>
-            <a:fillRef idx="1">
-              <a:schemeClr val="accent1"/>
-            </a:fillRef>
-            <a:effectRef idx="0">
-              <a:schemeClr val="accent1"/>
-            </a:effectRef>
-            <a:fontRef idx="minor">
-              <a:schemeClr val="lt1"/>
-            </a:fontRef>
-          </p:style>
-          <p:txBody>
-            <a:bodyPr rtlCol="0" anchor="ctr"/>
-            <a:lstStyle/>
-            <a:p>
-              <a:pPr algn="ctr"/>
-              <a:endParaRPr lang="en-CA"/>
-            </a:p>
-          </p:txBody>
-        </p:sp>
-        <p:cxnSp>
-          <p:nvCxnSpPr>
-            <p:cNvPr id="57" name="Straight Connector 56"/>
-            <p:cNvCxnSpPr/>
-            <p:nvPr/>
-          </p:nvCxnSpPr>
-          <p:spPr>
-            <a:xfrm>
-              <a:off x="8166226" y="2018923"/>
-              <a:ext cx="342633" cy="283756"/>
-            </a:xfrm>
-            <a:prstGeom prst="line">
-              <a:avLst/>
-            </a:prstGeom>
-            <a:ln w="57150">
-              <a:solidFill>
-                <a:schemeClr val="tx1"/>
-              </a:solidFill>
-            </a:ln>
-          </p:spPr>
-          <p:style>
-            <a:lnRef idx="1">
-              <a:schemeClr val="accent1"/>
-            </a:lnRef>
-            <a:fillRef idx="0">
-              <a:schemeClr val="accent1"/>
-            </a:fillRef>
-            <a:effectRef idx="0">
-              <a:schemeClr val="accent1"/>
-            </a:effectRef>
-            <a:fontRef idx="minor">
-              <a:schemeClr val="tx1"/>
-            </a:fontRef>
-          </p:style>
-        </p:cxnSp>
-        <p:cxnSp>
-          <p:nvCxnSpPr>
-            <p:cNvPr id="58" name="Straight Connector 57"/>
-            <p:cNvCxnSpPr/>
-            <p:nvPr/>
-          </p:nvCxnSpPr>
-          <p:spPr>
-            <a:xfrm flipV="1">
-              <a:off x="8499806" y="1699741"/>
-              <a:ext cx="570361" cy="630097"/>
-            </a:xfrm>
-            <a:prstGeom prst="line">
-              <a:avLst/>
-            </a:prstGeom>
-            <a:ln w="57150">
-              <a:solidFill>
-                <a:schemeClr val="tx1"/>
-              </a:solidFill>
-            </a:ln>
-          </p:spPr>
-          <p:style>
-            <a:lnRef idx="1">
-              <a:schemeClr val="accent1"/>
-            </a:lnRef>
-            <a:fillRef idx="0">
-              <a:schemeClr val="accent1"/>
-            </a:fillRef>
-            <a:effectRef idx="0">
-              <a:schemeClr val="accent1"/>
-            </a:effectRef>
-            <a:fontRef idx="minor">
-              <a:schemeClr val="tx1"/>
-            </a:fontRef>
-          </p:style>
-        </p:cxnSp>
-      </p:grpSp>
-      <p:grpSp>
-        <p:nvGrpSpPr>
-          <p:cNvPr id="59" name="Group 58"/>
-          <p:cNvGrpSpPr/>
-          <p:nvPr/>
-        </p:nvGrpSpPr>
-        <p:grpSpPr>
-          <a:xfrm>
-            <a:off x="8155767" y="4728894"/>
-            <a:ext cx="903941" cy="657256"/>
-            <a:chOff x="8166226" y="1699741"/>
-            <a:chExt cx="903941" cy="657256"/>
-          </a:xfrm>
-        </p:grpSpPr>
-        <p:sp>
-          <p:nvSpPr>
-            <p:cNvPr id="65" name="Rectangle 64"/>
-            <p:cNvSpPr/>
-            <p:nvPr/>
-          </p:nvSpPr>
-          <p:spPr>
-            <a:xfrm>
-              <a:off x="8274859" y="1888997"/>
-              <a:ext cx="468000" cy="468000"/>
-            </a:xfrm>
-            <a:prstGeom prst="rect">
-              <a:avLst/>
-            </a:prstGeom>
-            <a:noFill/>
-            <a:ln w="28575">
-              <a:solidFill>
-                <a:schemeClr val="tx1"/>
-              </a:solidFill>
-            </a:ln>
-          </p:spPr>
-          <p:style>
-            <a:lnRef idx="2">
-              <a:schemeClr val="accent1">
-                <a:shade val="50000"/>
-              </a:schemeClr>
-            </a:lnRef>
-            <a:fillRef idx="1">
-              <a:schemeClr val="accent1"/>
-            </a:fillRef>
-            <a:effectRef idx="0">
-              <a:schemeClr val="accent1"/>
-            </a:effectRef>
-            <a:fontRef idx="minor">
-              <a:schemeClr val="lt1"/>
-            </a:fontRef>
-          </p:style>
-          <p:txBody>
-            <a:bodyPr rtlCol="0" anchor="ctr"/>
-            <a:lstStyle/>
-            <a:p>
-              <a:pPr algn="ctr"/>
-              <a:endParaRPr lang="en-CA"/>
-            </a:p>
-          </p:txBody>
-        </p:sp>
-        <p:cxnSp>
-          <p:nvCxnSpPr>
-            <p:cNvPr id="66" name="Straight Connector 65"/>
-            <p:cNvCxnSpPr/>
-            <p:nvPr/>
-          </p:nvCxnSpPr>
-          <p:spPr>
-            <a:xfrm>
-              <a:off x="8166226" y="2018923"/>
-              <a:ext cx="342633" cy="283756"/>
-            </a:xfrm>
-            <a:prstGeom prst="line">
-              <a:avLst/>
-            </a:prstGeom>
-            <a:ln w="57150">
-              <a:solidFill>
-                <a:schemeClr val="tx1"/>
-              </a:solidFill>
-            </a:ln>
-          </p:spPr>
-          <p:style>
-            <a:lnRef idx="1">
-              <a:schemeClr val="accent1"/>
-            </a:lnRef>
-            <a:fillRef idx="0">
-              <a:schemeClr val="accent1"/>
-            </a:fillRef>
-            <a:effectRef idx="0">
-              <a:schemeClr val="accent1"/>
-            </a:effectRef>
-            <a:fontRef idx="minor">
-              <a:schemeClr val="tx1"/>
-            </a:fontRef>
-          </p:style>
-        </p:cxnSp>
-        <p:cxnSp>
-          <p:nvCxnSpPr>
-            <p:cNvPr id="67" name="Straight Connector 66"/>
-            <p:cNvCxnSpPr/>
-            <p:nvPr/>
-          </p:nvCxnSpPr>
-          <p:spPr>
-            <a:xfrm flipV="1">
-              <a:off x="8499806" y="1699741"/>
-              <a:ext cx="570361" cy="630097"/>
-            </a:xfrm>
-            <a:prstGeom prst="line">
-              <a:avLst/>
-            </a:prstGeom>
-            <a:ln w="57150">
-              <a:solidFill>
-                <a:schemeClr val="tx1"/>
-              </a:solidFill>
-            </a:ln>
-          </p:spPr>
-          <p:style>
-            <a:lnRef idx="1">
-              <a:schemeClr val="accent1"/>
-            </a:lnRef>
-            <a:fillRef idx="0">
-              <a:schemeClr val="accent1"/>
-            </a:fillRef>
-            <a:effectRef idx="0">
-              <a:schemeClr val="accent1"/>
-            </a:effectRef>
-            <a:fontRef idx="minor">
-              <a:schemeClr val="tx1"/>
-            </a:fontRef>
-          </p:style>
-        </p:cxnSp>
-      </p:grpSp>
-    </p:spTree>
-    <p:extLst>
-      <p:ext uri="{BB962C8B-B14F-4D97-AF65-F5344CB8AC3E}">
-        <p14:creationId xmlns:p14="http://schemas.microsoft.com/office/powerpoint/2010/main" val="945404705"/>
-      </p:ext>
-    </p:extLst>
-  </p:cSld>
-  <p:clrMapOvr>
-    <a:masterClrMapping/>
-  </p:clrMapOvr>
-  <p:timing>
-    <p:tnLst>
-      <p:par>
-        <p:cTn id="1" dur="indefinite" restart="never" nodeType="tmRoot"/>
-      </p:par>
-    </p:tnLst>
-  </p:timing>
-</p:sld>
-</file>
-
 <file path=ppt/slides/slide5.xml><?xml version="1.0" encoding="utf-8"?>
 <p:sld xmlns:a="http://schemas.openxmlformats.org/drawingml/2006/main" xmlns:r="http://schemas.openxmlformats.org/officeDocument/2006/relationships" xmlns:p="http://schemas.openxmlformats.org/presentationml/2006/main">
   <p:cSld>
